--- a/TRAVAUX/powerpointRevisionISTQB.pptx
+++ b/TRAVAUX/powerpointRevisionISTQB.pptx
@@ -7280,7 +7280,7 @@
                 <a:latin typeface="Microsoft JhengHei Light" panose="020B0304030504040204" pitchFamily="34" charset="-120"/>
                 <a:ea typeface="Microsoft JhengHei Light" panose="020B0304030504040204" pitchFamily="34" charset="-120"/>
               </a:rPr>
-              <a:t>Les tests boîtes grises</a:t>
+              <a:t>Les tests boîte grise</a:t>
             </a:r>
             <a:r>
               <a:rPr lang="fr-FR" sz="3600" b="1" dirty="0">
@@ -7371,7 +7371,7 @@
         <p:spPr>
           <a:xfrm>
             <a:off x="1278191" y="1738614"/>
-            <a:ext cx="10205883" cy="369332"/>
+            <a:ext cx="10205883" cy="646331"/>
           </a:xfrm>
           <a:prstGeom prst="rect">
             <a:avLst/>
@@ -7384,6 +7384,7 @@
           </a:bodyPr>
           <a:lstStyle/>
           <a:p>
+            <a:pPr algn="just"/>
             <a:r>
               <a:rPr lang="fr-FR" dirty="0">
                 <a:solidFill>
@@ -7392,8 +7393,296 @@
                 <a:latin typeface="Microsoft JhengHei Light" panose="020B0304030504040204" pitchFamily="34" charset="-120"/>
                 <a:ea typeface="Microsoft JhengHei Light" panose="020B0304030504040204" pitchFamily="34" charset="-120"/>
               </a:rPr>
-              <a:t>Les tests « Boîte grise » compilent les deux précédentes approches (tests boîte blanche et noire)</a:t>
-            </a:r>
+              <a:t>Les tests « Boîte grise » compilent les deux précédentes approches (tests boîte blanche et noire). Ce type de test va cependant vérifier les fonctionnalités et le fonctionnement d’un système.</a:t>
+            </a:r>
+          </a:p>
+        </p:txBody>
+      </p:sp>
+      <p:sp>
+        <p:nvSpPr>
+          <p:cNvPr id="2" name="ZoneTexte 1">
+            <a:extLst>
+              <a:ext uri="{FF2B5EF4-FFF2-40B4-BE49-F238E27FC236}">
+                <a16:creationId xmlns:a16="http://schemas.microsoft.com/office/drawing/2014/main" id="{C041CEB0-CE57-4F95-1524-577C99117D25}"/>
+              </a:ext>
+            </a:extLst>
+          </p:cNvPr>
+          <p:cNvSpPr txBox="1"/>
+          <p:nvPr/>
+        </p:nvSpPr>
+        <p:spPr>
+          <a:xfrm>
+            <a:off x="1278191" y="2564524"/>
+            <a:ext cx="10040755" cy="923330"/>
+          </a:xfrm>
+          <a:prstGeom prst="rect">
+            <a:avLst/>
+          </a:prstGeom>
+          <a:noFill/>
+        </p:spPr>
+        <p:txBody>
+          <a:bodyPr wrap="square" rtlCol="0">
+            <a:spAutoFit/>
+          </a:bodyPr>
+          <a:lstStyle/>
+          <a:p>
+            <a:r>
+              <a:rPr lang="fr-FR" dirty="0">
+                <a:solidFill>
+                  <a:schemeClr val="bg1"/>
+                </a:solidFill>
+                <a:latin typeface="Microsoft JhengHei Light" panose="020B0304030504040204" pitchFamily="34" charset="-120"/>
+                <a:ea typeface="Microsoft JhengHei Light" panose="020B0304030504040204" pitchFamily="34" charset="-120"/>
+              </a:rPr>
+              <a:t>Dans le test boite grise, le testeur doit avoir la connaissance du rôle du système et également des connaissances limitées de ses mécanismes internes (ex : la structure des données internes et les algorithmes utilisées).  </a:t>
+            </a:r>
+          </a:p>
+        </p:txBody>
+      </p:sp>
+      <p:pic>
+        <p:nvPicPr>
+          <p:cNvPr id="10" name="Graphique 9" descr="Avertissement">
+            <a:extLst>
+              <a:ext uri="{FF2B5EF4-FFF2-40B4-BE49-F238E27FC236}">
+                <a16:creationId xmlns:a16="http://schemas.microsoft.com/office/drawing/2014/main" id="{088C6896-F8A2-5FB3-E175-88BBF3AC5C80}"/>
+              </a:ext>
+            </a:extLst>
+          </p:cNvPr>
+          <p:cNvPicPr>
+            <a:picLocks noChangeAspect="1"/>
+          </p:cNvPicPr>
+          <p:nvPr/>
+        </p:nvPicPr>
+        <p:blipFill>
+          <a:blip r:embed="rId2">
+            <a:extLst>
+              <a:ext uri="{28A0092B-C50C-407E-A947-70E740481C1C}">
+                <a14:useLocalDpi xmlns:a14="http://schemas.microsoft.com/office/drawing/2010/main" val="0"/>
+              </a:ext>
+              <a:ext uri="{96DAC541-7B7A-43D3-8B79-37D633B846F1}">
+                <asvg:svgBlip xmlns:asvg="http://schemas.microsoft.com/office/drawing/2016/SVG/main" r:embed="rId3"/>
+              </a:ext>
+            </a:extLst>
+          </a:blip>
+          <a:stretch>
+            <a:fillRect/>
+          </a:stretch>
+        </p:blipFill>
+        <p:spPr>
+          <a:xfrm>
+            <a:off x="1416425" y="3737684"/>
+            <a:ext cx="369332" cy="369332"/>
+          </a:xfrm>
+          <a:prstGeom prst="rect">
+            <a:avLst/>
+          </a:prstGeom>
+        </p:spPr>
+      </p:pic>
+      <p:sp>
+        <p:nvSpPr>
+          <p:cNvPr id="11" name="ZoneTexte 10">
+            <a:extLst>
+              <a:ext uri="{FF2B5EF4-FFF2-40B4-BE49-F238E27FC236}">
+                <a16:creationId xmlns:a16="http://schemas.microsoft.com/office/drawing/2014/main" id="{F7753B37-60E1-6358-8C1D-5123FDE3FCA7}"/>
+              </a:ext>
+            </a:extLst>
+          </p:cNvPr>
+          <p:cNvSpPr txBox="1"/>
+          <p:nvPr/>
+        </p:nvSpPr>
+        <p:spPr>
+          <a:xfrm>
+            <a:off x="1909483" y="3737684"/>
+            <a:ext cx="8046826" cy="369332"/>
+          </a:xfrm>
+          <a:prstGeom prst="rect">
+            <a:avLst/>
+          </a:prstGeom>
+          <a:noFill/>
+        </p:spPr>
+        <p:txBody>
+          <a:bodyPr wrap="square" rtlCol="0">
+            <a:spAutoFit/>
+          </a:bodyPr>
+          <a:lstStyle/>
+          <a:p>
+            <a:r>
+              <a:rPr lang="fr-FR" b="1" dirty="0">
+                <a:highlight>
+                  <a:srgbClr val="FFFF00"/>
+                </a:highlight>
+                <a:latin typeface="Microsoft JhengHei Light" panose="020B0304030504040204" pitchFamily="34" charset="-120"/>
+                <a:ea typeface="Microsoft JhengHei Light" panose="020B0304030504040204" pitchFamily="34" charset="-120"/>
+              </a:rPr>
+              <a:t>Le testeur n’a pas accès au code source de l’application </a:t>
+            </a:r>
+          </a:p>
+        </p:txBody>
+      </p:sp>
+      <p:sp>
+        <p:nvSpPr>
+          <p:cNvPr id="12" name="ZoneTexte 11">
+            <a:extLst>
+              <a:ext uri="{FF2B5EF4-FFF2-40B4-BE49-F238E27FC236}">
+                <a16:creationId xmlns:a16="http://schemas.microsoft.com/office/drawing/2014/main" id="{56067B89-4A47-794D-BAE6-E3AB3BA77A4E}"/>
+              </a:ext>
+            </a:extLst>
+          </p:cNvPr>
+          <p:cNvSpPr txBox="1"/>
+          <p:nvPr/>
+        </p:nvSpPr>
+        <p:spPr>
+          <a:xfrm>
+            <a:off x="1278191" y="4276165"/>
+            <a:ext cx="9737404" cy="3139321"/>
+          </a:xfrm>
+          <a:prstGeom prst="rect">
+            <a:avLst/>
+          </a:prstGeom>
+          <a:noFill/>
+        </p:spPr>
+        <p:txBody>
+          <a:bodyPr wrap="square" rtlCol="0">
+            <a:spAutoFit/>
+          </a:bodyPr>
+          <a:lstStyle/>
+          <a:p>
+            <a:r>
+              <a:rPr lang="fr-FR" dirty="0">
+                <a:solidFill>
+                  <a:schemeClr val="bg1"/>
+                </a:solidFill>
+                <a:latin typeface="Microsoft JhengHei Light" panose="020B0304030504040204" pitchFamily="34" charset="-120"/>
+                <a:ea typeface="Microsoft JhengHei Light" panose="020B0304030504040204" pitchFamily="34" charset="-120"/>
+              </a:rPr>
+              <a:t>Effectivement, le test boite grise combine le test boite blanche et test boîte noire. Cette technique possède deux gros bénéfices :</a:t>
+            </a:r>
+          </a:p>
+          <a:p>
+            <a:endParaRPr lang="fr-FR" dirty="0">
+              <a:solidFill>
+                <a:schemeClr val="bg1"/>
+              </a:solidFill>
+              <a:latin typeface="Microsoft JhengHei Light" panose="020B0304030504040204" pitchFamily="34" charset="-120"/>
+              <a:ea typeface="Microsoft JhengHei Light" panose="020B0304030504040204" pitchFamily="34" charset="-120"/>
+            </a:endParaRPr>
+          </a:p>
+          <a:p>
+            <a:r>
+              <a:rPr lang="fr-FR" dirty="0">
+                <a:solidFill>
+                  <a:schemeClr val="bg1"/>
+                </a:solidFill>
+                <a:latin typeface="Microsoft JhengHei Light" panose="020B0304030504040204" pitchFamily="34" charset="-120"/>
+                <a:ea typeface="Microsoft JhengHei Light" panose="020B0304030504040204" pitchFamily="34" charset="-120"/>
+              </a:rPr>
+              <a:t> * </a:t>
+            </a:r>
+            <a:r>
+              <a:rPr lang="fr-FR" b="1" u="sng" dirty="0">
+                <a:highlight>
+                  <a:srgbClr val="FFFF00"/>
+                </a:highlight>
+                <a:latin typeface="Microsoft JhengHei Light" panose="020B0304030504040204" pitchFamily="34" charset="-120"/>
+                <a:ea typeface="Microsoft JhengHei Light" panose="020B0304030504040204" pitchFamily="34" charset="-120"/>
+              </a:rPr>
+              <a:t>Impartialité</a:t>
+            </a:r>
+            <a:r>
+              <a:rPr lang="fr-FR" dirty="0">
+                <a:solidFill>
+                  <a:schemeClr val="bg1"/>
+                </a:solidFill>
+                <a:latin typeface="Microsoft JhengHei Light" panose="020B0304030504040204" pitchFamily="34" charset="-120"/>
+                <a:ea typeface="Microsoft JhengHei Light" panose="020B0304030504040204" pitchFamily="34" charset="-120"/>
+              </a:rPr>
+              <a:t> : Les tests boite grise gardent une démarcation entre le testeur et le développeur.</a:t>
+            </a:r>
+          </a:p>
+          <a:p>
+            <a:endParaRPr lang="fr-FR" dirty="0">
+              <a:solidFill>
+                <a:schemeClr val="bg1"/>
+              </a:solidFill>
+              <a:latin typeface="Microsoft JhengHei Light" panose="020B0304030504040204" pitchFamily="34" charset="-120"/>
+              <a:ea typeface="Microsoft JhengHei Light" panose="020B0304030504040204" pitchFamily="34" charset="-120"/>
+            </a:endParaRPr>
+          </a:p>
+          <a:p>
+            <a:r>
+              <a:rPr lang="fr-FR" b="1" dirty="0">
+                <a:solidFill>
+                  <a:schemeClr val="bg1"/>
+                </a:solidFill>
+                <a:latin typeface="Microsoft JhengHei Light" panose="020B0304030504040204" pitchFamily="34" charset="-120"/>
+                <a:ea typeface="Microsoft JhengHei Light" panose="020B0304030504040204" pitchFamily="34" charset="-120"/>
+              </a:rPr>
+              <a:t> * </a:t>
+            </a:r>
+            <a:r>
+              <a:rPr lang="fr-FR" b="1" u="sng" dirty="0">
+                <a:highlight>
+                  <a:srgbClr val="FFFF00"/>
+                </a:highlight>
+                <a:latin typeface="Microsoft JhengHei Light" panose="020B0304030504040204" pitchFamily="34" charset="-120"/>
+                <a:ea typeface="Microsoft JhengHei Light" panose="020B0304030504040204" pitchFamily="34" charset="-120"/>
+              </a:rPr>
+              <a:t>Intelligence</a:t>
+            </a:r>
+            <a:r>
+              <a:rPr lang="fr-FR" b="1" u="sng" dirty="0">
+                <a:latin typeface="Microsoft JhengHei Light" panose="020B0304030504040204" pitchFamily="34" charset="-120"/>
+                <a:ea typeface="Microsoft JhengHei Light" panose="020B0304030504040204" pitchFamily="34" charset="-120"/>
+              </a:rPr>
+              <a:t> </a:t>
+            </a:r>
+            <a:r>
+              <a:rPr lang="fr-FR" b="1" dirty="0">
+                <a:solidFill>
+                  <a:schemeClr val="bg1"/>
+                </a:solidFill>
+                <a:latin typeface="Microsoft JhengHei Light" panose="020B0304030504040204" pitchFamily="34" charset="-120"/>
+                <a:ea typeface="Microsoft JhengHei Light" panose="020B0304030504040204" pitchFamily="34" charset="-120"/>
+              </a:rPr>
+              <a:t>:  </a:t>
+            </a:r>
+            <a:r>
+              <a:rPr lang="fr-FR" dirty="0">
+                <a:solidFill>
+                  <a:schemeClr val="bg1"/>
+                </a:solidFill>
+                <a:latin typeface="Microsoft JhengHei Light" panose="020B0304030504040204" pitchFamily="34" charset="-120"/>
+                <a:ea typeface="Microsoft JhengHei Light" panose="020B0304030504040204" pitchFamily="34" charset="-120"/>
+              </a:rPr>
+              <a:t>Le testeur se doit d’avoir la connaissance de la structure interne du programme et peut créer différents scénarios plus variés avec un sens de logique.</a:t>
+            </a:r>
+          </a:p>
+          <a:p>
+            <a:endParaRPr lang="fr-FR" dirty="0">
+              <a:solidFill>
+                <a:schemeClr val="bg1"/>
+              </a:solidFill>
+              <a:latin typeface="Microsoft JhengHei Light" panose="020B0304030504040204" pitchFamily="34" charset="-120"/>
+              <a:ea typeface="Microsoft JhengHei Light" panose="020B0304030504040204" pitchFamily="34" charset="-120"/>
+            </a:endParaRPr>
+          </a:p>
+          <a:p>
+            <a:endParaRPr lang="fr-FR" dirty="0">
+              <a:solidFill>
+                <a:schemeClr val="bg1"/>
+              </a:solidFill>
+              <a:latin typeface="Microsoft JhengHei Light" panose="020B0304030504040204" pitchFamily="34" charset="-120"/>
+              <a:ea typeface="Microsoft JhengHei Light" panose="020B0304030504040204" pitchFamily="34" charset="-120"/>
+            </a:endParaRPr>
+          </a:p>
+          <a:p>
+            <a:endParaRPr lang="fr-FR" dirty="0">
+              <a:solidFill>
+                <a:schemeClr val="bg1"/>
+              </a:solidFill>
+              <a:latin typeface="Microsoft JhengHei Light" panose="020B0304030504040204" pitchFamily="34" charset="-120"/>
+              <a:ea typeface="Microsoft JhengHei Light" panose="020B0304030504040204" pitchFamily="34" charset="-120"/>
+            </a:endParaRPr>
           </a:p>
         </p:txBody>
       </p:sp>
@@ -7667,6 +7956,279 @@
                       </p:childTnLst>
                     </p:cTn>
                   </p:par>
+                  <p:par>
+                    <p:cTn id="24" fill="hold">
+                      <p:stCondLst>
+                        <p:cond delay="indefinite"/>
+                      </p:stCondLst>
+                      <p:childTnLst>
+                        <p:par>
+                          <p:cTn id="25" fill="hold">
+                            <p:stCondLst>
+                              <p:cond delay="0"/>
+                            </p:stCondLst>
+                            <p:childTnLst>
+                              <p:par>
+                                <p:cTn id="26" presetID="10" presetClass="entr" presetSubtype="0" fill="hold" nodeType="clickEffect">
+                                  <p:stCondLst>
+                                    <p:cond delay="0"/>
+                                  </p:stCondLst>
+                                  <p:childTnLst>
+                                    <p:set>
+                                      <p:cBhvr>
+                                        <p:cTn id="27" dur="1" fill="hold">
+                                          <p:stCondLst>
+                                            <p:cond delay="0"/>
+                                          </p:stCondLst>
+                                        </p:cTn>
+                                        <p:tgtEl>
+                                          <p:spTgt spid="8">
+                                            <p:txEl>
+                                              <p:pRg st="0" end="0"/>
+                                            </p:txEl>
+                                          </p:spTgt>
+                                        </p:tgtEl>
+                                        <p:attrNameLst>
+                                          <p:attrName>style.visibility</p:attrName>
+                                        </p:attrNameLst>
+                                      </p:cBhvr>
+                                      <p:to>
+                                        <p:strVal val="visible"/>
+                                      </p:to>
+                                    </p:set>
+                                    <p:animEffect transition="in" filter="fade">
+                                      <p:cBhvr>
+                                        <p:cTn id="28" dur="500"/>
+                                        <p:tgtEl>
+                                          <p:spTgt spid="8">
+                                            <p:txEl>
+                                              <p:pRg st="0" end="0"/>
+                                            </p:txEl>
+                                          </p:spTgt>
+                                        </p:tgtEl>
+                                      </p:cBhvr>
+                                    </p:animEffect>
+                                  </p:childTnLst>
+                                </p:cTn>
+                              </p:par>
+                            </p:childTnLst>
+                          </p:cTn>
+                        </p:par>
+                      </p:childTnLst>
+                    </p:cTn>
+                  </p:par>
+                  <p:par>
+                    <p:cTn id="29" fill="hold">
+                      <p:stCondLst>
+                        <p:cond delay="indefinite"/>
+                      </p:stCondLst>
+                      <p:childTnLst>
+                        <p:par>
+                          <p:cTn id="30" fill="hold">
+                            <p:stCondLst>
+                              <p:cond delay="0"/>
+                            </p:stCondLst>
+                            <p:childTnLst>
+                              <p:par>
+                                <p:cTn id="31" presetID="10" presetClass="entr" presetSubtype="0" fill="hold" grpId="0" nodeType="clickEffect">
+                                  <p:stCondLst>
+                                    <p:cond delay="0"/>
+                                  </p:stCondLst>
+                                  <p:childTnLst>
+                                    <p:set>
+                                      <p:cBhvr>
+                                        <p:cTn id="32" dur="1" fill="hold">
+                                          <p:stCondLst>
+                                            <p:cond delay="0"/>
+                                          </p:stCondLst>
+                                        </p:cTn>
+                                        <p:tgtEl>
+                                          <p:spTgt spid="2"/>
+                                        </p:tgtEl>
+                                        <p:attrNameLst>
+                                          <p:attrName>style.visibility</p:attrName>
+                                        </p:attrNameLst>
+                                      </p:cBhvr>
+                                      <p:to>
+                                        <p:strVal val="visible"/>
+                                      </p:to>
+                                    </p:set>
+                                    <p:animEffect transition="in" filter="fade">
+                                      <p:cBhvr>
+                                        <p:cTn id="33" dur="500"/>
+                                        <p:tgtEl>
+                                          <p:spTgt spid="2"/>
+                                        </p:tgtEl>
+                                      </p:cBhvr>
+                                    </p:animEffect>
+                                  </p:childTnLst>
+                                </p:cTn>
+                              </p:par>
+                            </p:childTnLst>
+                          </p:cTn>
+                        </p:par>
+                      </p:childTnLst>
+                    </p:cTn>
+                  </p:par>
+                  <p:par>
+                    <p:cTn id="34" fill="hold">
+                      <p:stCondLst>
+                        <p:cond delay="indefinite"/>
+                      </p:stCondLst>
+                      <p:childTnLst>
+                        <p:par>
+                          <p:cTn id="35" fill="hold">
+                            <p:stCondLst>
+                              <p:cond delay="0"/>
+                            </p:stCondLst>
+                            <p:childTnLst>
+                              <p:par>
+                                <p:cTn id="36" presetID="10" presetClass="entr" presetSubtype="0" fill="hold" nodeType="clickEffect">
+                                  <p:stCondLst>
+                                    <p:cond delay="0"/>
+                                  </p:stCondLst>
+                                  <p:childTnLst>
+                                    <p:set>
+                                      <p:cBhvr>
+                                        <p:cTn id="37" dur="1" fill="hold">
+                                          <p:stCondLst>
+                                            <p:cond delay="0"/>
+                                          </p:stCondLst>
+                                        </p:cTn>
+                                        <p:tgtEl>
+                                          <p:spTgt spid="10"/>
+                                        </p:tgtEl>
+                                        <p:attrNameLst>
+                                          <p:attrName>style.visibility</p:attrName>
+                                        </p:attrNameLst>
+                                      </p:cBhvr>
+                                      <p:to>
+                                        <p:strVal val="visible"/>
+                                      </p:to>
+                                    </p:set>
+                                    <p:animEffect transition="in" filter="fade">
+                                      <p:cBhvr>
+                                        <p:cTn id="38" dur="500"/>
+                                        <p:tgtEl>
+                                          <p:spTgt spid="10"/>
+                                        </p:tgtEl>
+                                      </p:cBhvr>
+                                    </p:animEffect>
+                                  </p:childTnLst>
+                                </p:cTn>
+                              </p:par>
+                            </p:childTnLst>
+                          </p:cTn>
+                        </p:par>
+                      </p:childTnLst>
+                    </p:cTn>
+                  </p:par>
+                  <p:par>
+                    <p:cTn id="39" fill="hold">
+                      <p:stCondLst>
+                        <p:cond delay="indefinite"/>
+                      </p:stCondLst>
+                      <p:childTnLst>
+                        <p:par>
+                          <p:cTn id="40" fill="hold">
+                            <p:stCondLst>
+                              <p:cond delay="0"/>
+                            </p:stCondLst>
+                            <p:childTnLst>
+                              <p:par>
+                                <p:cTn id="41" presetID="10" presetClass="entr" presetSubtype="0" fill="hold" grpId="0" nodeType="clickEffect">
+                                  <p:stCondLst>
+                                    <p:cond delay="0"/>
+                                  </p:stCondLst>
+                                  <p:childTnLst>
+                                    <p:set>
+                                      <p:cBhvr>
+                                        <p:cTn id="42" dur="1" fill="hold">
+                                          <p:stCondLst>
+                                            <p:cond delay="0"/>
+                                          </p:stCondLst>
+                                        </p:cTn>
+                                        <p:tgtEl>
+                                          <p:spTgt spid="11"/>
+                                        </p:tgtEl>
+                                        <p:attrNameLst>
+                                          <p:attrName>style.visibility</p:attrName>
+                                        </p:attrNameLst>
+                                      </p:cBhvr>
+                                      <p:to>
+                                        <p:strVal val="visible"/>
+                                      </p:to>
+                                    </p:set>
+                                    <p:animEffect transition="in" filter="fade">
+                                      <p:cBhvr>
+                                        <p:cTn id="43" dur="500"/>
+                                        <p:tgtEl>
+                                          <p:spTgt spid="11"/>
+                                        </p:tgtEl>
+                                      </p:cBhvr>
+                                    </p:animEffect>
+                                  </p:childTnLst>
+                                </p:cTn>
+                              </p:par>
+                            </p:childTnLst>
+                          </p:cTn>
+                        </p:par>
+                      </p:childTnLst>
+                    </p:cTn>
+                  </p:par>
+                  <p:par>
+                    <p:cTn id="44" fill="hold">
+                      <p:stCondLst>
+                        <p:cond delay="indefinite"/>
+                      </p:stCondLst>
+                      <p:childTnLst>
+                        <p:par>
+                          <p:cTn id="45" fill="hold">
+                            <p:stCondLst>
+                              <p:cond delay="0"/>
+                            </p:stCondLst>
+                            <p:childTnLst>
+                              <p:par>
+                                <p:cTn id="46" presetID="10" presetClass="entr" presetSubtype="0" fill="hold" grpId="0" nodeType="clickEffect">
+                                  <p:stCondLst>
+                                    <p:cond delay="0"/>
+                                  </p:stCondLst>
+                                  <p:childTnLst>
+                                    <p:set>
+                                      <p:cBhvr>
+                                        <p:cTn id="47" dur="1" fill="hold">
+                                          <p:stCondLst>
+                                            <p:cond delay="0"/>
+                                          </p:stCondLst>
+                                        </p:cTn>
+                                        <p:tgtEl>
+                                          <p:spTgt spid="12"/>
+                                        </p:tgtEl>
+                                        <p:attrNameLst>
+                                          <p:attrName>style.visibility</p:attrName>
+                                        </p:attrNameLst>
+                                      </p:cBhvr>
+                                      <p:to>
+                                        <p:strVal val="visible"/>
+                                      </p:to>
+                                    </p:set>
+                                    <p:animEffect transition="in" filter="fade">
+                                      <p:cBhvr>
+                                        <p:cTn id="48" dur="500"/>
+                                        <p:tgtEl>
+                                          <p:spTgt spid="12"/>
+                                        </p:tgtEl>
+                                      </p:cBhvr>
+                                    </p:animEffect>
+                                  </p:childTnLst>
+                                </p:cTn>
+                              </p:par>
+                            </p:childTnLst>
+                          </p:cTn>
+                        </p:par>
+                      </p:childTnLst>
+                    </p:cTn>
+                  </p:par>
                 </p:childTnLst>
               </p:cTn>
               <p:prevCondLst>
@@ -7691,6 +8253,9 @@
     <p:bldLst>
       <p:bldP spid="6" grpId="0"/>
       <p:bldP spid="7" grpId="0"/>
+      <p:bldP spid="2" grpId="0"/>
+      <p:bldP spid="11" grpId="0"/>
+      <p:bldP spid="12" grpId="0"/>
     </p:bldLst>
   </p:timing>
 </p:sld>

--- a/TRAVAUX/powerpointRevisionISTQB.pptx
+++ b/TRAVAUX/powerpointRevisionISTQB.pptx
@@ -7309,7 +7309,7 @@
         </p:nvSpPr>
         <p:spPr>
           <a:xfrm>
-            <a:off x="1278191" y="1189703"/>
+            <a:off x="1278191" y="1119452"/>
             <a:ext cx="8903111" cy="369332"/>
           </a:xfrm>
           <a:prstGeom prst="rect">
@@ -7370,7 +7370,7 @@
         </p:nvSpPr>
         <p:spPr>
           <a:xfrm>
-            <a:off x="1278191" y="1738614"/>
+            <a:off x="1278191" y="1657933"/>
             <a:ext cx="10205883" cy="646331"/>
           </a:xfrm>
           <a:prstGeom prst="rect">
@@ -7412,7 +7412,7 @@
         </p:nvSpPr>
         <p:spPr>
           <a:xfrm>
-            <a:off x="1278191" y="2564524"/>
+            <a:off x="1278191" y="2473413"/>
             <a:ext cx="10040755" cy="923330"/>
           </a:xfrm>
           <a:prstGeom prst="rect">
@@ -7470,7 +7470,7 @@
         </p:blipFill>
         <p:spPr>
           <a:xfrm>
-            <a:off x="1416425" y="3737684"/>
+            <a:off x="1368254" y="3627765"/>
             <a:ext cx="369332" cy="369332"/>
           </a:xfrm>
           <a:prstGeom prst="rect">
@@ -7492,7 +7492,7 @@
         </p:nvSpPr>
         <p:spPr>
           <a:xfrm>
-            <a:off x="1909483" y="3737684"/>
+            <a:off x="1783977" y="3628205"/>
             <a:ext cx="8046826" cy="369332"/>
           </a:xfrm>
           <a:prstGeom prst="rect">
@@ -7533,7 +7533,7 @@
         </p:nvSpPr>
         <p:spPr>
           <a:xfrm>
-            <a:off x="1278191" y="4276165"/>
+            <a:off x="1368254" y="4228119"/>
             <a:ext cx="9737404" cy="3139321"/>
           </a:xfrm>
           <a:prstGeom prst="rect">

--- a/TRAVAUX/powerpointRevisionISTQB.pptx
+++ b/TRAVAUX/powerpointRevisionISTQB.pptx
@@ -16,16 +16,18 @@
     <p:sldId id="263" r:id="rId10"/>
     <p:sldId id="271" r:id="rId11"/>
     <p:sldId id="272" r:id="rId12"/>
-    <p:sldId id="274" r:id="rId13"/>
-    <p:sldId id="279" r:id="rId14"/>
-    <p:sldId id="280" r:id="rId15"/>
-    <p:sldId id="281" r:id="rId16"/>
-    <p:sldId id="265" r:id="rId17"/>
-    <p:sldId id="266" r:id="rId18"/>
-    <p:sldId id="267" r:id="rId19"/>
-    <p:sldId id="269" r:id="rId20"/>
-    <p:sldId id="268" r:id="rId21"/>
-    <p:sldId id="270" r:id="rId22"/>
+    <p:sldId id="283" r:id="rId13"/>
+    <p:sldId id="274" r:id="rId14"/>
+    <p:sldId id="279" r:id="rId15"/>
+    <p:sldId id="280" r:id="rId16"/>
+    <p:sldId id="281" r:id="rId17"/>
+    <p:sldId id="282" r:id="rId18"/>
+    <p:sldId id="265" r:id="rId19"/>
+    <p:sldId id="266" r:id="rId20"/>
+    <p:sldId id="267" r:id="rId21"/>
+    <p:sldId id="269" r:id="rId22"/>
+    <p:sldId id="268" r:id="rId23"/>
+    <p:sldId id="270" r:id="rId24"/>
   </p:sldIdLst>
   <p:sldSz cx="12192000" cy="6858000"/>
   <p:notesSz cx="6858000" cy="9144000"/>
@@ -4857,6 +4859,799 @@
           <p:cNvPr id="3" name="Connecteur droit 2">
             <a:extLst>
               <a:ext uri="{FF2B5EF4-FFF2-40B4-BE49-F238E27FC236}">
+                <a16:creationId xmlns:a16="http://schemas.microsoft.com/office/drawing/2014/main" id="{836B1DDA-71C5-1022-384F-7FE520BDC91C}"/>
+              </a:ext>
+            </a:extLst>
+          </p:cNvPr>
+          <p:cNvCxnSpPr/>
+          <p:nvPr/>
+        </p:nvCxnSpPr>
+        <p:spPr>
+          <a:xfrm>
+            <a:off x="766916" y="0"/>
+            <a:ext cx="0" cy="6858000"/>
+          </a:xfrm>
+          <a:prstGeom prst="line">
+            <a:avLst/>
+          </a:prstGeom>
+          <a:ln w="76200">
+            <a:solidFill>
+              <a:srgbClr val="FF0000"/>
+            </a:solidFill>
+          </a:ln>
+        </p:spPr>
+        <p:style>
+          <a:lnRef idx="1">
+            <a:schemeClr val="accent1"/>
+          </a:lnRef>
+          <a:fillRef idx="0">
+            <a:schemeClr val="accent1"/>
+          </a:fillRef>
+          <a:effectRef idx="0">
+            <a:schemeClr val="accent1"/>
+          </a:effectRef>
+          <a:fontRef idx="minor">
+            <a:schemeClr val="tx1"/>
+          </a:fontRef>
+        </p:style>
+      </p:cxnSp>
+      <p:cxnSp>
+        <p:nvCxnSpPr>
+          <p:cNvPr id="4" name="Connecteur droit 3">
+            <a:extLst>
+              <a:ext uri="{FF2B5EF4-FFF2-40B4-BE49-F238E27FC236}">
+                <a16:creationId xmlns:a16="http://schemas.microsoft.com/office/drawing/2014/main" id="{97A37915-D80E-A2E9-007B-4ECC5EECF1A4}"/>
+              </a:ext>
+            </a:extLst>
+          </p:cNvPr>
+          <p:cNvCxnSpPr/>
+          <p:nvPr/>
+        </p:nvCxnSpPr>
+        <p:spPr>
+          <a:xfrm>
+            <a:off x="988142" y="0"/>
+            <a:ext cx="0" cy="6858000"/>
+          </a:xfrm>
+          <a:prstGeom prst="line">
+            <a:avLst/>
+          </a:prstGeom>
+          <a:ln w="76200">
+            <a:solidFill>
+              <a:srgbClr val="FF0000"/>
+            </a:solidFill>
+          </a:ln>
+        </p:spPr>
+        <p:style>
+          <a:lnRef idx="1">
+            <a:schemeClr val="accent1"/>
+          </a:lnRef>
+          <a:fillRef idx="0">
+            <a:schemeClr val="accent1"/>
+          </a:fillRef>
+          <a:effectRef idx="0">
+            <a:schemeClr val="accent1"/>
+          </a:effectRef>
+          <a:fontRef idx="minor">
+            <a:schemeClr val="tx1"/>
+          </a:fontRef>
+        </p:style>
+      </p:cxnSp>
+      <p:sp>
+        <p:nvSpPr>
+          <p:cNvPr id="5" name="ZoneTexte 4">
+            <a:extLst>
+              <a:ext uri="{FF2B5EF4-FFF2-40B4-BE49-F238E27FC236}">
+                <a16:creationId xmlns:a16="http://schemas.microsoft.com/office/drawing/2014/main" id="{BFF32C56-C390-EDF6-3808-5357C788000A}"/>
+              </a:ext>
+            </a:extLst>
+          </p:cNvPr>
+          <p:cNvSpPr txBox="1"/>
+          <p:nvPr/>
+        </p:nvSpPr>
+        <p:spPr>
+          <a:xfrm>
+            <a:off x="1278194" y="383458"/>
+            <a:ext cx="7148050" cy="707886"/>
+          </a:xfrm>
+          <a:prstGeom prst="rect">
+            <a:avLst/>
+          </a:prstGeom>
+          <a:noFill/>
+        </p:spPr>
+        <p:txBody>
+          <a:bodyPr wrap="square" rtlCol="0">
+            <a:spAutoFit/>
+          </a:bodyPr>
+          <a:lstStyle/>
+          <a:p>
+            <a:r>
+              <a:rPr lang="fr-FR" sz="4000" b="1" dirty="0">
+                <a:solidFill>
+                  <a:schemeClr val="bg1"/>
+                </a:solidFill>
+                <a:latin typeface="Microsoft JhengHei Light" panose="020B0304030504040204" pitchFamily="34" charset="-120"/>
+                <a:ea typeface="Microsoft JhengHei Light" panose="020B0304030504040204" pitchFamily="34" charset="-120"/>
+              </a:rPr>
+              <a:t>2.2) </a:t>
+            </a:r>
+            <a:r>
+              <a:rPr lang="fr-FR" sz="4000" b="1" u="sng" dirty="0">
+                <a:solidFill>
+                  <a:schemeClr val="bg1"/>
+                </a:solidFill>
+                <a:latin typeface="Microsoft JhengHei Light" panose="020B0304030504040204" pitchFamily="34" charset="-120"/>
+                <a:ea typeface="Microsoft JhengHei Light" panose="020B0304030504040204" pitchFamily="34" charset="-120"/>
+              </a:rPr>
+              <a:t>Les tests fonctionnels</a:t>
+            </a:r>
+            <a:r>
+              <a:rPr lang="fr-FR" sz="4000" b="1" dirty="0">
+                <a:solidFill>
+                  <a:schemeClr val="bg1"/>
+                </a:solidFill>
+                <a:latin typeface="Microsoft JhengHei Light" panose="020B0304030504040204" pitchFamily="34" charset="-120"/>
+                <a:ea typeface="Microsoft JhengHei Light" panose="020B0304030504040204" pitchFamily="34" charset="-120"/>
+              </a:rPr>
+              <a:t> :</a:t>
+            </a:r>
+          </a:p>
+        </p:txBody>
+      </p:sp>
+      <p:sp>
+        <p:nvSpPr>
+          <p:cNvPr id="6" name="ZoneTexte 5">
+            <a:extLst>
+              <a:ext uri="{FF2B5EF4-FFF2-40B4-BE49-F238E27FC236}">
+                <a16:creationId xmlns:a16="http://schemas.microsoft.com/office/drawing/2014/main" id="{8D54742E-5D3B-17D0-9357-0A5DE5E4AA40}"/>
+              </a:ext>
+            </a:extLst>
+          </p:cNvPr>
+          <p:cNvSpPr txBox="1"/>
+          <p:nvPr/>
+        </p:nvSpPr>
+        <p:spPr>
+          <a:xfrm>
+            <a:off x="1278194" y="1327354"/>
+            <a:ext cx="2979174" cy="646331"/>
+          </a:xfrm>
+          <a:prstGeom prst="rect">
+            <a:avLst/>
+          </a:prstGeom>
+          <a:noFill/>
+        </p:spPr>
+        <p:txBody>
+          <a:bodyPr wrap="square" rtlCol="0">
+            <a:spAutoFit/>
+          </a:bodyPr>
+          <a:lstStyle/>
+          <a:p>
+            <a:r>
+              <a:rPr lang="fr-FR" b="1" dirty="0">
+                <a:solidFill>
+                  <a:schemeClr val="bg1"/>
+                </a:solidFill>
+                <a:latin typeface="Microsoft JhengHei Light" panose="020B0304030504040204" pitchFamily="34" charset="-120"/>
+                <a:ea typeface="Microsoft JhengHei Light" panose="020B0304030504040204" pitchFamily="34" charset="-120"/>
+              </a:rPr>
+              <a:t>* </a:t>
+            </a:r>
+            <a:r>
+              <a:rPr lang="fr-FR" b="1" u="sng" dirty="0">
+                <a:solidFill>
+                  <a:schemeClr val="bg1"/>
+                </a:solidFill>
+                <a:latin typeface="Microsoft JhengHei Light" panose="020B0304030504040204" pitchFamily="34" charset="-120"/>
+                <a:ea typeface="Microsoft JhengHei Light" panose="020B0304030504040204" pitchFamily="34" charset="-120"/>
+              </a:rPr>
+              <a:t>Définition</a:t>
+            </a:r>
+            <a:r>
+              <a:rPr lang="fr-FR" b="1" dirty="0">
+                <a:solidFill>
+                  <a:schemeClr val="bg1"/>
+                </a:solidFill>
+                <a:latin typeface="Microsoft JhengHei Light" panose="020B0304030504040204" pitchFamily="34" charset="-120"/>
+                <a:ea typeface="Microsoft JhengHei Light" panose="020B0304030504040204" pitchFamily="34" charset="-120"/>
+              </a:rPr>
+              <a:t> :</a:t>
+            </a:r>
+          </a:p>
+          <a:p>
+            <a:endParaRPr lang="fr-FR" b="1" dirty="0">
+              <a:solidFill>
+                <a:schemeClr val="bg1"/>
+              </a:solidFill>
+              <a:latin typeface="Microsoft JhengHei Light" panose="020B0304030504040204" pitchFamily="34" charset="-120"/>
+              <a:ea typeface="Microsoft JhengHei Light" panose="020B0304030504040204" pitchFamily="34" charset="-120"/>
+            </a:endParaRPr>
+          </a:p>
+        </p:txBody>
+      </p:sp>
+      <p:sp>
+        <p:nvSpPr>
+          <p:cNvPr id="8" name="ZoneTexte 7">
+            <a:extLst>
+              <a:ext uri="{FF2B5EF4-FFF2-40B4-BE49-F238E27FC236}">
+                <a16:creationId xmlns:a16="http://schemas.microsoft.com/office/drawing/2014/main" id="{A388F443-8A1F-3CA4-3312-0398F7A05C97}"/>
+              </a:ext>
+            </a:extLst>
+          </p:cNvPr>
+          <p:cNvSpPr txBox="1"/>
+          <p:nvPr/>
+        </p:nvSpPr>
+        <p:spPr>
+          <a:xfrm>
+            <a:off x="1278194" y="1886529"/>
+            <a:ext cx="10156722" cy="923330"/>
+          </a:xfrm>
+          <a:prstGeom prst="rect">
+            <a:avLst/>
+          </a:prstGeom>
+          <a:noFill/>
+        </p:spPr>
+        <p:txBody>
+          <a:bodyPr wrap="square" rtlCol="0">
+            <a:spAutoFit/>
+          </a:bodyPr>
+          <a:lstStyle/>
+          <a:p>
+            <a:pPr algn="just"/>
+            <a:r>
+              <a:rPr lang="fr-FR" dirty="0">
+                <a:solidFill>
+                  <a:schemeClr val="bg1"/>
+                </a:solidFill>
+                <a:latin typeface="Microsoft JhengHei Light" panose="020B0304030504040204" pitchFamily="34" charset="-120"/>
+                <a:ea typeface="Microsoft JhengHei Light" panose="020B0304030504040204" pitchFamily="34" charset="-120"/>
+              </a:rPr>
+              <a:t>Les tests fonctionnels ou bien « Tests unitaires » en ISTQB, sont définis comme étant des tests réalisés afin d’évaluer la conformité d’un composant ou d’un système répondant aux exigences fonctionnelles.</a:t>
+            </a:r>
+          </a:p>
+        </p:txBody>
+      </p:sp>
+      <p:sp>
+        <p:nvSpPr>
+          <p:cNvPr id="9" name="ZoneTexte 8">
+            <a:extLst>
+              <a:ext uri="{FF2B5EF4-FFF2-40B4-BE49-F238E27FC236}">
+                <a16:creationId xmlns:a16="http://schemas.microsoft.com/office/drawing/2014/main" id="{BE0A8526-2884-EF9C-3D55-6398D5EB98C8}"/>
+              </a:ext>
+            </a:extLst>
+          </p:cNvPr>
+          <p:cNvSpPr txBox="1"/>
+          <p:nvPr/>
+        </p:nvSpPr>
+        <p:spPr>
+          <a:xfrm>
+            <a:off x="1278194" y="3163529"/>
+            <a:ext cx="10373030" cy="2585323"/>
+          </a:xfrm>
+          <a:prstGeom prst="rect">
+            <a:avLst/>
+          </a:prstGeom>
+          <a:noFill/>
+        </p:spPr>
+        <p:txBody>
+          <a:bodyPr wrap="square" rtlCol="0">
+            <a:spAutoFit/>
+          </a:bodyPr>
+          <a:lstStyle/>
+          <a:p>
+            <a:r>
+              <a:rPr lang="fr-FR" dirty="0">
+                <a:solidFill>
+                  <a:schemeClr val="bg1"/>
+                </a:solidFill>
+                <a:latin typeface="Microsoft JhengHei Light" panose="020B0304030504040204" pitchFamily="34" charset="-120"/>
+                <a:ea typeface="Microsoft JhengHei Light" panose="020B0304030504040204" pitchFamily="34" charset="-120"/>
+              </a:rPr>
+              <a:t>Voici un exemple d’un test unitaire d’une page de connexion :</a:t>
+            </a:r>
+          </a:p>
+          <a:p>
+            <a:endParaRPr lang="fr-FR" dirty="0">
+              <a:solidFill>
+                <a:schemeClr val="bg1"/>
+              </a:solidFill>
+              <a:latin typeface="Microsoft JhengHei Light" panose="020B0304030504040204" pitchFamily="34" charset="-120"/>
+              <a:ea typeface="Microsoft JhengHei Light" panose="020B0304030504040204" pitchFamily="34" charset="-120"/>
+            </a:endParaRPr>
+          </a:p>
+          <a:p>
+            <a:r>
+              <a:rPr lang="fr-FR" dirty="0">
+                <a:solidFill>
+                  <a:schemeClr val="bg1"/>
+                </a:solidFill>
+                <a:latin typeface="Microsoft JhengHei Light" panose="020B0304030504040204" pitchFamily="34" charset="-120"/>
+                <a:ea typeface="Microsoft JhengHei Light" panose="020B0304030504040204" pitchFamily="34" charset="-120"/>
+              </a:rPr>
+              <a:t>     	 * Accédez à la page de connexion</a:t>
+            </a:r>
+          </a:p>
+          <a:p>
+            <a:r>
+              <a:rPr lang="fr-FR" dirty="0">
+                <a:solidFill>
+                  <a:schemeClr val="bg1"/>
+                </a:solidFill>
+                <a:latin typeface="Microsoft JhengHei Light" panose="020B0304030504040204" pitchFamily="34" charset="-120"/>
+                <a:ea typeface="Microsoft JhengHei Light" panose="020B0304030504040204" pitchFamily="34" charset="-120"/>
+              </a:rPr>
+              <a:t>     	 * L’utilisateur saisi son adresse email dans le champ « Email »</a:t>
+            </a:r>
+          </a:p>
+          <a:p>
+            <a:r>
+              <a:rPr lang="fr-FR" dirty="0">
+                <a:solidFill>
+                  <a:schemeClr val="bg1"/>
+                </a:solidFill>
+                <a:latin typeface="Microsoft JhengHei Light" panose="020B0304030504040204" pitchFamily="34" charset="-120"/>
+                <a:ea typeface="Microsoft JhengHei Light" panose="020B0304030504040204" pitchFamily="34" charset="-120"/>
+              </a:rPr>
+              <a:t>     	 * Cliquez sur le bouton « Suivant »</a:t>
+            </a:r>
+          </a:p>
+          <a:p>
+            <a:r>
+              <a:rPr lang="fr-FR" dirty="0">
+                <a:solidFill>
+                  <a:schemeClr val="bg1"/>
+                </a:solidFill>
+                <a:latin typeface="Microsoft JhengHei Light" panose="020B0304030504040204" pitchFamily="34" charset="-120"/>
+                <a:ea typeface="Microsoft JhengHei Light" panose="020B0304030504040204" pitchFamily="34" charset="-120"/>
+              </a:rPr>
+              <a:t>    	 * L’utilisateur renseigne son mot de passe dans le champ « Mot de passe »</a:t>
+            </a:r>
+          </a:p>
+          <a:p>
+            <a:r>
+              <a:rPr lang="fr-FR" dirty="0">
+                <a:solidFill>
+                  <a:schemeClr val="bg1"/>
+                </a:solidFill>
+                <a:latin typeface="Microsoft JhengHei Light" panose="020B0304030504040204" pitchFamily="34" charset="-120"/>
+                <a:ea typeface="Microsoft JhengHei Light" panose="020B0304030504040204" pitchFamily="34" charset="-120"/>
+              </a:rPr>
+              <a:t>     	 * Cliquez sur le bouton « Connexion »</a:t>
+            </a:r>
+          </a:p>
+          <a:p>
+            <a:r>
+              <a:rPr lang="fr-FR" dirty="0">
+                <a:solidFill>
+                  <a:schemeClr val="bg1"/>
+                </a:solidFill>
+                <a:latin typeface="Microsoft JhengHei Light" panose="020B0304030504040204" pitchFamily="34" charset="-120"/>
+                <a:ea typeface="Microsoft JhengHei Light" panose="020B0304030504040204" pitchFamily="34" charset="-120"/>
+              </a:rPr>
+              <a:t>     	 * En cas de succès, il sera rediriger dans la page de son profil</a:t>
+            </a:r>
+          </a:p>
+          <a:p>
+            <a:r>
+              <a:rPr lang="fr-FR" dirty="0">
+                <a:solidFill>
+                  <a:schemeClr val="bg1"/>
+                </a:solidFill>
+                <a:latin typeface="Microsoft JhengHei Light" panose="020B0304030504040204" pitchFamily="34" charset="-120"/>
+                <a:ea typeface="Microsoft JhengHei Light" panose="020B0304030504040204" pitchFamily="34" charset="-120"/>
+              </a:rPr>
+              <a:t>     	 * En cas d’échec, un message d’erreur s’affichera</a:t>
+            </a:r>
+          </a:p>
+        </p:txBody>
+      </p:sp>
+    </p:spTree>
+    <p:extLst>
+      <p:ext uri="{BB962C8B-B14F-4D97-AF65-F5344CB8AC3E}">
+        <p14:creationId xmlns:p14="http://schemas.microsoft.com/office/powerpoint/2010/main" val="2497298558"/>
+      </p:ext>
+    </p:extLst>
+  </p:cSld>
+  <p:clrMapOvr>
+    <a:masterClrMapping/>
+  </p:clrMapOvr>
+  <p:timing>
+    <p:tnLst>
+      <p:par>
+        <p:cTn id="1" dur="indefinite" restart="never" nodeType="tmRoot">
+          <p:childTnLst>
+            <p:seq concurrent="1" nextAc="seek">
+              <p:cTn id="2" dur="indefinite" nodeType="mainSeq">
+                <p:childTnLst>
+                  <p:par>
+                    <p:cTn id="3" fill="hold">
+                      <p:stCondLst>
+                        <p:cond delay="indefinite"/>
+                      </p:stCondLst>
+                      <p:childTnLst>
+                        <p:par>
+                          <p:cTn id="4" fill="hold">
+                            <p:stCondLst>
+                              <p:cond delay="0"/>
+                            </p:stCondLst>
+                            <p:childTnLst>
+                              <p:par>
+                                <p:cTn id="5" presetID="10" presetClass="entr" presetSubtype="0" fill="hold" nodeType="clickEffect">
+                                  <p:stCondLst>
+                                    <p:cond delay="0"/>
+                                  </p:stCondLst>
+                                  <p:childTnLst>
+                                    <p:set>
+                                      <p:cBhvr>
+                                        <p:cTn id="6" dur="1" fill="hold">
+                                          <p:stCondLst>
+                                            <p:cond delay="0"/>
+                                          </p:stCondLst>
+                                        </p:cTn>
+                                        <p:tgtEl>
+                                          <p:spTgt spid="3"/>
+                                        </p:tgtEl>
+                                        <p:attrNameLst>
+                                          <p:attrName>style.visibility</p:attrName>
+                                        </p:attrNameLst>
+                                      </p:cBhvr>
+                                      <p:to>
+                                        <p:strVal val="visible"/>
+                                      </p:to>
+                                    </p:set>
+                                    <p:animEffect transition="in" filter="fade">
+                                      <p:cBhvr>
+                                        <p:cTn id="7" dur="500"/>
+                                        <p:tgtEl>
+                                          <p:spTgt spid="3"/>
+                                        </p:tgtEl>
+                                      </p:cBhvr>
+                                    </p:animEffect>
+                                  </p:childTnLst>
+                                </p:cTn>
+                              </p:par>
+                            </p:childTnLst>
+                          </p:cTn>
+                        </p:par>
+                      </p:childTnLst>
+                    </p:cTn>
+                  </p:par>
+                  <p:par>
+                    <p:cTn id="8" fill="hold">
+                      <p:stCondLst>
+                        <p:cond delay="indefinite"/>
+                      </p:stCondLst>
+                      <p:childTnLst>
+                        <p:par>
+                          <p:cTn id="9" fill="hold">
+                            <p:stCondLst>
+                              <p:cond delay="0"/>
+                            </p:stCondLst>
+                            <p:childTnLst>
+                              <p:par>
+                                <p:cTn id="10" presetID="10" presetClass="entr" presetSubtype="0" fill="hold" nodeType="clickEffect">
+                                  <p:stCondLst>
+                                    <p:cond delay="0"/>
+                                  </p:stCondLst>
+                                  <p:childTnLst>
+                                    <p:set>
+                                      <p:cBhvr>
+                                        <p:cTn id="11" dur="1" fill="hold">
+                                          <p:stCondLst>
+                                            <p:cond delay="0"/>
+                                          </p:stCondLst>
+                                        </p:cTn>
+                                        <p:tgtEl>
+                                          <p:spTgt spid="4"/>
+                                        </p:tgtEl>
+                                        <p:attrNameLst>
+                                          <p:attrName>style.visibility</p:attrName>
+                                        </p:attrNameLst>
+                                      </p:cBhvr>
+                                      <p:to>
+                                        <p:strVal val="visible"/>
+                                      </p:to>
+                                    </p:set>
+                                    <p:animEffect transition="in" filter="fade">
+                                      <p:cBhvr>
+                                        <p:cTn id="12" dur="500"/>
+                                        <p:tgtEl>
+                                          <p:spTgt spid="4"/>
+                                        </p:tgtEl>
+                                      </p:cBhvr>
+                                    </p:animEffect>
+                                  </p:childTnLst>
+                                </p:cTn>
+                              </p:par>
+                            </p:childTnLst>
+                          </p:cTn>
+                        </p:par>
+                      </p:childTnLst>
+                    </p:cTn>
+                  </p:par>
+                  <p:par>
+                    <p:cTn id="13" fill="hold">
+                      <p:stCondLst>
+                        <p:cond delay="indefinite"/>
+                      </p:stCondLst>
+                      <p:childTnLst>
+                        <p:par>
+                          <p:cTn id="14" fill="hold">
+                            <p:stCondLst>
+                              <p:cond delay="0"/>
+                            </p:stCondLst>
+                            <p:childTnLst>
+                              <p:par>
+                                <p:cTn id="15" presetID="42" presetClass="entr" presetSubtype="0" fill="hold" grpId="0" nodeType="clickEffect">
+                                  <p:stCondLst>
+                                    <p:cond delay="0"/>
+                                  </p:stCondLst>
+                                  <p:childTnLst>
+                                    <p:set>
+                                      <p:cBhvr>
+                                        <p:cTn id="16" dur="1" fill="hold">
+                                          <p:stCondLst>
+                                            <p:cond delay="0"/>
+                                          </p:stCondLst>
+                                        </p:cTn>
+                                        <p:tgtEl>
+                                          <p:spTgt spid="5"/>
+                                        </p:tgtEl>
+                                        <p:attrNameLst>
+                                          <p:attrName>style.visibility</p:attrName>
+                                        </p:attrNameLst>
+                                      </p:cBhvr>
+                                      <p:to>
+                                        <p:strVal val="visible"/>
+                                      </p:to>
+                                    </p:set>
+                                    <p:animEffect transition="in" filter="fade">
+                                      <p:cBhvr>
+                                        <p:cTn id="17" dur="1000"/>
+                                        <p:tgtEl>
+                                          <p:spTgt spid="5"/>
+                                        </p:tgtEl>
+                                      </p:cBhvr>
+                                    </p:animEffect>
+                                    <p:anim calcmode="lin" valueType="num">
+                                      <p:cBhvr>
+                                        <p:cTn id="18" dur="1000" fill="hold"/>
+                                        <p:tgtEl>
+                                          <p:spTgt spid="5"/>
+                                        </p:tgtEl>
+                                        <p:attrNameLst>
+                                          <p:attrName>ppt_x</p:attrName>
+                                        </p:attrNameLst>
+                                      </p:cBhvr>
+                                      <p:tavLst>
+                                        <p:tav tm="0">
+                                          <p:val>
+                                            <p:strVal val="#ppt_x"/>
+                                          </p:val>
+                                        </p:tav>
+                                        <p:tav tm="100000">
+                                          <p:val>
+                                            <p:strVal val="#ppt_x"/>
+                                          </p:val>
+                                        </p:tav>
+                                      </p:tavLst>
+                                    </p:anim>
+                                    <p:anim calcmode="lin" valueType="num">
+                                      <p:cBhvr>
+                                        <p:cTn id="19" dur="1000" fill="hold"/>
+                                        <p:tgtEl>
+                                          <p:spTgt spid="5"/>
+                                        </p:tgtEl>
+                                        <p:attrNameLst>
+                                          <p:attrName>ppt_y</p:attrName>
+                                        </p:attrNameLst>
+                                      </p:cBhvr>
+                                      <p:tavLst>
+                                        <p:tav tm="0">
+                                          <p:val>
+                                            <p:strVal val="#ppt_y+.1"/>
+                                          </p:val>
+                                        </p:tav>
+                                        <p:tav tm="100000">
+                                          <p:val>
+                                            <p:strVal val="#ppt_y"/>
+                                          </p:val>
+                                        </p:tav>
+                                      </p:tavLst>
+                                    </p:anim>
+                                  </p:childTnLst>
+                                </p:cTn>
+                              </p:par>
+                            </p:childTnLst>
+                          </p:cTn>
+                        </p:par>
+                      </p:childTnLst>
+                    </p:cTn>
+                  </p:par>
+                  <p:par>
+                    <p:cTn id="20" fill="hold">
+                      <p:stCondLst>
+                        <p:cond delay="indefinite"/>
+                      </p:stCondLst>
+                      <p:childTnLst>
+                        <p:par>
+                          <p:cTn id="21" fill="hold">
+                            <p:stCondLst>
+                              <p:cond delay="0"/>
+                            </p:stCondLst>
+                            <p:childTnLst>
+                              <p:par>
+                                <p:cTn id="22" presetID="10" presetClass="entr" presetSubtype="0" fill="hold" grpId="0" nodeType="clickEffect">
+                                  <p:stCondLst>
+                                    <p:cond delay="0"/>
+                                  </p:stCondLst>
+                                  <p:childTnLst>
+                                    <p:set>
+                                      <p:cBhvr>
+                                        <p:cTn id="23" dur="1" fill="hold">
+                                          <p:stCondLst>
+                                            <p:cond delay="0"/>
+                                          </p:stCondLst>
+                                        </p:cTn>
+                                        <p:tgtEl>
+                                          <p:spTgt spid="6"/>
+                                        </p:tgtEl>
+                                        <p:attrNameLst>
+                                          <p:attrName>style.visibility</p:attrName>
+                                        </p:attrNameLst>
+                                      </p:cBhvr>
+                                      <p:to>
+                                        <p:strVal val="visible"/>
+                                      </p:to>
+                                    </p:set>
+                                    <p:animEffect transition="in" filter="fade">
+                                      <p:cBhvr>
+                                        <p:cTn id="24" dur="500"/>
+                                        <p:tgtEl>
+                                          <p:spTgt spid="6"/>
+                                        </p:tgtEl>
+                                      </p:cBhvr>
+                                    </p:animEffect>
+                                  </p:childTnLst>
+                                </p:cTn>
+                              </p:par>
+                              <p:par>
+                                <p:cTn id="25" presetID="10" presetClass="entr" presetSubtype="0" fill="hold" grpId="0" nodeType="withEffect">
+                                  <p:stCondLst>
+                                    <p:cond delay="0"/>
+                                  </p:stCondLst>
+                                  <p:childTnLst>
+                                    <p:set>
+                                      <p:cBhvr>
+                                        <p:cTn id="26" dur="1" fill="hold">
+                                          <p:stCondLst>
+                                            <p:cond delay="0"/>
+                                          </p:stCondLst>
+                                        </p:cTn>
+                                        <p:tgtEl>
+                                          <p:spTgt spid="8"/>
+                                        </p:tgtEl>
+                                        <p:attrNameLst>
+                                          <p:attrName>style.visibility</p:attrName>
+                                        </p:attrNameLst>
+                                      </p:cBhvr>
+                                      <p:to>
+                                        <p:strVal val="visible"/>
+                                      </p:to>
+                                    </p:set>
+                                    <p:animEffect transition="in" filter="fade">
+                                      <p:cBhvr>
+                                        <p:cTn id="27" dur="500"/>
+                                        <p:tgtEl>
+                                          <p:spTgt spid="8"/>
+                                        </p:tgtEl>
+                                      </p:cBhvr>
+                                    </p:animEffect>
+                                  </p:childTnLst>
+                                </p:cTn>
+                              </p:par>
+                              <p:par>
+                                <p:cTn id="28" presetID="10" presetClass="entr" presetSubtype="0" fill="hold" grpId="0" nodeType="withEffect">
+                                  <p:stCondLst>
+                                    <p:cond delay="0"/>
+                                  </p:stCondLst>
+                                  <p:childTnLst>
+                                    <p:set>
+                                      <p:cBhvr>
+                                        <p:cTn id="29" dur="1" fill="hold">
+                                          <p:stCondLst>
+                                            <p:cond delay="0"/>
+                                          </p:stCondLst>
+                                        </p:cTn>
+                                        <p:tgtEl>
+                                          <p:spTgt spid="9"/>
+                                        </p:tgtEl>
+                                        <p:attrNameLst>
+                                          <p:attrName>style.visibility</p:attrName>
+                                        </p:attrNameLst>
+                                      </p:cBhvr>
+                                      <p:to>
+                                        <p:strVal val="visible"/>
+                                      </p:to>
+                                    </p:set>
+                                    <p:animEffect transition="in" filter="fade">
+                                      <p:cBhvr>
+                                        <p:cTn id="30" dur="500"/>
+                                        <p:tgtEl>
+                                          <p:spTgt spid="9"/>
+                                        </p:tgtEl>
+                                      </p:cBhvr>
+                                    </p:animEffect>
+                                  </p:childTnLst>
+                                </p:cTn>
+                              </p:par>
+                            </p:childTnLst>
+                          </p:cTn>
+                        </p:par>
+                      </p:childTnLst>
+                    </p:cTn>
+                  </p:par>
+                </p:childTnLst>
+              </p:cTn>
+              <p:prevCondLst>
+                <p:cond evt="onPrev" delay="0">
+                  <p:tgtEl>
+                    <p:sldTgt/>
+                  </p:tgtEl>
+                </p:cond>
+              </p:prevCondLst>
+              <p:nextCondLst>
+                <p:cond evt="onNext" delay="0">
+                  <p:tgtEl>
+                    <p:sldTgt/>
+                  </p:tgtEl>
+                </p:cond>
+              </p:nextCondLst>
+            </p:seq>
+          </p:childTnLst>
+        </p:cTn>
+      </p:par>
+    </p:tnLst>
+    <p:bldLst>
+      <p:bldP spid="5" grpId="0"/>
+      <p:bldP spid="6" grpId="0"/>
+      <p:bldP spid="8" grpId="0"/>
+      <p:bldP spid="9" grpId="0"/>
+    </p:bldLst>
+  </p:timing>
+</p:sld>
+</file>
+
+<file path=ppt/slides/slide13.xml><?xml version="1.0" encoding="utf-8"?>
+<p:sld xmlns:a="http://schemas.openxmlformats.org/drawingml/2006/main" xmlns:r="http://schemas.openxmlformats.org/officeDocument/2006/relationships" xmlns:p="http://schemas.openxmlformats.org/presentationml/2006/main">
+  <p:cSld>
+    <p:bg>
+      <p:bgPr>
+        <a:solidFill>
+          <a:schemeClr val="bg2">
+            <a:lumMod val="10000"/>
+          </a:schemeClr>
+        </a:solidFill>
+        <a:effectLst/>
+      </p:bgPr>
+    </p:bg>
+    <p:spTree>
+      <p:nvGrpSpPr>
+        <p:cNvPr id="1" name=""/>
+        <p:cNvGrpSpPr/>
+        <p:nvPr/>
+      </p:nvGrpSpPr>
+      <p:grpSpPr>
+        <a:xfrm>
+          <a:off x="0" y="0"/>
+          <a:ext cx="0" cy="0"/>
+          <a:chOff x="0" y="0"/>
+          <a:chExt cx="0" cy="0"/>
+        </a:xfrm>
+      </p:grpSpPr>
+      <p:cxnSp>
+        <p:nvCxnSpPr>
+          <p:cNvPr id="3" name="Connecteur droit 2">
+            <a:extLst>
+              <a:ext uri="{FF2B5EF4-FFF2-40B4-BE49-F238E27FC236}">
                 <a16:creationId xmlns:a16="http://schemas.microsoft.com/office/drawing/2014/main" id="{7E1EB8F7-09B3-9C6D-5C9C-E8F625376293}"/>
               </a:ext>
             </a:extLst>
@@ -5071,7 +5866,7 @@
         <p:spPr>
           <a:xfrm>
             <a:off x="1238864" y="1671483"/>
-            <a:ext cx="9871587" cy="2031325"/>
+            <a:ext cx="9871587" cy="369332"/>
           </a:xfrm>
           <a:prstGeom prst="rect">
             <a:avLst/>
@@ -5085,66 +5880,13 @@
           <a:lstStyle/>
           <a:p>
             <a:pPr algn="just"/>
-            <a:r>
-              <a:rPr lang="fr-FR" dirty="0">
-                <a:solidFill>
-                  <a:schemeClr val="bg1"/>
-                </a:solidFill>
-                <a:latin typeface="Microsoft JhengHei Light" panose="020B0304030504040204" pitchFamily="34" charset="-120"/>
-                <a:ea typeface="Microsoft JhengHei Light" panose="020B0304030504040204" pitchFamily="34" charset="-120"/>
-              </a:rPr>
-              <a:t>Les tests non fonctionnels également appelés « Tests de non régression » sont destinés à vérifier les propriétés qui ne sont pas liées à une utilisation du code. Bien sûr, il s’agit de vérifier des caractéristiques telles que la sécurité ou la capacité à monter en charge. Ils permettent de répondre à des questions, comme par exemple : </a:t>
-            </a:r>
-          </a:p>
-          <a:p>
-            <a:pPr algn="just"/>
             <a:endParaRPr lang="fr-FR" dirty="0">
-              <a:solidFill>
-                <a:schemeClr val="bg1"/>
-              </a:solidFill>
+              <a:highlight>
+                <a:srgbClr val="FFFF00"/>
+              </a:highlight>
               <a:latin typeface="Microsoft JhengHei Light" panose="020B0304030504040204" pitchFamily="34" charset="-120"/>
               <a:ea typeface="Microsoft JhengHei Light" panose="020B0304030504040204" pitchFamily="34" charset="-120"/>
             </a:endParaRPr>
-          </a:p>
-          <a:p>
-            <a:pPr algn="just"/>
-            <a:r>
-              <a:rPr lang="fr-FR" dirty="0">
-                <a:solidFill>
-                  <a:schemeClr val="bg1"/>
-                </a:solidFill>
-                <a:latin typeface="Microsoft JhengHei Light" panose="020B0304030504040204" pitchFamily="34" charset="-120"/>
-                <a:ea typeface="Microsoft JhengHei Light" panose="020B0304030504040204" pitchFamily="34" charset="-120"/>
-              </a:rPr>
-              <a:t>	</a:t>
-            </a:r>
-            <a:r>
-              <a:rPr lang="fr-FR" dirty="0">
-                <a:highlight>
-                  <a:srgbClr val="FFFF00"/>
-                </a:highlight>
-                <a:latin typeface="Microsoft JhengHei Light" panose="020B0304030504040204" pitchFamily="34" charset="-120"/>
-                <a:ea typeface="Microsoft JhengHei Light" panose="020B0304030504040204" pitchFamily="34" charset="-120"/>
-              </a:rPr>
-              <a:t>« Est-ce que cette classe peut être utilisée par 1000 threads en même temps sans </a:t>
-            </a:r>
-            <a:r>
-              <a:rPr lang="fr-FR" dirty="0">
-                <a:latin typeface="Microsoft JhengHei Light" panose="020B0304030504040204" pitchFamily="34" charset="-120"/>
-                <a:ea typeface="Microsoft JhengHei Light" panose="020B0304030504040204" pitchFamily="34" charset="-120"/>
-              </a:rPr>
-              <a:t>	</a:t>
-            </a:r>
-            <a:r>
-              <a:rPr lang="fr-FR" dirty="0">
-                <a:highlight>
-                  <a:srgbClr val="FFFF00"/>
-                </a:highlight>
-                <a:latin typeface="Microsoft JhengHei Light" panose="020B0304030504040204" pitchFamily="34" charset="-120"/>
-                <a:ea typeface="Microsoft JhengHei Light" panose="020B0304030504040204" pitchFamily="34" charset="-120"/>
-              </a:rPr>
-              <a:t>erreurs ? »</a:t>
-            </a:r>
           </a:p>
         </p:txBody>
       </p:sp>
@@ -5348,39 +6090,61 @@
                                   </p:childTnLst>
                                 </p:cTn>
                               </p:par>
-                            </p:childTnLst>
-                          </p:cTn>
-                        </p:par>
-                      </p:childTnLst>
-                    </p:cTn>
-                  </p:par>
-                  <p:par>
-                    <p:cTn id="15" fill="hold">
-                      <p:stCondLst>
-                        <p:cond delay="indefinite"/>
-                      </p:stCondLst>
-                      <p:childTnLst>
-                        <p:par>
-                          <p:cTn id="16" fill="hold">
-                            <p:stCondLst>
-                              <p:cond delay="0"/>
-                            </p:stCondLst>
-                            <p:childTnLst>
                               <p:par>
-                                <p:cTn id="17" presetID="10" presetClass="entr" presetSubtype="0" fill="hold" grpId="0" nodeType="clickEffect">
+                                <p:cTn id="15" presetID="10" presetClass="entr" presetSubtype="0" fill="hold" grpId="0" nodeType="withEffect" nodePh="1">
+                                  <p:stCondLst>
+                                    <p:cond delay="0"/>
+                                  </p:stCondLst>
+                                  <p:endCondLst>
+                                    <p:cond evt="begin" delay="0">
+                                      <p:tn val="15"/>
+                                    </p:cond>
+                                  </p:endCondLst>
+                                  <p:childTnLst>
+                                    <p:set>
+                                      <p:cBhvr>
+                                        <p:cTn id="16" dur="1" fill="hold">
+                                          <p:stCondLst>
+                                            <p:cond delay="0"/>
+                                          </p:stCondLst>
+                                        </p:cTn>
+                                        <p:tgtEl>
+                                          <p:spTgt spid="9"/>
+                                        </p:tgtEl>
+                                        <p:attrNameLst>
+                                          <p:attrName>style.visibility</p:attrName>
+                                        </p:attrNameLst>
+                                      </p:cBhvr>
+                                      <p:to>
+                                        <p:strVal val="visible"/>
+                                      </p:to>
+                                    </p:set>
+                                    <p:animEffect transition="in" filter="fade">
+                                      <p:cBhvr>
+                                        <p:cTn id="17" dur="500"/>
+                                        <p:tgtEl>
+                                          <p:spTgt spid="9"/>
+                                        </p:tgtEl>
+                                      </p:cBhvr>
+                                    </p:animEffect>
+                                  </p:childTnLst>
+                                </p:cTn>
+                              </p:par>
+                              <p:par>
+                                <p:cTn id="18" presetID="10" presetClass="entr" presetSubtype="0" fill="hold" nodeType="withEffect">
                                   <p:stCondLst>
                                     <p:cond delay="0"/>
                                   </p:stCondLst>
                                   <p:childTnLst>
                                     <p:set>
                                       <p:cBhvr>
-                                        <p:cTn id="18" dur="1" fill="hold">
+                                        <p:cTn id="19" dur="1" fill="hold">
                                           <p:stCondLst>
                                             <p:cond delay="0"/>
                                           </p:stCondLst>
                                         </p:cTn>
                                         <p:tgtEl>
-                                          <p:spTgt spid="9"/>
+                                          <p:spTgt spid="12"/>
                                         </p:tgtEl>
                                         <p:attrNameLst>
                                           <p:attrName>style.visibility</p:attrName>
@@ -5392,60 +6156,7 @@
                                     </p:set>
                                     <p:animEffect transition="in" filter="fade">
                                       <p:cBhvr>
-                                        <p:cTn id="19" dur="500"/>
-                                        <p:tgtEl>
-                                          <p:spTgt spid="9"/>
-                                        </p:tgtEl>
-                                      </p:cBhvr>
-                                    </p:animEffect>
-                                  </p:childTnLst>
-                                </p:cTn>
-                              </p:par>
-                            </p:childTnLst>
-                          </p:cTn>
-                        </p:par>
-                      </p:childTnLst>
-                    </p:cTn>
-                  </p:par>
-                  <p:par>
-                    <p:cTn id="20" fill="hold">
-                      <p:stCondLst>
-                        <p:cond delay="indefinite"/>
-                      </p:stCondLst>
-                      <p:childTnLst>
-                        <p:par>
-                          <p:cTn id="21" fill="hold">
-                            <p:stCondLst>
-                              <p:cond delay="0"/>
-                            </p:stCondLst>
-                            <p:childTnLst>
-                              <p:par>
-                                <p:cTn id="22" presetID="10" presetClass="entr" presetSubtype="0" fill="hold" nodeType="clickEffect">
-                                  <p:stCondLst>
-                                    <p:cond delay="0"/>
-                                  </p:stCondLst>
-                                  <p:childTnLst>
-                                    <p:set>
-                                      <p:cBhvr>
-                                        <p:cTn id="23" dur="1" fill="hold">
-                                          <p:stCondLst>
-                                            <p:cond delay="0"/>
-                                          </p:stCondLst>
-                                        </p:cTn>
-                                        <p:tgtEl>
-                                          <p:spTgt spid="12"/>
-                                        </p:tgtEl>
-                                        <p:attrNameLst>
-                                          <p:attrName>style.visibility</p:attrName>
-                                        </p:attrNameLst>
-                                      </p:cBhvr>
-                                      <p:to>
-                                        <p:strVal val="visible"/>
-                                      </p:to>
-                                    </p:set>
-                                    <p:animEffect transition="in" filter="fade">
-                                      <p:cBhvr>
-                                        <p:cTn id="24" dur="500"/>
+                                        <p:cTn id="20" dur="500"/>
                                         <p:tgtEl>
                                           <p:spTgt spid="12"/>
                                         </p:tgtEl>
@@ -5490,7 +6201,7 @@
 </p:sld>
 </file>
 
-<file path=ppt/slides/slide13.xml><?xml version="1.0" encoding="utf-8"?>
+<file path=ppt/slides/slide14.xml><?xml version="1.0" encoding="utf-8"?>
 <p:sld xmlns:a="http://schemas.openxmlformats.org/drawingml/2006/main" xmlns:r="http://schemas.openxmlformats.org/officeDocument/2006/relationships" xmlns:p="http://schemas.openxmlformats.org/presentationml/2006/main">
   <p:cSld>
     <p:bg>
@@ -5735,8 +6446,8 @@
         </p:nvSpPr>
         <p:spPr>
           <a:xfrm>
-            <a:off x="1189701" y="1758278"/>
-            <a:ext cx="9606116" cy="1200329"/>
+            <a:off x="1189700" y="1758278"/>
+            <a:ext cx="9920742" cy="923330"/>
           </a:xfrm>
           <a:prstGeom prst="rect">
             <a:avLst/>
@@ -6110,33 +6821,15 @@
                                   </p:childTnLst>
                                 </p:cTn>
                               </p:par>
-                            </p:childTnLst>
-                          </p:cTn>
-                        </p:par>
-                      </p:childTnLst>
-                    </p:cTn>
-                  </p:par>
-                  <p:par>
-                    <p:cTn id="24" fill="hold">
-                      <p:stCondLst>
-                        <p:cond delay="indefinite"/>
-                      </p:stCondLst>
-                      <p:childTnLst>
-                        <p:par>
-                          <p:cTn id="25" fill="hold">
-                            <p:stCondLst>
-                              <p:cond delay="0"/>
-                            </p:stCondLst>
-                            <p:childTnLst>
                               <p:par>
-                                <p:cTn id="26" presetID="10" presetClass="entr" presetSubtype="0" fill="hold" grpId="0" nodeType="clickEffect">
+                                <p:cTn id="24" presetID="10" presetClass="entr" presetSubtype="0" fill="hold" grpId="0" nodeType="withEffect">
                                   <p:stCondLst>
                                     <p:cond delay="0"/>
                                   </p:stCondLst>
                                   <p:childTnLst>
                                     <p:set>
                                       <p:cBhvr>
-                                        <p:cTn id="27" dur="1" fill="hold">
+                                        <p:cTn id="25" dur="1" fill="hold">
                                           <p:stCondLst>
                                             <p:cond delay="0"/>
                                           </p:stCondLst>
@@ -6154,7 +6847,7 @@
                                     </p:set>
                                     <p:animEffect transition="in" filter="fade">
                                       <p:cBhvr>
-                                        <p:cTn id="28" dur="500"/>
+                                        <p:cTn id="26" dur="500"/>
                                         <p:tgtEl>
                                           <p:spTgt spid="9"/>
                                         </p:tgtEl>
@@ -6163,33 +6856,15 @@
                                   </p:childTnLst>
                                 </p:cTn>
                               </p:par>
-                            </p:childTnLst>
-                          </p:cTn>
-                        </p:par>
-                      </p:childTnLst>
-                    </p:cTn>
-                  </p:par>
-                  <p:par>
-                    <p:cTn id="29" fill="hold">
-                      <p:stCondLst>
-                        <p:cond delay="indefinite"/>
-                      </p:stCondLst>
-                      <p:childTnLst>
-                        <p:par>
-                          <p:cTn id="30" fill="hold">
-                            <p:stCondLst>
-                              <p:cond delay="0"/>
-                            </p:stCondLst>
-                            <p:childTnLst>
                               <p:par>
-                                <p:cTn id="31" presetID="10" presetClass="entr" presetSubtype="0" fill="hold" grpId="0" nodeType="clickEffect">
+                                <p:cTn id="27" presetID="10" presetClass="entr" presetSubtype="0" fill="hold" grpId="0" nodeType="withEffect">
                                   <p:stCondLst>
                                     <p:cond delay="0"/>
                                   </p:stCondLst>
                                   <p:childTnLst>
                                     <p:set>
                                       <p:cBhvr>
-                                        <p:cTn id="32" dur="1" fill="hold">
+                                        <p:cTn id="28" dur="1" fill="hold">
                                           <p:stCondLst>
                                             <p:cond delay="0"/>
                                           </p:stCondLst>
@@ -6207,7 +6882,7 @@
                                     </p:set>
                                     <p:animEffect transition="in" filter="fade">
                                       <p:cBhvr>
-                                        <p:cTn id="33" dur="500"/>
+                                        <p:cTn id="29" dur="500"/>
                                         <p:tgtEl>
                                           <p:spTgt spid="10"/>
                                         </p:tgtEl>
@@ -6216,33 +6891,15 @@
                                   </p:childTnLst>
                                 </p:cTn>
                               </p:par>
-                            </p:childTnLst>
-                          </p:cTn>
-                        </p:par>
-                      </p:childTnLst>
-                    </p:cTn>
-                  </p:par>
-                  <p:par>
-                    <p:cTn id="34" fill="hold">
-                      <p:stCondLst>
-                        <p:cond delay="indefinite"/>
-                      </p:stCondLst>
-                      <p:childTnLst>
-                        <p:par>
-                          <p:cTn id="35" fill="hold">
-                            <p:stCondLst>
-                              <p:cond delay="0"/>
-                            </p:stCondLst>
-                            <p:childTnLst>
                               <p:par>
-                                <p:cTn id="36" presetID="10" presetClass="entr" presetSubtype="0" fill="hold" grpId="0" nodeType="clickEffect">
+                                <p:cTn id="30" presetID="10" presetClass="entr" presetSubtype="0" fill="hold" grpId="0" nodeType="withEffect">
                                   <p:stCondLst>
                                     <p:cond delay="0"/>
                                   </p:stCondLst>
                                   <p:childTnLst>
                                     <p:set>
                                       <p:cBhvr>
-                                        <p:cTn id="37" dur="1" fill="hold">
+                                        <p:cTn id="31" dur="1" fill="hold">
                                           <p:stCondLst>
                                             <p:cond delay="0"/>
                                           </p:stCondLst>
@@ -6260,7 +6917,7 @@
                                     </p:set>
                                     <p:animEffect transition="in" filter="fade">
                                       <p:cBhvr>
-                                        <p:cTn id="38" dur="500"/>
+                                        <p:cTn id="32" dur="500"/>
                                         <p:tgtEl>
                                           <p:spTgt spid="12"/>
                                         </p:tgtEl>
@@ -6307,7 +6964,7 @@
 </p:sld>
 </file>
 
-<file path=ppt/slides/slide14.xml><?xml version="1.0" encoding="utf-8"?>
+<file path=ppt/slides/slide15.xml><?xml version="1.0" encoding="utf-8"?>
 <p:sld xmlns:a="http://schemas.openxmlformats.org/drawingml/2006/main" xmlns:r="http://schemas.openxmlformats.org/officeDocument/2006/relationships" xmlns:p="http://schemas.openxmlformats.org/presentationml/2006/main">
   <p:cSld>
     <p:bg>
@@ -7125,7 +7782,7 @@
 </p:sld>
 </file>
 
-<file path=ppt/slides/slide15.xml><?xml version="1.0" encoding="utf-8"?>
+<file path=ppt/slides/slide16.xml><?xml version="1.0" encoding="utf-8"?>
 <p:sld xmlns:a="http://schemas.openxmlformats.org/drawingml/2006/main" xmlns:r="http://schemas.openxmlformats.org/officeDocument/2006/relationships" xmlns:p="http://schemas.openxmlformats.org/presentationml/2006/main">
   <p:cSld>
     <p:bg>
@@ -7166,7 +7823,7 @@
         </p:nvCxnSpPr>
         <p:spPr>
           <a:xfrm>
-            <a:off x="816077" y="0"/>
+            <a:off x="747251" y="0"/>
             <a:ext cx="0" cy="6858000"/>
           </a:xfrm>
           <a:prstGeom prst="line">
@@ -7207,7 +7864,7 @@
         </p:nvCxnSpPr>
         <p:spPr>
           <a:xfrm>
-            <a:off x="1047134" y="0"/>
+            <a:off x="938978" y="0"/>
             <a:ext cx="0" cy="6858000"/>
           </a:xfrm>
           <a:prstGeom prst="line">
@@ -8261,7 +8918,687 @@
 </p:sld>
 </file>
 
-<file path=ppt/slides/slide16.xml><?xml version="1.0" encoding="utf-8"?>
+<file path=ppt/slides/slide17.xml><?xml version="1.0" encoding="utf-8"?>
+<p:sld xmlns:a="http://schemas.openxmlformats.org/drawingml/2006/main" xmlns:r="http://schemas.openxmlformats.org/officeDocument/2006/relationships" xmlns:p="http://schemas.openxmlformats.org/presentationml/2006/main">
+  <p:cSld>
+    <p:bg>
+      <p:bgPr>
+        <a:solidFill>
+          <a:schemeClr val="bg2">
+            <a:lumMod val="10000"/>
+          </a:schemeClr>
+        </a:solidFill>
+        <a:effectLst/>
+      </p:bgPr>
+    </p:bg>
+    <p:spTree>
+      <p:nvGrpSpPr>
+        <p:cNvPr id="1" name=""/>
+        <p:cNvGrpSpPr/>
+        <p:nvPr/>
+      </p:nvGrpSpPr>
+      <p:grpSpPr>
+        <a:xfrm>
+          <a:off x="0" y="0"/>
+          <a:ext cx="0" cy="0"/>
+          <a:chOff x="0" y="0"/>
+          <a:chExt cx="0" cy="0"/>
+        </a:xfrm>
+      </p:grpSpPr>
+      <p:cxnSp>
+        <p:nvCxnSpPr>
+          <p:cNvPr id="3" name="Connecteur droit 2">
+            <a:extLst>
+              <a:ext uri="{FF2B5EF4-FFF2-40B4-BE49-F238E27FC236}">
+                <a16:creationId xmlns:a16="http://schemas.microsoft.com/office/drawing/2014/main" id="{C34CF817-B69C-7D85-510F-AD0E877E527F}"/>
+              </a:ext>
+            </a:extLst>
+          </p:cNvPr>
+          <p:cNvCxnSpPr/>
+          <p:nvPr/>
+        </p:nvCxnSpPr>
+        <p:spPr>
+          <a:xfrm>
+            <a:off x="747252" y="0"/>
+            <a:ext cx="0" cy="6858000"/>
+          </a:xfrm>
+          <a:prstGeom prst="line">
+            <a:avLst/>
+          </a:prstGeom>
+          <a:ln w="76200">
+            <a:solidFill>
+              <a:srgbClr val="FF0000"/>
+            </a:solidFill>
+          </a:ln>
+        </p:spPr>
+        <p:style>
+          <a:lnRef idx="1">
+            <a:schemeClr val="accent1"/>
+          </a:lnRef>
+          <a:fillRef idx="0">
+            <a:schemeClr val="accent1"/>
+          </a:fillRef>
+          <a:effectRef idx="0">
+            <a:schemeClr val="accent1"/>
+          </a:effectRef>
+          <a:fontRef idx="minor">
+            <a:schemeClr val="tx1"/>
+          </a:fontRef>
+        </p:style>
+      </p:cxnSp>
+      <p:cxnSp>
+        <p:nvCxnSpPr>
+          <p:cNvPr id="4" name="Connecteur droit 3">
+            <a:extLst>
+              <a:ext uri="{FF2B5EF4-FFF2-40B4-BE49-F238E27FC236}">
+                <a16:creationId xmlns:a16="http://schemas.microsoft.com/office/drawing/2014/main" id="{538C70BB-900C-57C3-3085-F015339FDC03}"/>
+              </a:ext>
+            </a:extLst>
+          </p:cNvPr>
+          <p:cNvCxnSpPr/>
+          <p:nvPr/>
+        </p:nvCxnSpPr>
+        <p:spPr>
+          <a:xfrm>
+            <a:off x="958645" y="0"/>
+            <a:ext cx="0" cy="6858000"/>
+          </a:xfrm>
+          <a:prstGeom prst="line">
+            <a:avLst/>
+          </a:prstGeom>
+          <a:ln w="76200">
+            <a:solidFill>
+              <a:srgbClr val="FF0000"/>
+            </a:solidFill>
+          </a:ln>
+        </p:spPr>
+        <p:style>
+          <a:lnRef idx="1">
+            <a:schemeClr val="accent1"/>
+          </a:lnRef>
+          <a:fillRef idx="0">
+            <a:schemeClr val="accent1"/>
+          </a:fillRef>
+          <a:effectRef idx="0">
+            <a:schemeClr val="accent1"/>
+          </a:effectRef>
+          <a:fontRef idx="minor">
+            <a:schemeClr val="tx1"/>
+          </a:fontRef>
+        </p:style>
+      </p:cxnSp>
+      <p:sp>
+        <p:nvSpPr>
+          <p:cNvPr id="5" name="ZoneTexte 4">
+            <a:extLst>
+              <a:ext uri="{FF2B5EF4-FFF2-40B4-BE49-F238E27FC236}">
+                <a16:creationId xmlns:a16="http://schemas.microsoft.com/office/drawing/2014/main" id="{8B93532C-5B1B-AB30-9919-912D95099D64}"/>
+              </a:ext>
+            </a:extLst>
+          </p:cNvPr>
+          <p:cNvSpPr txBox="1"/>
+          <p:nvPr/>
+        </p:nvSpPr>
+        <p:spPr>
+          <a:xfrm>
+            <a:off x="1297857" y="373625"/>
+            <a:ext cx="7443020" cy="646331"/>
+          </a:xfrm>
+          <a:prstGeom prst="rect">
+            <a:avLst/>
+          </a:prstGeom>
+          <a:noFill/>
+        </p:spPr>
+        <p:txBody>
+          <a:bodyPr wrap="square" rtlCol="0">
+            <a:spAutoFit/>
+          </a:bodyPr>
+          <a:lstStyle/>
+          <a:p>
+            <a:r>
+              <a:rPr lang="fr-FR" sz="3600" b="1" dirty="0">
+                <a:solidFill>
+                  <a:schemeClr val="bg1"/>
+                </a:solidFill>
+                <a:latin typeface="Microsoft JhengHei Light" panose="020B0304030504040204" pitchFamily="34" charset="-120"/>
+                <a:ea typeface="Microsoft JhengHei Light" panose="020B0304030504040204" pitchFamily="34" charset="-120"/>
+              </a:rPr>
+              <a:t>2.7) </a:t>
+            </a:r>
+            <a:r>
+              <a:rPr lang="fr-FR" sz="3600" b="1" u="sng" dirty="0">
+                <a:solidFill>
+                  <a:schemeClr val="bg1"/>
+                </a:solidFill>
+                <a:latin typeface="Microsoft JhengHei Light" panose="020B0304030504040204" pitchFamily="34" charset="-120"/>
+                <a:ea typeface="Microsoft JhengHei Light" panose="020B0304030504040204" pitchFamily="34" charset="-120"/>
+              </a:rPr>
+              <a:t>Les tests alpha et bêta</a:t>
+            </a:r>
+            <a:r>
+              <a:rPr lang="fr-FR" sz="3600" b="1" dirty="0">
+                <a:solidFill>
+                  <a:schemeClr val="bg1"/>
+                </a:solidFill>
+                <a:latin typeface="Microsoft JhengHei Light" panose="020B0304030504040204" pitchFamily="34" charset="-120"/>
+                <a:ea typeface="Microsoft JhengHei Light" panose="020B0304030504040204" pitchFamily="34" charset="-120"/>
+              </a:rPr>
+              <a:t> :</a:t>
+            </a:r>
+          </a:p>
+        </p:txBody>
+      </p:sp>
+      <p:sp>
+        <p:nvSpPr>
+          <p:cNvPr id="6" name="ZoneTexte 5">
+            <a:extLst>
+              <a:ext uri="{FF2B5EF4-FFF2-40B4-BE49-F238E27FC236}">
+                <a16:creationId xmlns:a16="http://schemas.microsoft.com/office/drawing/2014/main" id="{76386098-57D6-DA68-CE58-DF571EAA2602}"/>
+              </a:ext>
+            </a:extLst>
+          </p:cNvPr>
+          <p:cNvSpPr txBox="1"/>
+          <p:nvPr/>
+        </p:nvSpPr>
+        <p:spPr>
+          <a:xfrm flipH="1">
+            <a:off x="1297857" y="1328099"/>
+            <a:ext cx="3120269" cy="369332"/>
+          </a:xfrm>
+          <a:prstGeom prst="rect">
+            <a:avLst/>
+          </a:prstGeom>
+          <a:noFill/>
+        </p:spPr>
+        <p:txBody>
+          <a:bodyPr wrap="square" rtlCol="0">
+            <a:spAutoFit/>
+          </a:bodyPr>
+          <a:lstStyle/>
+          <a:p>
+            <a:r>
+              <a:rPr lang="fr-FR" b="1" dirty="0">
+                <a:solidFill>
+                  <a:schemeClr val="bg1"/>
+                </a:solidFill>
+                <a:latin typeface="Microsoft JhengHei Light" panose="020B0304030504040204" pitchFamily="34" charset="-120"/>
+                <a:ea typeface="Microsoft JhengHei Light" panose="020B0304030504040204" pitchFamily="34" charset="-120"/>
+              </a:rPr>
+              <a:t>* </a:t>
+            </a:r>
+            <a:r>
+              <a:rPr lang="fr-FR" b="1" u="sng" dirty="0">
+                <a:solidFill>
+                  <a:schemeClr val="bg1"/>
+                </a:solidFill>
+                <a:latin typeface="Microsoft JhengHei Light" panose="020B0304030504040204" pitchFamily="34" charset="-120"/>
+                <a:ea typeface="Microsoft JhengHei Light" panose="020B0304030504040204" pitchFamily="34" charset="-120"/>
+              </a:rPr>
+              <a:t>Définitions</a:t>
+            </a:r>
+            <a:r>
+              <a:rPr lang="fr-FR" b="1" dirty="0">
+                <a:solidFill>
+                  <a:schemeClr val="bg1"/>
+                </a:solidFill>
+                <a:latin typeface="Microsoft JhengHei Light" panose="020B0304030504040204" pitchFamily="34" charset="-120"/>
+                <a:ea typeface="Microsoft JhengHei Light" panose="020B0304030504040204" pitchFamily="34" charset="-120"/>
+              </a:rPr>
+              <a:t> :</a:t>
+            </a:r>
+          </a:p>
+        </p:txBody>
+      </p:sp>
+      <p:sp>
+        <p:nvSpPr>
+          <p:cNvPr id="7" name="ZoneTexte 6">
+            <a:extLst>
+              <a:ext uri="{FF2B5EF4-FFF2-40B4-BE49-F238E27FC236}">
+                <a16:creationId xmlns:a16="http://schemas.microsoft.com/office/drawing/2014/main" id="{BD798797-F257-D9DD-16D7-63422D65A16F}"/>
+              </a:ext>
+            </a:extLst>
+          </p:cNvPr>
+          <p:cNvSpPr txBox="1"/>
+          <p:nvPr/>
+        </p:nvSpPr>
+        <p:spPr>
+          <a:xfrm>
+            <a:off x="1297857" y="2005574"/>
+            <a:ext cx="10471356" cy="1200329"/>
+          </a:xfrm>
+          <a:prstGeom prst="rect">
+            <a:avLst/>
+          </a:prstGeom>
+          <a:noFill/>
+        </p:spPr>
+        <p:txBody>
+          <a:bodyPr wrap="square" rtlCol="0">
+            <a:spAutoFit/>
+          </a:bodyPr>
+          <a:lstStyle/>
+          <a:p>
+            <a:pPr algn="just"/>
+            <a:r>
+              <a:rPr lang="fr-FR" b="1" u="sng" dirty="0">
+                <a:highlight>
+                  <a:srgbClr val="FFFF00"/>
+                </a:highlight>
+                <a:latin typeface="Microsoft JhengHei Light" panose="020B0304030504040204" pitchFamily="34" charset="-120"/>
+                <a:ea typeface="Microsoft JhengHei Light" panose="020B0304030504040204" pitchFamily="34" charset="-120"/>
+              </a:rPr>
+              <a:t>Test alpha</a:t>
+            </a:r>
+            <a:r>
+              <a:rPr lang="fr-FR" b="1" dirty="0">
+                <a:solidFill>
+                  <a:schemeClr val="bg1"/>
+                </a:solidFill>
+                <a:latin typeface="Microsoft JhengHei Light" panose="020B0304030504040204" pitchFamily="34" charset="-120"/>
+                <a:ea typeface="Microsoft JhengHei Light" panose="020B0304030504040204" pitchFamily="34" charset="-120"/>
+              </a:rPr>
+              <a:t> : </a:t>
+            </a:r>
+            <a:r>
+              <a:rPr lang="fr-FR" dirty="0">
+                <a:solidFill>
+                  <a:schemeClr val="bg1"/>
+                </a:solidFill>
+                <a:latin typeface="Microsoft JhengHei Light" panose="020B0304030504040204" pitchFamily="34" charset="-120"/>
+                <a:ea typeface="Microsoft JhengHei Light" panose="020B0304030504040204" pitchFamily="34" charset="-120"/>
+              </a:rPr>
+              <a:t>Le test alpha en ISTQB, est défini comme étant un test opérationnel réels ou simulés par des utilisateurs / clients potentiels ou des équipes de développement indépendants sur le site ou en dehors de la société. Néanmoins, les tests alpha sont souvent exploités comme une forme de test d’acceptation en interne. </a:t>
+            </a:r>
+            <a:endParaRPr lang="fr-FR" b="1" u="sng" dirty="0">
+              <a:solidFill>
+                <a:schemeClr val="bg1"/>
+              </a:solidFill>
+              <a:latin typeface="Microsoft JhengHei Light" panose="020B0304030504040204" pitchFamily="34" charset="-120"/>
+              <a:ea typeface="Microsoft JhengHei Light" panose="020B0304030504040204" pitchFamily="34" charset="-120"/>
+            </a:endParaRPr>
+          </a:p>
+        </p:txBody>
+      </p:sp>
+      <p:sp>
+        <p:nvSpPr>
+          <p:cNvPr id="8" name="ZoneTexte 7">
+            <a:extLst>
+              <a:ext uri="{FF2B5EF4-FFF2-40B4-BE49-F238E27FC236}">
+                <a16:creationId xmlns:a16="http://schemas.microsoft.com/office/drawing/2014/main" id="{E02DBC1E-A326-BC49-F289-14F43654C33B}"/>
+              </a:ext>
+            </a:extLst>
+          </p:cNvPr>
+          <p:cNvSpPr txBox="1"/>
+          <p:nvPr/>
+        </p:nvSpPr>
+        <p:spPr>
+          <a:xfrm>
+            <a:off x="1297857" y="3805084"/>
+            <a:ext cx="10392697" cy="1477328"/>
+          </a:xfrm>
+          <a:prstGeom prst="rect">
+            <a:avLst/>
+          </a:prstGeom>
+          <a:noFill/>
+        </p:spPr>
+        <p:txBody>
+          <a:bodyPr wrap="square" rtlCol="0">
+            <a:spAutoFit/>
+          </a:bodyPr>
+          <a:lstStyle/>
+          <a:p>
+            <a:pPr algn="just"/>
+            <a:r>
+              <a:rPr lang="fr-FR" b="1" u="sng" dirty="0">
+                <a:highlight>
+                  <a:srgbClr val="FFFF00"/>
+                </a:highlight>
+                <a:latin typeface="Microsoft JhengHei Light" panose="020B0304030504040204" pitchFamily="34" charset="-120"/>
+                <a:ea typeface="Microsoft JhengHei Light" panose="020B0304030504040204" pitchFamily="34" charset="-120"/>
+              </a:rPr>
+              <a:t>Test bêta</a:t>
+            </a:r>
+            <a:r>
+              <a:rPr lang="fr-FR" b="1" dirty="0">
+                <a:latin typeface="Microsoft JhengHei Light" panose="020B0304030504040204" pitchFamily="34" charset="-120"/>
+                <a:ea typeface="Microsoft JhengHei Light" panose="020B0304030504040204" pitchFamily="34" charset="-120"/>
+              </a:rPr>
+              <a:t> </a:t>
+            </a:r>
+            <a:r>
+              <a:rPr lang="fr-FR" b="1" dirty="0">
+                <a:solidFill>
+                  <a:schemeClr val="bg1"/>
+                </a:solidFill>
+                <a:latin typeface="Microsoft JhengHei Light" panose="020B0304030504040204" pitchFamily="34" charset="-120"/>
+                <a:ea typeface="Microsoft JhengHei Light" panose="020B0304030504040204" pitchFamily="34" charset="-120"/>
+              </a:rPr>
+              <a:t>: </a:t>
+            </a:r>
+            <a:r>
+              <a:rPr lang="fr-FR" dirty="0">
+                <a:solidFill>
+                  <a:schemeClr val="bg1"/>
+                </a:solidFill>
+                <a:latin typeface="Microsoft JhengHei Light" panose="020B0304030504040204" pitchFamily="34" charset="-120"/>
+                <a:ea typeface="Microsoft JhengHei Light" panose="020B0304030504040204" pitchFamily="34" charset="-120"/>
+              </a:rPr>
+              <a:t>Le test bêta quant à lui, est défini comme étant un test opérationnel par des utilisateurs / clients potentiels et / ou réels sur un site externe non associé aux développeurs, pour déterminer si un composant ou un système satisfait ou correspond aux besoins des utilisateurs / clients et s’adaptent selon le processus de l’entreprise. Cependant, le test bêta est utilisé comme une forme de tests d’acceptation externe de manière à obtenir des informations de retour du marché.</a:t>
+            </a:r>
+            <a:endParaRPr lang="fr-FR" b="1" u="sng" dirty="0">
+              <a:latin typeface="Microsoft JhengHei Light" panose="020B0304030504040204" pitchFamily="34" charset="-120"/>
+              <a:ea typeface="Microsoft JhengHei Light" panose="020B0304030504040204" pitchFamily="34" charset="-120"/>
+            </a:endParaRPr>
+          </a:p>
+        </p:txBody>
+      </p:sp>
+    </p:spTree>
+    <p:extLst>
+      <p:ext uri="{BB962C8B-B14F-4D97-AF65-F5344CB8AC3E}">
+        <p14:creationId xmlns:p14="http://schemas.microsoft.com/office/powerpoint/2010/main" val="1093929801"/>
+      </p:ext>
+    </p:extLst>
+  </p:cSld>
+  <p:clrMapOvr>
+    <a:masterClrMapping/>
+  </p:clrMapOvr>
+  <p:timing>
+    <p:tnLst>
+      <p:par>
+        <p:cTn id="1" dur="indefinite" restart="never" nodeType="tmRoot">
+          <p:childTnLst>
+            <p:seq concurrent="1" nextAc="seek">
+              <p:cTn id="2" dur="indefinite" nodeType="mainSeq">
+                <p:childTnLst>
+                  <p:par>
+                    <p:cTn id="3" fill="hold">
+                      <p:stCondLst>
+                        <p:cond delay="indefinite"/>
+                      </p:stCondLst>
+                      <p:childTnLst>
+                        <p:par>
+                          <p:cTn id="4" fill="hold">
+                            <p:stCondLst>
+                              <p:cond delay="0"/>
+                            </p:stCondLst>
+                            <p:childTnLst>
+                              <p:par>
+                                <p:cTn id="5" presetID="42" presetClass="entr" presetSubtype="0" fill="hold" grpId="0" nodeType="clickEffect">
+                                  <p:stCondLst>
+                                    <p:cond delay="0"/>
+                                  </p:stCondLst>
+                                  <p:childTnLst>
+                                    <p:set>
+                                      <p:cBhvr>
+                                        <p:cTn id="6" dur="1" fill="hold">
+                                          <p:stCondLst>
+                                            <p:cond delay="0"/>
+                                          </p:stCondLst>
+                                        </p:cTn>
+                                        <p:tgtEl>
+                                          <p:spTgt spid="5"/>
+                                        </p:tgtEl>
+                                        <p:attrNameLst>
+                                          <p:attrName>style.visibility</p:attrName>
+                                        </p:attrNameLst>
+                                      </p:cBhvr>
+                                      <p:to>
+                                        <p:strVal val="visible"/>
+                                      </p:to>
+                                    </p:set>
+                                    <p:animEffect transition="in" filter="fade">
+                                      <p:cBhvr>
+                                        <p:cTn id="7" dur="1000"/>
+                                        <p:tgtEl>
+                                          <p:spTgt spid="5"/>
+                                        </p:tgtEl>
+                                      </p:cBhvr>
+                                    </p:animEffect>
+                                    <p:anim calcmode="lin" valueType="num">
+                                      <p:cBhvr>
+                                        <p:cTn id="8" dur="1000" fill="hold"/>
+                                        <p:tgtEl>
+                                          <p:spTgt spid="5"/>
+                                        </p:tgtEl>
+                                        <p:attrNameLst>
+                                          <p:attrName>ppt_x</p:attrName>
+                                        </p:attrNameLst>
+                                      </p:cBhvr>
+                                      <p:tavLst>
+                                        <p:tav tm="0">
+                                          <p:val>
+                                            <p:strVal val="#ppt_x"/>
+                                          </p:val>
+                                        </p:tav>
+                                        <p:tav tm="100000">
+                                          <p:val>
+                                            <p:strVal val="#ppt_x"/>
+                                          </p:val>
+                                        </p:tav>
+                                      </p:tavLst>
+                                    </p:anim>
+                                    <p:anim calcmode="lin" valueType="num">
+                                      <p:cBhvr>
+                                        <p:cTn id="9" dur="1000" fill="hold"/>
+                                        <p:tgtEl>
+                                          <p:spTgt spid="5"/>
+                                        </p:tgtEl>
+                                        <p:attrNameLst>
+                                          <p:attrName>ppt_y</p:attrName>
+                                        </p:attrNameLst>
+                                      </p:cBhvr>
+                                      <p:tavLst>
+                                        <p:tav tm="0">
+                                          <p:val>
+                                            <p:strVal val="#ppt_y+.1"/>
+                                          </p:val>
+                                        </p:tav>
+                                        <p:tav tm="100000">
+                                          <p:val>
+                                            <p:strVal val="#ppt_y"/>
+                                          </p:val>
+                                        </p:tav>
+                                      </p:tavLst>
+                                    </p:anim>
+                                  </p:childTnLst>
+                                </p:cTn>
+                              </p:par>
+                            </p:childTnLst>
+                          </p:cTn>
+                        </p:par>
+                      </p:childTnLst>
+                    </p:cTn>
+                  </p:par>
+                  <p:par>
+                    <p:cTn id="10" fill="hold">
+                      <p:stCondLst>
+                        <p:cond delay="indefinite"/>
+                      </p:stCondLst>
+                      <p:childTnLst>
+                        <p:par>
+                          <p:cTn id="11" fill="hold">
+                            <p:stCondLst>
+                              <p:cond delay="0"/>
+                            </p:stCondLst>
+                            <p:childTnLst>
+                              <p:par>
+                                <p:cTn id="12" presetID="10" presetClass="entr" presetSubtype="0" fill="hold" grpId="0" nodeType="clickEffect">
+                                  <p:stCondLst>
+                                    <p:cond delay="0"/>
+                                  </p:stCondLst>
+                                  <p:childTnLst>
+                                    <p:set>
+                                      <p:cBhvr>
+                                        <p:cTn id="13" dur="1" fill="hold">
+                                          <p:stCondLst>
+                                            <p:cond delay="0"/>
+                                          </p:stCondLst>
+                                        </p:cTn>
+                                        <p:tgtEl>
+                                          <p:spTgt spid="6"/>
+                                        </p:tgtEl>
+                                        <p:attrNameLst>
+                                          <p:attrName>style.visibility</p:attrName>
+                                        </p:attrNameLst>
+                                      </p:cBhvr>
+                                      <p:to>
+                                        <p:strVal val="visible"/>
+                                      </p:to>
+                                    </p:set>
+                                    <p:animEffect transition="in" filter="fade">
+                                      <p:cBhvr>
+                                        <p:cTn id="14" dur="500"/>
+                                        <p:tgtEl>
+                                          <p:spTgt spid="6"/>
+                                        </p:tgtEl>
+                                      </p:cBhvr>
+                                    </p:animEffect>
+                                  </p:childTnLst>
+                                </p:cTn>
+                              </p:par>
+                            </p:childTnLst>
+                          </p:cTn>
+                        </p:par>
+                      </p:childTnLst>
+                    </p:cTn>
+                  </p:par>
+                  <p:par>
+                    <p:cTn id="15" fill="hold">
+                      <p:stCondLst>
+                        <p:cond delay="indefinite"/>
+                      </p:stCondLst>
+                      <p:childTnLst>
+                        <p:par>
+                          <p:cTn id="16" fill="hold">
+                            <p:stCondLst>
+                              <p:cond delay="0"/>
+                            </p:stCondLst>
+                            <p:childTnLst>
+                              <p:par>
+                                <p:cTn id="17" presetID="10" presetClass="entr" presetSubtype="0" fill="hold" grpId="0" nodeType="clickEffect">
+                                  <p:stCondLst>
+                                    <p:cond delay="0"/>
+                                  </p:stCondLst>
+                                  <p:childTnLst>
+                                    <p:set>
+                                      <p:cBhvr>
+                                        <p:cTn id="18" dur="1" fill="hold">
+                                          <p:stCondLst>
+                                            <p:cond delay="0"/>
+                                          </p:stCondLst>
+                                        </p:cTn>
+                                        <p:tgtEl>
+                                          <p:spTgt spid="7"/>
+                                        </p:tgtEl>
+                                        <p:attrNameLst>
+                                          <p:attrName>style.visibility</p:attrName>
+                                        </p:attrNameLst>
+                                      </p:cBhvr>
+                                      <p:to>
+                                        <p:strVal val="visible"/>
+                                      </p:to>
+                                    </p:set>
+                                    <p:animEffect transition="in" filter="fade">
+                                      <p:cBhvr>
+                                        <p:cTn id="19" dur="500"/>
+                                        <p:tgtEl>
+                                          <p:spTgt spid="7"/>
+                                        </p:tgtEl>
+                                      </p:cBhvr>
+                                    </p:animEffect>
+                                  </p:childTnLst>
+                                </p:cTn>
+                              </p:par>
+                            </p:childTnLst>
+                          </p:cTn>
+                        </p:par>
+                      </p:childTnLst>
+                    </p:cTn>
+                  </p:par>
+                  <p:par>
+                    <p:cTn id="20" fill="hold">
+                      <p:stCondLst>
+                        <p:cond delay="indefinite"/>
+                      </p:stCondLst>
+                      <p:childTnLst>
+                        <p:par>
+                          <p:cTn id="21" fill="hold">
+                            <p:stCondLst>
+                              <p:cond delay="0"/>
+                            </p:stCondLst>
+                            <p:childTnLst>
+                              <p:par>
+                                <p:cTn id="22" presetID="10" presetClass="entr" presetSubtype="0" fill="hold" grpId="0" nodeType="clickEffect">
+                                  <p:stCondLst>
+                                    <p:cond delay="0"/>
+                                  </p:stCondLst>
+                                  <p:childTnLst>
+                                    <p:set>
+                                      <p:cBhvr>
+                                        <p:cTn id="23" dur="1" fill="hold">
+                                          <p:stCondLst>
+                                            <p:cond delay="0"/>
+                                          </p:stCondLst>
+                                        </p:cTn>
+                                        <p:tgtEl>
+                                          <p:spTgt spid="8"/>
+                                        </p:tgtEl>
+                                        <p:attrNameLst>
+                                          <p:attrName>style.visibility</p:attrName>
+                                        </p:attrNameLst>
+                                      </p:cBhvr>
+                                      <p:to>
+                                        <p:strVal val="visible"/>
+                                      </p:to>
+                                    </p:set>
+                                    <p:animEffect transition="in" filter="fade">
+                                      <p:cBhvr>
+                                        <p:cTn id="24" dur="500"/>
+                                        <p:tgtEl>
+                                          <p:spTgt spid="8"/>
+                                        </p:tgtEl>
+                                      </p:cBhvr>
+                                    </p:animEffect>
+                                  </p:childTnLst>
+                                </p:cTn>
+                              </p:par>
+                            </p:childTnLst>
+                          </p:cTn>
+                        </p:par>
+                      </p:childTnLst>
+                    </p:cTn>
+                  </p:par>
+                </p:childTnLst>
+              </p:cTn>
+              <p:prevCondLst>
+                <p:cond evt="onPrev" delay="0">
+                  <p:tgtEl>
+                    <p:sldTgt/>
+                  </p:tgtEl>
+                </p:cond>
+              </p:prevCondLst>
+              <p:nextCondLst>
+                <p:cond evt="onNext" delay="0">
+                  <p:tgtEl>
+                    <p:sldTgt/>
+                  </p:tgtEl>
+                </p:cond>
+              </p:nextCondLst>
+            </p:seq>
+          </p:childTnLst>
+        </p:cTn>
+      </p:par>
+    </p:tnLst>
+    <p:bldLst>
+      <p:bldP spid="5" grpId="0"/>
+      <p:bldP spid="6" grpId="0"/>
+      <p:bldP spid="7" grpId="0"/>
+      <p:bldP spid="8" grpId="0"/>
+    </p:bldLst>
+  </p:timing>
+</p:sld>
+</file>
+
+<file path=ppt/slides/slide18.xml><?xml version="1.0" encoding="utf-8"?>
 <p:sld xmlns:a="http://schemas.openxmlformats.org/drawingml/2006/main" xmlns:r="http://schemas.openxmlformats.org/officeDocument/2006/relationships" xmlns:p="http://schemas.openxmlformats.org/presentationml/2006/main">
   <p:cSld>
     <p:bg>
@@ -8516,7 +9853,7 @@
 </p:sld>
 </file>
 
-<file path=ppt/slides/slide17.xml><?xml version="1.0" encoding="utf-8"?>
+<file path=ppt/slides/slide19.xml><?xml version="1.0" encoding="utf-8"?>
 <p:sld xmlns:a="http://schemas.openxmlformats.org/drawingml/2006/main" xmlns:r="http://schemas.openxmlformats.org/officeDocument/2006/relationships" xmlns:p="http://schemas.openxmlformats.org/presentationml/2006/main">
   <p:cSld>
     <p:bg>
@@ -9115,1777 +10452,6 @@
     <p:bldLst>
       <p:bldP spid="8" grpId="0"/>
       <p:bldP spid="9" grpId="0"/>
-    </p:bldLst>
-  </p:timing>
-</p:sld>
-</file>
-
-<file path=ppt/slides/slide18.xml><?xml version="1.0" encoding="utf-8"?>
-<p:sld xmlns:a="http://schemas.openxmlformats.org/drawingml/2006/main" xmlns:r="http://schemas.openxmlformats.org/officeDocument/2006/relationships" xmlns:p="http://schemas.openxmlformats.org/presentationml/2006/main">
-  <p:cSld>
-    <p:bg>
-      <p:bgPr>
-        <a:solidFill>
-          <a:schemeClr val="bg2">
-            <a:lumMod val="10000"/>
-          </a:schemeClr>
-        </a:solidFill>
-        <a:effectLst/>
-      </p:bgPr>
-    </p:bg>
-    <p:spTree>
-      <p:nvGrpSpPr>
-        <p:cNvPr id="1" name=""/>
-        <p:cNvGrpSpPr/>
-        <p:nvPr/>
-      </p:nvGrpSpPr>
-      <p:grpSpPr>
-        <a:xfrm>
-          <a:off x="0" y="0"/>
-          <a:ext cx="0" cy="0"/>
-          <a:chOff x="0" y="0"/>
-          <a:chExt cx="0" cy="0"/>
-        </a:xfrm>
-      </p:grpSpPr>
-      <p:cxnSp>
-        <p:nvCxnSpPr>
-          <p:cNvPr id="3" name="Connecteur droit 2">
-            <a:extLst>
-              <a:ext uri="{FF2B5EF4-FFF2-40B4-BE49-F238E27FC236}">
-                <a16:creationId xmlns:a16="http://schemas.microsoft.com/office/drawing/2014/main" id="{824A46D4-1F74-97A6-AB7F-F88BF7EDDFD0}"/>
-              </a:ext>
-            </a:extLst>
-          </p:cNvPr>
-          <p:cNvCxnSpPr/>
-          <p:nvPr/>
-        </p:nvCxnSpPr>
-        <p:spPr>
-          <a:xfrm>
-            <a:off x="660400" y="0"/>
-            <a:ext cx="0" cy="6858000"/>
-          </a:xfrm>
-          <a:prstGeom prst="line">
-            <a:avLst/>
-          </a:prstGeom>
-          <a:ln w="76200">
-            <a:solidFill>
-              <a:srgbClr val="FF0000"/>
-            </a:solidFill>
-          </a:ln>
-        </p:spPr>
-        <p:style>
-          <a:lnRef idx="1">
-            <a:schemeClr val="accent1"/>
-          </a:lnRef>
-          <a:fillRef idx="0">
-            <a:schemeClr val="accent1"/>
-          </a:fillRef>
-          <a:effectRef idx="0">
-            <a:schemeClr val="accent1"/>
-          </a:effectRef>
-          <a:fontRef idx="minor">
-            <a:schemeClr val="tx1"/>
-          </a:fontRef>
-        </p:style>
-      </p:cxnSp>
-      <p:cxnSp>
-        <p:nvCxnSpPr>
-          <p:cNvPr id="4" name="Connecteur droit 3">
-            <a:extLst>
-              <a:ext uri="{FF2B5EF4-FFF2-40B4-BE49-F238E27FC236}">
-                <a16:creationId xmlns:a16="http://schemas.microsoft.com/office/drawing/2014/main" id="{0A222AB6-7AFB-2458-D618-77F3859E25A2}"/>
-              </a:ext>
-            </a:extLst>
-          </p:cNvPr>
-          <p:cNvCxnSpPr/>
-          <p:nvPr/>
-        </p:nvCxnSpPr>
-        <p:spPr>
-          <a:xfrm>
-            <a:off x="873760" y="0"/>
-            <a:ext cx="0" cy="6858000"/>
-          </a:xfrm>
-          <a:prstGeom prst="line">
-            <a:avLst/>
-          </a:prstGeom>
-          <a:ln w="76200">
-            <a:solidFill>
-              <a:srgbClr val="FF0000"/>
-            </a:solidFill>
-          </a:ln>
-        </p:spPr>
-        <p:style>
-          <a:lnRef idx="1">
-            <a:schemeClr val="accent1"/>
-          </a:lnRef>
-          <a:fillRef idx="0">
-            <a:schemeClr val="accent1"/>
-          </a:fillRef>
-          <a:effectRef idx="0">
-            <a:schemeClr val="accent1"/>
-          </a:effectRef>
-          <a:fontRef idx="minor">
-            <a:schemeClr val="tx1"/>
-          </a:fontRef>
-        </p:style>
-      </p:cxnSp>
-      <p:sp>
-        <p:nvSpPr>
-          <p:cNvPr id="5" name="ZoneTexte 4">
-            <a:extLst>
-              <a:ext uri="{FF2B5EF4-FFF2-40B4-BE49-F238E27FC236}">
-                <a16:creationId xmlns:a16="http://schemas.microsoft.com/office/drawing/2014/main" id="{9F55FEC9-D68E-E09A-65EE-518701B75B95}"/>
-              </a:ext>
-            </a:extLst>
-          </p:cNvPr>
-          <p:cNvSpPr txBox="1"/>
-          <p:nvPr/>
-        </p:nvSpPr>
-        <p:spPr>
-          <a:xfrm>
-            <a:off x="1087120" y="487680"/>
-            <a:ext cx="7640310" cy="646331"/>
-          </a:xfrm>
-          <a:prstGeom prst="rect">
-            <a:avLst/>
-          </a:prstGeom>
-          <a:noFill/>
-        </p:spPr>
-        <p:txBody>
-          <a:bodyPr wrap="square" rtlCol="0">
-            <a:spAutoFit/>
-          </a:bodyPr>
-          <a:lstStyle/>
-          <a:p>
-            <a:r>
-              <a:rPr lang="fr-FR" sz="3600" b="1" dirty="0">
-                <a:solidFill>
-                  <a:schemeClr val="bg1"/>
-                </a:solidFill>
-                <a:latin typeface="Microsoft JhengHei Light" panose="020B0304030504040204" pitchFamily="34" charset="-120"/>
-                <a:ea typeface="Microsoft JhengHei Light" panose="020B0304030504040204" pitchFamily="34" charset="-120"/>
-              </a:rPr>
-              <a:t>3.2) </a:t>
-            </a:r>
-            <a:r>
-              <a:rPr lang="fr-FR" sz="3600" b="1" u="sng" dirty="0">
-                <a:solidFill>
-                  <a:schemeClr val="bg1"/>
-                </a:solidFill>
-                <a:latin typeface="Microsoft JhengHei Light" panose="020B0304030504040204" pitchFamily="34" charset="-120"/>
-                <a:ea typeface="Microsoft JhengHei Light" panose="020B0304030504040204" pitchFamily="34" charset="-120"/>
-              </a:rPr>
-              <a:t>Premier principe </a:t>
-            </a:r>
-            <a:r>
-              <a:rPr lang="fr-FR" sz="3600" dirty="0">
-                <a:solidFill>
-                  <a:schemeClr val="bg1"/>
-                </a:solidFill>
-                <a:latin typeface="Microsoft JhengHei Light" panose="020B0304030504040204" pitchFamily="34" charset="-120"/>
-                <a:ea typeface="Microsoft JhengHei Light" panose="020B0304030504040204" pitchFamily="34" charset="-120"/>
-              </a:rPr>
-              <a:t>:</a:t>
-            </a:r>
-          </a:p>
-        </p:txBody>
-      </p:sp>
-      <p:sp>
-        <p:nvSpPr>
-          <p:cNvPr id="6" name="ZoneTexte 5">
-            <a:extLst>
-              <a:ext uri="{FF2B5EF4-FFF2-40B4-BE49-F238E27FC236}">
-                <a16:creationId xmlns:a16="http://schemas.microsoft.com/office/drawing/2014/main" id="{C49C8A5A-E1F8-CF2E-5A41-86F157CA7146}"/>
-              </a:ext>
-            </a:extLst>
-          </p:cNvPr>
-          <p:cNvSpPr txBox="1"/>
-          <p:nvPr/>
-        </p:nvSpPr>
-        <p:spPr>
-          <a:xfrm>
-            <a:off x="1087120" y="1459468"/>
-            <a:ext cx="7284718" cy="369332"/>
-          </a:xfrm>
-          <a:prstGeom prst="rect">
-            <a:avLst/>
-          </a:prstGeom>
-          <a:noFill/>
-        </p:spPr>
-        <p:txBody>
-          <a:bodyPr wrap="square" rtlCol="0">
-            <a:spAutoFit/>
-          </a:bodyPr>
-          <a:lstStyle/>
-          <a:p>
-            <a:r>
-              <a:rPr lang="fr-FR" b="1" dirty="0">
-                <a:solidFill>
-                  <a:schemeClr val="bg1"/>
-                </a:solidFill>
-                <a:latin typeface="Microsoft JhengHei Light" panose="020B0304030504040204" pitchFamily="34" charset="-120"/>
-                <a:ea typeface="Microsoft JhengHei Light" panose="020B0304030504040204" pitchFamily="34" charset="-120"/>
-              </a:rPr>
-              <a:t>* </a:t>
-            </a:r>
-            <a:r>
-              <a:rPr lang="fr-FR" b="1" u="sng" dirty="0">
-                <a:solidFill>
-                  <a:schemeClr val="bg1"/>
-                </a:solidFill>
-                <a:latin typeface="Microsoft JhengHei Light" panose="020B0304030504040204" pitchFamily="34" charset="-120"/>
-                <a:ea typeface="Microsoft JhengHei Light" panose="020B0304030504040204" pitchFamily="34" charset="-120"/>
-              </a:rPr>
-              <a:t>Les tests montrent la présence de défauts</a:t>
-            </a:r>
-            <a:r>
-              <a:rPr lang="fr-FR" b="1" dirty="0">
-                <a:solidFill>
-                  <a:schemeClr val="bg1"/>
-                </a:solidFill>
-                <a:latin typeface="Microsoft JhengHei Light" panose="020B0304030504040204" pitchFamily="34" charset="-120"/>
-                <a:ea typeface="Microsoft JhengHei Light" panose="020B0304030504040204" pitchFamily="34" charset="-120"/>
-              </a:rPr>
-              <a:t> :</a:t>
-            </a:r>
-            <a:endParaRPr lang="fr-FR" b="1" u="sng" dirty="0">
-              <a:solidFill>
-                <a:schemeClr val="bg1"/>
-              </a:solidFill>
-              <a:latin typeface="Microsoft JhengHei Light" panose="020B0304030504040204" pitchFamily="34" charset="-120"/>
-              <a:ea typeface="Microsoft JhengHei Light" panose="020B0304030504040204" pitchFamily="34" charset="-120"/>
-            </a:endParaRPr>
-          </a:p>
-        </p:txBody>
-      </p:sp>
-      <p:sp>
-        <p:nvSpPr>
-          <p:cNvPr id="7" name="ZoneTexte 6">
-            <a:extLst>
-              <a:ext uri="{FF2B5EF4-FFF2-40B4-BE49-F238E27FC236}">
-                <a16:creationId xmlns:a16="http://schemas.microsoft.com/office/drawing/2014/main" id="{C9B267AE-2887-B9D0-344C-8BEAF51AB7C7}"/>
-              </a:ext>
-            </a:extLst>
-          </p:cNvPr>
-          <p:cNvSpPr txBox="1"/>
-          <p:nvPr/>
-        </p:nvSpPr>
-        <p:spPr>
-          <a:xfrm>
-            <a:off x="1087120" y="2003474"/>
-            <a:ext cx="10119356" cy="646331"/>
-          </a:xfrm>
-          <a:prstGeom prst="rect">
-            <a:avLst/>
-          </a:prstGeom>
-          <a:noFill/>
-        </p:spPr>
-        <p:txBody>
-          <a:bodyPr wrap="square" rtlCol="0">
-            <a:spAutoFit/>
-          </a:bodyPr>
-          <a:lstStyle/>
-          <a:p>
-            <a:pPr algn="just"/>
-            <a:r>
-              <a:rPr lang="fr-FR" dirty="0">
-                <a:solidFill>
-                  <a:schemeClr val="bg1"/>
-                </a:solidFill>
-                <a:latin typeface="Microsoft JhengHei Light" panose="020B0304030504040204" pitchFamily="34" charset="-120"/>
-                <a:ea typeface="Microsoft JhengHei Light" panose="020B0304030504040204" pitchFamily="34" charset="-120"/>
-              </a:rPr>
-              <a:t>Les tests vont vérifier certains scénarios et vont détecter que les différentes anomalies sont bel et bien présents dans ces scénarios spécifiques.</a:t>
-            </a:r>
-          </a:p>
-        </p:txBody>
-      </p:sp>
-      <p:sp>
-        <p:nvSpPr>
-          <p:cNvPr id="8" name="ZoneTexte 7">
-            <a:extLst>
-              <a:ext uri="{FF2B5EF4-FFF2-40B4-BE49-F238E27FC236}">
-                <a16:creationId xmlns:a16="http://schemas.microsoft.com/office/drawing/2014/main" id="{A20CC9EB-C623-080D-BA80-35CB2E3D91F2}"/>
-              </a:ext>
-            </a:extLst>
-          </p:cNvPr>
-          <p:cNvSpPr txBox="1"/>
-          <p:nvPr/>
-        </p:nvSpPr>
-        <p:spPr>
-          <a:xfrm>
-            <a:off x="1087120" y="2946400"/>
-            <a:ext cx="10149834" cy="369332"/>
-          </a:xfrm>
-          <a:prstGeom prst="rect">
-            <a:avLst/>
-          </a:prstGeom>
-          <a:noFill/>
-        </p:spPr>
-        <p:txBody>
-          <a:bodyPr wrap="square" rtlCol="0">
-            <a:spAutoFit/>
-          </a:bodyPr>
-          <a:lstStyle/>
-          <a:p>
-            <a:pPr algn="just"/>
-            <a:r>
-              <a:rPr lang="fr-FR" dirty="0">
-                <a:solidFill>
-                  <a:schemeClr val="bg1"/>
-                </a:solidFill>
-                <a:latin typeface="Microsoft JhengHei Light" panose="020B0304030504040204" pitchFamily="34" charset="-120"/>
-                <a:ea typeface="Microsoft JhengHei Light" panose="020B0304030504040204" pitchFamily="34" charset="-120"/>
-              </a:rPr>
-              <a:t>Les scénarios spécifiés et exécutés. Les vérifications prétendues par les tests seront couvertes.</a:t>
-            </a:r>
-          </a:p>
-        </p:txBody>
-      </p:sp>
-      <p:sp>
-        <p:nvSpPr>
-          <p:cNvPr id="9" name="ZoneTexte 8">
-            <a:extLst>
-              <a:ext uri="{FF2B5EF4-FFF2-40B4-BE49-F238E27FC236}">
-                <a16:creationId xmlns:a16="http://schemas.microsoft.com/office/drawing/2014/main" id="{1AF1BE0E-A094-B398-A865-BCD51055A4F4}"/>
-              </a:ext>
-            </a:extLst>
-          </p:cNvPr>
-          <p:cNvSpPr txBox="1"/>
-          <p:nvPr/>
-        </p:nvSpPr>
-        <p:spPr>
-          <a:xfrm>
-            <a:off x="1087120" y="3612327"/>
-            <a:ext cx="10149834" cy="1200329"/>
-          </a:xfrm>
-          <a:prstGeom prst="rect">
-            <a:avLst/>
-          </a:prstGeom>
-          <a:noFill/>
-        </p:spPr>
-        <p:txBody>
-          <a:bodyPr wrap="square" rtlCol="0">
-            <a:spAutoFit/>
-          </a:bodyPr>
-          <a:lstStyle/>
-          <a:p>
-            <a:pPr algn="just"/>
-            <a:r>
-              <a:rPr lang="fr-FR" dirty="0">
-                <a:solidFill>
-                  <a:schemeClr val="bg1"/>
-                </a:solidFill>
-                <a:latin typeface="Microsoft JhengHei Light" panose="020B0304030504040204" pitchFamily="34" charset="-120"/>
-                <a:ea typeface="Microsoft JhengHei Light" panose="020B0304030504040204" pitchFamily="34" charset="-120"/>
-              </a:rPr>
-              <a:t>Par ailleurs, les tests montrent la présence des défauts mais n’indiquent pas leur absence. Néanmoins, il est alors impossible lors des tests d’un produit, de justifier leur absence. Ainsi, la validation des tests assure que le produit réalise bien ce qu’elle doit faire et qu’elle ne garantit pas qu’elle ne devrait pas faire.</a:t>
-            </a:r>
-          </a:p>
-        </p:txBody>
-      </p:sp>
-    </p:spTree>
-    <p:extLst>
-      <p:ext uri="{BB962C8B-B14F-4D97-AF65-F5344CB8AC3E}">
-        <p14:creationId xmlns:p14="http://schemas.microsoft.com/office/powerpoint/2010/main" val="3766655981"/>
-      </p:ext>
-    </p:extLst>
-  </p:cSld>
-  <p:clrMapOvr>
-    <a:masterClrMapping/>
-  </p:clrMapOvr>
-  <p:timing>
-    <p:tnLst>
-      <p:par>
-        <p:cTn id="1" dur="indefinite" restart="never" nodeType="tmRoot">
-          <p:childTnLst>
-            <p:seq concurrent="1" nextAc="seek">
-              <p:cTn id="2" dur="indefinite" nodeType="mainSeq">
-                <p:childTnLst>
-                  <p:par>
-                    <p:cTn id="3" fill="hold">
-                      <p:stCondLst>
-                        <p:cond delay="indefinite"/>
-                        <p:cond evt="onBegin" delay="0">
-                          <p:tn val="2"/>
-                        </p:cond>
-                      </p:stCondLst>
-                      <p:childTnLst>
-                        <p:par>
-                          <p:cTn id="4" fill="hold">
-                            <p:stCondLst>
-                              <p:cond delay="0"/>
-                            </p:stCondLst>
-                            <p:childTnLst>
-                              <p:par>
-                                <p:cTn id="5" presetID="10" presetClass="entr" presetSubtype="0" fill="hold" nodeType="withEffect">
-                                  <p:stCondLst>
-                                    <p:cond delay="0"/>
-                                  </p:stCondLst>
-                                  <p:childTnLst>
-                                    <p:set>
-                                      <p:cBhvr>
-                                        <p:cTn id="6" dur="1" fill="hold">
-                                          <p:stCondLst>
-                                            <p:cond delay="0"/>
-                                          </p:stCondLst>
-                                        </p:cTn>
-                                        <p:tgtEl>
-                                          <p:spTgt spid="3"/>
-                                        </p:tgtEl>
-                                        <p:attrNameLst>
-                                          <p:attrName>style.visibility</p:attrName>
-                                        </p:attrNameLst>
-                                      </p:cBhvr>
-                                      <p:to>
-                                        <p:strVal val="visible"/>
-                                      </p:to>
-                                    </p:set>
-                                    <p:animEffect transition="in" filter="fade">
-                                      <p:cBhvr>
-                                        <p:cTn id="7" dur="300"/>
-                                        <p:tgtEl>
-                                          <p:spTgt spid="3"/>
-                                        </p:tgtEl>
-                                      </p:cBhvr>
-                                    </p:animEffect>
-                                  </p:childTnLst>
-                                </p:cTn>
-                              </p:par>
-                              <p:par>
-                                <p:cTn id="8" presetID="10" presetClass="entr" presetSubtype="0" fill="hold" nodeType="withEffect">
-                                  <p:stCondLst>
-                                    <p:cond delay="0"/>
-                                  </p:stCondLst>
-                                  <p:childTnLst>
-                                    <p:set>
-                                      <p:cBhvr>
-                                        <p:cTn id="9" dur="1" fill="hold">
-                                          <p:stCondLst>
-                                            <p:cond delay="0"/>
-                                          </p:stCondLst>
-                                        </p:cTn>
-                                        <p:tgtEl>
-                                          <p:spTgt spid="4"/>
-                                        </p:tgtEl>
-                                        <p:attrNameLst>
-                                          <p:attrName>style.visibility</p:attrName>
-                                        </p:attrNameLst>
-                                      </p:cBhvr>
-                                      <p:to>
-                                        <p:strVal val="visible"/>
-                                      </p:to>
-                                    </p:set>
-                                    <p:animEffect transition="in" filter="fade">
-                                      <p:cBhvr>
-                                        <p:cTn id="10" dur="300"/>
-                                        <p:tgtEl>
-                                          <p:spTgt spid="4"/>
-                                        </p:tgtEl>
-                                      </p:cBhvr>
-                                    </p:animEffect>
-                                  </p:childTnLst>
-                                </p:cTn>
-                              </p:par>
-                            </p:childTnLst>
-                          </p:cTn>
-                        </p:par>
-                      </p:childTnLst>
-                    </p:cTn>
-                  </p:par>
-                  <p:par>
-                    <p:cTn id="11" fill="hold">
-                      <p:stCondLst>
-                        <p:cond delay="indefinite"/>
-                      </p:stCondLst>
-                      <p:childTnLst>
-                        <p:par>
-                          <p:cTn id="12" fill="hold">
-                            <p:stCondLst>
-                              <p:cond delay="0"/>
-                            </p:stCondLst>
-                            <p:childTnLst>
-                              <p:par>
-                                <p:cTn id="13" presetID="42" presetClass="entr" presetSubtype="0" fill="hold" grpId="0" nodeType="clickEffect">
-                                  <p:stCondLst>
-                                    <p:cond delay="0"/>
-                                  </p:stCondLst>
-                                  <p:childTnLst>
-                                    <p:set>
-                                      <p:cBhvr>
-                                        <p:cTn id="14" dur="1" fill="hold">
-                                          <p:stCondLst>
-                                            <p:cond delay="0"/>
-                                          </p:stCondLst>
-                                        </p:cTn>
-                                        <p:tgtEl>
-                                          <p:spTgt spid="5"/>
-                                        </p:tgtEl>
-                                        <p:attrNameLst>
-                                          <p:attrName>style.visibility</p:attrName>
-                                        </p:attrNameLst>
-                                      </p:cBhvr>
-                                      <p:to>
-                                        <p:strVal val="visible"/>
-                                      </p:to>
-                                    </p:set>
-                                    <p:animEffect transition="in" filter="fade">
-                                      <p:cBhvr>
-                                        <p:cTn id="15" dur="1000"/>
-                                        <p:tgtEl>
-                                          <p:spTgt spid="5"/>
-                                        </p:tgtEl>
-                                      </p:cBhvr>
-                                    </p:animEffect>
-                                    <p:anim calcmode="lin" valueType="num">
-                                      <p:cBhvr>
-                                        <p:cTn id="16" dur="1000" fill="hold"/>
-                                        <p:tgtEl>
-                                          <p:spTgt spid="5"/>
-                                        </p:tgtEl>
-                                        <p:attrNameLst>
-                                          <p:attrName>ppt_x</p:attrName>
-                                        </p:attrNameLst>
-                                      </p:cBhvr>
-                                      <p:tavLst>
-                                        <p:tav tm="0">
-                                          <p:val>
-                                            <p:strVal val="#ppt_x"/>
-                                          </p:val>
-                                        </p:tav>
-                                        <p:tav tm="100000">
-                                          <p:val>
-                                            <p:strVal val="#ppt_x"/>
-                                          </p:val>
-                                        </p:tav>
-                                      </p:tavLst>
-                                    </p:anim>
-                                    <p:anim calcmode="lin" valueType="num">
-                                      <p:cBhvr>
-                                        <p:cTn id="17" dur="1000" fill="hold"/>
-                                        <p:tgtEl>
-                                          <p:spTgt spid="5"/>
-                                        </p:tgtEl>
-                                        <p:attrNameLst>
-                                          <p:attrName>ppt_y</p:attrName>
-                                        </p:attrNameLst>
-                                      </p:cBhvr>
-                                      <p:tavLst>
-                                        <p:tav tm="0">
-                                          <p:val>
-                                            <p:strVal val="#ppt_y+.1"/>
-                                          </p:val>
-                                        </p:tav>
-                                        <p:tav tm="100000">
-                                          <p:val>
-                                            <p:strVal val="#ppt_y"/>
-                                          </p:val>
-                                        </p:tav>
-                                      </p:tavLst>
-                                    </p:anim>
-                                  </p:childTnLst>
-                                </p:cTn>
-                              </p:par>
-                            </p:childTnLst>
-                          </p:cTn>
-                        </p:par>
-                      </p:childTnLst>
-                    </p:cTn>
-                  </p:par>
-                  <p:par>
-                    <p:cTn id="18" fill="hold">
-                      <p:stCondLst>
-                        <p:cond delay="indefinite"/>
-                      </p:stCondLst>
-                      <p:childTnLst>
-                        <p:par>
-                          <p:cTn id="19" fill="hold">
-                            <p:stCondLst>
-                              <p:cond delay="0"/>
-                            </p:stCondLst>
-                            <p:childTnLst>
-                              <p:par>
-                                <p:cTn id="20" presetID="10" presetClass="entr" presetSubtype="0" fill="hold" grpId="0" nodeType="clickEffect">
-                                  <p:stCondLst>
-                                    <p:cond delay="0"/>
-                                  </p:stCondLst>
-                                  <p:childTnLst>
-                                    <p:set>
-                                      <p:cBhvr>
-                                        <p:cTn id="21" dur="1" fill="hold">
-                                          <p:stCondLst>
-                                            <p:cond delay="0"/>
-                                          </p:stCondLst>
-                                        </p:cTn>
-                                        <p:tgtEl>
-                                          <p:spTgt spid="6"/>
-                                        </p:tgtEl>
-                                        <p:attrNameLst>
-                                          <p:attrName>style.visibility</p:attrName>
-                                        </p:attrNameLst>
-                                      </p:cBhvr>
-                                      <p:to>
-                                        <p:strVal val="visible"/>
-                                      </p:to>
-                                    </p:set>
-                                    <p:animEffect transition="in" filter="fade">
-                                      <p:cBhvr>
-                                        <p:cTn id="22" dur="500"/>
-                                        <p:tgtEl>
-                                          <p:spTgt spid="6"/>
-                                        </p:tgtEl>
-                                      </p:cBhvr>
-                                    </p:animEffect>
-                                  </p:childTnLst>
-                                </p:cTn>
-                              </p:par>
-                            </p:childTnLst>
-                          </p:cTn>
-                        </p:par>
-                      </p:childTnLst>
-                    </p:cTn>
-                  </p:par>
-                  <p:par>
-                    <p:cTn id="23" fill="hold">
-                      <p:stCondLst>
-                        <p:cond delay="indefinite"/>
-                      </p:stCondLst>
-                      <p:childTnLst>
-                        <p:par>
-                          <p:cTn id="24" fill="hold">
-                            <p:stCondLst>
-                              <p:cond delay="0"/>
-                            </p:stCondLst>
-                            <p:childTnLst>
-                              <p:par>
-                                <p:cTn id="25" presetID="10" presetClass="entr" presetSubtype="0" fill="hold" grpId="0" nodeType="clickEffect">
-                                  <p:stCondLst>
-                                    <p:cond delay="0"/>
-                                  </p:stCondLst>
-                                  <p:childTnLst>
-                                    <p:set>
-                                      <p:cBhvr>
-                                        <p:cTn id="26" dur="1" fill="hold">
-                                          <p:stCondLst>
-                                            <p:cond delay="0"/>
-                                          </p:stCondLst>
-                                        </p:cTn>
-                                        <p:tgtEl>
-                                          <p:spTgt spid="7"/>
-                                        </p:tgtEl>
-                                        <p:attrNameLst>
-                                          <p:attrName>style.visibility</p:attrName>
-                                        </p:attrNameLst>
-                                      </p:cBhvr>
-                                      <p:to>
-                                        <p:strVal val="visible"/>
-                                      </p:to>
-                                    </p:set>
-                                    <p:animEffect transition="in" filter="fade">
-                                      <p:cBhvr>
-                                        <p:cTn id="27" dur="500"/>
-                                        <p:tgtEl>
-                                          <p:spTgt spid="7"/>
-                                        </p:tgtEl>
-                                      </p:cBhvr>
-                                    </p:animEffect>
-                                  </p:childTnLst>
-                                </p:cTn>
-                              </p:par>
-                            </p:childTnLst>
-                          </p:cTn>
-                        </p:par>
-                      </p:childTnLst>
-                    </p:cTn>
-                  </p:par>
-                  <p:par>
-                    <p:cTn id="28" fill="hold">
-                      <p:stCondLst>
-                        <p:cond delay="indefinite"/>
-                      </p:stCondLst>
-                      <p:childTnLst>
-                        <p:par>
-                          <p:cTn id="29" fill="hold">
-                            <p:stCondLst>
-                              <p:cond delay="0"/>
-                            </p:stCondLst>
-                            <p:childTnLst>
-                              <p:par>
-                                <p:cTn id="30" presetID="10" presetClass="entr" presetSubtype="0" fill="hold" grpId="0" nodeType="clickEffect">
-                                  <p:stCondLst>
-                                    <p:cond delay="0"/>
-                                  </p:stCondLst>
-                                  <p:childTnLst>
-                                    <p:set>
-                                      <p:cBhvr>
-                                        <p:cTn id="31" dur="1" fill="hold">
-                                          <p:stCondLst>
-                                            <p:cond delay="0"/>
-                                          </p:stCondLst>
-                                        </p:cTn>
-                                        <p:tgtEl>
-                                          <p:spTgt spid="8"/>
-                                        </p:tgtEl>
-                                        <p:attrNameLst>
-                                          <p:attrName>style.visibility</p:attrName>
-                                        </p:attrNameLst>
-                                      </p:cBhvr>
-                                      <p:to>
-                                        <p:strVal val="visible"/>
-                                      </p:to>
-                                    </p:set>
-                                    <p:animEffect transition="in" filter="fade">
-                                      <p:cBhvr>
-                                        <p:cTn id="32" dur="500"/>
-                                        <p:tgtEl>
-                                          <p:spTgt spid="8"/>
-                                        </p:tgtEl>
-                                      </p:cBhvr>
-                                    </p:animEffect>
-                                  </p:childTnLst>
-                                </p:cTn>
-                              </p:par>
-                            </p:childTnLst>
-                          </p:cTn>
-                        </p:par>
-                      </p:childTnLst>
-                    </p:cTn>
-                  </p:par>
-                  <p:par>
-                    <p:cTn id="33" fill="hold">
-                      <p:stCondLst>
-                        <p:cond delay="indefinite"/>
-                      </p:stCondLst>
-                      <p:childTnLst>
-                        <p:par>
-                          <p:cTn id="34" fill="hold">
-                            <p:stCondLst>
-                              <p:cond delay="0"/>
-                            </p:stCondLst>
-                            <p:childTnLst>
-                              <p:par>
-                                <p:cTn id="35" presetID="10" presetClass="entr" presetSubtype="0" fill="hold" grpId="0" nodeType="clickEffect">
-                                  <p:stCondLst>
-                                    <p:cond delay="0"/>
-                                  </p:stCondLst>
-                                  <p:childTnLst>
-                                    <p:set>
-                                      <p:cBhvr>
-                                        <p:cTn id="36" dur="1" fill="hold">
-                                          <p:stCondLst>
-                                            <p:cond delay="0"/>
-                                          </p:stCondLst>
-                                        </p:cTn>
-                                        <p:tgtEl>
-                                          <p:spTgt spid="9"/>
-                                        </p:tgtEl>
-                                        <p:attrNameLst>
-                                          <p:attrName>style.visibility</p:attrName>
-                                        </p:attrNameLst>
-                                      </p:cBhvr>
-                                      <p:to>
-                                        <p:strVal val="visible"/>
-                                      </p:to>
-                                    </p:set>
-                                    <p:animEffect transition="in" filter="fade">
-                                      <p:cBhvr>
-                                        <p:cTn id="37" dur="500"/>
-                                        <p:tgtEl>
-                                          <p:spTgt spid="9"/>
-                                        </p:tgtEl>
-                                      </p:cBhvr>
-                                    </p:animEffect>
-                                  </p:childTnLst>
-                                </p:cTn>
-                              </p:par>
-                            </p:childTnLst>
-                          </p:cTn>
-                        </p:par>
-                      </p:childTnLst>
-                    </p:cTn>
-                  </p:par>
-                </p:childTnLst>
-              </p:cTn>
-              <p:prevCondLst>
-                <p:cond evt="onPrev" delay="0">
-                  <p:tgtEl>
-                    <p:sldTgt/>
-                  </p:tgtEl>
-                </p:cond>
-              </p:prevCondLst>
-              <p:nextCondLst>
-                <p:cond evt="onNext" delay="0">
-                  <p:tgtEl>
-                    <p:sldTgt/>
-                  </p:tgtEl>
-                </p:cond>
-              </p:nextCondLst>
-            </p:seq>
-          </p:childTnLst>
-        </p:cTn>
-      </p:par>
-    </p:tnLst>
-    <p:bldLst>
-      <p:bldP spid="5" grpId="0"/>
-      <p:bldP spid="6" grpId="0"/>
-      <p:bldP spid="7" grpId="0"/>
-      <p:bldP spid="8" grpId="0"/>
-      <p:bldP spid="9" grpId="0"/>
-    </p:bldLst>
-  </p:timing>
-</p:sld>
-</file>
-
-<file path=ppt/slides/slide19.xml><?xml version="1.0" encoding="utf-8"?>
-<p:sld xmlns:a="http://schemas.openxmlformats.org/drawingml/2006/main" xmlns:r="http://schemas.openxmlformats.org/officeDocument/2006/relationships" xmlns:p="http://schemas.openxmlformats.org/presentationml/2006/main">
-  <p:cSld>
-    <p:bg>
-      <p:bgPr>
-        <a:solidFill>
-          <a:schemeClr val="bg2">
-            <a:lumMod val="10000"/>
-          </a:schemeClr>
-        </a:solidFill>
-        <a:effectLst/>
-      </p:bgPr>
-    </p:bg>
-    <p:spTree>
-      <p:nvGrpSpPr>
-        <p:cNvPr id="1" name=""/>
-        <p:cNvGrpSpPr/>
-        <p:nvPr/>
-      </p:nvGrpSpPr>
-      <p:grpSpPr>
-        <a:xfrm>
-          <a:off x="0" y="0"/>
-          <a:ext cx="0" cy="0"/>
-          <a:chOff x="0" y="0"/>
-          <a:chExt cx="0" cy="0"/>
-        </a:xfrm>
-      </p:grpSpPr>
-      <p:cxnSp>
-        <p:nvCxnSpPr>
-          <p:cNvPr id="3" name="Connecteur droit 2">
-            <a:extLst>
-              <a:ext uri="{FF2B5EF4-FFF2-40B4-BE49-F238E27FC236}">
-                <a16:creationId xmlns:a16="http://schemas.microsoft.com/office/drawing/2014/main" id="{B7453269-6B20-9479-19CE-850F87920D55}"/>
-              </a:ext>
-            </a:extLst>
-          </p:cNvPr>
-          <p:cNvCxnSpPr/>
-          <p:nvPr/>
-        </p:nvCxnSpPr>
-        <p:spPr>
-          <a:xfrm>
-            <a:off x="668593" y="0"/>
-            <a:ext cx="0" cy="6858000"/>
-          </a:xfrm>
-          <a:prstGeom prst="line">
-            <a:avLst/>
-          </a:prstGeom>
-          <a:ln w="76200">
-            <a:solidFill>
-              <a:srgbClr val="FF0000"/>
-            </a:solidFill>
-          </a:ln>
-        </p:spPr>
-        <p:style>
-          <a:lnRef idx="1">
-            <a:schemeClr val="accent1"/>
-          </a:lnRef>
-          <a:fillRef idx="0">
-            <a:schemeClr val="accent1"/>
-          </a:fillRef>
-          <a:effectRef idx="0">
-            <a:schemeClr val="accent1"/>
-          </a:effectRef>
-          <a:fontRef idx="minor">
-            <a:schemeClr val="tx1"/>
-          </a:fontRef>
-        </p:style>
-      </p:cxnSp>
-      <p:cxnSp>
-        <p:nvCxnSpPr>
-          <p:cNvPr id="4" name="Connecteur droit 3">
-            <a:extLst>
-              <a:ext uri="{FF2B5EF4-FFF2-40B4-BE49-F238E27FC236}">
-                <a16:creationId xmlns:a16="http://schemas.microsoft.com/office/drawing/2014/main" id="{CE7F31A2-015D-296E-1334-CB1FC1DEC6B1}"/>
-              </a:ext>
-            </a:extLst>
-          </p:cNvPr>
-          <p:cNvCxnSpPr/>
-          <p:nvPr/>
-        </p:nvCxnSpPr>
-        <p:spPr>
-          <a:xfrm>
-            <a:off x="879987" y="0"/>
-            <a:ext cx="0" cy="6858000"/>
-          </a:xfrm>
-          <a:prstGeom prst="line">
-            <a:avLst/>
-          </a:prstGeom>
-          <a:ln w="76200">
-            <a:solidFill>
-              <a:srgbClr val="FF0000"/>
-            </a:solidFill>
-          </a:ln>
-        </p:spPr>
-        <p:style>
-          <a:lnRef idx="1">
-            <a:schemeClr val="accent1"/>
-          </a:lnRef>
-          <a:fillRef idx="0">
-            <a:schemeClr val="accent1"/>
-          </a:fillRef>
-          <a:effectRef idx="0">
-            <a:schemeClr val="accent1"/>
-          </a:effectRef>
-          <a:fontRef idx="minor">
-            <a:schemeClr val="tx1"/>
-          </a:fontRef>
-        </p:style>
-      </p:cxnSp>
-      <p:sp>
-        <p:nvSpPr>
-          <p:cNvPr id="5" name="ZoneTexte 4">
-            <a:extLst>
-              <a:ext uri="{FF2B5EF4-FFF2-40B4-BE49-F238E27FC236}">
-                <a16:creationId xmlns:a16="http://schemas.microsoft.com/office/drawing/2014/main" id="{AC79B85F-15C1-5F47-1A98-C673CEC9E508}"/>
-              </a:ext>
-            </a:extLst>
-          </p:cNvPr>
-          <p:cNvSpPr txBox="1"/>
-          <p:nvPr/>
-        </p:nvSpPr>
-        <p:spPr>
-          <a:xfrm>
-            <a:off x="1091381" y="422787"/>
-            <a:ext cx="8544229" cy="646331"/>
-          </a:xfrm>
-          <a:prstGeom prst="rect">
-            <a:avLst/>
-          </a:prstGeom>
-          <a:noFill/>
-        </p:spPr>
-        <p:txBody>
-          <a:bodyPr wrap="square" rtlCol="0">
-            <a:spAutoFit/>
-          </a:bodyPr>
-          <a:lstStyle/>
-          <a:p>
-            <a:r>
-              <a:rPr lang="fr-FR" sz="3600" b="1" dirty="0">
-                <a:solidFill>
-                  <a:schemeClr val="bg1"/>
-                </a:solidFill>
-                <a:latin typeface="Microsoft JhengHei Light" panose="020B0304030504040204" pitchFamily="34" charset="-120"/>
-                <a:ea typeface="Microsoft JhengHei Light" panose="020B0304030504040204" pitchFamily="34" charset="-120"/>
-              </a:rPr>
-              <a:t>3.3) </a:t>
-            </a:r>
-            <a:r>
-              <a:rPr lang="fr-FR" sz="3600" b="1" u="sng" dirty="0">
-                <a:solidFill>
-                  <a:schemeClr val="bg1"/>
-                </a:solidFill>
-                <a:latin typeface="Microsoft JhengHei Light" panose="020B0304030504040204" pitchFamily="34" charset="-120"/>
-                <a:ea typeface="Microsoft JhengHei Light" panose="020B0304030504040204" pitchFamily="34" charset="-120"/>
-              </a:rPr>
-              <a:t>Deuxième principe</a:t>
-            </a:r>
-            <a:r>
-              <a:rPr lang="fr-FR" sz="3600" b="1" dirty="0">
-                <a:solidFill>
-                  <a:schemeClr val="bg1"/>
-                </a:solidFill>
-                <a:latin typeface="Microsoft JhengHei Light" panose="020B0304030504040204" pitchFamily="34" charset="-120"/>
-                <a:ea typeface="Microsoft JhengHei Light" panose="020B0304030504040204" pitchFamily="34" charset="-120"/>
-              </a:rPr>
-              <a:t> :</a:t>
-            </a:r>
-          </a:p>
-        </p:txBody>
-      </p:sp>
-      <p:sp>
-        <p:nvSpPr>
-          <p:cNvPr id="6" name="ZoneTexte 5">
-            <a:extLst>
-              <a:ext uri="{FF2B5EF4-FFF2-40B4-BE49-F238E27FC236}">
-                <a16:creationId xmlns:a16="http://schemas.microsoft.com/office/drawing/2014/main" id="{5D837539-0218-B080-2D62-BE3992CBBF43}"/>
-              </a:ext>
-            </a:extLst>
-          </p:cNvPr>
-          <p:cNvSpPr txBox="1"/>
-          <p:nvPr/>
-        </p:nvSpPr>
-        <p:spPr>
-          <a:xfrm>
-            <a:off x="1091381" y="1238865"/>
-            <a:ext cx="8908018" cy="369332"/>
-          </a:xfrm>
-          <a:prstGeom prst="rect">
-            <a:avLst/>
-          </a:prstGeom>
-          <a:noFill/>
-        </p:spPr>
-        <p:txBody>
-          <a:bodyPr wrap="square" rtlCol="0">
-            <a:spAutoFit/>
-          </a:bodyPr>
-          <a:lstStyle/>
-          <a:p>
-            <a:r>
-              <a:rPr lang="fr-FR" b="1" dirty="0">
-                <a:solidFill>
-                  <a:schemeClr val="bg1"/>
-                </a:solidFill>
-                <a:latin typeface="Microsoft JhengHei Light" panose="020B0304030504040204" pitchFamily="34" charset="-120"/>
-                <a:ea typeface="Microsoft JhengHei Light" panose="020B0304030504040204" pitchFamily="34" charset="-120"/>
-              </a:rPr>
-              <a:t>* </a:t>
-            </a:r>
-            <a:r>
-              <a:rPr lang="fr-FR" b="1" u="sng" dirty="0">
-                <a:solidFill>
-                  <a:schemeClr val="bg1"/>
-                </a:solidFill>
-                <a:latin typeface="Microsoft JhengHei Light" panose="020B0304030504040204" pitchFamily="34" charset="-120"/>
-                <a:ea typeface="Microsoft JhengHei Light" panose="020B0304030504040204" pitchFamily="34" charset="-120"/>
-              </a:rPr>
-              <a:t>Les tests exhaustifs sont impossibles</a:t>
-            </a:r>
-            <a:r>
-              <a:rPr lang="fr-FR" b="1" dirty="0">
-                <a:solidFill>
-                  <a:schemeClr val="bg1"/>
-                </a:solidFill>
-                <a:latin typeface="Microsoft JhengHei Light" panose="020B0304030504040204" pitchFamily="34" charset="-120"/>
-                <a:ea typeface="Microsoft JhengHei Light" panose="020B0304030504040204" pitchFamily="34" charset="-120"/>
-              </a:rPr>
-              <a:t> :</a:t>
-            </a:r>
-          </a:p>
-        </p:txBody>
-      </p:sp>
-      <p:sp>
-        <p:nvSpPr>
-          <p:cNvPr id="7" name="ZoneTexte 6">
-            <a:extLst>
-              <a:ext uri="{FF2B5EF4-FFF2-40B4-BE49-F238E27FC236}">
-                <a16:creationId xmlns:a16="http://schemas.microsoft.com/office/drawing/2014/main" id="{24D80753-0A84-3126-9B65-2F8D87EA6CA0}"/>
-              </a:ext>
-            </a:extLst>
-          </p:cNvPr>
-          <p:cNvSpPr txBox="1"/>
-          <p:nvPr/>
-        </p:nvSpPr>
-        <p:spPr>
-          <a:xfrm>
-            <a:off x="1091381" y="1777944"/>
-            <a:ext cx="10333695" cy="646331"/>
-          </a:xfrm>
-          <a:prstGeom prst="rect">
-            <a:avLst/>
-          </a:prstGeom>
-          <a:noFill/>
-        </p:spPr>
-        <p:txBody>
-          <a:bodyPr wrap="square" rtlCol="0">
-            <a:spAutoFit/>
-          </a:bodyPr>
-          <a:lstStyle/>
-          <a:p>
-            <a:pPr algn="just"/>
-            <a:r>
-              <a:rPr lang="fr-FR" dirty="0">
-                <a:solidFill>
-                  <a:schemeClr val="bg1"/>
-                </a:solidFill>
-                <a:latin typeface="Microsoft JhengHei Light" panose="020B0304030504040204" pitchFamily="34" charset="-120"/>
-                <a:ea typeface="Microsoft JhengHei Light" panose="020B0304030504040204" pitchFamily="34" charset="-120"/>
-              </a:rPr>
-              <a:t>Dans le Testing, il est forcément impossible de tester les différentes combinaisons d’entrées et de préconditions. Il n’est pas faisable sauf pour des cas triviaux. </a:t>
-            </a:r>
-          </a:p>
-        </p:txBody>
-      </p:sp>
-      <p:sp>
-        <p:nvSpPr>
-          <p:cNvPr id="8" name="ZoneTexte 7">
-            <a:extLst>
-              <a:ext uri="{FF2B5EF4-FFF2-40B4-BE49-F238E27FC236}">
-                <a16:creationId xmlns:a16="http://schemas.microsoft.com/office/drawing/2014/main" id="{0BE13A62-B208-BC90-0300-61BE306C2467}"/>
-              </a:ext>
-            </a:extLst>
-          </p:cNvPr>
-          <p:cNvSpPr txBox="1"/>
-          <p:nvPr/>
-        </p:nvSpPr>
-        <p:spPr>
-          <a:xfrm>
-            <a:off x="1091381" y="2594022"/>
-            <a:ext cx="10403633" cy="646331"/>
-          </a:xfrm>
-          <a:prstGeom prst="rect">
-            <a:avLst/>
-          </a:prstGeom>
-          <a:noFill/>
-        </p:spPr>
-        <p:txBody>
-          <a:bodyPr wrap="square" rtlCol="0">
-            <a:spAutoFit/>
-          </a:bodyPr>
-          <a:lstStyle/>
-          <a:p>
-            <a:r>
-              <a:rPr lang="fr-FR" dirty="0">
-                <a:solidFill>
-                  <a:schemeClr val="bg1"/>
-                </a:solidFill>
-                <a:latin typeface="Microsoft JhengHei Light" panose="020B0304030504040204" pitchFamily="34" charset="-120"/>
-                <a:ea typeface="Microsoft JhengHei Light" panose="020B0304030504040204" pitchFamily="34" charset="-120"/>
-              </a:rPr>
-              <a:t>De préférence, les testeurs utilisent l’analyse des risques et des priorités pour focaliser les efforts de tests.</a:t>
-            </a:r>
-          </a:p>
-        </p:txBody>
-      </p:sp>
-      <p:sp>
-        <p:nvSpPr>
-          <p:cNvPr id="9" name="ZoneTexte 8">
-            <a:extLst>
-              <a:ext uri="{FF2B5EF4-FFF2-40B4-BE49-F238E27FC236}">
-                <a16:creationId xmlns:a16="http://schemas.microsoft.com/office/drawing/2014/main" id="{185948AE-B65A-C70E-C439-8E0CFD6BFD8D}"/>
-              </a:ext>
-            </a:extLst>
-          </p:cNvPr>
-          <p:cNvSpPr txBox="1"/>
-          <p:nvPr/>
-        </p:nvSpPr>
-        <p:spPr>
-          <a:xfrm>
-            <a:off x="1091381" y="3410100"/>
-            <a:ext cx="10608904" cy="923330"/>
-          </a:xfrm>
-          <a:prstGeom prst="rect">
-            <a:avLst/>
-          </a:prstGeom>
-          <a:noFill/>
-        </p:spPr>
-        <p:txBody>
-          <a:bodyPr wrap="square" rtlCol="0">
-            <a:spAutoFit/>
-          </a:bodyPr>
-          <a:lstStyle/>
-          <a:p>
-            <a:pPr algn="just"/>
-            <a:r>
-              <a:rPr lang="fr-FR" dirty="0">
-                <a:solidFill>
-                  <a:schemeClr val="bg1"/>
-                </a:solidFill>
-                <a:latin typeface="Microsoft JhengHei Light" panose="020B0304030504040204" pitchFamily="34" charset="-120"/>
-                <a:ea typeface="Microsoft JhengHei Light" panose="020B0304030504040204" pitchFamily="34" charset="-120"/>
-              </a:rPr>
-              <a:t>Ce qu’il faut comprendre des tests exhaustifs sont que cette couverture exhaustive à l’exception d’une application est impossible à atteindre, ce qui peut sembler complexe quand il s’agit d’une application où le nombre de phases faites par un utilisateur est illimité. </a:t>
-            </a:r>
-          </a:p>
-        </p:txBody>
-      </p:sp>
-      <p:sp>
-        <p:nvSpPr>
-          <p:cNvPr id="10" name="ZoneTexte 9">
-            <a:extLst>
-              <a:ext uri="{FF2B5EF4-FFF2-40B4-BE49-F238E27FC236}">
-                <a16:creationId xmlns:a16="http://schemas.microsoft.com/office/drawing/2014/main" id="{A9A0CC37-9BF9-7AAA-E298-D4FEBFD2583E}"/>
-              </a:ext>
-            </a:extLst>
-          </p:cNvPr>
-          <p:cNvSpPr txBox="1"/>
-          <p:nvPr/>
-        </p:nvSpPr>
-        <p:spPr>
-          <a:xfrm>
-            <a:off x="1091381" y="4499668"/>
-            <a:ext cx="10814480" cy="1200329"/>
-          </a:xfrm>
-          <a:prstGeom prst="rect">
-            <a:avLst/>
-          </a:prstGeom>
-          <a:noFill/>
-        </p:spPr>
-        <p:txBody>
-          <a:bodyPr wrap="square" rtlCol="0">
-            <a:spAutoFit/>
-          </a:bodyPr>
-          <a:lstStyle/>
-          <a:p>
-            <a:r>
-              <a:rPr lang="fr-FR" dirty="0">
-                <a:highlight>
-                  <a:srgbClr val="FFFF00"/>
-                </a:highlight>
-                <a:latin typeface="Microsoft JhengHei Light" panose="020B0304030504040204" pitchFamily="34" charset="-120"/>
-                <a:ea typeface="Microsoft JhengHei Light" panose="020B0304030504040204" pitchFamily="34" charset="-120"/>
-              </a:rPr>
-              <a:t>Atteindre une exhaustivité des tests d’une application se heurte à deux limites non franchissables</a:t>
-            </a:r>
-            <a:r>
-              <a:rPr lang="fr-FR" dirty="0">
-                <a:solidFill>
-                  <a:schemeClr val="bg1"/>
-                </a:solidFill>
-                <a:latin typeface="Microsoft JhengHei Light" panose="020B0304030504040204" pitchFamily="34" charset="-120"/>
-                <a:ea typeface="Microsoft JhengHei Light" panose="020B0304030504040204" pitchFamily="34" charset="-120"/>
-              </a:rPr>
-              <a:t> :</a:t>
-            </a:r>
-          </a:p>
-          <a:p>
-            <a:endParaRPr lang="fr-FR" dirty="0">
-              <a:solidFill>
-                <a:schemeClr val="bg1"/>
-              </a:solidFill>
-              <a:latin typeface="Microsoft JhengHei Light" panose="020B0304030504040204" pitchFamily="34" charset="-120"/>
-              <a:ea typeface="Microsoft JhengHei Light" panose="020B0304030504040204" pitchFamily="34" charset="-120"/>
-            </a:endParaRPr>
-          </a:p>
-          <a:p>
-            <a:r>
-              <a:rPr lang="fr-FR" dirty="0">
-                <a:solidFill>
-                  <a:schemeClr val="bg1"/>
-                </a:solidFill>
-                <a:latin typeface="Microsoft JhengHei Light" panose="020B0304030504040204" pitchFamily="34" charset="-120"/>
-                <a:ea typeface="Microsoft JhengHei Light" panose="020B0304030504040204" pitchFamily="34" charset="-120"/>
-              </a:rPr>
-              <a:t>	- L’incapacité à prévoir tous les scénarios possibles</a:t>
-            </a:r>
-          </a:p>
-          <a:p>
-            <a:r>
-              <a:rPr lang="fr-FR" dirty="0">
-                <a:solidFill>
-                  <a:schemeClr val="bg1"/>
-                </a:solidFill>
-                <a:latin typeface="Microsoft JhengHei Light" panose="020B0304030504040204" pitchFamily="34" charset="-120"/>
-                <a:ea typeface="Microsoft JhengHei Light" panose="020B0304030504040204" pitchFamily="34" charset="-120"/>
-              </a:rPr>
-              <a:t>	- L’incapacité à exécuter tous les scénarios</a:t>
-            </a:r>
-          </a:p>
-        </p:txBody>
-      </p:sp>
-    </p:spTree>
-    <p:extLst>
-      <p:ext uri="{BB962C8B-B14F-4D97-AF65-F5344CB8AC3E}">
-        <p14:creationId xmlns:p14="http://schemas.microsoft.com/office/powerpoint/2010/main" val="3377535930"/>
-      </p:ext>
-    </p:extLst>
-  </p:cSld>
-  <p:clrMapOvr>
-    <a:masterClrMapping/>
-  </p:clrMapOvr>
-  <p:timing>
-    <p:tnLst>
-      <p:par>
-        <p:cTn id="1" dur="indefinite" restart="never" nodeType="tmRoot">
-          <p:childTnLst>
-            <p:seq concurrent="1" nextAc="seek">
-              <p:cTn id="2" dur="indefinite" nodeType="mainSeq">
-                <p:childTnLst>
-                  <p:par>
-                    <p:cTn id="3" fill="hold">
-                      <p:stCondLst>
-                        <p:cond delay="indefinite"/>
-                        <p:cond evt="onBegin" delay="0">
-                          <p:tn val="2"/>
-                        </p:cond>
-                      </p:stCondLst>
-                      <p:childTnLst>
-                        <p:par>
-                          <p:cTn id="4" fill="hold">
-                            <p:stCondLst>
-                              <p:cond delay="0"/>
-                            </p:stCondLst>
-                            <p:childTnLst>
-                              <p:par>
-                                <p:cTn id="5" presetID="10" presetClass="entr" presetSubtype="0" fill="hold" nodeType="withEffect">
-                                  <p:stCondLst>
-                                    <p:cond delay="0"/>
-                                  </p:stCondLst>
-                                  <p:childTnLst>
-                                    <p:set>
-                                      <p:cBhvr>
-                                        <p:cTn id="6" dur="1" fill="hold">
-                                          <p:stCondLst>
-                                            <p:cond delay="0"/>
-                                          </p:stCondLst>
-                                        </p:cTn>
-                                        <p:tgtEl>
-                                          <p:spTgt spid="3"/>
-                                        </p:tgtEl>
-                                        <p:attrNameLst>
-                                          <p:attrName>style.visibility</p:attrName>
-                                        </p:attrNameLst>
-                                      </p:cBhvr>
-                                      <p:to>
-                                        <p:strVal val="visible"/>
-                                      </p:to>
-                                    </p:set>
-                                    <p:animEffect transition="in" filter="fade">
-                                      <p:cBhvr>
-                                        <p:cTn id="7" dur="300"/>
-                                        <p:tgtEl>
-                                          <p:spTgt spid="3"/>
-                                        </p:tgtEl>
-                                      </p:cBhvr>
-                                    </p:animEffect>
-                                  </p:childTnLst>
-                                </p:cTn>
-                              </p:par>
-                            </p:childTnLst>
-                          </p:cTn>
-                        </p:par>
-                        <p:par>
-                          <p:cTn id="8" fill="hold">
-                            <p:stCondLst>
-                              <p:cond delay="300"/>
-                            </p:stCondLst>
-                            <p:childTnLst>
-                              <p:par>
-                                <p:cTn id="9" presetID="10" presetClass="entr" presetSubtype="0" fill="hold" nodeType="afterEffect">
-                                  <p:stCondLst>
-                                    <p:cond delay="0"/>
-                                  </p:stCondLst>
-                                  <p:childTnLst>
-                                    <p:set>
-                                      <p:cBhvr>
-                                        <p:cTn id="10" dur="1" fill="hold">
-                                          <p:stCondLst>
-                                            <p:cond delay="0"/>
-                                          </p:stCondLst>
-                                        </p:cTn>
-                                        <p:tgtEl>
-                                          <p:spTgt spid="4"/>
-                                        </p:tgtEl>
-                                        <p:attrNameLst>
-                                          <p:attrName>style.visibility</p:attrName>
-                                        </p:attrNameLst>
-                                      </p:cBhvr>
-                                      <p:to>
-                                        <p:strVal val="visible"/>
-                                      </p:to>
-                                    </p:set>
-                                    <p:animEffect transition="in" filter="fade">
-                                      <p:cBhvr>
-                                        <p:cTn id="11" dur="300"/>
-                                        <p:tgtEl>
-                                          <p:spTgt spid="4"/>
-                                        </p:tgtEl>
-                                      </p:cBhvr>
-                                    </p:animEffect>
-                                  </p:childTnLst>
-                                </p:cTn>
-                              </p:par>
-                            </p:childTnLst>
-                          </p:cTn>
-                        </p:par>
-                      </p:childTnLst>
-                    </p:cTn>
-                  </p:par>
-                  <p:par>
-                    <p:cTn id="12" fill="hold">
-                      <p:stCondLst>
-                        <p:cond delay="indefinite"/>
-                      </p:stCondLst>
-                      <p:childTnLst>
-                        <p:par>
-                          <p:cTn id="13" fill="hold">
-                            <p:stCondLst>
-                              <p:cond delay="0"/>
-                            </p:stCondLst>
-                            <p:childTnLst>
-                              <p:par>
-                                <p:cTn id="14" presetID="42" presetClass="entr" presetSubtype="0" fill="hold" grpId="0" nodeType="clickEffect">
-                                  <p:stCondLst>
-                                    <p:cond delay="0"/>
-                                  </p:stCondLst>
-                                  <p:childTnLst>
-                                    <p:set>
-                                      <p:cBhvr>
-                                        <p:cTn id="15" dur="1" fill="hold">
-                                          <p:stCondLst>
-                                            <p:cond delay="0"/>
-                                          </p:stCondLst>
-                                        </p:cTn>
-                                        <p:tgtEl>
-                                          <p:spTgt spid="5"/>
-                                        </p:tgtEl>
-                                        <p:attrNameLst>
-                                          <p:attrName>style.visibility</p:attrName>
-                                        </p:attrNameLst>
-                                      </p:cBhvr>
-                                      <p:to>
-                                        <p:strVal val="visible"/>
-                                      </p:to>
-                                    </p:set>
-                                    <p:animEffect transition="in" filter="fade">
-                                      <p:cBhvr>
-                                        <p:cTn id="16" dur="1000"/>
-                                        <p:tgtEl>
-                                          <p:spTgt spid="5"/>
-                                        </p:tgtEl>
-                                      </p:cBhvr>
-                                    </p:animEffect>
-                                    <p:anim calcmode="lin" valueType="num">
-                                      <p:cBhvr>
-                                        <p:cTn id="17" dur="1000" fill="hold"/>
-                                        <p:tgtEl>
-                                          <p:spTgt spid="5"/>
-                                        </p:tgtEl>
-                                        <p:attrNameLst>
-                                          <p:attrName>ppt_x</p:attrName>
-                                        </p:attrNameLst>
-                                      </p:cBhvr>
-                                      <p:tavLst>
-                                        <p:tav tm="0">
-                                          <p:val>
-                                            <p:strVal val="#ppt_x"/>
-                                          </p:val>
-                                        </p:tav>
-                                        <p:tav tm="100000">
-                                          <p:val>
-                                            <p:strVal val="#ppt_x"/>
-                                          </p:val>
-                                        </p:tav>
-                                      </p:tavLst>
-                                    </p:anim>
-                                    <p:anim calcmode="lin" valueType="num">
-                                      <p:cBhvr>
-                                        <p:cTn id="18" dur="1000" fill="hold"/>
-                                        <p:tgtEl>
-                                          <p:spTgt spid="5"/>
-                                        </p:tgtEl>
-                                        <p:attrNameLst>
-                                          <p:attrName>ppt_y</p:attrName>
-                                        </p:attrNameLst>
-                                      </p:cBhvr>
-                                      <p:tavLst>
-                                        <p:tav tm="0">
-                                          <p:val>
-                                            <p:strVal val="#ppt_y+.1"/>
-                                          </p:val>
-                                        </p:tav>
-                                        <p:tav tm="100000">
-                                          <p:val>
-                                            <p:strVal val="#ppt_y"/>
-                                          </p:val>
-                                        </p:tav>
-                                      </p:tavLst>
-                                    </p:anim>
-                                  </p:childTnLst>
-                                </p:cTn>
-                              </p:par>
-                            </p:childTnLst>
-                          </p:cTn>
-                        </p:par>
-                      </p:childTnLst>
-                    </p:cTn>
-                  </p:par>
-                  <p:par>
-                    <p:cTn id="19" fill="hold">
-                      <p:stCondLst>
-                        <p:cond delay="indefinite"/>
-                      </p:stCondLst>
-                      <p:childTnLst>
-                        <p:par>
-                          <p:cTn id="20" fill="hold">
-                            <p:stCondLst>
-                              <p:cond delay="0"/>
-                            </p:stCondLst>
-                            <p:childTnLst>
-                              <p:par>
-                                <p:cTn id="21" presetID="10" presetClass="entr" presetSubtype="0" fill="hold" grpId="0" nodeType="clickEffect">
-                                  <p:stCondLst>
-                                    <p:cond delay="0"/>
-                                  </p:stCondLst>
-                                  <p:childTnLst>
-                                    <p:set>
-                                      <p:cBhvr>
-                                        <p:cTn id="22" dur="1" fill="hold">
-                                          <p:stCondLst>
-                                            <p:cond delay="0"/>
-                                          </p:stCondLst>
-                                        </p:cTn>
-                                        <p:tgtEl>
-                                          <p:spTgt spid="6"/>
-                                        </p:tgtEl>
-                                        <p:attrNameLst>
-                                          <p:attrName>style.visibility</p:attrName>
-                                        </p:attrNameLst>
-                                      </p:cBhvr>
-                                      <p:to>
-                                        <p:strVal val="visible"/>
-                                      </p:to>
-                                    </p:set>
-                                    <p:animEffect transition="in" filter="fade">
-                                      <p:cBhvr>
-                                        <p:cTn id="23" dur="500"/>
-                                        <p:tgtEl>
-                                          <p:spTgt spid="6"/>
-                                        </p:tgtEl>
-                                      </p:cBhvr>
-                                    </p:animEffect>
-                                  </p:childTnLst>
-                                </p:cTn>
-                              </p:par>
-                            </p:childTnLst>
-                          </p:cTn>
-                        </p:par>
-                      </p:childTnLst>
-                    </p:cTn>
-                  </p:par>
-                  <p:par>
-                    <p:cTn id="24" fill="hold">
-                      <p:stCondLst>
-                        <p:cond delay="indefinite"/>
-                      </p:stCondLst>
-                      <p:childTnLst>
-                        <p:par>
-                          <p:cTn id="25" fill="hold">
-                            <p:stCondLst>
-                              <p:cond delay="0"/>
-                            </p:stCondLst>
-                            <p:childTnLst>
-                              <p:par>
-                                <p:cTn id="26" presetID="10" presetClass="entr" presetSubtype="0" fill="hold" grpId="0" nodeType="clickEffect">
-                                  <p:stCondLst>
-                                    <p:cond delay="0"/>
-                                  </p:stCondLst>
-                                  <p:childTnLst>
-                                    <p:set>
-                                      <p:cBhvr>
-                                        <p:cTn id="27" dur="1" fill="hold">
-                                          <p:stCondLst>
-                                            <p:cond delay="0"/>
-                                          </p:stCondLst>
-                                        </p:cTn>
-                                        <p:tgtEl>
-                                          <p:spTgt spid="7"/>
-                                        </p:tgtEl>
-                                        <p:attrNameLst>
-                                          <p:attrName>style.visibility</p:attrName>
-                                        </p:attrNameLst>
-                                      </p:cBhvr>
-                                      <p:to>
-                                        <p:strVal val="visible"/>
-                                      </p:to>
-                                    </p:set>
-                                    <p:animEffect transition="in" filter="fade">
-                                      <p:cBhvr>
-                                        <p:cTn id="28" dur="500"/>
-                                        <p:tgtEl>
-                                          <p:spTgt spid="7"/>
-                                        </p:tgtEl>
-                                      </p:cBhvr>
-                                    </p:animEffect>
-                                  </p:childTnLst>
-                                </p:cTn>
-                              </p:par>
-                            </p:childTnLst>
-                          </p:cTn>
-                        </p:par>
-                      </p:childTnLst>
-                    </p:cTn>
-                  </p:par>
-                  <p:par>
-                    <p:cTn id="29" fill="hold">
-                      <p:stCondLst>
-                        <p:cond delay="indefinite"/>
-                      </p:stCondLst>
-                      <p:childTnLst>
-                        <p:par>
-                          <p:cTn id="30" fill="hold">
-                            <p:stCondLst>
-                              <p:cond delay="0"/>
-                            </p:stCondLst>
-                            <p:childTnLst>
-                              <p:par>
-                                <p:cTn id="31" presetID="10" presetClass="entr" presetSubtype="0" fill="hold" grpId="0" nodeType="clickEffect">
-                                  <p:stCondLst>
-                                    <p:cond delay="0"/>
-                                  </p:stCondLst>
-                                  <p:childTnLst>
-                                    <p:set>
-                                      <p:cBhvr>
-                                        <p:cTn id="32" dur="1" fill="hold">
-                                          <p:stCondLst>
-                                            <p:cond delay="0"/>
-                                          </p:stCondLst>
-                                        </p:cTn>
-                                        <p:tgtEl>
-                                          <p:spTgt spid="8"/>
-                                        </p:tgtEl>
-                                        <p:attrNameLst>
-                                          <p:attrName>style.visibility</p:attrName>
-                                        </p:attrNameLst>
-                                      </p:cBhvr>
-                                      <p:to>
-                                        <p:strVal val="visible"/>
-                                      </p:to>
-                                    </p:set>
-                                    <p:animEffect transition="in" filter="fade">
-                                      <p:cBhvr>
-                                        <p:cTn id="33" dur="500"/>
-                                        <p:tgtEl>
-                                          <p:spTgt spid="8"/>
-                                        </p:tgtEl>
-                                      </p:cBhvr>
-                                    </p:animEffect>
-                                  </p:childTnLst>
-                                </p:cTn>
-                              </p:par>
-                            </p:childTnLst>
-                          </p:cTn>
-                        </p:par>
-                      </p:childTnLst>
-                    </p:cTn>
-                  </p:par>
-                  <p:par>
-                    <p:cTn id="34" fill="hold">
-                      <p:stCondLst>
-                        <p:cond delay="indefinite"/>
-                      </p:stCondLst>
-                      <p:childTnLst>
-                        <p:par>
-                          <p:cTn id="35" fill="hold">
-                            <p:stCondLst>
-                              <p:cond delay="0"/>
-                            </p:stCondLst>
-                            <p:childTnLst>
-                              <p:par>
-                                <p:cTn id="36" presetID="10" presetClass="entr" presetSubtype="0" fill="hold" grpId="0" nodeType="clickEffect">
-                                  <p:stCondLst>
-                                    <p:cond delay="0"/>
-                                  </p:stCondLst>
-                                  <p:childTnLst>
-                                    <p:set>
-                                      <p:cBhvr>
-                                        <p:cTn id="37" dur="1" fill="hold">
-                                          <p:stCondLst>
-                                            <p:cond delay="0"/>
-                                          </p:stCondLst>
-                                        </p:cTn>
-                                        <p:tgtEl>
-                                          <p:spTgt spid="9"/>
-                                        </p:tgtEl>
-                                        <p:attrNameLst>
-                                          <p:attrName>style.visibility</p:attrName>
-                                        </p:attrNameLst>
-                                      </p:cBhvr>
-                                      <p:to>
-                                        <p:strVal val="visible"/>
-                                      </p:to>
-                                    </p:set>
-                                    <p:animEffect transition="in" filter="fade">
-                                      <p:cBhvr>
-                                        <p:cTn id="38" dur="500"/>
-                                        <p:tgtEl>
-                                          <p:spTgt spid="9"/>
-                                        </p:tgtEl>
-                                      </p:cBhvr>
-                                    </p:animEffect>
-                                  </p:childTnLst>
-                                </p:cTn>
-                              </p:par>
-                            </p:childTnLst>
-                          </p:cTn>
-                        </p:par>
-                      </p:childTnLst>
-                    </p:cTn>
-                  </p:par>
-                  <p:par>
-                    <p:cTn id="39" fill="hold">
-                      <p:stCondLst>
-                        <p:cond delay="indefinite"/>
-                      </p:stCondLst>
-                      <p:childTnLst>
-                        <p:par>
-                          <p:cTn id="40" fill="hold">
-                            <p:stCondLst>
-                              <p:cond delay="0"/>
-                            </p:stCondLst>
-                            <p:childTnLst>
-                              <p:par>
-                                <p:cTn id="41" presetID="10" presetClass="entr" presetSubtype="0" fill="hold" grpId="0" nodeType="clickEffect">
-                                  <p:stCondLst>
-                                    <p:cond delay="0"/>
-                                  </p:stCondLst>
-                                  <p:childTnLst>
-                                    <p:set>
-                                      <p:cBhvr>
-                                        <p:cTn id="42" dur="1" fill="hold">
-                                          <p:stCondLst>
-                                            <p:cond delay="0"/>
-                                          </p:stCondLst>
-                                        </p:cTn>
-                                        <p:tgtEl>
-                                          <p:spTgt spid="10"/>
-                                        </p:tgtEl>
-                                        <p:attrNameLst>
-                                          <p:attrName>style.visibility</p:attrName>
-                                        </p:attrNameLst>
-                                      </p:cBhvr>
-                                      <p:to>
-                                        <p:strVal val="visible"/>
-                                      </p:to>
-                                    </p:set>
-                                    <p:animEffect transition="in" filter="fade">
-                                      <p:cBhvr>
-                                        <p:cTn id="43" dur="500"/>
-                                        <p:tgtEl>
-                                          <p:spTgt spid="10"/>
-                                        </p:tgtEl>
-                                      </p:cBhvr>
-                                    </p:animEffect>
-                                  </p:childTnLst>
-                                </p:cTn>
-                              </p:par>
-                            </p:childTnLst>
-                          </p:cTn>
-                        </p:par>
-                      </p:childTnLst>
-                    </p:cTn>
-                  </p:par>
-                </p:childTnLst>
-              </p:cTn>
-              <p:prevCondLst>
-                <p:cond evt="onPrev" delay="0">
-                  <p:tgtEl>
-                    <p:sldTgt/>
-                  </p:tgtEl>
-                </p:cond>
-              </p:prevCondLst>
-              <p:nextCondLst>
-                <p:cond evt="onNext" delay="0">
-                  <p:tgtEl>
-                    <p:sldTgt/>
-                  </p:tgtEl>
-                </p:cond>
-              </p:nextCondLst>
-            </p:seq>
-          </p:childTnLst>
-        </p:cTn>
-      </p:par>
-    </p:tnLst>
-    <p:bldLst>
-      <p:bldP spid="5" grpId="0"/>
-      <p:bldP spid="6" grpId="0"/>
-      <p:bldP spid="7" grpId="0"/>
-      <p:bldP spid="8" grpId="0"/>
-      <p:bldP spid="9" grpId="0"/>
-      <p:bldP spid="10" grpId="0"/>
     </p:bldLst>
   </p:timing>
 </p:sld>
@@ -11742,6 +11308,1777 @@
           <p:cNvPr id="3" name="Connecteur droit 2">
             <a:extLst>
               <a:ext uri="{FF2B5EF4-FFF2-40B4-BE49-F238E27FC236}">
+                <a16:creationId xmlns:a16="http://schemas.microsoft.com/office/drawing/2014/main" id="{824A46D4-1F74-97A6-AB7F-F88BF7EDDFD0}"/>
+              </a:ext>
+            </a:extLst>
+          </p:cNvPr>
+          <p:cNvCxnSpPr/>
+          <p:nvPr/>
+        </p:nvCxnSpPr>
+        <p:spPr>
+          <a:xfrm>
+            <a:off x="660400" y="0"/>
+            <a:ext cx="0" cy="6858000"/>
+          </a:xfrm>
+          <a:prstGeom prst="line">
+            <a:avLst/>
+          </a:prstGeom>
+          <a:ln w="76200">
+            <a:solidFill>
+              <a:srgbClr val="FF0000"/>
+            </a:solidFill>
+          </a:ln>
+        </p:spPr>
+        <p:style>
+          <a:lnRef idx="1">
+            <a:schemeClr val="accent1"/>
+          </a:lnRef>
+          <a:fillRef idx="0">
+            <a:schemeClr val="accent1"/>
+          </a:fillRef>
+          <a:effectRef idx="0">
+            <a:schemeClr val="accent1"/>
+          </a:effectRef>
+          <a:fontRef idx="minor">
+            <a:schemeClr val="tx1"/>
+          </a:fontRef>
+        </p:style>
+      </p:cxnSp>
+      <p:cxnSp>
+        <p:nvCxnSpPr>
+          <p:cNvPr id="4" name="Connecteur droit 3">
+            <a:extLst>
+              <a:ext uri="{FF2B5EF4-FFF2-40B4-BE49-F238E27FC236}">
+                <a16:creationId xmlns:a16="http://schemas.microsoft.com/office/drawing/2014/main" id="{0A222AB6-7AFB-2458-D618-77F3859E25A2}"/>
+              </a:ext>
+            </a:extLst>
+          </p:cNvPr>
+          <p:cNvCxnSpPr/>
+          <p:nvPr/>
+        </p:nvCxnSpPr>
+        <p:spPr>
+          <a:xfrm>
+            <a:off x="873760" y="0"/>
+            <a:ext cx="0" cy="6858000"/>
+          </a:xfrm>
+          <a:prstGeom prst="line">
+            <a:avLst/>
+          </a:prstGeom>
+          <a:ln w="76200">
+            <a:solidFill>
+              <a:srgbClr val="FF0000"/>
+            </a:solidFill>
+          </a:ln>
+        </p:spPr>
+        <p:style>
+          <a:lnRef idx="1">
+            <a:schemeClr val="accent1"/>
+          </a:lnRef>
+          <a:fillRef idx="0">
+            <a:schemeClr val="accent1"/>
+          </a:fillRef>
+          <a:effectRef idx="0">
+            <a:schemeClr val="accent1"/>
+          </a:effectRef>
+          <a:fontRef idx="minor">
+            <a:schemeClr val="tx1"/>
+          </a:fontRef>
+        </p:style>
+      </p:cxnSp>
+      <p:sp>
+        <p:nvSpPr>
+          <p:cNvPr id="5" name="ZoneTexte 4">
+            <a:extLst>
+              <a:ext uri="{FF2B5EF4-FFF2-40B4-BE49-F238E27FC236}">
+                <a16:creationId xmlns:a16="http://schemas.microsoft.com/office/drawing/2014/main" id="{9F55FEC9-D68E-E09A-65EE-518701B75B95}"/>
+              </a:ext>
+            </a:extLst>
+          </p:cNvPr>
+          <p:cNvSpPr txBox="1"/>
+          <p:nvPr/>
+        </p:nvSpPr>
+        <p:spPr>
+          <a:xfrm>
+            <a:off x="1087120" y="487680"/>
+            <a:ext cx="7640310" cy="646331"/>
+          </a:xfrm>
+          <a:prstGeom prst="rect">
+            <a:avLst/>
+          </a:prstGeom>
+          <a:noFill/>
+        </p:spPr>
+        <p:txBody>
+          <a:bodyPr wrap="square" rtlCol="0">
+            <a:spAutoFit/>
+          </a:bodyPr>
+          <a:lstStyle/>
+          <a:p>
+            <a:r>
+              <a:rPr lang="fr-FR" sz="3600" b="1" dirty="0">
+                <a:solidFill>
+                  <a:schemeClr val="bg1"/>
+                </a:solidFill>
+                <a:latin typeface="Microsoft JhengHei Light" panose="020B0304030504040204" pitchFamily="34" charset="-120"/>
+                <a:ea typeface="Microsoft JhengHei Light" panose="020B0304030504040204" pitchFamily="34" charset="-120"/>
+              </a:rPr>
+              <a:t>3.2) </a:t>
+            </a:r>
+            <a:r>
+              <a:rPr lang="fr-FR" sz="3600" b="1" u="sng" dirty="0">
+                <a:solidFill>
+                  <a:schemeClr val="bg1"/>
+                </a:solidFill>
+                <a:latin typeface="Microsoft JhengHei Light" panose="020B0304030504040204" pitchFamily="34" charset="-120"/>
+                <a:ea typeface="Microsoft JhengHei Light" panose="020B0304030504040204" pitchFamily="34" charset="-120"/>
+              </a:rPr>
+              <a:t>Premier principe </a:t>
+            </a:r>
+            <a:r>
+              <a:rPr lang="fr-FR" sz="3600" dirty="0">
+                <a:solidFill>
+                  <a:schemeClr val="bg1"/>
+                </a:solidFill>
+                <a:latin typeface="Microsoft JhengHei Light" panose="020B0304030504040204" pitchFamily="34" charset="-120"/>
+                <a:ea typeface="Microsoft JhengHei Light" panose="020B0304030504040204" pitchFamily="34" charset="-120"/>
+              </a:rPr>
+              <a:t>:</a:t>
+            </a:r>
+          </a:p>
+        </p:txBody>
+      </p:sp>
+      <p:sp>
+        <p:nvSpPr>
+          <p:cNvPr id="6" name="ZoneTexte 5">
+            <a:extLst>
+              <a:ext uri="{FF2B5EF4-FFF2-40B4-BE49-F238E27FC236}">
+                <a16:creationId xmlns:a16="http://schemas.microsoft.com/office/drawing/2014/main" id="{C49C8A5A-E1F8-CF2E-5A41-86F157CA7146}"/>
+              </a:ext>
+            </a:extLst>
+          </p:cNvPr>
+          <p:cNvSpPr txBox="1"/>
+          <p:nvPr/>
+        </p:nvSpPr>
+        <p:spPr>
+          <a:xfrm>
+            <a:off x="1087120" y="1459468"/>
+            <a:ext cx="7284718" cy="369332"/>
+          </a:xfrm>
+          <a:prstGeom prst="rect">
+            <a:avLst/>
+          </a:prstGeom>
+          <a:noFill/>
+        </p:spPr>
+        <p:txBody>
+          <a:bodyPr wrap="square" rtlCol="0">
+            <a:spAutoFit/>
+          </a:bodyPr>
+          <a:lstStyle/>
+          <a:p>
+            <a:r>
+              <a:rPr lang="fr-FR" b="1" dirty="0">
+                <a:solidFill>
+                  <a:schemeClr val="bg1"/>
+                </a:solidFill>
+                <a:latin typeface="Microsoft JhengHei Light" panose="020B0304030504040204" pitchFamily="34" charset="-120"/>
+                <a:ea typeface="Microsoft JhengHei Light" panose="020B0304030504040204" pitchFamily="34" charset="-120"/>
+              </a:rPr>
+              <a:t>* </a:t>
+            </a:r>
+            <a:r>
+              <a:rPr lang="fr-FR" b="1" u="sng" dirty="0">
+                <a:solidFill>
+                  <a:schemeClr val="bg1"/>
+                </a:solidFill>
+                <a:latin typeface="Microsoft JhengHei Light" panose="020B0304030504040204" pitchFamily="34" charset="-120"/>
+                <a:ea typeface="Microsoft JhengHei Light" panose="020B0304030504040204" pitchFamily="34" charset="-120"/>
+              </a:rPr>
+              <a:t>Les tests montrent la présence de défauts</a:t>
+            </a:r>
+            <a:r>
+              <a:rPr lang="fr-FR" b="1" dirty="0">
+                <a:solidFill>
+                  <a:schemeClr val="bg1"/>
+                </a:solidFill>
+                <a:latin typeface="Microsoft JhengHei Light" panose="020B0304030504040204" pitchFamily="34" charset="-120"/>
+                <a:ea typeface="Microsoft JhengHei Light" panose="020B0304030504040204" pitchFamily="34" charset="-120"/>
+              </a:rPr>
+              <a:t> :</a:t>
+            </a:r>
+            <a:endParaRPr lang="fr-FR" b="1" u="sng" dirty="0">
+              <a:solidFill>
+                <a:schemeClr val="bg1"/>
+              </a:solidFill>
+              <a:latin typeface="Microsoft JhengHei Light" panose="020B0304030504040204" pitchFamily="34" charset="-120"/>
+              <a:ea typeface="Microsoft JhengHei Light" panose="020B0304030504040204" pitchFamily="34" charset="-120"/>
+            </a:endParaRPr>
+          </a:p>
+        </p:txBody>
+      </p:sp>
+      <p:sp>
+        <p:nvSpPr>
+          <p:cNvPr id="7" name="ZoneTexte 6">
+            <a:extLst>
+              <a:ext uri="{FF2B5EF4-FFF2-40B4-BE49-F238E27FC236}">
+                <a16:creationId xmlns:a16="http://schemas.microsoft.com/office/drawing/2014/main" id="{C9B267AE-2887-B9D0-344C-8BEAF51AB7C7}"/>
+              </a:ext>
+            </a:extLst>
+          </p:cNvPr>
+          <p:cNvSpPr txBox="1"/>
+          <p:nvPr/>
+        </p:nvSpPr>
+        <p:spPr>
+          <a:xfrm>
+            <a:off x="1087120" y="2003474"/>
+            <a:ext cx="10119356" cy="646331"/>
+          </a:xfrm>
+          <a:prstGeom prst="rect">
+            <a:avLst/>
+          </a:prstGeom>
+          <a:noFill/>
+        </p:spPr>
+        <p:txBody>
+          <a:bodyPr wrap="square" rtlCol="0">
+            <a:spAutoFit/>
+          </a:bodyPr>
+          <a:lstStyle/>
+          <a:p>
+            <a:pPr algn="just"/>
+            <a:r>
+              <a:rPr lang="fr-FR" dirty="0">
+                <a:solidFill>
+                  <a:schemeClr val="bg1"/>
+                </a:solidFill>
+                <a:latin typeface="Microsoft JhengHei Light" panose="020B0304030504040204" pitchFamily="34" charset="-120"/>
+                <a:ea typeface="Microsoft JhengHei Light" panose="020B0304030504040204" pitchFamily="34" charset="-120"/>
+              </a:rPr>
+              <a:t>Les tests vont vérifier certains scénarios et vont détecter que les différentes anomalies sont bel et bien présents dans ces scénarios spécifiques.</a:t>
+            </a:r>
+          </a:p>
+        </p:txBody>
+      </p:sp>
+      <p:sp>
+        <p:nvSpPr>
+          <p:cNvPr id="8" name="ZoneTexte 7">
+            <a:extLst>
+              <a:ext uri="{FF2B5EF4-FFF2-40B4-BE49-F238E27FC236}">
+                <a16:creationId xmlns:a16="http://schemas.microsoft.com/office/drawing/2014/main" id="{A20CC9EB-C623-080D-BA80-35CB2E3D91F2}"/>
+              </a:ext>
+            </a:extLst>
+          </p:cNvPr>
+          <p:cNvSpPr txBox="1"/>
+          <p:nvPr/>
+        </p:nvSpPr>
+        <p:spPr>
+          <a:xfrm>
+            <a:off x="1087120" y="2946400"/>
+            <a:ext cx="10149834" cy="369332"/>
+          </a:xfrm>
+          <a:prstGeom prst="rect">
+            <a:avLst/>
+          </a:prstGeom>
+          <a:noFill/>
+        </p:spPr>
+        <p:txBody>
+          <a:bodyPr wrap="square" rtlCol="0">
+            <a:spAutoFit/>
+          </a:bodyPr>
+          <a:lstStyle/>
+          <a:p>
+            <a:pPr algn="just"/>
+            <a:r>
+              <a:rPr lang="fr-FR" dirty="0">
+                <a:solidFill>
+                  <a:schemeClr val="bg1"/>
+                </a:solidFill>
+                <a:latin typeface="Microsoft JhengHei Light" panose="020B0304030504040204" pitchFamily="34" charset="-120"/>
+                <a:ea typeface="Microsoft JhengHei Light" panose="020B0304030504040204" pitchFamily="34" charset="-120"/>
+              </a:rPr>
+              <a:t>Les scénarios spécifiés et exécutés. Les vérifications prétendues par les tests seront couvertes.</a:t>
+            </a:r>
+          </a:p>
+        </p:txBody>
+      </p:sp>
+      <p:sp>
+        <p:nvSpPr>
+          <p:cNvPr id="9" name="ZoneTexte 8">
+            <a:extLst>
+              <a:ext uri="{FF2B5EF4-FFF2-40B4-BE49-F238E27FC236}">
+                <a16:creationId xmlns:a16="http://schemas.microsoft.com/office/drawing/2014/main" id="{1AF1BE0E-A094-B398-A865-BCD51055A4F4}"/>
+              </a:ext>
+            </a:extLst>
+          </p:cNvPr>
+          <p:cNvSpPr txBox="1"/>
+          <p:nvPr/>
+        </p:nvSpPr>
+        <p:spPr>
+          <a:xfrm>
+            <a:off x="1087120" y="3612327"/>
+            <a:ext cx="10149834" cy="1200329"/>
+          </a:xfrm>
+          <a:prstGeom prst="rect">
+            <a:avLst/>
+          </a:prstGeom>
+          <a:noFill/>
+        </p:spPr>
+        <p:txBody>
+          <a:bodyPr wrap="square" rtlCol="0">
+            <a:spAutoFit/>
+          </a:bodyPr>
+          <a:lstStyle/>
+          <a:p>
+            <a:pPr algn="just"/>
+            <a:r>
+              <a:rPr lang="fr-FR" dirty="0">
+                <a:solidFill>
+                  <a:schemeClr val="bg1"/>
+                </a:solidFill>
+                <a:latin typeface="Microsoft JhengHei Light" panose="020B0304030504040204" pitchFamily="34" charset="-120"/>
+                <a:ea typeface="Microsoft JhengHei Light" panose="020B0304030504040204" pitchFamily="34" charset="-120"/>
+              </a:rPr>
+              <a:t>Par ailleurs, les tests montrent la présence des défauts mais n’indiquent pas leur absence. Néanmoins, il est alors impossible lors des tests d’un produit, de justifier leur absence. Ainsi, la validation des tests assure que le produit réalise bien ce qu’elle doit faire et qu’elle ne garantit pas qu’elle ne devrait pas faire.</a:t>
+            </a:r>
+          </a:p>
+        </p:txBody>
+      </p:sp>
+    </p:spTree>
+    <p:extLst>
+      <p:ext uri="{BB962C8B-B14F-4D97-AF65-F5344CB8AC3E}">
+        <p14:creationId xmlns:p14="http://schemas.microsoft.com/office/powerpoint/2010/main" val="3766655981"/>
+      </p:ext>
+    </p:extLst>
+  </p:cSld>
+  <p:clrMapOvr>
+    <a:masterClrMapping/>
+  </p:clrMapOvr>
+  <p:timing>
+    <p:tnLst>
+      <p:par>
+        <p:cTn id="1" dur="indefinite" restart="never" nodeType="tmRoot">
+          <p:childTnLst>
+            <p:seq concurrent="1" nextAc="seek">
+              <p:cTn id="2" dur="indefinite" nodeType="mainSeq">
+                <p:childTnLst>
+                  <p:par>
+                    <p:cTn id="3" fill="hold">
+                      <p:stCondLst>
+                        <p:cond delay="indefinite"/>
+                        <p:cond evt="onBegin" delay="0">
+                          <p:tn val="2"/>
+                        </p:cond>
+                      </p:stCondLst>
+                      <p:childTnLst>
+                        <p:par>
+                          <p:cTn id="4" fill="hold">
+                            <p:stCondLst>
+                              <p:cond delay="0"/>
+                            </p:stCondLst>
+                            <p:childTnLst>
+                              <p:par>
+                                <p:cTn id="5" presetID="10" presetClass="entr" presetSubtype="0" fill="hold" nodeType="withEffect">
+                                  <p:stCondLst>
+                                    <p:cond delay="0"/>
+                                  </p:stCondLst>
+                                  <p:childTnLst>
+                                    <p:set>
+                                      <p:cBhvr>
+                                        <p:cTn id="6" dur="1" fill="hold">
+                                          <p:stCondLst>
+                                            <p:cond delay="0"/>
+                                          </p:stCondLst>
+                                        </p:cTn>
+                                        <p:tgtEl>
+                                          <p:spTgt spid="3"/>
+                                        </p:tgtEl>
+                                        <p:attrNameLst>
+                                          <p:attrName>style.visibility</p:attrName>
+                                        </p:attrNameLst>
+                                      </p:cBhvr>
+                                      <p:to>
+                                        <p:strVal val="visible"/>
+                                      </p:to>
+                                    </p:set>
+                                    <p:animEffect transition="in" filter="fade">
+                                      <p:cBhvr>
+                                        <p:cTn id="7" dur="300"/>
+                                        <p:tgtEl>
+                                          <p:spTgt spid="3"/>
+                                        </p:tgtEl>
+                                      </p:cBhvr>
+                                    </p:animEffect>
+                                  </p:childTnLst>
+                                </p:cTn>
+                              </p:par>
+                              <p:par>
+                                <p:cTn id="8" presetID="10" presetClass="entr" presetSubtype="0" fill="hold" nodeType="withEffect">
+                                  <p:stCondLst>
+                                    <p:cond delay="0"/>
+                                  </p:stCondLst>
+                                  <p:childTnLst>
+                                    <p:set>
+                                      <p:cBhvr>
+                                        <p:cTn id="9" dur="1" fill="hold">
+                                          <p:stCondLst>
+                                            <p:cond delay="0"/>
+                                          </p:stCondLst>
+                                        </p:cTn>
+                                        <p:tgtEl>
+                                          <p:spTgt spid="4"/>
+                                        </p:tgtEl>
+                                        <p:attrNameLst>
+                                          <p:attrName>style.visibility</p:attrName>
+                                        </p:attrNameLst>
+                                      </p:cBhvr>
+                                      <p:to>
+                                        <p:strVal val="visible"/>
+                                      </p:to>
+                                    </p:set>
+                                    <p:animEffect transition="in" filter="fade">
+                                      <p:cBhvr>
+                                        <p:cTn id="10" dur="300"/>
+                                        <p:tgtEl>
+                                          <p:spTgt spid="4"/>
+                                        </p:tgtEl>
+                                      </p:cBhvr>
+                                    </p:animEffect>
+                                  </p:childTnLst>
+                                </p:cTn>
+                              </p:par>
+                            </p:childTnLst>
+                          </p:cTn>
+                        </p:par>
+                      </p:childTnLst>
+                    </p:cTn>
+                  </p:par>
+                  <p:par>
+                    <p:cTn id="11" fill="hold">
+                      <p:stCondLst>
+                        <p:cond delay="indefinite"/>
+                      </p:stCondLst>
+                      <p:childTnLst>
+                        <p:par>
+                          <p:cTn id="12" fill="hold">
+                            <p:stCondLst>
+                              <p:cond delay="0"/>
+                            </p:stCondLst>
+                            <p:childTnLst>
+                              <p:par>
+                                <p:cTn id="13" presetID="42" presetClass="entr" presetSubtype="0" fill="hold" grpId="0" nodeType="clickEffect">
+                                  <p:stCondLst>
+                                    <p:cond delay="0"/>
+                                  </p:stCondLst>
+                                  <p:childTnLst>
+                                    <p:set>
+                                      <p:cBhvr>
+                                        <p:cTn id="14" dur="1" fill="hold">
+                                          <p:stCondLst>
+                                            <p:cond delay="0"/>
+                                          </p:stCondLst>
+                                        </p:cTn>
+                                        <p:tgtEl>
+                                          <p:spTgt spid="5"/>
+                                        </p:tgtEl>
+                                        <p:attrNameLst>
+                                          <p:attrName>style.visibility</p:attrName>
+                                        </p:attrNameLst>
+                                      </p:cBhvr>
+                                      <p:to>
+                                        <p:strVal val="visible"/>
+                                      </p:to>
+                                    </p:set>
+                                    <p:animEffect transition="in" filter="fade">
+                                      <p:cBhvr>
+                                        <p:cTn id="15" dur="1000"/>
+                                        <p:tgtEl>
+                                          <p:spTgt spid="5"/>
+                                        </p:tgtEl>
+                                      </p:cBhvr>
+                                    </p:animEffect>
+                                    <p:anim calcmode="lin" valueType="num">
+                                      <p:cBhvr>
+                                        <p:cTn id="16" dur="1000" fill="hold"/>
+                                        <p:tgtEl>
+                                          <p:spTgt spid="5"/>
+                                        </p:tgtEl>
+                                        <p:attrNameLst>
+                                          <p:attrName>ppt_x</p:attrName>
+                                        </p:attrNameLst>
+                                      </p:cBhvr>
+                                      <p:tavLst>
+                                        <p:tav tm="0">
+                                          <p:val>
+                                            <p:strVal val="#ppt_x"/>
+                                          </p:val>
+                                        </p:tav>
+                                        <p:tav tm="100000">
+                                          <p:val>
+                                            <p:strVal val="#ppt_x"/>
+                                          </p:val>
+                                        </p:tav>
+                                      </p:tavLst>
+                                    </p:anim>
+                                    <p:anim calcmode="lin" valueType="num">
+                                      <p:cBhvr>
+                                        <p:cTn id="17" dur="1000" fill="hold"/>
+                                        <p:tgtEl>
+                                          <p:spTgt spid="5"/>
+                                        </p:tgtEl>
+                                        <p:attrNameLst>
+                                          <p:attrName>ppt_y</p:attrName>
+                                        </p:attrNameLst>
+                                      </p:cBhvr>
+                                      <p:tavLst>
+                                        <p:tav tm="0">
+                                          <p:val>
+                                            <p:strVal val="#ppt_y+.1"/>
+                                          </p:val>
+                                        </p:tav>
+                                        <p:tav tm="100000">
+                                          <p:val>
+                                            <p:strVal val="#ppt_y"/>
+                                          </p:val>
+                                        </p:tav>
+                                      </p:tavLst>
+                                    </p:anim>
+                                  </p:childTnLst>
+                                </p:cTn>
+                              </p:par>
+                            </p:childTnLst>
+                          </p:cTn>
+                        </p:par>
+                      </p:childTnLst>
+                    </p:cTn>
+                  </p:par>
+                  <p:par>
+                    <p:cTn id="18" fill="hold">
+                      <p:stCondLst>
+                        <p:cond delay="indefinite"/>
+                      </p:stCondLst>
+                      <p:childTnLst>
+                        <p:par>
+                          <p:cTn id="19" fill="hold">
+                            <p:stCondLst>
+                              <p:cond delay="0"/>
+                            </p:stCondLst>
+                            <p:childTnLst>
+                              <p:par>
+                                <p:cTn id="20" presetID="10" presetClass="entr" presetSubtype="0" fill="hold" grpId="0" nodeType="clickEffect">
+                                  <p:stCondLst>
+                                    <p:cond delay="0"/>
+                                  </p:stCondLst>
+                                  <p:childTnLst>
+                                    <p:set>
+                                      <p:cBhvr>
+                                        <p:cTn id="21" dur="1" fill="hold">
+                                          <p:stCondLst>
+                                            <p:cond delay="0"/>
+                                          </p:stCondLst>
+                                        </p:cTn>
+                                        <p:tgtEl>
+                                          <p:spTgt spid="6"/>
+                                        </p:tgtEl>
+                                        <p:attrNameLst>
+                                          <p:attrName>style.visibility</p:attrName>
+                                        </p:attrNameLst>
+                                      </p:cBhvr>
+                                      <p:to>
+                                        <p:strVal val="visible"/>
+                                      </p:to>
+                                    </p:set>
+                                    <p:animEffect transition="in" filter="fade">
+                                      <p:cBhvr>
+                                        <p:cTn id="22" dur="500"/>
+                                        <p:tgtEl>
+                                          <p:spTgt spid="6"/>
+                                        </p:tgtEl>
+                                      </p:cBhvr>
+                                    </p:animEffect>
+                                  </p:childTnLst>
+                                </p:cTn>
+                              </p:par>
+                            </p:childTnLst>
+                          </p:cTn>
+                        </p:par>
+                      </p:childTnLst>
+                    </p:cTn>
+                  </p:par>
+                  <p:par>
+                    <p:cTn id="23" fill="hold">
+                      <p:stCondLst>
+                        <p:cond delay="indefinite"/>
+                      </p:stCondLst>
+                      <p:childTnLst>
+                        <p:par>
+                          <p:cTn id="24" fill="hold">
+                            <p:stCondLst>
+                              <p:cond delay="0"/>
+                            </p:stCondLst>
+                            <p:childTnLst>
+                              <p:par>
+                                <p:cTn id="25" presetID="10" presetClass="entr" presetSubtype="0" fill="hold" grpId="0" nodeType="clickEffect">
+                                  <p:stCondLst>
+                                    <p:cond delay="0"/>
+                                  </p:stCondLst>
+                                  <p:childTnLst>
+                                    <p:set>
+                                      <p:cBhvr>
+                                        <p:cTn id="26" dur="1" fill="hold">
+                                          <p:stCondLst>
+                                            <p:cond delay="0"/>
+                                          </p:stCondLst>
+                                        </p:cTn>
+                                        <p:tgtEl>
+                                          <p:spTgt spid="7"/>
+                                        </p:tgtEl>
+                                        <p:attrNameLst>
+                                          <p:attrName>style.visibility</p:attrName>
+                                        </p:attrNameLst>
+                                      </p:cBhvr>
+                                      <p:to>
+                                        <p:strVal val="visible"/>
+                                      </p:to>
+                                    </p:set>
+                                    <p:animEffect transition="in" filter="fade">
+                                      <p:cBhvr>
+                                        <p:cTn id="27" dur="500"/>
+                                        <p:tgtEl>
+                                          <p:spTgt spid="7"/>
+                                        </p:tgtEl>
+                                      </p:cBhvr>
+                                    </p:animEffect>
+                                  </p:childTnLst>
+                                </p:cTn>
+                              </p:par>
+                            </p:childTnLst>
+                          </p:cTn>
+                        </p:par>
+                      </p:childTnLst>
+                    </p:cTn>
+                  </p:par>
+                  <p:par>
+                    <p:cTn id="28" fill="hold">
+                      <p:stCondLst>
+                        <p:cond delay="indefinite"/>
+                      </p:stCondLst>
+                      <p:childTnLst>
+                        <p:par>
+                          <p:cTn id="29" fill="hold">
+                            <p:stCondLst>
+                              <p:cond delay="0"/>
+                            </p:stCondLst>
+                            <p:childTnLst>
+                              <p:par>
+                                <p:cTn id="30" presetID="10" presetClass="entr" presetSubtype="0" fill="hold" grpId="0" nodeType="clickEffect">
+                                  <p:stCondLst>
+                                    <p:cond delay="0"/>
+                                  </p:stCondLst>
+                                  <p:childTnLst>
+                                    <p:set>
+                                      <p:cBhvr>
+                                        <p:cTn id="31" dur="1" fill="hold">
+                                          <p:stCondLst>
+                                            <p:cond delay="0"/>
+                                          </p:stCondLst>
+                                        </p:cTn>
+                                        <p:tgtEl>
+                                          <p:spTgt spid="8"/>
+                                        </p:tgtEl>
+                                        <p:attrNameLst>
+                                          <p:attrName>style.visibility</p:attrName>
+                                        </p:attrNameLst>
+                                      </p:cBhvr>
+                                      <p:to>
+                                        <p:strVal val="visible"/>
+                                      </p:to>
+                                    </p:set>
+                                    <p:animEffect transition="in" filter="fade">
+                                      <p:cBhvr>
+                                        <p:cTn id="32" dur="500"/>
+                                        <p:tgtEl>
+                                          <p:spTgt spid="8"/>
+                                        </p:tgtEl>
+                                      </p:cBhvr>
+                                    </p:animEffect>
+                                  </p:childTnLst>
+                                </p:cTn>
+                              </p:par>
+                            </p:childTnLst>
+                          </p:cTn>
+                        </p:par>
+                      </p:childTnLst>
+                    </p:cTn>
+                  </p:par>
+                  <p:par>
+                    <p:cTn id="33" fill="hold">
+                      <p:stCondLst>
+                        <p:cond delay="indefinite"/>
+                      </p:stCondLst>
+                      <p:childTnLst>
+                        <p:par>
+                          <p:cTn id="34" fill="hold">
+                            <p:stCondLst>
+                              <p:cond delay="0"/>
+                            </p:stCondLst>
+                            <p:childTnLst>
+                              <p:par>
+                                <p:cTn id="35" presetID="10" presetClass="entr" presetSubtype="0" fill="hold" grpId="0" nodeType="clickEffect">
+                                  <p:stCondLst>
+                                    <p:cond delay="0"/>
+                                  </p:stCondLst>
+                                  <p:childTnLst>
+                                    <p:set>
+                                      <p:cBhvr>
+                                        <p:cTn id="36" dur="1" fill="hold">
+                                          <p:stCondLst>
+                                            <p:cond delay="0"/>
+                                          </p:stCondLst>
+                                        </p:cTn>
+                                        <p:tgtEl>
+                                          <p:spTgt spid="9"/>
+                                        </p:tgtEl>
+                                        <p:attrNameLst>
+                                          <p:attrName>style.visibility</p:attrName>
+                                        </p:attrNameLst>
+                                      </p:cBhvr>
+                                      <p:to>
+                                        <p:strVal val="visible"/>
+                                      </p:to>
+                                    </p:set>
+                                    <p:animEffect transition="in" filter="fade">
+                                      <p:cBhvr>
+                                        <p:cTn id="37" dur="500"/>
+                                        <p:tgtEl>
+                                          <p:spTgt spid="9"/>
+                                        </p:tgtEl>
+                                      </p:cBhvr>
+                                    </p:animEffect>
+                                  </p:childTnLst>
+                                </p:cTn>
+                              </p:par>
+                            </p:childTnLst>
+                          </p:cTn>
+                        </p:par>
+                      </p:childTnLst>
+                    </p:cTn>
+                  </p:par>
+                </p:childTnLst>
+              </p:cTn>
+              <p:prevCondLst>
+                <p:cond evt="onPrev" delay="0">
+                  <p:tgtEl>
+                    <p:sldTgt/>
+                  </p:tgtEl>
+                </p:cond>
+              </p:prevCondLst>
+              <p:nextCondLst>
+                <p:cond evt="onNext" delay="0">
+                  <p:tgtEl>
+                    <p:sldTgt/>
+                  </p:tgtEl>
+                </p:cond>
+              </p:nextCondLst>
+            </p:seq>
+          </p:childTnLst>
+        </p:cTn>
+      </p:par>
+    </p:tnLst>
+    <p:bldLst>
+      <p:bldP spid="5" grpId="0"/>
+      <p:bldP spid="6" grpId="0"/>
+      <p:bldP spid="7" grpId="0"/>
+      <p:bldP spid="8" grpId="0"/>
+      <p:bldP spid="9" grpId="0"/>
+    </p:bldLst>
+  </p:timing>
+</p:sld>
+</file>
+
+<file path=ppt/slides/slide21.xml><?xml version="1.0" encoding="utf-8"?>
+<p:sld xmlns:a="http://schemas.openxmlformats.org/drawingml/2006/main" xmlns:r="http://schemas.openxmlformats.org/officeDocument/2006/relationships" xmlns:p="http://schemas.openxmlformats.org/presentationml/2006/main">
+  <p:cSld>
+    <p:bg>
+      <p:bgPr>
+        <a:solidFill>
+          <a:schemeClr val="bg2">
+            <a:lumMod val="10000"/>
+          </a:schemeClr>
+        </a:solidFill>
+        <a:effectLst/>
+      </p:bgPr>
+    </p:bg>
+    <p:spTree>
+      <p:nvGrpSpPr>
+        <p:cNvPr id="1" name=""/>
+        <p:cNvGrpSpPr/>
+        <p:nvPr/>
+      </p:nvGrpSpPr>
+      <p:grpSpPr>
+        <a:xfrm>
+          <a:off x="0" y="0"/>
+          <a:ext cx="0" cy="0"/>
+          <a:chOff x="0" y="0"/>
+          <a:chExt cx="0" cy="0"/>
+        </a:xfrm>
+      </p:grpSpPr>
+      <p:cxnSp>
+        <p:nvCxnSpPr>
+          <p:cNvPr id="3" name="Connecteur droit 2">
+            <a:extLst>
+              <a:ext uri="{FF2B5EF4-FFF2-40B4-BE49-F238E27FC236}">
+                <a16:creationId xmlns:a16="http://schemas.microsoft.com/office/drawing/2014/main" id="{B7453269-6B20-9479-19CE-850F87920D55}"/>
+              </a:ext>
+            </a:extLst>
+          </p:cNvPr>
+          <p:cNvCxnSpPr/>
+          <p:nvPr/>
+        </p:nvCxnSpPr>
+        <p:spPr>
+          <a:xfrm>
+            <a:off x="668593" y="0"/>
+            <a:ext cx="0" cy="6858000"/>
+          </a:xfrm>
+          <a:prstGeom prst="line">
+            <a:avLst/>
+          </a:prstGeom>
+          <a:ln w="76200">
+            <a:solidFill>
+              <a:srgbClr val="FF0000"/>
+            </a:solidFill>
+          </a:ln>
+        </p:spPr>
+        <p:style>
+          <a:lnRef idx="1">
+            <a:schemeClr val="accent1"/>
+          </a:lnRef>
+          <a:fillRef idx="0">
+            <a:schemeClr val="accent1"/>
+          </a:fillRef>
+          <a:effectRef idx="0">
+            <a:schemeClr val="accent1"/>
+          </a:effectRef>
+          <a:fontRef idx="minor">
+            <a:schemeClr val="tx1"/>
+          </a:fontRef>
+        </p:style>
+      </p:cxnSp>
+      <p:cxnSp>
+        <p:nvCxnSpPr>
+          <p:cNvPr id="4" name="Connecteur droit 3">
+            <a:extLst>
+              <a:ext uri="{FF2B5EF4-FFF2-40B4-BE49-F238E27FC236}">
+                <a16:creationId xmlns:a16="http://schemas.microsoft.com/office/drawing/2014/main" id="{CE7F31A2-015D-296E-1334-CB1FC1DEC6B1}"/>
+              </a:ext>
+            </a:extLst>
+          </p:cNvPr>
+          <p:cNvCxnSpPr/>
+          <p:nvPr/>
+        </p:nvCxnSpPr>
+        <p:spPr>
+          <a:xfrm>
+            <a:off x="879987" y="0"/>
+            <a:ext cx="0" cy="6858000"/>
+          </a:xfrm>
+          <a:prstGeom prst="line">
+            <a:avLst/>
+          </a:prstGeom>
+          <a:ln w="76200">
+            <a:solidFill>
+              <a:srgbClr val="FF0000"/>
+            </a:solidFill>
+          </a:ln>
+        </p:spPr>
+        <p:style>
+          <a:lnRef idx="1">
+            <a:schemeClr val="accent1"/>
+          </a:lnRef>
+          <a:fillRef idx="0">
+            <a:schemeClr val="accent1"/>
+          </a:fillRef>
+          <a:effectRef idx="0">
+            <a:schemeClr val="accent1"/>
+          </a:effectRef>
+          <a:fontRef idx="minor">
+            <a:schemeClr val="tx1"/>
+          </a:fontRef>
+        </p:style>
+      </p:cxnSp>
+      <p:sp>
+        <p:nvSpPr>
+          <p:cNvPr id="5" name="ZoneTexte 4">
+            <a:extLst>
+              <a:ext uri="{FF2B5EF4-FFF2-40B4-BE49-F238E27FC236}">
+                <a16:creationId xmlns:a16="http://schemas.microsoft.com/office/drawing/2014/main" id="{AC79B85F-15C1-5F47-1A98-C673CEC9E508}"/>
+              </a:ext>
+            </a:extLst>
+          </p:cNvPr>
+          <p:cNvSpPr txBox="1"/>
+          <p:nvPr/>
+        </p:nvSpPr>
+        <p:spPr>
+          <a:xfrm>
+            <a:off x="1091381" y="422787"/>
+            <a:ext cx="8544229" cy="646331"/>
+          </a:xfrm>
+          <a:prstGeom prst="rect">
+            <a:avLst/>
+          </a:prstGeom>
+          <a:noFill/>
+        </p:spPr>
+        <p:txBody>
+          <a:bodyPr wrap="square" rtlCol="0">
+            <a:spAutoFit/>
+          </a:bodyPr>
+          <a:lstStyle/>
+          <a:p>
+            <a:r>
+              <a:rPr lang="fr-FR" sz="3600" b="1" dirty="0">
+                <a:solidFill>
+                  <a:schemeClr val="bg1"/>
+                </a:solidFill>
+                <a:latin typeface="Microsoft JhengHei Light" panose="020B0304030504040204" pitchFamily="34" charset="-120"/>
+                <a:ea typeface="Microsoft JhengHei Light" panose="020B0304030504040204" pitchFamily="34" charset="-120"/>
+              </a:rPr>
+              <a:t>3.3) </a:t>
+            </a:r>
+            <a:r>
+              <a:rPr lang="fr-FR" sz="3600" b="1" u="sng" dirty="0">
+                <a:solidFill>
+                  <a:schemeClr val="bg1"/>
+                </a:solidFill>
+                <a:latin typeface="Microsoft JhengHei Light" panose="020B0304030504040204" pitchFamily="34" charset="-120"/>
+                <a:ea typeface="Microsoft JhengHei Light" panose="020B0304030504040204" pitchFamily="34" charset="-120"/>
+              </a:rPr>
+              <a:t>Deuxième principe</a:t>
+            </a:r>
+            <a:r>
+              <a:rPr lang="fr-FR" sz="3600" b="1" dirty="0">
+                <a:solidFill>
+                  <a:schemeClr val="bg1"/>
+                </a:solidFill>
+                <a:latin typeface="Microsoft JhengHei Light" panose="020B0304030504040204" pitchFamily="34" charset="-120"/>
+                <a:ea typeface="Microsoft JhengHei Light" panose="020B0304030504040204" pitchFamily="34" charset="-120"/>
+              </a:rPr>
+              <a:t> :</a:t>
+            </a:r>
+          </a:p>
+        </p:txBody>
+      </p:sp>
+      <p:sp>
+        <p:nvSpPr>
+          <p:cNvPr id="6" name="ZoneTexte 5">
+            <a:extLst>
+              <a:ext uri="{FF2B5EF4-FFF2-40B4-BE49-F238E27FC236}">
+                <a16:creationId xmlns:a16="http://schemas.microsoft.com/office/drawing/2014/main" id="{5D837539-0218-B080-2D62-BE3992CBBF43}"/>
+              </a:ext>
+            </a:extLst>
+          </p:cNvPr>
+          <p:cNvSpPr txBox="1"/>
+          <p:nvPr/>
+        </p:nvSpPr>
+        <p:spPr>
+          <a:xfrm>
+            <a:off x="1091381" y="1238865"/>
+            <a:ext cx="8908018" cy="369332"/>
+          </a:xfrm>
+          <a:prstGeom prst="rect">
+            <a:avLst/>
+          </a:prstGeom>
+          <a:noFill/>
+        </p:spPr>
+        <p:txBody>
+          <a:bodyPr wrap="square" rtlCol="0">
+            <a:spAutoFit/>
+          </a:bodyPr>
+          <a:lstStyle/>
+          <a:p>
+            <a:r>
+              <a:rPr lang="fr-FR" b="1" dirty="0">
+                <a:solidFill>
+                  <a:schemeClr val="bg1"/>
+                </a:solidFill>
+                <a:latin typeface="Microsoft JhengHei Light" panose="020B0304030504040204" pitchFamily="34" charset="-120"/>
+                <a:ea typeface="Microsoft JhengHei Light" panose="020B0304030504040204" pitchFamily="34" charset="-120"/>
+              </a:rPr>
+              <a:t>* </a:t>
+            </a:r>
+            <a:r>
+              <a:rPr lang="fr-FR" b="1" u="sng" dirty="0">
+                <a:solidFill>
+                  <a:schemeClr val="bg1"/>
+                </a:solidFill>
+                <a:latin typeface="Microsoft JhengHei Light" panose="020B0304030504040204" pitchFamily="34" charset="-120"/>
+                <a:ea typeface="Microsoft JhengHei Light" panose="020B0304030504040204" pitchFamily="34" charset="-120"/>
+              </a:rPr>
+              <a:t>Les tests exhaustifs sont impossibles</a:t>
+            </a:r>
+            <a:r>
+              <a:rPr lang="fr-FR" b="1" dirty="0">
+                <a:solidFill>
+                  <a:schemeClr val="bg1"/>
+                </a:solidFill>
+                <a:latin typeface="Microsoft JhengHei Light" panose="020B0304030504040204" pitchFamily="34" charset="-120"/>
+                <a:ea typeface="Microsoft JhengHei Light" panose="020B0304030504040204" pitchFamily="34" charset="-120"/>
+              </a:rPr>
+              <a:t> :</a:t>
+            </a:r>
+          </a:p>
+        </p:txBody>
+      </p:sp>
+      <p:sp>
+        <p:nvSpPr>
+          <p:cNvPr id="7" name="ZoneTexte 6">
+            <a:extLst>
+              <a:ext uri="{FF2B5EF4-FFF2-40B4-BE49-F238E27FC236}">
+                <a16:creationId xmlns:a16="http://schemas.microsoft.com/office/drawing/2014/main" id="{24D80753-0A84-3126-9B65-2F8D87EA6CA0}"/>
+              </a:ext>
+            </a:extLst>
+          </p:cNvPr>
+          <p:cNvSpPr txBox="1"/>
+          <p:nvPr/>
+        </p:nvSpPr>
+        <p:spPr>
+          <a:xfrm>
+            <a:off x="1091381" y="1777944"/>
+            <a:ext cx="10333695" cy="646331"/>
+          </a:xfrm>
+          <a:prstGeom prst="rect">
+            <a:avLst/>
+          </a:prstGeom>
+          <a:noFill/>
+        </p:spPr>
+        <p:txBody>
+          <a:bodyPr wrap="square" rtlCol="0">
+            <a:spAutoFit/>
+          </a:bodyPr>
+          <a:lstStyle/>
+          <a:p>
+            <a:pPr algn="just"/>
+            <a:r>
+              <a:rPr lang="fr-FR" dirty="0">
+                <a:solidFill>
+                  <a:schemeClr val="bg1"/>
+                </a:solidFill>
+                <a:latin typeface="Microsoft JhengHei Light" panose="020B0304030504040204" pitchFamily="34" charset="-120"/>
+                <a:ea typeface="Microsoft JhengHei Light" panose="020B0304030504040204" pitchFamily="34" charset="-120"/>
+              </a:rPr>
+              <a:t>Dans le Testing, il est forcément impossible de tester les différentes combinaisons d’entrées et de préconditions. Il n’est pas faisable sauf pour des cas triviaux. </a:t>
+            </a:r>
+          </a:p>
+        </p:txBody>
+      </p:sp>
+      <p:sp>
+        <p:nvSpPr>
+          <p:cNvPr id="8" name="ZoneTexte 7">
+            <a:extLst>
+              <a:ext uri="{FF2B5EF4-FFF2-40B4-BE49-F238E27FC236}">
+                <a16:creationId xmlns:a16="http://schemas.microsoft.com/office/drawing/2014/main" id="{0BE13A62-B208-BC90-0300-61BE306C2467}"/>
+              </a:ext>
+            </a:extLst>
+          </p:cNvPr>
+          <p:cNvSpPr txBox="1"/>
+          <p:nvPr/>
+        </p:nvSpPr>
+        <p:spPr>
+          <a:xfrm>
+            <a:off x="1091381" y="2594022"/>
+            <a:ext cx="10403633" cy="646331"/>
+          </a:xfrm>
+          <a:prstGeom prst="rect">
+            <a:avLst/>
+          </a:prstGeom>
+          <a:noFill/>
+        </p:spPr>
+        <p:txBody>
+          <a:bodyPr wrap="square" rtlCol="0">
+            <a:spAutoFit/>
+          </a:bodyPr>
+          <a:lstStyle/>
+          <a:p>
+            <a:r>
+              <a:rPr lang="fr-FR" dirty="0">
+                <a:solidFill>
+                  <a:schemeClr val="bg1"/>
+                </a:solidFill>
+                <a:latin typeface="Microsoft JhengHei Light" panose="020B0304030504040204" pitchFamily="34" charset="-120"/>
+                <a:ea typeface="Microsoft JhengHei Light" panose="020B0304030504040204" pitchFamily="34" charset="-120"/>
+              </a:rPr>
+              <a:t>De préférence, les testeurs utilisent l’analyse des risques et des priorités pour focaliser les efforts de tests.</a:t>
+            </a:r>
+          </a:p>
+        </p:txBody>
+      </p:sp>
+      <p:sp>
+        <p:nvSpPr>
+          <p:cNvPr id="9" name="ZoneTexte 8">
+            <a:extLst>
+              <a:ext uri="{FF2B5EF4-FFF2-40B4-BE49-F238E27FC236}">
+                <a16:creationId xmlns:a16="http://schemas.microsoft.com/office/drawing/2014/main" id="{185948AE-B65A-C70E-C439-8E0CFD6BFD8D}"/>
+              </a:ext>
+            </a:extLst>
+          </p:cNvPr>
+          <p:cNvSpPr txBox="1"/>
+          <p:nvPr/>
+        </p:nvSpPr>
+        <p:spPr>
+          <a:xfrm>
+            <a:off x="1091381" y="3410100"/>
+            <a:ext cx="10608904" cy="923330"/>
+          </a:xfrm>
+          <a:prstGeom prst="rect">
+            <a:avLst/>
+          </a:prstGeom>
+          <a:noFill/>
+        </p:spPr>
+        <p:txBody>
+          <a:bodyPr wrap="square" rtlCol="0">
+            <a:spAutoFit/>
+          </a:bodyPr>
+          <a:lstStyle/>
+          <a:p>
+            <a:pPr algn="just"/>
+            <a:r>
+              <a:rPr lang="fr-FR" dirty="0">
+                <a:solidFill>
+                  <a:schemeClr val="bg1"/>
+                </a:solidFill>
+                <a:latin typeface="Microsoft JhengHei Light" panose="020B0304030504040204" pitchFamily="34" charset="-120"/>
+                <a:ea typeface="Microsoft JhengHei Light" panose="020B0304030504040204" pitchFamily="34" charset="-120"/>
+              </a:rPr>
+              <a:t>Ce qu’il faut comprendre des tests exhaustifs sont que cette couverture exhaustive à l’exception d’une application est impossible à atteindre, ce qui peut sembler complexe quand il s’agit d’une application où le nombre de phases faites par un utilisateur est illimité. </a:t>
+            </a:r>
+          </a:p>
+        </p:txBody>
+      </p:sp>
+      <p:sp>
+        <p:nvSpPr>
+          <p:cNvPr id="10" name="ZoneTexte 9">
+            <a:extLst>
+              <a:ext uri="{FF2B5EF4-FFF2-40B4-BE49-F238E27FC236}">
+                <a16:creationId xmlns:a16="http://schemas.microsoft.com/office/drawing/2014/main" id="{A9A0CC37-9BF9-7AAA-E298-D4FEBFD2583E}"/>
+              </a:ext>
+            </a:extLst>
+          </p:cNvPr>
+          <p:cNvSpPr txBox="1"/>
+          <p:nvPr/>
+        </p:nvSpPr>
+        <p:spPr>
+          <a:xfrm>
+            <a:off x="1091381" y="4499668"/>
+            <a:ext cx="10814480" cy="1200329"/>
+          </a:xfrm>
+          <a:prstGeom prst="rect">
+            <a:avLst/>
+          </a:prstGeom>
+          <a:noFill/>
+        </p:spPr>
+        <p:txBody>
+          <a:bodyPr wrap="square" rtlCol="0">
+            <a:spAutoFit/>
+          </a:bodyPr>
+          <a:lstStyle/>
+          <a:p>
+            <a:r>
+              <a:rPr lang="fr-FR" dirty="0">
+                <a:highlight>
+                  <a:srgbClr val="FFFF00"/>
+                </a:highlight>
+                <a:latin typeface="Microsoft JhengHei Light" panose="020B0304030504040204" pitchFamily="34" charset="-120"/>
+                <a:ea typeface="Microsoft JhengHei Light" panose="020B0304030504040204" pitchFamily="34" charset="-120"/>
+              </a:rPr>
+              <a:t>Atteindre une exhaustivité des tests d’une application se heurte à deux limites non franchissables</a:t>
+            </a:r>
+            <a:r>
+              <a:rPr lang="fr-FR" dirty="0">
+                <a:solidFill>
+                  <a:schemeClr val="bg1"/>
+                </a:solidFill>
+                <a:latin typeface="Microsoft JhengHei Light" panose="020B0304030504040204" pitchFamily="34" charset="-120"/>
+                <a:ea typeface="Microsoft JhengHei Light" panose="020B0304030504040204" pitchFamily="34" charset="-120"/>
+              </a:rPr>
+              <a:t> :</a:t>
+            </a:r>
+          </a:p>
+          <a:p>
+            <a:endParaRPr lang="fr-FR" dirty="0">
+              <a:solidFill>
+                <a:schemeClr val="bg1"/>
+              </a:solidFill>
+              <a:latin typeface="Microsoft JhengHei Light" panose="020B0304030504040204" pitchFamily="34" charset="-120"/>
+              <a:ea typeface="Microsoft JhengHei Light" panose="020B0304030504040204" pitchFamily="34" charset="-120"/>
+            </a:endParaRPr>
+          </a:p>
+          <a:p>
+            <a:r>
+              <a:rPr lang="fr-FR" dirty="0">
+                <a:solidFill>
+                  <a:schemeClr val="bg1"/>
+                </a:solidFill>
+                <a:latin typeface="Microsoft JhengHei Light" panose="020B0304030504040204" pitchFamily="34" charset="-120"/>
+                <a:ea typeface="Microsoft JhengHei Light" panose="020B0304030504040204" pitchFamily="34" charset="-120"/>
+              </a:rPr>
+              <a:t>	- L’incapacité à prévoir tous les scénarios possibles</a:t>
+            </a:r>
+          </a:p>
+          <a:p>
+            <a:r>
+              <a:rPr lang="fr-FR" dirty="0">
+                <a:solidFill>
+                  <a:schemeClr val="bg1"/>
+                </a:solidFill>
+                <a:latin typeface="Microsoft JhengHei Light" panose="020B0304030504040204" pitchFamily="34" charset="-120"/>
+                <a:ea typeface="Microsoft JhengHei Light" panose="020B0304030504040204" pitchFamily="34" charset="-120"/>
+              </a:rPr>
+              <a:t>	- L’incapacité à exécuter tous les scénarios</a:t>
+            </a:r>
+          </a:p>
+        </p:txBody>
+      </p:sp>
+    </p:spTree>
+    <p:extLst>
+      <p:ext uri="{BB962C8B-B14F-4D97-AF65-F5344CB8AC3E}">
+        <p14:creationId xmlns:p14="http://schemas.microsoft.com/office/powerpoint/2010/main" val="3377535930"/>
+      </p:ext>
+    </p:extLst>
+  </p:cSld>
+  <p:clrMapOvr>
+    <a:masterClrMapping/>
+  </p:clrMapOvr>
+  <p:timing>
+    <p:tnLst>
+      <p:par>
+        <p:cTn id="1" dur="indefinite" restart="never" nodeType="tmRoot">
+          <p:childTnLst>
+            <p:seq concurrent="1" nextAc="seek">
+              <p:cTn id="2" dur="indefinite" nodeType="mainSeq">
+                <p:childTnLst>
+                  <p:par>
+                    <p:cTn id="3" fill="hold">
+                      <p:stCondLst>
+                        <p:cond delay="indefinite"/>
+                        <p:cond evt="onBegin" delay="0">
+                          <p:tn val="2"/>
+                        </p:cond>
+                      </p:stCondLst>
+                      <p:childTnLst>
+                        <p:par>
+                          <p:cTn id="4" fill="hold">
+                            <p:stCondLst>
+                              <p:cond delay="0"/>
+                            </p:stCondLst>
+                            <p:childTnLst>
+                              <p:par>
+                                <p:cTn id="5" presetID="10" presetClass="entr" presetSubtype="0" fill="hold" nodeType="withEffect">
+                                  <p:stCondLst>
+                                    <p:cond delay="0"/>
+                                  </p:stCondLst>
+                                  <p:childTnLst>
+                                    <p:set>
+                                      <p:cBhvr>
+                                        <p:cTn id="6" dur="1" fill="hold">
+                                          <p:stCondLst>
+                                            <p:cond delay="0"/>
+                                          </p:stCondLst>
+                                        </p:cTn>
+                                        <p:tgtEl>
+                                          <p:spTgt spid="3"/>
+                                        </p:tgtEl>
+                                        <p:attrNameLst>
+                                          <p:attrName>style.visibility</p:attrName>
+                                        </p:attrNameLst>
+                                      </p:cBhvr>
+                                      <p:to>
+                                        <p:strVal val="visible"/>
+                                      </p:to>
+                                    </p:set>
+                                    <p:animEffect transition="in" filter="fade">
+                                      <p:cBhvr>
+                                        <p:cTn id="7" dur="300"/>
+                                        <p:tgtEl>
+                                          <p:spTgt spid="3"/>
+                                        </p:tgtEl>
+                                      </p:cBhvr>
+                                    </p:animEffect>
+                                  </p:childTnLst>
+                                </p:cTn>
+                              </p:par>
+                            </p:childTnLst>
+                          </p:cTn>
+                        </p:par>
+                        <p:par>
+                          <p:cTn id="8" fill="hold">
+                            <p:stCondLst>
+                              <p:cond delay="300"/>
+                            </p:stCondLst>
+                            <p:childTnLst>
+                              <p:par>
+                                <p:cTn id="9" presetID="10" presetClass="entr" presetSubtype="0" fill="hold" nodeType="afterEffect">
+                                  <p:stCondLst>
+                                    <p:cond delay="0"/>
+                                  </p:stCondLst>
+                                  <p:childTnLst>
+                                    <p:set>
+                                      <p:cBhvr>
+                                        <p:cTn id="10" dur="1" fill="hold">
+                                          <p:stCondLst>
+                                            <p:cond delay="0"/>
+                                          </p:stCondLst>
+                                        </p:cTn>
+                                        <p:tgtEl>
+                                          <p:spTgt spid="4"/>
+                                        </p:tgtEl>
+                                        <p:attrNameLst>
+                                          <p:attrName>style.visibility</p:attrName>
+                                        </p:attrNameLst>
+                                      </p:cBhvr>
+                                      <p:to>
+                                        <p:strVal val="visible"/>
+                                      </p:to>
+                                    </p:set>
+                                    <p:animEffect transition="in" filter="fade">
+                                      <p:cBhvr>
+                                        <p:cTn id="11" dur="300"/>
+                                        <p:tgtEl>
+                                          <p:spTgt spid="4"/>
+                                        </p:tgtEl>
+                                      </p:cBhvr>
+                                    </p:animEffect>
+                                  </p:childTnLst>
+                                </p:cTn>
+                              </p:par>
+                            </p:childTnLst>
+                          </p:cTn>
+                        </p:par>
+                      </p:childTnLst>
+                    </p:cTn>
+                  </p:par>
+                  <p:par>
+                    <p:cTn id="12" fill="hold">
+                      <p:stCondLst>
+                        <p:cond delay="indefinite"/>
+                      </p:stCondLst>
+                      <p:childTnLst>
+                        <p:par>
+                          <p:cTn id="13" fill="hold">
+                            <p:stCondLst>
+                              <p:cond delay="0"/>
+                            </p:stCondLst>
+                            <p:childTnLst>
+                              <p:par>
+                                <p:cTn id="14" presetID="42" presetClass="entr" presetSubtype="0" fill="hold" grpId="0" nodeType="clickEffect">
+                                  <p:stCondLst>
+                                    <p:cond delay="0"/>
+                                  </p:stCondLst>
+                                  <p:childTnLst>
+                                    <p:set>
+                                      <p:cBhvr>
+                                        <p:cTn id="15" dur="1" fill="hold">
+                                          <p:stCondLst>
+                                            <p:cond delay="0"/>
+                                          </p:stCondLst>
+                                        </p:cTn>
+                                        <p:tgtEl>
+                                          <p:spTgt spid="5"/>
+                                        </p:tgtEl>
+                                        <p:attrNameLst>
+                                          <p:attrName>style.visibility</p:attrName>
+                                        </p:attrNameLst>
+                                      </p:cBhvr>
+                                      <p:to>
+                                        <p:strVal val="visible"/>
+                                      </p:to>
+                                    </p:set>
+                                    <p:animEffect transition="in" filter="fade">
+                                      <p:cBhvr>
+                                        <p:cTn id="16" dur="1000"/>
+                                        <p:tgtEl>
+                                          <p:spTgt spid="5"/>
+                                        </p:tgtEl>
+                                      </p:cBhvr>
+                                    </p:animEffect>
+                                    <p:anim calcmode="lin" valueType="num">
+                                      <p:cBhvr>
+                                        <p:cTn id="17" dur="1000" fill="hold"/>
+                                        <p:tgtEl>
+                                          <p:spTgt spid="5"/>
+                                        </p:tgtEl>
+                                        <p:attrNameLst>
+                                          <p:attrName>ppt_x</p:attrName>
+                                        </p:attrNameLst>
+                                      </p:cBhvr>
+                                      <p:tavLst>
+                                        <p:tav tm="0">
+                                          <p:val>
+                                            <p:strVal val="#ppt_x"/>
+                                          </p:val>
+                                        </p:tav>
+                                        <p:tav tm="100000">
+                                          <p:val>
+                                            <p:strVal val="#ppt_x"/>
+                                          </p:val>
+                                        </p:tav>
+                                      </p:tavLst>
+                                    </p:anim>
+                                    <p:anim calcmode="lin" valueType="num">
+                                      <p:cBhvr>
+                                        <p:cTn id="18" dur="1000" fill="hold"/>
+                                        <p:tgtEl>
+                                          <p:spTgt spid="5"/>
+                                        </p:tgtEl>
+                                        <p:attrNameLst>
+                                          <p:attrName>ppt_y</p:attrName>
+                                        </p:attrNameLst>
+                                      </p:cBhvr>
+                                      <p:tavLst>
+                                        <p:tav tm="0">
+                                          <p:val>
+                                            <p:strVal val="#ppt_y+.1"/>
+                                          </p:val>
+                                        </p:tav>
+                                        <p:tav tm="100000">
+                                          <p:val>
+                                            <p:strVal val="#ppt_y"/>
+                                          </p:val>
+                                        </p:tav>
+                                      </p:tavLst>
+                                    </p:anim>
+                                  </p:childTnLst>
+                                </p:cTn>
+                              </p:par>
+                            </p:childTnLst>
+                          </p:cTn>
+                        </p:par>
+                      </p:childTnLst>
+                    </p:cTn>
+                  </p:par>
+                  <p:par>
+                    <p:cTn id="19" fill="hold">
+                      <p:stCondLst>
+                        <p:cond delay="indefinite"/>
+                      </p:stCondLst>
+                      <p:childTnLst>
+                        <p:par>
+                          <p:cTn id="20" fill="hold">
+                            <p:stCondLst>
+                              <p:cond delay="0"/>
+                            </p:stCondLst>
+                            <p:childTnLst>
+                              <p:par>
+                                <p:cTn id="21" presetID="10" presetClass="entr" presetSubtype="0" fill="hold" grpId="0" nodeType="clickEffect">
+                                  <p:stCondLst>
+                                    <p:cond delay="0"/>
+                                  </p:stCondLst>
+                                  <p:childTnLst>
+                                    <p:set>
+                                      <p:cBhvr>
+                                        <p:cTn id="22" dur="1" fill="hold">
+                                          <p:stCondLst>
+                                            <p:cond delay="0"/>
+                                          </p:stCondLst>
+                                        </p:cTn>
+                                        <p:tgtEl>
+                                          <p:spTgt spid="6"/>
+                                        </p:tgtEl>
+                                        <p:attrNameLst>
+                                          <p:attrName>style.visibility</p:attrName>
+                                        </p:attrNameLst>
+                                      </p:cBhvr>
+                                      <p:to>
+                                        <p:strVal val="visible"/>
+                                      </p:to>
+                                    </p:set>
+                                    <p:animEffect transition="in" filter="fade">
+                                      <p:cBhvr>
+                                        <p:cTn id="23" dur="500"/>
+                                        <p:tgtEl>
+                                          <p:spTgt spid="6"/>
+                                        </p:tgtEl>
+                                      </p:cBhvr>
+                                    </p:animEffect>
+                                  </p:childTnLst>
+                                </p:cTn>
+                              </p:par>
+                            </p:childTnLst>
+                          </p:cTn>
+                        </p:par>
+                      </p:childTnLst>
+                    </p:cTn>
+                  </p:par>
+                  <p:par>
+                    <p:cTn id="24" fill="hold">
+                      <p:stCondLst>
+                        <p:cond delay="indefinite"/>
+                      </p:stCondLst>
+                      <p:childTnLst>
+                        <p:par>
+                          <p:cTn id="25" fill="hold">
+                            <p:stCondLst>
+                              <p:cond delay="0"/>
+                            </p:stCondLst>
+                            <p:childTnLst>
+                              <p:par>
+                                <p:cTn id="26" presetID="10" presetClass="entr" presetSubtype="0" fill="hold" grpId="0" nodeType="clickEffect">
+                                  <p:stCondLst>
+                                    <p:cond delay="0"/>
+                                  </p:stCondLst>
+                                  <p:childTnLst>
+                                    <p:set>
+                                      <p:cBhvr>
+                                        <p:cTn id="27" dur="1" fill="hold">
+                                          <p:stCondLst>
+                                            <p:cond delay="0"/>
+                                          </p:stCondLst>
+                                        </p:cTn>
+                                        <p:tgtEl>
+                                          <p:spTgt spid="7"/>
+                                        </p:tgtEl>
+                                        <p:attrNameLst>
+                                          <p:attrName>style.visibility</p:attrName>
+                                        </p:attrNameLst>
+                                      </p:cBhvr>
+                                      <p:to>
+                                        <p:strVal val="visible"/>
+                                      </p:to>
+                                    </p:set>
+                                    <p:animEffect transition="in" filter="fade">
+                                      <p:cBhvr>
+                                        <p:cTn id="28" dur="500"/>
+                                        <p:tgtEl>
+                                          <p:spTgt spid="7"/>
+                                        </p:tgtEl>
+                                      </p:cBhvr>
+                                    </p:animEffect>
+                                  </p:childTnLst>
+                                </p:cTn>
+                              </p:par>
+                            </p:childTnLst>
+                          </p:cTn>
+                        </p:par>
+                      </p:childTnLst>
+                    </p:cTn>
+                  </p:par>
+                  <p:par>
+                    <p:cTn id="29" fill="hold">
+                      <p:stCondLst>
+                        <p:cond delay="indefinite"/>
+                      </p:stCondLst>
+                      <p:childTnLst>
+                        <p:par>
+                          <p:cTn id="30" fill="hold">
+                            <p:stCondLst>
+                              <p:cond delay="0"/>
+                            </p:stCondLst>
+                            <p:childTnLst>
+                              <p:par>
+                                <p:cTn id="31" presetID="10" presetClass="entr" presetSubtype="0" fill="hold" grpId="0" nodeType="clickEffect">
+                                  <p:stCondLst>
+                                    <p:cond delay="0"/>
+                                  </p:stCondLst>
+                                  <p:childTnLst>
+                                    <p:set>
+                                      <p:cBhvr>
+                                        <p:cTn id="32" dur="1" fill="hold">
+                                          <p:stCondLst>
+                                            <p:cond delay="0"/>
+                                          </p:stCondLst>
+                                        </p:cTn>
+                                        <p:tgtEl>
+                                          <p:spTgt spid="8"/>
+                                        </p:tgtEl>
+                                        <p:attrNameLst>
+                                          <p:attrName>style.visibility</p:attrName>
+                                        </p:attrNameLst>
+                                      </p:cBhvr>
+                                      <p:to>
+                                        <p:strVal val="visible"/>
+                                      </p:to>
+                                    </p:set>
+                                    <p:animEffect transition="in" filter="fade">
+                                      <p:cBhvr>
+                                        <p:cTn id="33" dur="500"/>
+                                        <p:tgtEl>
+                                          <p:spTgt spid="8"/>
+                                        </p:tgtEl>
+                                      </p:cBhvr>
+                                    </p:animEffect>
+                                  </p:childTnLst>
+                                </p:cTn>
+                              </p:par>
+                            </p:childTnLst>
+                          </p:cTn>
+                        </p:par>
+                      </p:childTnLst>
+                    </p:cTn>
+                  </p:par>
+                  <p:par>
+                    <p:cTn id="34" fill="hold">
+                      <p:stCondLst>
+                        <p:cond delay="indefinite"/>
+                      </p:stCondLst>
+                      <p:childTnLst>
+                        <p:par>
+                          <p:cTn id="35" fill="hold">
+                            <p:stCondLst>
+                              <p:cond delay="0"/>
+                            </p:stCondLst>
+                            <p:childTnLst>
+                              <p:par>
+                                <p:cTn id="36" presetID="10" presetClass="entr" presetSubtype="0" fill="hold" grpId="0" nodeType="clickEffect">
+                                  <p:stCondLst>
+                                    <p:cond delay="0"/>
+                                  </p:stCondLst>
+                                  <p:childTnLst>
+                                    <p:set>
+                                      <p:cBhvr>
+                                        <p:cTn id="37" dur="1" fill="hold">
+                                          <p:stCondLst>
+                                            <p:cond delay="0"/>
+                                          </p:stCondLst>
+                                        </p:cTn>
+                                        <p:tgtEl>
+                                          <p:spTgt spid="9"/>
+                                        </p:tgtEl>
+                                        <p:attrNameLst>
+                                          <p:attrName>style.visibility</p:attrName>
+                                        </p:attrNameLst>
+                                      </p:cBhvr>
+                                      <p:to>
+                                        <p:strVal val="visible"/>
+                                      </p:to>
+                                    </p:set>
+                                    <p:animEffect transition="in" filter="fade">
+                                      <p:cBhvr>
+                                        <p:cTn id="38" dur="500"/>
+                                        <p:tgtEl>
+                                          <p:spTgt spid="9"/>
+                                        </p:tgtEl>
+                                      </p:cBhvr>
+                                    </p:animEffect>
+                                  </p:childTnLst>
+                                </p:cTn>
+                              </p:par>
+                            </p:childTnLst>
+                          </p:cTn>
+                        </p:par>
+                      </p:childTnLst>
+                    </p:cTn>
+                  </p:par>
+                  <p:par>
+                    <p:cTn id="39" fill="hold">
+                      <p:stCondLst>
+                        <p:cond delay="indefinite"/>
+                      </p:stCondLst>
+                      <p:childTnLst>
+                        <p:par>
+                          <p:cTn id="40" fill="hold">
+                            <p:stCondLst>
+                              <p:cond delay="0"/>
+                            </p:stCondLst>
+                            <p:childTnLst>
+                              <p:par>
+                                <p:cTn id="41" presetID="10" presetClass="entr" presetSubtype="0" fill="hold" grpId="0" nodeType="clickEffect">
+                                  <p:stCondLst>
+                                    <p:cond delay="0"/>
+                                  </p:stCondLst>
+                                  <p:childTnLst>
+                                    <p:set>
+                                      <p:cBhvr>
+                                        <p:cTn id="42" dur="1" fill="hold">
+                                          <p:stCondLst>
+                                            <p:cond delay="0"/>
+                                          </p:stCondLst>
+                                        </p:cTn>
+                                        <p:tgtEl>
+                                          <p:spTgt spid="10"/>
+                                        </p:tgtEl>
+                                        <p:attrNameLst>
+                                          <p:attrName>style.visibility</p:attrName>
+                                        </p:attrNameLst>
+                                      </p:cBhvr>
+                                      <p:to>
+                                        <p:strVal val="visible"/>
+                                      </p:to>
+                                    </p:set>
+                                    <p:animEffect transition="in" filter="fade">
+                                      <p:cBhvr>
+                                        <p:cTn id="43" dur="500"/>
+                                        <p:tgtEl>
+                                          <p:spTgt spid="10"/>
+                                        </p:tgtEl>
+                                      </p:cBhvr>
+                                    </p:animEffect>
+                                  </p:childTnLst>
+                                </p:cTn>
+                              </p:par>
+                            </p:childTnLst>
+                          </p:cTn>
+                        </p:par>
+                      </p:childTnLst>
+                    </p:cTn>
+                  </p:par>
+                </p:childTnLst>
+              </p:cTn>
+              <p:prevCondLst>
+                <p:cond evt="onPrev" delay="0">
+                  <p:tgtEl>
+                    <p:sldTgt/>
+                  </p:tgtEl>
+                </p:cond>
+              </p:prevCondLst>
+              <p:nextCondLst>
+                <p:cond evt="onNext" delay="0">
+                  <p:tgtEl>
+                    <p:sldTgt/>
+                  </p:tgtEl>
+                </p:cond>
+              </p:nextCondLst>
+            </p:seq>
+          </p:childTnLst>
+        </p:cTn>
+      </p:par>
+    </p:tnLst>
+    <p:bldLst>
+      <p:bldP spid="5" grpId="0"/>
+      <p:bldP spid="6" grpId="0"/>
+      <p:bldP spid="7" grpId="0"/>
+      <p:bldP spid="8" grpId="0"/>
+      <p:bldP spid="9" grpId="0"/>
+      <p:bldP spid="10" grpId="0"/>
+    </p:bldLst>
+  </p:timing>
+</p:sld>
+</file>
+
+<file path=ppt/slides/slide22.xml><?xml version="1.0" encoding="utf-8"?>
+<p:sld xmlns:a="http://schemas.openxmlformats.org/drawingml/2006/main" xmlns:r="http://schemas.openxmlformats.org/officeDocument/2006/relationships" xmlns:p="http://schemas.openxmlformats.org/presentationml/2006/main">
+  <p:cSld>
+    <p:bg>
+      <p:bgPr>
+        <a:solidFill>
+          <a:schemeClr val="bg2">
+            <a:lumMod val="10000"/>
+          </a:schemeClr>
+        </a:solidFill>
+        <a:effectLst/>
+      </p:bgPr>
+    </p:bg>
+    <p:spTree>
+      <p:nvGrpSpPr>
+        <p:cNvPr id="1" name=""/>
+        <p:cNvGrpSpPr/>
+        <p:nvPr/>
+      </p:nvGrpSpPr>
+      <p:grpSpPr>
+        <a:xfrm>
+          <a:off x="0" y="0"/>
+          <a:ext cx="0" cy="0"/>
+          <a:chOff x="0" y="0"/>
+          <a:chExt cx="0" cy="0"/>
+        </a:xfrm>
+      </p:grpSpPr>
+      <p:cxnSp>
+        <p:nvCxnSpPr>
+          <p:cNvPr id="3" name="Connecteur droit 2">
+            <a:extLst>
+              <a:ext uri="{FF2B5EF4-FFF2-40B4-BE49-F238E27FC236}">
                 <a16:creationId xmlns:a16="http://schemas.microsoft.com/office/drawing/2014/main" id="{14661D90-FD4E-8879-29EC-DB07AE1CA881}"/>
               </a:ext>
             </a:extLst>
@@ -12572,7 +13909,7 @@
 </p:sld>
 </file>
 
-<file path=ppt/slides/slide21.xml><?xml version="1.0" encoding="utf-8"?>
+<file path=ppt/slides/slide23.xml><?xml version="1.0" encoding="utf-8"?>
 <p:sld xmlns:a="http://schemas.openxmlformats.org/drawingml/2006/main" xmlns:r="http://schemas.openxmlformats.org/officeDocument/2006/relationships" xmlns:p="http://schemas.openxmlformats.org/presentationml/2006/main">
   <p:cSld>
     <p:bg>

--- a/TRAVAUX/powerpointRevisionISTQB.pptx
+++ b/TRAVAUX/powerpointRevisionISTQB.pptx
@@ -13,11 +13,18 @@
     <p:sldId id="259" r:id="rId7"/>
     <p:sldId id="271" r:id="rId8"/>
     <p:sldId id="272" r:id="rId9"/>
-    <p:sldId id="273" r:id="rId10"/>
-    <p:sldId id="274" r:id="rId11"/>
-    <p:sldId id="275" r:id="rId12"/>
-    <p:sldId id="276" r:id="rId13"/>
-    <p:sldId id="278" r:id="rId14"/>
+    <p:sldId id="282" r:id="rId10"/>
+    <p:sldId id="273" r:id="rId11"/>
+    <p:sldId id="274" r:id="rId12"/>
+    <p:sldId id="275" r:id="rId13"/>
+    <p:sldId id="276" r:id="rId14"/>
+    <p:sldId id="278" r:id="rId15"/>
+    <p:sldId id="279" r:id="rId16"/>
+    <p:sldId id="280" r:id="rId17"/>
+    <p:sldId id="281" r:id="rId18"/>
+    <p:sldId id="283" r:id="rId19"/>
+    <p:sldId id="284" r:id="rId20"/>
+    <p:sldId id="285" r:id="rId21"/>
   </p:sldIdLst>
   <p:sldSz cx="12192000" cy="6858000"/>
   <p:notesSz cx="6858000" cy="9144000"/>
@@ -4116,7 +4123,7 @@
           <p:cNvPr id="3" name="Connecteur droit 2">
             <a:extLst>
               <a:ext uri="{FF2B5EF4-FFF2-40B4-BE49-F238E27FC236}">
-                <a16:creationId xmlns:a16="http://schemas.microsoft.com/office/drawing/2014/main" id="{1160B9AB-EFB3-FCA9-8606-109E1ADC663D}"/>
+                <a16:creationId xmlns:a16="http://schemas.microsoft.com/office/drawing/2014/main" id="{568F3B82-2C2B-F5D9-81AF-581B7FCD9C28}"/>
               </a:ext>
             </a:extLst>
           </p:cNvPr>
@@ -4125,7 +4132,7 @@
         </p:nvCxnSpPr>
         <p:spPr>
           <a:xfrm>
-            <a:off x="783771" y="0"/>
+            <a:off x="776748" y="0"/>
             <a:ext cx="0" cy="6858000"/>
           </a:xfrm>
           <a:prstGeom prst="line">
@@ -4157,7 +4164,7 @@
           <p:cNvPr id="4" name="Connecteur droit 3">
             <a:extLst>
               <a:ext uri="{FF2B5EF4-FFF2-40B4-BE49-F238E27FC236}">
-                <a16:creationId xmlns:a16="http://schemas.microsoft.com/office/drawing/2014/main" id="{FD6356FD-F0C2-AC51-D07A-238E77EE2B22}"/>
+                <a16:creationId xmlns:a16="http://schemas.microsoft.com/office/drawing/2014/main" id="{55714BA6-2334-CF65-0E76-5715B99A4314}"/>
               </a:ext>
             </a:extLst>
           </p:cNvPr>
@@ -4166,7 +4173,7 @@
         </p:nvCxnSpPr>
         <p:spPr>
           <a:xfrm>
-            <a:off x="1048138" y="0"/>
+            <a:off x="1027471" y="0"/>
             <a:ext cx="0" cy="6858000"/>
           </a:xfrm>
           <a:prstGeom prst="line">
@@ -4198,7 +4205,7 @@
           <p:cNvPr id="5" name="ZoneTexte 4">
             <a:extLst>
               <a:ext uri="{FF2B5EF4-FFF2-40B4-BE49-F238E27FC236}">
-                <a16:creationId xmlns:a16="http://schemas.microsoft.com/office/drawing/2014/main" id="{3BD7178A-C387-3EE5-51CF-5C33AE58FE83}"/>
+                <a16:creationId xmlns:a16="http://schemas.microsoft.com/office/drawing/2014/main" id="{BF50B671-D4FC-0812-06EF-02A130BCD7D1}"/>
               </a:ext>
             </a:extLst>
           </p:cNvPr>
@@ -4207,8 +4214,8 @@
         </p:nvSpPr>
         <p:spPr>
           <a:xfrm>
-            <a:off x="1312505" y="382555"/>
-            <a:ext cx="7725743" cy="646331"/>
+            <a:off x="1278194" y="442452"/>
+            <a:ext cx="7039897" cy="646331"/>
           </a:xfrm>
           <a:prstGeom prst="rect">
             <a:avLst/>
@@ -4229,7 +4236,7 @@
                 <a:latin typeface="Microsoft JhengHei Light" panose="020B0304030504040204" pitchFamily="34" charset="-120"/>
                 <a:ea typeface="Microsoft JhengHei Light" panose="020B0304030504040204" pitchFamily="34" charset="-120"/>
               </a:rPr>
-              <a:t>2.3) </a:t>
+              <a:t>2.2) </a:t>
             </a:r>
             <a:r>
               <a:rPr lang="fr-FR" sz="3600" b="1" u="sng" dirty="0">
@@ -4239,7 +4246,7 @@
                 <a:latin typeface="Microsoft JhengHei Light" panose="020B0304030504040204" pitchFamily="34" charset="-120"/>
                 <a:ea typeface="Microsoft JhengHei Light" panose="020B0304030504040204" pitchFamily="34" charset="-120"/>
               </a:rPr>
-              <a:t>Exemple de tests fonctionnels</a:t>
+              <a:t>Les tests fonctionnels</a:t>
             </a:r>
             <a:r>
               <a:rPr lang="fr-FR" sz="3600" b="1" dirty="0">
@@ -4259,7 +4266,7 @@
           <p:cNvPr id="6" name="ZoneTexte 5">
             <a:extLst>
               <a:ext uri="{FF2B5EF4-FFF2-40B4-BE49-F238E27FC236}">
-                <a16:creationId xmlns:a16="http://schemas.microsoft.com/office/drawing/2014/main" id="{5EC84E1F-9F35-7EA6-C1C0-DB1BD826EE91}"/>
+                <a16:creationId xmlns:a16="http://schemas.microsoft.com/office/drawing/2014/main" id="{7CF7ED87-385D-2DB0-F073-349D96F79BDE}"/>
               </a:ext>
             </a:extLst>
           </p:cNvPr>
@@ -4268,8 +4275,8 @@
         </p:nvSpPr>
         <p:spPr>
           <a:xfrm>
-            <a:off x="1312505" y="1421458"/>
-            <a:ext cx="4851918" cy="369332"/>
+            <a:off x="1278194" y="1468400"/>
+            <a:ext cx="3038167" cy="369332"/>
           </a:xfrm>
           <a:prstGeom prst="rect">
             <a:avLst/>
@@ -4283,6 +4290,16 @@
           <a:lstStyle/>
           <a:p>
             <a:r>
+              <a:rPr lang="fr-FR" b="1" dirty="0">
+                <a:solidFill>
+                  <a:schemeClr val="bg1"/>
+                </a:solidFill>
+                <a:latin typeface="Microsoft JhengHei Light" panose="020B0304030504040204" pitchFamily="34" charset="-120"/>
+                <a:ea typeface="Microsoft JhengHei Light" panose="020B0304030504040204" pitchFamily="34" charset="-120"/>
+              </a:rPr>
+              <a:t>* </a:t>
+            </a:r>
+            <a:r>
               <a:rPr lang="fr-FR" b="1" u="sng" dirty="0">
                 <a:solidFill>
                   <a:schemeClr val="bg1"/>
@@ -4290,7 +4307,7 @@
                 <a:latin typeface="Microsoft JhengHei Light" panose="020B0304030504040204" pitchFamily="34" charset="-120"/>
                 <a:ea typeface="Microsoft JhengHei Light" panose="020B0304030504040204" pitchFamily="34" charset="-120"/>
               </a:rPr>
-              <a:t>Voici des exemples de tests fonctionnels</a:t>
+              <a:t>Définition</a:t>
             </a:r>
             <a:r>
               <a:rPr lang="fr-FR" b="1" dirty="0">
@@ -4310,7 +4327,7 @@
           <p:cNvPr id="7" name="ZoneTexte 6">
             <a:extLst>
               <a:ext uri="{FF2B5EF4-FFF2-40B4-BE49-F238E27FC236}">
-                <a16:creationId xmlns:a16="http://schemas.microsoft.com/office/drawing/2014/main" id="{565501E7-B71F-AA68-FC22-0C5874BCA662}"/>
+                <a16:creationId xmlns:a16="http://schemas.microsoft.com/office/drawing/2014/main" id="{3A49505B-FF2C-B6D2-B186-74464FC275ED}"/>
               </a:ext>
             </a:extLst>
           </p:cNvPr>
@@ -4319,8 +4336,8 @@
         </p:nvSpPr>
         <p:spPr>
           <a:xfrm>
-            <a:off x="1849014" y="2183362"/>
-            <a:ext cx="6652724" cy="1754326"/>
+            <a:off x="1278194" y="2217349"/>
+            <a:ext cx="9733547" cy="1477328"/>
           </a:xfrm>
           <a:prstGeom prst="rect">
             <a:avLst/>
@@ -4333,10 +4350,7 @@
           </a:bodyPr>
           <a:lstStyle/>
           <a:p>
-            <a:pPr marL="285750" indent="-285750" algn="just">
-              <a:buFont typeface="Arial" panose="020B0604020202020204" pitchFamily="34" charset="0"/>
-              <a:buChar char="•"/>
-            </a:pPr>
+            <a:pPr algn="just"/>
             <a:r>
               <a:rPr lang="fr-FR" dirty="0">
                 <a:solidFill>
@@ -4345,95 +4359,51 @@
                 <a:latin typeface="Microsoft JhengHei Light" panose="020B0304030504040204" pitchFamily="34" charset="-120"/>
                 <a:ea typeface="Microsoft JhengHei Light" panose="020B0304030504040204" pitchFamily="34" charset="-120"/>
               </a:rPr>
-              <a:t>Tests unitaires</a:t>
-            </a:r>
-          </a:p>
-          <a:p>
-            <a:pPr marL="285750" indent="-285750" algn="just">
-              <a:buFont typeface="Arial" panose="020B0604020202020204" pitchFamily="34" charset="0"/>
-              <a:buChar char="•"/>
-            </a:pPr>
-            <a:r>
-              <a:rPr lang="fr-FR" dirty="0">
-                <a:solidFill>
-                  <a:schemeClr val="bg1"/>
-                </a:solidFill>
-                <a:latin typeface="Microsoft JhengHei Light" panose="020B0304030504040204" pitchFamily="34" charset="-120"/>
-                <a:ea typeface="Microsoft JhengHei Light" panose="020B0304030504040204" pitchFamily="34" charset="-120"/>
-              </a:rPr>
-              <a:t>Tests d’intégration</a:t>
-            </a:r>
-          </a:p>
-          <a:p>
-            <a:pPr marL="285750" indent="-285750" algn="just">
-              <a:buFont typeface="Arial" panose="020B0604020202020204" pitchFamily="34" charset="0"/>
-              <a:buChar char="•"/>
-            </a:pPr>
-            <a:r>
-              <a:rPr lang="fr-FR" dirty="0">
-                <a:solidFill>
-                  <a:schemeClr val="bg1"/>
-                </a:solidFill>
-                <a:latin typeface="Microsoft JhengHei Light" panose="020B0304030504040204" pitchFamily="34" charset="-120"/>
-                <a:ea typeface="Microsoft JhengHei Light" panose="020B0304030504040204" pitchFamily="34" charset="-120"/>
-              </a:rPr>
-              <a:t>Test de fumée </a:t>
-            </a:r>
-          </a:p>
-          <a:p>
-            <a:pPr marL="285750" indent="-285750" algn="just">
-              <a:buFont typeface="Arial" panose="020B0604020202020204" pitchFamily="34" charset="0"/>
-              <a:buChar char="•"/>
-            </a:pPr>
-            <a:r>
-              <a:rPr lang="fr-FR" dirty="0">
-                <a:solidFill>
-                  <a:schemeClr val="bg1"/>
-                </a:solidFill>
-                <a:latin typeface="Microsoft JhengHei Light" panose="020B0304030504040204" pitchFamily="34" charset="-120"/>
-                <a:ea typeface="Microsoft JhengHei Light" panose="020B0304030504040204" pitchFamily="34" charset="-120"/>
-              </a:rPr>
-              <a:t>Test du système</a:t>
-            </a:r>
-          </a:p>
-          <a:p>
-            <a:pPr marL="285750" indent="-285750" algn="just">
-              <a:buFont typeface="Arial" panose="020B0604020202020204" pitchFamily="34" charset="0"/>
-              <a:buChar char="•"/>
-            </a:pPr>
-            <a:r>
-              <a:rPr lang="fr-FR" dirty="0">
-                <a:solidFill>
-                  <a:schemeClr val="bg1"/>
-                </a:solidFill>
-                <a:latin typeface="Microsoft JhengHei Light" panose="020B0304030504040204" pitchFamily="34" charset="-120"/>
-                <a:ea typeface="Microsoft JhengHei Light" panose="020B0304030504040204" pitchFamily="34" charset="-120"/>
-              </a:rPr>
-              <a:t>Tests de régression</a:t>
-            </a:r>
-          </a:p>
-          <a:p>
-            <a:pPr marL="285750" indent="-285750" algn="just">
-              <a:buFont typeface="Arial" panose="020B0604020202020204" pitchFamily="34" charset="0"/>
-              <a:buChar char="•"/>
-            </a:pPr>
-            <a:r>
-              <a:rPr lang="fr-FR" dirty="0">
-                <a:solidFill>
-                  <a:schemeClr val="bg1"/>
-                </a:solidFill>
-                <a:latin typeface="Microsoft JhengHei Light" panose="020B0304030504040204" pitchFamily="34" charset="-120"/>
-                <a:ea typeface="Microsoft JhengHei Light" panose="020B0304030504040204" pitchFamily="34" charset="-120"/>
-              </a:rPr>
-              <a:t>Tests d’acceptation par les utilisateurs</a:t>
+              <a:t>Les tests fonctionnels sont définis comme étant une approche de test qui a pour but de garantir que chaque fonctionnalité de l’application fonctionne conformément aux exigences du logiciels. Néanmoins, les tests fonctionnels sont évalués en fonction des besoins requis afin de pouvoir vérifier que les résultats attendus sont conformes aux attentes de l’utilisateur final.</a:t>
             </a:r>
           </a:p>
         </p:txBody>
       </p:sp>
+      <p:pic>
+        <p:nvPicPr>
+          <p:cNvPr id="9" name="Image 8">
+            <a:extLst>
+              <a:ext uri="{FF2B5EF4-FFF2-40B4-BE49-F238E27FC236}">
+                <a16:creationId xmlns:a16="http://schemas.microsoft.com/office/drawing/2014/main" id="{35718C13-469A-9538-2128-8477FF72F272}"/>
+              </a:ext>
+            </a:extLst>
+          </p:cNvPr>
+          <p:cNvPicPr>
+            <a:picLocks noChangeAspect="1"/>
+          </p:cNvPicPr>
+          <p:nvPr/>
+        </p:nvPicPr>
+        <p:blipFill>
+          <a:blip r:embed="rId2">
+            <a:extLst>
+              <a:ext uri="{28A0092B-C50C-407E-A947-70E740481C1C}">
+                <a14:useLocalDpi xmlns:a14="http://schemas.microsoft.com/office/drawing/2010/main" val="0"/>
+              </a:ext>
+            </a:extLst>
+          </a:blip>
+          <a:stretch>
+            <a:fillRect/>
+          </a:stretch>
+        </p:blipFill>
+        <p:spPr>
+          <a:xfrm>
+            <a:off x="4316361" y="4285130"/>
+            <a:ext cx="3717028" cy="1864377"/>
+          </a:xfrm>
+          <a:prstGeom prst="rect">
+            <a:avLst/>
+          </a:prstGeom>
+        </p:spPr>
+      </p:pic>
     </p:spTree>
     <p:extLst>
       <p:ext uri="{BB962C8B-B14F-4D97-AF65-F5344CB8AC3E}">
-        <p14:creationId xmlns:p14="http://schemas.microsoft.com/office/powerpoint/2010/main" val="2159354942"/>
+        <p14:creationId xmlns:p14="http://schemas.microsoft.com/office/powerpoint/2010/main" val="1059923326"/>
       </p:ext>
     </p:extLst>
   </p:cSld>
@@ -4452,6 +4422,9 @@
                     <p:cTn id="3" fill="hold">
                       <p:stCondLst>
                         <p:cond delay="indefinite"/>
+                        <p:cond evt="onBegin" delay="0">
+                          <p:tn val="2"/>
+                        </p:cond>
                       </p:stCondLst>
                       <p:childTnLst>
                         <p:par>
@@ -4461,7 +4434,7 @@
                             </p:stCondLst>
                             <p:childTnLst>
                               <p:par>
-                                <p:cTn id="5" presetID="10" presetClass="entr" presetSubtype="0" fill="hold" nodeType="clickEffect">
+                                <p:cTn id="5" presetID="10" presetClass="entr" presetSubtype="0" fill="hold" nodeType="withEffect">
                                   <p:stCondLst>
                                     <p:cond delay="0"/>
                                   </p:stCondLst>
@@ -4720,6 +4693,41 @@
                                         <p:cTn id="26" dur="500"/>
                                         <p:tgtEl>
                                           <p:spTgt spid="7"/>
+                                        </p:tgtEl>
+                                      </p:cBhvr>
+                                    </p:animEffect>
+                                  </p:childTnLst>
+                                </p:cTn>
+                              </p:par>
+                              <p:par>
+                                <p:cTn id="27" presetID="10" presetClass="entr" presetSubtype="0" fill="hold" nodeType="withEffect">
+                                  <p:stCondLst>
+                                    <p:cond delay="0"/>
+                                  </p:stCondLst>
+                                  <p:childTnLst>
+                                    <p:set>
+                                      <p:cBhvr>
+                                        <p:cTn id="28" dur="1" fill="hold">
+                                          <p:stCondLst>
+                                            <p:cond delay="0"/>
+                                          </p:stCondLst>
+                                        </p:cTn>
+                                        <p:tgtEl>
+                                          <p:spTgt spid="9"/>
+                                        </p:tgtEl>
+                                        <p:attrNameLst>
+                                          <p:attrName>style.visibility</p:attrName>
+                                        </p:attrNameLst>
+                                      </p:cBhvr>
+                                      <p:to>
+                                        <p:strVal val="visible"/>
+                                      </p:to>
+                                    </p:set>
+                                    <p:animEffect transition="in" filter="fade">
+                                      <p:cBhvr>
+                                        <p:cTn id="29" dur="500"/>
+                                        <p:tgtEl>
+                                          <p:spTgt spid="9"/>
                                         </p:tgtEl>
                                       </p:cBhvr>
                                     </p:animEffect>
@@ -4794,7 +4802,7 @@
           <p:cNvPr id="3" name="Connecteur droit 2">
             <a:extLst>
               <a:ext uri="{FF2B5EF4-FFF2-40B4-BE49-F238E27FC236}">
-                <a16:creationId xmlns:a16="http://schemas.microsoft.com/office/drawing/2014/main" id="{66F50925-B8F1-C222-C376-00448492500F}"/>
+                <a16:creationId xmlns:a16="http://schemas.microsoft.com/office/drawing/2014/main" id="{1160B9AB-EFB3-FCA9-8606-109E1ADC663D}"/>
               </a:ext>
             </a:extLst>
           </p:cNvPr>
@@ -4803,7 +4811,7 @@
         </p:nvCxnSpPr>
         <p:spPr>
           <a:xfrm>
-            <a:off x="877077" y="0"/>
+            <a:off x="783771" y="0"/>
             <a:ext cx="0" cy="6858000"/>
           </a:xfrm>
           <a:prstGeom prst="line">
@@ -4835,7 +4843,7 @@
           <p:cNvPr id="4" name="Connecteur droit 3">
             <a:extLst>
               <a:ext uri="{FF2B5EF4-FFF2-40B4-BE49-F238E27FC236}">
-                <a16:creationId xmlns:a16="http://schemas.microsoft.com/office/drawing/2014/main" id="{2DE70CF5-448D-180A-912A-03F8B891AAD2}"/>
+                <a16:creationId xmlns:a16="http://schemas.microsoft.com/office/drawing/2014/main" id="{FD6356FD-F0C2-AC51-D07A-238E77EE2B22}"/>
               </a:ext>
             </a:extLst>
           </p:cNvPr>
@@ -4844,7 +4852,7 @@
         </p:nvCxnSpPr>
         <p:spPr>
           <a:xfrm>
-            <a:off x="1094791" y="0"/>
+            <a:off x="1048138" y="0"/>
             <a:ext cx="0" cy="6858000"/>
           </a:xfrm>
           <a:prstGeom prst="line">
@@ -4876,7 +4884,7 @@
           <p:cNvPr id="5" name="ZoneTexte 4">
             <a:extLst>
               <a:ext uri="{FF2B5EF4-FFF2-40B4-BE49-F238E27FC236}">
-                <a16:creationId xmlns:a16="http://schemas.microsoft.com/office/drawing/2014/main" id="{0FFE896F-2159-4705-60AB-385F391E600A}"/>
+                <a16:creationId xmlns:a16="http://schemas.microsoft.com/office/drawing/2014/main" id="{3BD7178A-C387-3EE5-51CF-5C33AE58FE83}"/>
               </a:ext>
             </a:extLst>
           </p:cNvPr>
@@ -4885,8 +4893,8 @@
         </p:nvSpPr>
         <p:spPr>
           <a:xfrm>
-            <a:off x="1399592" y="429208"/>
-            <a:ext cx="6718041" cy="646331"/>
+            <a:off x="1312505" y="382555"/>
+            <a:ext cx="7725743" cy="646331"/>
           </a:xfrm>
           <a:prstGeom prst="rect">
             <a:avLst/>
@@ -4907,7 +4915,7 @@
                 <a:latin typeface="Microsoft JhengHei Light" panose="020B0304030504040204" pitchFamily="34" charset="-120"/>
                 <a:ea typeface="Microsoft JhengHei Light" panose="020B0304030504040204" pitchFamily="34" charset="-120"/>
               </a:rPr>
-              <a:t>2.4) </a:t>
+              <a:t>2.3) </a:t>
             </a:r>
             <a:r>
               <a:rPr lang="fr-FR" sz="3600" b="1" u="sng" dirty="0">
@@ -4917,7 +4925,7 @@
                 <a:latin typeface="Microsoft JhengHei Light" panose="020B0304030504040204" pitchFamily="34" charset="-120"/>
                 <a:ea typeface="Microsoft JhengHei Light" panose="020B0304030504040204" pitchFamily="34" charset="-120"/>
               </a:rPr>
-              <a:t>Les tests unitaires</a:t>
+              <a:t>Exemple de tests fonctionnels</a:t>
             </a:r>
             <a:r>
               <a:rPr lang="fr-FR" sz="3600" b="1" dirty="0">
@@ -4937,7 +4945,7 @@
           <p:cNvPr id="6" name="ZoneTexte 5">
             <a:extLst>
               <a:ext uri="{FF2B5EF4-FFF2-40B4-BE49-F238E27FC236}">
-                <a16:creationId xmlns:a16="http://schemas.microsoft.com/office/drawing/2014/main" id="{B6D6C9C5-C951-3DEF-6AED-A9A9F1EC3F28}"/>
+                <a16:creationId xmlns:a16="http://schemas.microsoft.com/office/drawing/2014/main" id="{5EC84E1F-9F35-7EA6-C1C0-DB1BD826EE91}"/>
               </a:ext>
             </a:extLst>
           </p:cNvPr>
@@ -4946,8 +4954,8 @@
         </p:nvSpPr>
         <p:spPr>
           <a:xfrm>
-            <a:off x="1399592" y="1654724"/>
-            <a:ext cx="3554964" cy="369332"/>
+            <a:off x="1312505" y="1421458"/>
+            <a:ext cx="4851918" cy="369332"/>
           </a:xfrm>
           <a:prstGeom prst="rect">
             <a:avLst/>
@@ -4961,16 +4969,6 @@
           <a:lstStyle/>
           <a:p>
             <a:r>
-              <a:rPr lang="fr-FR" b="1" dirty="0">
-                <a:solidFill>
-                  <a:schemeClr val="bg1"/>
-                </a:solidFill>
-                <a:latin typeface="Microsoft JhengHei Light" panose="020B0304030504040204" pitchFamily="34" charset="-120"/>
-                <a:ea typeface="Microsoft JhengHei Light" panose="020B0304030504040204" pitchFamily="34" charset="-120"/>
-              </a:rPr>
-              <a:t>* </a:t>
-            </a:r>
-            <a:r>
               <a:rPr lang="fr-FR" b="1" u="sng" dirty="0">
                 <a:solidFill>
                   <a:schemeClr val="bg1"/>
@@ -4978,7 +4976,7 @@
                 <a:latin typeface="Microsoft JhengHei Light" panose="020B0304030504040204" pitchFamily="34" charset="-120"/>
                 <a:ea typeface="Microsoft JhengHei Light" panose="020B0304030504040204" pitchFamily="34" charset="-120"/>
               </a:rPr>
-              <a:t>Définition</a:t>
+              <a:t>Voici des exemples de tests fonctionnels</a:t>
             </a:r>
             <a:r>
               <a:rPr lang="fr-FR" b="1" dirty="0">
@@ -4998,7 +4996,7 @@
           <p:cNvPr id="7" name="ZoneTexte 6">
             <a:extLst>
               <a:ext uri="{FF2B5EF4-FFF2-40B4-BE49-F238E27FC236}">
-                <a16:creationId xmlns:a16="http://schemas.microsoft.com/office/drawing/2014/main" id="{16482026-0616-980C-6446-8FDC4D371B6C}"/>
+                <a16:creationId xmlns:a16="http://schemas.microsoft.com/office/drawing/2014/main" id="{565501E7-B71F-AA68-FC22-0C5874BCA662}"/>
               </a:ext>
             </a:extLst>
           </p:cNvPr>
@@ -5007,8 +5005,8 @@
         </p:nvSpPr>
         <p:spPr>
           <a:xfrm>
-            <a:off x="1399592" y="2603241"/>
-            <a:ext cx="10077057" cy="2308324"/>
+            <a:off x="1849014" y="2183362"/>
+            <a:ext cx="6652724" cy="1754326"/>
           </a:xfrm>
           <a:prstGeom prst="rect">
             <a:avLst/>
@@ -5021,7 +5019,10 @@
           </a:bodyPr>
           <a:lstStyle/>
           <a:p>
-            <a:pPr algn="just"/>
+            <a:pPr marL="285750" indent="-285750" algn="just">
+              <a:buFont typeface="Arial" panose="020B0604020202020204" pitchFamily="34" charset="0"/>
+              <a:buChar char="•"/>
+            </a:pPr>
             <a:r>
               <a:rPr lang="fr-FR" dirty="0">
                 <a:solidFill>
@@ -5030,18 +5031,14 @@
                 <a:latin typeface="Microsoft JhengHei Light" panose="020B0304030504040204" pitchFamily="34" charset="-120"/>
                 <a:ea typeface="Microsoft JhengHei Light" panose="020B0304030504040204" pitchFamily="34" charset="-120"/>
               </a:rPr>
-              <a:t>Les tests unitaires sont définis comme étant une </a:t>
-            </a:r>
-            <a:r>
-              <a:rPr lang="fr-FR" dirty="0">
-                <a:highlight>
-                  <a:srgbClr val="FFFF00"/>
-                </a:highlight>
-                <a:latin typeface="Microsoft JhengHei Light" panose="020B0304030504040204" pitchFamily="34" charset="-120"/>
-                <a:ea typeface="Microsoft JhengHei Light" panose="020B0304030504040204" pitchFamily="34" charset="-120"/>
-              </a:rPr>
-              <a:t>méthode de tests de logiciels</a:t>
-            </a:r>
+              <a:t>Tests unitaires</a:t>
+            </a:r>
+          </a:p>
+          <a:p>
+            <a:pPr marL="285750" indent="-285750" algn="just">
+              <a:buFont typeface="Arial" panose="020B0604020202020204" pitchFamily="34" charset="0"/>
+              <a:buChar char="•"/>
+            </a:pPr>
             <a:r>
               <a:rPr lang="fr-FR" dirty="0">
                 <a:solidFill>
@@ -5050,21 +5047,14 @@
                 <a:latin typeface="Microsoft JhengHei Light" panose="020B0304030504040204" pitchFamily="34" charset="-120"/>
                 <a:ea typeface="Microsoft JhengHei Light" panose="020B0304030504040204" pitchFamily="34" charset="-120"/>
               </a:rPr>
-              <a:t> et qui consiste à tester plusieurs éléments ou bien plusieurs unités d’un logiciel. </a:t>
-            </a:r>
-          </a:p>
-          <a:p>
-            <a:pPr algn="just"/>
-            <a:endParaRPr lang="fr-FR" dirty="0">
-              <a:solidFill>
-                <a:schemeClr val="bg1"/>
-              </a:solidFill>
-              <a:latin typeface="Microsoft JhengHei Light" panose="020B0304030504040204" pitchFamily="34" charset="-120"/>
-              <a:ea typeface="Microsoft JhengHei Light" panose="020B0304030504040204" pitchFamily="34" charset="-120"/>
-            </a:endParaRPr>
-          </a:p>
-          <a:p>
-            <a:pPr algn="just"/>
+              <a:t>Tests d’intégration</a:t>
+            </a:r>
+          </a:p>
+          <a:p>
+            <a:pPr marL="285750" indent="-285750" algn="just">
+              <a:buFont typeface="Arial" panose="020B0604020202020204" pitchFamily="34" charset="0"/>
+              <a:buChar char="•"/>
+            </a:pPr>
             <a:r>
               <a:rPr lang="fr-FR" dirty="0">
                 <a:solidFill>
@@ -5073,33 +5063,63 @@
                 <a:latin typeface="Microsoft JhengHei Light" panose="020B0304030504040204" pitchFamily="34" charset="-120"/>
                 <a:ea typeface="Microsoft JhengHei Light" panose="020B0304030504040204" pitchFamily="34" charset="-120"/>
               </a:rPr>
-              <a:t>Le principal objectif du test unitaire est de valider toutes les unités du logiciel et de vérifier que tout fonctionne parfaitement. En parallèle, les tests unitaires sont effectués pendant la phase de programmation du logiciel par les développeurs et ou les responsables QA. </a:t>
-            </a:r>
-          </a:p>
-          <a:p>
-            <a:endParaRPr lang="fr-FR" dirty="0">
-              <a:solidFill>
-                <a:schemeClr val="bg1"/>
-              </a:solidFill>
-              <a:latin typeface="Microsoft JhengHei Light" panose="020B0304030504040204" pitchFamily="34" charset="-120"/>
-              <a:ea typeface="Microsoft JhengHei Light" panose="020B0304030504040204" pitchFamily="34" charset="-120"/>
-            </a:endParaRPr>
-          </a:p>
-          <a:p>
-            <a:endParaRPr lang="fr-FR" dirty="0">
-              <a:solidFill>
-                <a:schemeClr val="bg1"/>
-              </a:solidFill>
-              <a:latin typeface="Microsoft JhengHei Light" panose="020B0304030504040204" pitchFamily="34" charset="-120"/>
-              <a:ea typeface="Microsoft JhengHei Light" panose="020B0304030504040204" pitchFamily="34" charset="-120"/>
-            </a:endParaRPr>
+              <a:t>Test de fumée </a:t>
+            </a:r>
+          </a:p>
+          <a:p>
+            <a:pPr marL="285750" indent="-285750" algn="just">
+              <a:buFont typeface="Arial" panose="020B0604020202020204" pitchFamily="34" charset="0"/>
+              <a:buChar char="•"/>
+            </a:pPr>
+            <a:r>
+              <a:rPr lang="fr-FR" dirty="0">
+                <a:solidFill>
+                  <a:schemeClr val="bg1"/>
+                </a:solidFill>
+                <a:latin typeface="Microsoft JhengHei Light" panose="020B0304030504040204" pitchFamily="34" charset="-120"/>
+                <a:ea typeface="Microsoft JhengHei Light" panose="020B0304030504040204" pitchFamily="34" charset="-120"/>
+              </a:rPr>
+              <a:t>Test du système</a:t>
+            </a:r>
+          </a:p>
+          <a:p>
+            <a:pPr marL="285750" indent="-285750" algn="just">
+              <a:buFont typeface="Arial" panose="020B0604020202020204" pitchFamily="34" charset="0"/>
+              <a:buChar char="•"/>
+            </a:pPr>
+            <a:r>
+              <a:rPr lang="fr-FR" dirty="0">
+                <a:solidFill>
+                  <a:schemeClr val="bg1"/>
+                </a:solidFill>
+                <a:latin typeface="Microsoft JhengHei Light" panose="020B0304030504040204" pitchFamily="34" charset="-120"/>
+                <a:ea typeface="Microsoft JhengHei Light" panose="020B0304030504040204" pitchFamily="34" charset="-120"/>
+              </a:rPr>
+              <a:t>Tests de régression</a:t>
+            </a:r>
+          </a:p>
+          <a:p>
+            <a:pPr marL="285750" indent="-285750" algn="just">
+              <a:buFont typeface="Arial" panose="020B0604020202020204" pitchFamily="34" charset="0"/>
+              <a:buChar char="•"/>
+            </a:pPr>
+            <a:r>
+              <a:rPr lang="fr-FR" dirty="0">
+                <a:solidFill>
+                  <a:schemeClr val="bg1"/>
+                </a:solidFill>
+                <a:latin typeface="Microsoft JhengHei Light" panose="020B0304030504040204" pitchFamily="34" charset="-120"/>
+                <a:ea typeface="Microsoft JhengHei Light" panose="020B0304030504040204" pitchFamily="34" charset="-120"/>
+              </a:rPr>
+              <a:t>Tests d’acceptation par les utilisateurs</a:t>
+            </a:r>
           </a:p>
         </p:txBody>
       </p:sp>
     </p:spTree>
     <p:extLst>
       <p:ext uri="{BB962C8B-B14F-4D97-AF65-F5344CB8AC3E}">
-        <p14:creationId xmlns:p14="http://schemas.microsoft.com/office/powerpoint/2010/main" val="81857388"/>
+        <p14:creationId xmlns:p14="http://schemas.microsoft.com/office/powerpoint/2010/main" val="2159354942"/>
       </p:ext>
     </p:extLst>
   </p:cSld>
@@ -5460,48 +5480,7 @@
           <p:cNvPr id="3" name="Connecteur droit 2">
             <a:extLst>
               <a:ext uri="{FF2B5EF4-FFF2-40B4-BE49-F238E27FC236}">
-                <a16:creationId xmlns:a16="http://schemas.microsoft.com/office/drawing/2014/main" id="{17FE125D-1E18-FBE2-CBD9-6DEAE311F797}"/>
-              </a:ext>
-            </a:extLst>
-          </p:cNvPr>
-          <p:cNvCxnSpPr/>
-          <p:nvPr/>
-        </p:nvCxnSpPr>
-        <p:spPr>
-          <a:xfrm>
-            <a:off x="1106414" y="0"/>
-            <a:ext cx="0" cy="6858000"/>
-          </a:xfrm>
-          <a:prstGeom prst="line">
-            <a:avLst/>
-          </a:prstGeom>
-          <a:ln w="76200">
-            <a:solidFill>
-              <a:srgbClr val="FF0000"/>
-            </a:solidFill>
-          </a:ln>
-        </p:spPr>
-        <p:style>
-          <a:lnRef idx="1">
-            <a:schemeClr val="accent1"/>
-          </a:lnRef>
-          <a:fillRef idx="0">
-            <a:schemeClr val="accent1"/>
-          </a:fillRef>
-          <a:effectRef idx="0">
-            <a:schemeClr val="accent1"/>
-          </a:effectRef>
-          <a:fontRef idx="minor">
-            <a:schemeClr val="tx1"/>
-          </a:fontRef>
-        </p:style>
-      </p:cxnSp>
-      <p:cxnSp>
-        <p:nvCxnSpPr>
-          <p:cNvPr id="4" name="Connecteur droit 3">
-            <a:extLst>
-              <a:ext uri="{FF2B5EF4-FFF2-40B4-BE49-F238E27FC236}">
-                <a16:creationId xmlns:a16="http://schemas.microsoft.com/office/drawing/2014/main" id="{4AE4D4B3-CF55-2BBC-3B9F-27DE209C9976}"/>
+                <a16:creationId xmlns:a16="http://schemas.microsoft.com/office/drawing/2014/main" id="{66F50925-B8F1-C222-C376-00448492500F}"/>
               </a:ext>
             </a:extLst>
           </p:cNvPr>
@@ -5537,12 +5516,53 @@
           </a:fontRef>
         </p:style>
       </p:cxnSp>
+      <p:cxnSp>
+        <p:nvCxnSpPr>
+          <p:cNvPr id="4" name="Connecteur droit 3">
+            <a:extLst>
+              <a:ext uri="{FF2B5EF4-FFF2-40B4-BE49-F238E27FC236}">
+                <a16:creationId xmlns:a16="http://schemas.microsoft.com/office/drawing/2014/main" id="{2DE70CF5-448D-180A-912A-03F8B891AAD2}"/>
+              </a:ext>
+            </a:extLst>
+          </p:cNvPr>
+          <p:cNvCxnSpPr/>
+          <p:nvPr/>
+        </p:nvCxnSpPr>
+        <p:spPr>
+          <a:xfrm>
+            <a:off x="1094791" y="0"/>
+            <a:ext cx="0" cy="6858000"/>
+          </a:xfrm>
+          <a:prstGeom prst="line">
+            <a:avLst/>
+          </a:prstGeom>
+          <a:ln w="76200">
+            <a:solidFill>
+              <a:srgbClr val="FF0000"/>
+            </a:solidFill>
+          </a:ln>
+        </p:spPr>
+        <p:style>
+          <a:lnRef idx="1">
+            <a:schemeClr val="accent1"/>
+          </a:lnRef>
+          <a:fillRef idx="0">
+            <a:schemeClr val="accent1"/>
+          </a:fillRef>
+          <a:effectRef idx="0">
+            <a:schemeClr val="accent1"/>
+          </a:effectRef>
+          <a:fontRef idx="minor">
+            <a:schemeClr val="tx1"/>
+          </a:fontRef>
+        </p:style>
+      </p:cxnSp>
       <p:sp>
         <p:nvSpPr>
           <p:cNvPr id="5" name="ZoneTexte 4">
             <a:extLst>
               <a:ext uri="{FF2B5EF4-FFF2-40B4-BE49-F238E27FC236}">
-                <a16:creationId xmlns:a16="http://schemas.microsoft.com/office/drawing/2014/main" id="{4E7656EE-AF2A-14D1-1957-14FE63A328EF}"/>
+                <a16:creationId xmlns:a16="http://schemas.microsoft.com/office/drawing/2014/main" id="{0FFE896F-2159-4705-60AB-385F391E600A}"/>
               </a:ext>
             </a:extLst>
           </p:cNvPr>
@@ -5551,8 +5571,8 @@
         </p:nvSpPr>
         <p:spPr>
           <a:xfrm>
-            <a:off x="1419726" y="354564"/>
-            <a:ext cx="6550089" cy="646331"/>
+            <a:off x="1399592" y="429208"/>
+            <a:ext cx="6718041" cy="646331"/>
           </a:xfrm>
           <a:prstGeom prst="rect">
             <a:avLst/>
@@ -5573,7 +5593,7 @@
                 <a:latin typeface="Microsoft JhengHei Light" panose="020B0304030504040204" pitchFamily="34" charset="-120"/>
                 <a:ea typeface="Microsoft JhengHei Light" panose="020B0304030504040204" pitchFamily="34" charset="-120"/>
               </a:rPr>
-              <a:t>2.5) </a:t>
+              <a:t>2.4) </a:t>
             </a:r>
             <a:r>
               <a:rPr lang="fr-FR" sz="3600" b="1" u="sng" dirty="0">
@@ -5583,7 +5603,7 @@
                 <a:latin typeface="Microsoft JhengHei Light" panose="020B0304030504040204" pitchFamily="34" charset="-120"/>
                 <a:ea typeface="Microsoft JhengHei Light" panose="020B0304030504040204" pitchFamily="34" charset="-120"/>
               </a:rPr>
-              <a:t>Les tests d’intégration</a:t>
+              <a:t>Les tests unitaires</a:t>
             </a:r>
             <a:r>
               <a:rPr lang="fr-FR" sz="3600" b="1" dirty="0">
@@ -5603,7 +5623,7 @@
           <p:cNvPr id="6" name="ZoneTexte 5">
             <a:extLst>
               <a:ext uri="{FF2B5EF4-FFF2-40B4-BE49-F238E27FC236}">
-                <a16:creationId xmlns:a16="http://schemas.microsoft.com/office/drawing/2014/main" id="{03E16490-4C89-64B9-CB31-C89EB16E0DD1}"/>
+                <a16:creationId xmlns:a16="http://schemas.microsoft.com/office/drawing/2014/main" id="{B6D6C9C5-C951-3DEF-6AED-A9A9F1EC3F28}"/>
               </a:ext>
             </a:extLst>
           </p:cNvPr>
@@ -5612,8 +5632,8 @@
         </p:nvSpPr>
         <p:spPr>
           <a:xfrm>
-            <a:off x="1419726" y="1530219"/>
-            <a:ext cx="2873829" cy="369332"/>
+            <a:off x="1399592" y="1654724"/>
+            <a:ext cx="3554964" cy="369332"/>
           </a:xfrm>
           <a:prstGeom prst="rect">
             <a:avLst/>
@@ -5664,7 +5684,7 @@
           <p:cNvPr id="7" name="ZoneTexte 6">
             <a:extLst>
               <a:ext uri="{FF2B5EF4-FFF2-40B4-BE49-F238E27FC236}">
-                <a16:creationId xmlns:a16="http://schemas.microsoft.com/office/drawing/2014/main" id="{8FAA0643-0969-4522-8F0D-A43C867EB355}"/>
+                <a16:creationId xmlns:a16="http://schemas.microsoft.com/office/drawing/2014/main" id="{16482026-0616-980C-6446-8FDC4D371B6C}"/>
               </a:ext>
             </a:extLst>
           </p:cNvPr>
@@ -5673,8 +5693,8 @@
         </p:nvSpPr>
         <p:spPr>
           <a:xfrm>
-            <a:off x="1419726" y="2428875"/>
-            <a:ext cx="10467471" cy="2862322"/>
+            <a:off x="1399592" y="2603241"/>
+            <a:ext cx="10077057" cy="2308324"/>
           </a:xfrm>
           <a:prstGeom prst="rect">
             <a:avLst/>
@@ -5696,7 +5716,7 @@
                 <a:latin typeface="Microsoft JhengHei Light" panose="020B0304030504040204" pitchFamily="34" charset="-120"/>
                 <a:ea typeface="Microsoft JhengHei Light" panose="020B0304030504040204" pitchFamily="34" charset="-120"/>
               </a:rPr>
-              <a:t>Les tests d’intégration sont définis comme étant une </a:t>
+              <a:t>Les tests unitaires sont définis comme étant une </a:t>
             </a:r>
             <a:r>
               <a:rPr lang="fr-FR" dirty="0">
@@ -5706,7 +5726,7 @@
                 <a:latin typeface="Microsoft JhengHei Light" panose="020B0304030504040204" pitchFamily="34" charset="-120"/>
                 <a:ea typeface="Microsoft JhengHei Light" panose="020B0304030504040204" pitchFamily="34" charset="-120"/>
               </a:rPr>
-              <a:t>phase de tests</a:t>
+              <a:t>méthode de tests de logiciels</a:t>
             </a:r>
             <a:r>
               <a:rPr lang="fr-FR" dirty="0">
@@ -5716,7 +5736,7 @@
                 <a:latin typeface="Microsoft JhengHei Light" panose="020B0304030504040204" pitchFamily="34" charset="-120"/>
                 <a:ea typeface="Microsoft JhengHei Light" panose="020B0304030504040204" pitchFamily="34" charset="-120"/>
               </a:rPr>
-              <a:t>, qui est précédée par les tests unitaires et suivi par les tests de validation.</a:t>
+              <a:t> et qui consiste à tester plusieurs éléments ou bien plusieurs unités d’un logiciel. </a:t>
             </a:r>
           </a:p>
           <a:p>
@@ -5739,11 +5759,10 @@
                 <a:latin typeface="Microsoft JhengHei Light" panose="020B0304030504040204" pitchFamily="34" charset="-120"/>
                 <a:ea typeface="Microsoft JhengHei Light" panose="020B0304030504040204" pitchFamily="34" charset="-120"/>
               </a:rPr>
-              <a:t>L’objectif principal des tests d’intégration est de détecter les erreurs que les tests unitaires n’ont pas pu détecter. Ils ne détectent pas uniquement les erreurs non détectés par les tests unitaires, ils vérifient également l’aspect fonctionnel du logiciel ou application, sa fiabilité et ses performances.</a:t>
-            </a:r>
-          </a:p>
-          <a:p>
-            <a:pPr algn="just"/>
+              <a:t>Le principal objectif du test unitaire est de valider toutes les unités du logiciel et de vérifier que tout fonctionne parfaitement. En parallèle, les tests unitaires sont effectués pendant la phase de programmation du logiciel par les développeurs et ou les responsables QA. </a:t>
+            </a:r>
+          </a:p>
+          <a:p>
             <a:endParaRPr lang="fr-FR" dirty="0">
               <a:solidFill>
                 <a:schemeClr val="bg1"/>
@@ -5753,24 +5772,20 @@
             </a:endParaRPr>
           </a:p>
           <a:p>
-            <a:pPr algn="just"/>
-            <a:r>
-              <a:rPr lang="fr-FR" dirty="0">
-                <a:solidFill>
-                  <a:schemeClr val="bg1"/>
-                </a:solidFill>
-                <a:latin typeface="Microsoft JhengHei Light" panose="020B0304030504040204" pitchFamily="34" charset="-120"/>
-                <a:ea typeface="Microsoft JhengHei Light" panose="020B0304030504040204" pitchFamily="34" charset="-120"/>
-              </a:rPr>
-              <a:t>L’intégration en général fait appel à un système de gestion de versions et également à des programmes d’installation car cela va permettre d’établir une nouvelle version fondée sur une version de la maintenance ou sur une version de développement.</a:t>
-            </a:r>
+            <a:endParaRPr lang="fr-FR" dirty="0">
+              <a:solidFill>
+                <a:schemeClr val="bg1"/>
+              </a:solidFill>
+              <a:latin typeface="Microsoft JhengHei Light" panose="020B0304030504040204" pitchFamily="34" charset="-120"/>
+              <a:ea typeface="Microsoft JhengHei Light" panose="020B0304030504040204" pitchFamily="34" charset="-120"/>
+            </a:endParaRPr>
           </a:p>
         </p:txBody>
       </p:sp>
     </p:spTree>
     <p:extLst>
       <p:ext uri="{BB962C8B-B14F-4D97-AF65-F5344CB8AC3E}">
-        <p14:creationId xmlns:p14="http://schemas.microsoft.com/office/powerpoint/2010/main" val="125725110"/>
+        <p14:creationId xmlns:p14="http://schemas.microsoft.com/office/powerpoint/2010/main" val="81857388"/>
       </p:ext>
     </p:extLst>
   </p:cSld>
@@ -5789,9 +5804,6 @@
                     <p:cTn id="3" fill="hold">
                       <p:stCondLst>
                         <p:cond delay="indefinite"/>
-                        <p:cond evt="onBegin" delay="0">
-                          <p:tn val="2"/>
-                        </p:cond>
                       </p:stCondLst>
                       <p:childTnLst>
                         <p:par>
@@ -5801,7 +5813,7 @@
                             </p:stCondLst>
                             <p:childTnLst>
                               <p:par>
-                                <p:cTn id="5" presetID="10" presetClass="entr" presetSubtype="0" fill="hold" nodeType="withEffect">
+                                <p:cTn id="5" presetID="10" presetClass="entr" presetSubtype="0" fill="hold" nodeType="clickEffect">
                                   <p:stCondLst>
                                     <p:cond delay="0"/>
                                   </p:stCondLst>
@@ -5814,7 +5826,7 @@
                                           </p:stCondLst>
                                         </p:cTn>
                                         <p:tgtEl>
-                                          <p:spTgt spid="4"/>
+                                          <p:spTgt spid="3"/>
                                         </p:tgtEl>
                                         <p:attrNameLst>
                                           <p:attrName>style.visibility</p:attrName>
@@ -5828,7 +5840,7 @@
                                       <p:cBhvr>
                                         <p:cTn id="7" dur="300"/>
                                         <p:tgtEl>
-                                          <p:spTgt spid="4"/>
+                                          <p:spTgt spid="3"/>
                                         </p:tgtEl>
                                       </p:cBhvr>
                                     </p:animEffect>
@@ -5858,7 +5870,7 @@
                                           </p:stCondLst>
                                         </p:cTn>
                                         <p:tgtEl>
-                                          <p:spTgt spid="3"/>
+                                          <p:spTgt spid="4"/>
                                         </p:tgtEl>
                                         <p:attrNameLst>
                                           <p:attrName>style.visibility</p:attrName>
@@ -5872,7 +5884,7 @@
                                       <p:cBhvr>
                                         <p:cTn id="11" dur="300"/>
                                         <p:tgtEl>
-                                          <p:spTgt spid="3"/>
+                                          <p:spTgt spid="4"/>
                                         </p:tgtEl>
                                       </p:cBhvr>
                                     </p:animEffect>
@@ -6134,6 +6146,680 @@
           <p:cNvPr id="3" name="Connecteur droit 2">
             <a:extLst>
               <a:ext uri="{FF2B5EF4-FFF2-40B4-BE49-F238E27FC236}">
+                <a16:creationId xmlns:a16="http://schemas.microsoft.com/office/drawing/2014/main" id="{17FE125D-1E18-FBE2-CBD9-6DEAE311F797}"/>
+              </a:ext>
+            </a:extLst>
+          </p:cNvPr>
+          <p:cNvCxnSpPr/>
+          <p:nvPr/>
+        </p:nvCxnSpPr>
+        <p:spPr>
+          <a:xfrm>
+            <a:off x="1106414" y="0"/>
+            <a:ext cx="0" cy="6858000"/>
+          </a:xfrm>
+          <a:prstGeom prst="line">
+            <a:avLst/>
+          </a:prstGeom>
+          <a:ln w="76200">
+            <a:solidFill>
+              <a:srgbClr val="FF0000"/>
+            </a:solidFill>
+          </a:ln>
+        </p:spPr>
+        <p:style>
+          <a:lnRef idx="1">
+            <a:schemeClr val="accent1"/>
+          </a:lnRef>
+          <a:fillRef idx="0">
+            <a:schemeClr val="accent1"/>
+          </a:fillRef>
+          <a:effectRef idx="0">
+            <a:schemeClr val="accent1"/>
+          </a:effectRef>
+          <a:fontRef idx="minor">
+            <a:schemeClr val="tx1"/>
+          </a:fontRef>
+        </p:style>
+      </p:cxnSp>
+      <p:cxnSp>
+        <p:nvCxnSpPr>
+          <p:cNvPr id="4" name="Connecteur droit 3">
+            <a:extLst>
+              <a:ext uri="{FF2B5EF4-FFF2-40B4-BE49-F238E27FC236}">
+                <a16:creationId xmlns:a16="http://schemas.microsoft.com/office/drawing/2014/main" id="{4AE4D4B3-CF55-2BBC-3B9F-27DE209C9976}"/>
+              </a:ext>
+            </a:extLst>
+          </p:cNvPr>
+          <p:cNvCxnSpPr/>
+          <p:nvPr/>
+        </p:nvCxnSpPr>
+        <p:spPr>
+          <a:xfrm>
+            <a:off x="877077" y="0"/>
+            <a:ext cx="0" cy="6858000"/>
+          </a:xfrm>
+          <a:prstGeom prst="line">
+            <a:avLst/>
+          </a:prstGeom>
+          <a:ln w="76200">
+            <a:solidFill>
+              <a:srgbClr val="FF0000"/>
+            </a:solidFill>
+          </a:ln>
+        </p:spPr>
+        <p:style>
+          <a:lnRef idx="1">
+            <a:schemeClr val="accent1"/>
+          </a:lnRef>
+          <a:fillRef idx="0">
+            <a:schemeClr val="accent1"/>
+          </a:fillRef>
+          <a:effectRef idx="0">
+            <a:schemeClr val="accent1"/>
+          </a:effectRef>
+          <a:fontRef idx="minor">
+            <a:schemeClr val="tx1"/>
+          </a:fontRef>
+        </p:style>
+      </p:cxnSp>
+      <p:sp>
+        <p:nvSpPr>
+          <p:cNvPr id="5" name="ZoneTexte 4">
+            <a:extLst>
+              <a:ext uri="{FF2B5EF4-FFF2-40B4-BE49-F238E27FC236}">
+                <a16:creationId xmlns:a16="http://schemas.microsoft.com/office/drawing/2014/main" id="{4E7656EE-AF2A-14D1-1957-14FE63A328EF}"/>
+              </a:ext>
+            </a:extLst>
+          </p:cNvPr>
+          <p:cNvSpPr txBox="1"/>
+          <p:nvPr/>
+        </p:nvSpPr>
+        <p:spPr>
+          <a:xfrm>
+            <a:off x="1419726" y="354564"/>
+            <a:ext cx="6550089" cy="646331"/>
+          </a:xfrm>
+          <a:prstGeom prst="rect">
+            <a:avLst/>
+          </a:prstGeom>
+          <a:noFill/>
+        </p:spPr>
+        <p:txBody>
+          <a:bodyPr wrap="square" rtlCol="0">
+            <a:spAutoFit/>
+          </a:bodyPr>
+          <a:lstStyle/>
+          <a:p>
+            <a:r>
+              <a:rPr lang="fr-FR" sz="3600" b="1" dirty="0">
+                <a:solidFill>
+                  <a:schemeClr val="bg1"/>
+                </a:solidFill>
+                <a:latin typeface="Microsoft JhengHei Light" panose="020B0304030504040204" pitchFamily="34" charset="-120"/>
+                <a:ea typeface="Microsoft JhengHei Light" panose="020B0304030504040204" pitchFamily="34" charset="-120"/>
+              </a:rPr>
+              <a:t>2.5) </a:t>
+            </a:r>
+            <a:r>
+              <a:rPr lang="fr-FR" sz="3600" b="1" u="sng" dirty="0">
+                <a:solidFill>
+                  <a:schemeClr val="bg1"/>
+                </a:solidFill>
+                <a:latin typeface="Microsoft JhengHei Light" panose="020B0304030504040204" pitchFamily="34" charset="-120"/>
+                <a:ea typeface="Microsoft JhengHei Light" panose="020B0304030504040204" pitchFamily="34" charset="-120"/>
+              </a:rPr>
+              <a:t>Les tests d’intégration</a:t>
+            </a:r>
+            <a:r>
+              <a:rPr lang="fr-FR" sz="3600" b="1" dirty="0">
+                <a:solidFill>
+                  <a:schemeClr val="bg1"/>
+                </a:solidFill>
+                <a:latin typeface="Microsoft JhengHei Light" panose="020B0304030504040204" pitchFamily="34" charset="-120"/>
+                <a:ea typeface="Microsoft JhengHei Light" panose="020B0304030504040204" pitchFamily="34" charset="-120"/>
+              </a:rPr>
+              <a:t> :</a:t>
+            </a:r>
+          </a:p>
+        </p:txBody>
+      </p:sp>
+      <p:sp>
+        <p:nvSpPr>
+          <p:cNvPr id="6" name="ZoneTexte 5">
+            <a:extLst>
+              <a:ext uri="{FF2B5EF4-FFF2-40B4-BE49-F238E27FC236}">
+                <a16:creationId xmlns:a16="http://schemas.microsoft.com/office/drawing/2014/main" id="{03E16490-4C89-64B9-CB31-C89EB16E0DD1}"/>
+              </a:ext>
+            </a:extLst>
+          </p:cNvPr>
+          <p:cNvSpPr txBox="1"/>
+          <p:nvPr/>
+        </p:nvSpPr>
+        <p:spPr>
+          <a:xfrm>
+            <a:off x="1419726" y="1530219"/>
+            <a:ext cx="2873829" cy="369332"/>
+          </a:xfrm>
+          <a:prstGeom prst="rect">
+            <a:avLst/>
+          </a:prstGeom>
+          <a:noFill/>
+        </p:spPr>
+        <p:txBody>
+          <a:bodyPr wrap="square" rtlCol="0">
+            <a:spAutoFit/>
+          </a:bodyPr>
+          <a:lstStyle/>
+          <a:p>
+            <a:r>
+              <a:rPr lang="fr-FR" b="1" dirty="0">
+                <a:solidFill>
+                  <a:schemeClr val="bg1"/>
+                </a:solidFill>
+                <a:latin typeface="Microsoft JhengHei Light" panose="020B0304030504040204" pitchFamily="34" charset="-120"/>
+                <a:ea typeface="Microsoft JhengHei Light" panose="020B0304030504040204" pitchFamily="34" charset="-120"/>
+              </a:rPr>
+              <a:t>* </a:t>
+            </a:r>
+            <a:r>
+              <a:rPr lang="fr-FR" b="1" u="sng" dirty="0">
+                <a:solidFill>
+                  <a:schemeClr val="bg1"/>
+                </a:solidFill>
+                <a:latin typeface="Microsoft JhengHei Light" panose="020B0304030504040204" pitchFamily="34" charset="-120"/>
+                <a:ea typeface="Microsoft JhengHei Light" panose="020B0304030504040204" pitchFamily="34" charset="-120"/>
+              </a:rPr>
+              <a:t>Définition</a:t>
+            </a:r>
+            <a:r>
+              <a:rPr lang="fr-FR" b="1" dirty="0">
+                <a:solidFill>
+                  <a:schemeClr val="bg1"/>
+                </a:solidFill>
+                <a:latin typeface="Microsoft JhengHei Light" panose="020B0304030504040204" pitchFamily="34" charset="-120"/>
+                <a:ea typeface="Microsoft JhengHei Light" panose="020B0304030504040204" pitchFamily="34" charset="-120"/>
+              </a:rPr>
+              <a:t> :</a:t>
+            </a:r>
+          </a:p>
+        </p:txBody>
+      </p:sp>
+      <p:sp>
+        <p:nvSpPr>
+          <p:cNvPr id="7" name="ZoneTexte 6">
+            <a:extLst>
+              <a:ext uri="{FF2B5EF4-FFF2-40B4-BE49-F238E27FC236}">
+                <a16:creationId xmlns:a16="http://schemas.microsoft.com/office/drawing/2014/main" id="{8FAA0643-0969-4522-8F0D-A43C867EB355}"/>
+              </a:ext>
+            </a:extLst>
+          </p:cNvPr>
+          <p:cNvSpPr txBox="1"/>
+          <p:nvPr/>
+        </p:nvSpPr>
+        <p:spPr>
+          <a:xfrm>
+            <a:off x="1419726" y="2428875"/>
+            <a:ext cx="10467471" cy="2862322"/>
+          </a:xfrm>
+          <a:prstGeom prst="rect">
+            <a:avLst/>
+          </a:prstGeom>
+          <a:noFill/>
+        </p:spPr>
+        <p:txBody>
+          <a:bodyPr wrap="square" rtlCol="0">
+            <a:spAutoFit/>
+          </a:bodyPr>
+          <a:lstStyle/>
+          <a:p>
+            <a:pPr algn="just"/>
+            <a:r>
+              <a:rPr lang="fr-FR" dirty="0">
+                <a:solidFill>
+                  <a:schemeClr val="bg1"/>
+                </a:solidFill>
+                <a:latin typeface="Microsoft JhengHei Light" panose="020B0304030504040204" pitchFamily="34" charset="-120"/>
+                <a:ea typeface="Microsoft JhengHei Light" panose="020B0304030504040204" pitchFamily="34" charset="-120"/>
+              </a:rPr>
+              <a:t>Les tests d’intégration sont définis comme étant une </a:t>
+            </a:r>
+            <a:r>
+              <a:rPr lang="fr-FR" dirty="0">
+                <a:highlight>
+                  <a:srgbClr val="FFFF00"/>
+                </a:highlight>
+                <a:latin typeface="Microsoft JhengHei Light" panose="020B0304030504040204" pitchFamily="34" charset="-120"/>
+                <a:ea typeface="Microsoft JhengHei Light" panose="020B0304030504040204" pitchFamily="34" charset="-120"/>
+              </a:rPr>
+              <a:t>phase de tests</a:t>
+            </a:r>
+            <a:r>
+              <a:rPr lang="fr-FR" dirty="0">
+                <a:solidFill>
+                  <a:schemeClr val="bg1"/>
+                </a:solidFill>
+                <a:latin typeface="Microsoft JhengHei Light" panose="020B0304030504040204" pitchFamily="34" charset="-120"/>
+                <a:ea typeface="Microsoft JhengHei Light" panose="020B0304030504040204" pitchFamily="34" charset="-120"/>
+              </a:rPr>
+              <a:t>, qui est précédée par les tests unitaires et suivi par les tests de validation.</a:t>
+            </a:r>
+          </a:p>
+          <a:p>
+            <a:pPr algn="just"/>
+            <a:endParaRPr lang="fr-FR" dirty="0">
+              <a:solidFill>
+                <a:schemeClr val="bg1"/>
+              </a:solidFill>
+              <a:latin typeface="Microsoft JhengHei Light" panose="020B0304030504040204" pitchFamily="34" charset="-120"/>
+              <a:ea typeface="Microsoft JhengHei Light" panose="020B0304030504040204" pitchFamily="34" charset="-120"/>
+            </a:endParaRPr>
+          </a:p>
+          <a:p>
+            <a:pPr algn="just"/>
+            <a:r>
+              <a:rPr lang="fr-FR" dirty="0">
+                <a:solidFill>
+                  <a:schemeClr val="bg1"/>
+                </a:solidFill>
+                <a:latin typeface="Microsoft JhengHei Light" panose="020B0304030504040204" pitchFamily="34" charset="-120"/>
+                <a:ea typeface="Microsoft JhengHei Light" panose="020B0304030504040204" pitchFamily="34" charset="-120"/>
+              </a:rPr>
+              <a:t>L’objectif principal des tests d’intégration est de détecter les erreurs que les tests unitaires n’ont pas pu détecter. Ils ne détectent pas uniquement les erreurs non détectés par les tests unitaires, ils vérifient également l’aspect fonctionnel du logiciel ou application, sa fiabilité et ses performances.</a:t>
+            </a:r>
+          </a:p>
+          <a:p>
+            <a:pPr algn="just"/>
+            <a:endParaRPr lang="fr-FR" dirty="0">
+              <a:solidFill>
+                <a:schemeClr val="bg1"/>
+              </a:solidFill>
+              <a:latin typeface="Microsoft JhengHei Light" panose="020B0304030504040204" pitchFamily="34" charset="-120"/>
+              <a:ea typeface="Microsoft JhengHei Light" panose="020B0304030504040204" pitchFamily="34" charset="-120"/>
+            </a:endParaRPr>
+          </a:p>
+          <a:p>
+            <a:pPr algn="just"/>
+            <a:r>
+              <a:rPr lang="fr-FR" dirty="0">
+                <a:solidFill>
+                  <a:schemeClr val="bg1"/>
+                </a:solidFill>
+                <a:latin typeface="Microsoft JhengHei Light" panose="020B0304030504040204" pitchFamily="34" charset="-120"/>
+                <a:ea typeface="Microsoft JhengHei Light" panose="020B0304030504040204" pitchFamily="34" charset="-120"/>
+              </a:rPr>
+              <a:t>L’intégration en général fait appel à un système de gestion de versions et également à des programmes d’installation car cela va permettre d’établir une nouvelle version fondée sur une version de la maintenance ou sur une version de développement.</a:t>
+            </a:r>
+          </a:p>
+        </p:txBody>
+      </p:sp>
+    </p:spTree>
+    <p:extLst>
+      <p:ext uri="{BB962C8B-B14F-4D97-AF65-F5344CB8AC3E}">
+        <p14:creationId xmlns:p14="http://schemas.microsoft.com/office/powerpoint/2010/main" val="125725110"/>
+      </p:ext>
+    </p:extLst>
+  </p:cSld>
+  <p:clrMapOvr>
+    <a:masterClrMapping/>
+  </p:clrMapOvr>
+  <p:timing>
+    <p:tnLst>
+      <p:par>
+        <p:cTn id="1" dur="indefinite" restart="never" nodeType="tmRoot">
+          <p:childTnLst>
+            <p:seq concurrent="1" nextAc="seek">
+              <p:cTn id="2" dur="indefinite" nodeType="mainSeq">
+                <p:childTnLst>
+                  <p:par>
+                    <p:cTn id="3" fill="hold">
+                      <p:stCondLst>
+                        <p:cond delay="indefinite"/>
+                        <p:cond evt="onBegin" delay="0">
+                          <p:tn val="2"/>
+                        </p:cond>
+                      </p:stCondLst>
+                      <p:childTnLst>
+                        <p:par>
+                          <p:cTn id="4" fill="hold">
+                            <p:stCondLst>
+                              <p:cond delay="0"/>
+                            </p:stCondLst>
+                            <p:childTnLst>
+                              <p:par>
+                                <p:cTn id="5" presetID="10" presetClass="entr" presetSubtype="0" fill="hold" nodeType="withEffect">
+                                  <p:stCondLst>
+                                    <p:cond delay="0"/>
+                                  </p:stCondLst>
+                                  <p:childTnLst>
+                                    <p:set>
+                                      <p:cBhvr>
+                                        <p:cTn id="6" dur="1" fill="hold">
+                                          <p:stCondLst>
+                                            <p:cond delay="0"/>
+                                          </p:stCondLst>
+                                        </p:cTn>
+                                        <p:tgtEl>
+                                          <p:spTgt spid="4"/>
+                                        </p:tgtEl>
+                                        <p:attrNameLst>
+                                          <p:attrName>style.visibility</p:attrName>
+                                        </p:attrNameLst>
+                                      </p:cBhvr>
+                                      <p:to>
+                                        <p:strVal val="visible"/>
+                                      </p:to>
+                                    </p:set>
+                                    <p:animEffect transition="in" filter="fade">
+                                      <p:cBhvr>
+                                        <p:cTn id="7" dur="300"/>
+                                        <p:tgtEl>
+                                          <p:spTgt spid="4"/>
+                                        </p:tgtEl>
+                                      </p:cBhvr>
+                                    </p:animEffect>
+                                  </p:childTnLst>
+                                </p:cTn>
+                              </p:par>
+                            </p:childTnLst>
+                          </p:cTn>
+                        </p:par>
+                        <p:par>
+                          <p:cTn id="8" fill="hold">
+                            <p:stCondLst>
+                              <p:cond delay="300"/>
+                            </p:stCondLst>
+                            <p:childTnLst>
+                              <p:par>
+                                <p:cTn id="9" presetID="10" presetClass="entr" presetSubtype="0" fill="hold" nodeType="afterEffect">
+                                  <p:stCondLst>
+                                    <p:cond delay="0"/>
+                                  </p:stCondLst>
+                                  <p:childTnLst>
+                                    <p:set>
+                                      <p:cBhvr>
+                                        <p:cTn id="10" dur="1" fill="hold">
+                                          <p:stCondLst>
+                                            <p:cond delay="0"/>
+                                          </p:stCondLst>
+                                        </p:cTn>
+                                        <p:tgtEl>
+                                          <p:spTgt spid="3"/>
+                                        </p:tgtEl>
+                                        <p:attrNameLst>
+                                          <p:attrName>style.visibility</p:attrName>
+                                        </p:attrNameLst>
+                                      </p:cBhvr>
+                                      <p:to>
+                                        <p:strVal val="visible"/>
+                                      </p:to>
+                                    </p:set>
+                                    <p:animEffect transition="in" filter="fade">
+                                      <p:cBhvr>
+                                        <p:cTn id="11" dur="300"/>
+                                        <p:tgtEl>
+                                          <p:spTgt spid="3"/>
+                                        </p:tgtEl>
+                                      </p:cBhvr>
+                                    </p:animEffect>
+                                  </p:childTnLst>
+                                </p:cTn>
+                              </p:par>
+                            </p:childTnLst>
+                          </p:cTn>
+                        </p:par>
+                      </p:childTnLst>
+                    </p:cTn>
+                  </p:par>
+                  <p:par>
+                    <p:cTn id="12" fill="hold">
+                      <p:stCondLst>
+                        <p:cond delay="indefinite"/>
+                      </p:stCondLst>
+                      <p:childTnLst>
+                        <p:par>
+                          <p:cTn id="13" fill="hold">
+                            <p:stCondLst>
+                              <p:cond delay="0"/>
+                            </p:stCondLst>
+                            <p:childTnLst>
+                              <p:par>
+                                <p:cTn id="14" presetID="42" presetClass="entr" presetSubtype="0" fill="hold" grpId="0" nodeType="clickEffect">
+                                  <p:stCondLst>
+                                    <p:cond delay="0"/>
+                                  </p:stCondLst>
+                                  <p:childTnLst>
+                                    <p:set>
+                                      <p:cBhvr>
+                                        <p:cTn id="15" dur="1" fill="hold">
+                                          <p:stCondLst>
+                                            <p:cond delay="0"/>
+                                          </p:stCondLst>
+                                        </p:cTn>
+                                        <p:tgtEl>
+                                          <p:spTgt spid="5"/>
+                                        </p:tgtEl>
+                                        <p:attrNameLst>
+                                          <p:attrName>style.visibility</p:attrName>
+                                        </p:attrNameLst>
+                                      </p:cBhvr>
+                                      <p:to>
+                                        <p:strVal val="visible"/>
+                                      </p:to>
+                                    </p:set>
+                                    <p:animEffect transition="in" filter="fade">
+                                      <p:cBhvr>
+                                        <p:cTn id="16" dur="1000"/>
+                                        <p:tgtEl>
+                                          <p:spTgt spid="5"/>
+                                        </p:tgtEl>
+                                      </p:cBhvr>
+                                    </p:animEffect>
+                                    <p:anim calcmode="lin" valueType="num">
+                                      <p:cBhvr>
+                                        <p:cTn id="17" dur="1000" fill="hold"/>
+                                        <p:tgtEl>
+                                          <p:spTgt spid="5"/>
+                                        </p:tgtEl>
+                                        <p:attrNameLst>
+                                          <p:attrName>ppt_x</p:attrName>
+                                        </p:attrNameLst>
+                                      </p:cBhvr>
+                                      <p:tavLst>
+                                        <p:tav tm="0">
+                                          <p:val>
+                                            <p:strVal val="#ppt_x"/>
+                                          </p:val>
+                                        </p:tav>
+                                        <p:tav tm="100000">
+                                          <p:val>
+                                            <p:strVal val="#ppt_x"/>
+                                          </p:val>
+                                        </p:tav>
+                                      </p:tavLst>
+                                    </p:anim>
+                                    <p:anim calcmode="lin" valueType="num">
+                                      <p:cBhvr>
+                                        <p:cTn id="18" dur="1000" fill="hold"/>
+                                        <p:tgtEl>
+                                          <p:spTgt spid="5"/>
+                                        </p:tgtEl>
+                                        <p:attrNameLst>
+                                          <p:attrName>ppt_y</p:attrName>
+                                        </p:attrNameLst>
+                                      </p:cBhvr>
+                                      <p:tavLst>
+                                        <p:tav tm="0">
+                                          <p:val>
+                                            <p:strVal val="#ppt_y+.1"/>
+                                          </p:val>
+                                        </p:tav>
+                                        <p:tav tm="100000">
+                                          <p:val>
+                                            <p:strVal val="#ppt_y"/>
+                                          </p:val>
+                                        </p:tav>
+                                      </p:tavLst>
+                                    </p:anim>
+                                  </p:childTnLst>
+                                </p:cTn>
+                              </p:par>
+                            </p:childTnLst>
+                          </p:cTn>
+                        </p:par>
+                      </p:childTnLst>
+                    </p:cTn>
+                  </p:par>
+                  <p:par>
+                    <p:cTn id="19" fill="hold">
+                      <p:stCondLst>
+                        <p:cond delay="indefinite"/>
+                      </p:stCondLst>
+                      <p:childTnLst>
+                        <p:par>
+                          <p:cTn id="20" fill="hold">
+                            <p:stCondLst>
+                              <p:cond delay="0"/>
+                            </p:stCondLst>
+                            <p:childTnLst>
+                              <p:par>
+                                <p:cTn id="21" presetID="10" presetClass="entr" presetSubtype="0" fill="hold" grpId="0" nodeType="clickEffect">
+                                  <p:stCondLst>
+                                    <p:cond delay="0"/>
+                                  </p:stCondLst>
+                                  <p:childTnLst>
+                                    <p:set>
+                                      <p:cBhvr>
+                                        <p:cTn id="22" dur="1" fill="hold">
+                                          <p:stCondLst>
+                                            <p:cond delay="0"/>
+                                          </p:stCondLst>
+                                        </p:cTn>
+                                        <p:tgtEl>
+                                          <p:spTgt spid="6"/>
+                                        </p:tgtEl>
+                                        <p:attrNameLst>
+                                          <p:attrName>style.visibility</p:attrName>
+                                        </p:attrNameLst>
+                                      </p:cBhvr>
+                                      <p:to>
+                                        <p:strVal val="visible"/>
+                                      </p:to>
+                                    </p:set>
+                                    <p:animEffect transition="in" filter="fade">
+                                      <p:cBhvr>
+                                        <p:cTn id="23" dur="500"/>
+                                        <p:tgtEl>
+                                          <p:spTgt spid="6"/>
+                                        </p:tgtEl>
+                                      </p:cBhvr>
+                                    </p:animEffect>
+                                  </p:childTnLst>
+                                </p:cTn>
+                              </p:par>
+                              <p:par>
+                                <p:cTn id="24" presetID="10" presetClass="entr" presetSubtype="0" fill="hold" grpId="0" nodeType="withEffect">
+                                  <p:stCondLst>
+                                    <p:cond delay="0"/>
+                                  </p:stCondLst>
+                                  <p:childTnLst>
+                                    <p:set>
+                                      <p:cBhvr>
+                                        <p:cTn id="25" dur="1" fill="hold">
+                                          <p:stCondLst>
+                                            <p:cond delay="0"/>
+                                          </p:stCondLst>
+                                        </p:cTn>
+                                        <p:tgtEl>
+                                          <p:spTgt spid="7"/>
+                                        </p:tgtEl>
+                                        <p:attrNameLst>
+                                          <p:attrName>style.visibility</p:attrName>
+                                        </p:attrNameLst>
+                                      </p:cBhvr>
+                                      <p:to>
+                                        <p:strVal val="visible"/>
+                                      </p:to>
+                                    </p:set>
+                                    <p:animEffect transition="in" filter="fade">
+                                      <p:cBhvr>
+                                        <p:cTn id="26" dur="500"/>
+                                        <p:tgtEl>
+                                          <p:spTgt spid="7"/>
+                                        </p:tgtEl>
+                                      </p:cBhvr>
+                                    </p:animEffect>
+                                  </p:childTnLst>
+                                </p:cTn>
+                              </p:par>
+                            </p:childTnLst>
+                          </p:cTn>
+                        </p:par>
+                      </p:childTnLst>
+                    </p:cTn>
+                  </p:par>
+                </p:childTnLst>
+              </p:cTn>
+              <p:prevCondLst>
+                <p:cond evt="onPrev" delay="0">
+                  <p:tgtEl>
+                    <p:sldTgt/>
+                  </p:tgtEl>
+                </p:cond>
+              </p:prevCondLst>
+              <p:nextCondLst>
+                <p:cond evt="onNext" delay="0">
+                  <p:tgtEl>
+                    <p:sldTgt/>
+                  </p:tgtEl>
+                </p:cond>
+              </p:nextCondLst>
+            </p:seq>
+          </p:childTnLst>
+        </p:cTn>
+      </p:par>
+    </p:tnLst>
+    <p:bldLst>
+      <p:bldP spid="5" grpId="0"/>
+      <p:bldP spid="6" grpId="0"/>
+      <p:bldP spid="7" grpId="0"/>
+    </p:bldLst>
+  </p:timing>
+</p:sld>
+</file>
+
+<file path=ppt/slides/slide14.xml><?xml version="1.0" encoding="utf-8"?>
+<p:sld xmlns:a="http://schemas.openxmlformats.org/drawingml/2006/main" xmlns:r="http://schemas.openxmlformats.org/officeDocument/2006/relationships" xmlns:p="http://schemas.openxmlformats.org/presentationml/2006/main">
+  <p:cSld>
+    <p:bg>
+      <p:bgPr>
+        <a:solidFill>
+          <a:schemeClr val="bg2">
+            <a:lumMod val="10000"/>
+          </a:schemeClr>
+        </a:solidFill>
+        <a:effectLst/>
+      </p:bgPr>
+    </p:bg>
+    <p:spTree>
+      <p:nvGrpSpPr>
+        <p:cNvPr id="1" name=""/>
+        <p:cNvGrpSpPr/>
+        <p:nvPr/>
+      </p:nvGrpSpPr>
+      <p:grpSpPr>
+        <a:xfrm>
+          <a:off x="0" y="0"/>
+          <a:ext cx="0" cy="0"/>
+          <a:chOff x="0" y="0"/>
+          <a:chExt cx="0" cy="0"/>
+        </a:xfrm>
+      </p:grpSpPr>
+      <p:cxnSp>
+        <p:nvCxnSpPr>
+          <p:cNvPr id="3" name="Connecteur droit 2">
+            <a:extLst>
+              <a:ext uri="{FF2B5EF4-FFF2-40B4-BE49-F238E27FC236}">
                 <a16:creationId xmlns:a16="http://schemas.microsoft.com/office/drawing/2014/main" id="{36CD294E-4C99-C064-6ABE-EE4F33151F92}"/>
               </a:ext>
             </a:extLst>
@@ -6748,6 +7434,3088 @@
       <p:bldP spid="5" grpId="0"/>
       <p:bldP spid="6" grpId="0"/>
       <p:bldP spid="7" grpId="0"/>
+    </p:bldLst>
+  </p:timing>
+</p:sld>
+</file>
+
+<file path=ppt/slides/slide15.xml><?xml version="1.0" encoding="utf-8"?>
+<p:sld xmlns:a="http://schemas.openxmlformats.org/drawingml/2006/main" xmlns:r="http://schemas.openxmlformats.org/officeDocument/2006/relationships" xmlns:p="http://schemas.openxmlformats.org/presentationml/2006/main">
+  <p:cSld>
+    <p:bg>
+      <p:bgPr>
+        <a:solidFill>
+          <a:schemeClr val="bg2">
+            <a:lumMod val="10000"/>
+          </a:schemeClr>
+        </a:solidFill>
+        <a:effectLst/>
+      </p:bgPr>
+    </p:bg>
+    <p:spTree>
+      <p:nvGrpSpPr>
+        <p:cNvPr id="1" name=""/>
+        <p:cNvGrpSpPr/>
+        <p:nvPr/>
+      </p:nvGrpSpPr>
+      <p:grpSpPr>
+        <a:xfrm>
+          <a:off x="0" y="0"/>
+          <a:ext cx="0" cy="0"/>
+          <a:chOff x="0" y="0"/>
+          <a:chExt cx="0" cy="0"/>
+        </a:xfrm>
+      </p:grpSpPr>
+      <p:cxnSp>
+        <p:nvCxnSpPr>
+          <p:cNvPr id="3" name="Connecteur droit 2">
+            <a:extLst>
+              <a:ext uri="{FF2B5EF4-FFF2-40B4-BE49-F238E27FC236}">
+                <a16:creationId xmlns:a16="http://schemas.microsoft.com/office/drawing/2014/main" id="{8D91576B-DE85-5BD1-F09A-AEC72A0EB032}"/>
+              </a:ext>
+            </a:extLst>
+          </p:cNvPr>
+          <p:cNvCxnSpPr/>
+          <p:nvPr/>
+        </p:nvCxnSpPr>
+        <p:spPr>
+          <a:xfrm>
+            <a:off x="896471" y="0"/>
+            <a:ext cx="0" cy="6858000"/>
+          </a:xfrm>
+          <a:prstGeom prst="line">
+            <a:avLst/>
+          </a:prstGeom>
+          <a:ln w="76200">
+            <a:solidFill>
+              <a:srgbClr val="FF0000"/>
+            </a:solidFill>
+          </a:ln>
+        </p:spPr>
+        <p:style>
+          <a:lnRef idx="1">
+            <a:schemeClr val="accent1"/>
+          </a:lnRef>
+          <a:fillRef idx="0">
+            <a:schemeClr val="accent1"/>
+          </a:fillRef>
+          <a:effectRef idx="0">
+            <a:schemeClr val="accent1"/>
+          </a:effectRef>
+          <a:fontRef idx="minor">
+            <a:schemeClr val="tx1"/>
+          </a:fontRef>
+        </p:style>
+      </p:cxnSp>
+      <p:cxnSp>
+        <p:nvCxnSpPr>
+          <p:cNvPr id="4" name="Connecteur droit 3">
+            <a:extLst>
+              <a:ext uri="{FF2B5EF4-FFF2-40B4-BE49-F238E27FC236}">
+                <a16:creationId xmlns:a16="http://schemas.microsoft.com/office/drawing/2014/main" id="{749B9B65-4146-9C8E-93FC-C7893A9EFC78}"/>
+              </a:ext>
+            </a:extLst>
+          </p:cNvPr>
+          <p:cNvCxnSpPr/>
+          <p:nvPr/>
+        </p:nvCxnSpPr>
+        <p:spPr>
+          <a:xfrm>
+            <a:off x="1138518" y="0"/>
+            <a:ext cx="0" cy="6858000"/>
+          </a:xfrm>
+          <a:prstGeom prst="line">
+            <a:avLst/>
+          </a:prstGeom>
+          <a:ln w="76200">
+            <a:solidFill>
+              <a:srgbClr val="FF0000"/>
+            </a:solidFill>
+          </a:ln>
+        </p:spPr>
+        <p:style>
+          <a:lnRef idx="1">
+            <a:schemeClr val="accent1"/>
+          </a:lnRef>
+          <a:fillRef idx="0">
+            <a:schemeClr val="accent1"/>
+          </a:fillRef>
+          <a:effectRef idx="0">
+            <a:schemeClr val="accent1"/>
+          </a:effectRef>
+          <a:fontRef idx="minor">
+            <a:schemeClr val="tx1"/>
+          </a:fontRef>
+        </p:style>
+      </p:cxnSp>
+      <p:sp>
+        <p:nvSpPr>
+          <p:cNvPr id="5" name="ZoneTexte 4">
+            <a:extLst>
+              <a:ext uri="{FF2B5EF4-FFF2-40B4-BE49-F238E27FC236}">
+                <a16:creationId xmlns:a16="http://schemas.microsoft.com/office/drawing/2014/main" id="{0D626D41-D91C-344C-9443-05DDB6B7453B}"/>
+              </a:ext>
+            </a:extLst>
+          </p:cNvPr>
+          <p:cNvSpPr txBox="1"/>
+          <p:nvPr/>
+        </p:nvSpPr>
+        <p:spPr>
+          <a:xfrm>
+            <a:off x="1497106" y="510988"/>
+            <a:ext cx="6651812" cy="646331"/>
+          </a:xfrm>
+          <a:prstGeom prst="rect">
+            <a:avLst/>
+          </a:prstGeom>
+          <a:noFill/>
+        </p:spPr>
+        <p:txBody>
+          <a:bodyPr wrap="square" rtlCol="0">
+            <a:spAutoFit/>
+          </a:bodyPr>
+          <a:lstStyle/>
+          <a:p>
+            <a:r>
+              <a:rPr lang="fr-FR" sz="3600" b="1" dirty="0">
+                <a:solidFill>
+                  <a:schemeClr val="bg1"/>
+                </a:solidFill>
+                <a:latin typeface="Microsoft JhengHei Light" panose="020B0304030504040204" pitchFamily="34" charset="-120"/>
+                <a:ea typeface="Microsoft JhengHei Light" panose="020B0304030504040204" pitchFamily="34" charset="-120"/>
+              </a:rPr>
+              <a:t>2.7) </a:t>
+            </a:r>
+            <a:r>
+              <a:rPr lang="fr-FR" sz="3600" b="1" u="sng" dirty="0">
+                <a:solidFill>
+                  <a:schemeClr val="bg1"/>
+                </a:solidFill>
+                <a:latin typeface="Microsoft JhengHei Light" panose="020B0304030504040204" pitchFamily="34" charset="-120"/>
+                <a:ea typeface="Microsoft JhengHei Light" panose="020B0304030504040204" pitchFamily="34" charset="-120"/>
+              </a:rPr>
+              <a:t>Les tests système</a:t>
+            </a:r>
+            <a:r>
+              <a:rPr lang="fr-FR" sz="3600" b="1" dirty="0">
+                <a:solidFill>
+                  <a:schemeClr val="bg1"/>
+                </a:solidFill>
+                <a:latin typeface="Microsoft JhengHei Light" panose="020B0304030504040204" pitchFamily="34" charset="-120"/>
+                <a:ea typeface="Microsoft JhengHei Light" panose="020B0304030504040204" pitchFamily="34" charset="-120"/>
+              </a:rPr>
+              <a:t> :</a:t>
+            </a:r>
+          </a:p>
+        </p:txBody>
+      </p:sp>
+      <p:sp>
+        <p:nvSpPr>
+          <p:cNvPr id="6" name="ZoneTexte 5">
+            <a:extLst>
+              <a:ext uri="{FF2B5EF4-FFF2-40B4-BE49-F238E27FC236}">
+                <a16:creationId xmlns:a16="http://schemas.microsoft.com/office/drawing/2014/main" id="{724E86BE-77DC-FD36-B90D-F53157E779DC}"/>
+              </a:ext>
+            </a:extLst>
+          </p:cNvPr>
+          <p:cNvSpPr txBox="1"/>
+          <p:nvPr/>
+        </p:nvSpPr>
+        <p:spPr>
+          <a:xfrm>
+            <a:off x="1497106" y="1819834"/>
+            <a:ext cx="3451410" cy="369332"/>
+          </a:xfrm>
+          <a:prstGeom prst="rect">
+            <a:avLst/>
+          </a:prstGeom>
+          <a:noFill/>
+        </p:spPr>
+        <p:txBody>
+          <a:bodyPr wrap="square" rtlCol="0">
+            <a:spAutoFit/>
+          </a:bodyPr>
+          <a:lstStyle/>
+          <a:p>
+            <a:r>
+              <a:rPr lang="fr-FR" b="1" dirty="0">
+                <a:solidFill>
+                  <a:schemeClr val="bg1"/>
+                </a:solidFill>
+                <a:latin typeface="Microsoft JhengHei Light" panose="020B0304030504040204" pitchFamily="34" charset="-120"/>
+                <a:ea typeface="Microsoft JhengHei Light" panose="020B0304030504040204" pitchFamily="34" charset="-120"/>
+              </a:rPr>
+              <a:t>* </a:t>
+            </a:r>
+            <a:r>
+              <a:rPr lang="fr-FR" b="1" u="sng" dirty="0">
+                <a:solidFill>
+                  <a:schemeClr val="bg1"/>
+                </a:solidFill>
+                <a:latin typeface="Microsoft JhengHei Light" panose="020B0304030504040204" pitchFamily="34" charset="-120"/>
+                <a:ea typeface="Microsoft JhengHei Light" panose="020B0304030504040204" pitchFamily="34" charset="-120"/>
+              </a:rPr>
+              <a:t>Définition</a:t>
+            </a:r>
+            <a:r>
+              <a:rPr lang="fr-FR" b="1" dirty="0">
+                <a:solidFill>
+                  <a:schemeClr val="bg1"/>
+                </a:solidFill>
+                <a:latin typeface="Microsoft JhengHei Light" panose="020B0304030504040204" pitchFamily="34" charset="-120"/>
+                <a:ea typeface="Microsoft JhengHei Light" panose="020B0304030504040204" pitchFamily="34" charset="-120"/>
+              </a:rPr>
+              <a:t> :</a:t>
+            </a:r>
+          </a:p>
+        </p:txBody>
+      </p:sp>
+      <p:sp>
+        <p:nvSpPr>
+          <p:cNvPr id="7" name="ZoneTexte 6">
+            <a:extLst>
+              <a:ext uri="{FF2B5EF4-FFF2-40B4-BE49-F238E27FC236}">
+                <a16:creationId xmlns:a16="http://schemas.microsoft.com/office/drawing/2014/main" id="{9ADBCA91-220E-4FF1-DBA2-646DCC9CCF9D}"/>
+              </a:ext>
+            </a:extLst>
+          </p:cNvPr>
+          <p:cNvSpPr txBox="1"/>
+          <p:nvPr/>
+        </p:nvSpPr>
+        <p:spPr>
+          <a:xfrm>
+            <a:off x="1497106" y="2658036"/>
+            <a:ext cx="9690845" cy="923330"/>
+          </a:xfrm>
+          <a:prstGeom prst="rect">
+            <a:avLst/>
+          </a:prstGeom>
+          <a:noFill/>
+        </p:spPr>
+        <p:txBody>
+          <a:bodyPr wrap="square" rtlCol="0">
+            <a:spAutoFit/>
+          </a:bodyPr>
+          <a:lstStyle/>
+          <a:p>
+            <a:pPr algn="just"/>
+            <a:r>
+              <a:rPr lang="fr-FR" dirty="0">
+                <a:solidFill>
+                  <a:schemeClr val="bg1"/>
+                </a:solidFill>
+                <a:latin typeface="Microsoft JhengHei Light" panose="020B0304030504040204" pitchFamily="34" charset="-120"/>
+                <a:ea typeface="Microsoft JhengHei Light" panose="020B0304030504040204" pitchFamily="34" charset="-120"/>
+              </a:rPr>
+              <a:t>Selon le glossaire de l’ISTQB, les tests système sont définis comme des tests les plus instinctifs car ce sont généralement les seuls qui sont effectués par une équipe d’ingénieurs de test. </a:t>
+            </a:r>
+          </a:p>
+        </p:txBody>
+      </p:sp>
+      <p:sp>
+        <p:nvSpPr>
+          <p:cNvPr id="8" name="ZoneTexte 7">
+            <a:extLst>
+              <a:ext uri="{FF2B5EF4-FFF2-40B4-BE49-F238E27FC236}">
+                <a16:creationId xmlns:a16="http://schemas.microsoft.com/office/drawing/2014/main" id="{28F5171F-3DB3-71BB-CDBD-8E6CD1670A04}"/>
+              </a:ext>
+            </a:extLst>
+          </p:cNvPr>
+          <p:cNvSpPr txBox="1"/>
+          <p:nvPr/>
+        </p:nvSpPr>
+        <p:spPr>
+          <a:xfrm>
+            <a:off x="1497106" y="3853013"/>
+            <a:ext cx="10067363" cy="923330"/>
+          </a:xfrm>
+          <a:prstGeom prst="rect">
+            <a:avLst/>
+          </a:prstGeom>
+          <a:noFill/>
+        </p:spPr>
+        <p:txBody>
+          <a:bodyPr wrap="square" rtlCol="0">
+            <a:spAutoFit/>
+          </a:bodyPr>
+          <a:lstStyle/>
+          <a:p>
+            <a:pPr algn="just"/>
+            <a:r>
+              <a:rPr lang="fr-FR" dirty="0">
+                <a:solidFill>
+                  <a:schemeClr val="bg1"/>
+                </a:solidFill>
+                <a:latin typeface="Microsoft JhengHei Light" panose="020B0304030504040204" pitchFamily="34" charset="-120"/>
+                <a:ea typeface="Microsoft JhengHei Light" panose="020B0304030504040204" pitchFamily="34" charset="-120"/>
+              </a:rPr>
+              <a:t>L’objectif principal des tests système est de contrôler que le système (le logiciel et l’application ensemble) répond bien aux exigences définies dans les spécifications. Cependant, ces tests </a:t>
+            </a:r>
+            <a:r>
+              <a:rPr lang="fr-FR" dirty="0">
+                <a:highlight>
+                  <a:srgbClr val="FFFF00"/>
+                </a:highlight>
+                <a:latin typeface="Microsoft JhengHei Light" panose="020B0304030504040204" pitchFamily="34" charset="-120"/>
+                <a:ea typeface="Microsoft JhengHei Light" panose="020B0304030504040204" pitchFamily="34" charset="-120"/>
+              </a:rPr>
+              <a:t>peuvent être effectués en manuel comme en automatisé</a:t>
+            </a:r>
+            <a:r>
+              <a:rPr lang="fr-FR" dirty="0">
+                <a:solidFill>
+                  <a:schemeClr val="bg1"/>
+                </a:solidFill>
+                <a:latin typeface="Microsoft JhengHei Light" panose="020B0304030504040204" pitchFamily="34" charset="-120"/>
+                <a:ea typeface="Microsoft JhengHei Light" panose="020B0304030504040204" pitchFamily="34" charset="-120"/>
+              </a:rPr>
+              <a:t>.</a:t>
+            </a:r>
+          </a:p>
+        </p:txBody>
+      </p:sp>
+    </p:spTree>
+    <p:extLst>
+      <p:ext uri="{BB962C8B-B14F-4D97-AF65-F5344CB8AC3E}">
+        <p14:creationId xmlns:p14="http://schemas.microsoft.com/office/powerpoint/2010/main" val="888323470"/>
+      </p:ext>
+    </p:extLst>
+  </p:cSld>
+  <p:clrMapOvr>
+    <a:masterClrMapping/>
+  </p:clrMapOvr>
+  <p:timing>
+    <p:tnLst>
+      <p:par>
+        <p:cTn id="1" dur="indefinite" restart="never" nodeType="tmRoot">
+          <p:childTnLst>
+            <p:seq concurrent="1" nextAc="seek">
+              <p:cTn id="2" dur="indefinite" nodeType="mainSeq">
+                <p:childTnLst>
+                  <p:par>
+                    <p:cTn id="3" fill="hold">
+                      <p:stCondLst>
+                        <p:cond delay="indefinite"/>
+                        <p:cond evt="onBegin" delay="0">
+                          <p:tn val="2"/>
+                        </p:cond>
+                      </p:stCondLst>
+                      <p:childTnLst>
+                        <p:par>
+                          <p:cTn id="4" fill="hold">
+                            <p:stCondLst>
+                              <p:cond delay="0"/>
+                            </p:stCondLst>
+                            <p:childTnLst>
+                              <p:par>
+                                <p:cTn id="5" presetID="10" presetClass="entr" presetSubtype="0" fill="hold" nodeType="withEffect">
+                                  <p:stCondLst>
+                                    <p:cond delay="0"/>
+                                  </p:stCondLst>
+                                  <p:childTnLst>
+                                    <p:set>
+                                      <p:cBhvr>
+                                        <p:cTn id="6" dur="1" fill="hold">
+                                          <p:stCondLst>
+                                            <p:cond delay="0"/>
+                                          </p:stCondLst>
+                                        </p:cTn>
+                                        <p:tgtEl>
+                                          <p:spTgt spid="3"/>
+                                        </p:tgtEl>
+                                        <p:attrNameLst>
+                                          <p:attrName>style.visibility</p:attrName>
+                                        </p:attrNameLst>
+                                      </p:cBhvr>
+                                      <p:to>
+                                        <p:strVal val="visible"/>
+                                      </p:to>
+                                    </p:set>
+                                    <p:animEffect transition="in" filter="fade">
+                                      <p:cBhvr>
+                                        <p:cTn id="7" dur="300"/>
+                                        <p:tgtEl>
+                                          <p:spTgt spid="3"/>
+                                        </p:tgtEl>
+                                      </p:cBhvr>
+                                    </p:animEffect>
+                                  </p:childTnLst>
+                                </p:cTn>
+                              </p:par>
+                            </p:childTnLst>
+                          </p:cTn>
+                        </p:par>
+                        <p:par>
+                          <p:cTn id="8" fill="hold">
+                            <p:stCondLst>
+                              <p:cond delay="300"/>
+                            </p:stCondLst>
+                            <p:childTnLst>
+                              <p:par>
+                                <p:cTn id="9" presetID="10" presetClass="entr" presetSubtype="0" fill="hold" nodeType="afterEffect">
+                                  <p:stCondLst>
+                                    <p:cond delay="0"/>
+                                  </p:stCondLst>
+                                  <p:childTnLst>
+                                    <p:set>
+                                      <p:cBhvr>
+                                        <p:cTn id="10" dur="1" fill="hold">
+                                          <p:stCondLst>
+                                            <p:cond delay="0"/>
+                                          </p:stCondLst>
+                                        </p:cTn>
+                                        <p:tgtEl>
+                                          <p:spTgt spid="4"/>
+                                        </p:tgtEl>
+                                        <p:attrNameLst>
+                                          <p:attrName>style.visibility</p:attrName>
+                                        </p:attrNameLst>
+                                      </p:cBhvr>
+                                      <p:to>
+                                        <p:strVal val="visible"/>
+                                      </p:to>
+                                    </p:set>
+                                    <p:animEffect transition="in" filter="fade">
+                                      <p:cBhvr>
+                                        <p:cTn id="11" dur="300"/>
+                                        <p:tgtEl>
+                                          <p:spTgt spid="4"/>
+                                        </p:tgtEl>
+                                      </p:cBhvr>
+                                    </p:animEffect>
+                                  </p:childTnLst>
+                                </p:cTn>
+                              </p:par>
+                            </p:childTnLst>
+                          </p:cTn>
+                        </p:par>
+                      </p:childTnLst>
+                    </p:cTn>
+                  </p:par>
+                  <p:par>
+                    <p:cTn id="12" fill="hold">
+                      <p:stCondLst>
+                        <p:cond delay="indefinite"/>
+                      </p:stCondLst>
+                      <p:childTnLst>
+                        <p:par>
+                          <p:cTn id="13" fill="hold">
+                            <p:stCondLst>
+                              <p:cond delay="0"/>
+                            </p:stCondLst>
+                            <p:childTnLst>
+                              <p:par>
+                                <p:cTn id="14" presetID="42" presetClass="entr" presetSubtype="0" fill="hold" grpId="0" nodeType="clickEffect">
+                                  <p:stCondLst>
+                                    <p:cond delay="0"/>
+                                  </p:stCondLst>
+                                  <p:childTnLst>
+                                    <p:set>
+                                      <p:cBhvr>
+                                        <p:cTn id="15" dur="1" fill="hold">
+                                          <p:stCondLst>
+                                            <p:cond delay="0"/>
+                                          </p:stCondLst>
+                                        </p:cTn>
+                                        <p:tgtEl>
+                                          <p:spTgt spid="5"/>
+                                        </p:tgtEl>
+                                        <p:attrNameLst>
+                                          <p:attrName>style.visibility</p:attrName>
+                                        </p:attrNameLst>
+                                      </p:cBhvr>
+                                      <p:to>
+                                        <p:strVal val="visible"/>
+                                      </p:to>
+                                    </p:set>
+                                    <p:animEffect transition="in" filter="fade">
+                                      <p:cBhvr>
+                                        <p:cTn id="16" dur="1000"/>
+                                        <p:tgtEl>
+                                          <p:spTgt spid="5"/>
+                                        </p:tgtEl>
+                                      </p:cBhvr>
+                                    </p:animEffect>
+                                    <p:anim calcmode="lin" valueType="num">
+                                      <p:cBhvr>
+                                        <p:cTn id="17" dur="1000" fill="hold"/>
+                                        <p:tgtEl>
+                                          <p:spTgt spid="5"/>
+                                        </p:tgtEl>
+                                        <p:attrNameLst>
+                                          <p:attrName>ppt_x</p:attrName>
+                                        </p:attrNameLst>
+                                      </p:cBhvr>
+                                      <p:tavLst>
+                                        <p:tav tm="0">
+                                          <p:val>
+                                            <p:strVal val="#ppt_x"/>
+                                          </p:val>
+                                        </p:tav>
+                                        <p:tav tm="100000">
+                                          <p:val>
+                                            <p:strVal val="#ppt_x"/>
+                                          </p:val>
+                                        </p:tav>
+                                      </p:tavLst>
+                                    </p:anim>
+                                    <p:anim calcmode="lin" valueType="num">
+                                      <p:cBhvr>
+                                        <p:cTn id="18" dur="1000" fill="hold"/>
+                                        <p:tgtEl>
+                                          <p:spTgt spid="5"/>
+                                        </p:tgtEl>
+                                        <p:attrNameLst>
+                                          <p:attrName>ppt_y</p:attrName>
+                                        </p:attrNameLst>
+                                      </p:cBhvr>
+                                      <p:tavLst>
+                                        <p:tav tm="0">
+                                          <p:val>
+                                            <p:strVal val="#ppt_y+.1"/>
+                                          </p:val>
+                                        </p:tav>
+                                        <p:tav tm="100000">
+                                          <p:val>
+                                            <p:strVal val="#ppt_y"/>
+                                          </p:val>
+                                        </p:tav>
+                                      </p:tavLst>
+                                    </p:anim>
+                                  </p:childTnLst>
+                                </p:cTn>
+                              </p:par>
+                            </p:childTnLst>
+                          </p:cTn>
+                        </p:par>
+                      </p:childTnLst>
+                    </p:cTn>
+                  </p:par>
+                  <p:par>
+                    <p:cTn id="19" fill="hold">
+                      <p:stCondLst>
+                        <p:cond delay="indefinite"/>
+                      </p:stCondLst>
+                      <p:childTnLst>
+                        <p:par>
+                          <p:cTn id="20" fill="hold">
+                            <p:stCondLst>
+                              <p:cond delay="0"/>
+                            </p:stCondLst>
+                            <p:childTnLst>
+                              <p:par>
+                                <p:cTn id="21" presetID="10" presetClass="entr" presetSubtype="0" fill="hold" grpId="0" nodeType="clickEffect">
+                                  <p:stCondLst>
+                                    <p:cond delay="0"/>
+                                  </p:stCondLst>
+                                  <p:childTnLst>
+                                    <p:set>
+                                      <p:cBhvr>
+                                        <p:cTn id="22" dur="1" fill="hold">
+                                          <p:stCondLst>
+                                            <p:cond delay="0"/>
+                                          </p:stCondLst>
+                                        </p:cTn>
+                                        <p:tgtEl>
+                                          <p:spTgt spid="6"/>
+                                        </p:tgtEl>
+                                        <p:attrNameLst>
+                                          <p:attrName>style.visibility</p:attrName>
+                                        </p:attrNameLst>
+                                      </p:cBhvr>
+                                      <p:to>
+                                        <p:strVal val="visible"/>
+                                      </p:to>
+                                    </p:set>
+                                    <p:animEffect transition="in" filter="fade">
+                                      <p:cBhvr>
+                                        <p:cTn id="23" dur="500"/>
+                                        <p:tgtEl>
+                                          <p:spTgt spid="6"/>
+                                        </p:tgtEl>
+                                      </p:cBhvr>
+                                    </p:animEffect>
+                                  </p:childTnLst>
+                                </p:cTn>
+                              </p:par>
+                              <p:par>
+                                <p:cTn id="24" presetID="10" presetClass="entr" presetSubtype="0" fill="hold" grpId="0" nodeType="withEffect">
+                                  <p:stCondLst>
+                                    <p:cond delay="0"/>
+                                  </p:stCondLst>
+                                  <p:childTnLst>
+                                    <p:set>
+                                      <p:cBhvr>
+                                        <p:cTn id="25" dur="1" fill="hold">
+                                          <p:stCondLst>
+                                            <p:cond delay="0"/>
+                                          </p:stCondLst>
+                                        </p:cTn>
+                                        <p:tgtEl>
+                                          <p:spTgt spid="7"/>
+                                        </p:tgtEl>
+                                        <p:attrNameLst>
+                                          <p:attrName>style.visibility</p:attrName>
+                                        </p:attrNameLst>
+                                      </p:cBhvr>
+                                      <p:to>
+                                        <p:strVal val="visible"/>
+                                      </p:to>
+                                    </p:set>
+                                    <p:animEffect transition="in" filter="fade">
+                                      <p:cBhvr>
+                                        <p:cTn id="26" dur="500"/>
+                                        <p:tgtEl>
+                                          <p:spTgt spid="7"/>
+                                        </p:tgtEl>
+                                      </p:cBhvr>
+                                    </p:animEffect>
+                                  </p:childTnLst>
+                                </p:cTn>
+                              </p:par>
+                              <p:par>
+                                <p:cTn id="27" presetID="10" presetClass="entr" presetSubtype="0" fill="hold" grpId="0" nodeType="withEffect">
+                                  <p:stCondLst>
+                                    <p:cond delay="0"/>
+                                  </p:stCondLst>
+                                  <p:childTnLst>
+                                    <p:set>
+                                      <p:cBhvr>
+                                        <p:cTn id="28" dur="1" fill="hold">
+                                          <p:stCondLst>
+                                            <p:cond delay="0"/>
+                                          </p:stCondLst>
+                                        </p:cTn>
+                                        <p:tgtEl>
+                                          <p:spTgt spid="8"/>
+                                        </p:tgtEl>
+                                        <p:attrNameLst>
+                                          <p:attrName>style.visibility</p:attrName>
+                                        </p:attrNameLst>
+                                      </p:cBhvr>
+                                      <p:to>
+                                        <p:strVal val="visible"/>
+                                      </p:to>
+                                    </p:set>
+                                    <p:animEffect transition="in" filter="fade">
+                                      <p:cBhvr>
+                                        <p:cTn id="29" dur="500"/>
+                                        <p:tgtEl>
+                                          <p:spTgt spid="8"/>
+                                        </p:tgtEl>
+                                      </p:cBhvr>
+                                    </p:animEffect>
+                                  </p:childTnLst>
+                                </p:cTn>
+                              </p:par>
+                            </p:childTnLst>
+                          </p:cTn>
+                        </p:par>
+                      </p:childTnLst>
+                    </p:cTn>
+                  </p:par>
+                </p:childTnLst>
+              </p:cTn>
+              <p:prevCondLst>
+                <p:cond evt="onPrev" delay="0">
+                  <p:tgtEl>
+                    <p:sldTgt/>
+                  </p:tgtEl>
+                </p:cond>
+              </p:prevCondLst>
+              <p:nextCondLst>
+                <p:cond evt="onNext" delay="0">
+                  <p:tgtEl>
+                    <p:sldTgt/>
+                  </p:tgtEl>
+                </p:cond>
+              </p:nextCondLst>
+            </p:seq>
+          </p:childTnLst>
+        </p:cTn>
+      </p:par>
+    </p:tnLst>
+    <p:bldLst>
+      <p:bldP spid="5" grpId="0"/>
+      <p:bldP spid="6" grpId="0"/>
+      <p:bldP spid="7" grpId="0"/>
+      <p:bldP spid="8" grpId="0"/>
+    </p:bldLst>
+  </p:timing>
+</p:sld>
+</file>
+
+<file path=ppt/slides/slide16.xml><?xml version="1.0" encoding="utf-8"?>
+<p:sld xmlns:a="http://schemas.openxmlformats.org/drawingml/2006/main" xmlns:r="http://schemas.openxmlformats.org/officeDocument/2006/relationships" xmlns:p="http://schemas.openxmlformats.org/presentationml/2006/main">
+  <p:cSld>
+    <p:bg>
+      <p:bgPr>
+        <a:solidFill>
+          <a:schemeClr val="bg2">
+            <a:lumMod val="10000"/>
+          </a:schemeClr>
+        </a:solidFill>
+        <a:effectLst/>
+      </p:bgPr>
+    </p:bg>
+    <p:spTree>
+      <p:nvGrpSpPr>
+        <p:cNvPr id="1" name=""/>
+        <p:cNvGrpSpPr/>
+        <p:nvPr/>
+      </p:nvGrpSpPr>
+      <p:grpSpPr>
+        <a:xfrm>
+          <a:off x="0" y="0"/>
+          <a:ext cx="0" cy="0"/>
+          <a:chOff x="0" y="0"/>
+          <a:chExt cx="0" cy="0"/>
+        </a:xfrm>
+      </p:grpSpPr>
+      <p:cxnSp>
+        <p:nvCxnSpPr>
+          <p:cNvPr id="3" name="Connecteur droit 2">
+            <a:extLst>
+              <a:ext uri="{FF2B5EF4-FFF2-40B4-BE49-F238E27FC236}">
+                <a16:creationId xmlns:a16="http://schemas.microsoft.com/office/drawing/2014/main" id="{D19F9DFC-EC80-A13D-5FB3-178960D81679}"/>
+              </a:ext>
+            </a:extLst>
+          </p:cNvPr>
+          <p:cNvCxnSpPr/>
+          <p:nvPr/>
+        </p:nvCxnSpPr>
+        <p:spPr>
+          <a:xfrm>
+            <a:off x="934065" y="0"/>
+            <a:ext cx="0" cy="6858000"/>
+          </a:xfrm>
+          <a:prstGeom prst="line">
+            <a:avLst/>
+          </a:prstGeom>
+          <a:ln w="76200">
+            <a:solidFill>
+              <a:srgbClr val="FF0000"/>
+            </a:solidFill>
+          </a:ln>
+        </p:spPr>
+        <p:style>
+          <a:lnRef idx="1">
+            <a:schemeClr val="accent1"/>
+          </a:lnRef>
+          <a:fillRef idx="0">
+            <a:schemeClr val="accent1"/>
+          </a:fillRef>
+          <a:effectRef idx="0">
+            <a:schemeClr val="accent1"/>
+          </a:effectRef>
+          <a:fontRef idx="minor">
+            <a:schemeClr val="tx1"/>
+          </a:fontRef>
+        </p:style>
+      </p:cxnSp>
+      <p:cxnSp>
+        <p:nvCxnSpPr>
+          <p:cNvPr id="4" name="Connecteur droit 3">
+            <a:extLst>
+              <a:ext uri="{FF2B5EF4-FFF2-40B4-BE49-F238E27FC236}">
+                <a16:creationId xmlns:a16="http://schemas.microsoft.com/office/drawing/2014/main" id="{B9FF45FF-F2D5-BE97-F4C0-082016870857}"/>
+              </a:ext>
+            </a:extLst>
+          </p:cNvPr>
+          <p:cNvCxnSpPr/>
+          <p:nvPr/>
+        </p:nvCxnSpPr>
+        <p:spPr>
+          <a:xfrm>
+            <a:off x="1174955" y="0"/>
+            <a:ext cx="0" cy="6858000"/>
+          </a:xfrm>
+          <a:prstGeom prst="line">
+            <a:avLst/>
+          </a:prstGeom>
+          <a:ln w="76200">
+            <a:solidFill>
+              <a:srgbClr val="FF0000"/>
+            </a:solidFill>
+          </a:ln>
+        </p:spPr>
+        <p:style>
+          <a:lnRef idx="1">
+            <a:schemeClr val="accent1"/>
+          </a:lnRef>
+          <a:fillRef idx="0">
+            <a:schemeClr val="accent1"/>
+          </a:fillRef>
+          <a:effectRef idx="0">
+            <a:schemeClr val="accent1"/>
+          </a:effectRef>
+          <a:fontRef idx="minor">
+            <a:schemeClr val="tx1"/>
+          </a:fontRef>
+        </p:style>
+      </p:cxnSp>
+      <p:sp>
+        <p:nvSpPr>
+          <p:cNvPr id="5" name="ZoneTexte 4">
+            <a:extLst>
+              <a:ext uri="{FF2B5EF4-FFF2-40B4-BE49-F238E27FC236}">
+                <a16:creationId xmlns:a16="http://schemas.microsoft.com/office/drawing/2014/main" id="{D2C460E1-CFF8-FEAC-18A8-EA79EA2F6F57}"/>
+              </a:ext>
+            </a:extLst>
+          </p:cNvPr>
+          <p:cNvSpPr txBox="1"/>
+          <p:nvPr/>
+        </p:nvSpPr>
+        <p:spPr>
+          <a:xfrm>
+            <a:off x="1582996" y="452285"/>
+            <a:ext cx="5525726" cy="646331"/>
+          </a:xfrm>
+          <a:prstGeom prst="rect">
+            <a:avLst/>
+          </a:prstGeom>
+          <a:noFill/>
+        </p:spPr>
+        <p:txBody>
+          <a:bodyPr wrap="square" rtlCol="0">
+            <a:spAutoFit/>
+          </a:bodyPr>
+          <a:lstStyle/>
+          <a:p>
+            <a:r>
+              <a:rPr lang="fr-FR" sz="3600" b="1" dirty="0">
+                <a:solidFill>
+                  <a:schemeClr val="bg1"/>
+                </a:solidFill>
+                <a:latin typeface="Microsoft JhengHei Light" panose="020B0304030504040204" pitchFamily="34" charset="-120"/>
+                <a:ea typeface="Microsoft JhengHei Light" panose="020B0304030504040204" pitchFamily="34" charset="-120"/>
+              </a:rPr>
+              <a:t>2.8) </a:t>
+            </a:r>
+            <a:r>
+              <a:rPr lang="fr-FR" sz="3600" b="1" u="sng" dirty="0">
+                <a:solidFill>
+                  <a:schemeClr val="bg1"/>
+                </a:solidFill>
+                <a:latin typeface="Microsoft JhengHei Light" panose="020B0304030504040204" pitchFamily="34" charset="-120"/>
+                <a:ea typeface="Microsoft JhengHei Light" panose="020B0304030504040204" pitchFamily="34" charset="-120"/>
+              </a:rPr>
+              <a:t>Tests de régression</a:t>
+            </a:r>
+            <a:r>
+              <a:rPr lang="fr-FR" sz="3600" b="1" dirty="0">
+                <a:solidFill>
+                  <a:schemeClr val="bg1"/>
+                </a:solidFill>
+                <a:latin typeface="Microsoft JhengHei Light" panose="020B0304030504040204" pitchFamily="34" charset="-120"/>
+                <a:ea typeface="Microsoft JhengHei Light" panose="020B0304030504040204" pitchFamily="34" charset="-120"/>
+              </a:rPr>
+              <a:t> :</a:t>
+            </a:r>
+          </a:p>
+        </p:txBody>
+      </p:sp>
+      <p:sp>
+        <p:nvSpPr>
+          <p:cNvPr id="6" name="ZoneTexte 5">
+            <a:extLst>
+              <a:ext uri="{FF2B5EF4-FFF2-40B4-BE49-F238E27FC236}">
+                <a16:creationId xmlns:a16="http://schemas.microsoft.com/office/drawing/2014/main" id="{56386F95-C17A-53E8-9445-555091278094}"/>
+              </a:ext>
+            </a:extLst>
+          </p:cNvPr>
+          <p:cNvSpPr txBox="1"/>
+          <p:nvPr/>
+        </p:nvSpPr>
+        <p:spPr>
+          <a:xfrm>
+            <a:off x="1582996" y="1651819"/>
+            <a:ext cx="2428568" cy="369332"/>
+          </a:xfrm>
+          <a:prstGeom prst="rect">
+            <a:avLst/>
+          </a:prstGeom>
+          <a:noFill/>
+        </p:spPr>
+        <p:txBody>
+          <a:bodyPr wrap="square" rtlCol="0">
+            <a:spAutoFit/>
+          </a:bodyPr>
+          <a:lstStyle/>
+          <a:p>
+            <a:r>
+              <a:rPr lang="fr-FR" b="1" dirty="0">
+                <a:solidFill>
+                  <a:schemeClr val="bg1"/>
+                </a:solidFill>
+                <a:latin typeface="Microsoft JhengHei Light" panose="020B0304030504040204" pitchFamily="34" charset="-120"/>
+                <a:ea typeface="Microsoft JhengHei Light" panose="020B0304030504040204" pitchFamily="34" charset="-120"/>
+              </a:rPr>
+              <a:t>* </a:t>
+            </a:r>
+            <a:r>
+              <a:rPr lang="fr-FR" b="1" u="sng" dirty="0">
+                <a:solidFill>
+                  <a:schemeClr val="bg1"/>
+                </a:solidFill>
+                <a:latin typeface="Microsoft JhengHei Light" panose="020B0304030504040204" pitchFamily="34" charset="-120"/>
+                <a:ea typeface="Microsoft JhengHei Light" panose="020B0304030504040204" pitchFamily="34" charset="-120"/>
+              </a:rPr>
+              <a:t>Définition</a:t>
+            </a:r>
+            <a:r>
+              <a:rPr lang="fr-FR" b="1" dirty="0">
+                <a:solidFill>
+                  <a:schemeClr val="bg1"/>
+                </a:solidFill>
+                <a:latin typeface="Microsoft JhengHei Light" panose="020B0304030504040204" pitchFamily="34" charset="-120"/>
+                <a:ea typeface="Microsoft JhengHei Light" panose="020B0304030504040204" pitchFamily="34" charset="-120"/>
+              </a:rPr>
+              <a:t> :</a:t>
+            </a:r>
+          </a:p>
+        </p:txBody>
+      </p:sp>
+      <p:sp>
+        <p:nvSpPr>
+          <p:cNvPr id="7" name="ZoneTexte 6">
+            <a:extLst>
+              <a:ext uri="{FF2B5EF4-FFF2-40B4-BE49-F238E27FC236}">
+                <a16:creationId xmlns:a16="http://schemas.microsoft.com/office/drawing/2014/main" id="{1D63891A-C70B-8C89-48D2-C2F5313E545C}"/>
+              </a:ext>
+            </a:extLst>
+          </p:cNvPr>
+          <p:cNvSpPr txBox="1"/>
+          <p:nvPr/>
+        </p:nvSpPr>
+        <p:spPr>
+          <a:xfrm>
+            <a:off x="1582996" y="2574354"/>
+            <a:ext cx="10343532" cy="923330"/>
+          </a:xfrm>
+          <a:prstGeom prst="rect">
+            <a:avLst/>
+          </a:prstGeom>
+          <a:noFill/>
+        </p:spPr>
+        <p:txBody>
+          <a:bodyPr wrap="square" rtlCol="0">
+            <a:spAutoFit/>
+          </a:bodyPr>
+          <a:lstStyle/>
+          <a:p>
+            <a:r>
+              <a:rPr lang="fr-FR" dirty="0">
+                <a:solidFill>
+                  <a:schemeClr val="bg1"/>
+                </a:solidFill>
+                <a:latin typeface="Microsoft JhengHei Light" panose="020B0304030504040204" pitchFamily="34" charset="-120"/>
+                <a:ea typeface="Microsoft JhengHei Light" panose="020B0304030504040204" pitchFamily="34" charset="-120"/>
+              </a:rPr>
+              <a:t>Les tests de régression sont définis selon l’ISTQB, comme étant un ensemble de tests d’un programme préalablement testé après une modification, afin de s’assurer qu’aucun défaut n’ont pas été introduits voir même découverts dans les parties non modifiées du logiciel.</a:t>
+            </a:r>
+          </a:p>
+        </p:txBody>
+      </p:sp>
+      <p:sp>
+        <p:nvSpPr>
+          <p:cNvPr id="8" name="ZoneTexte 7">
+            <a:extLst>
+              <a:ext uri="{FF2B5EF4-FFF2-40B4-BE49-F238E27FC236}">
+                <a16:creationId xmlns:a16="http://schemas.microsoft.com/office/drawing/2014/main" id="{B2C07E16-226D-3EBB-1DFA-A77C513C7F9D}"/>
+              </a:ext>
+            </a:extLst>
+          </p:cNvPr>
+          <p:cNvSpPr txBox="1"/>
+          <p:nvPr/>
+        </p:nvSpPr>
+        <p:spPr>
+          <a:xfrm>
+            <a:off x="1582996" y="3755052"/>
+            <a:ext cx="9945616" cy="923330"/>
+          </a:xfrm>
+          <a:prstGeom prst="rect">
+            <a:avLst/>
+          </a:prstGeom>
+          <a:noFill/>
+        </p:spPr>
+        <p:txBody>
+          <a:bodyPr wrap="square" rtlCol="0">
+            <a:spAutoFit/>
+          </a:bodyPr>
+          <a:lstStyle/>
+          <a:p>
+            <a:r>
+              <a:rPr lang="fr-FR" dirty="0">
+                <a:solidFill>
+                  <a:schemeClr val="bg1"/>
+                </a:solidFill>
+                <a:latin typeface="Microsoft JhengHei Light" panose="020B0304030504040204" pitchFamily="34" charset="-120"/>
+                <a:ea typeface="Microsoft JhengHei Light" panose="020B0304030504040204" pitchFamily="34" charset="-120"/>
+              </a:rPr>
+              <a:t>Ils permettent également de valider les parties du code d’un produit déjà construites, testées et approuvées. Néanmoins, les tests de régression visent les tests fonctionnels et non fonctionnels.</a:t>
+            </a:r>
+          </a:p>
+        </p:txBody>
+      </p:sp>
+    </p:spTree>
+    <p:extLst>
+      <p:ext uri="{BB962C8B-B14F-4D97-AF65-F5344CB8AC3E}">
+        <p14:creationId xmlns:p14="http://schemas.microsoft.com/office/powerpoint/2010/main" val="1530734476"/>
+      </p:ext>
+    </p:extLst>
+  </p:cSld>
+  <p:clrMapOvr>
+    <a:masterClrMapping/>
+  </p:clrMapOvr>
+  <p:timing>
+    <p:tnLst>
+      <p:par>
+        <p:cTn id="1" dur="indefinite" restart="never" nodeType="tmRoot">
+          <p:childTnLst>
+            <p:seq concurrent="1" nextAc="seek">
+              <p:cTn id="2" dur="indefinite" nodeType="mainSeq">
+                <p:childTnLst>
+                  <p:par>
+                    <p:cTn id="3" fill="hold">
+                      <p:stCondLst>
+                        <p:cond delay="indefinite"/>
+                        <p:cond evt="onBegin" delay="0">
+                          <p:tn val="2"/>
+                        </p:cond>
+                      </p:stCondLst>
+                      <p:childTnLst>
+                        <p:par>
+                          <p:cTn id="4" fill="hold">
+                            <p:stCondLst>
+                              <p:cond delay="0"/>
+                            </p:stCondLst>
+                            <p:childTnLst>
+                              <p:par>
+                                <p:cTn id="5" presetID="10" presetClass="entr" presetSubtype="0" fill="hold" nodeType="withEffect">
+                                  <p:stCondLst>
+                                    <p:cond delay="0"/>
+                                  </p:stCondLst>
+                                  <p:childTnLst>
+                                    <p:set>
+                                      <p:cBhvr>
+                                        <p:cTn id="6" dur="1" fill="hold">
+                                          <p:stCondLst>
+                                            <p:cond delay="0"/>
+                                          </p:stCondLst>
+                                        </p:cTn>
+                                        <p:tgtEl>
+                                          <p:spTgt spid="3"/>
+                                        </p:tgtEl>
+                                        <p:attrNameLst>
+                                          <p:attrName>style.visibility</p:attrName>
+                                        </p:attrNameLst>
+                                      </p:cBhvr>
+                                      <p:to>
+                                        <p:strVal val="visible"/>
+                                      </p:to>
+                                    </p:set>
+                                    <p:animEffect transition="in" filter="fade">
+                                      <p:cBhvr>
+                                        <p:cTn id="7" dur="300"/>
+                                        <p:tgtEl>
+                                          <p:spTgt spid="3"/>
+                                        </p:tgtEl>
+                                      </p:cBhvr>
+                                    </p:animEffect>
+                                  </p:childTnLst>
+                                </p:cTn>
+                              </p:par>
+                            </p:childTnLst>
+                          </p:cTn>
+                        </p:par>
+                        <p:par>
+                          <p:cTn id="8" fill="hold">
+                            <p:stCondLst>
+                              <p:cond delay="300"/>
+                            </p:stCondLst>
+                            <p:childTnLst>
+                              <p:par>
+                                <p:cTn id="9" presetID="10" presetClass="entr" presetSubtype="0" fill="hold" nodeType="afterEffect">
+                                  <p:stCondLst>
+                                    <p:cond delay="0"/>
+                                  </p:stCondLst>
+                                  <p:childTnLst>
+                                    <p:set>
+                                      <p:cBhvr>
+                                        <p:cTn id="10" dur="1" fill="hold">
+                                          <p:stCondLst>
+                                            <p:cond delay="0"/>
+                                          </p:stCondLst>
+                                        </p:cTn>
+                                        <p:tgtEl>
+                                          <p:spTgt spid="4"/>
+                                        </p:tgtEl>
+                                        <p:attrNameLst>
+                                          <p:attrName>style.visibility</p:attrName>
+                                        </p:attrNameLst>
+                                      </p:cBhvr>
+                                      <p:to>
+                                        <p:strVal val="visible"/>
+                                      </p:to>
+                                    </p:set>
+                                    <p:animEffect transition="in" filter="fade">
+                                      <p:cBhvr>
+                                        <p:cTn id="11" dur="300"/>
+                                        <p:tgtEl>
+                                          <p:spTgt spid="4"/>
+                                        </p:tgtEl>
+                                      </p:cBhvr>
+                                    </p:animEffect>
+                                  </p:childTnLst>
+                                </p:cTn>
+                              </p:par>
+                            </p:childTnLst>
+                          </p:cTn>
+                        </p:par>
+                      </p:childTnLst>
+                    </p:cTn>
+                  </p:par>
+                  <p:par>
+                    <p:cTn id="12" fill="hold">
+                      <p:stCondLst>
+                        <p:cond delay="indefinite"/>
+                      </p:stCondLst>
+                      <p:childTnLst>
+                        <p:par>
+                          <p:cTn id="13" fill="hold">
+                            <p:stCondLst>
+                              <p:cond delay="0"/>
+                            </p:stCondLst>
+                            <p:childTnLst>
+                              <p:par>
+                                <p:cTn id="14" presetID="42" presetClass="entr" presetSubtype="0" fill="hold" grpId="0" nodeType="clickEffect">
+                                  <p:stCondLst>
+                                    <p:cond delay="0"/>
+                                  </p:stCondLst>
+                                  <p:childTnLst>
+                                    <p:set>
+                                      <p:cBhvr>
+                                        <p:cTn id="15" dur="1" fill="hold">
+                                          <p:stCondLst>
+                                            <p:cond delay="0"/>
+                                          </p:stCondLst>
+                                        </p:cTn>
+                                        <p:tgtEl>
+                                          <p:spTgt spid="5"/>
+                                        </p:tgtEl>
+                                        <p:attrNameLst>
+                                          <p:attrName>style.visibility</p:attrName>
+                                        </p:attrNameLst>
+                                      </p:cBhvr>
+                                      <p:to>
+                                        <p:strVal val="visible"/>
+                                      </p:to>
+                                    </p:set>
+                                    <p:animEffect transition="in" filter="fade">
+                                      <p:cBhvr>
+                                        <p:cTn id="16" dur="1000"/>
+                                        <p:tgtEl>
+                                          <p:spTgt spid="5"/>
+                                        </p:tgtEl>
+                                      </p:cBhvr>
+                                    </p:animEffect>
+                                    <p:anim calcmode="lin" valueType="num">
+                                      <p:cBhvr>
+                                        <p:cTn id="17" dur="1000" fill="hold"/>
+                                        <p:tgtEl>
+                                          <p:spTgt spid="5"/>
+                                        </p:tgtEl>
+                                        <p:attrNameLst>
+                                          <p:attrName>ppt_x</p:attrName>
+                                        </p:attrNameLst>
+                                      </p:cBhvr>
+                                      <p:tavLst>
+                                        <p:tav tm="0">
+                                          <p:val>
+                                            <p:strVal val="#ppt_x"/>
+                                          </p:val>
+                                        </p:tav>
+                                        <p:tav tm="100000">
+                                          <p:val>
+                                            <p:strVal val="#ppt_x"/>
+                                          </p:val>
+                                        </p:tav>
+                                      </p:tavLst>
+                                    </p:anim>
+                                    <p:anim calcmode="lin" valueType="num">
+                                      <p:cBhvr>
+                                        <p:cTn id="18" dur="1000" fill="hold"/>
+                                        <p:tgtEl>
+                                          <p:spTgt spid="5"/>
+                                        </p:tgtEl>
+                                        <p:attrNameLst>
+                                          <p:attrName>ppt_y</p:attrName>
+                                        </p:attrNameLst>
+                                      </p:cBhvr>
+                                      <p:tavLst>
+                                        <p:tav tm="0">
+                                          <p:val>
+                                            <p:strVal val="#ppt_y+.1"/>
+                                          </p:val>
+                                        </p:tav>
+                                        <p:tav tm="100000">
+                                          <p:val>
+                                            <p:strVal val="#ppt_y"/>
+                                          </p:val>
+                                        </p:tav>
+                                      </p:tavLst>
+                                    </p:anim>
+                                  </p:childTnLst>
+                                </p:cTn>
+                              </p:par>
+                            </p:childTnLst>
+                          </p:cTn>
+                        </p:par>
+                      </p:childTnLst>
+                    </p:cTn>
+                  </p:par>
+                  <p:par>
+                    <p:cTn id="19" fill="hold">
+                      <p:stCondLst>
+                        <p:cond delay="indefinite"/>
+                      </p:stCondLst>
+                      <p:childTnLst>
+                        <p:par>
+                          <p:cTn id="20" fill="hold">
+                            <p:stCondLst>
+                              <p:cond delay="0"/>
+                            </p:stCondLst>
+                            <p:childTnLst>
+                              <p:par>
+                                <p:cTn id="21" presetID="10" presetClass="entr" presetSubtype="0" fill="hold" grpId="0" nodeType="clickEffect">
+                                  <p:stCondLst>
+                                    <p:cond delay="0"/>
+                                  </p:stCondLst>
+                                  <p:childTnLst>
+                                    <p:set>
+                                      <p:cBhvr>
+                                        <p:cTn id="22" dur="1" fill="hold">
+                                          <p:stCondLst>
+                                            <p:cond delay="0"/>
+                                          </p:stCondLst>
+                                        </p:cTn>
+                                        <p:tgtEl>
+                                          <p:spTgt spid="6"/>
+                                        </p:tgtEl>
+                                        <p:attrNameLst>
+                                          <p:attrName>style.visibility</p:attrName>
+                                        </p:attrNameLst>
+                                      </p:cBhvr>
+                                      <p:to>
+                                        <p:strVal val="visible"/>
+                                      </p:to>
+                                    </p:set>
+                                    <p:animEffect transition="in" filter="fade">
+                                      <p:cBhvr>
+                                        <p:cTn id="23" dur="500"/>
+                                        <p:tgtEl>
+                                          <p:spTgt spid="6"/>
+                                        </p:tgtEl>
+                                      </p:cBhvr>
+                                    </p:animEffect>
+                                  </p:childTnLst>
+                                </p:cTn>
+                              </p:par>
+                              <p:par>
+                                <p:cTn id="24" presetID="10" presetClass="entr" presetSubtype="0" fill="hold" grpId="0" nodeType="withEffect">
+                                  <p:stCondLst>
+                                    <p:cond delay="0"/>
+                                  </p:stCondLst>
+                                  <p:childTnLst>
+                                    <p:set>
+                                      <p:cBhvr>
+                                        <p:cTn id="25" dur="1" fill="hold">
+                                          <p:stCondLst>
+                                            <p:cond delay="0"/>
+                                          </p:stCondLst>
+                                        </p:cTn>
+                                        <p:tgtEl>
+                                          <p:spTgt spid="7"/>
+                                        </p:tgtEl>
+                                        <p:attrNameLst>
+                                          <p:attrName>style.visibility</p:attrName>
+                                        </p:attrNameLst>
+                                      </p:cBhvr>
+                                      <p:to>
+                                        <p:strVal val="visible"/>
+                                      </p:to>
+                                    </p:set>
+                                    <p:animEffect transition="in" filter="fade">
+                                      <p:cBhvr>
+                                        <p:cTn id="26" dur="500"/>
+                                        <p:tgtEl>
+                                          <p:spTgt spid="7"/>
+                                        </p:tgtEl>
+                                      </p:cBhvr>
+                                    </p:animEffect>
+                                  </p:childTnLst>
+                                </p:cTn>
+                              </p:par>
+                              <p:par>
+                                <p:cTn id="27" presetID="10" presetClass="entr" presetSubtype="0" fill="hold" grpId="0" nodeType="withEffect">
+                                  <p:stCondLst>
+                                    <p:cond delay="0"/>
+                                  </p:stCondLst>
+                                  <p:childTnLst>
+                                    <p:set>
+                                      <p:cBhvr>
+                                        <p:cTn id="28" dur="1" fill="hold">
+                                          <p:stCondLst>
+                                            <p:cond delay="0"/>
+                                          </p:stCondLst>
+                                        </p:cTn>
+                                        <p:tgtEl>
+                                          <p:spTgt spid="8"/>
+                                        </p:tgtEl>
+                                        <p:attrNameLst>
+                                          <p:attrName>style.visibility</p:attrName>
+                                        </p:attrNameLst>
+                                      </p:cBhvr>
+                                      <p:to>
+                                        <p:strVal val="visible"/>
+                                      </p:to>
+                                    </p:set>
+                                    <p:animEffect transition="in" filter="fade">
+                                      <p:cBhvr>
+                                        <p:cTn id="29" dur="500"/>
+                                        <p:tgtEl>
+                                          <p:spTgt spid="8"/>
+                                        </p:tgtEl>
+                                      </p:cBhvr>
+                                    </p:animEffect>
+                                  </p:childTnLst>
+                                </p:cTn>
+                              </p:par>
+                            </p:childTnLst>
+                          </p:cTn>
+                        </p:par>
+                      </p:childTnLst>
+                    </p:cTn>
+                  </p:par>
+                </p:childTnLst>
+              </p:cTn>
+              <p:prevCondLst>
+                <p:cond evt="onPrev" delay="0">
+                  <p:tgtEl>
+                    <p:sldTgt/>
+                  </p:tgtEl>
+                </p:cond>
+              </p:prevCondLst>
+              <p:nextCondLst>
+                <p:cond evt="onNext" delay="0">
+                  <p:tgtEl>
+                    <p:sldTgt/>
+                  </p:tgtEl>
+                </p:cond>
+              </p:nextCondLst>
+            </p:seq>
+          </p:childTnLst>
+        </p:cTn>
+      </p:par>
+    </p:tnLst>
+    <p:bldLst>
+      <p:bldP spid="5" grpId="0"/>
+      <p:bldP spid="6" grpId="0"/>
+      <p:bldP spid="7" grpId="0"/>
+      <p:bldP spid="8" grpId="0"/>
+    </p:bldLst>
+  </p:timing>
+</p:sld>
+</file>
+
+<file path=ppt/slides/slide17.xml><?xml version="1.0" encoding="utf-8"?>
+<p:sld xmlns:a="http://schemas.openxmlformats.org/drawingml/2006/main" xmlns:r="http://schemas.openxmlformats.org/officeDocument/2006/relationships" xmlns:p="http://schemas.openxmlformats.org/presentationml/2006/main">
+  <p:cSld>
+    <p:bg>
+      <p:bgPr>
+        <a:solidFill>
+          <a:schemeClr val="bg2">
+            <a:lumMod val="10000"/>
+          </a:schemeClr>
+        </a:solidFill>
+        <a:effectLst/>
+      </p:bgPr>
+    </p:bg>
+    <p:spTree>
+      <p:nvGrpSpPr>
+        <p:cNvPr id="1" name=""/>
+        <p:cNvGrpSpPr/>
+        <p:nvPr/>
+      </p:nvGrpSpPr>
+      <p:grpSpPr>
+        <a:xfrm>
+          <a:off x="0" y="0"/>
+          <a:ext cx="0" cy="0"/>
+          <a:chOff x="0" y="0"/>
+          <a:chExt cx="0" cy="0"/>
+        </a:xfrm>
+      </p:grpSpPr>
+      <p:cxnSp>
+        <p:nvCxnSpPr>
+          <p:cNvPr id="3" name="Connecteur droit 2">
+            <a:extLst>
+              <a:ext uri="{FF2B5EF4-FFF2-40B4-BE49-F238E27FC236}">
+                <a16:creationId xmlns:a16="http://schemas.microsoft.com/office/drawing/2014/main" id="{2C26CE9E-67EA-7FA4-B8F8-5D2A3B5F8D7F}"/>
+              </a:ext>
+            </a:extLst>
+          </p:cNvPr>
+          <p:cNvCxnSpPr/>
+          <p:nvPr/>
+        </p:nvCxnSpPr>
+        <p:spPr>
+          <a:xfrm>
+            <a:off x="973393" y="0"/>
+            <a:ext cx="0" cy="6858000"/>
+          </a:xfrm>
+          <a:prstGeom prst="line">
+            <a:avLst/>
+          </a:prstGeom>
+          <a:ln w="76200">
+            <a:solidFill>
+              <a:srgbClr val="FF0000"/>
+            </a:solidFill>
+          </a:ln>
+        </p:spPr>
+        <p:style>
+          <a:lnRef idx="1">
+            <a:schemeClr val="accent1"/>
+          </a:lnRef>
+          <a:fillRef idx="0">
+            <a:schemeClr val="accent1"/>
+          </a:fillRef>
+          <a:effectRef idx="0">
+            <a:schemeClr val="accent1"/>
+          </a:effectRef>
+          <a:fontRef idx="minor">
+            <a:schemeClr val="tx1"/>
+          </a:fontRef>
+        </p:style>
+      </p:cxnSp>
+      <p:cxnSp>
+        <p:nvCxnSpPr>
+          <p:cNvPr id="4" name="Connecteur droit 3">
+            <a:extLst>
+              <a:ext uri="{FF2B5EF4-FFF2-40B4-BE49-F238E27FC236}">
+                <a16:creationId xmlns:a16="http://schemas.microsoft.com/office/drawing/2014/main" id="{485479F1-12C1-0B83-5963-B0BED7F0F749}"/>
+              </a:ext>
+            </a:extLst>
+          </p:cNvPr>
+          <p:cNvCxnSpPr/>
+          <p:nvPr/>
+        </p:nvCxnSpPr>
+        <p:spPr>
+          <a:xfrm>
+            <a:off x="1263444" y="0"/>
+            <a:ext cx="0" cy="6858000"/>
+          </a:xfrm>
+          <a:prstGeom prst="line">
+            <a:avLst/>
+          </a:prstGeom>
+          <a:ln w="76200">
+            <a:solidFill>
+              <a:srgbClr val="FF0000"/>
+            </a:solidFill>
+          </a:ln>
+        </p:spPr>
+        <p:style>
+          <a:lnRef idx="1">
+            <a:schemeClr val="accent1"/>
+          </a:lnRef>
+          <a:fillRef idx="0">
+            <a:schemeClr val="accent1"/>
+          </a:fillRef>
+          <a:effectRef idx="0">
+            <a:schemeClr val="accent1"/>
+          </a:effectRef>
+          <a:fontRef idx="minor">
+            <a:schemeClr val="tx1"/>
+          </a:fontRef>
+        </p:style>
+      </p:cxnSp>
+      <p:sp>
+        <p:nvSpPr>
+          <p:cNvPr id="5" name="ZoneTexte 4">
+            <a:extLst>
+              <a:ext uri="{FF2B5EF4-FFF2-40B4-BE49-F238E27FC236}">
+                <a16:creationId xmlns:a16="http://schemas.microsoft.com/office/drawing/2014/main" id="{AFF3C5A9-E4CA-952E-9F2D-AB5675E846EB}"/>
+              </a:ext>
+            </a:extLst>
+          </p:cNvPr>
+          <p:cNvSpPr txBox="1"/>
+          <p:nvPr/>
+        </p:nvSpPr>
+        <p:spPr>
+          <a:xfrm>
+            <a:off x="1553495" y="403122"/>
+            <a:ext cx="7634746" cy="646331"/>
+          </a:xfrm>
+          <a:prstGeom prst="rect">
+            <a:avLst/>
+          </a:prstGeom>
+          <a:noFill/>
+        </p:spPr>
+        <p:txBody>
+          <a:bodyPr wrap="square" rtlCol="0">
+            <a:spAutoFit/>
+          </a:bodyPr>
+          <a:lstStyle/>
+          <a:p>
+            <a:r>
+              <a:rPr lang="fr-FR" sz="3600" b="1" dirty="0">
+                <a:solidFill>
+                  <a:schemeClr val="bg1"/>
+                </a:solidFill>
+                <a:latin typeface="Microsoft JhengHei Light" panose="020B0304030504040204" pitchFamily="34" charset="-120"/>
+                <a:ea typeface="Microsoft JhengHei Light" panose="020B0304030504040204" pitchFamily="34" charset="-120"/>
+              </a:rPr>
+              <a:t>2.9) </a:t>
+            </a:r>
+            <a:r>
+              <a:rPr lang="fr-FR" sz="3600" b="1" u="sng" dirty="0">
+                <a:solidFill>
+                  <a:schemeClr val="bg1"/>
+                </a:solidFill>
+                <a:latin typeface="Microsoft JhengHei Light" panose="020B0304030504040204" pitchFamily="34" charset="-120"/>
+                <a:ea typeface="Microsoft JhengHei Light" panose="020B0304030504040204" pitchFamily="34" charset="-120"/>
+              </a:rPr>
+              <a:t>Tests d’acceptation</a:t>
+            </a:r>
+            <a:r>
+              <a:rPr lang="fr-FR" sz="3600" b="1" dirty="0">
+                <a:solidFill>
+                  <a:schemeClr val="bg1"/>
+                </a:solidFill>
+                <a:latin typeface="Microsoft JhengHei Light" panose="020B0304030504040204" pitchFamily="34" charset="-120"/>
+                <a:ea typeface="Microsoft JhengHei Light" panose="020B0304030504040204" pitchFamily="34" charset="-120"/>
+              </a:rPr>
+              <a:t> :</a:t>
+            </a:r>
+          </a:p>
+        </p:txBody>
+      </p:sp>
+      <p:sp>
+        <p:nvSpPr>
+          <p:cNvPr id="6" name="ZoneTexte 5">
+            <a:extLst>
+              <a:ext uri="{FF2B5EF4-FFF2-40B4-BE49-F238E27FC236}">
+                <a16:creationId xmlns:a16="http://schemas.microsoft.com/office/drawing/2014/main" id="{CB819F75-ED5D-9DD2-3DAF-84E35EA3A66C}"/>
+              </a:ext>
+            </a:extLst>
+          </p:cNvPr>
+          <p:cNvSpPr txBox="1"/>
+          <p:nvPr/>
+        </p:nvSpPr>
+        <p:spPr>
+          <a:xfrm>
+            <a:off x="1553495" y="1660784"/>
+            <a:ext cx="2172926" cy="369332"/>
+          </a:xfrm>
+          <a:prstGeom prst="rect">
+            <a:avLst/>
+          </a:prstGeom>
+          <a:noFill/>
+        </p:spPr>
+        <p:txBody>
+          <a:bodyPr wrap="square" rtlCol="0">
+            <a:spAutoFit/>
+          </a:bodyPr>
+          <a:lstStyle/>
+          <a:p>
+            <a:r>
+              <a:rPr lang="fr-FR" b="1" dirty="0">
+                <a:solidFill>
+                  <a:schemeClr val="bg1"/>
+                </a:solidFill>
+                <a:latin typeface="Microsoft JhengHei Light" panose="020B0304030504040204" pitchFamily="34" charset="-120"/>
+                <a:ea typeface="Microsoft JhengHei Light" panose="020B0304030504040204" pitchFamily="34" charset="-120"/>
+              </a:rPr>
+              <a:t>* </a:t>
+            </a:r>
+            <a:r>
+              <a:rPr lang="fr-FR" b="1" u="sng" dirty="0">
+                <a:solidFill>
+                  <a:schemeClr val="bg1"/>
+                </a:solidFill>
+                <a:latin typeface="Microsoft JhengHei Light" panose="020B0304030504040204" pitchFamily="34" charset="-120"/>
+                <a:ea typeface="Microsoft JhengHei Light" panose="020B0304030504040204" pitchFamily="34" charset="-120"/>
+              </a:rPr>
+              <a:t>Définition</a:t>
+            </a:r>
+            <a:r>
+              <a:rPr lang="fr-FR" b="1" dirty="0">
+                <a:solidFill>
+                  <a:schemeClr val="bg1"/>
+                </a:solidFill>
+                <a:latin typeface="Microsoft JhengHei Light" panose="020B0304030504040204" pitchFamily="34" charset="-120"/>
+                <a:ea typeface="Microsoft JhengHei Light" panose="020B0304030504040204" pitchFamily="34" charset="-120"/>
+              </a:rPr>
+              <a:t> :</a:t>
+            </a:r>
+          </a:p>
+        </p:txBody>
+      </p:sp>
+      <p:sp>
+        <p:nvSpPr>
+          <p:cNvPr id="7" name="ZoneTexte 6">
+            <a:extLst>
+              <a:ext uri="{FF2B5EF4-FFF2-40B4-BE49-F238E27FC236}">
+                <a16:creationId xmlns:a16="http://schemas.microsoft.com/office/drawing/2014/main" id="{9B0FD8F5-C684-CE5B-135D-B24196AD3E11}"/>
+              </a:ext>
+            </a:extLst>
+          </p:cNvPr>
+          <p:cNvSpPr txBox="1"/>
+          <p:nvPr/>
+        </p:nvSpPr>
+        <p:spPr>
+          <a:xfrm>
+            <a:off x="1553495" y="2641447"/>
+            <a:ext cx="9663952" cy="923330"/>
+          </a:xfrm>
+          <a:prstGeom prst="rect">
+            <a:avLst/>
+          </a:prstGeom>
+          <a:noFill/>
+        </p:spPr>
+        <p:txBody>
+          <a:bodyPr wrap="square" rtlCol="0">
+            <a:spAutoFit/>
+          </a:bodyPr>
+          <a:lstStyle/>
+          <a:p>
+            <a:pPr algn="just"/>
+            <a:r>
+              <a:rPr lang="fr-FR" dirty="0">
+                <a:solidFill>
+                  <a:schemeClr val="bg1"/>
+                </a:solidFill>
+                <a:latin typeface="Microsoft JhengHei Light" panose="020B0304030504040204" pitchFamily="34" charset="-120"/>
+                <a:ea typeface="Microsoft JhengHei Light" panose="020B0304030504040204" pitchFamily="34" charset="-120"/>
+              </a:rPr>
+              <a:t>Le test d’acceptation est défini comme une phase de développement de projet visant à assurer formellement que le logiciel ou application répond conformément aux spécifications.</a:t>
+            </a:r>
+          </a:p>
+        </p:txBody>
+      </p:sp>
+      <p:sp>
+        <p:nvSpPr>
+          <p:cNvPr id="8" name="ZoneTexte 7">
+            <a:extLst>
+              <a:ext uri="{FF2B5EF4-FFF2-40B4-BE49-F238E27FC236}">
+                <a16:creationId xmlns:a16="http://schemas.microsoft.com/office/drawing/2014/main" id="{2ACA3B2C-5E54-F52B-559D-A0A50A9E7DED}"/>
+              </a:ext>
+            </a:extLst>
+          </p:cNvPr>
+          <p:cNvSpPr txBox="1"/>
+          <p:nvPr/>
+        </p:nvSpPr>
+        <p:spPr>
+          <a:xfrm>
+            <a:off x="1553495" y="3790699"/>
+            <a:ext cx="9457763" cy="1200329"/>
+          </a:xfrm>
+          <a:prstGeom prst="rect">
+            <a:avLst/>
+          </a:prstGeom>
+          <a:noFill/>
+        </p:spPr>
+        <p:txBody>
+          <a:bodyPr wrap="square" rtlCol="0">
+            <a:spAutoFit/>
+          </a:bodyPr>
+          <a:lstStyle/>
+          <a:p>
+            <a:pPr algn="just"/>
+            <a:r>
+              <a:rPr lang="fr-FR" dirty="0">
+                <a:solidFill>
+                  <a:schemeClr val="bg1"/>
+                </a:solidFill>
+                <a:latin typeface="Microsoft JhengHei Light" panose="020B0304030504040204" pitchFamily="34" charset="-120"/>
+                <a:ea typeface="Microsoft JhengHei Light" panose="020B0304030504040204" pitchFamily="34" charset="-120"/>
+              </a:rPr>
+              <a:t>Les critères d’acceptation sont les conditions qu’un produit logiciel ou application doit remplir afin d’être validés par un utilisateur final, un client ou bien un système. Les conditions sont uniques pour chaque « </a:t>
+            </a:r>
+            <a:r>
+              <a:rPr lang="fr-FR" dirty="0">
+                <a:highlight>
+                  <a:srgbClr val="FFFF00"/>
+                </a:highlight>
+                <a:latin typeface="Microsoft JhengHei Light" panose="020B0304030504040204" pitchFamily="34" charset="-120"/>
+                <a:ea typeface="Microsoft JhengHei Light" panose="020B0304030504040204" pitchFamily="34" charset="-120"/>
+              </a:rPr>
+              <a:t>User Story</a:t>
+            </a:r>
+            <a:r>
+              <a:rPr lang="fr-FR" dirty="0">
+                <a:solidFill>
+                  <a:schemeClr val="bg1"/>
+                </a:solidFill>
+                <a:latin typeface="Microsoft JhengHei Light" panose="020B0304030504040204" pitchFamily="34" charset="-120"/>
+                <a:ea typeface="Microsoft JhengHei Light" panose="020B0304030504040204" pitchFamily="34" charset="-120"/>
+              </a:rPr>
+              <a:t> » et définissent des fonctionnalités du point de vue  de l’utilisateur final.</a:t>
+            </a:r>
+          </a:p>
+        </p:txBody>
+      </p:sp>
+    </p:spTree>
+    <p:extLst>
+      <p:ext uri="{BB962C8B-B14F-4D97-AF65-F5344CB8AC3E}">
+        <p14:creationId xmlns:p14="http://schemas.microsoft.com/office/powerpoint/2010/main" val="711628048"/>
+      </p:ext>
+    </p:extLst>
+  </p:cSld>
+  <p:clrMapOvr>
+    <a:masterClrMapping/>
+  </p:clrMapOvr>
+  <p:timing>
+    <p:tnLst>
+      <p:par>
+        <p:cTn id="1" dur="indefinite" restart="never" nodeType="tmRoot">
+          <p:childTnLst>
+            <p:seq concurrent="1" nextAc="seek">
+              <p:cTn id="2" dur="indefinite" nodeType="mainSeq">
+                <p:childTnLst>
+                  <p:par>
+                    <p:cTn id="3" fill="hold">
+                      <p:stCondLst>
+                        <p:cond delay="indefinite"/>
+                        <p:cond evt="onBegin" delay="0">
+                          <p:tn val="2"/>
+                        </p:cond>
+                      </p:stCondLst>
+                      <p:childTnLst>
+                        <p:par>
+                          <p:cTn id="4" fill="hold">
+                            <p:stCondLst>
+                              <p:cond delay="0"/>
+                            </p:stCondLst>
+                            <p:childTnLst>
+                              <p:par>
+                                <p:cTn id="5" presetID="10" presetClass="entr" presetSubtype="0" fill="hold" nodeType="withEffect">
+                                  <p:stCondLst>
+                                    <p:cond delay="0"/>
+                                  </p:stCondLst>
+                                  <p:childTnLst>
+                                    <p:set>
+                                      <p:cBhvr>
+                                        <p:cTn id="6" dur="1" fill="hold">
+                                          <p:stCondLst>
+                                            <p:cond delay="0"/>
+                                          </p:stCondLst>
+                                        </p:cTn>
+                                        <p:tgtEl>
+                                          <p:spTgt spid="3"/>
+                                        </p:tgtEl>
+                                        <p:attrNameLst>
+                                          <p:attrName>style.visibility</p:attrName>
+                                        </p:attrNameLst>
+                                      </p:cBhvr>
+                                      <p:to>
+                                        <p:strVal val="visible"/>
+                                      </p:to>
+                                    </p:set>
+                                    <p:animEffect transition="in" filter="fade">
+                                      <p:cBhvr>
+                                        <p:cTn id="7" dur="300"/>
+                                        <p:tgtEl>
+                                          <p:spTgt spid="3"/>
+                                        </p:tgtEl>
+                                      </p:cBhvr>
+                                    </p:animEffect>
+                                  </p:childTnLst>
+                                </p:cTn>
+                              </p:par>
+                            </p:childTnLst>
+                          </p:cTn>
+                        </p:par>
+                        <p:par>
+                          <p:cTn id="8" fill="hold">
+                            <p:stCondLst>
+                              <p:cond delay="300"/>
+                            </p:stCondLst>
+                            <p:childTnLst>
+                              <p:par>
+                                <p:cTn id="9" presetID="10" presetClass="entr" presetSubtype="0" fill="hold" nodeType="afterEffect">
+                                  <p:stCondLst>
+                                    <p:cond delay="0"/>
+                                  </p:stCondLst>
+                                  <p:childTnLst>
+                                    <p:set>
+                                      <p:cBhvr>
+                                        <p:cTn id="10" dur="1" fill="hold">
+                                          <p:stCondLst>
+                                            <p:cond delay="0"/>
+                                          </p:stCondLst>
+                                        </p:cTn>
+                                        <p:tgtEl>
+                                          <p:spTgt spid="4"/>
+                                        </p:tgtEl>
+                                        <p:attrNameLst>
+                                          <p:attrName>style.visibility</p:attrName>
+                                        </p:attrNameLst>
+                                      </p:cBhvr>
+                                      <p:to>
+                                        <p:strVal val="visible"/>
+                                      </p:to>
+                                    </p:set>
+                                    <p:animEffect transition="in" filter="fade">
+                                      <p:cBhvr>
+                                        <p:cTn id="11" dur="500"/>
+                                        <p:tgtEl>
+                                          <p:spTgt spid="4"/>
+                                        </p:tgtEl>
+                                      </p:cBhvr>
+                                    </p:animEffect>
+                                  </p:childTnLst>
+                                </p:cTn>
+                              </p:par>
+                            </p:childTnLst>
+                          </p:cTn>
+                        </p:par>
+                      </p:childTnLst>
+                    </p:cTn>
+                  </p:par>
+                  <p:par>
+                    <p:cTn id="12" fill="hold">
+                      <p:stCondLst>
+                        <p:cond delay="indefinite"/>
+                      </p:stCondLst>
+                      <p:childTnLst>
+                        <p:par>
+                          <p:cTn id="13" fill="hold">
+                            <p:stCondLst>
+                              <p:cond delay="0"/>
+                            </p:stCondLst>
+                            <p:childTnLst>
+                              <p:par>
+                                <p:cTn id="14" presetID="42" presetClass="entr" presetSubtype="0" fill="hold" grpId="0" nodeType="clickEffect">
+                                  <p:stCondLst>
+                                    <p:cond delay="0"/>
+                                  </p:stCondLst>
+                                  <p:childTnLst>
+                                    <p:set>
+                                      <p:cBhvr>
+                                        <p:cTn id="15" dur="1" fill="hold">
+                                          <p:stCondLst>
+                                            <p:cond delay="0"/>
+                                          </p:stCondLst>
+                                        </p:cTn>
+                                        <p:tgtEl>
+                                          <p:spTgt spid="5"/>
+                                        </p:tgtEl>
+                                        <p:attrNameLst>
+                                          <p:attrName>style.visibility</p:attrName>
+                                        </p:attrNameLst>
+                                      </p:cBhvr>
+                                      <p:to>
+                                        <p:strVal val="visible"/>
+                                      </p:to>
+                                    </p:set>
+                                    <p:animEffect transition="in" filter="fade">
+                                      <p:cBhvr>
+                                        <p:cTn id="16" dur="1000"/>
+                                        <p:tgtEl>
+                                          <p:spTgt spid="5"/>
+                                        </p:tgtEl>
+                                      </p:cBhvr>
+                                    </p:animEffect>
+                                    <p:anim calcmode="lin" valueType="num">
+                                      <p:cBhvr>
+                                        <p:cTn id="17" dur="1000" fill="hold"/>
+                                        <p:tgtEl>
+                                          <p:spTgt spid="5"/>
+                                        </p:tgtEl>
+                                        <p:attrNameLst>
+                                          <p:attrName>ppt_x</p:attrName>
+                                        </p:attrNameLst>
+                                      </p:cBhvr>
+                                      <p:tavLst>
+                                        <p:tav tm="0">
+                                          <p:val>
+                                            <p:strVal val="#ppt_x"/>
+                                          </p:val>
+                                        </p:tav>
+                                        <p:tav tm="100000">
+                                          <p:val>
+                                            <p:strVal val="#ppt_x"/>
+                                          </p:val>
+                                        </p:tav>
+                                      </p:tavLst>
+                                    </p:anim>
+                                    <p:anim calcmode="lin" valueType="num">
+                                      <p:cBhvr>
+                                        <p:cTn id="18" dur="1000" fill="hold"/>
+                                        <p:tgtEl>
+                                          <p:spTgt spid="5"/>
+                                        </p:tgtEl>
+                                        <p:attrNameLst>
+                                          <p:attrName>ppt_y</p:attrName>
+                                        </p:attrNameLst>
+                                      </p:cBhvr>
+                                      <p:tavLst>
+                                        <p:tav tm="0">
+                                          <p:val>
+                                            <p:strVal val="#ppt_y+.1"/>
+                                          </p:val>
+                                        </p:tav>
+                                        <p:tav tm="100000">
+                                          <p:val>
+                                            <p:strVal val="#ppt_y"/>
+                                          </p:val>
+                                        </p:tav>
+                                      </p:tavLst>
+                                    </p:anim>
+                                  </p:childTnLst>
+                                </p:cTn>
+                              </p:par>
+                            </p:childTnLst>
+                          </p:cTn>
+                        </p:par>
+                      </p:childTnLst>
+                    </p:cTn>
+                  </p:par>
+                  <p:par>
+                    <p:cTn id="19" fill="hold">
+                      <p:stCondLst>
+                        <p:cond delay="indefinite"/>
+                      </p:stCondLst>
+                      <p:childTnLst>
+                        <p:par>
+                          <p:cTn id="20" fill="hold">
+                            <p:stCondLst>
+                              <p:cond delay="0"/>
+                            </p:stCondLst>
+                            <p:childTnLst>
+                              <p:par>
+                                <p:cTn id="21" presetID="10" presetClass="entr" presetSubtype="0" fill="hold" grpId="0" nodeType="clickEffect">
+                                  <p:stCondLst>
+                                    <p:cond delay="0"/>
+                                  </p:stCondLst>
+                                  <p:childTnLst>
+                                    <p:set>
+                                      <p:cBhvr>
+                                        <p:cTn id="22" dur="1" fill="hold">
+                                          <p:stCondLst>
+                                            <p:cond delay="0"/>
+                                          </p:stCondLst>
+                                        </p:cTn>
+                                        <p:tgtEl>
+                                          <p:spTgt spid="6"/>
+                                        </p:tgtEl>
+                                        <p:attrNameLst>
+                                          <p:attrName>style.visibility</p:attrName>
+                                        </p:attrNameLst>
+                                      </p:cBhvr>
+                                      <p:to>
+                                        <p:strVal val="visible"/>
+                                      </p:to>
+                                    </p:set>
+                                    <p:animEffect transition="in" filter="fade">
+                                      <p:cBhvr>
+                                        <p:cTn id="23" dur="500"/>
+                                        <p:tgtEl>
+                                          <p:spTgt spid="6"/>
+                                        </p:tgtEl>
+                                      </p:cBhvr>
+                                    </p:animEffect>
+                                  </p:childTnLst>
+                                </p:cTn>
+                              </p:par>
+                              <p:par>
+                                <p:cTn id="24" presetID="10" presetClass="entr" presetSubtype="0" fill="hold" grpId="0" nodeType="withEffect">
+                                  <p:stCondLst>
+                                    <p:cond delay="0"/>
+                                  </p:stCondLst>
+                                  <p:childTnLst>
+                                    <p:set>
+                                      <p:cBhvr>
+                                        <p:cTn id="25" dur="1" fill="hold">
+                                          <p:stCondLst>
+                                            <p:cond delay="0"/>
+                                          </p:stCondLst>
+                                        </p:cTn>
+                                        <p:tgtEl>
+                                          <p:spTgt spid="7"/>
+                                        </p:tgtEl>
+                                        <p:attrNameLst>
+                                          <p:attrName>style.visibility</p:attrName>
+                                        </p:attrNameLst>
+                                      </p:cBhvr>
+                                      <p:to>
+                                        <p:strVal val="visible"/>
+                                      </p:to>
+                                    </p:set>
+                                    <p:animEffect transition="in" filter="fade">
+                                      <p:cBhvr>
+                                        <p:cTn id="26" dur="500"/>
+                                        <p:tgtEl>
+                                          <p:spTgt spid="7"/>
+                                        </p:tgtEl>
+                                      </p:cBhvr>
+                                    </p:animEffect>
+                                  </p:childTnLst>
+                                </p:cTn>
+                              </p:par>
+                              <p:par>
+                                <p:cTn id="27" presetID="10" presetClass="entr" presetSubtype="0" fill="hold" grpId="0" nodeType="withEffect">
+                                  <p:stCondLst>
+                                    <p:cond delay="0"/>
+                                  </p:stCondLst>
+                                  <p:childTnLst>
+                                    <p:set>
+                                      <p:cBhvr>
+                                        <p:cTn id="28" dur="1" fill="hold">
+                                          <p:stCondLst>
+                                            <p:cond delay="0"/>
+                                          </p:stCondLst>
+                                        </p:cTn>
+                                        <p:tgtEl>
+                                          <p:spTgt spid="8"/>
+                                        </p:tgtEl>
+                                        <p:attrNameLst>
+                                          <p:attrName>style.visibility</p:attrName>
+                                        </p:attrNameLst>
+                                      </p:cBhvr>
+                                      <p:to>
+                                        <p:strVal val="visible"/>
+                                      </p:to>
+                                    </p:set>
+                                    <p:animEffect transition="in" filter="fade">
+                                      <p:cBhvr>
+                                        <p:cTn id="29" dur="500"/>
+                                        <p:tgtEl>
+                                          <p:spTgt spid="8"/>
+                                        </p:tgtEl>
+                                      </p:cBhvr>
+                                    </p:animEffect>
+                                  </p:childTnLst>
+                                </p:cTn>
+                              </p:par>
+                            </p:childTnLst>
+                          </p:cTn>
+                        </p:par>
+                      </p:childTnLst>
+                    </p:cTn>
+                  </p:par>
+                </p:childTnLst>
+              </p:cTn>
+              <p:prevCondLst>
+                <p:cond evt="onPrev" delay="0">
+                  <p:tgtEl>
+                    <p:sldTgt/>
+                  </p:tgtEl>
+                </p:cond>
+              </p:prevCondLst>
+              <p:nextCondLst>
+                <p:cond evt="onNext" delay="0">
+                  <p:tgtEl>
+                    <p:sldTgt/>
+                  </p:tgtEl>
+                </p:cond>
+              </p:nextCondLst>
+            </p:seq>
+          </p:childTnLst>
+        </p:cTn>
+      </p:par>
+    </p:tnLst>
+    <p:bldLst>
+      <p:bldP spid="5" grpId="0"/>
+      <p:bldP spid="6" grpId="0"/>
+      <p:bldP spid="7" grpId="0"/>
+      <p:bldP spid="8" grpId="0"/>
+    </p:bldLst>
+  </p:timing>
+</p:sld>
+</file>
+
+<file path=ppt/slides/slide18.xml><?xml version="1.0" encoding="utf-8"?>
+<p:sld xmlns:a="http://schemas.openxmlformats.org/drawingml/2006/main" xmlns:r="http://schemas.openxmlformats.org/officeDocument/2006/relationships" xmlns:p="http://schemas.openxmlformats.org/presentationml/2006/main">
+  <p:cSld>
+    <p:bg>
+      <p:bgPr>
+        <a:solidFill>
+          <a:schemeClr val="bg2">
+            <a:lumMod val="10000"/>
+          </a:schemeClr>
+        </a:solidFill>
+        <a:effectLst/>
+      </p:bgPr>
+    </p:bg>
+    <p:spTree>
+      <p:nvGrpSpPr>
+        <p:cNvPr id="1" name=""/>
+        <p:cNvGrpSpPr/>
+        <p:nvPr/>
+      </p:nvGrpSpPr>
+      <p:grpSpPr>
+        <a:xfrm>
+          <a:off x="0" y="0"/>
+          <a:ext cx="0" cy="0"/>
+          <a:chOff x="0" y="0"/>
+          <a:chExt cx="0" cy="0"/>
+        </a:xfrm>
+      </p:grpSpPr>
+      <p:sp>
+        <p:nvSpPr>
+          <p:cNvPr id="2" name="ZoneTexte 1">
+            <a:extLst>
+              <a:ext uri="{FF2B5EF4-FFF2-40B4-BE49-F238E27FC236}">
+                <a16:creationId xmlns:a16="http://schemas.microsoft.com/office/drawing/2014/main" id="{37F4A21D-9777-63A1-62C4-CBF8D4336697}"/>
+              </a:ext>
+            </a:extLst>
+          </p:cNvPr>
+          <p:cNvSpPr txBox="1"/>
+          <p:nvPr/>
+        </p:nvSpPr>
+        <p:spPr>
+          <a:xfrm>
+            <a:off x="3293805" y="2969342"/>
+            <a:ext cx="6489291" cy="707886"/>
+          </a:xfrm>
+          <a:prstGeom prst="rect">
+            <a:avLst/>
+          </a:prstGeom>
+          <a:noFill/>
+        </p:spPr>
+        <p:txBody>
+          <a:bodyPr wrap="square" rtlCol="0">
+            <a:spAutoFit/>
+          </a:bodyPr>
+          <a:lstStyle/>
+          <a:p>
+            <a:r>
+              <a:rPr lang="fr-FR" sz="4000" b="1" dirty="0">
+                <a:solidFill>
+                  <a:schemeClr val="bg1"/>
+                </a:solidFill>
+                <a:latin typeface="Microsoft JhengHei Light" panose="020B0304030504040204" pitchFamily="34" charset="-120"/>
+                <a:ea typeface="Microsoft JhengHei Light" panose="020B0304030504040204" pitchFamily="34" charset="-120"/>
+              </a:rPr>
+              <a:t>Les tests non fonctionnels</a:t>
+            </a:r>
+          </a:p>
+        </p:txBody>
+      </p:sp>
+      <p:cxnSp>
+        <p:nvCxnSpPr>
+          <p:cNvPr id="4" name="Connecteur droit 3">
+            <a:extLst>
+              <a:ext uri="{FF2B5EF4-FFF2-40B4-BE49-F238E27FC236}">
+                <a16:creationId xmlns:a16="http://schemas.microsoft.com/office/drawing/2014/main" id="{A301A621-DEAE-98D8-E939-C639DA02B98E}"/>
+              </a:ext>
+            </a:extLst>
+          </p:cNvPr>
+          <p:cNvCxnSpPr>
+            <a:cxnSpLocks/>
+          </p:cNvCxnSpPr>
+          <p:nvPr/>
+        </p:nvCxnSpPr>
+        <p:spPr>
+          <a:xfrm>
+            <a:off x="3372465" y="3746090"/>
+            <a:ext cx="5869858" cy="0"/>
+          </a:xfrm>
+          <a:prstGeom prst="line">
+            <a:avLst/>
+          </a:prstGeom>
+          <a:ln w="76200">
+            <a:solidFill>
+              <a:srgbClr val="FF0000"/>
+            </a:solidFill>
+          </a:ln>
+        </p:spPr>
+        <p:style>
+          <a:lnRef idx="1">
+            <a:schemeClr val="accent1"/>
+          </a:lnRef>
+          <a:fillRef idx="0">
+            <a:schemeClr val="accent1"/>
+          </a:fillRef>
+          <a:effectRef idx="0">
+            <a:schemeClr val="accent1"/>
+          </a:effectRef>
+          <a:fontRef idx="minor">
+            <a:schemeClr val="tx1"/>
+          </a:fontRef>
+        </p:style>
+      </p:cxnSp>
+    </p:spTree>
+    <p:extLst>
+      <p:ext uri="{BB962C8B-B14F-4D97-AF65-F5344CB8AC3E}">
+        <p14:creationId xmlns:p14="http://schemas.microsoft.com/office/powerpoint/2010/main" val="3053220030"/>
+      </p:ext>
+    </p:extLst>
+  </p:cSld>
+  <p:clrMapOvr>
+    <a:masterClrMapping/>
+  </p:clrMapOvr>
+  <p:timing>
+    <p:tnLst>
+      <p:par>
+        <p:cTn id="1" dur="indefinite" restart="never" nodeType="tmRoot">
+          <p:childTnLst>
+            <p:seq concurrent="1" nextAc="seek">
+              <p:cTn id="2" dur="indefinite" nodeType="mainSeq">
+                <p:childTnLst>
+                  <p:par>
+                    <p:cTn id="3" fill="hold">
+                      <p:stCondLst>
+                        <p:cond delay="indefinite"/>
+                      </p:stCondLst>
+                      <p:childTnLst>
+                        <p:par>
+                          <p:cTn id="4" fill="hold">
+                            <p:stCondLst>
+                              <p:cond delay="0"/>
+                            </p:stCondLst>
+                            <p:childTnLst>
+                              <p:par>
+                                <p:cTn id="5" presetID="42" presetClass="entr" presetSubtype="0" fill="hold" grpId="0" nodeType="clickEffect">
+                                  <p:stCondLst>
+                                    <p:cond delay="0"/>
+                                  </p:stCondLst>
+                                  <p:childTnLst>
+                                    <p:set>
+                                      <p:cBhvr>
+                                        <p:cTn id="6" dur="1" fill="hold">
+                                          <p:stCondLst>
+                                            <p:cond delay="0"/>
+                                          </p:stCondLst>
+                                        </p:cTn>
+                                        <p:tgtEl>
+                                          <p:spTgt spid="2"/>
+                                        </p:tgtEl>
+                                        <p:attrNameLst>
+                                          <p:attrName>style.visibility</p:attrName>
+                                        </p:attrNameLst>
+                                      </p:cBhvr>
+                                      <p:to>
+                                        <p:strVal val="visible"/>
+                                      </p:to>
+                                    </p:set>
+                                    <p:animEffect transition="in" filter="fade">
+                                      <p:cBhvr>
+                                        <p:cTn id="7" dur="1000"/>
+                                        <p:tgtEl>
+                                          <p:spTgt spid="2"/>
+                                        </p:tgtEl>
+                                      </p:cBhvr>
+                                    </p:animEffect>
+                                    <p:anim calcmode="lin" valueType="num">
+                                      <p:cBhvr>
+                                        <p:cTn id="8" dur="1000" fill="hold"/>
+                                        <p:tgtEl>
+                                          <p:spTgt spid="2"/>
+                                        </p:tgtEl>
+                                        <p:attrNameLst>
+                                          <p:attrName>ppt_x</p:attrName>
+                                        </p:attrNameLst>
+                                      </p:cBhvr>
+                                      <p:tavLst>
+                                        <p:tav tm="0">
+                                          <p:val>
+                                            <p:strVal val="#ppt_x"/>
+                                          </p:val>
+                                        </p:tav>
+                                        <p:tav tm="100000">
+                                          <p:val>
+                                            <p:strVal val="#ppt_x"/>
+                                          </p:val>
+                                        </p:tav>
+                                      </p:tavLst>
+                                    </p:anim>
+                                    <p:anim calcmode="lin" valueType="num">
+                                      <p:cBhvr>
+                                        <p:cTn id="9" dur="1000" fill="hold"/>
+                                        <p:tgtEl>
+                                          <p:spTgt spid="2"/>
+                                        </p:tgtEl>
+                                        <p:attrNameLst>
+                                          <p:attrName>ppt_y</p:attrName>
+                                        </p:attrNameLst>
+                                      </p:cBhvr>
+                                      <p:tavLst>
+                                        <p:tav tm="0">
+                                          <p:val>
+                                            <p:strVal val="#ppt_y+.1"/>
+                                          </p:val>
+                                        </p:tav>
+                                        <p:tav tm="100000">
+                                          <p:val>
+                                            <p:strVal val="#ppt_y"/>
+                                          </p:val>
+                                        </p:tav>
+                                      </p:tavLst>
+                                    </p:anim>
+                                  </p:childTnLst>
+                                </p:cTn>
+                              </p:par>
+                            </p:childTnLst>
+                          </p:cTn>
+                        </p:par>
+                        <p:par>
+                          <p:cTn id="10" fill="hold">
+                            <p:stCondLst>
+                              <p:cond delay="1000"/>
+                            </p:stCondLst>
+                            <p:childTnLst>
+                              <p:par>
+                                <p:cTn id="11" presetID="22" presetClass="entr" presetSubtype="8" fill="hold" nodeType="afterEffect">
+                                  <p:stCondLst>
+                                    <p:cond delay="0"/>
+                                  </p:stCondLst>
+                                  <p:childTnLst>
+                                    <p:set>
+                                      <p:cBhvr>
+                                        <p:cTn id="12" dur="1" fill="hold">
+                                          <p:stCondLst>
+                                            <p:cond delay="0"/>
+                                          </p:stCondLst>
+                                        </p:cTn>
+                                        <p:tgtEl>
+                                          <p:spTgt spid="4"/>
+                                        </p:tgtEl>
+                                        <p:attrNameLst>
+                                          <p:attrName>style.visibility</p:attrName>
+                                        </p:attrNameLst>
+                                      </p:cBhvr>
+                                      <p:to>
+                                        <p:strVal val="visible"/>
+                                      </p:to>
+                                    </p:set>
+                                    <p:animEffect transition="in" filter="wipe(left)">
+                                      <p:cBhvr>
+                                        <p:cTn id="13" dur="500"/>
+                                        <p:tgtEl>
+                                          <p:spTgt spid="4"/>
+                                        </p:tgtEl>
+                                      </p:cBhvr>
+                                    </p:animEffect>
+                                  </p:childTnLst>
+                                </p:cTn>
+                              </p:par>
+                            </p:childTnLst>
+                          </p:cTn>
+                        </p:par>
+                      </p:childTnLst>
+                    </p:cTn>
+                  </p:par>
+                </p:childTnLst>
+              </p:cTn>
+              <p:prevCondLst>
+                <p:cond evt="onPrev" delay="0">
+                  <p:tgtEl>
+                    <p:sldTgt/>
+                  </p:tgtEl>
+                </p:cond>
+              </p:prevCondLst>
+              <p:nextCondLst>
+                <p:cond evt="onNext" delay="0">
+                  <p:tgtEl>
+                    <p:sldTgt/>
+                  </p:tgtEl>
+                </p:cond>
+              </p:nextCondLst>
+            </p:seq>
+          </p:childTnLst>
+        </p:cTn>
+      </p:par>
+    </p:tnLst>
+    <p:bldLst>
+      <p:bldP spid="2" grpId="0"/>
+    </p:bldLst>
+  </p:timing>
+</p:sld>
+</file>
+
+<file path=ppt/slides/slide19.xml><?xml version="1.0" encoding="utf-8"?>
+<p:sld xmlns:a="http://schemas.openxmlformats.org/drawingml/2006/main" xmlns:r="http://schemas.openxmlformats.org/officeDocument/2006/relationships" xmlns:p="http://schemas.openxmlformats.org/presentationml/2006/main">
+  <p:cSld>
+    <p:bg>
+      <p:bgPr>
+        <a:solidFill>
+          <a:schemeClr val="bg2">
+            <a:lumMod val="10000"/>
+          </a:schemeClr>
+        </a:solidFill>
+        <a:effectLst/>
+      </p:bgPr>
+    </p:bg>
+    <p:spTree>
+      <p:nvGrpSpPr>
+        <p:cNvPr id="1" name=""/>
+        <p:cNvGrpSpPr/>
+        <p:nvPr/>
+      </p:nvGrpSpPr>
+      <p:grpSpPr>
+        <a:xfrm>
+          <a:off x="0" y="0"/>
+          <a:ext cx="0" cy="0"/>
+          <a:chOff x="0" y="0"/>
+          <a:chExt cx="0" cy="0"/>
+        </a:xfrm>
+      </p:grpSpPr>
+      <p:cxnSp>
+        <p:nvCxnSpPr>
+          <p:cNvPr id="3" name="Connecteur droit 2">
+            <a:extLst>
+              <a:ext uri="{FF2B5EF4-FFF2-40B4-BE49-F238E27FC236}">
+                <a16:creationId xmlns:a16="http://schemas.microsoft.com/office/drawing/2014/main" id="{2C584FBB-9B0E-3B6B-37DD-F3579B021262}"/>
+              </a:ext>
+            </a:extLst>
+          </p:cNvPr>
+          <p:cNvCxnSpPr/>
+          <p:nvPr/>
+        </p:nvCxnSpPr>
+        <p:spPr>
+          <a:xfrm>
+            <a:off x="1248698" y="0"/>
+            <a:ext cx="0" cy="6858000"/>
+          </a:xfrm>
+          <a:prstGeom prst="line">
+            <a:avLst/>
+          </a:prstGeom>
+          <a:ln w="76200">
+            <a:solidFill>
+              <a:srgbClr val="FF0000"/>
+            </a:solidFill>
+          </a:ln>
+        </p:spPr>
+        <p:style>
+          <a:lnRef idx="1">
+            <a:schemeClr val="accent1"/>
+          </a:lnRef>
+          <a:fillRef idx="0">
+            <a:schemeClr val="accent1"/>
+          </a:fillRef>
+          <a:effectRef idx="0">
+            <a:schemeClr val="accent1"/>
+          </a:effectRef>
+          <a:fontRef idx="minor">
+            <a:schemeClr val="tx1"/>
+          </a:fontRef>
+        </p:style>
+      </p:cxnSp>
+      <p:cxnSp>
+        <p:nvCxnSpPr>
+          <p:cNvPr id="4" name="Connecteur droit 3">
+            <a:extLst>
+              <a:ext uri="{FF2B5EF4-FFF2-40B4-BE49-F238E27FC236}">
+                <a16:creationId xmlns:a16="http://schemas.microsoft.com/office/drawing/2014/main" id="{4452CB09-AEB0-56F1-99DF-F05A9CBC3B53}"/>
+              </a:ext>
+            </a:extLst>
+          </p:cNvPr>
+          <p:cNvCxnSpPr/>
+          <p:nvPr/>
+        </p:nvCxnSpPr>
+        <p:spPr>
+          <a:xfrm>
+            <a:off x="978309" y="0"/>
+            <a:ext cx="0" cy="6858000"/>
+          </a:xfrm>
+          <a:prstGeom prst="line">
+            <a:avLst/>
+          </a:prstGeom>
+          <a:ln w="76200">
+            <a:solidFill>
+              <a:srgbClr val="FF0000"/>
+            </a:solidFill>
+          </a:ln>
+        </p:spPr>
+        <p:style>
+          <a:lnRef idx="1">
+            <a:schemeClr val="accent1"/>
+          </a:lnRef>
+          <a:fillRef idx="0">
+            <a:schemeClr val="accent1"/>
+          </a:fillRef>
+          <a:effectRef idx="0">
+            <a:schemeClr val="accent1"/>
+          </a:effectRef>
+          <a:fontRef idx="minor">
+            <a:schemeClr val="tx1"/>
+          </a:fontRef>
+        </p:style>
+      </p:cxnSp>
+      <p:sp>
+        <p:nvSpPr>
+          <p:cNvPr id="5" name="ZoneTexte 4">
+            <a:extLst>
+              <a:ext uri="{FF2B5EF4-FFF2-40B4-BE49-F238E27FC236}">
+                <a16:creationId xmlns:a16="http://schemas.microsoft.com/office/drawing/2014/main" id="{EE3C297E-5A3F-2233-B263-F5397205E51B}"/>
+              </a:ext>
+            </a:extLst>
+          </p:cNvPr>
+          <p:cNvSpPr txBox="1"/>
+          <p:nvPr/>
+        </p:nvSpPr>
+        <p:spPr>
+          <a:xfrm>
+            <a:off x="1519087" y="422786"/>
+            <a:ext cx="7079222" cy="646331"/>
+          </a:xfrm>
+          <a:prstGeom prst="rect">
+            <a:avLst/>
+          </a:prstGeom>
+          <a:noFill/>
+        </p:spPr>
+        <p:txBody>
+          <a:bodyPr wrap="square" rtlCol="0">
+            <a:spAutoFit/>
+          </a:bodyPr>
+          <a:lstStyle/>
+          <a:p>
+            <a:r>
+              <a:rPr lang="fr-FR" sz="3600" b="1" dirty="0">
+                <a:solidFill>
+                  <a:schemeClr val="bg1"/>
+                </a:solidFill>
+                <a:latin typeface="Microsoft JhengHei Light" panose="020B0304030504040204" pitchFamily="34" charset="-120"/>
+                <a:ea typeface="Microsoft JhengHei Light" panose="020B0304030504040204" pitchFamily="34" charset="-120"/>
+              </a:rPr>
+              <a:t>2.10) </a:t>
+            </a:r>
+            <a:r>
+              <a:rPr lang="fr-FR" sz="3600" b="1" u="sng" dirty="0">
+                <a:solidFill>
+                  <a:schemeClr val="bg1"/>
+                </a:solidFill>
+                <a:latin typeface="Microsoft JhengHei Light" panose="020B0304030504040204" pitchFamily="34" charset="-120"/>
+                <a:ea typeface="Microsoft JhengHei Light" panose="020B0304030504040204" pitchFamily="34" charset="-120"/>
+              </a:rPr>
+              <a:t>Tests de performances</a:t>
+            </a:r>
+            <a:r>
+              <a:rPr lang="fr-FR" sz="3600" b="1" dirty="0">
+                <a:solidFill>
+                  <a:schemeClr val="bg1"/>
+                </a:solidFill>
+                <a:latin typeface="Microsoft JhengHei Light" panose="020B0304030504040204" pitchFamily="34" charset="-120"/>
+                <a:ea typeface="Microsoft JhengHei Light" panose="020B0304030504040204" pitchFamily="34" charset="-120"/>
+              </a:rPr>
+              <a:t> :</a:t>
+            </a:r>
+          </a:p>
+        </p:txBody>
+      </p:sp>
+      <p:sp>
+        <p:nvSpPr>
+          <p:cNvPr id="6" name="ZoneTexte 5">
+            <a:extLst>
+              <a:ext uri="{FF2B5EF4-FFF2-40B4-BE49-F238E27FC236}">
+                <a16:creationId xmlns:a16="http://schemas.microsoft.com/office/drawing/2014/main" id="{0D071E89-7525-9471-2E45-1F64A7C82839}"/>
+              </a:ext>
+            </a:extLst>
+          </p:cNvPr>
+          <p:cNvSpPr txBox="1"/>
+          <p:nvPr/>
+        </p:nvSpPr>
+        <p:spPr>
+          <a:xfrm>
+            <a:off x="1519087" y="1515035"/>
+            <a:ext cx="3003176" cy="369332"/>
+          </a:xfrm>
+          <a:prstGeom prst="rect">
+            <a:avLst/>
+          </a:prstGeom>
+          <a:noFill/>
+        </p:spPr>
+        <p:txBody>
+          <a:bodyPr wrap="square" rtlCol="0">
+            <a:spAutoFit/>
+          </a:bodyPr>
+          <a:lstStyle/>
+          <a:p>
+            <a:r>
+              <a:rPr lang="fr-FR" b="1" dirty="0">
+                <a:solidFill>
+                  <a:schemeClr val="bg1"/>
+                </a:solidFill>
+                <a:latin typeface="Microsoft JhengHei Light" panose="020B0304030504040204" pitchFamily="34" charset="-120"/>
+                <a:ea typeface="Microsoft JhengHei Light" panose="020B0304030504040204" pitchFamily="34" charset="-120"/>
+              </a:rPr>
+              <a:t>* </a:t>
+            </a:r>
+            <a:r>
+              <a:rPr lang="fr-FR" b="1" u="sng" dirty="0">
+                <a:solidFill>
+                  <a:schemeClr val="bg1"/>
+                </a:solidFill>
+                <a:latin typeface="Microsoft JhengHei Light" panose="020B0304030504040204" pitchFamily="34" charset="-120"/>
+                <a:ea typeface="Microsoft JhengHei Light" panose="020B0304030504040204" pitchFamily="34" charset="-120"/>
+              </a:rPr>
+              <a:t>Définition</a:t>
+            </a:r>
+            <a:r>
+              <a:rPr lang="fr-FR" b="1" dirty="0">
+                <a:solidFill>
+                  <a:schemeClr val="bg1"/>
+                </a:solidFill>
+                <a:latin typeface="Microsoft JhengHei Light" panose="020B0304030504040204" pitchFamily="34" charset="-120"/>
+                <a:ea typeface="Microsoft JhengHei Light" panose="020B0304030504040204" pitchFamily="34" charset="-120"/>
+              </a:rPr>
+              <a:t> :</a:t>
+            </a:r>
+          </a:p>
+        </p:txBody>
+      </p:sp>
+      <p:sp>
+        <p:nvSpPr>
+          <p:cNvPr id="7" name="ZoneTexte 6">
+            <a:extLst>
+              <a:ext uri="{FF2B5EF4-FFF2-40B4-BE49-F238E27FC236}">
+                <a16:creationId xmlns:a16="http://schemas.microsoft.com/office/drawing/2014/main" id="{1281D776-7B0B-5A37-2C19-E23A27AECE81}"/>
+              </a:ext>
+            </a:extLst>
+          </p:cNvPr>
+          <p:cNvSpPr txBox="1"/>
+          <p:nvPr/>
+        </p:nvSpPr>
+        <p:spPr>
+          <a:xfrm>
+            <a:off x="1519087" y="2223246"/>
+            <a:ext cx="9646020" cy="646331"/>
+          </a:xfrm>
+          <a:prstGeom prst="rect">
+            <a:avLst/>
+          </a:prstGeom>
+          <a:noFill/>
+        </p:spPr>
+        <p:txBody>
+          <a:bodyPr wrap="square" rtlCol="0">
+            <a:spAutoFit/>
+          </a:bodyPr>
+          <a:lstStyle/>
+          <a:p>
+            <a:pPr algn="just"/>
+            <a:r>
+              <a:rPr lang="fr-FR" dirty="0">
+                <a:solidFill>
+                  <a:schemeClr val="bg1"/>
+                </a:solidFill>
+                <a:latin typeface="Microsoft JhengHei Light" panose="020B0304030504040204" pitchFamily="34" charset="-120"/>
+                <a:ea typeface="Microsoft JhengHei Light" panose="020B0304030504040204" pitchFamily="34" charset="-120"/>
+              </a:rPr>
+              <a:t>Les tests de performances est défini comme un test qui consiste à déterminer la performance d’un système. </a:t>
+            </a:r>
+          </a:p>
+        </p:txBody>
+      </p:sp>
+      <p:sp>
+        <p:nvSpPr>
+          <p:cNvPr id="8" name="ZoneTexte 7">
+            <a:extLst>
+              <a:ext uri="{FF2B5EF4-FFF2-40B4-BE49-F238E27FC236}">
+                <a16:creationId xmlns:a16="http://schemas.microsoft.com/office/drawing/2014/main" id="{931A1FD0-3EBC-BD3F-85BC-14BBA4C808D0}"/>
+              </a:ext>
+            </a:extLst>
+          </p:cNvPr>
+          <p:cNvSpPr txBox="1"/>
+          <p:nvPr/>
+        </p:nvSpPr>
+        <p:spPr>
+          <a:xfrm>
+            <a:off x="1519087" y="3208456"/>
+            <a:ext cx="9762560" cy="923330"/>
+          </a:xfrm>
+          <a:prstGeom prst="rect">
+            <a:avLst/>
+          </a:prstGeom>
+          <a:noFill/>
+        </p:spPr>
+        <p:txBody>
+          <a:bodyPr wrap="square" rtlCol="0">
+            <a:spAutoFit/>
+          </a:bodyPr>
+          <a:lstStyle/>
+          <a:p>
+            <a:pPr algn="just"/>
+            <a:r>
+              <a:rPr lang="fr-FR" dirty="0">
+                <a:solidFill>
+                  <a:schemeClr val="bg1"/>
+                </a:solidFill>
+                <a:latin typeface="Microsoft JhengHei Light" panose="020B0304030504040204" pitchFamily="34" charset="-120"/>
+                <a:ea typeface="Microsoft JhengHei Light" panose="020B0304030504040204" pitchFamily="34" charset="-120"/>
+              </a:rPr>
+              <a:t>L’acceptation la plus courante de ce terme est celle dans laquelle ces tests logiciels et qui vont avoir pour objectif de mesurer le temps de réaction de l’application ou du logiciel en fonction de sa sollicitation.</a:t>
+            </a:r>
+          </a:p>
+        </p:txBody>
+      </p:sp>
+    </p:spTree>
+    <p:extLst>
+      <p:ext uri="{BB962C8B-B14F-4D97-AF65-F5344CB8AC3E}">
+        <p14:creationId xmlns:p14="http://schemas.microsoft.com/office/powerpoint/2010/main" val="2014555455"/>
+      </p:ext>
+    </p:extLst>
+  </p:cSld>
+  <p:clrMapOvr>
+    <a:masterClrMapping/>
+  </p:clrMapOvr>
+  <p:timing>
+    <p:tnLst>
+      <p:par>
+        <p:cTn id="1" dur="indefinite" restart="never" nodeType="tmRoot">
+          <p:childTnLst>
+            <p:seq concurrent="1" nextAc="seek">
+              <p:cTn id="2" dur="indefinite" nodeType="mainSeq">
+                <p:childTnLst>
+                  <p:par>
+                    <p:cTn id="3" fill="hold">
+                      <p:stCondLst>
+                        <p:cond delay="indefinite"/>
+                        <p:cond evt="onBegin" delay="0">
+                          <p:tn val="2"/>
+                        </p:cond>
+                      </p:stCondLst>
+                      <p:childTnLst>
+                        <p:par>
+                          <p:cTn id="4" fill="hold">
+                            <p:stCondLst>
+                              <p:cond delay="0"/>
+                            </p:stCondLst>
+                            <p:childTnLst>
+                              <p:par>
+                                <p:cTn id="5" presetID="10" presetClass="entr" presetSubtype="0" fill="hold" nodeType="withEffect">
+                                  <p:stCondLst>
+                                    <p:cond delay="0"/>
+                                  </p:stCondLst>
+                                  <p:childTnLst>
+                                    <p:set>
+                                      <p:cBhvr>
+                                        <p:cTn id="6" dur="1" fill="hold">
+                                          <p:stCondLst>
+                                            <p:cond delay="0"/>
+                                          </p:stCondLst>
+                                        </p:cTn>
+                                        <p:tgtEl>
+                                          <p:spTgt spid="4"/>
+                                        </p:tgtEl>
+                                        <p:attrNameLst>
+                                          <p:attrName>style.visibility</p:attrName>
+                                        </p:attrNameLst>
+                                      </p:cBhvr>
+                                      <p:to>
+                                        <p:strVal val="visible"/>
+                                      </p:to>
+                                    </p:set>
+                                    <p:animEffect transition="in" filter="fade">
+                                      <p:cBhvr>
+                                        <p:cTn id="7" dur="300"/>
+                                        <p:tgtEl>
+                                          <p:spTgt spid="4"/>
+                                        </p:tgtEl>
+                                      </p:cBhvr>
+                                    </p:animEffect>
+                                  </p:childTnLst>
+                                </p:cTn>
+                              </p:par>
+                            </p:childTnLst>
+                          </p:cTn>
+                        </p:par>
+                        <p:par>
+                          <p:cTn id="8" fill="hold">
+                            <p:stCondLst>
+                              <p:cond delay="300"/>
+                            </p:stCondLst>
+                            <p:childTnLst>
+                              <p:par>
+                                <p:cTn id="9" presetID="10" presetClass="entr" presetSubtype="0" fill="hold" nodeType="afterEffect">
+                                  <p:stCondLst>
+                                    <p:cond delay="0"/>
+                                  </p:stCondLst>
+                                  <p:childTnLst>
+                                    <p:set>
+                                      <p:cBhvr>
+                                        <p:cTn id="10" dur="1" fill="hold">
+                                          <p:stCondLst>
+                                            <p:cond delay="0"/>
+                                          </p:stCondLst>
+                                        </p:cTn>
+                                        <p:tgtEl>
+                                          <p:spTgt spid="3"/>
+                                        </p:tgtEl>
+                                        <p:attrNameLst>
+                                          <p:attrName>style.visibility</p:attrName>
+                                        </p:attrNameLst>
+                                      </p:cBhvr>
+                                      <p:to>
+                                        <p:strVal val="visible"/>
+                                      </p:to>
+                                    </p:set>
+                                    <p:animEffect transition="in" filter="fade">
+                                      <p:cBhvr>
+                                        <p:cTn id="11" dur="300"/>
+                                        <p:tgtEl>
+                                          <p:spTgt spid="3"/>
+                                        </p:tgtEl>
+                                      </p:cBhvr>
+                                    </p:animEffect>
+                                  </p:childTnLst>
+                                </p:cTn>
+                              </p:par>
+                            </p:childTnLst>
+                          </p:cTn>
+                        </p:par>
+                      </p:childTnLst>
+                    </p:cTn>
+                  </p:par>
+                  <p:par>
+                    <p:cTn id="12" fill="hold">
+                      <p:stCondLst>
+                        <p:cond delay="indefinite"/>
+                      </p:stCondLst>
+                      <p:childTnLst>
+                        <p:par>
+                          <p:cTn id="13" fill="hold">
+                            <p:stCondLst>
+                              <p:cond delay="0"/>
+                            </p:stCondLst>
+                            <p:childTnLst>
+                              <p:par>
+                                <p:cTn id="14" presetID="42" presetClass="entr" presetSubtype="0" fill="hold" grpId="0" nodeType="clickEffect">
+                                  <p:stCondLst>
+                                    <p:cond delay="0"/>
+                                  </p:stCondLst>
+                                  <p:childTnLst>
+                                    <p:set>
+                                      <p:cBhvr>
+                                        <p:cTn id="15" dur="1" fill="hold">
+                                          <p:stCondLst>
+                                            <p:cond delay="0"/>
+                                          </p:stCondLst>
+                                        </p:cTn>
+                                        <p:tgtEl>
+                                          <p:spTgt spid="5"/>
+                                        </p:tgtEl>
+                                        <p:attrNameLst>
+                                          <p:attrName>style.visibility</p:attrName>
+                                        </p:attrNameLst>
+                                      </p:cBhvr>
+                                      <p:to>
+                                        <p:strVal val="visible"/>
+                                      </p:to>
+                                    </p:set>
+                                    <p:animEffect transition="in" filter="fade">
+                                      <p:cBhvr>
+                                        <p:cTn id="16" dur="1000"/>
+                                        <p:tgtEl>
+                                          <p:spTgt spid="5"/>
+                                        </p:tgtEl>
+                                      </p:cBhvr>
+                                    </p:animEffect>
+                                    <p:anim calcmode="lin" valueType="num">
+                                      <p:cBhvr>
+                                        <p:cTn id="17" dur="1000" fill="hold"/>
+                                        <p:tgtEl>
+                                          <p:spTgt spid="5"/>
+                                        </p:tgtEl>
+                                        <p:attrNameLst>
+                                          <p:attrName>ppt_x</p:attrName>
+                                        </p:attrNameLst>
+                                      </p:cBhvr>
+                                      <p:tavLst>
+                                        <p:tav tm="0">
+                                          <p:val>
+                                            <p:strVal val="#ppt_x"/>
+                                          </p:val>
+                                        </p:tav>
+                                        <p:tav tm="100000">
+                                          <p:val>
+                                            <p:strVal val="#ppt_x"/>
+                                          </p:val>
+                                        </p:tav>
+                                      </p:tavLst>
+                                    </p:anim>
+                                    <p:anim calcmode="lin" valueType="num">
+                                      <p:cBhvr>
+                                        <p:cTn id="18" dur="1000" fill="hold"/>
+                                        <p:tgtEl>
+                                          <p:spTgt spid="5"/>
+                                        </p:tgtEl>
+                                        <p:attrNameLst>
+                                          <p:attrName>ppt_y</p:attrName>
+                                        </p:attrNameLst>
+                                      </p:cBhvr>
+                                      <p:tavLst>
+                                        <p:tav tm="0">
+                                          <p:val>
+                                            <p:strVal val="#ppt_y+.1"/>
+                                          </p:val>
+                                        </p:tav>
+                                        <p:tav tm="100000">
+                                          <p:val>
+                                            <p:strVal val="#ppt_y"/>
+                                          </p:val>
+                                        </p:tav>
+                                      </p:tavLst>
+                                    </p:anim>
+                                  </p:childTnLst>
+                                </p:cTn>
+                              </p:par>
+                            </p:childTnLst>
+                          </p:cTn>
+                        </p:par>
+                      </p:childTnLst>
+                    </p:cTn>
+                  </p:par>
+                  <p:par>
+                    <p:cTn id="19" fill="hold">
+                      <p:stCondLst>
+                        <p:cond delay="indefinite"/>
+                      </p:stCondLst>
+                      <p:childTnLst>
+                        <p:par>
+                          <p:cTn id="20" fill="hold">
+                            <p:stCondLst>
+                              <p:cond delay="0"/>
+                            </p:stCondLst>
+                            <p:childTnLst>
+                              <p:par>
+                                <p:cTn id="21" presetID="10" presetClass="entr" presetSubtype="0" fill="hold" grpId="0" nodeType="clickEffect">
+                                  <p:stCondLst>
+                                    <p:cond delay="0"/>
+                                  </p:stCondLst>
+                                  <p:childTnLst>
+                                    <p:set>
+                                      <p:cBhvr>
+                                        <p:cTn id="22" dur="1" fill="hold">
+                                          <p:stCondLst>
+                                            <p:cond delay="0"/>
+                                          </p:stCondLst>
+                                        </p:cTn>
+                                        <p:tgtEl>
+                                          <p:spTgt spid="6"/>
+                                        </p:tgtEl>
+                                        <p:attrNameLst>
+                                          <p:attrName>style.visibility</p:attrName>
+                                        </p:attrNameLst>
+                                      </p:cBhvr>
+                                      <p:to>
+                                        <p:strVal val="visible"/>
+                                      </p:to>
+                                    </p:set>
+                                    <p:animEffect transition="in" filter="fade">
+                                      <p:cBhvr>
+                                        <p:cTn id="23" dur="500"/>
+                                        <p:tgtEl>
+                                          <p:spTgt spid="6"/>
+                                        </p:tgtEl>
+                                      </p:cBhvr>
+                                    </p:animEffect>
+                                  </p:childTnLst>
+                                </p:cTn>
+                              </p:par>
+                              <p:par>
+                                <p:cTn id="24" presetID="10" presetClass="entr" presetSubtype="0" fill="hold" grpId="0" nodeType="withEffect">
+                                  <p:stCondLst>
+                                    <p:cond delay="0"/>
+                                  </p:stCondLst>
+                                  <p:childTnLst>
+                                    <p:set>
+                                      <p:cBhvr>
+                                        <p:cTn id="25" dur="1" fill="hold">
+                                          <p:stCondLst>
+                                            <p:cond delay="0"/>
+                                          </p:stCondLst>
+                                        </p:cTn>
+                                        <p:tgtEl>
+                                          <p:spTgt spid="7"/>
+                                        </p:tgtEl>
+                                        <p:attrNameLst>
+                                          <p:attrName>style.visibility</p:attrName>
+                                        </p:attrNameLst>
+                                      </p:cBhvr>
+                                      <p:to>
+                                        <p:strVal val="visible"/>
+                                      </p:to>
+                                    </p:set>
+                                    <p:animEffect transition="in" filter="fade">
+                                      <p:cBhvr>
+                                        <p:cTn id="26" dur="500"/>
+                                        <p:tgtEl>
+                                          <p:spTgt spid="7"/>
+                                        </p:tgtEl>
+                                      </p:cBhvr>
+                                    </p:animEffect>
+                                  </p:childTnLst>
+                                </p:cTn>
+                              </p:par>
+                              <p:par>
+                                <p:cTn id="27" presetID="10" presetClass="entr" presetSubtype="0" fill="hold" grpId="0" nodeType="withEffect">
+                                  <p:stCondLst>
+                                    <p:cond delay="0"/>
+                                  </p:stCondLst>
+                                  <p:childTnLst>
+                                    <p:set>
+                                      <p:cBhvr>
+                                        <p:cTn id="28" dur="1" fill="hold">
+                                          <p:stCondLst>
+                                            <p:cond delay="0"/>
+                                          </p:stCondLst>
+                                        </p:cTn>
+                                        <p:tgtEl>
+                                          <p:spTgt spid="8"/>
+                                        </p:tgtEl>
+                                        <p:attrNameLst>
+                                          <p:attrName>style.visibility</p:attrName>
+                                        </p:attrNameLst>
+                                      </p:cBhvr>
+                                      <p:to>
+                                        <p:strVal val="visible"/>
+                                      </p:to>
+                                    </p:set>
+                                    <p:animEffect transition="in" filter="fade">
+                                      <p:cBhvr>
+                                        <p:cTn id="29" dur="500"/>
+                                        <p:tgtEl>
+                                          <p:spTgt spid="8"/>
+                                        </p:tgtEl>
+                                      </p:cBhvr>
+                                    </p:animEffect>
+                                  </p:childTnLst>
+                                </p:cTn>
+                              </p:par>
+                            </p:childTnLst>
+                          </p:cTn>
+                        </p:par>
+                      </p:childTnLst>
+                    </p:cTn>
+                  </p:par>
+                </p:childTnLst>
+              </p:cTn>
+              <p:prevCondLst>
+                <p:cond evt="onPrev" delay="0">
+                  <p:tgtEl>
+                    <p:sldTgt/>
+                  </p:tgtEl>
+                </p:cond>
+              </p:prevCondLst>
+              <p:nextCondLst>
+                <p:cond evt="onNext" delay="0">
+                  <p:tgtEl>
+                    <p:sldTgt/>
+                  </p:tgtEl>
+                </p:cond>
+              </p:nextCondLst>
+            </p:seq>
+          </p:childTnLst>
+        </p:cTn>
+      </p:par>
+    </p:tnLst>
+    <p:bldLst>
+      <p:bldP spid="5" grpId="0"/>
+      <p:bldP spid="6" grpId="0"/>
+      <p:bldP spid="7" grpId="0"/>
+      <p:bldP spid="8" grpId="0"/>
     </p:bldLst>
   </p:timing>
 </p:sld>
@@ -7504,6 +11272,262 @@
       <p:bldP spid="5" grpId="0"/>
       <p:bldP spid="7" grpId="0"/>
     </p:bldLst>
+  </p:timing>
+</p:sld>
+</file>
+
+<file path=ppt/slides/slide20.xml><?xml version="1.0" encoding="utf-8"?>
+<p:sld xmlns:a="http://schemas.openxmlformats.org/drawingml/2006/main" xmlns:r="http://schemas.openxmlformats.org/officeDocument/2006/relationships" xmlns:p="http://schemas.openxmlformats.org/presentationml/2006/main">
+  <p:cSld>
+    <p:bg>
+      <p:bgPr>
+        <a:solidFill>
+          <a:schemeClr val="bg2">
+            <a:lumMod val="10000"/>
+          </a:schemeClr>
+        </a:solidFill>
+        <a:effectLst/>
+      </p:bgPr>
+    </p:bg>
+    <p:spTree>
+      <p:nvGrpSpPr>
+        <p:cNvPr id="1" name=""/>
+        <p:cNvGrpSpPr/>
+        <p:nvPr/>
+      </p:nvGrpSpPr>
+      <p:grpSpPr>
+        <a:xfrm>
+          <a:off x="0" y="0"/>
+          <a:ext cx="0" cy="0"/>
+          <a:chOff x="0" y="0"/>
+          <a:chExt cx="0" cy="0"/>
+        </a:xfrm>
+      </p:grpSpPr>
+      <p:cxnSp>
+        <p:nvCxnSpPr>
+          <p:cNvPr id="3" name="Connecteur droit 2">
+            <a:extLst>
+              <a:ext uri="{FF2B5EF4-FFF2-40B4-BE49-F238E27FC236}">
+                <a16:creationId xmlns:a16="http://schemas.microsoft.com/office/drawing/2014/main" id="{534FB347-04C0-266A-C636-37DBDF88AF56}"/>
+              </a:ext>
+            </a:extLst>
+          </p:cNvPr>
+          <p:cNvCxnSpPr>
+            <a:cxnSpLocks/>
+          </p:cNvCxnSpPr>
+          <p:nvPr/>
+        </p:nvCxnSpPr>
+        <p:spPr>
+          <a:xfrm>
+            <a:off x="959224" y="0"/>
+            <a:ext cx="0" cy="6858000"/>
+          </a:xfrm>
+          <a:prstGeom prst="line">
+            <a:avLst/>
+          </a:prstGeom>
+          <a:ln w="76200">
+            <a:solidFill>
+              <a:srgbClr val="FF0000"/>
+            </a:solidFill>
+          </a:ln>
+        </p:spPr>
+        <p:style>
+          <a:lnRef idx="1">
+            <a:schemeClr val="accent1"/>
+          </a:lnRef>
+          <a:fillRef idx="0">
+            <a:schemeClr val="accent1"/>
+          </a:fillRef>
+          <a:effectRef idx="0">
+            <a:schemeClr val="accent1"/>
+          </a:effectRef>
+          <a:fontRef idx="minor">
+            <a:schemeClr val="tx1"/>
+          </a:fontRef>
+        </p:style>
+      </p:cxnSp>
+      <p:cxnSp>
+        <p:nvCxnSpPr>
+          <p:cNvPr id="4" name="Connecteur droit 3">
+            <a:extLst>
+              <a:ext uri="{FF2B5EF4-FFF2-40B4-BE49-F238E27FC236}">
+                <a16:creationId xmlns:a16="http://schemas.microsoft.com/office/drawing/2014/main" id="{2A34E173-749E-05F4-D624-E5A36727AD64}"/>
+              </a:ext>
+            </a:extLst>
+          </p:cNvPr>
+          <p:cNvCxnSpPr>
+            <a:cxnSpLocks/>
+          </p:cNvCxnSpPr>
+          <p:nvPr/>
+        </p:nvCxnSpPr>
+        <p:spPr>
+          <a:xfrm>
+            <a:off x="1246094" y="0"/>
+            <a:ext cx="0" cy="6858000"/>
+          </a:xfrm>
+          <a:prstGeom prst="line">
+            <a:avLst/>
+          </a:prstGeom>
+          <a:ln w="76200">
+            <a:solidFill>
+              <a:srgbClr val="FF0000"/>
+            </a:solidFill>
+          </a:ln>
+        </p:spPr>
+        <p:style>
+          <a:lnRef idx="1">
+            <a:schemeClr val="accent1"/>
+          </a:lnRef>
+          <a:fillRef idx="0">
+            <a:schemeClr val="accent1"/>
+          </a:fillRef>
+          <a:effectRef idx="0">
+            <a:schemeClr val="accent1"/>
+          </a:effectRef>
+          <a:fontRef idx="minor">
+            <a:schemeClr val="tx1"/>
+          </a:fontRef>
+        </p:style>
+      </p:cxnSp>
+    </p:spTree>
+    <p:extLst>
+      <p:ext uri="{BB962C8B-B14F-4D97-AF65-F5344CB8AC3E}">
+        <p14:creationId xmlns:p14="http://schemas.microsoft.com/office/powerpoint/2010/main" val="2449236391"/>
+      </p:ext>
+    </p:extLst>
+  </p:cSld>
+  <p:clrMapOvr>
+    <a:masterClrMapping/>
+  </p:clrMapOvr>
+  <p:timing>
+    <p:tnLst>
+      <p:par>
+        <p:cTn id="1" dur="indefinite" restart="never" nodeType="tmRoot">
+          <p:childTnLst>
+            <p:seq concurrent="1" nextAc="seek">
+              <p:cTn id="2" dur="indefinite" nodeType="mainSeq">
+                <p:childTnLst>
+                  <p:par>
+                    <p:cTn id="3" fill="hold">
+                      <p:stCondLst>
+                        <p:cond delay="indefinite"/>
+                        <p:cond evt="onBegin" delay="0">
+                          <p:tn val="2"/>
+                        </p:cond>
+                      </p:stCondLst>
+                      <p:childTnLst>
+                        <p:par>
+                          <p:cTn id="4" fill="hold">
+                            <p:stCondLst>
+                              <p:cond delay="0"/>
+                            </p:stCondLst>
+                            <p:childTnLst>
+                              <p:par>
+                                <p:cTn id="5" presetID="10" presetClass="entr" presetSubtype="0" fill="hold" nodeType="withEffect">
+                                  <p:stCondLst>
+                                    <p:cond delay="0"/>
+                                  </p:stCondLst>
+                                  <p:childTnLst>
+                                    <p:set>
+                                      <p:cBhvr>
+                                        <p:cTn id="6" dur="1" fill="hold">
+                                          <p:stCondLst>
+                                            <p:cond delay="0"/>
+                                          </p:stCondLst>
+                                        </p:cTn>
+                                        <p:tgtEl>
+                                          <p:spTgt spid="3"/>
+                                        </p:tgtEl>
+                                        <p:attrNameLst>
+                                          <p:attrName>style.visibility</p:attrName>
+                                        </p:attrNameLst>
+                                      </p:cBhvr>
+                                      <p:to>
+                                        <p:strVal val="visible"/>
+                                      </p:to>
+                                    </p:set>
+                                    <p:animEffect transition="in" filter="fade">
+                                      <p:cBhvr>
+                                        <p:cTn id="7" dur="300"/>
+                                        <p:tgtEl>
+                                          <p:spTgt spid="3"/>
+                                        </p:tgtEl>
+                                      </p:cBhvr>
+                                    </p:animEffect>
+                                  </p:childTnLst>
+                                </p:cTn>
+                              </p:par>
+                            </p:childTnLst>
+                          </p:cTn>
+                        </p:par>
+                        <p:par>
+                          <p:cTn id="8" fill="hold">
+                            <p:stCondLst>
+                              <p:cond delay="300"/>
+                            </p:stCondLst>
+                            <p:childTnLst>
+                              <p:par>
+                                <p:cTn id="9" presetID="10" presetClass="entr" presetSubtype="0" fill="hold" nodeType="afterEffect">
+                                  <p:stCondLst>
+                                    <p:cond delay="0"/>
+                                  </p:stCondLst>
+                                  <p:childTnLst>
+                                    <p:set>
+                                      <p:cBhvr>
+                                        <p:cTn id="10" dur="1" fill="hold">
+                                          <p:stCondLst>
+                                            <p:cond delay="0"/>
+                                          </p:stCondLst>
+                                        </p:cTn>
+                                        <p:tgtEl>
+                                          <p:spTgt spid="4"/>
+                                        </p:tgtEl>
+                                        <p:attrNameLst>
+                                          <p:attrName>style.visibility</p:attrName>
+                                        </p:attrNameLst>
+                                      </p:cBhvr>
+                                      <p:to>
+                                        <p:strVal val="visible"/>
+                                      </p:to>
+                                    </p:set>
+                                    <p:animEffect transition="in" filter="fade">
+                                      <p:cBhvr>
+                                        <p:cTn id="11" dur="300"/>
+                                        <p:tgtEl>
+                                          <p:spTgt spid="4"/>
+                                        </p:tgtEl>
+                                      </p:cBhvr>
+                                    </p:animEffect>
+                                  </p:childTnLst>
+                                </p:cTn>
+                              </p:par>
+                            </p:childTnLst>
+                          </p:cTn>
+                        </p:par>
+                      </p:childTnLst>
+                    </p:cTn>
+                  </p:par>
+                </p:childTnLst>
+              </p:cTn>
+              <p:prevCondLst>
+                <p:cond evt="onPrev" delay="0">
+                  <p:tgtEl>
+                    <p:sldTgt/>
+                  </p:tgtEl>
+                </p:cond>
+              </p:prevCondLst>
+              <p:nextCondLst>
+                <p:cond evt="onNext" delay="0">
+                  <p:tgtEl>
+                    <p:sldTgt/>
+                  </p:tgtEl>
+                </p:cond>
+              </p:nextCondLst>
+            </p:seq>
+          </p:childTnLst>
+        </p:cTn>
+      </p:par>
+    </p:tnLst>
   </p:timing>
 </p:sld>
 </file>
@@ -8297,7 +12321,7 @@
                             </p:stCondLst>
                             <p:childTnLst>
                               <p:par>
-                                <p:cTn id="5" presetID="10" presetClass="entr" presetSubtype="0" fill="hold" grpId="0" nodeType="clickEffect">
+                                <p:cTn id="5" presetID="42" presetClass="entr" presetSubtype="0" fill="hold" grpId="0" nodeType="clickEffect">
                                   <p:stCondLst>
                                     <p:cond delay="0"/>
                                   </p:stCondLst>
@@ -8322,24 +12346,79 @@
                                     </p:set>
                                     <p:animEffect transition="in" filter="fade">
                                       <p:cBhvr>
-                                        <p:cTn id="7" dur="500"/>
+                                        <p:cTn id="7" dur="1000"/>
                                         <p:tgtEl>
                                           <p:spTgt spid="2"/>
                                         </p:tgtEl>
                                       </p:cBhvr>
                                     </p:animEffect>
+                                    <p:anim calcmode="lin" valueType="num">
+                                      <p:cBhvr>
+                                        <p:cTn id="8" dur="1000" fill="hold"/>
+                                        <p:tgtEl>
+                                          <p:spTgt spid="2"/>
+                                        </p:tgtEl>
+                                        <p:attrNameLst>
+                                          <p:attrName>ppt_x</p:attrName>
+                                        </p:attrNameLst>
+                                      </p:cBhvr>
+                                      <p:tavLst>
+                                        <p:tav tm="0">
+                                          <p:val>
+                                            <p:strVal val="#ppt_x"/>
+                                          </p:val>
+                                        </p:tav>
+                                        <p:tav tm="100000">
+                                          <p:val>
+                                            <p:strVal val="#ppt_x"/>
+                                          </p:val>
+                                        </p:tav>
+                                      </p:tavLst>
+                                    </p:anim>
+                                    <p:anim calcmode="lin" valueType="num">
+                                      <p:cBhvr>
+                                        <p:cTn id="9" dur="1000" fill="hold"/>
+                                        <p:tgtEl>
+                                          <p:spTgt spid="2"/>
+                                        </p:tgtEl>
+                                        <p:attrNameLst>
+                                          <p:attrName>ppt_y</p:attrName>
+                                        </p:attrNameLst>
+                                      </p:cBhvr>
+                                      <p:tavLst>
+                                        <p:tav tm="0">
+                                          <p:val>
+                                            <p:strVal val="#ppt_y+.1"/>
+                                          </p:val>
+                                        </p:tav>
+                                        <p:tav tm="100000">
+                                          <p:val>
+                                            <p:strVal val="#ppt_y"/>
+                                          </p:val>
+                                        </p:tav>
+                                      </p:tavLst>
+                                    </p:anim>
                                   </p:childTnLst>
                                 </p:cTn>
                               </p:par>
+                            </p:childTnLst>
+                          </p:cTn>
+                        </p:par>
+                        <p:par>
+                          <p:cTn id="10" fill="hold">
+                            <p:stCondLst>
+                              <p:cond delay="1000"/>
+                            </p:stCondLst>
+                            <p:childTnLst>
                               <p:par>
-                                <p:cTn id="8" presetID="22" presetClass="entr" presetSubtype="8" fill="hold" nodeType="withEffect">
+                                <p:cTn id="11" presetID="22" presetClass="entr" presetSubtype="8" fill="hold" nodeType="afterEffect">
                                   <p:stCondLst>
                                     <p:cond delay="0"/>
                                   </p:stCondLst>
                                   <p:childTnLst>
                                     <p:set>
                                       <p:cBhvr>
-                                        <p:cTn id="9" dur="1" fill="hold">
+                                        <p:cTn id="12" dur="1" fill="hold">
                                           <p:stCondLst>
                                             <p:cond delay="0"/>
                                           </p:stCondLst>
@@ -8357,7 +12436,7 @@
                                     </p:set>
                                     <p:animEffect transition="in" filter="wipe(left)">
                                       <p:cBhvr>
-                                        <p:cTn id="10" dur="300"/>
+                                        <p:cTn id="13" dur="500"/>
                                         <p:tgtEl>
                                           <p:spTgt spid="6"/>
                                         </p:tgtEl>
@@ -9653,7 +13732,7 @@
                             </p:stCondLst>
                             <p:childTnLst>
                               <p:par>
-                                <p:cTn id="5" presetID="22" presetClass="entr" presetSubtype="8" fill="hold" nodeType="clickEffect">
+                                <p:cTn id="5" presetID="42" presetClass="entr" presetSubtype="0" fill="hold" grpId="0" nodeType="clickEffect">
                                   <p:stCondLst>
                                     <p:cond delay="0"/>
                                   </p:stCondLst>
@@ -9666,6 +13745,96 @@
                                           </p:stCondLst>
                                         </p:cTn>
                                         <p:tgtEl>
+                                          <p:spTgt spid="7"/>
+                                        </p:tgtEl>
+                                        <p:attrNameLst>
+                                          <p:attrName>style.visibility</p:attrName>
+                                        </p:attrNameLst>
+                                      </p:cBhvr>
+                                      <p:to>
+                                        <p:strVal val="visible"/>
+                                      </p:to>
+                                    </p:set>
+                                    <p:animEffect transition="in" filter="fade">
+                                      <p:cBhvr>
+                                        <p:cTn id="7" dur="1000"/>
+                                        <p:tgtEl>
+                                          <p:spTgt spid="7"/>
+                                        </p:tgtEl>
+                                      </p:cBhvr>
+                                    </p:animEffect>
+                                    <p:anim calcmode="lin" valueType="num">
+                                      <p:cBhvr>
+                                        <p:cTn id="8" dur="1000" fill="hold"/>
+                                        <p:tgtEl>
+                                          <p:spTgt spid="7"/>
+                                        </p:tgtEl>
+                                        <p:attrNameLst>
+                                          <p:attrName>ppt_x</p:attrName>
+                                        </p:attrNameLst>
+                                      </p:cBhvr>
+                                      <p:tavLst>
+                                        <p:tav tm="0">
+                                          <p:val>
+                                            <p:strVal val="#ppt_x"/>
+                                          </p:val>
+                                        </p:tav>
+                                        <p:tav tm="100000">
+                                          <p:val>
+                                            <p:strVal val="#ppt_x"/>
+                                          </p:val>
+                                        </p:tav>
+                                      </p:tavLst>
+                                    </p:anim>
+                                    <p:anim calcmode="lin" valueType="num">
+                                      <p:cBhvr>
+                                        <p:cTn id="9" dur="1000" fill="hold"/>
+                                        <p:tgtEl>
+                                          <p:spTgt spid="7"/>
+                                        </p:tgtEl>
+                                        <p:attrNameLst>
+                                          <p:attrName>ppt_y</p:attrName>
+                                        </p:attrNameLst>
+                                      </p:cBhvr>
+                                      <p:tavLst>
+                                        <p:tav tm="0">
+                                          <p:val>
+                                            <p:strVal val="#ppt_y+.1"/>
+                                          </p:val>
+                                        </p:tav>
+                                        <p:tav tm="100000">
+                                          <p:val>
+                                            <p:strVal val="#ppt_y"/>
+                                          </p:val>
+                                        </p:tav>
+                                      </p:tavLst>
+                                    </p:anim>
+                                  </p:childTnLst>
+                                </p:cTn>
+                              </p:par>
+                            </p:childTnLst>
+                          </p:cTn>
+                        </p:par>
+                        <p:par>
+                          <p:cTn id="10" fill="hold">
+                            <p:stCondLst>
+                              <p:cond delay="1000"/>
+                            </p:stCondLst>
+                            <p:childTnLst>
+                              <p:par>
+                                <p:cTn id="11" presetID="22" presetClass="entr" presetSubtype="8" fill="hold" nodeType="afterEffect">
+                                  <p:stCondLst>
+                                    <p:cond delay="0"/>
+                                  </p:stCondLst>
+                                  <p:childTnLst>
+                                    <p:set>
+                                      <p:cBhvr>
+                                        <p:cTn id="12" dur="1" fill="hold">
+                                          <p:stCondLst>
+                                            <p:cond delay="0"/>
+                                          </p:stCondLst>
+                                        </p:cTn>
+                                        <p:tgtEl>
                                           <p:spTgt spid="9"/>
                                         </p:tgtEl>
                                         <p:attrNameLst>
@@ -9678,7 +13847,7 @@
                                     </p:set>
                                     <p:animEffect transition="in" filter="wipe(left)">
                                       <p:cBhvr>
-                                        <p:cTn id="7" dur="500"/>
+                                        <p:cTn id="13" dur="500"/>
                                         <p:tgtEl>
                                           <p:spTgt spid="9"/>
                                         </p:tgtEl>
@@ -9714,6 +13883,9 @@
         </p:cTn>
       </p:par>
     </p:tnLst>
+    <p:bldLst>
+      <p:bldP spid="7" grpId="0"/>
+    </p:bldLst>
   </p:timing>
 </p:sld>
 </file>
@@ -10256,12 +14428,53 @@
           <a:chExt cx="0" cy="0"/>
         </a:xfrm>
       </p:grpSpPr>
+      <p:sp>
+        <p:nvSpPr>
+          <p:cNvPr id="2" name="ZoneTexte 1">
+            <a:extLst>
+              <a:ext uri="{FF2B5EF4-FFF2-40B4-BE49-F238E27FC236}">
+                <a16:creationId xmlns:a16="http://schemas.microsoft.com/office/drawing/2014/main" id="{DE26522D-B965-4CE4-3208-56BC51C89DD9}"/>
+              </a:ext>
+            </a:extLst>
+          </p:cNvPr>
+          <p:cNvSpPr txBox="1"/>
+          <p:nvPr/>
+        </p:nvSpPr>
+        <p:spPr>
+          <a:xfrm>
+            <a:off x="3519948" y="2861186"/>
+            <a:ext cx="5152103" cy="707886"/>
+          </a:xfrm>
+          <a:prstGeom prst="rect">
+            <a:avLst/>
+          </a:prstGeom>
+          <a:noFill/>
+        </p:spPr>
+        <p:txBody>
+          <a:bodyPr wrap="square" rtlCol="0">
+            <a:spAutoFit/>
+          </a:bodyPr>
+          <a:lstStyle/>
+          <a:p>
+            <a:r>
+              <a:rPr lang="fr-FR" sz="4000" b="1" dirty="0">
+                <a:solidFill>
+                  <a:schemeClr val="bg1"/>
+                </a:solidFill>
+                <a:latin typeface="Microsoft JhengHei Light" panose="020B0304030504040204" pitchFamily="34" charset="-120"/>
+                <a:ea typeface="Microsoft JhengHei Light" panose="020B0304030504040204" pitchFamily="34" charset="-120"/>
+              </a:rPr>
+              <a:t>Les tests fonctionnels</a:t>
+            </a:r>
+          </a:p>
+        </p:txBody>
+      </p:sp>
       <p:cxnSp>
         <p:nvCxnSpPr>
-          <p:cNvPr id="3" name="Connecteur droit 2">
-            <a:extLst>
-              <a:ext uri="{FF2B5EF4-FFF2-40B4-BE49-F238E27FC236}">
-                <a16:creationId xmlns:a16="http://schemas.microsoft.com/office/drawing/2014/main" id="{568F3B82-2C2B-F5D9-81AF-581B7FCD9C28}"/>
+          <p:cNvPr id="4" name="Connecteur droit 3">
+            <a:extLst>
+              <a:ext uri="{FF2B5EF4-FFF2-40B4-BE49-F238E27FC236}">
+                <a16:creationId xmlns:a16="http://schemas.microsoft.com/office/drawing/2014/main" id="{21E30D3E-18C2-2506-F095-92FEC4A67FB0}"/>
               </a:ext>
             </a:extLst>
           </p:cNvPr>
@@ -10270,8 +14483,8 @@
         </p:nvCxnSpPr>
         <p:spPr>
           <a:xfrm>
-            <a:off x="776748" y="0"/>
-            <a:ext cx="0" cy="6858000"/>
+            <a:off x="3647768" y="3569072"/>
+            <a:ext cx="4817806" cy="0"/>
           </a:xfrm>
           <a:prstGeom prst="line">
             <a:avLst/>
@@ -10297,251 +14510,10 @@
           </a:fontRef>
         </p:style>
       </p:cxnSp>
-      <p:cxnSp>
-        <p:nvCxnSpPr>
-          <p:cNvPr id="4" name="Connecteur droit 3">
-            <a:extLst>
-              <a:ext uri="{FF2B5EF4-FFF2-40B4-BE49-F238E27FC236}">
-                <a16:creationId xmlns:a16="http://schemas.microsoft.com/office/drawing/2014/main" id="{55714BA6-2334-CF65-0E76-5715B99A4314}"/>
-              </a:ext>
-            </a:extLst>
-          </p:cNvPr>
-          <p:cNvCxnSpPr/>
-          <p:nvPr/>
-        </p:nvCxnSpPr>
-        <p:spPr>
-          <a:xfrm>
-            <a:off x="1027471" y="0"/>
-            <a:ext cx="0" cy="6858000"/>
-          </a:xfrm>
-          <a:prstGeom prst="line">
-            <a:avLst/>
-          </a:prstGeom>
-          <a:ln w="76200">
-            <a:solidFill>
-              <a:srgbClr val="FF0000"/>
-            </a:solidFill>
-          </a:ln>
-        </p:spPr>
-        <p:style>
-          <a:lnRef idx="1">
-            <a:schemeClr val="accent1"/>
-          </a:lnRef>
-          <a:fillRef idx="0">
-            <a:schemeClr val="accent1"/>
-          </a:fillRef>
-          <a:effectRef idx="0">
-            <a:schemeClr val="accent1"/>
-          </a:effectRef>
-          <a:fontRef idx="minor">
-            <a:schemeClr val="tx1"/>
-          </a:fontRef>
-        </p:style>
-      </p:cxnSp>
-      <p:sp>
-        <p:nvSpPr>
-          <p:cNvPr id="5" name="ZoneTexte 4">
-            <a:extLst>
-              <a:ext uri="{FF2B5EF4-FFF2-40B4-BE49-F238E27FC236}">
-                <a16:creationId xmlns:a16="http://schemas.microsoft.com/office/drawing/2014/main" id="{BF50B671-D4FC-0812-06EF-02A130BCD7D1}"/>
-              </a:ext>
-            </a:extLst>
-          </p:cNvPr>
-          <p:cNvSpPr txBox="1"/>
-          <p:nvPr/>
-        </p:nvSpPr>
-        <p:spPr>
-          <a:xfrm>
-            <a:off x="1278194" y="442452"/>
-            <a:ext cx="7039897" cy="646331"/>
-          </a:xfrm>
-          <a:prstGeom prst="rect">
-            <a:avLst/>
-          </a:prstGeom>
-          <a:noFill/>
-        </p:spPr>
-        <p:txBody>
-          <a:bodyPr wrap="square" rtlCol="0">
-            <a:spAutoFit/>
-          </a:bodyPr>
-          <a:lstStyle/>
-          <a:p>
-            <a:r>
-              <a:rPr lang="fr-FR" sz="3600" b="1" dirty="0">
-                <a:solidFill>
-                  <a:schemeClr val="bg1"/>
-                </a:solidFill>
-                <a:latin typeface="Microsoft JhengHei Light" panose="020B0304030504040204" pitchFamily="34" charset="-120"/>
-                <a:ea typeface="Microsoft JhengHei Light" panose="020B0304030504040204" pitchFamily="34" charset="-120"/>
-              </a:rPr>
-              <a:t>2.2) </a:t>
-            </a:r>
-            <a:r>
-              <a:rPr lang="fr-FR" sz="3600" b="1" u="sng" dirty="0">
-                <a:solidFill>
-                  <a:schemeClr val="bg1"/>
-                </a:solidFill>
-                <a:latin typeface="Microsoft JhengHei Light" panose="020B0304030504040204" pitchFamily="34" charset="-120"/>
-                <a:ea typeface="Microsoft JhengHei Light" panose="020B0304030504040204" pitchFamily="34" charset="-120"/>
-              </a:rPr>
-              <a:t>Les tests fonctionnels</a:t>
-            </a:r>
-            <a:r>
-              <a:rPr lang="fr-FR" sz="3600" b="1" dirty="0">
-                <a:solidFill>
-                  <a:schemeClr val="bg1"/>
-                </a:solidFill>
-                <a:latin typeface="Microsoft JhengHei Light" panose="020B0304030504040204" pitchFamily="34" charset="-120"/>
-                <a:ea typeface="Microsoft JhengHei Light" panose="020B0304030504040204" pitchFamily="34" charset="-120"/>
-              </a:rPr>
-              <a:t> :</a:t>
-            </a:r>
-          </a:p>
-        </p:txBody>
-      </p:sp>
-      <p:sp>
-        <p:nvSpPr>
-          <p:cNvPr id="6" name="ZoneTexte 5">
-            <a:extLst>
-              <a:ext uri="{FF2B5EF4-FFF2-40B4-BE49-F238E27FC236}">
-                <a16:creationId xmlns:a16="http://schemas.microsoft.com/office/drawing/2014/main" id="{7CF7ED87-385D-2DB0-F073-349D96F79BDE}"/>
-              </a:ext>
-            </a:extLst>
-          </p:cNvPr>
-          <p:cNvSpPr txBox="1"/>
-          <p:nvPr/>
-        </p:nvSpPr>
-        <p:spPr>
-          <a:xfrm>
-            <a:off x="1278194" y="1468400"/>
-            <a:ext cx="3038167" cy="369332"/>
-          </a:xfrm>
-          <a:prstGeom prst="rect">
-            <a:avLst/>
-          </a:prstGeom>
-          <a:noFill/>
-        </p:spPr>
-        <p:txBody>
-          <a:bodyPr wrap="square" rtlCol="0">
-            <a:spAutoFit/>
-          </a:bodyPr>
-          <a:lstStyle/>
-          <a:p>
-            <a:r>
-              <a:rPr lang="fr-FR" b="1" dirty="0">
-                <a:solidFill>
-                  <a:schemeClr val="bg1"/>
-                </a:solidFill>
-                <a:latin typeface="Microsoft JhengHei Light" panose="020B0304030504040204" pitchFamily="34" charset="-120"/>
-                <a:ea typeface="Microsoft JhengHei Light" panose="020B0304030504040204" pitchFamily="34" charset="-120"/>
-              </a:rPr>
-              <a:t>* </a:t>
-            </a:r>
-            <a:r>
-              <a:rPr lang="fr-FR" b="1" u="sng" dirty="0">
-                <a:solidFill>
-                  <a:schemeClr val="bg1"/>
-                </a:solidFill>
-                <a:latin typeface="Microsoft JhengHei Light" panose="020B0304030504040204" pitchFamily="34" charset="-120"/>
-                <a:ea typeface="Microsoft JhengHei Light" panose="020B0304030504040204" pitchFamily="34" charset="-120"/>
-              </a:rPr>
-              <a:t>Définition</a:t>
-            </a:r>
-            <a:r>
-              <a:rPr lang="fr-FR" b="1" dirty="0">
-                <a:solidFill>
-                  <a:schemeClr val="bg1"/>
-                </a:solidFill>
-                <a:latin typeface="Microsoft JhengHei Light" panose="020B0304030504040204" pitchFamily="34" charset="-120"/>
-                <a:ea typeface="Microsoft JhengHei Light" panose="020B0304030504040204" pitchFamily="34" charset="-120"/>
-              </a:rPr>
-              <a:t> :</a:t>
-            </a:r>
-          </a:p>
-        </p:txBody>
-      </p:sp>
-      <p:sp>
-        <p:nvSpPr>
-          <p:cNvPr id="7" name="ZoneTexte 6">
-            <a:extLst>
-              <a:ext uri="{FF2B5EF4-FFF2-40B4-BE49-F238E27FC236}">
-                <a16:creationId xmlns:a16="http://schemas.microsoft.com/office/drawing/2014/main" id="{3A49505B-FF2C-B6D2-B186-74464FC275ED}"/>
-              </a:ext>
-            </a:extLst>
-          </p:cNvPr>
-          <p:cNvSpPr txBox="1"/>
-          <p:nvPr/>
-        </p:nvSpPr>
-        <p:spPr>
-          <a:xfrm>
-            <a:off x="1278194" y="2217349"/>
-            <a:ext cx="9733547" cy="1477328"/>
-          </a:xfrm>
-          <a:prstGeom prst="rect">
-            <a:avLst/>
-          </a:prstGeom>
-          <a:noFill/>
-        </p:spPr>
-        <p:txBody>
-          <a:bodyPr wrap="square" rtlCol="0">
-            <a:spAutoFit/>
-          </a:bodyPr>
-          <a:lstStyle/>
-          <a:p>
-            <a:pPr algn="just"/>
-            <a:r>
-              <a:rPr lang="fr-FR" dirty="0">
-                <a:solidFill>
-                  <a:schemeClr val="bg1"/>
-                </a:solidFill>
-                <a:latin typeface="Microsoft JhengHei Light" panose="020B0304030504040204" pitchFamily="34" charset="-120"/>
-                <a:ea typeface="Microsoft JhengHei Light" panose="020B0304030504040204" pitchFamily="34" charset="-120"/>
-              </a:rPr>
-              <a:t>Les tests fonctionnels sont définis comme étant une approche de test qui a pour but de garantir que chaque fonctionnalité de l’application fonctionne conformément aux exigences du logiciels. Néanmoins, les tests fonctionnels sont évalués en fonction des besoins requis afin de pouvoir vérifier que les résultats attendus sont conformes aux attentes de l’utilisateur final.</a:t>
-            </a:r>
-          </a:p>
-        </p:txBody>
-      </p:sp>
-      <p:pic>
-        <p:nvPicPr>
-          <p:cNvPr id="9" name="Image 8">
-            <a:extLst>
-              <a:ext uri="{FF2B5EF4-FFF2-40B4-BE49-F238E27FC236}">
-                <a16:creationId xmlns:a16="http://schemas.microsoft.com/office/drawing/2014/main" id="{35718C13-469A-9538-2128-8477FF72F272}"/>
-              </a:ext>
-            </a:extLst>
-          </p:cNvPr>
-          <p:cNvPicPr>
-            <a:picLocks noChangeAspect="1"/>
-          </p:cNvPicPr>
-          <p:nvPr/>
-        </p:nvPicPr>
-        <p:blipFill>
-          <a:blip r:embed="rId2">
-            <a:extLst>
-              <a:ext uri="{28A0092B-C50C-407E-A947-70E740481C1C}">
-                <a14:useLocalDpi xmlns:a14="http://schemas.microsoft.com/office/drawing/2010/main" val="0"/>
-              </a:ext>
-            </a:extLst>
-          </a:blip>
-          <a:stretch>
-            <a:fillRect/>
-          </a:stretch>
-        </p:blipFill>
-        <p:spPr>
-          <a:xfrm>
-            <a:off x="4316361" y="4285130"/>
-            <a:ext cx="3717028" cy="1864377"/>
-          </a:xfrm>
-          <a:prstGeom prst="rect">
-            <a:avLst/>
-          </a:prstGeom>
-        </p:spPr>
-      </p:pic>
     </p:spTree>
     <p:extLst>
       <p:ext uri="{BB962C8B-B14F-4D97-AF65-F5344CB8AC3E}">
-        <p14:creationId xmlns:p14="http://schemas.microsoft.com/office/powerpoint/2010/main" val="1059923326"/>
+        <p14:creationId xmlns:p14="http://schemas.microsoft.com/office/powerpoint/2010/main" val="637637071"/>
       </p:ext>
     </p:extLst>
   </p:cSld>
@@ -10560,9 +14532,6 @@
                     <p:cTn id="3" fill="hold">
                       <p:stCondLst>
                         <p:cond delay="indefinite"/>
-                        <p:cond evt="onBegin" delay="0">
-                          <p:tn val="2"/>
-                        </p:cond>
                       </p:stCondLst>
                       <p:childTnLst>
                         <p:par>
@@ -10572,7 +14541,7 @@
                             </p:stCondLst>
                             <p:childTnLst>
                               <p:par>
-                                <p:cTn id="5" presetID="10" presetClass="entr" presetSubtype="0" fill="hold" nodeType="withEffect">
+                                <p:cTn id="5" presetID="42" presetClass="entr" presetSubtype="0" fill="hold" grpId="0" nodeType="clickEffect">
                                   <p:stCondLst>
                                     <p:cond delay="0"/>
                                   </p:stCondLst>
@@ -10585,7 +14554,7 @@
                                           </p:stCondLst>
                                         </p:cTn>
                                         <p:tgtEl>
-                                          <p:spTgt spid="3"/>
+                                          <p:spTgt spid="2"/>
                                         </p:tgtEl>
                                         <p:attrNameLst>
                                           <p:attrName>style.visibility</p:attrName>
@@ -10597,114 +14566,17 @@
                                     </p:set>
                                     <p:animEffect transition="in" filter="fade">
                                       <p:cBhvr>
-                                        <p:cTn id="7" dur="300"/>
-                                        <p:tgtEl>
-                                          <p:spTgt spid="3"/>
-                                        </p:tgtEl>
-                                      </p:cBhvr>
-                                    </p:animEffect>
-                                  </p:childTnLst>
-                                </p:cTn>
-                              </p:par>
-                            </p:childTnLst>
-                          </p:cTn>
-                        </p:par>
-                        <p:par>
-                          <p:cTn id="8" fill="hold">
-                            <p:stCondLst>
-                              <p:cond delay="300"/>
-                            </p:stCondLst>
-                            <p:childTnLst>
-                              <p:par>
-                                <p:cTn id="9" presetID="10" presetClass="entr" presetSubtype="0" fill="hold" nodeType="afterEffect">
-                                  <p:stCondLst>
-                                    <p:cond delay="0"/>
-                                  </p:stCondLst>
-                                  <p:childTnLst>
-                                    <p:set>
-                                      <p:cBhvr>
-                                        <p:cTn id="10" dur="1" fill="hold">
-                                          <p:stCondLst>
-                                            <p:cond delay="0"/>
-                                          </p:stCondLst>
-                                        </p:cTn>
-                                        <p:tgtEl>
-                                          <p:spTgt spid="4"/>
-                                        </p:tgtEl>
-                                        <p:attrNameLst>
-                                          <p:attrName>style.visibility</p:attrName>
-                                        </p:attrNameLst>
-                                      </p:cBhvr>
-                                      <p:to>
-                                        <p:strVal val="visible"/>
-                                      </p:to>
-                                    </p:set>
-                                    <p:animEffect transition="in" filter="fade">
-                                      <p:cBhvr>
-                                        <p:cTn id="11" dur="300"/>
-                                        <p:tgtEl>
-                                          <p:spTgt spid="4"/>
-                                        </p:tgtEl>
-                                      </p:cBhvr>
-                                    </p:animEffect>
-                                  </p:childTnLst>
-                                </p:cTn>
-                              </p:par>
-                            </p:childTnLst>
-                          </p:cTn>
-                        </p:par>
-                      </p:childTnLst>
-                    </p:cTn>
-                  </p:par>
-                  <p:par>
-                    <p:cTn id="12" fill="hold">
-                      <p:stCondLst>
-                        <p:cond delay="indefinite"/>
-                      </p:stCondLst>
-                      <p:childTnLst>
-                        <p:par>
-                          <p:cTn id="13" fill="hold">
-                            <p:stCondLst>
-                              <p:cond delay="0"/>
-                            </p:stCondLst>
-                            <p:childTnLst>
-                              <p:par>
-                                <p:cTn id="14" presetID="42" presetClass="entr" presetSubtype="0" fill="hold" grpId="0" nodeType="clickEffect">
-                                  <p:stCondLst>
-                                    <p:cond delay="0"/>
-                                  </p:stCondLst>
-                                  <p:childTnLst>
-                                    <p:set>
-                                      <p:cBhvr>
-                                        <p:cTn id="15" dur="1" fill="hold">
-                                          <p:stCondLst>
-                                            <p:cond delay="0"/>
-                                          </p:stCondLst>
-                                        </p:cTn>
-                                        <p:tgtEl>
-                                          <p:spTgt spid="5"/>
-                                        </p:tgtEl>
-                                        <p:attrNameLst>
-                                          <p:attrName>style.visibility</p:attrName>
-                                        </p:attrNameLst>
-                                      </p:cBhvr>
-                                      <p:to>
-                                        <p:strVal val="visible"/>
-                                      </p:to>
-                                    </p:set>
-                                    <p:animEffect transition="in" filter="fade">
-                                      <p:cBhvr>
-                                        <p:cTn id="16" dur="1000"/>
-                                        <p:tgtEl>
-                                          <p:spTgt spid="5"/>
+                                        <p:cTn id="7" dur="1000"/>
+                                        <p:tgtEl>
+                                          <p:spTgt spid="2"/>
                                         </p:tgtEl>
                                       </p:cBhvr>
                                     </p:animEffect>
                                     <p:anim calcmode="lin" valueType="num">
                                       <p:cBhvr>
-                                        <p:cTn id="17" dur="1000" fill="hold"/>
-                                        <p:tgtEl>
-                                          <p:spTgt spid="5"/>
+                                        <p:cTn id="8" dur="1000" fill="hold"/>
+                                        <p:tgtEl>
+                                          <p:spTgt spid="2"/>
                                         </p:tgtEl>
                                         <p:attrNameLst>
                                           <p:attrName>ppt_x</p:attrName>
@@ -10725,9 +14597,9 @@
                                     </p:anim>
                                     <p:anim calcmode="lin" valueType="num">
                                       <p:cBhvr>
-                                        <p:cTn id="18" dur="1000" fill="hold"/>
-                                        <p:tgtEl>
-                                          <p:spTgt spid="5"/>
+                                        <p:cTn id="9" dur="1000" fill="hold"/>
+                                        <p:tgtEl>
+                                          <p:spTgt spid="2"/>
                                         </p:tgtEl>
                                         <p:attrNameLst>
                                           <p:attrName>ppt_y</p:attrName>
@@ -10752,36 +14624,27 @@
                             </p:childTnLst>
                           </p:cTn>
                         </p:par>
-                      </p:childTnLst>
-                    </p:cTn>
-                  </p:par>
-                  <p:par>
-                    <p:cTn id="19" fill="hold">
-                      <p:stCondLst>
-                        <p:cond delay="indefinite"/>
-                      </p:stCondLst>
-                      <p:childTnLst>
                         <p:par>
-                          <p:cTn id="20" fill="hold">
+                          <p:cTn id="10" fill="hold">
                             <p:stCondLst>
-                              <p:cond delay="0"/>
+                              <p:cond delay="1000"/>
                             </p:stCondLst>
                             <p:childTnLst>
                               <p:par>
-                                <p:cTn id="21" presetID="10" presetClass="entr" presetSubtype="0" fill="hold" grpId="0" nodeType="clickEffect">
+                                <p:cTn id="11" presetID="22" presetClass="entr" presetSubtype="8" fill="hold" nodeType="afterEffect">
                                   <p:stCondLst>
                                     <p:cond delay="0"/>
                                   </p:stCondLst>
                                   <p:childTnLst>
                                     <p:set>
                                       <p:cBhvr>
-                                        <p:cTn id="22" dur="1" fill="hold">
+                                        <p:cTn id="12" dur="1" fill="hold">
                                           <p:stCondLst>
                                             <p:cond delay="0"/>
                                           </p:stCondLst>
                                         </p:cTn>
                                         <p:tgtEl>
-                                          <p:spTgt spid="6"/>
+                                          <p:spTgt spid="4"/>
                                         </p:tgtEl>
                                         <p:attrNameLst>
                                           <p:attrName>style.visibility</p:attrName>
@@ -10791,81 +14654,11 @@
                                         <p:strVal val="visible"/>
                                       </p:to>
                                     </p:set>
-                                    <p:animEffect transition="in" filter="fade">
-                                      <p:cBhvr>
-                                        <p:cTn id="23" dur="500"/>
-                                        <p:tgtEl>
-                                          <p:spTgt spid="6"/>
-                                        </p:tgtEl>
-                                      </p:cBhvr>
-                                    </p:animEffect>
-                                  </p:childTnLst>
-                                </p:cTn>
-                              </p:par>
-                              <p:par>
-                                <p:cTn id="24" presetID="10" presetClass="entr" presetSubtype="0" fill="hold" grpId="0" nodeType="withEffect">
-                                  <p:stCondLst>
-                                    <p:cond delay="0"/>
-                                  </p:stCondLst>
-                                  <p:childTnLst>
-                                    <p:set>
-                                      <p:cBhvr>
-                                        <p:cTn id="25" dur="1" fill="hold">
-                                          <p:stCondLst>
-                                            <p:cond delay="0"/>
-                                          </p:stCondLst>
-                                        </p:cTn>
-                                        <p:tgtEl>
-                                          <p:spTgt spid="7"/>
-                                        </p:tgtEl>
-                                        <p:attrNameLst>
-                                          <p:attrName>style.visibility</p:attrName>
-                                        </p:attrNameLst>
-                                      </p:cBhvr>
-                                      <p:to>
-                                        <p:strVal val="visible"/>
-                                      </p:to>
-                                    </p:set>
-                                    <p:animEffect transition="in" filter="fade">
-                                      <p:cBhvr>
-                                        <p:cTn id="26" dur="500"/>
-                                        <p:tgtEl>
-                                          <p:spTgt spid="7"/>
-                                        </p:tgtEl>
-                                      </p:cBhvr>
-                                    </p:animEffect>
-                                  </p:childTnLst>
-                                </p:cTn>
-                              </p:par>
-                              <p:par>
-                                <p:cTn id="27" presetID="10" presetClass="entr" presetSubtype="0" fill="hold" nodeType="withEffect">
-                                  <p:stCondLst>
-                                    <p:cond delay="0"/>
-                                  </p:stCondLst>
-                                  <p:childTnLst>
-                                    <p:set>
-                                      <p:cBhvr>
-                                        <p:cTn id="28" dur="1" fill="hold">
-                                          <p:stCondLst>
-                                            <p:cond delay="0"/>
-                                          </p:stCondLst>
-                                        </p:cTn>
-                                        <p:tgtEl>
-                                          <p:spTgt spid="9"/>
-                                        </p:tgtEl>
-                                        <p:attrNameLst>
-                                          <p:attrName>style.visibility</p:attrName>
-                                        </p:attrNameLst>
-                                      </p:cBhvr>
-                                      <p:to>
-                                        <p:strVal val="visible"/>
-                                      </p:to>
-                                    </p:set>
-                                    <p:animEffect transition="in" filter="fade">
-                                      <p:cBhvr>
-                                        <p:cTn id="29" dur="500"/>
-                                        <p:tgtEl>
-                                          <p:spTgt spid="9"/>
+                                    <p:animEffect transition="in" filter="wipe(left)">
+                                      <p:cBhvr>
+                                        <p:cTn id="13" dur="500"/>
+                                        <p:tgtEl>
+                                          <p:spTgt spid="4"/>
                                         </p:tgtEl>
                                       </p:cBhvr>
                                     </p:animEffect>
@@ -10900,9 +14693,7 @@
       </p:par>
     </p:tnLst>
     <p:bldLst>
-      <p:bldP spid="5" grpId="0"/>
-      <p:bldP spid="6" grpId="0"/>
-      <p:bldP spid="7" grpId="0"/>
+      <p:bldP spid="2" grpId="0"/>
     </p:bldLst>
   </p:timing>
 </p:sld>

--- a/TRAVAUX/powerpointRevisionISTQB.pptx
+++ b/TRAVAUX/powerpointRevisionISTQB.pptx
@@ -8,23 +8,31 @@
     <p:sldId id="256" r:id="rId2"/>
     <p:sldId id="257" r:id="rId3"/>
     <p:sldId id="258" r:id="rId4"/>
-    <p:sldId id="264" r:id="rId5"/>
-    <p:sldId id="277" r:id="rId6"/>
-    <p:sldId id="259" r:id="rId7"/>
-    <p:sldId id="271" r:id="rId8"/>
-    <p:sldId id="272" r:id="rId9"/>
-    <p:sldId id="282" r:id="rId10"/>
-    <p:sldId id="273" r:id="rId11"/>
-    <p:sldId id="274" r:id="rId12"/>
-    <p:sldId id="275" r:id="rId13"/>
-    <p:sldId id="276" r:id="rId14"/>
-    <p:sldId id="278" r:id="rId15"/>
-    <p:sldId id="279" r:id="rId16"/>
-    <p:sldId id="280" r:id="rId17"/>
-    <p:sldId id="281" r:id="rId18"/>
-    <p:sldId id="283" r:id="rId19"/>
-    <p:sldId id="284" r:id="rId20"/>
-    <p:sldId id="285" r:id="rId21"/>
+    <p:sldId id="292" r:id="rId5"/>
+    <p:sldId id="293" r:id="rId6"/>
+    <p:sldId id="264" r:id="rId7"/>
+    <p:sldId id="277" r:id="rId8"/>
+    <p:sldId id="259" r:id="rId9"/>
+    <p:sldId id="271" r:id="rId10"/>
+    <p:sldId id="272" r:id="rId11"/>
+    <p:sldId id="282" r:id="rId12"/>
+    <p:sldId id="273" r:id="rId13"/>
+    <p:sldId id="274" r:id="rId14"/>
+    <p:sldId id="275" r:id="rId15"/>
+    <p:sldId id="276" r:id="rId16"/>
+    <p:sldId id="278" r:id="rId17"/>
+    <p:sldId id="279" r:id="rId18"/>
+    <p:sldId id="280" r:id="rId19"/>
+    <p:sldId id="281" r:id="rId20"/>
+    <p:sldId id="283" r:id="rId21"/>
+    <p:sldId id="289" r:id="rId22"/>
+    <p:sldId id="290" r:id="rId23"/>
+    <p:sldId id="284" r:id="rId24"/>
+    <p:sldId id="285" r:id="rId25"/>
+    <p:sldId id="286" r:id="rId26"/>
+    <p:sldId id="287" r:id="rId27"/>
+    <p:sldId id="288" r:id="rId28"/>
+    <p:sldId id="291" r:id="rId29"/>
   </p:sldIdLst>
   <p:sldSz cx="12192000" cy="6858000"/>
   <p:notesSz cx="6858000" cy="9144000"/>
@@ -289,7 +297,7 @@
           <a:p>
             <a:fld id="{95064FEC-2A3E-4BEE-8A13-D371E2A14C5E}" type="datetimeFigureOut">
               <a:rPr lang="fr-FR" smtClean="0"/>
-              <a:t>23/06/2023</a:t>
+              <a:t>28/06/2023</a:t>
             </a:fld>
             <a:endParaRPr lang="fr-FR"/>
           </a:p>
@@ -487,7 +495,7 @@
           <a:p>
             <a:fld id="{95064FEC-2A3E-4BEE-8A13-D371E2A14C5E}" type="datetimeFigureOut">
               <a:rPr lang="fr-FR" smtClean="0"/>
-              <a:t>23/06/2023</a:t>
+              <a:t>28/06/2023</a:t>
             </a:fld>
             <a:endParaRPr lang="fr-FR"/>
           </a:p>
@@ -695,7 +703,7 @@
           <a:p>
             <a:fld id="{95064FEC-2A3E-4BEE-8A13-D371E2A14C5E}" type="datetimeFigureOut">
               <a:rPr lang="fr-FR" smtClean="0"/>
-              <a:t>23/06/2023</a:t>
+              <a:t>28/06/2023</a:t>
             </a:fld>
             <a:endParaRPr lang="fr-FR"/>
           </a:p>
@@ -893,7 +901,7 @@
           <a:p>
             <a:fld id="{95064FEC-2A3E-4BEE-8A13-D371E2A14C5E}" type="datetimeFigureOut">
               <a:rPr lang="fr-FR" smtClean="0"/>
-              <a:t>23/06/2023</a:t>
+              <a:t>28/06/2023</a:t>
             </a:fld>
             <a:endParaRPr lang="fr-FR"/>
           </a:p>
@@ -1168,7 +1176,7 @@
           <a:p>
             <a:fld id="{95064FEC-2A3E-4BEE-8A13-D371E2A14C5E}" type="datetimeFigureOut">
               <a:rPr lang="fr-FR" smtClean="0"/>
-              <a:t>23/06/2023</a:t>
+              <a:t>28/06/2023</a:t>
             </a:fld>
             <a:endParaRPr lang="fr-FR"/>
           </a:p>
@@ -1433,7 +1441,7 @@
           <a:p>
             <a:fld id="{95064FEC-2A3E-4BEE-8A13-D371E2A14C5E}" type="datetimeFigureOut">
               <a:rPr lang="fr-FR" smtClean="0"/>
-              <a:t>23/06/2023</a:t>
+              <a:t>28/06/2023</a:t>
             </a:fld>
             <a:endParaRPr lang="fr-FR"/>
           </a:p>
@@ -1845,7 +1853,7 @@
           <a:p>
             <a:fld id="{95064FEC-2A3E-4BEE-8A13-D371E2A14C5E}" type="datetimeFigureOut">
               <a:rPr lang="fr-FR" smtClean="0"/>
-              <a:t>23/06/2023</a:t>
+              <a:t>28/06/2023</a:t>
             </a:fld>
             <a:endParaRPr lang="fr-FR"/>
           </a:p>
@@ -1986,7 +1994,7 @@
           <a:p>
             <a:fld id="{95064FEC-2A3E-4BEE-8A13-D371E2A14C5E}" type="datetimeFigureOut">
               <a:rPr lang="fr-FR" smtClean="0"/>
-              <a:t>23/06/2023</a:t>
+              <a:t>28/06/2023</a:t>
             </a:fld>
             <a:endParaRPr lang="fr-FR"/>
           </a:p>
@@ -2099,7 +2107,7 @@
           <a:p>
             <a:fld id="{95064FEC-2A3E-4BEE-8A13-D371E2A14C5E}" type="datetimeFigureOut">
               <a:rPr lang="fr-FR" smtClean="0"/>
-              <a:t>23/06/2023</a:t>
+              <a:t>28/06/2023</a:t>
             </a:fld>
             <a:endParaRPr lang="fr-FR"/>
           </a:p>
@@ -2410,7 +2418,7 @@
           <a:p>
             <a:fld id="{95064FEC-2A3E-4BEE-8A13-D371E2A14C5E}" type="datetimeFigureOut">
               <a:rPr lang="fr-FR" smtClean="0"/>
-              <a:t>23/06/2023</a:t>
+              <a:t>28/06/2023</a:t>
             </a:fld>
             <a:endParaRPr lang="fr-FR"/>
           </a:p>
@@ -2698,7 +2706,7 @@
           <a:p>
             <a:fld id="{95064FEC-2A3E-4BEE-8A13-D371E2A14C5E}" type="datetimeFigureOut">
               <a:rPr lang="fr-FR" smtClean="0"/>
-              <a:t>23/06/2023</a:t>
+              <a:t>28/06/2023</a:t>
             </a:fld>
             <a:endParaRPr lang="fr-FR"/>
           </a:p>
@@ -2939,7 +2947,7 @@
           <a:p>
             <a:fld id="{95064FEC-2A3E-4BEE-8A13-D371E2A14C5E}" type="datetimeFigureOut">
               <a:rPr lang="fr-FR" smtClean="0"/>
-              <a:t>23/06/2023</a:t>
+              <a:t>28/06/2023</a:t>
             </a:fld>
             <a:endParaRPr lang="fr-FR"/>
           </a:p>
@@ -4123,6 +4131,815 @@
           <p:cNvPr id="3" name="Connecteur droit 2">
             <a:extLst>
               <a:ext uri="{FF2B5EF4-FFF2-40B4-BE49-F238E27FC236}">
+                <a16:creationId xmlns:a16="http://schemas.microsoft.com/office/drawing/2014/main" id="{1E7E39D6-26F3-E0B0-7C85-C711D06D6782}"/>
+              </a:ext>
+            </a:extLst>
+          </p:cNvPr>
+          <p:cNvCxnSpPr/>
+          <p:nvPr/>
+        </p:nvCxnSpPr>
+        <p:spPr>
+          <a:xfrm>
+            <a:off x="806245" y="0"/>
+            <a:ext cx="0" cy="6858000"/>
+          </a:xfrm>
+          <a:prstGeom prst="line">
+            <a:avLst/>
+          </a:prstGeom>
+          <a:ln w="76200">
+            <a:solidFill>
+              <a:srgbClr val="FF0000"/>
+            </a:solidFill>
+          </a:ln>
+        </p:spPr>
+        <p:style>
+          <a:lnRef idx="1">
+            <a:schemeClr val="accent1"/>
+          </a:lnRef>
+          <a:fillRef idx="0">
+            <a:schemeClr val="accent1"/>
+          </a:fillRef>
+          <a:effectRef idx="0">
+            <a:schemeClr val="accent1"/>
+          </a:effectRef>
+          <a:fontRef idx="minor">
+            <a:schemeClr val="tx1"/>
+          </a:fontRef>
+        </p:style>
+      </p:cxnSp>
+      <p:cxnSp>
+        <p:nvCxnSpPr>
+          <p:cNvPr id="4" name="Connecteur droit 3">
+            <a:extLst>
+              <a:ext uri="{FF2B5EF4-FFF2-40B4-BE49-F238E27FC236}">
+                <a16:creationId xmlns:a16="http://schemas.microsoft.com/office/drawing/2014/main" id="{32A0EF0B-79CD-4C29-25A1-B7AA2260EBFB}"/>
+              </a:ext>
+            </a:extLst>
+          </p:cNvPr>
+          <p:cNvCxnSpPr/>
+          <p:nvPr/>
+        </p:nvCxnSpPr>
+        <p:spPr>
+          <a:xfrm>
+            <a:off x="997973" y="0"/>
+            <a:ext cx="0" cy="6858000"/>
+          </a:xfrm>
+          <a:prstGeom prst="line">
+            <a:avLst/>
+          </a:prstGeom>
+          <a:ln w="76200">
+            <a:solidFill>
+              <a:srgbClr val="FF0000"/>
+            </a:solidFill>
+          </a:ln>
+        </p:spPr>
+        <p:style>
+          <a:lnRef idx="1">
+            <a:schemeClr val="accent1"/>
+          </a:lnRef>
+          <a:fillRef idx="0">
+            <a:schemeClr val="accent1"/>
+          </a:fillRef>
+          <a:effectRef idx="0">
+            <a:schemeClr val="accent1"/>
+          </a:effectRef>
+          <a:fontRef idx="minor">
+            <a:schemeClr val="tx1"/>
+          </a:fontRef>
+        </p:style>
+      </p:cxnSp>
+      <p:sp>
+        <p:nvSpPr>
+          <p:cNvPr id="6" name="ZoneTexte 5">
+            <a:extLst>
+              <a:ext uri="{FF2B5EF4-FFF2-40B4-BE49-F238E27FC236}">
+                <a16:creationId xmlns:a16="http://schemas.microsoft.com/office/drawing/2014/main" id="{5C21A721-4808-E8BE-9456-EE3DE455EB30}"/>
+              </a:ext>
+            </a:extLst>
+          </p:cNvPr>
+          <p:cNvSpPr txBox="1"/>
+          <p:nvPr/>
+        </p:nvSpPr>
+        <p:spPr>
+          <a:xfrm>
+            <a:off x="1199533" y="530942"/>
+            <a:ext cx="8367252" cy="646331"/>
+          </a:xfrm>
+          <a:prstGeom prst="rect">
+            <a:avLst/>
+          </a:prstGeom>
+          <a:noFill/>
+        </p:spPr>
+        <p:txBody>
+          <a:bodyPr wrap="square" rtlCol="0">
+            <a:spAutoFit/>
+          </a:bodyPr>
+          <a:lstStyle/>
+          <a:p>
+            <a:r>
+              <a:rPr lang="fr-FR" sz="3600" b="1" dirty="0">
+                <a:solidFill>
+                  <a:schemeClr val="bg1"/>
+                </a:solidFill>
+                <a:latin typeface="Microsoft JhengHei Light" panose="020B0304030504040204" pitchFamily="34" charset="-120"/>
+                <a:ea typeface="Microsoft JhengHei Light" panose="020B0304030504040204" pitchFamily="34" charset="-120"/>
+              </a:rPr>
+              <a:t>2.1) </a:t>
+            </a:r>
+            <a:r>
+              <a:rPr lang="fr-FR" sz="3600" b="1" u="sng" dirty="0">
+                <a:solidFill>
+                  <a:schemeClr val="bg1"/>
+                </a:solidFill>
+                <a:latin typeface="Microsoft JhengHei Light" panose="020B0304030504040204" pitchFamily="34" charset="-120"/>
+                <a:ea typeface="Microsoft JhengHei Light" panose="020B0304030504040204" pitchFamily="34" charset="-120"/>
+              </a:rPr>
+              <a:t>Les différents types de tests</a:t>
+            </a:r>
+            <a:r>
+              <a:rPr lang="fr-FR" sz="3600" b="1" dirty="0">
+                <a:solidFill>
+                  <a:schemeClr val="bg1"/>
+                </a:solidFill>
+                <a:latin typeface="Microsoft JhengHei Light" panose="020B0304030504040204" pitchFamily="34" charset="-120"/>
+                <a:ea typeface="Microsoft JhengHei Light" panose="020B0304030504040204" pitchFamily="34" charset="-120"/>
+              </a:rPr>
+              <a:t> :</a:t>
+            </a:r>
+            <a:endParaRPr lang="fr-FR" sz="3600" b="1" u="sng" dirty="0">
+              <a:solidFill>
+                <a:schemeClr val="bg1"/>
+              </a:solidFill>
+              <a:latin typeface="Microsoft JhengHei Light" panose="020B0304030504040204" pitchFamily="34" charset="-120"/>
+              <a:ea typeface="Microsoft JhengHei Light" panose="020B0304030504040204" pitchFamily="34" charset="-120"/>
+            </a:endParaRPr>
+          </a:p>
+        </p:txBody>
+      </p:sp>
+      <p:pic>
+        <p:nvPicPr>
+          <p:cNvPr id="8" name="Image 7" descr="Une image contenant texte, capture d’écran, Police, logiciel&#10;&#10;Description générée automatiquement">
+            <a:extLst>
+              <a:ext uri="{FF2B5EF4-FFF2-40B4-BE49-F238E27FC236}">
+                <a16:creationId xmlns:a16="http://schemas.microsoft.com/office/drawing/2014/main" id="{9F326AEE-30B3-81FA-B4C1-AFDE6C783409}"/>
+              </a:ext>
+            </a:extLst>
+          </p:cNvPr>
+          <p:cNvPicPr>
+            <a:picLocks noChangeAspect="1"/>
+          </p:cNvPicPr>
+          <p:nvPr/>
+        </p:nvPicPr>
+        <p:blipFill>
+          <a:blip r:embed="rId2">
+            <a:extLst>
+              <a:ext uri="{28A0092B-C50C-407E-A947-70E740481C1C}">
+                <a14:useLocalDpi xmlns:a14="http://schemas.microsoft.com/office/drawing/2010/main" val="0"/>
+              </a:ext>
+            </a:extLst>
+          </a:blip>
+          <a:stretch>
+            <a:fillRect/>
+          </a:stretch>
+        </p:blipFill>
+        <p:spPr>
+          <a:xfrm>
+            <a:off x="1327354" y="2192049"/>
+            <a:ext cx="10363201" cy="2985180"/>
+          </a:xfrm>
+          <a:prstGeom prst="rect">
+            <a:avLst/>
+          </a:prstGeom>
+        </p:spPr>
+      </p:pic>
+    </p:spTree>
+    <p:extLst>
+      <p:ext uri="{BB962C8B-B14F-4D97-AF65-F5344CB8AC3E}">
+        <p14:creationId xmlns:p14="http://schemas.microsoft.com/office/powerpoint/2010/main" val="3283985364"/>
+      </p:ext>
+    </p:extLst>
+  </p:cSld>
+  <p:clrMapOvr>
+    <a:masterClrMapping/>
+  </p:clrMapOvr>
+  <p:timing>
+    <p:tnLst>
+      <p:par>
+        <p:cTn id="1" dur="indefinite" restart="never" nodeType="tmRoot">
+          <p:childTnLst>
+            <p:seq concurrent="1" nextAc="seek">
+              <p:cTn id="2" dur="indefinite" nodeType="mainSeq">
+                <p:childTnLst>
+                  <p:par>
+                    <p:cTn id="3" fill="hold">
+                      <p:stCondLst>
+                        <p:cond delay="indefinite"/>
+                        <p:cond evt="onBegin" delay="0">
+                          <p:tn val="2"/>
+                        </p:cond>
+                      </p:stCondLst>
+                      <p:childTnLst>
+                        <p:par>
+                          <p:cTn id="4" fill="hold">
+                            <p:stCondLst>
+                              <p:cond delay="0"/>
+                            </p:stCondLst>
+                            <p:childTnLst>
+                              <p:par>
+                                <p:cTn id="5" presetID="10" presetClass="entr" presetSubtype="0" fill="hold" nodeType="withEffect">
+                                  <p:stCondLst>
+                                    <p:cond delay="0"/>
+                                  </p:stCondLst>
+                                  <p:childTnLst>
+                                    <p:set>
+                                      <p:cBhvr>
+                                        <p:cTn id="6" dur="1" fill="hold">
+                                          <p:stCondLst>
+                                            <p:cond delay="0"/>
+                                          </p:stCondLst>
+                                        </p:cTn>
+                                        <p:tgtEl>
+                                          <p:spTgt spid="3"/>
+                                        </p:tgtEl>
+                                        <p:attrNameLst>
+                                          <p:attrName>style.visibility</p:attrName>
+                                        </p:attrNameLst>
+                                      </p:cBhvr>
+                                      <p:to>
+                                        <p:strVal val="visible"/>
+                                      </p:to>
+                                    </p:set>
+                                    <p:animEffect transition="in" filter="fade">
+                                      <p:cBhvr>
+                                        <p:cTn id="7" dur="300"/>
+                                        <p:tgtEl>
+                                          <p:spTgt spid="3"/>
+                                        </p:tgtEl>
+                                      </p:cBhvr>
+                                    </p:animEffect>
+                                  </p:childTnLst>
+                                </p:cTn>
+                              </p:par>
+                            </p:childTnLst>
+                          </p:cTn>
+                        </p:par>
+                        <p:par>
+                          <p:cTn id="8" fill="hold">
+                            <p:stCondLst>
+                              <p:cond delay="300"/>
+                            </p:stCondLst>
+                            <p:childTnLst>
+                              <p:par>
+                                <p:cTn id="9" presetID="10" presetClass="entr" presetSubtype="0" fill="hold" nodeType="afterEffect">
+                                  <p:stCondLst>
+                                    <p:cond delay="0"/>
+                                  </p:stCondLst>
+                                  <p:childTnLst>
+                                    <p:set>
+                                      <p:cBhvr>
+                                        <p:cTn id="10" dur="1" fill="hold">
+                                          <p:stCondLst>
+                                            <p:cond delay="0"/>
+                                          </p:stCondLst>
+                                        </p:cTn>
+                                        <p:tgtEl>
+                                          <p:spTgt spid="4"/>
+                                        </p:tgtEl>
+                                        <p:attrNameLst>
+                                          <p:attrName>style.visibility</p:attrName>
+                                        </p:attrNameLst>
+                                      </p:cBhvr>
+                                      <p:to>
+                                        <p:strVal val="visible"/>
+                                      </p:to>
+                                    </p:set>
+                                    <p:animEffect transition="in" filter="fade">
+                                      <p:cBhvr>
+                                        <p:cTn id="11" dur="300"/>
+                                        <p:tgtEl>
+                                          <p:spTgt spid="4"/>
+                                        </p:tgtEl>
+                                      </p:cBhvr>
+                                    </p:animEffect>
+                                  </p:childTnLst>
+                                </p:cTn>
+                              </p:par>
+                            </p:childTnLst>
+                          </p:cTn>
+                        </p:par>
+                      </p:childTnLst>
+                    </p:cTn>
+                  </p:par>
+                  <p:par>
+                    <p:cTn id="12" fill="hold">
+                      <p:stCondLst>
+                        <p:cond delay="indefinite"/>
+                      </p:stCondLst>
+                      <p:childTnLst>
+                        <p:par>
+                          <p:cTn id="13" fill="hold">
+                            <p:stCondLst>
+                              <p:cond delay="0"/>
+                            </p:stCondLst>
+                            <p:childTnLst>
+                              <p:par>
+                                <p:cTn id="14" presetID="42" presetClass="entr" presetSubtype="0" fill="hold" grpId="0" nodeType="clickEffect">
+                                  <p:stCondLst>
+                                    <p:cond delay="0"/>
+                                  </p:stCondLst>
+                                  <p:childTnLst>
+                                    <p:set>
+                                      <p:cBhvr>
+                                        <p:cTn id="15" dur="1" fill="hold">
+                                          <p:stCondLst>
+                                            <p:cond delay="0"/>
+                                          </p:stCondLst>
+                                        </p:cTn>
+                                        <p:tgtEl>
+                                          <p:spTgt spid="6"/>
+                                        </p:tgtEl>
+                                        <p:attrNameLst>
+                                          <p:attrName>style.visibility</p:attrName>
+                                        </p:attrNameLst>
+                                      </p:cBhvr>
+                                      <p:to>
+                                        <p:strVal val="visible"/>
+                                      </p:to>
+                                    </p:set>
+                                    <p:animEffect transition="in" filter="fade">
+                                      <p:cBhvr>
+                                        <p:cTn id="16" dur="1000"/>
+                                        <p:tgtEl>
+                                          <p:spTgt spid="6"/>
+                                        </p:tgtEl>
+                                      </p:cBhvr>
+                                    </p:animEffect>
+                                    <p:anim calcmode="lin" valueType="num">
+                                      <p:cBhvr>
+                                        <p:cTn id="17" dur="1000" fill="hold"/>
+                                        <p:tgtEl>
+                                          <p:spTgt spid="6"/>
+                                        </p:tgtEl>
+                                        <p:attrNameLst>
+                                          <p:attrName>ppt_x</p:attrName>
+                                        </p:attrNameLst>
+                                      </p:cBhvr>
+                                      <p:tavLst>
+                                        <p:tav tm="0">
+                                          <p:val>
+                                            <p:strVal val="#ppt_x"/>
+                                          </p:val>
+                                        </p:tav>
+                                        <p:tav tm="100000">
+                                          <p:val>
+                                            <p:strVal val="#ppt_x"/>
+                                          </p:val>
+                                        </p:tav>
+                                      </p:tavLst>
+                                    </p:anim>
+                                    <p:anim calcmode="lin" valueType="num">
+                                      <p:cBhvr>
+                                        <p:cTn id="18" dur="1000" fill="hold"/>
+                                        <p:tgtEl>
+                                          <p:spTgt spid="6"/>
+                                        </p:tgtEl>
+                                        <p:attrNameLst>
+                                          <p:attrName>ppt_y</p:attrName>
+                                        </p:attrNameLst>
+                                      </p:cBhvr>
+                                      <p:tavLst>
+                                        <p:tav tm="0">
+                                          <p:val>
+                                            <p:strVal val="#ppt_y+.1"/>
+                                          </p:val>
+                                        </p:tav>
+                                        <p:tav tm="100000">
+                                          <p:val>
+                                            <p:strVal val="#ppt_y"/>
+                                          </p:val>
+                                        </p:tav>
+                                      </p:tavLst>
+                                    </p:anim>
+                                  </p:childTnLst>
+                                </p:cTn>
+                              </p:par>
+                            </p:childTnLst>
+                          </p:cTn>
+                        </p:par>
+                      </p:childTnLst>
+                    </p:cTn>
+                  </p:par>
+                  <p:par>
+                    <p:cTn id="19" fill="hold">
+                      <p:stCondLst>
+                        <p:cond delay="indefinite"/>
+                      </p:stCondLst>
+                      <p:childTnLst>
+                        <p:par>
+                          <p:cTn id="20" fill="hold">
+                            <p:stCondLst>
+                              <p:cond delay="0"/>
+                            </p:stCondLst>
+                            <p:childTnLst>
+                              <p:par>
+                                <p:cTn id="21" presetID="10" presetClass="entr" presetSubtype="0" fill="hold" nodeType="clickEffect">
+                                  <p:stCondLst>
+                                    <p:cond delay="0"/>
+                                  </p:stCondLst>
+                                  <p:childTnLst>
+                                    <p:set>
+                                      <p:cBhvr>
+                                        <p:cTn id="22" dur="1" fill="hold">
+                                          <p:stCondLst>
+                                            <p:cond delay="0"/>
+                                          </p:stCondLst>
+                                        </p:cTn>
+                                        <p:tgtEl>
+                                          <p:spTgt spid="8"/>
+                                        </p:tgtEl>
+                                        <p:attrNameLst>
+                                          <p:attrName>style.visibility</p:attrName>
+                                        </p:attrNameLst>
+                                      </p:cBhvr>
+                                      <p:to>
+                                        <p:strVal val="visible"/>
+                                      </p:to>
+                                    </p:set>
+                                    <p:animEffect transition="in" filter="fade">
+                                      <p:cBhvr>
+                                        <p:cTn id="23" dur="500"/>
+                                        <p:tgtEl>
+                                          <p:spTgt spid="8"/>
+                                        </p:tgtEl>
+                                      </p:cBhvr>
+                                    </p:animEffect>
+                                  </p:childTnLst>
+                                </p:cTn>
+                              </p:par>
+                            </p:childTnLst>
+                          </p:cTn>
+                        </p:par>
+                      </p:childTnLst>
+                    </p:cTn>
+                  </p:par>
+                </p:childTnLst>
+              </p:cTn>
+              <p:prevCondLst>
+                <p:cond evt="onPrev" delay="0">
+                  <p:tgtEl>
+                    <p:sldTgt/>
+                  </p:tgtEl>
+                </p:cond>
+              </p:prevCondLst>
+              <p:nextCondLst>
+                <p:cond evt="onNext" delay="0">
+                  <p:tgtEl>
+                    <p:sldTgt/>
+                  </p:tgtEl>
+                </p:cond>
+              </p:nextCondLst>
+            </p:seq>
+          </p:childTnLst>
+        </p:cTn>
+      </p:par>
+    </p:tnLst>
+    <p:bldLst>
+      <p:bldP spid="6" grpId="0"/>
+    </p:bldLst>
+  </p:timing>
+</p:sld>
+</file>
+
+<file path=ppt/slides/slide11.xml><?xml version="1.0" encoding="utf-8"?>
+<p:sld xmlns:a="http://schemas.openxmlformats.org/drawingml/2006/main" xmlns:r="http://schemas.openxmlformats.org/officeDocument/2006/relationships" xmlns:p="http://schemas.openxmlformats.org/presentationml/2006/main">
+  <p:cSld>
+    <p:bg>
+      <p:bgPr>
+        <a:solidFill>
+          <a:schemeClr val="bg2">
+            <a:lumMod val="10000"/>
+          </a:schemeClr>
+        </a:solidFill>
+        <a:effectLst/>
+      </p:bgPr>
+    </p:bg>
+    <p:spTree>
+      <p:nvGrpSpPr>
+        <p:cNvPr id="1" name=""/>
+        <p:cNvGrpSpPr/>
+        <p:nvPr/>
+      </p:nvGrpSpPr>
+      <p:grpSpPr>
+        <a:xfrm>
+          <a:off x="0" y="0"/>
+          <a:ext cx="0" cy="0"/>
+          <a:chOff x="0" y="0"/>
+          <a:chExt cx="0" cy="0"/>
+        </a:xfrm>
+      </p:grpSpPr>
+      <p:sp>
+        <p:nvSpPr>
+          <p:cNvPr id="2" name="ZoneTexte 1">
+            <a:extLst>
+              <a:ext uri="{FF2B5EF4-FFF2-40B4-BE49-F238E27FC236}">
+                <a16:creationId xmlns:a16="http://schemas.microsoft.com/office/drawing/2014/main" id="{DE26522D-B965-4CE4-3208-56BC51C89DD9}"/>
+              </a:ext>
+            </a:extLst>
+          </p:cNvPr>
+          <p:cNvSpPr txBox="1"/>
+          <p:nvPr/>
+        </p:nvSpPr>
+        <p:spPr>
+          <a:xfrm>
+            <a:off x="3519948" y="2861186"/>
+            <a:ext cx="5152103" cy="707886"/>
+          </a:xfrm>
+          <a:prstGeom prst="rect">
+            <a:avLst/>
+          </a:prstGeom>
+          <a:noFill/>
+        </p:spPr>
+        <p:txBody>
+          <a:bodyPr wrap="square" rtlCol="0">
+            <a:spAutoFit/>
+          </a:bodyPr>
+          <a:lstStyle/>
+          <a:p>
+            <a:r>
+              <a:rPr lang="fr-FR" sz="4000" b="1" dirty="0">
+                <a:solidFill>
+                  <a:schemeClr val="bg1"/>
+                </a:solidFill>
+                <a:latin typeface="Microsoft JhengHei Light" panose="020B0304030504040204" pitchFamily="34" charset="-120"/>
+                <a:ea typeface="Microsoft JhengHei Light" panose="020B0304030504040204" pitchFamily="34" charset="-120"/>
+              </a:rPr>
+              <a:t>Les tests fonctionnels</a:t>
+            </a:r>
+          </a:p>
+        </p:txBody>
+      </p:sp>
+      <p:cxnSp>
+        <p:nvCxnSpPr>
+          <p:cNvPr id="4" name="Connecteur droit 3">
+            <a:extLst>
+              <a:ext uri="{FF2B5EF4-FFF2-40B4-BE49-F238E27FC236}">
+                <a16:creationId xmlns:a16="http://schemas.microsoft.com/office/drawing/2014/main" id="{21E30D3E-18C2-2506-F095-92FEC4A67FB0}"/>
+              </a:ext>
+            </a:extLst>
+          </p:cNvPr>
+          <p:cNvCxnSpPr/>
+          <p:nvPr/>
+        </p:nvCxnSpPr>
+        <p:spPr>
+          <a:xfrm>
+            <a:off x="3647768" y="3569072"/>
+            <a:ext cx="4817806" cy="0"/>
+          </a:xfrm>
+          <a:prstGeom prst="line">
+            <a:avLst/>
+          </a:prstGeom>
+          <a:ln w="76200">
+            <a:solidFill>
+              <a:srgbClr val="FF0000"/>
+            </a:solidFill>
+          </a:ln>
+        </p:spPr>
+        <p:style>
+          <a:lnRef idx="1">
+            <a:schemeClr val="accent1"/>
+          </a:lnRef>
+          <a:fillRef idx="0">
+            <a:schemeClr val="accent1"/>
+          </a:fillRef>
+          <a:effectRef idx="0">
+            <a:schemeClr val="accent1"/>
+          </a:effectRef>
+          <a:fontRef idx="minor">
+            <a:schemeClr val="tx1"/>
+          </a:fontRef>
+        </p:style>
+      </p:cxnSp>
+    </p:spTree>
+    <p:extLst>
+      <p:ext uri="{BB962C8B-B14F-4D97-AF65-F5344CB8AC3E}">
+        <p14:creationId xmlns:p14="http://schemas.microsoft.com/office/powerpoint/2010/main" val="637637071"/>
+      </p:ext>
+    </p:extLst>
+  </p:cSld>
+  <p:clrMapOvr>
+    <a:masterClrMapping/>
+  </p:clrMapOvr>
+  <p:timing>
+    <p:tnLst>
+      <p:par>
+        <p:cTn id="1" dur="indefinite" restart="never" nodeType="tmRoot">
+          <p:childTnLst>
+            <p:seq concurrent="1" nextAc="seek">
+              <p:cTn id="2" dur="indefinite" nodeType="mainSeq">
+                <p:childTnLst>
+                  <p:par>
+                    <p:cTn id="3" fill="hold">
+                      <p:stCondLst>
+                        <p:cond delay="indefinite"/>
+                      </p:stCondLst>
+                      <p:childTnLst>
+                        <p:par>
+                          <p:cTn id="4" fill="hold">
+                            <p:stCondLst>
+                              <p:cond delay="0"/>
+                            </p:stCondLst>
+                            <p:childTnLst>
+                              <p:par>
+                                <p:cTn id="5" presetID="42" presetClass="entr" presetSubtype="0" fill="hold" grpId="0" nodeType="clickEffect">
+                                  <p:stCondLst>
+                                    <p:cond delay="0"/>
+                                  </p:stCondLst>
+                                  <p:childTnLst>
+                                    <p:set>
+                                      <p:cBhvr>
+                                        <p:cTn id="6" dur="1" fill="hold">
+                                          <p:stCondLst>
+                                            <p:cond delay="0"/>
+                                          </p:stCondLst>
+                                        </p:cTn>
+                                        <p:tgtEl>
+                                          <p:spTgt spid="2"/>
+                                        </p:tgtEl>
+                                        <p:attrNameLst>
+                                          <p:attrName>style.visibility</p:attrName>
+                                        </p:attrNameLst>
+                                      </p:cBhvr>
+                                      <p:to>
+                                        <p:strVal val="visible"/>
+                                      </p:to>
+                                    </p:set>
+                                    <p:animEffect transition="in" filter="fade">
+                                      <p:cBhvr>
+                                        <p:cTn id="7" dur="1000"/>
+                                        <p:tgtEl>
+                                          <p:spTgt spid="2"/>
+                                        </p:tgtEl>
+                                      </p:cBhvr>
+                                    </p:animEffect>
+                                    <p:anim calcmode="lin" valueType="num">
+                                      <p:cBhvr>
+                                        <p:cTn id="8" dur="1000" fill="hold"/>
+                                        <p:tgtEl>
+                                          <p:spTgt spid="2"/>
+                                        </p:tgtEl>
+                                        <p:attrNameLst>
+                                          <p:attrName>ppt_x</p:attrName>
+                                        </p:attrNameLst>
+                                      </p:cBhvr>
+                                      <p:tavLst>
+                                        <p:tav tm="0">
+                                          <p:val>
+                                            <p:strVal val="#ppt_x"/>
+                                          </p:val>
+                                        </p:tav>
+                                        <p:tav tm="100000">
+                                          <p:val>
+                                            <p:strVal val="#ppt_x"/>
+                                          </p:val>
+                                        </p:tav>
+                                      </p:tavLst>
+                                    </p:anim>
+                                    <p:anim calcmode="lin" valueType="num">
+                                      <p:cBhvr>
+                                        <p:cTn id="9" dur="1000" fill="hold"/>
+                                        <p:tgtEl>
+                                          <p:spTgt spid="2"/>
+                                        </p:tgtEl>
+                                        <p:attrNameLst>
+                                          <p:attrName>ppt_y</p:attrName>
+                                        </p:attrNameLst>
+                                      </p:cBhvr>
+                                      <p:tavLst>
+                                        <p:tav tm="0">
+                                          <p:val>
+                                            <p:strVal val="#ppt_y+.1"/>
+                                          </p:val>
+                                        </p:tav>
+                                        <p:tav tm="100000">
+                                          <p:val>
+                                            <p:strVal val="#ppt_y"/>
+                                          </p:val>
+                                        </p:tav>
+                                      </p:tavLst>
+                                    </p:anim>
+                                  </p:childTnLst>
+                                </p:cTn>
+                              </p:par>
+                            </p:childTnLst>
+                          </p:cTn>
+                        </p:par>
+                        <p:par>
+                          <p:cTn id="10" fill="hold">
+                            <p:stCondLst>
+                              <p:cond delay="1000"/>
+                            </p:stCondLst>
+                            <p:childTnLst>
+                              <p:par>
+                                <p:cTn id="11" presetID="22" presetClass="entr" presetSubtype="8" fill="hold" nodeType="afterEffect">
+                                  <p:stCondLst>
+                                    <p:cond delay="0"/>
+                                  </p:stCondLst>
+                                  <p:childTnLst>
+                                    <p:set>
+                                      <p:cBhvr>
+                                        <p:cTn id="12" dur="1" fill="hold">
+                                          <p:stCondLst>
+                                            <p:cond delay="0"/>
+                                          </p:stCondLst>
+                                        </p:cTn>
+                                        <p:tgtEl>
+                                          <p:spTgt spid="4"/>
+                                        </p:tgtEl>
+                                        <p:attrNameLst>
+                                          <p:attrName>style.visibility</p:attrName>
+                                        </p:attrNameLst>
+                                      </p:cBhvr>
+                                      <p:to>
+                                        <p:strVal val="visible"/>
+                                      </p:to>
+                                    </p:set>
+                                    <p:animEffect transition="in" filter="wipe(left)">
+                                      <p:cBhvr>
+                                        <p:cTn id="13" dur="500"/>
+                                        <p:tgtEl>
+                                          <p:spTgt spid="4"/>
+                                        </p:tgtEl>
+                                      </p:cBhvr>
+                                    </p:animEffect>
+                                  </p:childTnLst>
+                                </p:cTn>
+                              </p:par>
+                            </p:childTnLst>
+                          </p:cTn>
+                        </p:par>
+                      </p:childTnLst>
+                    </p:cTn>
+                  </p:par>
+                </p:childTnLst>
+              </p:cTn>
+              <p:prevCondLst>
+                <p:cond evt="onPrev" delay="0">
+                  <p:tgtEl>
+                    <p:sldTgt/>
+                  </p:tgtEl>
+                </p:cond>
+              </p:prevCondLst>
+              <p:nextCondLst>
+                <p:cond evt="onNext" delay="0">
+                  <p:tgtEl>
+                    <p:sldTgt/>
+                  </p:tgtEl>
+                </p:cond>
+              </p:nextCondLst>
+            </p:seq>
+          </p:childTnLst>
+        </p:cTn>
+      </p:par>
+    </p:tnLst>
+    <p:bldLst>
+      <p:bldP spid="2" grpId="0"/>
+    </p:bldLst>
+  </p:timing>
+</p:sld>
+</file>
+
+<file path=ppt/slides/slide12.xml><?xml version="1.0" encoding="utf-8"?>
+<p:sld xmlns:a="http://schemas.openxmlformats.org/drawingml/2006/main" xmlns:r="http://schemas.openxmlformats.org/officeDocument/2006/relationships" xmlns:p="http://schemas.openxmlformats.org/presentationml/2006/main">
+  <p:cSld>
+    <p:bg>
+      <p:bgPr>
+        <a:solidFill>
+          <a:schemeClr val="bg2">
+            <a:lumMod val="10000"/>
+          </a:schemeClr>
+        </a:solidFill>
+        <a:effectLst/>
+      </p:bgPr>
+    </p:bg>
+    <p:spTree>
+      <p:nvGrpSpPr>
+        <p:cNvPr id="1" name=""/>
+        <p:cNvGrpSpPr/>
+        <p:nvPr/>
+      </p:nvGrpSpPr>
+      <p:grpSpPr>
+        <a:xfrm>
+          <a:off x="0" y="0"/>
+          <a:ext cx="0" cy="0"/>
+          <a:chOff x="0" y="0"/>
+          <a:chExt cx="0" cy="0"/>
+        </a:xfrm>
+      </p:grpSpPr>
+      <p:cxnSp>
+        <p:nvCxnSpPr>
+          <p:cNvPr id="3" name="Connecteur droit 2">
+            <a:extLst>
+              <a:ext uri="{FF2B5EF4-FFF2-40B4-BE49-F238E27FC236}">
                 <a16:creationId xmlns:a16="http://schemas.microsoft.com/office/drawing/2014/main" id="{568F3B82-2C2B-F5D9-81AF-581B7FCD9C28}"/>
               </a:ext>
             </a:extLst>
@@ -4770,7 +5587,7 @@
 </p:sld>
 </file>
 
-<file path=ppt/slides/slide11.xml><?xml version="1.0" encoding="utf-8"?>
+<file path=ppt/slides/slide13.xml><?xml version="1.0" encoding="utf-8"?>
 <p:sld xmlns:a="http://schemas.openxmlformats.org/drawingml/2006/main" xmlns:r="http://schemas.openxmlformats.org/officeDocument/2006/relationships" xmlns:p="http://schemas.openxmlformats.org/presentationml/2006/main">
   <p:cSld>
     <p:bg>
@@ -5448,7 +6265,7 @@
 </p:sld>
 </file>
 
-<file path=ppt/slides/slide12.xml><?xml version="1.0" encoding="utf-8"?>
+<file path=ppt/slides/slide14.xml><?xml version="1.0" encoding="utf-8"?>
 <p:sld xmlns:a="http://schemas.openxmlformats.org/drawingml/2006/main" xmlns:r="http://schemas.openxmlformats.org/officeDocument/2006/relationships" xmlns:p="http://schemas.openxmlformats.org/presentationml/2006/main">
   <p:cSld>
     <p:bg>
@@ -6114,7 +6931,7 @@
 </p:sld>
 </file>
 
-<file path=ppt/slides/slide13.xml><?xml version="1.0" encoding="utf-8"?>
+<file path=ppt/slides/slide15.xml><?xml version="1.0" encoding="utf-8"?>
 <p:sld xmlns:a="http://schemas.openxmlformats.org/drawingml/2006/main" xmlns:r="http://schemas.openxmlformats.org/officeDocument/2006/relationships" xmlns:p="http://schemas.openxmlformats.org/presentationml/2006/main">
   <p:cSld>
     <p:bg>
@@ -6788,7 +7605,7 @@
 </p:sld>
 </file>
 
-<file path=ppt/slides/slide14.xml><?xml version="1.0" encoding="utf-8"?>
+<file path=ppt/slides/slide16.xml><?xml version="1.0" encoding="utf-8"?>
 <p:sld xmlns:a="http://schemas.openxmlformats.org/drawingml/2006/main" xmlns:r="http://schemas.openxmlformats.org/officeDocument/2006/relationships" xmlns:p="http://schemas.openxmlformats.org/presentationml/2006/main">
   <p:cSld>
     <p:bg>
@@ -7439,7 +8256,7 @@
 </p:sld>
 </file>
 
-<file path=ppt/slides/slide15.xml><?xml version="1.0" encoding="utf-8"?>
+<file path=ppt/slides/slide17.xml><?xml version="1.0" encoding="utf-8"?>
 <p:sld xmlns:a="http://schemas.openxmlformats.org/drawingml/2006/main" xmlns:r="http://schemas.openxmlformats.org/officeDocument/2006/relationships" xmlns:p="http://schemas.openxmlformats.org/presentationml/2006/main">
   <p:cSld>
     <p:bg>
@@ -8145,7 +8962,7 @@
 </p:sld>
 </file>
 
-<file path=ppt/slides/slide16.xml><?xml version="1.0" encoding="utf-8"?>
+<file path=ppt/slides/slide18.xml><?xml version="1.0" encoding="utf-8"?>
 <p:sld xmlns:a="http://schemas.openxmlformats.org/drawingml/2006/main" xmlns:r="http://schemas.openxmlformats.org/officeDocument/2006/relationships" xmlns:p="http://schemas.openxmlformats.org/presentationml/2006/main">
   <p:cSld>
     <p:bg>
@@ -8829,7 +9646,7 @@
 </p:sld>
 </file>
 
-<file path=ppt/slides/slide17.xml><?xml version="1.0" encoding="utf-8"?>
+<file path=ppt/slides/slide19.xml><?xml version="1.0" encoding="utf-8"?>
 <p:sld xmlns:a="http://schemas.openxmlformats.org/drawingml/2006/main" xmlns:r="http://schemas.openxmlformats.org/officeDocument/2006/relationships" xmlns:p="http://schemas.openxmlformats.org/presentationml/2006/main">
   <p:cSld>
     <p:bg>
@@ -9270,992 +10087,6 @@
                                         <p:cTn id="11" dur="500"/>
                                         <p:tgtEl>
                                           <p:spTgt spid="4"/>
-                                        </p:tgtEl>
-                                      </p:cBhvr>
-                                    </p:animEffect>
-                                  </p:childTnLst>
-                                </p:cTn>
-                              </p:par>
-                            </p:childTnLst>
-                          </p:cTn>
-                        </p:par>
-                      </p:childTnLst>
-                    </p:cTn>
-                  </p:par>
-                  <p:par>
-                    <p:cTn id="12" fill="hold">
-                      <p:stCondLst>
-                        <p:cond delay="indefinite"/>
-                      </p:stCondLst>
-                      <p:childTnLst>
-                        <p:par>
-                          <p:cTn id="13" fill="hold">
-                            <p:stCondLst>
-                              <p:cond delay="0"/>
-                            </p:stCondLst>
-                            <p:childTnLst>
-                              <p:par>
-                                <p:cTn id="14" presetID="42" presetClass="entr" presetSubtype="0" fill="hold" grpId="0" nodeType="clickEffect">
-                                  <p:stCondLst>
-                                    <p:cond delay="0"/>
-                                  </p:stCondLst>
-                                  <p:childTnLst>
-                                    <p:set>
-                                      <p:cBhvr>
-                                        <p:cTn id="15" dur="1" fill="hold">
-                                          <p:stCondLst>
-                                            <p:cond delay="0"/>
-                                          </p:stCondLst>
-                                        </p:cTn>
-                                        <p:tgtEl>
-                                          <p:spTgt spid="5"/>
-                                        </p:tgtEl>
-                                        <p:attrNameLst>
-                                          <p:attrName>style.visibility</p:attrName>
-                                        </p:attrNameLst>
-                                      </p:cBhvr>
-                                      <p:to>
-                                        <p:strVal val="visible"/>
-                                      </p:to>
-                                    </p:set>
-                                    <p:animEffect transition="in" filter="fade">
-                                      <p:cBhvr>
-                                        <p:cTn id="16" dur="1000"/>
-                                        <p:tgtEl>
-                                          <p:spTgt spid="5"/>
-                                        </p:tgtEl>
-                                      </p:cBhvr>
-                                    </p:animEffect>
-                                    <p:anim calcmode="lin" valueType="num">
-                                      <p:cBhvr>
-                                        <p:cTn id="17" dur="1000" fill="hold"/>
-                                        <p:tgtEl>
-                                          <p:spTgt spid="5"/>
-                                        </p:tgtEl>
-                                        <p:attrNameLst>
-                                          <p:attrName>ppt_x</p:attrName>
-                                        </p:attrNameLst>
-                                      </p:cBhvr>
-                                      <p:tavLst>
-                                        <p:tav tm="0">
-                                          <p:val>
-                                            <p:strVal val="#ppt_x"/>
-                                          </p:val>
-                                        </p:tav>
-                                        <p:tav tm="100000">
-                                          <p:val>
-                                            <p:strVal val="#ppt_x"/>
-                                          </p:val>
-                                        </p:tav>
-                                      </p:tavLst>
-                                    </p:anim>
-                                    <p:anim calcmode="lin" valueType="num">
-                                      <p:cBhvr>
-                                        <p:cTn id="18" dur="1000" fill="hold"/>
-                                        <p:tgtEl>
-                                          <p:spTgt spid="5"/>
-                                        </p:tgtEl>
-                                        <p:attrNameLst>
-                                          <p:attrName>ppt_y</p:attrName>
-                                        </p:attrNameLst>
-                                      </p:cBhvr>
-                                      <p:tavLst>
-                                        <p:tav tm="0">
-                                          <p:val>
-                                            <p:strVal val="#ppt_y+.1"/>
-                                          </p:val>
-                                        </p:tav>
-                                        <p:tav tm="100000">
-                                          <p:val>
-                                            <p:strVal val="#ppt_y"/>
-                                          </p:val>
-                                        </p:tav>
-                                      </p:tavLst>
-                                    </p:anim>
-                                  </p:childTnLst>
-                                </p:cTn>
-                              </p:par>
-                            </p:childTnLst>
-                          </p:cTn>
-                        </p:par>
-                      </p:childTnLst>
-                    </p:cTn>
-                  </p:par>
-                  <p:par>
-                    <p:cTn id="19" fill="hold">
-                      <p:stCondLst>
-                        <p:cond delay="indefinite"/>
-                      </p:stCondLst>
-                      <p:childTnLst>
-                        <p:par>
-                          <p:cTn id="20" fill="hold">
-                            <p:stCondLst>
-                              <p:cond delay="0"/>
-                            </p:stCondLst>
-                            <p:childTnLst>
-                              <p:par>
-                                <p:cTn id="21" presetID="10" presetClass="entr" presetSubtype="0" fill="hold" grpId="0" nodeType="clickEffect">
-                                  <p:stCondLst>
-                                    <p:cond delay="0"/>
-                                  </p:stCondLst>
-                                  <p:childTnLst>
-                                    <p:set>
-                                      <p:cBhvr>
-                                        <p:cTn id="22" dur="1" fill="hold">
-                                          <p:stCondLst>
-                                            <p:cond delay="0"/>
-                                          </p:stCondLst>
-                                        </p:cTn>
-                                        <p:tgtEl>
-                                          <p:spTgt spid="6"/>
-                                        </p:tgtEl>
-                                        <p:attrNameLst>
-                                          <p:attrName>style.visibility</p:attrName>
-                                        </p:attrNameLst>
-                                      </p:cBhvr>
-                                      <p:to>
-                                        <p:strVal val="visible"/>
-                                      </p:to>
-                                    </p:set>
-                                    <p:animEffect transition="in" filter="fade">
-                                      <p:cBhvr>
-                                        <p:cTn id="23" dur="500"/>
-                                        <p:tgtEl>
-                                          <p:spTgt spid="6"/>
-                                        </p:tgtEl>
-                                      </p:cBhvr>
-                                    </p:animEffect>
-                                  </p:childTnLst>
-                                </p:cTn>
-                              </p:par>
-                              <p:par>
-                                <p:cTn id="24" presetID="10" presetClass="entr" presetSubtype="0" fill="hold" grpId="0" nodeType="withEffect">
-                                  <p:stCondLst>
-                                    <p:cond delay="0"/>
-                                  </p:stCondLst>
-                                  <p:childTnLst>
-                                    <p:set>
-                                      <p:cBhvr>
-                                        <p:cTn id="25" dur="1" fill="hold">
-                                          <p:stCondLst>
-                                            <p:cond delay="0"/>
-                                          </p:stCondLst>
-                                        </p:cTn>
-                                        <p:tgtEl>
-                                          <p:spTgt spid="7"/>
-                                        </p:tgtEl>
-                                        <p:attrNameLst>
-                                          <p:attrName>style.visibility</p:attrName>
-                                        </p:attrNameLst>
-                                      </p:cBhvr>
-                                      <p:to>
-                                        <p:strVal val="visible"/>
-                                      </p:to>
-                                    </p:set>
-                                    <p:animEffect transition="in" filter="fade">
-                                      <p:cBhvr>
-                                        <p:cTn id="26" dur="500"/>
-                                        <p:tgtEl>
-                                          <p:spTgt spid="7"/>
-                                        </p:tgtEl>
-                                      </p:cBhvr>
-                                    </p:animEffect>
-                                  </p:childTnLst>
-                                </p:cTn>
-                              </p:par>
-                              <p:par>
-                                <p:cTn id="27" presetID="10" presetClass="entr" presetSubtype="0" fill="hold" grpId="0" nodeType="withEffect">
-                                  <p:stCondLst>
-                                    <p:cond delay="0"/>
-                                  </p:stCondLst>
-                                  <p:childTnLst>
-                                    <p:set>
-                                      <p:cBhvr>
-                                        <p:cTn id="28" dur="1" fill="hold">
-                                          <p:stCondLst>
-                                            <p:cond delay="0"/>
-                                          </p:stCondLst>
-                                        </p:cTn>
-                                        <p:tgtEl>
-                                          <p:spTgt spid="8"/>
-                                        </p:tgtEl>
-                                        <p:attrNameLst>
-                                          <p:attrName>style.visibility</p:attrName>
-                                        </p:attrNameLst>
-                                      </p:cBhvr>
-                                      <p:to>
-                                        <p:strVal val="visible"/>
-                                      </p:to>
-                                    </p:set>
-                                    <p:animEffect transition="in" filter="fade">
-                                      <p:cBhvr>
-                                        <p:cTn id="29" dur="500"/>
-                                        <p:tgtEl>
-                                          <p:spTgt spid="8"/>
-                                        </p:tgtEl>
-                                      </p:cBhvr>
-                                    </p:animEffect>
-                                  </p:childTnLst>
-                                </p:cTn>
-                              </p:par>
-                            </p:childTnLst>
-                          </p:cTn>
-                        </p:par>
-                      </p:childTnLst>
-                    </p:cTn>
-                  </p:par>
-                </p:childTnLst>
-              </p:cTn>
-              <p:prevCondLst>
-                <p:cond evt="onPrev" delay="0">
-                  <p:tgtEl>
-                    <p:sldTgt/>
-                  </p:tgtEl>
-                </p:cond>
-              </p:prevCondLst>
-              <p:nextCondLst>
-                <p:cond evt="onNext" delay="0">
-                  <p:tgtEl>
-                    <p:sldTgt/>
-                  </p:tgtEl>
-                </p:cond>
-              </p:nextCondLst>
-            </p:seq>
-          </p:childTnLst>
-        </p:cTn>
-      </p:par>
-    </p:tnLst>
-    <p:bldLst>
-      <p:bldP spid="5" grpId="0"/>
-      <p:bldP spid="6" grpId="0"/>
-      <p:bldP spid="7" grpId="0"/>
-      <p:bldP spid="8" grpId="0"/>
-    </p:bldLst>
-  </p:timing>
-</p:sld>
-</file>
-
-<file path=ppt/slides/slide18.xml><?xml version="1.0" encoding="utf-8"?>
-<p:sld xmlns:a="http://schemas.openxmlformats.org/drawingml/2006/main" xmlns:r="http://schemas.openxmlformats.org/officeDocument/2006/relationships" xmlns:p="http://schemas.openxmlformats.org/presentationml/2006/main">
-  <p:cSld>
-    <p:bg>
-      <p:bgPr>
-        <a:solidFill>
-          <a:schemeClr val="bg2">
-            <a:lumMod val="10000"/>
-          </a:schemeClr>
-        </a:solidFill>
-        <a:effectLst/>
-      </p:bgPr>
-    </p:bg>
-    <p:spTree>
-      <p:nvGrpSpPr>
-        <p:cNvPr id="1" name=""/>
-        <p:cNvGrpSpPr/>
-        <p:nvPr/>
-      </p:nvGrpSpPr>
-      <p:grpSpPr>
-        <a:xfrm>
-          <a:off x="0" y="0"/>
-          <a:ext cx="0" cy="0"/>
-          <a:chOff x="0" y="0"/>
-          <a:chExt cx="0" cy="0"/>
-        </a:xfrm>
-      </p:grpSpPr>
-      <p:sp>
-        <p:nvSpPr>
-          <p:cNvPr id="2" name="ZoneTexte 1">
-            <a:extLst>
-              <a:ext uri="{FF2B5EF4-FFF2-40B4-BE49-F238E27FC236}">
-                <a16:creationId xmlns:a16="http://schemas.microsoft.com/office/drawing/2014/main" id="{37F4A21D-9777-63A1-62C4-CBF8D4336697}"/>
-              </a:ext>
-            </a:extLst>
-          </p:cNvPr>
-          <p:cNvSpPr txBox="1"/>
-          <p:nvPr/>
-        </p:nvSpPr>
-        <p:spPr>
-          <a:xfrm>
-            <a:off x="3293805" y="2969342"/>
-            <a:ext cx="6489291" cy="707886"/>
-          </a:xfrm>
-          <a:prstGeom prst="rect">
-            <a:avLst/>
-          </a:prstGeom>
-          <a:noFill/>
-        </p:spPr>
-        <p:txBody>
-          <a:bodyPr wrap="square" rtlCol="0">
-            <a:spAutoFit/>
-          </a:bodyPr>
-          <a:lstStyle/>
-          <a:p>
-            <a:r>
-              <a:rPr lang="fr-FR" sz="4000" b="1" dirty="0">
-                <a:solidFill>
-                  <a:schemeClr val="bg1"/>
-                </a:solidFill>
-                <a:latin typeface="Microsoft JhengHei Light" panose="020B0304030504040204" pitchFamily="34" charset="-120"/>
-                <a:ea typeface="Microsoft JhengHei Light" panose="020B0304030504040204" pitchFamily="34" charset="-120"/>
-              </a:rPr>
-              <a:t>Les tests non fonctionnels</a:t>
-            </a:r>
-          </a:p>
-        </p:txBody>
-      </p:sp>
-      <p:cxnSp>
-        <p:nvCxnSpPr>
-          <p:cNvPr id="4" name="Connecteur droit 3">
-            <a:extLst>
-              <a:ext uri="{FF2B5EF4-FFF2-40B4-BE49-F238E27FC236}">
-                <a16:creationId xmlns:a16="http://schemas.microsoft.com/office/drawing/2014/main" id="{A301A621-DEAE-98D8-E939-C639DA02B98E}"/>
-              </a:ext>
-            </a:extLst>
-          </p:cNvPr>
-          <p:cNvCxnSpPr>
-            <a:cxnSpLocks/>
-          </p:cNvCxnSpPr>
-          <p:nvPr/>
-        </p:nvCxnSpPr>
-        <p:spPr>
-          <a:xfrm>
-            <a:off x="3372465" y="3746090"/>
-            <a:ext cx="5869858" cy="0"/>
-          </a:xfrm>
-          <a:prstGeom prst="line">
-            <a:avLst/>
-          </a:prstGeom>
-          <a:ln w="76200">
-            <a:solidFill>
-              <a:srgbClr val="FF0000"/>
-            </a:solidFill>
-          </a:ln>
-        </p:spPr>
-        <p:style>
-          <a:lnRef idx="1">
-            <a:schemeClr val="accent1"/>
-          </a:lnRef>
-          <a:fillRef idx="0">
-            <a:schemeClr val="accent1"/>
-          </a:fillRef>
-          <a:effectRef idx="0">
-            <a:schemeClr val="accent1"/>
-          </a:effectRef>
-          <a:fontRef idx="minor">
-            <a:schemeClr val="tx1"/>
-          </a:fontRef>
-        </p:style>
-      </p:cxnSp>
-    </p:spTree>
-    <p:extLst>
-      <p:ext uri="{BB962C8B-B14F-4D97-AF65-F5344CB8AC3E}">
-        <p14:creationId xmlns:p14="http://schemas.microsoft.com/office/powerpoint/2010/main" val="3053220030"/>
-      </p:ext>
-    </p:extLst>
-  </p:cSld>
-  <p:clrMapOvr>
-    <a:masterClrMapping/>
-  </p:clrMapOvr>
-  <p:timing>
-    <p:tnLst>
-      <p:par>
-        <p:cTn id="1" dur="indefinite" restart="never" nodeType="tmRoot">
-          <p:childTnLst>
-            <p:seq concurrent="1" nextAc="seek">
-              <p:cTn id="2" dur="indefinite" nodeType="mainSeq">
-                <p:childTnLst>
-                  <p:par>
-                    <p:cTn id="3" fill="hold">
-                      <p:stCondLst>
-                        <p:cond delay="indefinite"/>
-                      </p:stCondLst>
-                      <p:childTnLst>
-                        <p:par>
-                          <p:cTn id="4" fill="hold">
-                            <p:stCondLst>
-                              <p:cond delay="0"/>
-                            </p:stCondLst>
-                            <p:childTnLst>
-                              <p:par>
-                                <p:cTn id="5" presetID="42" presetClass="entr" presetSubtype="0" fill="hold" grpId="0" nodeType="clickEffect">
-                                  <p:stCondLst>
-                                    <p:cond delay="0"/>
-                                  </p:stCondLst>
-                                  <p:childTnLst>
-                                    <p:set>
-                                      <p:cBhvr>
-                                        <p:cTn id="6" dur="1" fill="hold">
-                                          <p:stCondLst>
-                                            <p:cond delay="0"/>
-                                          </p:stCondLst>
-                                        </p:cTn>
-                                        <p:tgtEl>
-                                          <p:spTgt spid="2"/>
-                                        </p:tgtEl>
-                                        <p:attrNameLst>
-                                          <p:attrName>style.visibility</p:attrName>
-                                        </p:attrNameLst>
-                                      </p:cBhvr>
-                                      <p:to>
-                                        <p:strVal val="visible"/>
-                                      </p:to>
-                                    </p:set>
-                                    <p:animEffect transition="in" filter="fade">
-                                      <p:cBhvr>
-                                        <p:cTn id="7" dur="1000"/>
-                                        <p:tgtEl>
-                                          <p:spTgt spid="2"/>
-                                        </p:tgtEl>
-                                      </p:cBhvr>
-                                    </p:animEffect>
-                                    <p:anim calcmode="lin" valueType="num">
-                                      <p:cBhvr>
-                                        <p:cTn id="8" dur="1000" fill="hold"/>
-                                        <p:tgtEl>
-                                          <p:spTgt spid="2"/>
-                                        </p:tgtEl>
-                                        <p:attrNameLst>
-                                          <p:attrName>ppt_x</p:attrName>
-                                        </p:attrNameLst>
-                                      </p:cBhvr>
-                                      <p:tavLst>
-                                        <p:tav tm="0">
-                                          <p:val>
-                                            <p:strVal val="#ppt_x"/>
-                                          </p:val>
-                                        </p:tav>
-                                        <p:tav tm="100000">
-                                          <p:val>
-                                            <p:strVal val="#ppt_x"/>
-                                          </p:val>
-                                        </p:tav>
-                                      </p:tavLst>
-                                    </p:anim>
-                                    <p:anim calcmode="lin" valueType="num">
-                                      <p:cBhvr>
-                                        <p:cTn id="9" dur="1000" fill="hold"/>
-                                        <p:tgtEl>
-                                          <p:spTgt spid="2"/>
-                                        </p:tgtEl>
-                                        <p:attrNameLst>
-                                          <p:attrName>ppt_y</p:attrName>
-                                        </p:attrNameLst>
-                                      </p:cBhvr>
-                                      <p:tavLst>
-                                        <p:tav tm="0">
-                                          <p:val>
-                                            <p:strVal val="#ppt_y+.1"/>
-                                          </p:val>
-                                        </p:tav>
-                                        <p:tav tm="100000">
-                                          <p:val>
-                                            <p:strVal val="#ppt_y"/>
-                                          </p:val>
-                                        </p:tav>
-                                      </p:tavLst>
-                                    </p:anim>
-                                  </p:childTnLst>
-                                </p:cTn>
-                              </p:par>
-                            </p:childTnLst>
-                          </p:cTn>
-                        </p:par>
-                        <p:par>
-                          <p:cTn id="10" fill="hold">
-                            <p:stCondLst>
-                              <p:cond delay="1000"/>
-                            </p:stCondLst>
-                            <p:childTnLst>
-                              <p:par>
-                                <p:cTn id="11" presetID="22" presetClass="entr" presetSubtype="8" fill="hold" nodeType="afterEffect">
-                                  <p:stCondLst>
-                                    <p:cond delay="0"/>
-                                  </p:stCondLst>
-                                  <p:childTnLst>
-                                    <p:set>
-                                      <p:cBhvr>
-                                        <p:cTn id="12" dur="1" fill="hold">
-                                          <p:stCondLst>
-                                            <p:cond delay="0"/>
-                                          </p:stCondLst>
-                                        </p:cTn>
-                                        <p:tgtEl>
-                                          <p:spTgt spid="4"/>
-                                        </p:tgtEl>
-                                        <p:attrNameLst>
-                                          <p:attrName>style.visibility</p:attrName>
-                                        </p:attrNameLst>
-                                      </p:cBhvr>
-                                      <p:to>
-                                        <p:strVal val="visible"/>
-                                      </p:to>
-                                    </p:set>
-                                    <p:animEffect transition="in" filter="wipe(left)">
-                                      <p:cBhvr>
-                                        <p:cTn id="13" dur="500"/>
-                                        <p:tgtEl>
-                                          <p:spTgt spid="4"/>
-                                        </p:tgtEl>
-                                      </p:cBhvr>
-                                    </p:animEffect>
-                                  </p:childTnLst>
-                                </p:cTn>
-                              </p:par>
-                            </p:childTnLst>
-                          </p:cTn>
-                        </p:par>
-                      </p:childTnLst>
-                    </p:cTn>
-                  </p:par>
-                </p:childTnLst>
-              </p:cTn>
-              <p:prevCondLst>
-                <p:cond evt="onPrev" delay="0">
-                  <p:tgtEl>
-                    <p:sldTgt/>
-                  </p:tgtEl>
-                </p:cond>
-              </p:prevCondLst>
-              <p:nextCondLst>
-                <p:cond evt="onNext" delay="0">
-                  <p:tgtEl>
-                    <p:sldTgt/>
-                  </p:tgtEl>
-                </p:cond>
-              </p:nextCondLst>
-            </p:seq>
-          </p:childTnLst>
-        </p:cTn>
-      </p:par>
-    </p:tnLst>
-    <p:bldLst>
-      <p:bldP spid="2" grpId="0"/>
-    </p:bldLst>
-  </p:timing>
-</p:sld>
-</file>
-
-<file path=ppt/slides/slide19.xml><?xml version="1.0" encoding="utf-8"?>
-<p:sld xmlns:a="http://schemas.openxmlformats.org/drawingml/2006/main" xmlns:r="http://schemas.openxmlformats.org/officeDocument/2006/relationships" xmlns:p="http://schemas.openxmlformats.org/presentationml/2006/main">
-  <p:cSld>
-    <p:bg>
-      <p:bgPr>
-        <a:solidFill>
-          <a:schemeClr val="bg2">
-            <a:lumMod val="10000"/>
-          </a:schemeClr>
-        </a:solidFill>
-        <a:effectLst/>
-      </p:bgPr>
-    </p:bg>
-    <p:spTree>
-      <p:nvGrpSpPr>
-        <p:cNvPr id="1" name=""/>
-        <p:cNvGrpSpPr/>
-        <p:nvPr/>
-      </p:nvGrpSpPr>
-      <p:grpSpPr>
-        <a:xfrm>
-          <a:off x="0" y="0"/>
-          <a:ext cx="0" cy="0"/>
-          <a:chOff x="0" y="0"/>
-          <a:chExt cx="0" cy="0"/>
-        </a:xfrm>
-      </p:grpSpPr>
-      <p:cxnSp>
-        <p:nvCxnSpPr>
-          <p:cNvPr id="3" name="Connecteur droit 2">
-            <a:extLst>
-              <a:ext uri="{FF2B5EF4-FFF2-40B4-BE49-F238E27FC236}">
-                <a16:creationId xmlns:a16="http://schemas.microsoft.com/office/drawing/2014/main" id="{2C584FBB-9B0E-3B6B-37DD-F3579B021262}"/>
-              </a:ext>
-            </a:extLst>
-          </p:cNvPr>
-          <p:cNvCxnSpPr/>
-          <p:nvPr/>
-        </p:nvCxnSpPr>
-        <p:spPr>
-          <a:xfrm>
-            <a:off x="1248698" y="0"/>
-            <a:ext cx="0" cy="6858000"/>
-          </a:xfrm>
-          <a:prstGeom prst="line">
-            <a:avLst/>
-          </a:prstGeom>
-          <a:ln w="76200">
-            <a:solidFill>
-              <a:srgbClr val="FF0000"/>
-            </a:solidFill>
-          </a:ln>
-        </p:spPr>
-        <p:style>
-          <a:lnRef idx="1">
-            <a:schemeClr val="accent1"/>
-          </a:lnRef>
-          <a:fillRef idx="0">
-            <a:schemeClr val="accent1"/>
-          </a:fillRef>
-          <a:effectRef idx="0">
-            <a:schemeClr val="accent1"/>
-          </a:effectRef>
-          <a:fontRef idx="minor">
-            <a:schemeClr val="tx1"/>
-          </a:fontRef>
-        </p:style>
-      </p:cxnSp>
-      <p:cxnSp>
-        <p:nvCxnSpPr>
-          <p:cNvPr id="4" name="Connecteur droit 3">
-            <a:extLst>
-              <a:ext uri="{FF2B5EF4-FFF2-40B4-BE49-F238E27FC236}">
-                <a16:creationId xmlns:a16="http://schemas.microsoft.com/office/drawing/2014/main" id="{4452CB09-AEB0-56F1-99DF-F05A9CBC3B53}"/>
-              </a:ext>
-            </a:extLst>
-          </p:cNvPr>
-          <p:cNvCxnSpPr/>
-          <p:nvPr/>
-        </p:nvCxnSpPr>
-        <p:spPr>
-          <a:xfrm>
-            <a:off x="978309" y="0"/>
-            <a:ext cx="0" cy="6858000"/>
-          </a:xfrm>
-          <a:prstGeom prst="line">
-            <a:avLst/>
-          </a:prstGeom>
-          <a:ln w="76200">
-            <a:solidFill>
-              <a:srgbClr val="FF0000"/>
-            </a:solidFill>
-          </a:ln>
-        </p:spPr>
-        <p:style>
-          <a:lnRef idx="1">
-            <a:schemeClr val="accent1"/>
-          </a:lnRef>
-          <a:fillRef idx="0">
-            <a:schemeClr val="accent1"/>
-          </a:fillRef>
-          <a:effectRef idx="0">
-            <a:schemeClr val="accent1"/>
-          </a:effectRef>
-          <a:fontRef idx="minor">
-            <a:schemeClr val="tx1"/>
-          </a:fontRef>
-        </p:style>
-      </p:cxnSp>
-      <p:sp>
-        <p:nvSpPr>
-          <p:cNvPr id="5" name="ZoneTexte 4">
-            <a:extLst>
-              <a:ext uri="{FF2B5EF4-FFF2-40B4-BE49-F238E27FC236}">
-                <a16:creationId xmlns:a16="http://schemas.microsoft.com/office/drawing/2014/main" id="{EE3C297E-5A3F-2233-B263-F5397205E51B}"/>
-              </a:ext>
-            </a:extLst>
-          </p:cNvPr>
-          <p:cNvSpPr txBox="1"/>
-          <p:nvPr/>
-        </p:nvSpPr>
-        <p:spPr>
-          <a:xfrm>
-            <a:off x="1519087" y="422786"/>
-            <a:ext cx="7079222" cy="646331"/>
-          </a:xfrm>
-          <a:prstGeom prst="rect">
-            <a:avLst/>
-          </a:prstGeom>
-          <a:noFill/>
-        </p:spPr>
-        <p:txBody>
-          <a:bodyPr wrap="square" rtlCol="0">
-            <a:spAutoFit/>
-          </a:bodyPr>
-          <a:lstStyle/>
-          <a:p>
-            <a:r>
-              <a:rPr lang="fr-FR" sz="3600" b="1" dirty="0">
-                <a:solidFill>
-                  <a:schemeClr val="bg1"/>
-                </a:solidFill>
-                <a:latin typeface="Microsoft JhengHei Light" panose="020B0304030504040204" pitchFamily="34" charset="-120"/>
-                <a:ea typeface="Microsoft JhengHei Light" panose="020B0304030504040204" pitchFamily="34" charset="-120"/>
-              </a:rPr>
-              <a:t>2.10) </a:t>
-            </a:r>
-            <a:r>
-              <a:rPr lang="fr-FR" sz="3600" b="1" u="sng" dirty="0">
-                <a:solidFill>
-                  <a:schemeClr val="bg1"/>
-                </a:solidFill>
-                <a:latin typeface="Microsoft JhengHei Light" panose="020B0304030504040204" pitchFamily="34" charset="-120"/>
-                <a:ea typeface="Microsoft JhengHei Light" panose="020B0304030504040204" pitchFamily="34" charset="-120"/>
-              </a:rPr>
-              <a:t>Tests de performances</a:t>
-            </a:r>
-            <a:r>
-              <a:rPr lang="fr-FR" sz="3600" b="1" dirty="0">
-                <a:solidFill>
-                  <a:schemeClr val="bg1"/>
-                </a:solidFill>
-                <a:latin typeface="Microsoft JhengHei Light" panose="020B0304030504040204" pitchFamily="34" charset="-120"/>
-                <a:ea typeface="Microsoft JhengHei Light" panose="020B0304030504040204" pitchFamily="34" charset="-120"/>
-              </a:rPr>
-              <a:t> :</a:t>
-            </a:r>
-          </a:p>
-        </p:txBody>
-      </p:sp>
-      <p:sp>
-        <p:nvSpPr>
-          <p:cNvPr id="6" name="ZoneTexte 5">
-            <a:extLst>
-              <a:ext uri="{FF2B5EF4-FFF2-40B4-BE49-F238E27FC236}">
-                <a16:creationId xmlns:a16="http://schemas.microsoft.com/office/drawing/2014/main" id="{0D071E89-7525-9471-2E45-1F64A7C82839}"/>
-              </a:ext>
-            </a:extLst>
-          </p:cNvPr>
-          <p:cNvSpPr txBox="1"/>
-          <p:nvPr/>
-        </p:nvSpPr>
-        <p:spPr>
-          <a:xfrm>
-            <a:off x="1519087" y="1515035"/>
-            <a:ext cx="3003176" cy="369332"/>
-          </a:xfrm>
-          <a:prstGeom prst="rect">
-            <a:avLst/>
-          </a:prstGeom>
-          <a:noFill/>
-        </p:spPr>
-        <p:txBody>
-          <a:bodyPr wrap="square" rtlCol="0">
-            <a:spAutoFit/>
-          </a:bodyPr>
-          <a:lstStyle/>
-          <a:p>
-            <a:r>
-              <a:rPr lang="fr-FR" b="1" dirty="0">
-                <a:solidFill>
-                  <a:schemeClr val="bg1"/>
-                </a:solidFill>
-                <a:latin typeface="Microsoft JhengHei Light" panose="020B0304030504040204" pitchFamily="34" charset="-120"/>
-                <a:ea typeface="Microsoft JhengHei Light" panose="020B0304030504040204" pitchFamily="34" charset="-120"/>
-              </a:rPr>
-              <a:t>* </a:t>
-            </a:r>
-            <a:r>
-              <a:rPr lang="fr-FR" b="1" u="sng" dirty="0">
-                <a:solidFill>
-                  <a:schemeClr val="bg1"/>
-                </a:solidFill>
-                <a:latin typeface="Microsoft JhengHei Light" panose="020B0304030504040204" pitchFamily="34" charset="-120"/>
-                <a:ea typeface="Microsoft JhengHei Light" panose="020B0304030504040204" pitchFamily="34" charset="-120"/>
-              </a:rPr>
-              <a:t>Définition</a:t>
-            </a:r>
-            <a:r>
-              <a:rPr lang="fr-FR" b="1" dirty="0">
-                <a:solidFill>
-                  <a:schemeClr val="bg1"/>
-                </a:solidFill>
-                <a:latin typeface="Microsoft JhengHei Light" panose="020B0304030504040204" pitchFamily="34" charset="-120"/>
-                <a:ea typeface="Microsoft JhengHei Light" panose="020B0304030504040204" pitchFamily="34" charset="-120"/>
-              </a:rPr>
-              <a:t> :</a:t>
-            </a:r>
-          </a:p>
-        </p:txBody>
-      </p:sp>
-      <p:sp>
-        <p:nvSpPr>
-          <p:cNvPr id="7" name="ZoneTexte 6">
-            <a:extLst>
-              <a:ext uri="{FF2B5EF4-FFF2-40B4-BE49-F238E27FC236}">
-                <a16:creationId xmlns:a16="http://schemas.microsoft.com/office/drawing/2014/main" id="{1281D776-7B0B-5A37-2C19-E23A27AECE81}"/>
-              </a:ext>
-            </a:extLst>
-          </p:cNvPr>
-          <p:cNvSpPr txBox="1"/>
-          <p:nvPr/>
-        </p:nvSpPr>
-        <p:spPr>
-          <a:xfrm>
-            <a:off x="1519087" y="2223246"/>
-            <a:ext cx="9646020" cy="646331"/>
-          </a:xfrm>
-          <a:prstGeom prst="rect">
-            <a:avLst/>
-          </a:prstGeom>
-          <a:noFill/>
-        </p:spPr>
-        <p:txBody>
-          <a:bodyPr wrap="square" rtlCol="0">
-            <a:spAutoFit/>
-          </a:bodyPr>
-          <a:lstStyle/>
-          <a:p>
-            <a:pPr algn="just"/>
-            <a:r>
-              <a:rPr lang="fr-FR" dirty="0">
-                <a:solidFill>
-                  <a:schemeClr val="bg1"/>
-                </a:solidFill>
-                <a:latin typeface="Microsoft JhengHei Light" panose="020B0304030504040204" pitchFamily="34" charset="-120"/>
-                <a:ea typeface="Microsoft JhengHei Light" panose="020B0304030504040204" pitchFamily="34" charset="-120"/>
-              </a:rPr>
-              <a:t>Les tests de performances est défini comme un test qui consiste à déterminer la performance d’un système. </a:t>
-            </a:r>
-          </a:p>
-        </p:txBody>
-      </p:sp>
-      <p:sp>
-        <p:nvSpPr>
-          <p:cNvPr id="8" name="ZoneTexte 7">
-            <a:extLst>
-              <a:ext uri="{FF2B5EF4-FFF2-40B4-BE49-F238E27FC236}">
-                <a16:creationId xmlns:a16="http://schemas.microsoft.com/office/drawing/2014/main" id="{931A1FD0-3EBC-BD3F-85BC-14BBA4C808D0}"/>
-              </a:ext>
-            </a:extLst>
-          </p:cNvPr>
-          <p:cNvSpPr txBox="1"/>
-          <p:nvPr/>
-        </p:nvSpPr>
-        <p:spPr>
-          <a:xfrm>
-            <a:off x="1519087" y="3208456"/>
-            <a:ext cx="9762560" cy="923330"/>
-          </a:xfrm>
-          <a:prstGeom prst="rect">
-            <a:avLst/>
-          </a:prstGeom>
-          <a:noFill/>
-        </p:spPr>
-        <p:txBody>
-          <a:bodyPr wrap="square" rtlCol="0">
-            <a:spAutoFit/>
-          </a:bodyPr>
-          <a:lstStyle/>
-          <a:p>
-            <a:pPr algn="just"/>
-            <a:r>
-              <a:rPr lang="fr-FR" dirty="0">
-                <a:solidFill>
-                  <a:schemeClr val="bg1"/>
-                </a:solidFill>
-                <a:latin typeface="Microsoft JhengHei Light" panose="020B0304030504040204" pitchFamily="34" charset="-120"/>
-                <a:ea typeface="Microsoft JhengHei Light" panose="020B0304030504040204" pitchFamily="34" charset="-120"/>
-              </a:rPr>
-              <a:t>L’acceptation la plus courante de ce terme est celle dans laquelle ces tests logiciels et qui vont avoir pour objectif de mesurer le temps de réaction de l’application ou du logiciel en fonction de sa sollicitation.</a:t>
-            </a:r>
-          </a:p>
-        </p:txBody>
-      </p:sp>
-    </p:spTree>
-    <p:extLst>
-      <p:ext uri="{BB962C8B-B14F-4D97-AF65-F5344CB8AC3E}">
-        <p14:creationId xmlns:p14="http://schemas.microsoft.com/office/powerpoint/2010/main" val="2014555455"/>
-      </p:ext>
-    </p:extLst>
-  </p:cSld>
-  <p:clrMapOvr>
-    <a:masterClrMapping/>
-  </p:clrMapOvr>
-  <p:timing>
-    <p:tnLst>
-      <p:par>
-        <p:cTn id="1" dur="indefinite" restart="never" nodeType="tmRoot">
-          <p:childTnLst>
-            <p:seq concurrent="1" nextAc="seek">
-              <p:cTn id="2" dur="indefinite" nodeType="mainSeq">
-                <p:childTnLst>
-                  <p:par>
-                    <p:cTn id="3" fill="hold">
-                      <p:stCondLst>
-                        <p:cond delay="indefinite"/>
-                        <p:cond evt="onBegin" delay="0">
-                          <p:tn val="2"/>
-                        </p:cond>
-                      </p:stCondLst>
-                      <p:childTnLst>
-                        <p:par>
-                          <p:cTn id="4" fill="hold">
-                            <p:stCondLst>
-                              <p:cond delay="0"/>
-                            </p:stCondLst>
-                            <p:childTnLst>
-                              <p:par>
-                                <p:cTn id="5" presetID="10" presetClass="entr" presetSubtype="0" fill="hold" nodeType="withEffect">
-                                  <p:stCondLst>
-                                    <p:cond delay="0"/>
-                                  </p:stCondLst>
-                                  <p:childTnLst>
-                                    <p:set>
-                                      <p:cBhvr>
-                                        <p:cTn id="6" dur="1" fill="hold">
-                                          <p:stCondLst>
-                                            <p:cond delay="0"/>
-                                          </p:stCondLst>
-                                        </p:cTn>
-                                        <p:tgtEl>
-                                          <p:spTgt spid="4"/>
-                                        </p:tgtEl>
-                                        <p:attrNameLst>
-                                          <p:attrName>style.visibility</p:attrName>
-                                        </p:attrNameLst>
-                                      </p:cBhvr>
-                                      <p:to>
-                                        <p:strVal val="visible"/>
-                                      </p:to>
-                                    </p:set>
-                                    <p:animEffect transition="in" filter="fade">
-                                      <p:cBhvr>
-                                        <p:cTn id="7" dur="300"/>
-                                        <p:tgtEl>
-                                          <p:spTgt spid="4"/>
-                                        </p:tgtEl>
-                                      </p:cBhvr>
-                                    </p:animEffect>
-                                  </p:childTnLst>
-                                </p:cTn>
-                              </p:par>
-                            </p:childTnLst>
-                          </p:cTn>
-                        </p:par>
-                        <p:par>
-                          <p:cTn id="8" fill="hold">
-                            <p:stCondLst>
-                              <p:cond delay="300"/>
-                            </p:stCondLst>
-                            <p:childTnLst>
-                              <p:par>
-                                <p:cTn id="9" presetID="10" presetClass="entr" presetSubtype="0" fill="hold" nodeType="afterEffect">
-                                  <p:stCondLst>
-                                    <p:cond delay="0"/>
-                                  </p:stCondLst>
-                                  <p:childTnLst>
-                                    <p:set>
-                                      <p:cBhvr>
-                                        <p:cTn id="10" dur="1" fill="hold">
-                                          <p:stCondLst>
-                                            <p:cond delay="0"/>
-                                          </p:stCondLst>
-                                        </p:cTn>
-                                        <p:tgtEl>
-                                          <p:spTgt spid="3"/>
-                                        </p:tgtEl>
-                                        <p:attrNameLst>
-                                          <p:attrName>style.visibility</p:attrName>
-                                        </p:attrNameLst>
-                                      </p:cBhvr>
-                                      <p:to>
-                                        <p:strVal val="visible"/>
-                                      </p:to>
-                                    </p:set>
-                                    <p:animEffect transition="in" filter="fade">
-                                      <p:cBhvr>
-                                        <p:cTn id="11" dur="300"/>
-                                        <p:tgtEl>
-                                          <p:spTgt spid="3"/>
                                         </p:tgtEl>
                                       </p:cBhvr>
                                     </p:animEffect>
@@ -11303,6 +11134,2299 @@
           <a:chExt cx="0" cy="0"/>
         </a:xfrm>
       </p:grpSpPr>
+      <p:sp>
+        <p:nvSpPr>
+          <p:cNvPr id="2" name="ZoneTexte 1">
+            <a:extLst>
+              <a:ext uri="{FF2B5EF4-FFF2-40B4-BE49-F238E27FC236}">
+                <a16:creationId xmlns:a16="http://schemas.microsoft.com/office/drawing/2014/main" id="{37F4A21D-9777-63A1-62C4-CBF8D4336697}"/>
+              </a:ext>
+            </a:extLst>
+          </p:cNvPr>
+          <p:cNvSpPr txBox="1"/>
+          <p:nvPr/>
+        </p:nvSpPr>
+        <p:spPr>
+          <a:xfrm>
+            <a:off x="3293805" y="2969342"/>
+            <a:ext cx="6489291" cy="707886"/>
+          </a:xfrm>
+          <a:prstGeom prst="rect">
+            <a:avLst/>
+          </a:prstGeom>
+          <a:noFill/>
+        </p:spPr>
+        <p:txBody>
+          <a:bodyPr wrap="square" rtlCol="0">
+            <a:spAutoFit/>
+          </a:bodyPr>
+          <a:lstStyle/>
+          <a:p>
+            <a:r>
+              <a:rPr lang="fr-FR" sz="4000" b="1" dirty="0">
+                <a:solidFill>
+                  <a:schemeClr val="bg1"/>
+                </a:solidFill>
+                <a:latin typeface="Microsoft JhengHei Light" panose="020B0304030504040204" pitchFamily="34" charset="-120"/>
+                <a:ea typeface="Microsoft JhengHei Light" panose="020B0304030504040204" pitchFamily="34" charset="-120"/>
+              </a:rPr>
+              <a:t>Les tests non fonctionnels</a:t>
+            </a:r>
+          </a:p>
+        </p:txBody>
+      </p:sp>
+      <p:cxnSp>
+        <p:nvCxnSpPr>
+          <p:cNvPr id="4" name="Connecteur droit 3">
+            <a:extLst>
+              <a:ext uri="{FF2B5EF4-FFF2-40B4-BE49-F238E27FC236}">
+                <a16:creationId xmlns:a16="http://schemas.microsoft.com/office/drawing/2014/main" id="{A301A621-DEAE-98D8-E939-C639DA02B98E}"/>
+              </a:ext>
+            </a:extLst>
+          </p:cNvPr>
+          <p:cNvCxnSpPr>
+            <a:cxnSpLocks/>
+          </p:cNvCxnSpPr>
+          <p:nvPr/>
+        </p:nvCxnSpPr>
+        <p:spPr>
+          <a:xfrm>
+            <a:off x="3372465" y="3746090"/>
+            <a:ext cx="5869858" cy="0"/>
+          </a:xfrm>
+          <a:prstGeom prst="line">
+            <a:avLst/>
+          </a:prstGeom>
+          <a:ln w="76200">
+            <a:solidFill>
+              <a:srgbClr val="FF0000"/>
+            </a:solidFill>
+          </a:ln>
+        </p:spPr>
+        <p:style>
+          <a:lnRef idx="1">
+            <a:schemeClr val="accent1"/>
+          </a:lnRef>
+          <a:fillRef idx="0">
+            <a:schemeClr val="accent1"/>
+          </a:fillRef>
+          <a:effectRef idx="0">
+            <a:schemeClr val="accent1"/>
+          </a:effectRef>
+          <a:fontRef idx="minor">
+            <a:schemeClr val="tx1"/>
+          </a:fontRef>
+        </p:style>
+      </p:cxnSp>
+    </p:spTree>
+    <p:extLst>
+      <p:ext uri="{BB962C8B-B14F-4D97-AF65-F5344CB8AC3E}">
+        <p14:creationId xmlns:p14="http://schemas.microsoft.com/office/powerpoint/2010/main" val="3053220030"/>
+      </p:ext>
+    </p:extLst>
+  </p:cSld>
+  <p:clrMapOvr>
+    <a:masterClrMapping/>
+  </p:clrMapOvr>
+  <p:timing>
+    <p:tnLst>
+      <p:par>
+        <p:cTn id="1" dur="indefinite" restart="never" nodeType="tmRoot">
+          <p:childTnLst>
+            <p:seq concurrent="1" nextAc="seek">
+              <p:cTn id="2" dur="indefinite" nodeType="mainSeq">
+                <p:childTnLst>
+                  <p:par>
+                    <p:cTn id="3" fill="hold">
+                      <p:stCondLst>
+                        <p:cond delay="indefinite"/>
+                      </p:stCondLst>
+                      <p:childTnLst>
+                        <p:par>
+                          <p:cTn id="4" fill="hold">
+                            <p:stCondLst>
+                              <p:cond delay="0"/>
+                            </p:stCondLst>
+                            <p:childTnLst>
+                              <p:par>
+                                <p:cTn id="5" presetID="42" presetClass="entr" presetSubtype="0" fill="hold" grpId="0" nodeType="clickEffect">
+                                  <p:stCondLst>
+                                    <p:cond delay="0"/>
+                                  </p:stCondLst>
+                                  <p:childTnLst>
+                                    <p:set>
+                                      <p:cBhvr>
+                                        <p:cTn id="6" dur="1" fill="hold">
+                                          <p:stCondLst>
+                                            <p:cond delay="0"/>
+                                          </p:stCondLst>
+                                        </p:cTn>
+                                        <p:tgtEl>
+                                          <p:spTgt spid="2"/>
+                                        </p:tgtEl>
+                                        <p:attrNameLst>
+                                          <p:attrName>style.visibility</p:attrName>
+                                        </p:attrNameLst>
+                                      </p:cBhvr>
+                                      <p:to>
+                                        <p:strVal val="visible"/>
+                                      </p:to>
+                                    </p:set>
+                                    <p:animEffect transition="in" filter="fade">
+                                      <p:cBhvr>
+                                        <p:cTn id="7" dur="1000"/>
+                                        <p:tgtEl>
+                                          <p:spTgt spid="2"/>
+                                        </p:tgtEl>
+                                      </p:cBhvr>
+                                    </p:animEffect>
+                                    <p:anim calcmode="lin" valueType="num">
+                                      <p:cBhvr>
+                                        <p:cTn id="8" dur="1000" fill="hold"/>
+                                        <p:tgtEl>
+                                          <p:spTgt spid="2"/>
+                                        </p:tgtEl>
+                                        <p:attrNameLst>
+                                          <p:attrName>ppt_x</p:attrName>
+                                        </p:attrNameLst>
+                                      </p:cBhvr>
+                                      <p:tavLst>
+                                        <p:tav tm="0">
+                                          <p:val>
+                                            <p:strVal val="#ppt_x"/>
+                                          </p:val>
+                                        </p:tav>
+                                        <p:tav tm="100000">
+                                          <p:val>
+                                            <p:strVal val="#ppt_x"/>
+                                          </p:val>
+                                        </p:tav>
+                                      </p:tavLst>
+                                    </p:anim>
+                                    <p:anim calcmode="lin" valueType="num">
+                                      <p:cBhvr>
+                                        <p:cTn id="9" dur="1000" fill="hold"/>
+                                        <p:tgtEl>
+                                          <p:spTgt spid="2"/>
+                                        </p:tgtEl>
+                                        <p:attrNameLst>
+                                          <p:attrName>ppt_y</p:attrName>
+                                        </p:attrNameLst>
+                                      </p:cBhvr>
+                                      <p:tavLst>
+                                        <p:tav tm="0">
+                                          <p:val>
+                                            <p:strVal val="#ppt_y+.1"/>
+                                          </p:val>
+                                        </p:tav>
+                                        <p:tav tm="100000">
+                                          <p:val>
+                                            <p:strVal val="#ppt_y"/>
+                                          </p:val>
+                                        </p:tav>
+                                      </p:tavLst>
+                                    </p:anim>
+                                  </p:childTnLst>
+                                </p:cTn>
+                              </p:par>
+                            </p:childTnLst>
+                          </p:cTn>
+                        </p:par>
+                        <p:par>
+                          <p:cTn id="10" fill="hold">
+                            <p:stCondLst>
+                              <p:cond delay="1000"/>
+                            </p:stCondLst>
+                            <p:childTnLst>
+                              <p:par>
+                                <p:cTn id="11" presetID="22" presetClass="entr" presetSubtype="8" fill="hold" nodeType="afterEffect">
+                                  <p:stCondLst>
+                                    <p:cond delay="0"/>
+                                  </p:stCondLst>
+                                  <p:childTnLst>
+                                    <p:set>
+                                      <p:cBhvr>
+                                        <p:cTn id="12" dur="1" fill="hold">
+                                          <p:stCondLst>
+                                            <p:cond delay="0"/>
+                                          </p:stCondLst>
+                                        </p:cTn>
+                                        <p:tgtEl>
+                                          <p:spTgt spid="4"/>
+                                        </p:tgtEl>
+                                        <p:attrNameLst>
+                                          <p:attrName>style.visibility</p:attrName>
+                                        </p:attrNameLst>
+                                      </p:cBhvr>
+                                      <p:to>
+                                        <p:strVal val="visible"/>
+                                      </p:to>
+                                    </p:set>
+                                    <p:animEffect transition="in" filter="wipe(left)">
+                                      <p:cBhvr>
+                                        <p:cTn id="13" dur="500"/>
+                                        <p:tgtEl>
+                                          <p:spTgt spid="4"/>
+                                        </p:tgtEl>
+                                      </p:cBhvr>
+                                    </p:animEffect>
+                                  </p:childTnLst>
+                                </p:cTn>
+                              </p:par>
+                            </p:childTnLst>
+                          </p:cTn>
+                        </p:par>
+                      </p:childTnLst>
+                    </p:cTn>
+                  </p:par>
+                </p:childTnLst>
+              </p:cTn>
+              <p:prevCondLst>
+                <p:cond evt="onPrev" delay="0">
+                  <p:tgtEl>
+                    <p:sldTgt/>
+                  </p:tgtEl>
+                </p:cond>
+              </p:prevCondLst>
+              <p:nextCondLst>
+                <p:cond evt="onNext" delay="0">
+                  <p:tgtEl>
+                    <p:sldTgt/>
+                  </p:tgtEl>
+                </p:cond>
+              </p:nextCondLst>
+            </p:seq>
+          </p:childTnLst>
+        </p:cTn>
+      </p:par>
+    </p:tnLst>
+    <p:bldLst>
+      <p:bldP spid="2" grpId="0"/>
+    </p:bldLst>
+  </p:timing>
+</p:sld>
+</file>
+
+<file path=ppt/slides/slide21.xml><?xml version="1.0" encoding="utf-8"?>
+<p:sld xmlns:a="http://schemas.openxmlformats.org/drawingml/2006/main" xmlns:r="http://schemas.openxmlformats.org/officeDocument/2006/relationships" xmlns:p="http://schemas.openxmlformats.org/presentationml/2006/main">
+  <p:cSld>
+    <p:bg>
+      <p:bgPr>
+        <a:solidFill>
+          <a:schemeClr val="bg2">
+            <a:lumMod val="10000"/>
+          </a:schemeClr>
+        </a:solidFill>
+        <a:effectLst/>
+      </p:bgPr>
+    </p:bg>
+    <p:spTree>
+      <p:nvGrpSpPr>
+        <p:cNvPr id="1" name=""/>
+        <p:cNvGrpSpPr/>
+        <p:nvPr/>
+      </p:nvGrpSpPr>
+      <p:grpSpPr>
+        <a:xfrm>
+          <a:off x="0" y="0"/>
+          <a:ext cx="0" cy="0"/>
+          <a:chOff x="0" y="0"/>
+          <a:chExt cx="0" cy="0"/>
+        </a:xfrm>
+      </p:grpSpPr>
+      <p:cxnSp>
+        <p:nvCxnSpPr>
+          <p:cNvPr id="3" name="Connecteur droit 2">
+            <a:extLst>
+              <a:ext uri="{FF2B5EF4-FFF2-40B4-BE49-F238E27FC236}">
+                <a16:creationId xmlns:a16="http://schemas.microsoft.com/office/drawing/2014/main" id="{4C12D99D-E8D5-C671-502A-717B1AA61CA6}"/>
+              </a:ext>
+            </a:extLst>
+          </p:cNvPr>
+          <p:cNvCxnSpPr/>
+          <p:nvPr/>
+        </p:nvCxnSpPr>
+        <p:spPr>
+          <a:xfrm>
+            <a:off x="1057836" y="0"/>
+            <a:ext cx="0" cy="6858000"/>
+          </a:xfrm>
+          <a:prstGeom prst="line">
+            <a:avLst/>
+          </a:prstGeom>
+          <a:ln w="76200">
+            <a:solidFill>
+              <a:srgbClr val="FF0000"/>
+            </a:solidFill>
+          </a:ln>
+        </p:spPr>
+        <p:style>
+          <a:lnRef idx="1">
+            <a:schemeClr val="accent1"/>
+          </a:lnRef>
+          <a:fillRef idx="0">
+            <a:schemeClr val="accent1"/>
+          </a:fillRef>
+          <a:effectRef idx="0">
+            <a:schemeClr val="accent1"/>
+          </a:effectRef>
+          <a:fontRef idx="minor">
+            <a:schemeClr val="tx1"/>
+          </a:fontRef>
+        </p:style>
+      </p:cxnSp>
+      <p:cxnSp>
+        <p:nvCxnSpPr>
+          <p:cNvPr id="4" name="Connecteur droit 3">
+            <a:extLst>
+              <a:ext uri="{FF2B5EF4-FFF2-40B4-BE49-F238E27FC236}">
+                <a16:creationId xmlns:a16="http://schemas.microsoft.com/office/drawing/2014/main" id="{D16A53F6-8A95-7130-2335-0B155D55D18B}"/>
+              </a:ext>
+            </a:extLst>
+          </p:cNvPr>
+          <p:cNvCxnSpPr/>
+          <p:nvPr/>
+        </p:nvCxnSpPr>
+        <p:spPr>
+          <a:xfrm>
+            <a:off x="1335742" y="0"/>
+            <a:ext cx="0" cy="6858000"/>
+          </a:xfrm>
+          <a:prstGeom prst="line">
+            <a:avLst/>
+          </a:prstGeom>
+          <a:ln w="76200">
+            <a:solidFill>
+              <a:srgbClr val="FF0000"/>
+            </a:solidFill>
+          </a:ln>
+        </p:spPr>
+        <p:style>
+          <a:lnRef idx="1">
+            <a:schemeClr val="accent1"/>
+          </a:lnRef>
+          <a:fillRef idx="0">
+            <a:schemeClr val="accent1"/>
+          </a:fillRef>
+          <a:effectRef idx="0">
+            <a:schemeClr val="accent1"/>
+          </a:effectRef>
+          <a:fontRef idx="minor">
+            <a:schemeClr val="tx1"/>
+          </a:fontRef>
+        </p:style>
+      </p:cxnSp>
+      <p:sp>
+        <p:nvSpPr>
+          <p:cNvPr id="5" name="ZoneTexte 4">
+            <a:extLst>
+              <a:ext uri="{FF2B5EF4-FFF2-40B4-BE49-F238E27FC236}">
+                <a16:creationId xmlns:a16="http://schemas.microsoft.com/office/drawing/2014/main" id="{5662D210-50F8-BC58-F8DB-34B506A6F84C}"/>
+              </a:ext>
+            </a:extLst>
+          </p:cNvPr>
+          <p:cNvSpPr txBox="1"/>
+          <p:nvPr/>
+        </p:nvSpPr>
+        <p:spPr>
+          <a:xfrm>
+            <a:off x="1703292" y="573741"/>
+            <a:ext cx="8113057" cy="646331"/>
+          </a:xfrm>
+          <a:prstGeom prst="rect">
+            <a:avLst/>
+          </a:prstGeom>
+          <a:noFill/>
+        </p:spPr>
+        <p:txBody>
+          <a:bodyPr wrap="square" rtlCol="0">
+            <a:spAutoFit/>
+          </a:bodyPr>
+          <a:lstStyle/>
+          <a:p>
+            <a:r>
+              <a:rPr lang="fr-FR" sz="3600" b="1" dirty="0">
+                <a:solidFill>
+                  <a:schemeClr val="bg1"/>
+                </a:solidFill>
+                <a:latin typeface="Microsoft JhengHei Light" panose="020B0304030504040204" pitchFamily="34" charset="-120"/>
+                <a:ea typeface="Microsoft JhengHei Light" panose="020B0304030504040204" pitchFamily="34" charset="-120"/>
+              </a:rPr>
+              <a:t>2.10) </a:t>
+            </a:r>
+            <a:r>
+              <a:rPr lang="fr-FR" sz="3600" b="1" u="sng" dirty="0">
+                <a:solidFill>
+                  <a:schemeClr val="bg1"/>
+                </a:solidFill>
+                <a:latin typeface="Microsoft JhengHei Light" panose="020B0304030504040204" pitchFamily="34" charset="-120"/>
+                <a:ea typeface="Microsoft JhengHei Light" panose="020B0304030504040204" pitchFamily="34" charset="-120"/>
+              </a:rPr>
+              <a:t>Les tests non fonctionnels</a:t>
+            </a:r>
+            <a:r>
+              <a:rPr lang="fr-FR" sz="3600" b="1" dirty="0">
+                <a:solidFill>
+                  <a:schemeClr val="bg1"/>
+                </a:solidFill>
+                <a:latin typeface="Microsoft JhengHei Light" panose="020B0304030504040204" pitchFamily="34" charset="-120"/>
+                <a:ea typeface="Microsoft JhengHei Light" panose="020B0304030504040204" pitchFamily="34" charset="-120"/>
+              </a:rPr>
+              <a:t> :</a:t>
+            </a:r>
+          </a:p>
+        </p:txBody>
+      </p:sp>
+      <p:sp>
+        <p:nvSpPr>
+          <p:cNvPr id="6" name="ZoneTexte 5">
+            <a:extLst>
+              <a:ext uri="{FF2B5EF4-FFF2-40B4-BE49-F238E27FC236}">
+                <a16:creationId xmlns:a16="http://schemas.microsoft.com/office/drawing/2014/main" id="{6310DA95-93C1-1E15-D456-52414F8FCE3F}"/>
+              </a:ext>
+            </a:extLst>
+          </p:cNvPr>
+          <p:cNvSpPr txBox="1"/>
+          <p:nvPr/>
+        </p:nvSpPr>
+        <p:spPr>
+          <a:xfrm>
+            <a:off x="1703292" y="1819836"/>
+            <a:ext cx="3433480" cy="369332"/>
+          </a:xfrm>
+          <a:prstGeom prst="rect">
+            <a:avLst/>
+          </a:prstGeom>
+          <a:noFill/>
+        </p:spPr>
+        <p:txBody>
+          <a:bodyPr wrap="square" rtlCol="0">
+            <a:spAutoFit/>
+          </a:bodyPr>
+          <a:lstStyle/>
+          <a:p>
+            <a:r>
+              <a:rPr lang="fr-FR" b="1" dirty="0">
+                <a:solidFill>
+                  <a:schemeClr val="bg1"/>
+                </a:solidFill>
+                <a:latin typeface="Microsoft JhengHei Light" panose="020B0304030504040204" pitchFamily="34" charset="-120"/>
+                <a:ea typeface="Microsoft JhengHei Light" panose="020B0304030504040204" pitchFamily="34" charset="-120"/>
+              </a:rPr>
+              <a:t>* </a:t>
+            </a:r>
+            <a:r>
+              <a:rPr lang="fr-FR" b="1" u="sng" dirty="0">
+                <a:solidFill>
+                  <a:schemeClr val="bg1"/>
+                </a:solidFill>
+                <a:latin typeface="Microsoft JhengHei Light" panose="020B0304030504040204" pitchFamily="34" charset="-120"/>
+                <a:ea typeface="Microsoft JhengHei Light" panose="020B0304030504040204" pitchFamily="34" charset="-120"/>
+              </a:rPr>
+              <a:t>Définition</a:t>
+            </a:r>
+            <a:r>
+              <a:rPr lang="fr-FR" b="1" dirty="0">
+                <a:solidFill>
+                  <a:schemeClr val="bg1"/>
+                </a:solidFill>
+                <a:latin typeface="Microsoft JhengHei Light" panose="020B0304030504040204" pitchFamily="34" charset="-120"/>
+                <a:ea typeface="Microsoft JhengHei Light" panose="020B0304030504040204" pitchFamily="34" charset="-120"/>
+              </a:rPr>
+              <a:t> :</a:t>
+            </a:r>
+          </a:p>
+        </p:txBody>
+      </p:sp>
+      <p:sp>
+        <p:nvSpPr>
+          <p:cNvPr id="7" name="ZoneTexte 6">
+            <a:extLst>
+              <a:ext uri="{FF2B5EF4-FFF2-40B4-BE49-F238E27FC236}">
+                <a16:creationId xmlns:a16="http://schemas.microsoft.com/office/drawing/2014/main" id="{252A48B1-5706-B795-54BF-2E53F306F637}"/>
+              </a:ext>
+            </a:extLst>
+          </p:cNvPr>
+          <p:cNvSpPr txBox="1"/>
+          <p:nvPr/>
+        </p:nvSpPr>
+        <p:spPr>
+          <a:xfrm>
+            <a:off x="1703292" y="2788932"/>
+            <a:ext cx="9646022" cy="923330"/>
+          </a:xfrm>
+          <a:prstGeom prst="rect">
+            <a:avLst/>
+          </a:prstGeom>
+          <a:noFill/>
+        </p:spPr>
+        <p:txBody>
+          <a:bodyPr wrap="square" rtlCol="0">
+            <a:spAutoFit/>
+          </a:bodyPr>
+          <a:lstStyle/>
+          <a:p>
+            <a:pPr algn="just"/>
+            <a:r>
+              <a:rPr lang="fr-FR" dirty="0">
+                <a:solidFill>
+                  <a:schemeClr val="bg1"/>
+                </a:solidFill>
+                <a:latin typeface="Microsoft JhengHei Light" panose="020B0304030504040204" pitchFamily="34" charset="-120"/>
+                <a:ea typeface="Microsoft JhengHei Light" panose="020B0304030504040204" pitchFamily="34" charset="-120"/>
+              </a:rPr>
+              <a:t>Selon le glossaire, les tests non fonctionnels sont définis comme étant des tests effectués afin d’évaluer la conformité d’un composant ou bien d’un système avec des exigences non fonctionnelles.</a:t>
+            </a:r>
+          </a:p>
+        </p:txBody>
+      </p:sp>
+    </p:spTree>
+    <p:extLst>
+      <p:ext uri="{BB962C8B-B14F-4D97-AF65-F5344CB8AC3E}">
+        <p14:creationId xmlns:p14="http://schemas.microsoft.com/office/powerpoint/2010/main" val="3141468518"/>
+      </p:ext>
+    </p:extLst>
+  </p:cSld>
+  <p:clrMapOvr>
+    <a:masterClrMapping/>
+  </p:clrMapOvr>
+  <p:timing>
+    <p:tnLst>
+      <p:par>
+        <p:cTn id="1" dur="indefinite" restart="never" nodeType="tmRoot">
+          <p:childTnLst>
+            <p:seq concurrent="1" nextAc="seek">
+              <p:cTn id="2" dur="indefinite" nodeType="mainSeq">
+                <p:childTnLst>
+                  <p:par>
+                    <p:cTn id="3" fill="hold">
+                      <p:stCondLst>
+                        <p:cond delay="indefinite"/>
+                        <p:cond evt="onBegin" delay="0">
+                          <p:tn val="2"/>
+                        </p:cond>
+                      </p:stCondLst>
+                      <p:childTnLst>
+                        <p:par>
+                          <p:cTn id="4" fill="hold">
+                            <p:stCondLst>
+                              <p:cond delay="0"/>
+                            </p:stCondLst>
+                            <p:childTnLst>
+                              <p:par>
+                                <p:cTn id="5" presetID="10" presetClass="entr" presetSubtype="0" fill="hold" nodeType="withEffect">
+                                  <p:stCondLst>
+                                    <p:cond delay="0"/>
+                                  </p:stCondLst>
+                                  <p:childTnLst>
+                                    <p:set>
+                                      <p:cBhvr>
+                                        <p:cTn id="6" dur="1" fill="hold">
+                                          <p:stCondLst>
+                                            <p:cond delay="0"/>
+                                          </p:stCondLst>
+                                        </p:cTn>
+                                        <p:tgtEl>
+                                          <p:spTgt spid="3"/>
+                                        </p:tgtEl>
+                                        <p:attrNameLst>
+                                          <p:attrName>style.visibility</p:attrName>
+                                        </p:attrNameLst>
+                                      </p:cBhvr>
+                                      <p:to>
+                                        <p:strVal val="visible"/>
+                                      </p:to>
+                                    </p:set>
+                                    <p:animEffect transition="in" filter="fade">
+                                      <p:cBhvr>
+                                        <p:cTn id="7" dur="300"/>
+                                        <p:tgtEl>
+                                          <p:spTgt spid="3"/>
+                                        </p:tgtEl>
+                                      </p:cBhvr>
+                                    </p:animEffect>
+                                  </p:childTnLst>
+                                </p:cTn>
+                              </p:par>
+                            </p:childTnLst>
+                          </p:cTn>
+                        </p:par>
+                        <p:par>
+                          <p:cTn id="8" fill="hold">
+                            <p:stCondLst>
+                              <p:cond delay="300"/>
+                            </p:stCondLst>
+                            <p:childTnLst>
+                              <p:par>
+                                <p:cTn id="9" presetID="10" presetClass="entr" presetSubtype="0" fill="hold" nodeType="afterEffect">
+                                  <p:stCondLst>
+                                    <p:cond delay="0"/>
+                                  </p:stCondLst>
+                                  <p:childTnLst>
+                                    <p:set>
+                                      <p:cBhvr>
+                                        <p:cTn id="10" dur="1" fill="hold">
+                                          <p:stCondLst>
+                                            <p:cond delay="0"/>
+                                          </p:stCondLst>
+                                        </p:cTn>
+                                        <p:tgtEl>
+                                          <p:spTgt spid="4"/>
+                                        </p:tgtEl>
+                                        <p:attrNameLst>
+                                          <p:attrName>style.visibility</p:attrName>
+                                        </p:attrNameLst>
+                                      </p:cBhvr>
+                                      <p:to>
+                                        <p:strVal val="visible"/>
+                                      </p:to>
+                                    </p:set>
+                                    <p:animEffect transition="in" filter="fade">
+                                      <p:cBhvr>
+                                        <p:cTn id="11" dur="300"/>
+                                        <p:tgtEl>
+                                          <p:spTgt spid="4"/>
+                                        </p:tgtEl>
+                                      </p:cBhvr>
+                                    </p:animEffect>
+                                  </p:childTnLst>
+                                </p:cTn>
+                              </p:par>
+                            </p:childTnLst>
+                          </p:cTn>
+                        </p:par>
+                      </p:childTnLst>
+                    </p:cTn>
+                  </p:par>
+                  <p:par>
+                    <p:cTn id="12" fill="hold">
+                      <p:stCondLst>
+                        <p:cond delay="indefinite"/>
+                      </p:stCondLst>
+                      <p:childTnLst>
+                        <p:par>
+                          <p:cTn id="13" fill="hold">
+                            <p:stCondLst>
+                              <p:cond delay="0"/>
+                            </p:stCondLst>
+                            <p:childTnLst>
+                              <p:par>
+                                <p:cTn id="14" presetID="42" presetClass="entr" presetSubtype="0" fill="hold" grpId="0" nodeType="clickEffect">
+                                  <p:stCondLst>
+                                    <p:cond delay="0"/>
+                                  </p:stCondLst>
+                                  <p:childTnLst>
+                                    <p:set>
+                                      <p:cBhvr>
+                                        <p:cTn id="15" dur="1" fill="hold">
+                                          <p:stCondLst>
+                                            <p:cond delay="0"/>
+                                          </p:stCondLst>
+                                        </p:cTn>
+                                        <p:tgtEl>
+                                          <p:spTgt spid="5"/>
+                                        </p:tgtEl>
+                                        <p:attrNameLst>
+                                          <p:attrName>style.visibility</p:attrName>
+                                        </p:attrNameLst>
+                                      </p:cBhvr>
+                                      <p:to>
+                                        <p:strVal val="visible"/>
+                                      </p:to>
+                                    </p:set>
+                                    <p:animEffect transition="in" filter="fade">
+                                      <p:cBhvr>
+                                        <p:cTn id="16" dur="1000"/>
+                                        <p:tgtEl>
+                                          <p:spTgt spid="5"/>
+                                        </p:tgtEl>
+                                      </p:cBhvr>
+                                    </p:animEffect>
+                                    <p:anim calcmode="lin" valueType="num">
+                                      <p:cBhvr>
+                                        <p:cTn id="17" dur="1000" fill="hold"/>
+                                        <p:tgtEl>
+                                          <p:spTgt spid="5"/>
+                                        </p:tgtEl>
+                                        <p:attrNameLst>
+                                          <p:attrName>ppt_x</p:attrName>
+                                        </p:attrNameLst>
+                                      </p:cBhvr>
+                                      <p:tavLst>
+                                        <p:tav tm="0">
+                                          <p:val>
+                                            <p:strVal val="#ppt_x"/>
+                                          </p:val>
+                                        </p:tav>
+                                        <p:tav tm="100000">
+                                          <p:val>
+                                            <p:strVal val="#ppt_x"/>
+                                          </p:val>
+                                        </p:tav>
+                                      </p:tavLst>
+                                    </p:anim>
+                                    <p:anim calcmode="lin" valueType="num">
+                                      <p:cBhvr>
+                                        <p:cTn id="18" dur="1000" fill="hold"/>
+                                        <p:tgtEl>
+                                          <p:spTgt spid="5"/>
+                                        </p:tgtEl>
+                                        <p:attrNameLst>
+                                          <p:attrName>ppt_y</p:attrName>
+                                        </p:attrNameLst>
+                                      </p:cBhvr>
+                                      <p:tavLst>
+                                        <p:tav tm="0">
+                                          <p:val>
+                                            <p:strVal val="#ppt_y+.1"/>
+                                          </p:val>
+                                        </p:tav>
+                                        <p:tav tm="100000">
+                                          <p:val>
+                                            <p:strVal val="#ppt_y"/>
+                                          </p:val>
+                                        </p:tav>
+                                      </p:tavLst>
+                                    </p:anim>
+                                  </p:childTnLst>
+                                </p:cTn>
+                              </p:par>
+                            </p:childTnLst>
+                          </p:cTn>
+                        </p:par>
+                      </p:childTnLst>
+                    </p:cTn>
+                  </p:par>
+                  <p:par>
+                    <p:cTn id="19" fill="hold">
+                      <p:stCondLst>
+                        <p:cond delay="indefinite"/>
+                      </p:stCondLst>
+                      <p:childTnLst>
+                        <p:par>
+                          <p:cTn id="20" fill="hold">
+                            <p:stCondLst>
+                              <p:cond delay="0"/>
+                            </p:stCondLst>
+                            <p:childTnLst>
+                              <p:par>
+                                <p:cTn id="21" presetID="10" presetClass="entr" presetSubtype="0" fill="hold" grpId="0" nodeType="clickEffect">
+                                  <p:stCondLst>
+                                    <p:cond delay="0"/>
+                                  </p:stCondLst>
+                                  <p:childTnLst>
+                                    <p:set>
+                                      <p:cBhvr>
+                                        <p:cTn id="22" dur="1" fill="hold">
+                                          <p:stCondLst>
+                                            <p:cond delay="0"/>
+                                          </p:stCondLst>
+                                        </p:cTn>
+                                        <p:tgtEl>
+                                          <p:spTgt spid="6"/>
+                                        </p:tgtEl>
+                                        <p:attrNameLst>
+                                          <p:attrName>style.visibility</p:attrName>
+                                        </p:attrNameLst>
+                                      </p:cBhvr>
+                                      <p:to>
+                                        <p:strVal val="visible"/>
+                                      </p:to>
+                                    </p:set>
+                                    <p:animEffect transition="in" filter="fade">
+                                      <p:cBhvr>
+                                        <p:cTn id="23" dur="500"/>
+                                        <p:tgtEl>
+                                          <p:spTgt spid="6"/>
+                                        </p:tgtEl>
+                                      </p:cBhvr>
+                                    </p:animEffect>
+                                  </p:childTnLst>
+                                </p:cTn>
+                              </p:par>
+                              <p:par>
+                                <p:cTn id="24" presetID="10" presetClass="entr" presetSubtype="0" fill="hold" grpId="0" nodeType="withEffect">
+                                  <p:stCondLst>
+                                    <p:cond delay="0"/>
+                                  </p:stCondLst>
+                                  <p:childTnLst>
+                                    <p:set>
+                                      <p:cBhvr>
+                                        <p:cTn id="25" dur="1" fill="hold">
+                                          <p:stCondLst>
+                                            <p:cond delay="0"/>
+                                          </p:stCondLst>
+                                        </p:cTn>
+                                        <p:tgtEl>
+                                          <p:spTgt spid="7"/>
+                                        </p:tgtEl>
+                                        <p:attrNameLst>
+                                          <p:attrName>style.visibility</p:attrName>
+                                        </p:attrNameLst>
+                                      </p:cBhvr>
+                                      <p:to>
+                                        <p:strVal val="visible"/>
+                                      </p:to>
+                                    </p:set>
+                                    <p:animEffect transition="in" filter="fade">
+                                      <p:cBhvr>
+                                        <p:cTn id="26" dur="500"/>
+                                        <p:tgtEl>
+                                          <p:spTgt spid="7"/>
+                                        </p:tgtEl>
+                                      </p:cBhvr>
+                                    </p:animEffect>
+                                  </p:childTnLst>
+                                </p:cTn>
+                              </p:par>
+                            </p:childTnLst>
+                          </p:cTn>
+                        </p:par>
+                      </p:childTnLst>
+                    </p:cTn>
+                  </p:par>
+                </p:childTnLst>
+              </p:cTn>
+              <p:prevCondLst>
+                <p:cond evt="onPrev" delay="0">
+                  <p:tgtEl>
+                    <p:sldTgt/>
+                  </p:tgtEl>
+                </p:cond>
+              </p:prevCondLst>
+              <p:nextCondLst>
+                <p:cond evt="onNext" delay="0">
+                  <p:tgtEl>
+                    <p:sldTgt/>
+                  </p:tgtEl>
+                </p:cond>
+              </p:nextCondLst>
+            </p:seq>
+          </p:childTnLst>
+        </p:cTn>
+      </p:par>
+    </p:tnLst>
+    <p:bldLst>
+      <p:bldP spid="5" grpId="0"/>
+      <p:bldP spid="6" grpId="0"/>
+      <p:bldP spid="7" grpId="0"/>
+    </p:bldLst>
+  </p:timing>
+</p:sld>
+</file>
+
+<file path=ppt/slides/slide22.xml><?xml version="1.0" encoding="utf-8"?>
+<p:sld xmlns:a="http://schemas.openxmlformats.org/drawingml/2006/main" xmlns:r="http://schemas.openxmlformats.org/officeDocument/2006/relationships" xmlns:p="http://schemas.openxmlformats.org/presentationml/2006/main">
+  <p:cSld>
+    <p:bg>
+      <p:bgPr>
+        <a:solidFill>
+          <a:schemeClr val="bg2">
+            <a:lumMod val="10000"/>
+          </a:schemeClr>
+        </a:solidFill>
+        <a:effectLst/>
+      </p:bgPr>
+    </p:bg>
+    <p:spTree>
+      <p:nvGrpSpPr>
+        <p:cNvPr id="1" name=""/>
+        <p:cNvGrpSpPr/>
+        <p:nvPr/>
+      </p:nvGrpSpPr>
+      <p:grpSpPr>
+        <a:xfrm>
+          <a:off x="0" y="0"/>
+          <a:ext cx="0" cy="0"/>
+          <a:chOff x="0" y="0"/>
+          <a:chExt cx="0" cy="0"/>
+        </a:xfrm>
+      </p:grpSpPr>
+      <p:cxnSp>
+        <p:nvCxnSpPr>
+          <p:cNvPr id="3" name="Connecteur droit 2">
+            <a:extLst>
+              <a:ext uri="{FF2B5EF4-FFF2-40B4-BE49-F238E27FC236}">
+                <a16:creationId xmlns:a16="http://schemas.microsoft.com/office/drawing/2014/main" id="{65807B1B-1C47-FCCB-6A2D-C9FA6DA77D36}"/>
+              </a:ext>
+            </a:extLst>
+          </p:cNvPr>
+          <p:cNvCxnSpPr/>
+          <p:nvPr/>
+        </p:nvCxnSpPr>
+        <p:spPr>
+          <a:xfrm>
+            <a:off x="1150374" y="0"/>
+            <a:ext cx="0" cy="6858000"/>
+          </a:xfrm>
+          <a:prstGeom prst="line">
+            <a:avLst/>
+          </a:prstGeom>
+          <a:ln w="76200">
+            <a:solidFill>
+              <a:srgbClr val="FF0000"/>
+            </a:solidFill>
+          </a:ln>
+        </p:spPr>
+        <p:style>
+          <a:lnRef idx="1">
+            <a:schemeClr val="accent1"/>
+          </a:lnRef>
+          <a:fillRef idx="0">
+            <a:schemeClr val="accent1"/>
+          </a:fillRef>
+          <a:effectRef idx="0">
+            <a:schemeClr val="accent1"/>
+          </a:effectRef>
+          <a:fontRef idx="minor">
+            <a:schemeClr val="tx1"/>
+          </a:fontRef>
+        </p:style>
+      </p:cxnSp>
+      <p:cxnSp>
+        <p:nvCxnSpPr>
+          <p:cNvPr id="4" name="Connecteur droit 3">
+            <a:extLst>
+              <a:ext uri="{FF2B5EF4-FFF2-40B4-BE49-F238E27FC236}">
+                <a16:creationId xmlns:a16="http://schemas.microsoft.com/office/drawing/2014/main" id="{08F5FD97-DC5F-9049-F16D-755FF6F74725}"/>
+              </a:ext>
+            </a:extLst>
+          </p:cNvPr>
+          <p:cNvCxnSpPr/>
+          <p:nvPr/>
+        </p:nvCxnSpPr>
+        <p:spPr>
+          <a:xfrm>
+            <a:off x="1450258" y="0"/>
+            <a:ext cx="0" cy="6858000"/>
+          </a:xfrm>
+          <a:prstGeom prst="line">
+            <a:avLst/>
+          </a:prstGeom>
+          <a:ln w="76200">
+            <a:solidFill>
+              <a:srgbClr val="FF0000"/>
+            </a:solidFill>
+          </a:ln>
+        </p:spPr>
+        <p:style>
+          <a:lnRef idx="1">
+            <a:schemeClr val="accent1"/>
+          </a:lnRef>
+          <a:fillRef idx="0">
+            <a:schemeClr val="accent1"/>
+          </a:fillRef>
+          <a:effectRef idx="0">
+            <a:schemeClr val="accent1"/>
+          </a:effectRef>
+          <a:fontRef idx="minor">
+            <a:schemeClr val="tx1"/>
+          </a:fontRef>
+        </p:style>
+      </p:cxnSp>
+      <p:sp>
+        <p:nvSpPr>
+          <p:cNvPr id="6" name="ZoneTexte 5">
+            <a:extLst>
+              <a:ext uri="{FF2B5EF4-FFF2-40B4-BE49-F238E27FC236}">
+                <a16:creationId xmlns:a16="http://schemas.microsoft.com/office/drawing/2014/main" id="{23C35358-1FE3-9EBB-62F4-BFAB2E047B52}"/>
+              </a:ext>
+            </a:extLst>
+          </p:cNvPr>
+          <p:cNvSpPr txBox="1"/>
+          <p:nvPr/>
+        </p:nvSpPr>
+        <p:spPr>
+          <a:xfrm>
+            <a:off x="1818968" y="491613"/>
+            <a:ext cx="9134164" cy="646331"/>
+          </a:xfrm>
+          <a:prstGeom prst="rect">
+            <a:avLst/>
+          </a:prstGeom>
+          <a:noFill/>
+        </p:spPr>
+        <p:txBody>
+          <a:bodyPr wrap="square" rtlCol="0">
+            <a:spAutoFit/>
+          </a:bodyPr>
+          <a:lstStyle/>
+          <a:p>
+            <a:r>
+              <a:rPr lang="fr-FR" sz="3600" b="1" dirty="0">
+                <a:solidFill>
+                  <a:schemeClr val="bg1"/>
+                </a:solidFill>
+                <a:latin typeface="Microsoft JhengHei Light" panose="020B0304030504040204" pitchFamily="34" charset="-120"/>
+                <a:ea typeface="Microsoft JhengHei Light" panose="020B0304030504040204" pitchFamily="34" charset="-120"/>
+              </a:rPr>
+              <a:t>2.11) </a:t>
+            </a:r>
+            <a:r>
+              <a:rPr lang="fr-FR" sz="3600" b="1" u="sng" dirty="0">
+                <a:solidFill>
+                  <a:schemeClr val="bg1"/>
+                </a:solidFill>
+                <a:latin typeface="Microsoft JhengHei Light" panose="020B0304030504040204" pitchFamily="34" charset="-120"/>
+                <a:ea typeface="Microsoft JhengHei Light" panose="020B0304030504040204" pitchFamily="34" charset="-120"/>
+              </a:rPr>
+              <a:t>Exemple de tests non fonctionnels</a:t>
+            </a:r>
+            <a:r>
+              <a:rPr lang="fr-FR" sz="3600" b="1" dirty="0">
+                <a:solidFill>
+                  <a:schemeClr val="bg1"/>
+                </a:solidFill>
+                <a:latin typeface="Microsoft JhengHei Light" panose="020B0304030504040204" pitchFamily="34" charset="-120"/>
+                <a:ea typeface="Microsoft JhengHei Light" panose="020B0304030504040204" pitchFamily="34" charset="-120"/>
+              </a:rPr>
+              <a:t> :</a:t>
+            </a:r>
+          </a:p>
+        </p:txBody>
+      </p:sp>
+      <p:sp>
+        <p:nvSpPr>
+          <p:cNvPr id="8" name="ZoneTexte 7">
+            <a:extLst>
+              <a:ext uri="{FF2B5EF4-FFF2-40B4-BE49-F238E27FC236}">
+                <a16:creationId xmlns:a16="http://schemas.microsoft.com/office/drawing/2014/main" id="{677BFB65-5272-46E9-C79C-939C04B021DD}"/>
+              </a:ext>
+            </a:extLst>
+          </p:cNvPr>
+          <p:cNvSpPr txBox="1"/>
+          <p:nvPr/>
+        </p:nvSpPr>
+        <p:spPr>
+          <a:xfrm>
+            <a:off x="1818968" y="1632155"/>
+            <a:ext cx="10038735" cy="923330"/>
+          </a:xfrm>
+          <a:prstGeom prst="rect">
+            <a:avLst/>
+          </a:prstGeom>
+          <a:noFill/>
+        </p:spPr>
+        <p:txBody>
+          <a:bodyPr wrap="square" rtlCol="0">
+            <a:spAutoFit/>
+          </a:bodyPr>
+          <a:lstStyle/>
+          <a:p>
+            <a:r>
+              <a:rPr lang="fr-FR" b="1" u="sng" dirty="0">
+                <a:solidFill>
+                  <a:schemeClr val="bg1"/>
+                </a:solidFill>
+                <a:latin typeface="Microsoft JhengHei Light" panose="020B0304030504040204" pitchFamily="34" charset="-120"/>
+                <a:ea typeface="Microsoft JhengHei Light" panose="020B0304030504040204" pitchFamily="34" charset="-120"/>
+              </a:rPr>
+              <a:t>Voici des exemples de tests non fonctionnels</a:t>
+            </a:r>
+            <a:r>
+              <a:rPr lang="fr-FR" b="1" dirty="0">
+                <a:solidFill>
+                  <a:schemeClr val="bg1"/>
+                </a:solidFill>
+                <a:latin typeface="Microsoft JhengHei Light" panose="020B0304030504040204" pitchFamily="34" charset="-120"/>
+                <a:ea typeface="Microsoft JhengHei Light" panose="020B0304030504040204" pitchFamily="34" charset="-120"/>
+              </a:rPr>
+              <a:t> :</a:t>
+            </a:r>
+          </a:p>
+          <a:p>
+            <a:endParaRPr lang="fr-FR" b="1" dirty="0">
+              <a:solidFill>
+                <a:schemeClr val="bg1"/>
+              </a:solidFill>
+              <a:latin typeface="Microsoft JhengHei Light" panose="020B0304030504040204" pitchFamily="34" charset="-120"/>
+              <a:ea typeface="Microsoft JhengHei Light" panose="020B0304030504040204" pitchFamily="34" charset="-120"/>
+            </a:endParaRPr>
+          </a:p>
+          <a:p>
+            <a:endParaRPr lang="fr-FR" b="1" dirty="0">
+              <a:solidFill>
+                <a:schemeClr val="bg1"/>
+              </a:solidFill>
+              <a:latin typeface="Microsoft JhengHei Light" panose="020B0304030504040204" pitchFamily="34" charset="-120"/>
+              <a:ea typeface="Microsoft JhengHei Light" panose="020B0304030504040204" pitchFamily="34" charset="-120"/>
+            </a:endParaRPr>
+          </a:p>
+        </p:txBody>
+      </p:sp>
+      <p:sp>
+        <p:nvSpPr>
+          <p:cNvPr id="10" name="ZoneTexte 9">
+            <a:extLst>
+              <a:ext uri="{FF2B5EF4-FFF2-40B4-BE49-F238E27FC236}">
+                <a16:creationId xmlns:a16="http://schemas.microsoft.com/office/drawing/2014/main" id="{D36DE002-3902-3C99-0A86-A96680644CB6}"/>
+              </a:ext>
+            </a:extLst>
+          </p:cNvPr>
+          <p:cNvSpPr txBox="1"/>
+          <p:nvPr/>
+        </p:nvSpPr>
+        <p:spPr>
+          <a:xfrm>
+            <a:off x="2281087" y="2261419"/>
+            <a:ext cx="9694599" cy="1754326"/>
+          </a:xfrm>
+          <a:prstGeom prst="rect">
+            <a:avLst/>
+          </a:prstGeom>
+          <a:noFill/>
+        </p:spPr>
+        <p:txBody>
+          <a:bodyPr wrap="square" rtlCol="0">
+            <a:spAutoFit/>
+          </a:bodyPr>
+          <a:lstStyle/>
+          <a:p>
+            <a:pPr marL="285750" indent="-285750">
+              <a:buFont typeface="Arial" panose="020B0604020202020204" pitchFamily="34" charset="0"/>
+              <a:buChar char="•"/>
+            </a:pPr>
+            <a:r>
+              <a:rPr lang="fr-FR" dirty="0">
+                <a:solidFill>
+                  <a:schemeClr val="bg1"/>
+                </a:solidFill>
+                <a:latin typeface="Microsoft JhengHei Light" panose="020B0304030504040204" pitchFamily="34" charset="-120"/>
+                <a:ea typeface="Microsoft JhengHei Light" panose="020B0304030504040204" pitchFamily="34" charset="-120"/>
+              </a:rPr>
+              <a:t>Tests de performances</a:t>
+            </a:r>
+          </a:p>
+          <a:p>
+            <a:pPr marL="285750" indent="-285750">
+              <a:buFont typeface="Arial" panose="020B0604020202020204" pitchFamily="34" charset="0"/>
+              <a:buChar char="•"/>
+            </a:pPr>
+            <a:r>
+              <a:rPr lang="fr-FR" dirty="0">
+                <a:solidFill>
+                  <a:schemeClr val="bg1"/>
+                </a:solidFill>
+                <a:latin typeface="Microsoft JhengHei Light" panose="020B0304030504040204" pitchFamily="34" charset="-120"/>
+                <a:ea typeface="Microsoft JhengHei Light" panose="020B0304030504040204" pitchFamily="34" charset="-120"/>
+              </a:rPr>
+              <a:t>Tests de charge</a:t>
+            </a:r>
+          </a:p>
+          <a:p>
+            <a:pPr marL="285750" indent="-285750">
+              <a:buFont typeface="Arial" panose="020B0604020202020204" pitchFamily="34" charset="0"/>
+              <a:buChar char="•"/>
+            </a:pPr>
+            <a:r>
+              <a:rPr lang="fr-FR" dirty="0">
+                <a:solidFill>
+                  <a:schemeClr val="bg1"/>
+                </a:solidFill>
+                <a:latin typeface="Microsoft JhengHei Light" panose="020B0304030504040204" pitchFamily="34" charset="-120"/>
+                <a:ea typeface="Microsoft JhengHei Light" panose="020B0304030504040204" pitchFamily="34" charset="-120"/>
+              </a:rPr>
+              <a:t>Tests de volume</a:t>
+            </a:r>
+          </a:p>
+          <a:p>
+            <a:pPr marL="285750" indent="-285750">
+              <a:buFont typeface="Arial" panose="020B0604020202020204" pitchFamily="34" charset="0"/>
+              <a:buChar char="•"/>
+            </a:pPr>
+            <a:r>
+              <a:rPr lang="fr-FR" dirty="0">
+                <a:solidFill>
+                  <a:schemeClr val="bg1"/>
+                </a:solidFill>
+                <a:latin typeface="Microsoft JhengHei Light" panose="020B0304030504040204" pitchFamily="34" charset="-120"/>
+                <a:ea typeface="Microsoft JhengHei Light" panose="020B0304030504040204" pitchFamily="34" charset="-120"/>
+              </a:rPr>
+              <a:t>Tests de sécurité</a:t>
+            </a:r>
+          </a:p>
+          <a:p>
+            <a:pPr marL="285750" indent="-285750">
+              <a:buFont typeface="Arial" panose="020B0604020202020204" pitchFamily="34" charset="0"/>
+              <a:buChar char="•"/>
+            </a:pPr>
+            <a:r>
+              <a:rPr lang="fr-FR" dirty="0">
+                <a:solidFill>
+                  <a:schemeClr val="bg1"/>
+                </a:solidFill>
+                <a:latin typeface="Microsoft JhengHei Light" panose="020B0304030504040204" pitchFamily="34" charset="-120"/>
+                <a:ea typeface="Microsoft JhengHei Light" panose="020B0304030504040204" pitchFamily="34" charset="-120"/>
+              </a:rPr>
+              <a:t>Tests de compatibilité</a:t>
+            </a:r>
+          </a:p>
+          <a:p>
+            <a:pPr marL="285750" indent="-285750">
+              <a:buFont typeface="Arial" panose="020B0604020202020204" pitchFamily="34" charset="0"/>
+              <a:buChar char="•"/>
+            </a:pPr>
+            <a:r>
+              <a:rPr lang="fr-FR" dirty="0">
+                <a:solidFill>
+                  <a:schemeClr val="bg1"/>
+                </a:solidFill>
+                <a:latin typeface="Microsoft JhengHei Light" panose="020B0304030504040204" pitchFamily="34" charset="-120"/>
+                <a:ea typeface="Microsoft JhengHei Light" panose="020B0304030504040204" pitchFamily="34" charset="-120"/>
+              </a:rPr>
+              <a:t>Tests de récupération</a:t>
+            </a:r>
+          </a:p>
+        </p:txBody>
+      </p:sp>
+    </p:spTree>
+    <p:extLst>
+      <p:ext uri="{BB962C8B-B14F-4D97-AF65-F5344CB8AC3E}">
+        <p14:creationId xmlns:p14="http://schemas.microsoft.com/office/powerpoint/2010/main" val="2149659053"/>
+      </p:ext>
+    </p:extLst>
+  </p:cSld>
+  <p:clrMapOvr>
+    <a:masterClrMapping/>
+  </p:clrMapOvr>
+  <p:timing>
+    <p:tnLst>
+      <p:par>
+        <p:cTn id="1" dur="indefinite" restart="never" nodeType="tmRoot">
+          <p:childTnLst>
+            <p:seq concurrent="1" nextAc="seek">
+              <p:cTn id="2" dur="indefinite" nodeType="mainSeq">
+                <p:childTnLst>
+                  <p:par>
+                    <p:cTn id="3" fill="hold">
+                      <p:stCondLst>
+                        <p:cond delay="indefinite"/>
+                        <p:cond evt="onBegin" delay="0">
+                          <p:tn val="2"/>
+                        </p:cond>
+                      </p:stCondLst>
+                      <p:childTnLst>
+                        <p:par>
+                          <p:cTn id="4" fill="hold">
+                            <p:stCondLst>
+                              <p:cond delay="0"/>
+                            </p:stCondLst>
+                            <p:childTnLst>
+                              <p:par>
+                                <p:cTn id="5" presetID="10" presetClass="entr" presetSubtype="0" fill="hold" nodeType="withEffect">
+                                  <p:stCondLst>
+                                    <p:cond delay="0"/>
+                                  </p:stCondLst>
+                                  <p:childTnLst>
+                                    <p:set>
+                                      <p:cBhvr>
+                                        <p:cTn id="6" dur="1" fill="hold">
+                                          <p:stCondLst>
+                                            <p:cond delay="0"/>
+                                          </p:stCondLst>
+                                        </p:cTn>
+                                        <p:tgtEl>
+                                          <p:spTgt spid="3"/>
+                                        </p:tgtEl>
+                                        <p:attrNameLst>
+                                          <p:attrName>style.visibility</p:attrName>
+                                        </p:attrNameLst>
+                                      </p:cBhvr>
+                                      <p:to>
+                                        <p:strVal val="visible"/>
+                                      </p:to>
+                                    </p:set>
+                                    <p:animEffect transition="in" filter="fade">
+                                      <p:cBhvr>
+                                        <p:cTn id="7" dur="300"/>
+                                        <p:tgtEl>
+                                          <p:spTgt spid="3"/>
+                                        </p:tgtEl>
+                                      </p:cBhvr>
+                                    </p:animEffect>
+                                  </p:childTnLst>
+                                </p:cTn>
+                              </p:par>
+                            </p:childTnLst>
+                          </p:cTn>
+                        </p:par>
+                        <p:par>
+                          <p:cTn id="8" fill="hold">
+                            <p:stCondLst>
+                              <p:cond delay="300"/>
+                            </p:stCondLst>
+                            <p:childTnLst>
+                              <p:par>
+                                <p:cTn id="9" presetID="10" presetClass="entr" presetSubtype="0" fill="hold" nodeType="afterEffect">
+                                  <p:stCondLst>
+                                    <p:cond delay="0"/>
+                                  </p:stCondLst>
+                                  <p:childTnLst>
+                                    <p:set>
+                                      <p:cBhvr>
+                                        <p:cTn id="10" dur="1" fill="hold">
+                                          <p:stCondLst>
+                                            <p:cond delay="0"/>
+                                          </p:stCondLst>
+                                        </p:cTn>
+                                        <p:tgtEl>
+                                          <p:spTgt spid="4"/>
+                                        </p:tgtEl>
+                                        <p:attrNameLst>
+                                          <p:attrName>style.visibility</p:attrName>
+                                        </p:attrNameLst>
+                                      </p:cBhvr>
+                                      <p:to>
+                                        <p:strVal val="visible"/>
+                                      </p:to>
+                                    </p:set>
+                                    <p:animEffect transition="in" filter="fade">
+                                      <p:cBhvr>
+                                        <p:cTn id="11" dur="500"/>
+                                        <p:tgtEl>
+                                          <p:spTgt spid="4"/>
+                                        </p:tgtEl>
+                                      </p:cBhvr>
+                                    </p:animEffect>
+                                  </p:childTnLst>
+                                </p:cTn>
+                              </p:par>
+                            </p:childTnLst>
+                          </p:cTn>
+                        </p:par>
+                      </p:childTnLst>
+                    </p:cTn>
+                  </p:par>
+                  <p:par>
+                    <p:cTn id="12" fill="hold">
+                      <p:stCondLst>
+                        <p:cond delay="indefinite"/>
+                      </p:stCondLst>
+                      <p:childTnLst>
+                        <p:par>
+                          <p:cTn id="13" fill="hold">
+                            <p:stCondLst>
+                              <p:cond delay="0"/>
+                            </p:stCondLst>
+                            <p:childTnLst>
+                              <p:par>
+                                <p:cTn id="14" presetID="42" presetClass="entr" presetSubtype="0" fill="hold" grpId="0" nodeType="clickEffect">
+                                  <p:stCondLst>
+                                    <p:cond delay="0"/>
+                                  </p:stCondLst>
+                                  <p:childTnLst>
+                                    <p:set>
+                                      <p:cBhvr>
+                                        <p:cTn id="15" dur="1" fill="hold">
+                                          <p:stCondLst>
+                                            <p:cond delay="0"/>
+                                          </p:stCondLst>
+                                        </p:cTn>
+                                        <p:tgtEl>
+                                          <p:spTgt spid="6"/>
+                                        </p:tgtEl>
+                                        <p:attrNameLst>
+                                          <p:attrName>style.visibility</p:attrName>
+                                        </p:attrNameLst>
+                                      </p:cBhvr>
+                                      <p:to>
+                                        <p:strVal val="visible"/>
+                                      </p:to>
+                                    </p:set>
+                                    <p:animEffect transition="in" filter="fade">
+                                      <p:cBhvr>
+                                        <p:cTn id="16" dur="1000"/>
+                                        <p:tgtEl>
+                                          <p:spTgt spid="6"/>
+                                        </p:tgtEl>
+                                      </p:cBhvr>
+                                    </p:animEffect>
+                                    <p:anim calcmode="lin" valueType="num">
+                                      <p:cBhvr>
+                                        <p:cTn id="17" dur="1000" fill="hold"/>
+                                        <p:tgtEl>
+                                          <p:spTgt spid="6"/>
+                                        </p:tgtEl>
+                                        <p:attrNameLst>
+                                          <p:attrName>ppt_x</p:attrName>
+                                        </p:attrNameLst>
+                                      </p:cBhvr>
+                                      <p:tavLst>
+                                        <p:tav tm="0">
+                                          <p:val>
+                                            <p:strVal val="#ppt_x"/>
+                                          </p:val>
+                                        </p:tav>
+                                        <p:tav tm="100000">
+                                          <p:val>
+                                            <p:strVal val="#ppt_x"/>
+                                          </p:val>
+                                        </p:tav>
+                                      </p:tavLst>
+                                    </p:anim>
+                                    <p:anim calcmode="lin" valueType="num">
+                                      <p:cBhvr>
+                                        <p:cTn id="18" dur="1000" fill="hold"/>
+                                        <p:tgtEl>
+                                          <p:spTgt spid="6"/>
+                                        </p:tgtEl>
+                                        <p:attrNameLst>
+                                          <p:attrName>ppt_y</p:attrName>
+                                        </p:attrNameLst>
+                                      </p:cBhvr>
+                                      <p:tavLst>
+                                        <p:tav tm="0">
+                                          <p:val>
+                                            <p:strVal val="#ppt_y+.1"/>
+                                          </p:val>
+                                        </p:tav>
+                                        <p:tav tm="100000">
+                                          <p:val>
+                                            <p:strVal val="#ppt_y"/>
+                                          </p:val>
+                                        </p:tav>
+                                      </p:tavLst>
+                                    </p:anim>
+                                  </p:childTnLst>
+                                </p:cTn>
+                              </p:par>
+                            </p:childTnLst>
+                          </p:cTn>
+                        </p:par>
+                      </p:childTnLst>
+                    </p:cTn>
+                  </p:par>
+                  <p:par>
+                    <p:cTn id="19" fill="hold">
+                      <p:stCondLst>
+                        <p:cond delay="indefinite"/>
+                      </p:stCondLst>
+                      <p:childTnLst>
+                        <p:par>
+                          <p:cTn id="20" fill="hold">
+                            <p:stCondLst>
+                              <p:cond delay="0"/>
+                            </p:stCondLst>
+                            <p:childTnLst>
+                              <p:par>
+                                <p:cTn id="21" presetID="10" presetClass="entr" presetSubtype="0" fill="hold" grpId="0" nodeType="clickEffect">
+                                  <p:stCondLst>
+                                    <p:cond delay="0"/>
+                                  </p:stCondLst>
+                                  <p:childTnLst>
+                                    <p:set>
+                                      <p:cBhvr>
+                                        <p:cTn id="22" dur="1" fill="hold">
+                                          <p:stCondLst>
+                                            <p:cond delay="0"/>
+                                          </p:stCondLst>
+                                        </p:cTn>
+                                        <p:tgtEl>
+                                          <p:spTgt spid="8"/>
+                                        </p:tgtEl>
+                                        <p:attrNameLst>
+                                          <p:attrName>style.visibility</p:attrName>
+                                        </p:attrNameLst>
+                                      </p:cBhvr>
+                                      <p:to>
+                                        <p:strVal val="visible"/>
+                                      </p:to>
+                                    </p:set>
+                                    <p:animEffect transition="in" filter="fade">
+                                      <p:cBhvr>
+                                        <p:cTn id="23" dur="500"/>
+                                        <p:tgtEl>
+                                          <p:spTgt spid="8"/>
+                                        </p:tgtEl>
+                                      </p:cBhvr>
+                                    </p:animEffect>
+                                  </p:childTnLst>
+                                </p:cTn>
+                              </p:par>
+                              <p:par>
+                                <p:cTn id="24" presetID="10" presetClass="entr" presetSubtype="0" fill="hold" grpId="0" nodeType="withEffect">
+                                  <p:stCondLst>
+                                    <p:cond delay="0"/>
+                                  </p:stCondLst>
+                                  <p:childTnLst>
+                                    <p:set>
+                                      <p:cBhvr>
+                                        <p:cTn id="25" dur="1" fill="hold">
+                                          <p:stCondLst>
+                                            <p:cond delay="0"/>
+                                          </p:stCondLst>
+                                        </p:cTn>
+                                        <p:tgtEl>
+                                          <p:spTgt spid="10"/>
+                                        </p:tgtEl>
+                                        <p:attrNameLst>
+                                          <p:attrName>style.visibility</p:attrName>
+                                        </p:attrNameLst>
+                                      </p:cBhvr>
+                                      <p:to>
+                                        <p:strVal val="visible"/>
+                                      </p:to>
+                                    </p:set>
+                                    <p:animEffect transition="in" filter="fade">
+                                      <p:cBhvr>
+                                        <p:cTn id="26" dur="500"/>
+                                        <p:tgtEl>
+                                          <p:spTgt spid="10"/>
+                                        </p:tgtEl>
+                                      </p:cBhvr>
+                                    </p:animEffect>
+                                  </p:childTnLst>
+                                </p:cTn>
+                              </p:par>
+                            </p:childTnLst>
+                          </p:cTn>
+                        </p:par>
+                      </p:childTnLst>
+                    </p:cTn>
+                  </p:par>
+                </p:childTnLst>
+              </p:cTn>
+              <p:prevCondLst>
+                <p:cond evt="onPrev" delay="0">
+                  <p:tgtEl>
+                    <p:sldTgt/>
+                  </p:tgtEl>
+                </p:cond>
+              </p:prevCondLst>
+              <p:nextCondLst>
+                <p:cond evt="onNext" delay="0">
+                  <p:tgtEl>
+                    <p:sldTgt/>
+                  </p:tgtEl>
+                </p:cond>
+              </p:nextCondLst>
+            </p:seq>
+          </p:childTnLst>
+        </p:cTn>
+      </p:par>
+    </p:tnLst>
+    <p:bldLst>
+      <p:bldP spid="6" grpId="0"/>
+      <p:bldP spid="8" grpId="0"/>
+      <p:bldP spid="10" grpId="0"/>
+    </p:bldLst>
+  </p:timing>
+</p:sld>
+</file>
+
+<file path=ppt/slides/slide23.xml><?xml version="1.0" encoding="utf-8"?>
+<p:sld xmlns:a="http://schemas.openxmlformats.org/drawingml/2006/main" xmlns:r="http://schemas.openxmlformats.org/officeDocument/2006/relationships" xmlns:p="http://schemas.openxmlformats.org/presentationml/2006/main">
+  <p:cSld>
+    <p:bg>
+      <p:bgPr>
+        <a:solidFill>
+          <a:schemeClr val="bg2">
+            <a:lumMod val="10000"/>
+          </a:schemeClr>
+        </a:solidFill>
+        <a:effectLst/>
+      </p:bgPr>
+    </p:bg>
+    <p:spTree>
+      <p:nvGrpSpPr>
+        <p:cNvPr id="1" name=""/>
+        <p:cNvGrpSpPr/>
+        <p:nvPr/>
+      </p:nvGrpSpPr>
+      <p:grpSpPr>
+        <a:xfrm>
+          <a:off x="0" y="0"/>
+          <a:ext cx="0" cy="0"/>
+          <a:chOff x="0" y="0"/>
+          <a:chExt cx="0" cy="0"/>
+        </a:xfrm>
+      </p:grpSpPr>
+      <p:cxnSp>
+        <p:nvCxnSpPr>
+          <p:cNvPr id="3" name="Connecteur droit 2">
+            <a:extLst>
+              <a:ext uri="{FF2B5EF4-FFF2-40B4-BE49-F238E27FC236}">
+                <a16:creationId xmlns:a16="http://schemas.microsoft.com/office/drawing/2014/main" id="{2C584FBB-9B0E-3B6B-37DD-F3579B021262}"/>
+              </a:ext>
+            </a:extLst>
+          </p:cNvPr>
+          <p:cNvCxnSpPr/>
+          <p:nvPr/>
+        </p:nvCxnSpPr>
+        <p:spPr>
+          <a:xfrm>
+            <a:off x="1248698" y="0"/>
+            <a:ext cx="0" cy="6858000"/>
+          </a:xfrm>
+          <a:prstGeom prst="line">
+            <a:avLst/>
+          </a:prstGeom>
+          <a:ln w="76200">
+            <a:solidFill>
+              <a:srgbClr val="FF0000"/>
+            </a:solidFill>
+          </a:ln>
+        </p:spPr>
+        <p:style>
+          <a:lnRef idx="1">
+            <a:schemeClr val="accent1"/>
+          </a:lnRef>
+          <a:fillRef idx="0">
+            <a:schemeClr val="accent1"/>
+          </a:fillRef>
+          <a:effectRef idx="0">
+            <a:schemeClr val="accent1"/>
+          </a:effectRef>
+          <a:fontRef idx="minor">
+            <a:schemeClr val="tx1"/>
+          </a:fontRef>
+        </p:style>
+      </p:cxnSp>
+      <p:cxnSp>
+        <p:nvCxnSpPr>
+          <p:cNvPr id="4" name="Connecteur droit 3">
+            <a:extLst>
+              <a:ext uri="{FF2B5EF4-FFF2-40B4-BE49-F238E27FC236}">
+                <a16:creationId xmlns:a16="http://schemas.microsoft.com/office/drawing/2014/main" id="{4452CB09-AEB0-56F1-99DF-F05A9CBC3B53}"/>
+              </a:ext>
+            </a:extLst>
+          </p:cNvPr>
+          <p:cNvCxnSpPr/>
+          <p:nvPr/>
+        </p:nvCxnSpPr>
+        <p:spPr>
+          <a:xfrm>
+            <a:off x="978309" y="0"/>
+            <a:ext cx="0" cy="6858000"/>
+          </a:xfrm>
+          <a:prstGeom prst="line">
+            <a:avLst/>
+          </a:prstGeom>
+          <a:ln w="76200">
+            <a:solidFill>
+              <a:srgbClr val="FF0000"/>
+            </a:solidFill>
+          </a:ln>
+        </p:spPr>
+        <p:style>
+          <a:lnRef idx="1">
+            <a:schemeClr val="accent1"/>
+          </a:lnRef>
+          <a:fillRef idx="0">
+            <a:schemeClr val="accent1"/>
+          </a:fillRef>
+          <a:effectRef idx="0">
+            <a:schemeClr val="accent1"/>
+          </a:effectRef>
+          <a:fontRef idx="minor">
+            <a:schemeClr val="tx1"/>
+          </a:fontRef>
+        </p:style>
+      </p:cxnSp>
+      <p:sp>
+        <p:nvSpPr>
+          <p:cNvPr id="5" name="ZoneTexte 4">
+            <a:extLst>
+              <a:ext uri="{FF2B5EF4-FFF2-40B4-BE49-F238E27FC236}">
+                <a16:creationId xmlns:a16="http://schemas.microsoft.com/office/drawing/2014/main" id="{EE3C297E-5A3F-2233-B263-F5397205E51B}"/>
+              </a:ext>
+            </a:extLst>
+          </p:cNvPr>
+          <p:cNvSpPr txBox="1"/>
+          <p:nvPr/>
+        </p:nvSpPr>
+        <p:spPr>
+          <a:xfrm>
+            <a:off x="1519087" y="422786"/>
+            <a:ext cx="7079222" cy="646331"/>
+          </a:xfrm>
+          <a:prstGeom prst="rect">
+            <a:avLst/>
+          </a:prstGeom>
+          <a:noFill/>
+        </p:spPr>
+        <p:txBody>
+          <a:bodyPr wrap="square" rtlCol="0">
+            <a:spAutoFit/>
+          </a:bodyPr>
+          <a:lstStyle/>
+          <a:p>
+            <a:r>
+              <a:rPr lang="fr-FR" sz="3600" b="1" dirty="0">
+                <a:solidFill>
+                  <a:schemeClr val="bg1"/>
+                </a:solidFill>
+                <a:latin typeface="Microsoft JhengHei Light" panose="020B0304030504040204" pitchFamily="34" charset="-120"/>
+                <a:ea typeface="Microsoft JhengHei Light" panose="020B0304030504040204" pitchFamily="34" charset="-120"/>
+              </a:rPr>
+              <a:t>2.12) </a:t>
+            </a:r>
+            <a:r>
+              <a:rPr lang="fr-FR" sz="3600" b="1" u="sng" dirty="0">
+                <a:solidFill>
+                  <a:schemeClr val="bg1"/>
+                </a:solidFill>
+                <a:latin typeface="Microsoft JhengHei Light" panose="020B0304030504040204" pitchFamily="34" charset="-120"/>
+                <a:ea typeface="Microsoft JhengHei Light" panose="020B0304030504040204" pitchFamily="34" charset="-120"/>
+              </a:rPr>
+              <a:t>Tests de performances</a:t>
+            </a:r>
+            <a:r>
+              <a:rPr lang="fr-FR" sz="3600" b="1" dirty="0">
+                <a:solidFill>
+                  <a:schemeClr val="bg1"/>
+                </a:solidFill>
+                <a:latin typeface="Microsoft JhengHei Light" panose="020B0304030504040204" pitchFamily="34" charset="-120"/>
+                <a:ea typeface="Microsoft JhengHei Light" panose="020B0304030504040204" pitchFamily="34" charset="-120"/>
+              </a:rPr>
+              <a:t> :</a:t>
+            </a:r>
+          </a:p>
+        </p:txBody>
+      </p:sp>
+      <p:sp>
+        <p:nvSpPr>
+          <p:cNvPr id="6" name="ZoneTexte 5">
+            <a:extLst>
+              <a:ext uri="{FF2B5EF4-FFF2-40B4-BE49-F238E27FC236}">
+                <a16:creationId xmlns:a16="http://schemas.microsoft.com/office/drawing/2014/main" id="{0D071E89-7525-9471-2E45-1F64A7C82839}"/>
+              </a:ext>
+            </a:extLst>
+          </p:cNvPr>
+          <p:cNvSpPr txBox="1"/>
+          <p:nvPr/>
+        </p:nvSpPr>
+        <p:spPr>
+          <a:xfrm>
+            <a:off x="1519087" y="1515035"/>
+            <a:ext cx="3003176" cy="369332"/>
+          </a:xfrm>
+          <a:prstGeom prst="rect">
+            <a:avLst/>
+          </a:prstGeom>
+          <a:noFill/>
+        </p:spPr>
+        <p:txBody>
+          <a:bodyPr wrap="square" rtlCol="0">
+            <a:spAutoFit/>
+          </a:bodyPr>
+          <a:lstStyle/>
+          <a:p>
+            <a:r>
+              <a:rPr lang="fr-FR" b="1" dirty="0">
+                <a:solidFill>
+                  <a:schemeClr val="bg1"/>
+                </a:solidFill>
+                <a:latin typeface="Microsoft JhengHei Light" panose="020B0304030504040204" pitchFamily="34" charset="-120"/>
+                <a:ea typeface="Microsoft JhengHei Light" panose="020B0304030504040204" pitchFamily="34" charset="-120"/>
+              </a:rPr>
+              <a:t>* </a:t>
+            </a:r>
+            <a:r>
+              <a:rPr lang="fr-FR" b="1" u="sng" dirty="0">
+                <a:solidFill>
+                  <a:schemeClr val="bg1"/>
+                </a:solidFill>
+                <a:latin typeface="Microsoft JhengHei Light" panose="020B0304030504040204" pitchFamily="34" charset="-120"/>
+                <a:ea typeface="Microsoft JhengHei Light" panose="020B0304030504040204" pitchFamily="34" charset="-120"/>
+              </a:rPr>
+              <a:t>Définition</a:t>
+            </a:r>
+            <a:r>
+              <a:rPr lang="fr-FR" b="1" dirty="0">
+                <a:solidFill>
+                  <a:schemeClr val="bg1"/>
+                </a:solidFill>
+                <a:latin typeface="Microsoft JhengHei Light" panose="020B0304030504040204" pitchFamily="34" charset="-120"/>
+                <a:ea typeface="Microsoft JhengHei Light" panose="020B0304030504040204" pitchFamily="34" charset="-120"/>
+              </a:rPr>
+              <a:t> :</a:t>
+            </a:r>
+          </a:p>
+        </p:txBody>
+      </p:sp>
+      <p:sp>
+        <p:nvSpPr>
+          <p:cNvPr id="7" name="ZoneTexte 6">
+            <a:extLst>
+              <a:ext uri="{FF2B5EF4-FFF2-40B4-BE49-F238E27FC236}">
+                <a16:creationId xmlns:a16="http://schemas.microsoft.com/office/drawing/2014/main" id="{1281D776-7B0B-5A37-2C19-E23A27AECE81}"/>
+              </a:ext>
+            </a:extLst>
+          </p:cNvPr>
+          <p:cNvSpPr txBox="1"/>
+          <p:nvPr/>
+        </p:nvSpPr>
+        <p:spPr>
+          <a:xfrm>
+            <a:off x="1519087" y="2223246"/>
+            <a:ext cx="9646020" cy="646331"/>
+          </a:xfrm>
+          <a:prstGeom prst="rect">
+            <a:avLst/>
+          </a:prstGeom>
+          <a:noFill/>
+        </p:spPr>
+        <p:txBody>
+          <a:bodyPr wrap="square" rtlCol="0">
+            <a:spAutoFit/>
+          </a:bodyPr>
+          <a:lstStyle/>
+          <a:p>
+            <a:pPr algn="just"/>
+            <a:r>
+              <a:rPr lang="fr-FR" dirty="0">
+                <a:solidFill>
+                  <a:schemeClr val="bg1"/>
+                </a:solidFill>
+                <a:latin typeface="Microsoft JhengHei Light" panose="020B0304030504040204" pitchFamily="34" charset="-120"/>
+                <a:ea typeface="Microsoft JhengHei Light" panose="020B0304030504040204" pitchFamily="34" charset="-120"/>
+              </a:rPr>
+              <a:t>Les tests de performances est défini comme un test qui consiste à déterminer la performance d’un système. </a:t>
+            </a:r>
+          </a:p>
+        </p:txBody>
+      </p:sp>
+      <p:sp>
+        <p:nvSpPr>
+          <p:cNvPr id="8" name="ZoneTexte 7">
+            <a:extLst>
+              <a:ext uri="{FF2B5EF4-FFF2-40B4-BE49-F238E27FC236}">
+                <a16:creationId xmlns:a16="http://schemas.microsoft.com/office/drawing/2014/main" id="{931A1FD0-3EBC-BD3F-85BC-14BBA4C808D0}"/>
+              </a:ext>
+            </a:extLst>
+          </p:cNvPr>
+          <p:cNvSpPr txBox="1"/>
+          <p:nvPr/>
+        </p:nvSpPr>
+        <p:spPr>
+          <a:xfrm>
+            <a:off x="1519087" y="3208456"/>
+            <a:ext cx="9762560" cy="923330"/>
+          </a:xfrm>
+          <a:prstGeom prst="rect">
+            <a:avLst/>
+          </a:prstGeom>
+          <a:noFill/>
+        </p:spPr>
+        <p:txBody>
+          <a:bodyPr wrap="square" rtlCol="0">
+            <a:spAutoFit/>
+          </a:bodyPr>
+          <a:lstStyle/>
+          <a:p>
+            <a:pPr algn="just"/>
+            <a:r>
+              <a:rPr lang="fr-FR" dirty="0">
+                <a:solidFill>
+                  <a:schemeClr val="bg1"/>
+                </a:solidFill>
+                <a:latin typeface="Microsoft JhengHei Light" panose="020B0304030504040204" pitchFamily="34" charset="-120"/>
+                <a:ea typeface="Microsoft JhengHei Light" panose="020B0304030504040204" pitchFamily="34" charset="-120"/>
+              </a:rPr>
+              <a:t>L’acceptation la plus courante de ce terme est celle dans laquelle ces tests logiciels et qui vont avoir pour objectif de mesurer le temps de réaction de l’application ou du logiciel en fonction de sa sollicitation.</a:t>
+            </a:r>
+          </a:p>
+        </p:txBody>
+      </p:sp>
+    </p:spTree>
+    <p:extLst>
+      <p:ext uri="{BB962C8B-B14F-4D97-AF65-F5344CB8AC3E}">
+        <p14:creationId xmlns:p14="http://schemas.microsoft.com/office/powerpoint/2010/main" val="2014555455"/>
+      </p:ext>
+    </p:extLst>
+  </p:cSld>
+  <p:clrMapOvr>
+    <a:masterClrMapping/>
+  </p:clrMapOvr>
+  <p:timing>
+    <p:tnLst>
+      <p:par>
+        <p:cTn id="1" dur="indefinite" restart="never" nodeType="tmRoot">
+          <p:childTnLst>
+            <p:seq concurrent="1" nextAc="seek">
+              <p:cTn id="2" dur="indefinite" nodeType="mainSeq">
+                <p:childTnLst>
+                  <p:par>
+                    <p:cTn id="3" fill="hold">
+                      <p:stCondLst>
+                        <p:cond delay="indefinite"/>
+                        <p:cond evt="onBegin" delay="0">
+                          <p:tn val="2"/>
+                        </p:cond>
+                      </p:stCondLst>
+                      <p:childTnLst>
+                        <p:par>
+                          <p:cTn id="4" fill="hold">
+                            <p:stCondLst>
+                              <p:cond delay="0"/>
+                            </p:stCondLst>
+                            <p:childTnLst>
+                              <p:par>
+                                <p:cTn id="5" presetID="10" presetClass="entr" presetSubtype="0" fill="hold" nodeType="withEffect">
+                                  <p:stCondLst>
+                                    <p:cond delay="0"/>
+                                  </p:stCondLst>
+                                  <p:childTnLst>
+                                    <p:set>
+                                      <p:cBhvr>
+                                        <p:cTn id="6" dur="1" fill="hold">
+                                          <p:stCondLst>
+                                            <p:cond delay="0"/>
+                                          </p:stCondLst>
+                                        </p:cTn>
+                                        <p:tgtEl>
+                                          <p:spTgt spid="4"/>
+                                        </p:tgtEl>
+                                        <p:attrNameLst>
+                                          <p:attrName>style.visibility</p:attrName>
+                                        </p:attrNameLst>
+                                      </p:cBhvr>
+                                      <p:to>
+                                        <p:strVal val="visible"/>
+                                      </p:to>
+                                    </p:set>
+                                    <p:animEffect transition="in" filter="fade">
+                                      <p:cBhvr>
+                                        <p:cTn id="7" dur="300"/>
+                                        <p:tgtEl>
+                                          <p:spTgt spid="4"/>
+                                        </p:tgtEl>
+                                      </p:cBhvr>
+                                    </p:animEffect>
+                                  </p:childTnLst>
+                                </p:cTn>
+                              </p:par>
+                            </p:childTnLst>
+                          </p:cTn>
+                        </p:par>
+                        <p:par>
+                          <p:cTn id="8" fill="hold">
+                            <p:stCondLst>
+                              <p:cond delay="300"/>
+                            </p:stCondLst>
+                            <p:childTnLst>
+                              <p:par>
+                                <p:cTn id="9" presetID="10" presetClass="entr" presetSubtype="0" fill="hold" nodeType="afterEffect">
+                                  <p:stCondLst>
+                                    <p:cond delay="0"/>
+                                  </p:stCondLst>
+                                  <p:childTnLst>
+                                    <p:set>
+                                      <p:cBhvr>
+                                        <p:cTn id="10" dur="1" fill="hold">
+                                          <p:stCondLst>
+                                            <p:cond delay="0"/>
+                                          </p:stCondLst>
+                                        </p:cTn>
+                                        <p:tgtEl>
+                                          <p:spTgt spid="3"/>
+                                        </p:tgtEl>
+                                        <p:attrNameLst>
+                                          <p:attrName>style.visibility</p:attrName>
+                                        </p:attrNameLst>
+                                      </p:cBhvr>
+                                      <p:to>
+                                        <p:strVal val="visible"/>
+                                      </p:to>
+                                    </p:set>
+                                    <p:animEffect transition="in" filter="fade">
+                                      <p:cBhvr>
+                                        <p:cTn id="11" dur="300"/>
+                                        <p:tgtEl>
+                                          <p:spTgt spid="3"/>
+                                        </p:tgtEl>
+                                      </p:cBhvr>
+                                    </p:animEffect>
+                                  </p:childTnLst>
+                                </p:cTn>
+                              </p:par>
+                            </p:childTnLst>
+                          </p:cTn>
+                        </p:par>
+                      </p:childTnLst>
+                    </p:cTn>
+                  </p:par>
+                  <p:par>
+                    <p:cTn id="12" fill="hold">
+                      <p:stCondLst>
+                        <p:cond delay="indefinite"/>
+                      </p:stCondLst>
+                      <p:childTnLst>
+                        <p:par>
+                          <p:cTn id="13" fill="hold">
+                            <p:stCondLst>
+                              <p:cond delay="0"/>
+                            </p:stCondLst>
+                            <p:childTnLst>
+                              <p:par>
+                                <p:cTn id="14" presetID="42" presetClass="entr" presetSubtype="0" fill="hold" grpId="0" nodeType="clickEffect">
+                                  <p:stCondLst>
+                                    <p:cond delay="0"/>
+                                  </p:stCondLst>
+                                  <p:childTnLst>
+                                    <p:set>
+                                      <p:cBhvr>
+                                        <p:cTn id="15" dur="1" fill="hold">
+                                          <p:stCondLst>
+                                            <p:cond delay="0"/>
+                                          </p:stCondLst>
+                                        </p:cTn>
+                                        <p:tgtEl>
+                                          <p:spTgt spid="5"/>
+                                        </p:tgtEl>
+                                        <p:attrNameLst>
+                                          <p:attrName>style.visibility</p:attrName>
+                                        </p:attrNameLst>
+                                      </p:cBhvr>
+                                      <p:to>
+                                        <p:strVal val="visible"/>
+                                      </p:to>
+                                    </p:set>
+                                    <p:animEffect transition="in" filter="fade">
+                                      <p:cBhvr>
+                                        <p:cTn id="16" dur="1000"/>
+                                        <p:tgtEl>
+                                          <p:spTgt spid="5"/>
+                                        </p:tgtEl>
+                                      </p:cBhvr>
+                                    </p:animEffect>
+                                    <p:anim calcmode="lin" valueType="num">
+                                      <p:cBhvr>
+                                        <p:cTn id="17" dur="1000" fill="hold"/>
+                                        <p:tgtEl>
+                                          <p:spTgt spid="5"/>
+                                        </p:tgtEl>
+                                        <p:attrNameLst>
+                                          <p:attrName>ppt_x</p:attrName>
+                                        </p:attrNameLst>
+                                      </p:cBhvr>
+                                      <p:tavLst>
+                                        <p:tav tm="0">
+                                          <p:val>
+                                            <p:strVal val="#ppt_x"/>
+                                          </p:val>
+                                        </p:tav>
+                                        <p:tav tm="100000">
+                                          <p:val>
+                                            <p:strVal val="#ppt_x"/>
+                                          </p:val>
+                                        </p:tav>
+                                      </p:tavLst>
+                                    </p:anim>
+                                    <p:anim calcmode="lin" valueType="num">
+                                      <p:cBhvr>
+                                        <p:cTn id="18" dur="1000" fill="hold"/>
+                                        <p:tgtEl>
+                                          <p:spTgt spid="5"/>
+                                        </p:tgtEl>
+                                        <p:attrNameLst>
+                                          <p:attrName>ppt_y</p:attrName>
+                                        </p:attrNameLst>
+                                      </p:cBhvr>
+                                      <p:tavLst>
+                                        <p:tav tm="0">
+                                          <p:val>
+                                            <p:strVal val="#ppt_y+.1"/>
+                                          </p:val>
+                                        </p:tav>
+                                        <p:tav tm="100000">
+                                          <p:val>
+                                            <p:strVal val="#ppt_y"/>
+                                          </p:val>
+                                        </p:tav>
+                                      </p:tavLst>
+                                    </p:anim>
+                                  </p:childTnLst>
+                                </p:cTn>
+                              </p:par>
+                            </p:childTnLst>
+                          </p:cTn>
+                        </p:par>
+                      </p:childTnLst>
+                    </p:cTn>
+                  </p:par>
+                  <p:par>
+                    <p:cTn id="19" fill="hold">
+                      <p:stCondLst>
+                        <p:cond delay="indefinite"/>
+                      </p:stCondLst>
+                      <p:childTnLst>
+                        <p:par>
+                          <p:cTn id="20" fill="hold">
+                            <p:stCondLst>
+                              <p:cond delay="0"/>
+                            </p:stCondLst>
+                            <p:childTnLst>
+                              <p:par>
+                                <p:cTn id="21" presetID="10" presetClass="entr" presetSubtype="0" fill="hold" grpId="0" nodeType="clickEffect">
+                                  <p:stCondLst>
+                                    <p:cond delay="0"/>
+                                  </p:stCondLst>
+                                  <p:childTnLst>
+                                    <p:set>
+                                      <p:cBhvr>
+                                        <p:cTn id="22" dur="1" fill="hold">
+                                          <p:stCondLst>
+                                            <p:cond delay="0"/>
+                                          </p:stCondLst>
+                                        </p:cTn>
+                                        <p:tgtEl>
+                                          <p:spTgt spid="6"/>
+                                        </p:tgtEl>
+                                        <p:attrNameLst>
+                                          <p:attrName>style.visibility</p:attrName>
+                                        </p:attrNameLst>
+                                      </p:cBhvr>
+                                      <p:to>
+                                        <p:strVal val="visible"/>
+                                      </p:to>
+                                    </p:set>
+                                    <p:animEffect transition="in" filter="fade">
+                                      <p:cBhvr>
+                                        <p:cTn id="23" dur="500"/>
+                                        <p:tgtEl>
+                                          <p:spTgt spid="6"/>
+                                        </p:tgtEl>
+                                      </p:cBhvr>
+                                    </p:animEffect>
+                                  </p:childTnLst>
+                                </p:cTn>
+                              </p:par>
+                              <p:par>
+                                <p:cTn id="24" presetID="10" presetClass="entr" presetSubtype="0" fill="hold" grpId="0" nodeType="withEffect">
+                                  <p:stCondLst>
+                                    <p:cond delay="0"/>
+                                  </p:stCondLst>
+                                  <p:childTnLst>
+                                    <p:set>
+                                      <p:cBhvr>
+                                        <p:cTn id="25" dur="1" fill="hold">
+                                          <p:stCondLst>
+                                            <p:cond delay="0"/>
+                                          </p:stCondLst>
+                                        </p:cTn>
+                                        <p:tgtEl>
+                                          <p:spTgt spid="7"/>
+                                        </p:tgtEl>
+                                        <p:attrNameLst>
+                                          <p:attrName>style.visibility</p:attrName>
+                                        </p:attrNameLst>
+                                      </p:cBhvr>
+                                      <p:to>
+                                        <p:strVal val="visible"/>
+                                      </p:to>
+                                    </p:set>
+                                    <p:animEffect transition="in" filter="fade">
+                                      <p:cBhvr>
+                                        <p:cTn id="26" dur="500"/>
+                                        <p:tgtEl>
+                                          <p:spTgt spid="7"/>
+                                        </p:tgtEl>
+                                      </p:cBhvr>
+                                    </p:animEffect>
+                                  </p:childTnLst>
+                                </p:cTn>
+                              </p:par>
+                              <p:par>
+                                <p:cTn id="27" presetID="10" presetClass="entr" presetSubtype="0" fill="hold" grpId="0" nodeType="withEffect">
+                                  <p:stCondLst>
+                                    <p:cond delay="0"/>
+                                  </p:stCondLst>
+                                  <p:childTnLst>
+                                    <p:set>
+                                      <p:cBhvr>
+                                        <p:cTn id="28" dur="1" fill="hold">
+                                          <p:stCondLst>
+                                            <p:cond delay="0"/>
+                                          </p:stCondLst>
+                                        </p:cTn>
+                                        <p:tgtEl>
+                                          <p:spTgt spid="8"/>
+                                        </p:tgtEl>
+                                        <p:attrNameLst>
+                                          <p:attrName>style.visibility</p:attrName>
+                                        </p:attrNameLst>
+                                      </p:cBhvr>
+                                      <p:to>
+                                        <p:strVal val="visible"/>
+                                      </p:to>
+                                    </p:set>
+                                    <p:animEffect transition="in" filter="fade">
+                                      <p:cBhvr>
+                                        <p:cTn id="29" dur="500"/>
+                                        <p:tgtEl>
+                                          <p:spTgt spid="8"/>
+                                        </p:tgtEl>
+                                      </p:cBhvr>
+                                    </p:animEffect>
+                                  </p:childTnLst>
+                                </p:cTn>
+                              </p:par>
+                            </p:childTnLst>
+                          </p:cTn>
+                        </p:par>
+                      </p:childTnLst>
+                    </p:cTn>
+                  </p:par>
+                </p:childTnLst>
+              </p:cTn>
+              <p:prevCondLst>
+                <p:cond evt="onPrev" delay="0">
+                  <p:tgtEl>
+                    <p:sldTgt/>
+                  </p:tgtEl>
+                </p:cond>
+              </p:prevCondLst>
+              <p:nextCondLst>
+                <p:cond evt="onNext" delay="0">
+                  <p:tgtEl>
+                    <p:sldTgt/>
+                  </p:tgtEl>
+                </p:cond>
+              </p:nextCondLst>
+            </p:seq>
+          </p:childTnLst>
+        </p:cTn>
+      </p:par>
+    </p:tnLst>
+    <p:bldLst>
+      <p:bldP spid="5" grpId="0"/>
+      <p:bldP spid="6" grpId="0"/>
+      <p:bldP spid="7" grpId="0"/>
+      <p:bldP spid="8" grpId="0"/>
+    </p:bldLst>
+  </p:timing>
+</p:sld>
+</file>
+
+<file path=ppt/slides/slide24.xml><?xml version="1.0" encoding="utf-8"?>
+<p:sld xmlns:a="http://schemas.openxmlformats.org/drawingml/2006/main" xmlns:r="http://schemas.openxmlformats.org/officeDocument/2006/relationships" xmlns:p="http://schemas.openxmlformats.org/presentationml/2006/main">
+  <p:cSld>
+    <p:bg>
+      <p:bgPr>
+        <a:solidFill>
+          <a:schemeClr val="bg2">
+            <a:lumMod val="10000"/>
+          </a:schemeClr>
+        </a:solidFill>
+        <a:effectLst/>
+      </p:bgPr>
+    </p:bg>
+    <p:spTree>
+      <p:nvGrpSpPr>
+        <p:cNvPr id="1" name=""/>
+        <p:cNvGrpSpPr/>
+        <p:nvPr/>
+      </p:nvGrpSpPr>
+      <p:grpSpPr>
+        <a:xfrm>
+          <a:off x="0" y="0"/>
+          <a:ext cx="0" cy="0"/>
+          <a:chOff x="0" y="0"/>
+          <a:chExt cx="0" cy="0"/>
+        </a:xfrm>
+      </p:grpSpPr>
       <p:cxnSp>
         <p:nvCxnSpPr>
           <p:cNvPr id="3" name="Connecteur droit 2">
@@ -11389,6 +13513,212 @@
           </a:fontRef>
         </p:style>
       </p:cxnSp>
+      <p:sp>
+        <p:nvSpPr>
+          <p:cNvPr id="2" name="ZoneTexte 1">
+            <a:extLst>
+              <a:ext uri="{FF2B5EF4-FFF2-40B4-BE49-F238E27FC236}">
+                <a16:creationId xmlns:a16="http://schemas.microsoft.com/office/drawing/2014/main" id="{F82F4325-C1D6-F0EB-C163-FC9C825E3D3E}"/>
+              </a:ext>
+            </a:extLst>
+          </p:cNvPr>
+          <p:cNvSpPr txBox="1"/>
+          <p:nvPr/>
+        </p:nvSpPr>
+        <p:spPr>
+          <a:xfrm>
+            <a:off x="1667435" y="475129"/>
+            <a:ext cx="6992471" cy="646331"/>
+          </a:xfrm>
+          <a:prstGeom prst="rect">
+            <a:avLst/>
+          </a:prstGeom>
+          <a:noFill/>
+        </p:spPr>
+        <p:txBody>
+          <a:bodyPr wrap="square" rtlCol="0">
+            <a:spAutoFit/>
+          </a:bodyPr>
+          <a:lstStyle/>
+          <a:p>
+            <a:r>
+              <a:rPr lang="fr-FR" sz="3600" b="1" dirty="0">
+                <a:solidFill>
+                  <a:schemeClr val="bg1"/>
+                </a:solidFill>
+                <a:latin typeface="Microsoft JhengHei Light" panose="020B0304030504040204" pitchFamily="34" charset="-120"/>
+                <a:ea typeface="Microsoft JhengHei Light" panose="020B0304030504040204" pitchFamily="34" charset="-120"/>
+              </a:rPr>
+              <a:t>2.13) </a:t>
+            </a:r>
+            <a:r>
+              <a:rPr lang="fr-FR" sz="3600" b="1" u="sng" dirty="0">
+                <a:solidFill>
+                  <a:schemeClr val="bg1"/>
+                </a:solidFill>
+                <a:latin typeface="Microsoft JhengHei Light" panose="020B0304030504040204" pitchFamily="34" charset="-120"/>
+                <a:ea typeface="Microsoft JhengHei Light" panose="020B0304030504040204" pitchFamily="34" charset="-120"/>
+              </a:rPr>
+              <a:t>Tests de charges</a:t>
+            </a:r>
+            <a:r>
+              <a:rPr lang="fr-FR" sz="3600" b="1" dirty="0">
+                <a:solidFill>
+                  <a:schemeClr val="bg1"/>
+                </a:solidFill>
+                <a:latin typeface="Microsoft JhengHei Light" panose="020B0304030504040204" pitchFamily="34" charset="-120"/>
+                <a:ea typeface="Microsoft JhengHei Light" panose="020B0304030504040204" pitchFamily="34" charset="-120"/>
+              </a:rPr>
+              <a:t> :</a:t>
+            </a:r>
+          </a:p>
+        </p:txBody>
+      </p:sp>
+      <p:sp>
+        <p:nvSpPr>
+          <p:cNvPr id="6" name="ZoneTexte 5">
+            <a:extLst>
+              <a:ext uri="{FF2B5EF4-FFF2-40B4-BE49-F238E27FC236}">
+                <a16:creationId xmlns:a16="http://schemas.microsoft.com/office/drawing/2014/main" id="{278DA16F-1DC7-C800-B185-F940CA81BD2D}"/>
+              </a:ext>
+            </a:extLst>
+          </p:cNvPr>
+          <p:cNvSpPr txBox="1"/>
+          <p:nvPr/>
+        </p:nvSpPr>
+        <p:spPr>
+          <a:xfrm>
+            <a:off x="1667435" y="1631577"/>
+            <a:ext cx="1999130" cy="369332"/>
+          </a:xfrm>
+          <a:prstGeom prst="rect">
+            <a:avLst/>
+          </a:prstGeom>
+          <a:noFill/>
+        </p:spPr>
+        <p:txBody>
+          <a:bodyPr wrap="square" rtlCol="0">
+            <a:spAutoFit/>
+          </a:bodyPr>
+          <a:lstStyle/>
+          <a:p>
+            <a:r>
+              <a:rPr lang="fr-FR" b="1" dirty="0">
+                <a:solidFill>
+                  <a:schemeClr val="bg1"/>
+                </a:solidFill>
+                <a:latin typeface="Microsoft JhengHei Light" panose="020B0304030504040204" pitchFamily="34" charset="-120"/>
+                <a:ea typeface="Microsoft JhengHei Light" panose="020B0304030504040204" pitchFamily="34" charset="-120"/>
+              </a:rPr>
+              <a:t>* </a:t>
+            </a:r>
+            <a:r>
+              <a:rPr lang="fr-FR" b="1" u="sng" dirty="0">
+                <a:solidFill>
+                  <a:schemeClr val="bg1"/>
+                </a:solidFill>
+                <a:latin typeface="Microsoft JhengHei Light" panose="020B0304030504040204" pitchFamily="34" charset="-120"/>
+                <a:ea typeface="Microsoft JhengHei Light" panose="020B0304030504040204" pitchFamily="34" charset="-120"/>
+              </a:rPr>
+              <a:t>Définition</a:t>
+            </a:r>
+            <a:r>
+              <a:rPr lang="fr-FR" b="1" dirty="0">
+                <a:solidFill>
+                  <a:schemeClr val="bg1"/>
+                </a:solidFill>
+                <a:latin typeface="Microsoft JhengHei Light" panose="020B0304030504040204" pitchFamily="34" charset="-120"/>
+                <a:ea typeface="Microsoft JhengHei Light" panose="020B0304030504040204" pitchFamily="34" charset="-120"/>
+              </a:rPr>
+              <a:t> :</a:t>
+            </a:r>
+          </a:p>
+        </p:txBody>
+      </p:sp>
+      <p:sp>
+        <p:nvSpPr>
+          <p:cNvPr id="7" name="ZoneTexte 6">
+            <a:extLst>
+              <a:ext uri="{FF2B5EF4-FFF2-40B4-BE49-F238E27FC236}">
+                <a16:creationId xmlns:a16="http://schemas.microsoft.com/office/drawing/2014/main" id="{4B96795F-9FF6-CDFE-A350-B6951DCA1988}"/>
+              </a:ext>
+            </a:extLst>
+          </p:cNvPr>
+          <p:cNvSpPr txBox="1"/>
+          <p:nvPr/>
+        </p:nvSpPr>
+        <p:spPr>
+          <a:xfrm>
+            <a:off x="1667435" y="2373831"/>
+            <a:ext cx="9448797" cy="646331"/>
+          </a:xfrm>
+          <a:prstGeom prst="rect">
+            <a:avLst/>
+          </a:prstGeom>
+          <a:noFill/>
+        </p:spPr>
+        <p:txBody>
+          <a:bodyPr wrap="square" rtlCol="0">
+            <a:spAutoFit/>
+          </a:bodyPr>
+          <a:lstStyle/>
+          <a:p>
+            <a:pPr algn="just"/>
+            <a:r>
+              <a:rPr lang="fr-FR" dirty="0">
+                <a:solidFill>
+                  <a:schemeClr val="bg1"/>
+                </a:solidFill>
+                <a:latin typeface="Microsoft JhengHei Light" panose="020B0304030504040204" pitchFamily="34" charset="-120"/>
+                <a:ea typeface="Microsoft JhengHei Light" panose="020B0304030504040204" pitchFamily="34" charset="-120"/>
+              </a:rPr>
+              <a:t>Les tests de charge est un type de test qui consiste à mesurer la performance d’un système en fonction de la charge d’utilisateurs simultanées. </a:t>
+            </a:r>
+          </a:p>
+        </p:txBody>
+      </p:sp>
+      <p:sp>
+        <p:nvSpPr>
+          <p:cNvPr id="8" name="ZoneTexte 7">
+            <a:extLst>
+              <a:ext uri="{FF2B5EF4-FFF2-40B4-BE49-F238E27FC236}">
+                <a16:creationId xmlns:a16="http://schemas.microsoft.com/office/drawing/2014/main" id="{756724DB-445B-02C3-752C-DEBC19F0FE45}"/>
+              </a:ext>
+            </a:extLst>
+          </p:cNvPr>
+          <p:cNvSpPr txBox="1"/>
+          <p:nvPr/>
+        </p:nvSpPr>
+        <p:spPr>
+          <a:xfrm>
+            <a:off x="1667435" y="3349203"/>
+            <a:ext cx="9932890" cy="923330"/>
+          </a:xfrm>
+          <a:prstGeom prst="rect">
+            <a:avLst/>
+          </a:prstGeom>
+          <a:noFill/>
+        </p:spPr>
+        <p:txBody>
+          <a:bodyPr wrap="square" rtlCol="0">
+            <a:spAutoFit/>
+          </a:bodyPr>
+          <a:lstStyle/>
+          <a:p>
+            <a:pPr algn="just"/>
+            <a:r>
+              <a:rPr lang="fr-FR" dirty="0">
+                <a:solidFill>
+                  <a:schemeClr val="bg1"/>
+                </a:solidFill>
+                <a:latin typeface="Microsoft JhengHei Light" panose="020B0304030504040204" pitchFamily="34" charset="-120"/>
+                <a:ea typeface="Microsoft JhengHei Light" panose="020B0304030504040204" pitchFamily="34" charset="-120"/>
+              </a:rPr>
+              <a:t>L’objectif de ce type de test est de prévoir la charge maximale que peut encaisser le système. Il permet également de mettre en évidence les points de vigilances du système, de les corrigées et de les optimiser.</a:t>
+            </a:r>
+          </a:p>
+        </p:txBody>
+      </p:sp>
     </p:spTree>
     <p:extLst>
       <p:ext uri="{BB962C8B-B14F-4D97-AF65-F5344CB8AC3E}">
@@ -11448,7 +13778,7 @@
                                     </p:set>
                                     <p:animEffect transition="in" filter="fade">
                                       <p:cBhvr>
-                                        <p:cTn id="7" dur="300"/>
+                                        <p:cTn id="7" dur="500"/>
                                         <p:tgtEl>
                                           <p:spTgt spid="3"/>
                                         </p:tgtEl>
@@ -11463,7 +13793,7 @@
                         <p:par>
                           <p:cTn id="8" fill="hold">
                             <p:stCondLst>
-                              <p:cond delay="300"/>
+                              <p:cond delay="500"/>
                             </p:stCondLst>
                             <p:childTnLst>
                               <p:par>
@@ -11495,6 +13825,228 @@
                                         <p:cTn id="11" dur="300"/>
                                         <p:tgtEl>
                                           <p:spTgt spid="4"/>
+                                        </p:tgtEl>
+                                      </p:cBhvr>
+                                    </p:animEffect>
+                                  </p:childTnLst>
+                                </p:cTn>
+                              </p:par>
+                            </p:childTnLst>
+                          </p:cTn>
+                        </p:par>
+                      </p:childTnLst>
+                    </p:cTn>
+                  </p:par>
+                  <p:par>
+                    <p:cTn id="12" fill="hold">
+                      <p:stCondLst>
+                        <p:cond delay="indefinite"/>
+                      </p:stCondLst>
+                      <p:childTnLst>
+                        <p:par>
+                          <p:cTn id="13" fill="hold">
+                            <p:stCondLst>
+                              <p:cond delay="0"/>
+                            </p:stCondLst>
+                            <p:childTnLst>
+                              <p:par>
+                                <p:cTn id="14" presetID="42" presetClass="entr" presetSubtype="0" fill="hold" grpId="0" nodeType="clickEffect">
+                                  <p:stCondLst>
+                                    <p:cond delay="0"/>
+                                  </p:stCondLst>
+                                  <p:childTnLst>
+                                    <p:set>
+                                      <p:cBhvr>
+                                        <p:cTn id="15" dur="1" fill="hold">
+                                          <p:stCondLst>
+                                            <p:cond delay="0"/>
+                                          </p:stCondLst>
+                                        </p:cTn>
+                                        <p:tgtEl>
+                                          <p:spTgt spid="2"/>
+                                        </p:tgtEl>
+                                        <p:attrNameLst>
+                                          <p:attrName>style.visibility</p:attrName>
+                                        </p:attrNameLst>
+                                      </p:cBhvr>
+                                      <p:to>
+                                        <p:strVal val="visible"/>
+                                      </p:to>
+                                    </p:set>
+                                    <p:animEffect transition="in" filter="fade">
+                                      <p:cBhvr>
+                                        <p:cTn id="16" dur="1000"/>
+                                        <p:tgtEl>
+                                          <p:spTgt spid="2"/>
+                                        </p:tgtEl>
+                                      </p:cBhvr>
+                                    </p:animEffect>
+                                    <p:anim calcmode="lin" valueType="num">
+                                      <p:cBhvr>
+                                        <p:cTn id="17" dur="1000" fill="hold"/>
+                                        <p:tgtEl>
+                                          <p:spTgt spid="2"/>
+                                        </p:tgtEl>
+                                        <p:attrNameLst>
+                                          <p:attrName>ppt_x</p:attrName>
+                                        </p:attrNameLst>
+                                      </p:cBhvr>
+                                      <p:tavLst>
+                                        <p:tav tm="0">
+                                          <p:val>
+                                            <p:strVal val="#ppt_x"/>
+                                          </p:val>
+                                        </p:tav>
+                                        <p:tav tm="100000">
+                                          <p:val>
+                                            <p:strVal val="#ppt_x"/>
+                                          </p:val>
+                                        </p:tav>
+                                      </p:tavLst>
+                                    </p:anim>
+                                    <p:anim calcmode="lin" valueType="num">
+                                      <p:cBhvr>
+                                        <p:cTn id="18" dur="1000" fill="hold"/>
+                                        <p:tgtEl>
+                                          <p:spTgt spid="2"/>
+                                        </p:tgtEl>
+                                        <p:attrNameLst>
+                                          <p:attrName>ppt_y</p:attrName>
+                                        </p:attrNameLst>
+                                      </p:cBhvr>
+                                      <p:tavLst>
+                                        <p:tav tm="0">
+                                          <p:val>
+                                            <p:strVal val="#ppt_y+.1"/>
+                                          </p:val>
+                                        </p:tav>
+                                        <p:tav tm="100000">
+                                          <p:val>
+                                            <p:strVal val="#ppt_y"/>
+                                          </p:val>
+                                        </p:tav>
+                                      </p:tavLst>
+                                    </p:anim>
+                                  </p:childTnLst>
+                                </p:cTn>
+                              </p:par>
+                            </p:childTnLst>
+                          </p:cTn>
+                        </p:par>
+                      </p:childTnLst>
+                    </p:cTn>
+                  </p:par>
+                  <p:par>
+                    <p:cTn id="19" fill="hold">
+                      <p:stCondLst>
+                        <p:cond delay="indefinite"/>
+                      </p:stCondLst>
+                      <p:childTnLst>
+                        <p:par>
+                          <p:cTn id="20" fill="hold">
+                            <p:stCondLst>
+                              <p:cond delay="0"/>
+                            </p:stCondLst>
+                            <p:childTnLst>
+                              <p:par>
+                                <p:cTn id="21" presetID="10" presetClass="entr" presetSubtype="0" fill="hold" grpId="0" nodeType="clickEffect">
+                                  <p:stCondLst>
+                                    <p:cond delay="0"/>
+                                  </p:stCondLst>
+                                  <p:childTnLst>
+                                    <p:set>
+                                      <p:cBhvr>
+                                        <p:cTn id="22" dur="1" fill="hold">
+                                          <p:stCondLst>
+                                            <p:cond delay="0"/>
+                                          </p:stCondLst>
+                                        </p:cTn>
+                                        <p:tgtEl>
+                                          <p:spTgt spid="6"/>
+                                        </p:tgtEl>
+                                        <p:attrNameLst>
+                                          <p:attrName>style.visibility</p:attrName>
+                                        </p:attrNameLst>
+                                      </p:cBhvr>
+                                      <p:to>
+                                        <p:strVal val="visible"/>
+                                      </p:to>
+                                    </p:set>
+                                    <p:animEffect transition="in" filter="fade">
+                                      <p:cBhvr>
+                                        <p:cTn id="23" dur="500"/>
+                                        <p:tgtEl>
+                                          <p:spTgt spid="6"/>
+                                        </p:tgtEl>
+                                      </p:cBhvr>
+                                    </p:animEffect>
+                                  </p:childTnLst>
+                                </p:cTn>
+                              </p:par>
+                              <p:par>
+                                <p:cTn id="24" presetID="10" presetClass="entr" presetSubtype="0" fill="hold" grpId="0" nodeType="withEffect">
+                                  <p:stCondLst>
+                                    <p:cond delay="0"/>
+                                  </p:stCondLst>
+                                  <p:childTnLst>
+                                    <p:set>
+                                      <p:cBhvr>
+                                        <p:cTn id="25" dur="1" fill="hold">
+                                          <p:stCondLst>
+                                            <p:cond delay="0"/>
+                                          </p:stCondLst>
+                                        </p:cTn>
+                                        <p:tgtEl>
+                                          <p:spTgt spid="7"/>
+                                        </p:tgtEl>
+                                        <p:attrNameLst>
+                                          <p:attrName>style.visibility</p:attrName>
+                                        </p:attrNameLst>
+                                      </p:cBhvr>
+                                      <p:to>
+                                        <p:strVal val="visible"/>
+                                      </p:to>
+                                    </p:set>
+                                    <p:animEffect transition="in" filter="fade">
+                                      <p:cBhvr>
+                                        <p:cTn id="26" dur="500"/>
+                                        <p:tgtEl>
+                                          <p:spTgt spid="7"/>
+                                        </p:tgtEl>
+                                      </p:cBhvr>
+                                    </p:animEffect>
+                                  </p:childTnLst>
+                                </p:cTn>
+                              </p:par>
+                              <p:par>
+                                <p:cTn id="27" presetID="10" presetClass="entr" presetSubtype="0" fill="hold" grpId="0" nodeType="withEffect">
+                                  <p:stCondLst>
+                                    <p:cond delay="0"/>
+                                  </p:stCondLst>
+                                  <p:childTnLst>
+                                    <p:set>
+                                      <p:cBhvr>
+                                        <p:cTn id="28" dur="1" fill="hold">
+                                          <p:stCondLst>
+                                            <p:cond delay="0"/>
+                                          </p:stCondLst>
+                                        </p:cTn>
+                                        <p:tgtEl>
+                                          <p:spTgt spid="8"/>
+                                        </p:tgtEl>
+                                        <p:attrNameLst>
+                                          <p:attrName>style.visibility</p:attrName>
+                                        </p:attrNameLst>
+                                      </p:cBhvr>
+                                      <p:to>
+                                        <p:strVal val="visible"/>
+                                      </p:to>
+                                    </p:set>
+                                    <p:animEffect transition="in" filter="fade">
+                                      <p:cBhvr>
+                                        <p:cTn id="29" dur="500"/>
+                                        <p:tgtEl>
+                                          <p:spTgt spid="8"/>
                                         </p:tgtEl>
                                       </p:cBhvr>
                                     </p:animEffect>
@@ -11528,6 +14080,2813 @@
         </p:cTn>
       </p:par>
     </p:tnLst>
+    <p:bldLst>
+      <p:bldP spid="2" grpId="0"/>
+      <p:bldP spid="6" grpId="0"/>
+      <p:bldP spid="7" grpId="0"/>
+      <p:bldP spid="8" grpId="0"/>
+    </p:bldLst>
+  </p:timing>
+</p:sld>
+</file>
+
+<file path=ppt/slides/slide25.xml><?xml version="1.0" encoding="utf-8"?>
+<p:sld xmlns:a="http://schemas.openxmlformats.org/drawingml/2006/main" xmlns:r="http://schemas.openxmlformats.org/officeDocument/2006/relationships" xmlns:p="http://schemas.openxmlformats.org/presentationml/2006/main">
+  <p:cSld>
+    <p:bg>
+      <p:bgPr>
+        <a:solidFill>
+          <a:schemeClr val="bg2">
+            <a:lumMod val="10000"/>
+          </a:schemeClr>
+        </a:solidFill>
+        <a:effectLst/>
+      </p:bgPr>
+    </p:bg>
+    <p:spTree>
+      <p:nvGrpSpPr>
+        <p:cNvPr id="1" name=""/>
+        <p:cNvGrpSpPr/>
+        <p:nvPr/>
+      </p:nvGrpSpPr>
+      <p:grpSpPr>
+        <a:xfrm>
+          <a:off x="0" y="0"/>
+          <a:ext cx="0" cy="0"/>
+          <a:chOff x="0" y="0"/>
+          <a:chExt cx="0" cy="0"/>
+        </a:xfrm>
+      </p:grpSpPr>
+      <p:cxnSp>
+        <p:nvCxnSpPr>
+          <p:cNvPr id="3" name="Connecteur droit 2">
+            <a:extLst>
+              <a:ext uri="{FF2B5EF4-FFF2-40B4-BE49-F238E27FC236}">
+                <a16:creationId xmlns:a16="http://schemas.microsoft.com/office/drawing/2014/main" id="{EFD9B0A6-2294-A6AE-4461-38F05FB79252}"/>
+              </a:ext>
+            </a:extLst>
+          </p:cNvPr>
+          <p:cNvCxnSpPr/>
+          <p:nvPr/>
+        </p:nvCxnSpPr>
+        <p:spPr>
+          <a:xfrm>
+            <a:off x="1071716" y="0"/>
+            <a:ext cx="0" cy="6858000"/>
+          </a:xfrm>
+          <a:prstGeom prst="line">
+            <a:avLst/>
+          </a:prstGeom>
+          <a:ln w="76200">
+            <a:solidFill>
+              <a:srgbClr val="FF0000"/>
+            </a:solidFill>
+          </a:ln>
+        </p:spPr>
+        <p:style>
+          <a:lnRef idx="1">
+            <a:schemeClr val="accent1"/>
+          </a:lnRef>
+          <a:fillRef idx="0">
+            <a:schemeClr val="accent1"/>
+          </a:fillRef>
+          <a:effectRef idx="0">
+            <a:schemeClr val="accent1"/>
+          </a:effectRef>
+          <a:fontRef idx="minor">
+            <a:schemeClr val="tx1"/>
+          </a:fontRef>
+        </p:style>
+      </p:cxnSp>
+      <p:cxnSp>
+        <p:nvCxnSpPr>
+          <p:cNvPr id="4" name="Connecteur droit 3">
+            <a:extLst>
+              <a:ext uri="{FF2B5EF4-FFF2-40B4-BE49-F238E27FC236}">
+                <a16:creationId xmlns:a16="http://schemas.microsoft.com/office/drawing/2014/main" id="{5023B2A5-A356-C808-0815-B1EF98490B36}"/>
+              </a:ext>
+            </a:extLst>
+          </p:cNvPr>
+          <p:cNvCxnSpPr/>
+          <p:nvPr/>
+        </p:nvCxnSpPr>
+        <p:spPr>
+          <a:xfrm>
+            <a:off x="1361768" y="0"/>
+            <a:ext cx="0" cy="6858000"/>
+          </a:xfrm>
+          <a:prstGeom prst="line">
+            <a:avLst/>
+          </a:prstGeom>
+          <a:ln w="76200">
+            <a:solidFill>
+              <a:srgbClr val="FF0000"/>
+            </a:solidFill>
+          </a:ln>
+        </p:spPr>
+        <p:style>
+          <a:lnRef idx="1">
+            <a:schemeClr val="accent1"/>
+          </a:lnRef>
+          <a:fillRef idx="0">
+            <a:schemeClr val="accent1"/>
+          </a:fillRef>
+          <a:effectRef idx="0">
+            <a:schemeClr val="accent1"/>
+          </a:effectRef>
+          <a:fontRef idx="minor">
+            <a:schemeClr val="tx1"/>
+          </a:fontRef>
+        </p:style>
+      </p:cxnSp>
+      <p:sp>
+        <p:nvSpPr>
+          <p:cNvPr id="5" name="ZoneTexte 4">
+            <a:extLst>
+              <a:ext uri="{FF2B5EF4-FFF2-40B4-BE49-F238E27FC236}">
+                <a16:creationId xmlns:a16="http://schemas.microsoft.com/office/drawing/2014/main" id="{CAA6D61B-BAEE-94D1-FE51-137A0C2E5B4A}"/>
+              </a:ext>
+            </a:extLst>
+          </p:cNvPr>
+          <p:cNvSpPr txBox="1"/>
+          <p:nvPr/>
+        </p:nvSpPr>
+        <p:spPr>
+          <a:xfrm>
+            <a:off x="1730478" y="481780"/>
+            <a:ext cx="5889523" cy="646331"/>
+          </a:xfrm>
+          <a:prstGeom prst="rect">
+            <a:avLst/>
+          </a:prstGeom>
+          <a:noFill/>
+        </p:spPr>
+        <p:txBody>
+          <a:bodyPr wrap="square" rtlCol="0">
+            <a:spAutoFit/>
+          </a:bodyPr>
+          <a:lstStyle/>
+          <a:p>
+            <a:r>
+              <a:rPr lang="fr-FR" sz="3600" b="1" dirty="0">
+                <a:solidFill>
+                  <a:schemeClr val="bg1"/>
+                </a:solidFill>
+                <a:latin typeface="Microsoft JhengHei Light" panose="020B0304030504040204" pitchFamily="34" charset="-120"/>
+                <a:ea typeface="Microsoft JhengHei Light" panose="020B0304030504040204" pitchFamily="34" charset="-120"/>
+              </a:rPr>
+              <a:t>2.14) </a:t>
+            </a:r>
+            <a:r>
+              <a:rPr lang="fr-FR" sz="3600" b="1" u="sng" dirty="0">
+                <a:solidFill>
+                  <a:schemeClr val="bg1"/>
+                </a:solidFill>
+                <a:latin typeface="Microsoft JhengHei Light" panose="020B0304030504040204" pitchFamily="34" charset="-120"/>
+                <a:ea typeface="Microsoft JhengHei Light" panose="020B0304030504040204" pitchFamily="34" charset="-120"/>
+              </a:rPr>
+              <a:t>Les tests de volume</a:t>
+            </a:r>
+            <a:r>
+              <a:rPr lang="fr-FR" sz="3600" b="1" dirty="0">
+                <a:solidFill>
+                  <a:schemeClr val="bg1"/>
+                </a:solidFill>
+                <a:latin typeface="Microsoft JhengHei Light" panose="020B0304030504040204" pitchFamily="34" charset="-120"/>
+                <a:ea typeface="Microsoft JhengHei Light" panose="020B0304030504040204" pitchFamily="34" charset="-120"/>
+              </a:rPr>
+              <a:t> :</a:t>
+            </a:r>
+          </a:p>
+        </p:txBody>
+      </p:sp>
+      <p:sp>
+        <p:nvSpPr>
+          <p:cNvPr id="6" name="ZoneTexte 5">
+            <a:extLst>
+              <a:ext uri="{FF2B5EF4-FFF2-40B4-BE49-F238E27FC236}">
+                <a16:creationId xmlns:a16="http://schemas.microsoft.com/office/drawing/2014/main" id="{56DCCBFC-BB09-24CB-6D52-0AB7F4619C77}"/>
+              </a:ext>
+            </a:extLst>
+          </p:cNvPr>
+          <p:cNvSpPr txBox="1"/>
+          <p:nvPr/>
+        </p:nvSpPr>
+        <p:spPr>
+          <a:xfrm>
+            <a:off x="1730478" y="1602370"/>
+            <a:ext cx="2290916" cy="369332"/>
+          </a:xfrm>
+          <a:prstGeom prst="rect">
+            <a:avLst/>
+          </a:prstGeom>
+          <a:noFill/>
+        </p:spPr>
+        <p:txBody>
+          <a:bodyPr wrap="square" rtlCol="0">
+            <a:spAutoFit/>
+          </a:bodyPr>
+          <a:lstStyle/>
+          <a:p>
+            <a:r>
+              <a:rPr lang="fr-FR" b="1" dirty="0">
+                <a:solidFill>
+                  <a:schemeClr val="bg1"/>
+                </a:solidFill>
+                <a:latin typeface="Microsoft JhengHei Light" panose="020B0304030504040204" pitchFamily="34" charset="-120"/>
+                <a:ea typeface="Microsoft JhengHei Light" panose="020B0304030504040204" pitchFamily="34" charset="-120"/>
+              </a:rPr>
+              <a:t>* </a:t>
+            </a:r>
+            <a:r>
+              <a:rPr lang="fr-FR" b="1" u="sng" dirty="0">
+                <a:solidFill>
+                  <a:schemeClr val="bg1"/>
+                </a:solidFill>
+                <a:latin typeface="Microsoft JhengHei Light" panose="020B0304030504040204" pitchFamily="34" charset="-120"/>
+                <a:ea typeface="Microsoft JhengHei Light" panose="020B0304030504040204" pitchFamily="34" charset="-120"/>
+              </a:rPr>
+              <a:t>Définition</a:t>
+            </a:r>
+            <a:r>
+              <a:rPr lang="fr-FR" b="1" dirty="0">
+                <a:solidFill>
+                  <a:schemeClr val="bg1"/>
+                </a:solidFill>
+                <a:latin typeface="Microsoft JhengHei Light" panose="020B0304030504040204" pitchFamily="34" charset="-120"/>
+                <a:ea typeface="Microsoft JhengHei Light" panose="020B0304030504040204" pitchFamily="34" charset="-120"/>
+              </a:rPr>
+              <a:t> :</a:t>
+            </a:r>
+          </a:p>
+        </p:txBody>
+      </p:sp>
+      <p:sp>
+        <p:nvSpPr>
+          <p:cNvPr id="7" name="ZoneTexte 6">
+            <a:extLst>
+              <a:ext uri="{FF2B5EF4-FFF2-40B4-BE49-F238E27FC236}">
+                <a16:creationId xmlns:a16="http://schemas.microsoft.com/office/drawing/2014/main" id="{ED61ADE1-A19A-605F-5733-1389FB201837}"/>
+              </a:ext>
+            </a:extLst>
+          </p:cNvPr>
+          <p:cNvSpPr txBox="1"/>
+          <p:nvPr/>
+        </p:nvSpPr>
+        <p:spPr>
+          <a:xfrm>
+            <a:off x="1730478" y="2445961"/>
+            <a:ext cx="9565340" cy="646331"/>
+          </a:xfrm>
+          <a:prstGeom prst="rect">
+            <a:avLst/>
+          </a:prstGeom>
+          <a:noFill/>
+        </p:spPr>
+        <p:txBody>
+          <a:bodyPr wrap="square" rtlCol="0">
+            <a:spAutoFit/>
+          </a:bodyPr>
+          <a:lstStyle/>
+          <a:p>
+            <a:pPr algn="just"/>
+            <a:r>
+              <a:rPr lang="fr-FR" dirty="0">
+                <a:solidFill>
+                  <a:schemeClr val="bg1"/>
+                </a:solidFill>
+                <a:latin typeface="Microsoft JhengHei Light" panose="020B0304030504040204" pitchFamily="34" charset="-120"/>
+                <a:ea typeface="Microsoft JhengHei Light" panose="020B0304030504040204" pitchFamily="34" charset="-120"/>
+              </a:rPr>
+              <a:t>Les tests de volume sont un type de test qui a pour but de mesurer l’espace occupé par un objet ou par une substance.</a:t>
+            </a:r>
+          </a:p>
+        </p:txBody>
+      </p:sp>
+      <p:sp>
+        <p:nvSpPr>
+          <p:cNvPr id="8" name="ZoneTexte 7">
+            <a:extLst>
+              <a:ext uri="{FF2B5EF4-FFF2-40B4-BE49-F238E27FC236}">
+                <a16:creationId xmlns:a16="http://schemas.microsoft.com/office/drawing/2014/main" id="{7BE52B90-3233-C337-C738-FA4031BF5438}"/>
+              </a:ext>
+            </a:extLst>
+          </p:cNvPr>
+          <p:cNvSpPr txBox="1"/>
+          <p:nvPr/>
+        </p:nvSpPr>
+        <p:spPr>
+          <a:xfrm>
+            <a:off x="1730478" y="3566551"/>
+            <a:ext cx="9959497" cy="369332"/>
+          </a:xfrm>
+          <a:prstGeom prst="rect">
+            <a:avLst/>
+          </a:prstGeom>
+          <a:noFill/>
+        </p:spPr>
+        <p:txBody>
+          <a:bodyPr wrap="square" rtlCol="0">
+            <a:spAutoFit/>
+          </a:bodyPr>
+          <a:lstStyle/>
+          <a:p>
+            <a:r>
+              <a:rPr lang="fr-FR" dirty="0">
+                <a:solidFill>
+                  <a:schemeClr val="bg1"/>
+                </a:solidFill>
+                <a:latin typeface="Microsoft JhengHei Light" panose="020B0304030504040204" pitchFamily="34" charset="-120"/>
+                <a:ea typeface="Microsoft JhengHei Light" panose="020B0304030504040204" pitchFamily="34" charset="-120"/>
+              </a:rPr>
+              <a:t>Ils sont mesurés en mètres cubes dans le système international d’unités (SI).</a:t>
+            </a:r>
+          </a:p>
+        </p:txBody>
+      </p:sp>
+    </p:spTree>
+    <p:extLst>
+      <p:ext uri="{BB962C8B-B14F-4D97-AF65-F5344CB8AC3E}">
+        <p14:creationId xmlns:p14="http://schemas.microsoft.com/office/powerpoint/2010/main" val="2332418378"/>
+      </p:ext>
+    </p:extLst>
+  </p:cSld>
+  <p:clrMapOvr>
+    <a:masterClrMapping/>
+  </p:clrMapOvr>
+  <p:timing>
+    <p:tnLst>
+      <p:par>
+        <p:cTn id="1" dur="indefinite" restart="never" nodeType="tmRoot">
+          <p:childTnLst>
+            <p:seq concurrent="1" nextAc="seek">
+              <p:cTn id="2" dur="indefinite" nodeType="mainSeq">
+                <p:childTnLst>
+                  <p:par>
+                    <p:cTn id="3" fill="hold">
+                      <p:stCondLst>
+                        <p:cond delay="indefinite"/>
+                        <p:cond evt="onBegin" delay="0">
+                          <p:tn val="2"/>
+                        </p:cond>
+                      </p:stCondLst>
+                      <p:childTnLst>
+                        <p:par>
+                          <p:cTn id="4" fill="hold">
+                            <p:stCondLst>
+                              <p:cond delay="0"/>
+                            </p:stCondLst>
+                            <p:childTnLst>
+                              <p:par>
+                                <p:cTn id="5" presetID="10" presetClass="entr" presetSubtype="0" fill="hold" nodeType="withEffect">
+                                  <p:stCondLst>
+                                    <p:cond delay="0"/>
+                                  </p:stCondLst>
+                                  <p:childTnLst>
+                                    <p:set>
+                                      <p:cBhvr>
+                                        <p:cTn id="6" dur="1" fill="hold">
+                                          <p:stCondLst>
+                                            <p:cond delay="0"/>
+                                          </p:stCondLst>
+                                        </p:cTn>
+                                        <p:tgtEl>
+                                          <p:spTgt spid="3"/>
+                                        </p:tgtEl>
+                                        <p:attrNameLst>
+                                          <p:attrName>style.visibility</p:attrName>
+                                        </p:attrNameLst>
+                                      </p:cBhvr>
+                                      <p:to>
+                                        <p:strVal val="visible"/>
+                                      </p:to>
+                                    </p:set>
+                                    <p:animEffect transition="in" filter="fade">
+                                      <p:cBhvr>
+                                        <p:cTn id="7" dur="500"/>
+                                        <p:tgtEl>
+                                          <p:spTgt spid="3"/>
+                                        </p:tgtEl>
+                                      </p:cBhvr>
+                                    </p:animEffect>
+                                  </p:childTnLst>
+                                </p:cTn>
+                              </p:par>
+                            </p:childTnLst>
+                          </p:cTn>
+                        </p:par>
+                        <p:par>
+                          <p:cTn id="8" fill="hold">
+                            <p:stCondLst>
+                              <p:cond delay="500"/>
+                            </p:stCondLst>
+                            <p:childTnLst>
+                              <p:par>
+                                <p:cTn id="9" presetID="10" presetClass="entr" presetSubtype="0" fill="hold" nodeType="afterEffect">
+                                  <p:stCondLst>
+                                    <p:cond delay="0"/>
+                                  </p:stCondLst>
+                                  <p:childTnLst>
+                                    <p:set>
+                                      <p:cBhvr>
+                                        <p:cTn id="10" dur="1" fill="hold">
+                                          <p:stCondLst>
+                                            <p:cond delay="0"/>
+                                          </p:stCondLst>
+                                        </p:cTn>
+                                        <p:tgtEl>
+                                          <p:spTgt spid="4"/>
+                                        </p:tgtEl>
+                                        <p:attrNameLst>
+                                          <p:attrName>style.visibility</p:attrName>
+                                        </p:attrNameLst>
+                                      </p:cBhvr>
+                                      <p:to>
+                                        <p:strVal val="visible"/>
+                                      </p:to>
+                                    </p:set>
+                                    <p:animEffect transition="in" filter="fade">
+                                      <p:cBhvr>
+                                        <p:cTn id="11" dur="500"/>
+                                        <p:tgtEl>
+                                          <p:spTgt spid="4"/>
+                                        </p:tgtEl>
+                                      </p:cBhvr>
+                                    </p:animEffect>
+                                  </p:childTnLst>
+                                </p:cTn>
+                              </p:par>
+                            </p:childTnLst>
+                          </p:cTn>
+                        </p:par>
+                      </p:childTnLst>
+                    </p:cTn>
+                  </p:par>
+                  <p:par>
+                    <p:cTn id="12" fill="hold">
+                      <p:stCondLst>
+                        <p:cond delay="indefinite"/>
+                      </p:stCondLst>
+                      <p:childTnLst>
+                        <p:par>
+                          <p:cTn id="13" fill="hold">
+                            <p:stCondLst>
+                              <p:cond delay="0"/>
+                            </p:stCondLst>
+                            <p:childTnLst>
+                              <p:par>
+                                <p:cTn id="14" presetID="42" presetClass="entr" presetSubtype="0" fill="hold" grpId="0" nodeType="clickEffect">
+                                  <p:stCondLst>
+                                    <p:cond delay="0"/>
+                                  </p:stCondLst>
+                                  <p:childTnLst>
+                                    <p:set>
+                                      <p:cBhvr>
+                                        <p:cTn id="15" dur="1" fill="hold">
+                                          <p:stCondLst>
+                                            <p:cond delay="0"/>
+                                          </p:stCondLst>
+                                        </p:cTn>
+                                        <p:tgtEl>
+                                          <p:spTgt spid="5"/>
+                                        </p:tgtEl>
+                                        <p:attrNameLst>
+                                          <p:attrName>style.visibility</p:attrName>
+                                        </p:attrNameLst>
+                                      </p:cBhvr>
+                                      <p:to>
+                                        <p:strVal val="visible"/>
+                                      </p:to>
+                                    </p:set>
+                                    <p:animEffect transition="in" filter="fade">
+                                      <p:cBhvr>
+                                        <p:cTn id="16" dur="1000"/>
+                                        <p:tgtEl>
+                                          <p:spTgt spid="5"/>
+                                        </p:tgtEl>
+                                      </p:cBhvr>
+                                    </p:animEffect>
+                                    <p:anim calcmode="lin" valueType="num">
+                                      <p:cBhvr>
+                                        <p:cTn id="17" dur="1000" fill="hold"/>
+                                        <p:tgtEl>
+                                          <p:spTgt spid="5"/>
+                                        </p:tgtEl>
+                                        <p:attrNameLst>
+                                          <p:attrName>ppt_x</p:attrName>
+                                        </p:attrNameLst>
+                                      </p:cBhvr>
+                                      <p:tavLst>
+                                        <p:tav tm="0">
+                                          <p:val>
+                                            <p:strVal val="#ppt_x"/>
+                                          </p:val>
+                                        </p:tav>
+                                        <p:tav tm="100000">
+                                          <p:val>
+                                            <p:strVal val="#ppt_x"/>
+                                          </p:val>
+                                        </p:tav>
+                                      </p:tavLst>
+                                    </p:anim>
+                                    <p:anim calcmode="lin" valueType="num">
+                                      <p:cBhvr>
+                                        <p:cTn id="18" dur="1000" fill="hold"/>
+                                        <p:tgtEl>
+                                          <p:spTgt spid="5"/>
+                                        </p:tgtEl>
+                                        <p:attrNameLst>
+                                          <p:attrName>ppt_y</p:attrName>
+                                        </p:attrNameLst>
+                                      </p:cBhvr>
+                                      <p:tavLst>
+                                        <p:tav tm="0">
+                                          <p:val>
+                                            <p:strVal val="#ppt_y+.1"/>
+                                          </p:val>
+                                        </p:tav>
+                                        <p:tav tm="100000">
+                                          <p:val>
+                                            <p:strVal val="#ppt_y"/>
+                                          </p:val>
+                                        </p:tav>
+                                      </p:tavLst>
+                                    </p:anim>
+                                  </p:childTnLst>
+                                </p:cTn>
+                              </p:par>
+                            </p:childTnLst>
+                          </p:cTn>
+                        </p:par>
+                      </p:childTnLst>
+                    </p:cTn>
+                  </p:par>
+                  <p:par>
+                    <p:cTn id="19" fill="hold">
+                      <p:stCondLst>
+                        <p:cond delay="indefinite"/>
+                      </p:stCondLst>
+                      <p:childTnLst>
+                        <p:par>
+                          <p:cTn id="20" fill="hold">
+                            <p:stCondLst>
+                              <p:cond delay="0"/>
+                            </p:stCondLst>
+                            <p:childTnLst>
+                              <p:par>
+                                <p:cTn id="21" presetID="10" presetClass="entr" presetSubtype="0" fill="hold" grpId="0" nodeType="clickEffect">
+                                  <p:stCondLst>
+                                    <p:cond delay="0"/>
+                                  </p:stCondLst>
+                                  <p:childTnLst>
+                                    <p:set>
+                                      <p:cBhvr>
+                                        <p:cTn id="22" dur="1" fill="hold">
+                                          <p:stCondLst>
+                                            <p:cond delay="0"/>
+                                          </p:stCondLst>
+                                        </p:cTn>
+                                        <p:tgtEl>
+                                          <p:spTgt spid="6"/>
+                                        </p:tgtEl>
+                                        <p:attrNameLst>
+                                          <p:attrName>style.visibility</p:attrName>
+                                        </p:attrNameLst>
+                                      </p:cBhvr>
+                                      <p:to>
+                                        <p:strVal val="visible"/>
+                                      </p:to>
+                                    </p:set>
+                                    <p:animEffect transition="in" filter="fade">
+                                      <p:cBhvr>
+                                        <p:cTn id="23" dur="500"/>
+                                        <p:tgtEl>
+                                          <p:spTgt spid="6"/>
+                                        </p:tgtEl>
+                                      </p:cBhvr>
+                                    </p:animEffect>
+                                  </p:childTnLst>
+                                </p:cTn>
+                              </p:par>
+                              <p:par>
+                                <p:cTn id="24" presetID="10" presetClass="entr" presetSubtype="0" fill="hold" grpId="0" nodeType="withEffect">
+                                  <p:stCondLst>
+                                    <p:cond delay="0"/>
+                                  </p:stCondLst>
+                                  <p:childTnLst>
+                                    <p:set>
+                                      <p:cBhvr>
+                                        <p:cTn id="25" dur="1" fill="hold">
+                                          <p:stCondLst>
+                                            <p:cond delay="0"/>
+                                          </p:stCondLst>
+                                        </p:cTn>
+                                        <p:tgtEl>
+                                          <p:spTgt spid="7"/>
+                                        </p:tgtEl>
+                                        <p:attrNameLst>
+                                          <p:attrName>style.visibility</p:attrName>
+                                        </p:attrNameLst>
+                                      </p:cBhvr>
+                                      <p:to>
+                                        <p:strVal val="visible"/>
+                                      </p:to>
+                                    </p:set>
+                                    <p:animEffect transition="in" filter="fade">
+                                      <p:cBhvr>
+                                        <p:cTn id="26" dur="500"/>
+                                        <p:tgtEl>
+                                          <p:spTgt spid="7"/>
+                                        </p:tgtEl>
+                                      </p:cBhvr>
+                                    </p:animEffect>
+                                  </p:childTnLst>
+                                </p:cTn>
+                              </p:par>
+                              <p:par>
+                                <p:cTn id="27" presetID="10" presetClass="entr" presetSubtype="0" fill="hold" grpId="0" nodeType="withEffect">
+                                  <p:stCondLst>
+                                    <p:cond delay="0"/>
+                                  </p:stCondLst>
+                                  <p:childTnLst>
+                                    <p:set>
+                                      <p:cBhvr>
+                                        <p:cTn id="28" dur="1" fill="hold">
+                                          <p:stCondLst>
+                                            <p:cond delay="0"/>
+                                          </p:stCondLst>
+                                        </p:cTn>
+                                        <p:tgtEl>
+                                          <p:spTgt spid="8"/>
+                                        </p:tgtEl>
+                                        <p:attrNameLst>
+                                          <p:attrName>style.visibility</p:attrName>
+                                        </p:attrNameLst>
+                                      </p:cBhvr>
+                                      <p:to>
+                                        <p:strVal val="visible"/>
+                                      </p:to>
+                                    </p:set>
+                                    <p:animEffect transition="in" filter="fade">
+                                      <p:cBhvr>
+                                        <p:cTn id="29" dur="500"/>
+                                        <p:tgtEl>
+                                          <p:spTgt spid="8"/>
+                                        </p:tgtEl>
+                                      </p:cBhvr>
+                                    </p:animEffect>
+                                  </p:childTnLst>
+                                </p:cTn>
+                              </p:par>
+                            </p:childTnLst>
+                          </p:cTn>
+                        </p:par>
+                      </p:childTnLst>
+                    </p:cTn>
+                  </p:par>
+                </p:childTnLst>
+              </p:cTn>
+              <p:prevCondLst>
+                <p:cond evt="onPrev" delay="0">
+                  <p:tgtEl>
+                    <p:sldTgt/>
+                  </p:tgtEl>
+                </p:cond>
+              </p:prevCondLst>
+              <p:nextCondLst>
+                <p:cond evt="onNext" delay="0">
+                  <p:tgtEl>
+                    <p:sldTgt/>
+                  </p:tgtEl>
+                </p:cond>
+              </p:nextCondLst>
+            </p:seq>
+          </p:childTnLst>
+        </p:cTn>
+      </p:par>
+    </p:tnLst>
+    <p:bldLst>
+      <p:bldP spid="5" grpId="0"/>
+      <p:bldP spid="6" grpId="0"/>
+      <p:bldP spid="7" grpId="0"/>
+      <p:bldP spid="8" grpId="0"/>
+    </p:bldLst>
+  </p:timing>
+</p:sld>
+</file>
+
+<file path=ppt/slides/slide26.xml><?xml version="1.0" encoding="utf-8"?>
+<p:sld xmlns:a="http://schemas.openxmlformats.org/drawingml/2006/main" xmlns:r="http://schemas.openxmlformats.org/officeDocument/2006/relationships" xmlns:p="http://schemas.openxmlformats.org/presentationml/2006/main">
+  <p:cSld>
+    <p:bg>
+      <p:bgPr>
+        <a:solidFill>
+          <a:schemeClr val="bg2">
+            <a:lumMod val="10000"/>
+          </a:schemeClr>
+        </a:solidFill>
+        <a:effectLst/>
+      </p:bgPr>
+    </p:bg>
+    <p:spTree>
+      <p:nvGrpSpPr>
+        <p:cNvPr id="1" name=""/>
+        <p:cNvGrpSpPr/>
+        <p:nvPr/>
+      </p:nvGrpSpPr>
+      <p:grpSpPr>
+        <a:xfrm>
+          <a:off x="0" y="0"/>
+          <a:ext cx="0" cy="0"/>
+          <a:chOff x="0" y="0"/>
+          <a:chExt cx="0" cy="0"/>
+        </a:xfrm>
+      </p:grpSpPr>
+      <p:cxnSp>
+        <p:nvCxnSpPr>
+          <p:cNvPr id="3" name="Connecteur droit 2">
+            <a:extLst>
+              <a:ext uri="{FF2B5EF4-FFF2-40B4-BE49-F238E27FC236}">
+                <a16:creationId xmlns:a16="http://schemas.microsoft.com/office/drawing/2014/main" id="{6F0F62EA-ABCA-9DD3-E26C-09DEF372715D}"/>
+              </a:ext>
+            </a:extLst>
+          </p:cNvPr>
+          <p:cNvCxnSpPr/>
+          <p:nvPr/>
+        </p:nvCxnSpPr>
+        <p:spPr>
+          <a:xfrm>
+            <a:off x="1002891" y="0"/>
+            <a:ext cx="0" cy="6858000"/>
+          </a:xfrm>
+          <a:prstGeom prst="line">
+            <a:avLst/>
+          </a:prstGeom>
+          <a:ln w="76200">
+            <a:solidFill>
+              <a:srgbClr val="FF0000"/>
+            </a:solidFill>
+          </a:ln>
+        </p:spPr>
+        <p:style>
+          <a:lnRef idx="1">
+            <a:schemeClr val="accent1"/>
+          </a:lnRef>
+          <a:fillRef idx="0">
+            <a:schemeClr val="accent1"/>
+          </a:fillRef>
+          <a:effectRef idx="0">
+            <a:schemeClr val="accent1"/>
+          </a:effectRef>
+          <a:fontRef idx="minor">
+            <a:schemeClr val="tx1"/>
+          </a:fontRef>
+        </p:style>
+      </p:cxnSp>
+      <p:cxnSp>
+        <p:nvCxnSpPr>
+          <p:cNvPr id="4" name="Connecteur droit 3">
+            <a:extLst>
+              <a:ext uri="{FF2B5EF4-FFF2-40B4-BE49-F238E27FC236}">
+                <a16:creationId xmlns:a16="http://schemas.microsoft.com/office/drawing/2014/main" id="{439E6F96-5A7B-E5EB-E6D8-86C58A18FF30}"/>
+              </a:ext>
+            </a:extLst>
+          </p:cNvPr>
+          <p:cNvCxnSpPr/>
+          <p:nvPr/>
+        </p:nvCxnSpPr>
+        <p:spPr>
+          <a:xfrm>
+            <a:off x="1332271" y="0"/>
+            <a:ext cx="0" cy="6858000"/>
+          </a:xfrm>
+          <a:prstGeom prst="line">
+            <a:avLst/>
+          </a:prstGeom>
+          <a:ln w="76200">
+            <a:solidFill>
+              <a:srgbClr val="FF0000"/>
+            </a:solidFill>
+          </a:ln>
+        </p:spPr>
+        <p:style>
+          <a:lnRef idx="1">
+            <a:schemeClr val="accent1"/>
+          </a:lnRef>
+          <a:fillRef idx="0">
+            <a:schemeClr val="accent1"/>
+          </a:fillRef>
+          <a:effectRef idx="0">
+            <a:schemeClr val="accent1"/>
+          </a:effectRef>
+          <a:fontRef idx="minor">
+            <a:schemeClr val="tx1"/>
+          </a:fontRef>
+        </p:style>
+      </p:cxnSp>
+      <p:sp>
+        <p:nvSpPr>
+          <p:cNvPr id="5" name="ZoneTexte 4">
+            <a:extLst>
+              <a:ext uri="{FF2B5EF4-FFF2-40B4-BE49-F238E27FC236}">
+                <a16:creationId xmlns:a16="http://schemas.microsoft.com/office/drawing/2014/main" id="{D3120D3B-A9CC-6768-3A17-96D713445E96}"/>
+              </a:ext>
+            </a:extLst>
+          </p:cNvPr>
+          <p:cNvSpPr txBox="1"/>
+          <p:nvPr/>
+        </p:nvSpPr>
+        <p:spPr>
+          <a:xfrm>
+            <a:off x="1769806" y="491613"/>
+            <a:ext cx="7354529" cy="646331"/>
+          </a:xfrm>
+          <a:prstGeom prst="rect">
+            <a:avLst/>
+          </a:prstGeom>
+          <a:noFill/>
+        </p:spPr>
+        <p:txBody>
+          <a:bodyPr wrap="square" rtlCol="0">
+            <a:spAutoFit/>
+          </a:bodyPr>
+          <a:lstStyle/>
+          <a:p>
+            <a:r>
+              <a:rPr lang="fr-FR" sz="3600" b="1" dirty="0">
+                <a:solidFill>
+                  <a:schemeClr val="bg1"/>
+                </a:solidFill>
+                <a:latin typeface="Microsoft JhengHei Light" panose="020B0304030504040204" pitchFamily="34" charset="-120"/>
+                <a:ea typeface="Microsoft JhengHei Light" panose="020B0304030504040204" pitchFamily="34" charset="-120"/>
+              </a:rPr>
+              <a:t>2.15) </a:t>
+            </a:r>
+            <a:r>
+              <a:rPr lang="fr-FR" sz="3600" b="1" u="sng" dirty="0">
+                <a:solidFill>
+                  <a:schemeClr val="bg1"/>
+                </a:solidFill>
+                <a:latin typeface="Microsoft JhengHei Light" panose="020B0304030504040204" pitchFamily="34" charset="-120"/>
+                <a:ea typeface="Microsoft JhengHei Light" panose="020B0304030504040204" pitchFamily="34" charset="-120"/>
+              </a:rPr>
+              <a:t>Les tests de sécurité</a:t>
+            </a:r>
+            <a:r>
+              <a:rPr lang="fr-FR" sz="3600" b="1" dirty="0">
+                <a:solidFill>
+                  <a:schemeClr val="bg1"/>
+                </a:solidFill>
+                <a:latin typeface="Microsoft JhengHei Light" panose="020B0304030504040204" pitchFamily="34" charset="-120"/>
+                <a:ea typeface="Microsoft JhengHei Light" panose="020B0304030504040204" pitchFamily="34" charset="-120"/>
+              </a:rPr>
+              <a:t> :</a:t>
+            </a:r>
+          </a:p>
+        </p:txBody>
+      </p:sp>
+      <p:sp>
+        <p:nvSpPr>
+          <p:cNvPr id="6" name="ZoneTexte 5">
+            <a:extLst>
+              <a:ext uri="{FF2B5EF4-FFF2-40B4-BE49-F238E27FC236}">
+                <a16:creationId xmlns:a16="http://schemas.microsoft.com/office/drawing/2014/main" id="{72A6E572-9B97-3B47-EEF1-1E7ECE70317C}"/>
+              </a:ext>
+            </a:extLst>
+          </p:cNvPr>
+          <p:cNvSpPr txBox="1"/>
+          <p:nvPr/>
+        </p:nvSpPr>
+        <p:spPr>
+          <a:xfrm>
+            <a:off x="1769806" y="1691149"/>
+            <a:ext cx="2556386" cy="369332"/>
+          </a:xfrm>
+          <a:prstGeom prst="rect">
+            <a:avLst/>
+          </a:prstGeom>
+          <a:noFill/>
+        </p:spPr>
+        <p:txBody>
+          <a:bodyPr wrap="square" rtlCol="0">
+            <a:spAutoFit/>
+          </a:bodyPr>
+          <a:lstStyle/>
+          <a:p>
+            <a:r>
+              <a:rPr lang="fr-FR" b="1" dirty="0">
+                <a:solidFill>
+                  <a:schemeClr val="bg1"/>
+                </a:solidFill>
+                <a:latin typeface="Microsoft JhengHei Light" panose="020B0304030504040204" pitchFamily="34" charset="-120"/>
+                <a:ea typeface="Microsoft JhengHei Light" panose="020B0304030504040204" pitchFamily="34" charset="-120"/>
+              </a:rPr>
+              <a:t>* </a:t>
+            </a:r>
+            <a:r>
+              <a:rPr lang="fr-FR" b="1" u="sng" dirty="0">
+                <a:solidFill>
+                  <a:schemeClr val="bg1"/>
+                </a:solidFill>
+                <a:latin typeface="Microsoft JhengHei Light" panose="020B0304030504040204" pitchFamily="34" charset="-120"/>
+                <a:ea typeface="Microsoft JhengHei Light" panose="020B0304030504040204" pitchFamily="34" charset="-120"/>
+              </a:rPr>
+              <a:t>Définition</a:t>
+            </a:r>
+            <a:r>
+              <a:rPr lang="fr-FR" b="1" dirty="0">
+                <a:solidFill>
+                  <a:schemeClr val="bg1"/>
+                </a:solidFill>
+                <a:latin typeface="Microsoft JhengHei Light" panose="020B0304030504040204" pitchFamily="34" charset="-120"/>
+                <a:ea typeface="Microsoft JhengHei Light" panose="020B0304030504040204" pitchFamily="34" charset="-120"/>
+              </a:rPr>
+              <a:t> :</a:t>
+            </a:r>
+          </a:p>
+        </p:txBody>
+      </p:sp>
+      <p:sp>
+        <p:nvSpPr>
+          <p:cNvPr id="9" name="ZoneTexte 8">
+            <a:extLst>
+              <a:ext uri="{FF2B5EF4-FFF2-40B4-BE49-F238E27FC236}">
+                <a16:creationId xmlns:a16="http://schemas.microsoft.com/office/drawing/2014/main" id="{68874D96-FD81-8BF9-A3A3-0265046B9BE7}"/>
+              </a:ext>
+            </a:extLst>
+          </p:cNvPr>
+          <p:cNvSpPr txBox="1"/>
+          <p:nvPr/>
+        </p:nvSpPr>
+        <p:spPr>
+          <a:xfrm>
+            <a:off x="1661651" y="2613686"/>
+            <a:ext cx="9969910" cy="923330"/>
+          </a:xfrm>
+          <a:prstGeom prst="rect">
+            <a:avLst/>
+          </a:prstGeom>
+          <a:noFill/>
+        </p:spPr>
+        <p:txBody>
+          <a:bodyPr wrap="square" rtlCol="0">
+            <a:spAutoFit/>
+          </a:bodyPr>
+          <a:lstStyle/>
+          <a:p>
+            <a:pPr algn="just"/>
+            <a:r>
+              <a:rPr lang="fr-FR" dirty="0">
+                <a:solidFill>
+                  <a:schemeClr val="bg1"/>
+                </a:solidFill>
+                <a:latin typeface="Microsoft JhengHei Light" panose="020B0304030504040204" pitchFamily="34" charset="-120"/>
+                <a:ea typeface="Microsoft JhengHei Light" panose="020B0304030504040204" pitchFamily="34" charset="-120"/>
+              </a:rPr>
+              <a:t>Les tests de sécurité sont définis comme étant une famille de tests qui est très important dans toutes les entreprises, également pour le grand public en ce qui concerne la protection des données (RGPD).</a:t>
+            </a:r>
+          </a:p>
+        </p:txBody>
+      </p:sp>
+      <p:sp>
+        <p:nvSpPr>
+          <p:cNvPr id="11" name="ZoneTexte 10">
+            <a:extLst>
+              <a:ext uri="{FF2B5EF4-FFF2-40B4-BE49-F238E27FC236}">
+                <a16:creationId xmlns:a16="http://schemas.microsoft.com/office/drawing/2014/main" id="{200B6262-D388-B7A9-4CC9-930006A14822}"/>
+              </a:ext>
+            </a:extLst>
+          </p:cNvPr>
+          <p:cNvSpPr txBox="1"/>
+          <p:nvPr/>
+        </p:nvSpPr>
+        <p:spPr>
+          <a:xfrm>
+            <a:off x="1661651" y="3843622"/>
+            <a:ext cx="9861755" cy="1200329"/>
+          </a:xfrm>
+          <a:prstGeom prst="rect">
+            <a:avLst/>
+          </a:prstGeom>
+          <a:noFill/>
+        </p:spPr>
+        <p:txBody>
+          <a:bodyPr wrap="square" rtlCol="0">
+            <a:spAutoFit/>
+          </a:bodyPr>
+          <a:lstStyle/>
+          <a:p>
+            <a:pPr algn="just"/>
+            <a:r>
+              <a:rPr lang="fr-FR" dirty="0">
+                <a:solidFill>
+                  <a:schemeClr val="bg1"/>
+                </a:solidFill>
+                <a:latin typeface="Microsoft JhengHei Light" panose="020B0304030504040204" pitchFamily="34" charset="-120"/>
+                <a:ea typeface="Microsoft JhengHei Light" panose="020B0304030504040204" pitchFamily="34" charset="-120"/>
+              </a:rPr>
+              <a:t>Les tests de sécurité des applications statiques (SAST) et les tests de sécurité des applications dynamiques (DAST), sont les deux des types de tests de sécurité des applications. Cependant, ils vérifient les vulnérabilités et les défauts des applications et aident à prévenir en cas de cyberattaques.</a:t>
+            </a:r>
+          </a:p>
+        </p:txBody>
+      </p:sp>
+    </p:spTree>
+    <p:extLst>
+      <p:ext uri="{BB962C8B-B14F-4D97-AF65-F5344CB8AC3E}">
+        <p14:creationId xmlns:p14="http://schemas.microsoft.com/office/powerpoint/2010/main" val="1791508966"/>
+      </p:ext>
+    </p:extLst>
+  </p:cSld>
+  <p:clrMapOvr>
+    <a:masterClrMapping/>
+  </p:clrMapOvr>
+  <p:timing>
+    <p:tnLst>
+      <p:par>
+        <p:cTn id="1" dur="indefinite" restart="never" nodeType="tmRoot">
+          <p:childTnLst>
+            <p:seq concurrent="1" nextAc="seek">
+              <p:cTn id="2" dur="indefinite" nodeType="mainSeq">
+                <p:childTnLst>
+                  <p:par>
+                    <p:cTn id="3" fill="hold">
+                      <p:stCondLst>
+                        <p:cond delay="indefinite"/>
+                        <p:cond evt="onBegin" delay="0">
+                          <p:tn val="2"/>
+                        </p:cond>
+                      </p:stCondLst>
+                      <p:childTnLst>
+                        <p:par>
+                          <p:cTn id="4" fill="hold">
+                            <p:stCondLst>
+                              <p:cond delay="0"/>
+                            </p:stCondLst>
+                            <p:childTnLst>
+                              <p:par>
+                                <p:cTn id="5" presetID="10" presetClass="entr" presetSubtype="0" fill="hold" nodeType="withEffect">
+                                  <p:stCondLst>
+                                    <p:cond delay="0"/>
+                                  </p:stCondLst>
+                                  <p:childTnLst>
+                                    <p:set>
+                                      <p:cBhvr>
+                                        <p:cTn id="6" dur="1" fill="hold">
+                                          <p:stCondLst>
+                                            <p:cond delay="0"/>
+                                          </p:stCondLst>
+                                        </p:cTn>
+                                        <p:tgtEl>
+                                          <p:spTgt spid="3"/>
+                                        </p:tgtEl>
+                                        <p:attrNameLst>
+                                          <p:attrName>style.visibility</p:attrName>
+                                        </p:attrNameLst>
+                                      </p:cBhvr>
+                                      <p:to>
+                                        <p:strVal val="visible"/>
+                                      </p:to>
+                                    </p:set>
+                                    <p:animEffect transition="in" filter="fade">
+                                      <p:cBhvr>
+                                        <p:cTn id="7" dur="300"/>
+                                        <p:tgtEl>
+                                          <p:spTgt spid="3"/>
+                                        </p:tgtEl>
+                                      </p:cBhvr>
+                                    </p:animEffect>
+                                  </p:childTnLst>
+                                </p:cTn>
+                              </p:par>
+                            </p:childTnLst>
+                          </p:cTn>
+                        </p:par>
+                        <p:par>
+                          <p:cTn id="8" fill="hold">
+                            <p:stCondLst>
+                              <p:cond delay="300"/>
+                            </p:stCondLst>
+                            <p:childTnLst>
+                              <p:par>
+                                <p:cTn id="9" presetID="10" presetClass="entr" presetSubtype="0" fill="hold" nodeType="afterEffect">
+                                  <p:stCondLst>
+                                    <p:cond delay="0"/>
+                                  </p:stCondLst>
+                                  <p:childTnLst>
+                                    <p:set>
+                                      <p:cBhvr>
+                                        <p:cTn id="10" dur="1" fill="hold">
+                                          <p:stCondLst>
+                                            <p:cond delay="0"/>
+                                          </p:stCondLst>
+                                        </p:cTn>
+                                        <p:tgtEl>
+                                          <p:spTgt spid="4"/>
+                                        </p:tgtEl>
+                                        <p:attrNameLst>
+                                          <p:attrName>style.visibility</p:attrName>
+                                        </p:attrNameLst>
+                                      </p:cBhvr>
+                                      <p:to>
+                                        <p:strVal val="visible"/>
+                                      </p:to>
+                                    </p:set>
+                                    <p:animEffect transition="in" filter="fade">
+                                      <p:cBhvr>
+                                        <p:cTn id="11" dur="300"/>
+                                        <p:tgtEl>
+                                          <p:spTgt spid="4"/>
+                                        </p:tgtEl>
+                                      </p:cBhvr>
+                                    </p:animEffect>
+                                  </p:childTnLst>
+                                </p:cTn>
+                              </p:par>
+                            </p:childTnLst>
+                          </p:cTn>
+                        </p:par>
+                      </p:childTnLst>
+                    </p:cTn>
+                  </p:par>
+                  <p:par>
+                    <p:cTn id="12" fill="hold">
+                      <p:stCondLst>
+                        <p:cond delay="indefinite"/>
+                      </p:stCondLst>
+                      <p:childTnLst>
+                        <p:par>
+                          <p:cTn id="13" fill="hold">
+                            <p:stCondLst>
+                              <p:cond delay="0"/>
+                            </p:stCondLst>
+                            <p:childTnLst>
+                              <p:par>
+                                <p:cTn id="14" presetID="42" presetClass="entr" presetSubtype="0" fill="hold" grpId="0" nodeType="clickEffect">
+                                  <p:stCondLst>
+                                    <p:cond delay="0"/>
+                                  </p:stCondLst>
+                                  <p:childTnLst>
+                                    <p:set>
+                                      <p:cBhvr>
+                                        <p:cTn id="15" dur="1" fill="hold">
+                                          <p:stCondLst>
+                                            <p:cond delay="0"/>
+                                          </p:stCondLst>
+                                        </p:cTn>
+                                        <p:tgtEl>
+                                          <p:spTgt spid="5"/>
+                                        </p:tgtEl>
+                                        <p:attrNameLst>
+                                          <p:attrName>style.visibility</p:attrName>
+                                        </p:attrNameLst>
+                                      </p:cBhvr>
+                                      <p:to>
+                                        <p:strVal val="visible"/>
+                                      </p:to>
+                                    </p:set>
+                                    <p:animEffect transition="in" filter="fade">
+                                      <p:cBhvr>
+                                        <p:cTn id="16" dur="1000"/>
+                                        <p:tgtEl>
+                                          <p:spTgt spid="5"/>
+                                        </p:tgtEl>
+                                      </p:cBhvr>
+                                    </p:animEffect>
+                                    <p:anim calcmode="lin" valueType="num">
+                                      <p:cBhvr>
+                                        <p:cTn id="17" dur="1000" fill="hold"/>
+                                        <p:tgtEl>
+                                          <p:spTgt spid="5"/>
+                                        </p:tgtEl>
+                                        <p:attrNameLst>
+                                          <p:attrName>ppt_x</p:attrName>
+                                        </p:attrNameLst>
+                                      </p:cBhvr>
+                                      <p:tavLst>
+                                        <p:tav tm="0">
+                                          <p:val>
+                                            <p:strVal val="#ppt_x"/>
+                                          </p:val>
+                                        </p:tav>
+                                        <p:tav tm="100000">
+                                          <p:val>
+                                            <p:strVal val="#ppt_x"/>
+                                          </p:val>
+                                        </p:tav>
+                                      </p:tavLst>
+                                    </p:anim>
+                                    <p:anim calcmode="lin" valueType="num">
+                                      <p:cBhvr>
+                                        <p:cTn id="18" dur="1000" fill="hold"/>
+                                        <p:tgtEl>
+                                          <p:spTgt spid="5"/>
+                                        </p:tgtEl>
+                                        <p:attrNameLst>
+                                          <p:attrName>ppt_y</p:attrName>
+                                        </p:attrNameLst>
+                                      </p:cBhvr>
+                                      <p:tavLst>
+                                        <p:tav tm="0">
+                                          <p:val>
+                                            <p:strVal val="#ppt_y+.1"/>
+                                          </p:val>
+                                        </p:tav>
+                                        <p:tav tm="100000">
+                                          <p:val>
+                                            <p:strVal val="#ppt_y"/>
+                                          </p:val>
+                                        </p:tav>
+                                      </p:tavLst>
+                                    </p:anim>
+                                  </p:childTnLst>
+                                </p:cTn>
+                              </p:par>
+                            </p:childTnLst>
+                          </p:cTn>
+                        </p:par>
+                      </p:childTnLst>
+                    </p:cTn>
+                  </p:par>
+                  <p:par>
+                    <p:cTn id="19" fill="hold">
+                      <p:stCondLst>
+                        <p:cond delay="indefinite"/>
+                      </p:stCondLst>
+                      <p:childTnLst>
+                        <p:par>
+                          <p:cTn id="20" fill="hold">
+                            <p:stCondLst>
+                              <p:cond delay="0"/>
+                            </p:stCondLst>
+                            <p:childTnLst>
+                              <p:par>
+                                <p:cTn id="21" presetID="10" presetClass="entr" presetSubtype="0" fill="hold" grpId="0" nodeType="clickEffect">
+                                  <p:stCondLst>
+                                    <p:cond delay="0"/>
+                                  </p:stCondLst>
+                                  <p:childTnLst>
+                                    <p:set>
+                                      <p:cBhvr>
+                                        <p:cTn id="22" dur="1" fill="hold">
+                                          <p:stCondLst>
+                                            <p:cond delay="0"/>
+                                          </p:stCondLst>
+                                        </p:cTn>
+                                        <p:tgtEl>
+                                          <p:spTgt spid="6"/>
+                                        </p:tgtEl>
+                                        <p:attrNameLst>
+                                          <p:attrName>style.visibility</p:attrName>
+                                        </p:attrNameLst>
+                                      </p:cBhvr>
+                                      <p:to>
+                                        <p:strVal val="visible"/>
+                                      </p:to>
+                                    </p:set>
+                                    <p:animEffect transition="in" filter="fade">
+                                      <p:cBhvr>
+                                        <p:cTn id="23" dur="500"/>
+                                        <p:tgtEl>
+                                          <p:spTgt spid="6"/>
+                                        </p:tgtEl>
+                                      </p:cBhvr>
+                                    </p:animEffect>
+                                  </p:childTnLst>
+                                </p:cTn>
+                              </p:par>
+                              <p:par>
+                                <p:cTn id="24" presetID="10" presetClass="entr" presetSubtype="0" fill="hold" grpId="0" nodeType="withEffect">
+                                  <p:stCondLst>
+                                    <p:cond delay="0"/>
+                                  </p:stCondLst>
+                                  <p:childTnLst>
+                                    <p:set>
+                                      <p:cBhvr>
+                                        <p:cTn id="25" dur="1" fill="hold">
+                                          <p:stCondLst>
+                                            <p:cond delay="0"/>
+                                          </p:stCondLst>
+                                        </p:cTn>
+                                        <p:tgtEl>
+                                          <p:spTgt spid="9"/>
+                                        </p:tgtEl>
+                                        <p:attrNameLst>
+                                          <p:attrName>style.visibility</p:attrName>
+                                        </p:attrNameLst>
+                                      </p:cBhvr>
+                                      <p:to>
+                                        <p:strVal val="visible"/>
+                                      </p:to>
+                                    </p:set>
+                                    <p:animEffect transition="in" filter="fade">
+                                      <p:cBhvr>
+                                        <p:cTn id="26" dur="500"/>
+                                        <p:tgtEl>
+                                          <p:spTgt spid="9"/>
+                                        </p:tgtEl>
+                                      </p:cBhvr>
+                                    </p:animEffect>
+                                  </p:childTnLst>
+                                </p:cTn>
+                              </p:par>
+                              <p:par>
+                                <p:cTn id="27" presetID="10" presetClass="entr" presetSubtype="0" fill="hold" grpId="0" nodeType="withEffect">
+                                  <p:stCondLst>
+                                    <p:cond delay="0"/>
+                                  </p:stCondLst>
+                                  <p:childTnLst>
+                                    <p:set>
+                                      <p:cBhvr>
+                                        <p:cTn id="28" dur="1" fill="hold">
+                                          <p:stCondLst>
+                                            <p:cond delay="0"/>
+                                          </p:stCondLst>
+                                        </p:cTn>
+                                        <p:tgtEl>
+                                          <p:spTgt spid="11"/>
+                                        </p:tgtEl>
+                                        <p:attrNameLst>
+                                          <p:attrName>style.visibility</p:attrName>
+                                        </p:attrNameLst>
+                                      </p:cBhvr>
+                                      <p:to>
+                                        <p:strVal val="visible"/>
+                                      </p:to>
+                                    </p:set>
+                                    <p:animEffect transition="in" filter="fade">
+                                      <p:cBhvr>
+                                        <p:cTn id="29" dur="500"/>
+                                        <p:tgtEl>
+                                          <p:spTgt spid="11"/>
+                                        </p:tgtEl>
+                                      </p:cBhvr>
+                                    </p:animEffect>
+                                  </p:childTnLst>
+                                </p:cTn>
+                              </p:par>
+                            </p:childTnLst>
+                          </p:cTn>
+                        </p:par>
+                      </p:childTnLst>
+                    </p:cTn>
+                  </p:par>
+                </p:childTnLst>
+              </p:cTn>
+              <p:prevCondLst>
+                <p:cond evt="onPrev" delay="0">
+                  <p:tgtEl>
+                    <p:sldTgt/>
+                  </p:tgtEl>
+                </p:cond>
+              </p:prevCondLst>
+              <p:nextCondLst>
+                <p:cond evt="onNext" delay="0">
+                  <p:tgtEl>
+                    <p:sldTgt/>
+                  </p:tgtEl>
+                </p:cond>
+              </p:nextCondLst>
+            </p:seq>
+          </p:childTnLst>
+        </p:cTn>
+      </p:par>
+    </p:tnLst>
+    <p:bldLst>
+      <p:bldP spid="5" grpId="0"/>
+      <p:bldP spid="6" grpId="0"/>
+      <p:bldP spid="9" grpId="0"/>
+      <p:bldP spid="11" grpId="0"/>
+    </p:bldLst>
+  </p:timing>
+</p:sld>
+</file>
+
+<file path=ppt/slides/slide27.xml><?xml version="1.0" encoding="utf-8"?>
+<p:sld xmlns:a="http://schemas.openxmlformats.org/drawingml/2006/main" xmlns:r="http://schemas.openxmlformats.org/officeDocument/2006/relationships" xmlns:p="http://schemas.openxmlformats.org/presentationml/2006/main">
+  <p:cSld>
+    <p:bg>
+      <p:bgPr>
+        <a:solidFill>
+          <a:schemeClr val="bg2">
+            <a:lumMod val="10000"/>
+          </a:schemeClr>
+        </a:solidFill>
+        <a:effectLst/>
+      </p:bgPr>
+    </p:bg>
+    <p:spTree>
+      <p:nvGrpSpPr>
+        <p:cNvPr id="1" name=""/>
+        <p:cNvGrpSpPr/>
+        <p:nvPr/>
+      </p:nvGrpSpPr>
+      <p:grpSpPr>
+        <a:xfrm>
+          <a:off x="0" y="0"/>
+          <a:ext cx="0" cy="0"/>
+          <a:chOff x="0" y="0"/>
+          <a:chExt cx="0" cy="0"/>
+        </a:xfrm>
+      </p:grpSpPr>
+      <p:cxnSp>
+        <p:nvCxnSpPr>
+          <p:cNvPr id="3" name="Connecteur droit 2">
+            <a:extLst>
+              <a:ext uri="{FF2B5EF4-FFF2-40B4-BE49-F238E27FC236}">
+                <a16:creationId xmlns:a16="http://schemas.microsoft.com/office/drawing/2014/main" id="{38F9016F-863A-1609-22DD-358D46010B93}"/>
+              </a:ext>
+            </a:extLst>
+          </p:cNvPr>
+          <p:cNvCxnSpPr/>
+          <p:nvPr/>
+        </p:nvCxnSpPr>
+        <p:spPr>
+          <a:xfrm>
+            <a:off x="1061884" y="0"/>
+            <a:ext cx="0" cy="6858000"/>
+          </a:xfrm>
+          <a:prstGeom prst="line">
+            <a:avLst/>
+          </a:prstGeom>
+          <a:ln w="76200">
+            <a:solidFill>
+              <a:srgbClr val="FF0000"/>
+            </a:solidFill>
+          </a:ln>
+        </p:spPr>
+        <p:style>
+          <a:lnRef idx="1">
+            <a:schemeClr val="accent1"/>
+          </a:lnRef>
+          <a:fillRef idx="0">
+            <a:schemeClr val="accent1"/>
+          </a:fillRef>
+          <a:effectRef idx="0">
+            <a:schemeClr val="accent1"/>
+          </a:effectRef>
+          <a:fontRef idx="minor">
+            <a:schemeClr val="tx1"/>
+          </a:fontRef>
+        </p:style>
+      </p:cxnSp>
+      <p:cxnSp>
+        <p:nvCxnSpPr>
+          <p:cNvPr id="4" name="Connecteur droit 3">
+            <a:extLst>
+              <a:ext uri="{FF2B5EF4-FFF2-40B4-BE49-F238E27FC236}">
+                <a16:creationId xmlns:a16="http://schemas.microsoft.com/office/drawing/2014/main" id="{D50A37EA-4569-B050-8A90-5050C605311B}"/>
+              </a:ext>
+            </a:extLst>
+          </p:cNvPr>
+          <p:cNvCxnSpPr/>
+          <p:nvPr/>
+        </p:nvCxnSpPr>
+        <p:spPr>
+          <a:xfrm>
+            <a:off x="1401097" y="0"/>
+            <a:ext cx="0" cy="6858000"/>
+          </a:xfrm>
+          <a:prstGeom prst="line">
+            <a:avLst/>
+          </a:prstGeom>
+          <a:ln w="76200">
+            <a:solidFill>
+              <a:srgbClr val="FF0000"/>
+            </a:solidFill>
+          </a:ln>
+        </p:spPr>
+        <p:style>
+          <a:lnRef idx="1">
+            <a:schemeClr val="accent1"/>
+          </a:lnRef>
+          <a:fillRef idx="0">
+            <a:schemeClr val="accent1"/>
+          </a:fillRef>
+          <a:effectRef idx="0">
+            <a:schemeClr val="accent1"/>
+          </a:effectRef>
+          <a:fontRef idx="minor">
+            <a:schemeClr val="tx1"/>
+          </a:fontRef>
+        </p:style>
+      </p:cxnSp>
+      <p:sp>
+        <p:nvSpPr>
+          <p:cNvPr id="5" name="ZoneTexte 4">
+            <a:extLst>
+              <a:ext uri="{FF2B5EF4-FFF2-40B4-BE49-F238E27FC236}">
+                <a16:creationId xmlns:a16="http://schemas.microsoft.com/office/drawing/2014/main" id="{5A89EBE6-79C9-769A-7CA9-D1B7421AD1D0}"/>
+              </a:ext>
+            </a:extLst>
+          </p:cNvPr>
+          <p:cNvSpPr txBox="1"/>
+          <p:nvPr/>
+        </p:nvSpPr>
+        <p:spPr>
+          <a:xfrm>
+            <a:off x="1740310" y="530943"/>
+            <a:ext cx="7993621" cy="646331"/>
+          </a:xfrm>
+          <a:prstGeom prst="rect">
+            <a:avLst/>
+          </a:prstGeom>
+          <a:noFill/>
+        </p:spPr>
+        <p:txBody>
+          <a:bodyPr wrap="square" rtlCol="0">
+            <a:spAutoFit/>
+          </a:bodyPr>
+          <a:lstStyle/>
+          <a:p>
+            <a:r>
+              <a:rPr lang="fr-FR" sz="3600" b="1" dirty="0">
+                <a:solidFill>
+                  <a:schemeClr val="bg1"/>
+                </a:solidFill>
+                <a:latin typeface="Microsoft JhengHei Light" panose="020B0304030504040204" pitchFamily="34" charset="-120"/>
+                <a:ea typeface="Microsoft JhengHei Light" panose="020B0304030504040204" pitchFamily="34" charset="-120"/>
+              </a:rPr>
+              <a:t>2.16) </a:t>
+            </a:r>
+            <a:r>
+              <a:rPr lang="fr-FR" sz="3600" b="1" u="sng" dirty="0">
+                <a:solidFill>
+                  <a:schemeClr val="bg1"/>
+                </a:solidFill>
+                <a:latin typeface="Microsoft JhengHei Light" panose="020B0304030504040204" pitchFamily="34" charset="-120"/>
+                <a:ea typeface="Microsoft JhengHei Light" panose="020B0304030504040204" pitchFamily="34" charset="-120"/>
+              </a:rPr>
+              <a:t>Les tests de compatibilité</a:t>
+            </a:r>
+            <a:r>
+              <a:rPr lang="fr-FR" sz="3600" b="1" dirty="0">
+                <a:solidFill>
+                  <a:schemeClr val="bg1"/>
+                </a:solidFill>
+                <a:latin typeface="Microsoft JhengHei Light" panose="020B0304030504040204" pitchFamily="34" charset="-120"/>
+                <a:ea typeface="Microsoft JhengHei Light" panose="020B0304030504040204" pitchFamily="34" charset="-120"/>
+              </a:rPr>
+              <a:t> :</a:t>
+            </a:r>
+          </a:p>
+        </p:txBody>
+      </p:sp>
+      <p:sp>
+        <p:nvSpPr>
+          <p:cNvPr id="6" name="ZoneTexte 5">
+            <a:extLst>
+              <a:ext uri="{FF2B5EF4-FFF2-40B4-BE49-F238E27FC236}">
+                <a16:creationId xmlns:a16="http://schemas.microsoft.com/office/drawing/2014/main" id="{E27A7206-B56A-2CD8-9BB2-C31E2DFAC066}"/>
+              </a:ext>
+            </a:extLst>
+          </p:cNvPr>
+          <p:cNvSpPr txBox="1"/>
+          <p:nvPr/>
+        </p:nvSpPr>
+        <p:spPr>
+          <a:xfrm>
+            <a:off x="1740310" y="1777036"/>
+            <a:ext cx="3519946" cy="369332"/>
+          </a:xfrm>
+          <a:prstGeom prst="rect">
+            <a:avLst/>
+          </a:prstGeom>
+          <a:noFill/>
+        </p:spPr>
+        <p:txBody>
+          <a:bodyPr wrap="square" rtlCol="0">
+            <a:spAutoFit/>
+          </a:bodyPr>
+          <a:lstStyle/>
+          <a:p>
+            <a:r>
+              <a:rPr lang="fr-FR" b="1" dirty="0">
+                <a:solidFill>
+                  <a:schemeClr val="bg1"/>
+                </a:solidFill>
+                <a:latin typeface="Microsoft JhengHei Light" panose="020B0304030504040204" pitchFamily="34" charset="-120"/>
+                <a:ea typeface="Microsoft JhengHei Light" panose="020B0304030504040204" pitchFamily="34" charset="-120"/>
+              </a:rPr>
+              <a:t>* </a:t>
+            </a:r>
+            <a:r>
+              <a:rPr lang="fr-FR" b="1" u="sng" dirty="0">
+                <a:solidFill>
+                  <a:schemeClr val="bg1"/>
+                </a:solidFill>
+                <a:latin typeface="Microsoft JhengHei Light" panose="020B0304030504040204" pitchFamily="34" charset="-120"/>
+                <a:ea typeface="Microsoft JhengHei Light" panose="020B0304030504040204" pitchFamily="34" charset="-120"/>
+              </a:rPr>
+              <a:t>Définition</a:t>
+            </a:r>
+            <a:r>
+              <a:rPr lang="fr-FR" b="1" dirty="0">
+                <a:solidFill>
+                  <a:schemeClr val="bg1"/>
+                </a:solidFill>
+                <a:latin typeface="Microsoft JhengHei Light" panose="020B0304030504040204" pitchFamily="34" charset="-120"/>
+                <a:ea typeface="Microsoft JhengHei Light" panose="020B0304030504040204" pitchFamily="34" charset="-120"/>
+              </a:rPr>
+              <a:t> :</a:t>
+            </a:r>
+          </a:p>
+        </p:txBody>
+      </p:sp>
+      <p:sp>
+        <p:nvSpPr>
+          <p:cNvPr id="7" name="ZoneTexte 6">
+            <a:extLst>
+              <a:ext uri="{FF2B5EF4-FFF2-40B4-BE49-F238E27FC236}">
+                <a16:creationId xmlns:a16="http://schemas.microsoft.com/office/drawing/2014/main" id="{D0080C36-82F6-83DE-11CA-BF4A7BDDFBB8}"/>
+              </a:ext>
+            </a:extLst>
+          </p:cNvPr>
+          <p:cNvSpPr txBox="1"/>
+          <p:nvPr/>
+        </p:nvSpPr>
+        <p:spPr>
+          <a:xfrm>
+            <a:off x="1740310" y="2566400"/>
+            <a:ext cx="9914965" cy="646331"/>
+          </a:xfrm>
+          <a:prstGeom prst="rect">
+            <a:avLst/>
+          </a:prstGeom>
+          <a:noFill/>
+        </p:spPr>
+        <p:txBody>
+          <a:bodyPr wrap="square" rtlCol="0">
+            <a:spAutoFit/>
+          </a:bodyPr>
+          <a:lstStyle/>
+          <a:p>
+            <a:pPr algn="just"/>
+            <a:r>
+              <a:rPr lang="fr-FR" dirty="0">
+                <a:solidFill>
+                  <a:schemeClr val="bg1"/>
+                </a:solidFill>
+                <a:latin typeface="Microsoft JhengHei Light" panose="020B0304030504040204" pitchFamily="34" charset="-120"/>
+                <a:ea typeface="Microsoft JhengHei Light" panose="020B0304030504040204" pitchFamily="34" charset="-120"/>
+              </a:rPr>
+              <a:t>Les tests de compatibilité (CT) en ISTQB interviennent uniquement lorsque que les solutions des tests sont mis à disposition des utilisateurs finaux (UE).</a:t>
+            </a:r>
+          </a:p>
+        </p:txBody>
+      </p:sp>
+      <p:sp>
+        <p:nvSpPr>
+          <p:cNvPr id="8" name="ZoneTexte 7">
+            <a:extLst>
+              <a:ext uri="{FF2B5EF4-FFF2-40B4-BE49-F238E27FC236}">
+                <a16:creationId xmlns:a16="http://schemas.microsoft.com/office/drawing/2014/main" id="{1BE722B2-3949-B327-EB35-EAA372D2EEEF}"/>
+              </a:ext>
+            </a:extLst>
+          </p:cNvPr>
+          <p:cNvSpPr txBox="1"/>
+          <p:nvPr/>
+        </p:nvSpPr>
+        <p:spPr>
+          <a:xfrm>
+            <a:off x="1740310" y="3632763"/>
+            <a:ext cx="9799577" cy="2308324"/>
+          </a:xfrm>
+          <a:prstGeom prst="rect">
+            <a:avLst/>
+          </a:prstGeom>
+          <a:noFill/>
+        </p:spPr>
+        <p:txBody>
+          <a:bodyPr wrap="square" rtlCol="0">
+            <a:spAutoFit/>
+          </a:bodyPr>
+          <a:lstStyle/>
+          <a:p>
+            <a:r>
+              <a:rPr lang="fr-FR" dirty="0">
+                <a:solidFill>
+                  <a:schemeClr val="bg1"/>
+                </a:solidFill>
+                <a:latin typeface="Microsoft JhengHei Light" panose="020B0304030504040204" pitchFamily="34" charset="-120"/>
+                <a:ea typeface="Microsoft JhengHei Light" panose="020B0304030504040204" pitchFamily="34" charset="-120"/>
+              </a:rPr>
+              <a:t>Il existe deux formes de tests de compatibilité en ISTQB :</a:t>
+            </a:r>
+          </a:p>
+          <a:p>
+            <a:endParaRPr lang="fr-FR" dirty="0">
+              <a:solidFill>
+                <a:schemeClr val="bg1"/>
+              </a:solidFill>
+              <a:latin typeface="Microsoft JhengHei Light" panose="020B0304030504040204" pitchFamily="34" charset="-120"/>
+              <a:ea typeface="Microsoft JhengHei Light" panose="020B0304030504040204" pitchFamily="34" charset="-120"/>
+            </a:endParaRPr>
+          </a:p>
+          <a:p>
+            <a:r>
+              <a:rPr lang="fr-FR" dirty="0">
+                <a:solidFill>
+                  <a:schemeClr val="bg1"/>
+                </a:solidFill>
+                <a:latin typeface="Microsoft JhengHei Light" panose="020B0304030504040204" pitchFamily="34" charset="-120"/>
+                <a:ea typeface="Microsoft JhengHei Light" panose="020B0304030504040204" pitchFamily="34" charset="-120"/>
+              </a:rPr>
+              <a:t>	* </a:t>
+            </a:r>
+            <a:r>
+              <a:rPr lang="fr-FR" dirty="0">
+                <a:highlight>
+                  <a:srgbClr val="FFFF00"/>
+                </a:highlight>
+                <a:latin typeface="Microsoft JhengHei Light" panose="020B0304030504040204" pitchFamily="34" charset="-120"/>
+                <a:ea typeface="Microsoft JhengHei Light" panose="020B0304030504040204" pitchFamily="34" charset="-120"/>
+              </a:rPr>
+              <a:t>Test de compatibilité ascendante (BCT)</a:t>
+            </a:r>
+            <a:r>
+              <a:rPr lang="fr-FR" dirty="0">
+                <a:latin typeface="Microsoft JhengHei Light" panose="020B0304030504040204" pitchFamily="34" charset="-120"/>
+                <a:ea typeface="Microsoft JhengHei Light" panose="020B0304030504040204" pitchFamily="34" charset="-120"/>
+              </a:rPr>
+              <a:t> </a:t>
+            </a:r>
+            <a:r>
+              <a:rPr lang="fr-FR" dirty="0">
+                <a:solidFill>
+                  <a:schemeClr val="bg1"/>
+                </a:solidFill>
+                <a:latin typeface="Microsoft JhengHei Light" panose="020B0304030504040204" pitchFamily="34" charset="-120"/>
+                <a:ea typeface="Microsoft JhengHei Light" panose="020B0304030504040204" pitchFamily="34" charset="-120"/>
+              </a:rPr>
+              <a:t>: Il garantit que toutes les nouvelles 	 	   versions  fonctionneront toujours avec les anciennes.</a:t>
+            </a:r>
+          </a:p>
+          <a:p>
+            <a:endParaRPr lang="fr-FR" dirty="0">
+              <a:solidFill>
+                <a:schemeClr val="bg1"/>
+              </a:solidFill>
+              <a:latin typeface="Microsoft JhengHei Light" panose="020B0304030504040204" pitchFamily="34" charset="-120"/>
+              <a:ea typeface="Microsoft JhengHei Light" panose="020B0304030504040204" pitchFamily="34" charset="-120"/>
+            </a:endParaRPr>
+          </a:p>
+          <a:p>
+            <a:r>
+              <a:rPr lang="fr-FR" dirty="0">
+                <a:solidFill>
+                  <a:schemeClr val="bg1"/>
+                </a:solidFill>
+                <a:latin typeface="Microsoft JhengHei Light" panose="020B0304030504040204" pitchFamily="34" charset="-120"/>
+                <a:ea typeface="Microsoft JhengHei Light" panose="020B0304030504040204" pitchFamily="34" charset="-120"/>
+              </a:rPr>
+              <a:t>              * </a:t>
+            </a:r>
+            <a:r>
+              <a:rPr lang="fr-FR" dirty="0">
+                <a:highlight>
+                  <a:srgbClr val="FFFF00"/>
+                </a:highlight>
+                <a:latin typeface="Microsoft JhengHei Light" panose="020B0304030504040204" pitchFamily="34" charset="-120"/>
+                <a:ea typeface="Microsoft JhengHei Light" panose="020B0304030504040204" pitchFamily="34" charset="-120"/>
+              </a:rPr>
+              <a:t>Test de compatibilité avancée (FCT)</a:t>
+            </a:r>
+            <a:r>
+              <a:rPr lang="fr-FR" dirty="0">
+                <a:latin typeface="Microsoft JhengHei Light" panose="020B0304030504040204" pitchFamily="34" charset="-120"/>
+                <a:ea typeface="Microsoft JhengHei Light" panose="020B0304030504040204" pitchFamily="34" charset="-120"/>
+              </a:rPr>
+              <a:t> </a:t>
+            </a:r>
+            <a:r>
+              <a:rPr lang="fr-FR" dirty="0">
+                <a:solidFill>
+                  <a:schemeClr val="bg1"/>
+                </a:solidFill>
+                <a:latin typeface="Microsoft JhengHei Light" panose="020B0304030504040204" pitchFamily="34" charset="-120"/>
+                <a:ea typeface="Microsoft JhengHei Light" panose="020B0304030504040204" pitchFamily="34" charset="-120"/>
+              </a:rPr>
+              <a:t>: Il permet d’évaluer si les prochaines 	   	   versions des plateformes fonctionneront toujours les versions actuelles et ou les   	   nouvelles de la solution.</a:t>
+            </a:r>
+          </a:p>
+        </p:txBody>
+      </p:sp>
+    </p:spTree>
+    <p:extLst>
+      <p:ext uri="{BB962C8B-B14F-4D97-AF65-F5344CB8AC3E}">
+        <p14:creationId xmlns:p14="http://schemas.microsoft.com/office/powerpoint/2010/main" val="1531881436"/>
+      </p:ext>
+    </p:extLst>
+  </p:cSld>
+  <p:clrMapOvr>
+    <a:masterClrMapping/>
+  </p:clrMapOvr>
+  <p:timing>
+    <p:tnLst>
+      <p:par>
+        <p:cTn id="1" dur="indefinite" restart="never" nodeType="tmRoot">
+          <p:childTnLst>
+            <p:seq concurrent="1" nextAc="seek">
+              <p:cTn id="2" dur="indefinite" nodeType="mainSeq">
+                <p:childTnLst>
+                  <p:par>
+                    <p:cTn id="3" fill="hold">
+                      <p:stCondLst>
+                        <p:cond delay="indefinite"/>
+                        <p:cond evt="onBegin" delay="0">
+                          <p:tn val="2"/>
+                        </p:cond>
+                      </p:stCondLst>
+                      <p:childTnLst>
+                        <p:par>
+                          <p:cTn id="4" fill="hold">
+                            <p:stCondLst>
+                              <p:cond delay="0"/>
+                            </p:stCondLst>
+                            <p:childTnLst>
+                              <p:par>
+                                <p:cTn id="5" presetID="10" presetClass="entr" presetSubtype="0" fill="hold" nodeType="withEffect">
+                                  <p:stCondLst>
+                                    <p:cond delay="0"/>
+                                  </p:stCondLst>
+                                  <p:childTnLst>
+                                    <p:set>
+                                      <p:cBhvr>
+                                        <p:cTn id="6" dur="1" fill="hold">
+                                          <p:stCondLst>
+                                            <p:cond delay="0"/>
+                                          </p:stCondLst>
+                                        </p:cTn>
+                                        <p:tgtEl>
+                                          <p:spTgt spid="3"/>
+                                        </p:tgtEl>
+                                        <p:attrNameLst>
+                                          <p:attrName>style.visibility</p:attrName>
+                                        </p:attrNameLst>
+                                      </p:cBhvr>
+                                      <p:to>
+                                        <p:strVal val="visible"/>
+                                      </p:to>
+                                    </p:set>
+                                    <p:animEffect transition="in" filter="fade">
+                                      <p:cBhvr>
+                                        <p:cTn id="7" dur="300"/>
+                                        <p:tgtEl>
+                                          <p:spTgt spid="3"/>
+                                        </p:tgtEl>
+                                      </p:cBhvr>
+                                    </p:animEffect>
+                                  </p:childTnLst>
+                                </p:cTn>
+                              </p:par>
+                            </p:childTnLst>
+                          </p:cTn>
+                        </p:par>
+                        <p:par>
+                          <p:cTn id="8" fill="hold">
+                            <p:stCondLst>
+                              <p:cond delay="300"/>
+                            </p:stCondLst>
+                            <p:childTnLst>
+                              <p:par>
+                                <p:cTn id="9" presetID="10" presetClass="entr" presetSubtype="0" fill="hold" nodeType="afterEffect">
+                                  <p:stCondLst>
+                                    <p:cond delay="0"/>
+                                  </p:stCondLst>
+                                  <p:childTnLst>
+                                    <p:set>
+                                      <p:cBhvr>
+                                        <p:cTn id="10" dur="1" fill="hold">
+                                          <p:stCondLst>
+                                            <p:cond delay="0"/>
+                                          </p:stCondLst>
+                                        </p:cTn>
+                                        <p:tgtEl>
+                                          <p:spTgt spid="4"/>
+                                        </p:tgtEl>
+                                        <p:attrNameLst>
+                                          <p:attrName>style.visibility</p:attrName>
+                                        </p:attrNameLst>
+                                      </p:cBhvr>
+                                      <p:to>
+                                        <p:strVal val="visible"/>
+                                      </p:to>
+                                    </p:set>
+                                    <p:animEffect transition="in" filter="fade">
+                                      <p:cBhvr>
+                                        <p:cTn id="11" dur="500"/>
+                                        <p:tgtEl>
+                                          <p:spTgt spid="4"/>
+                                        </p:tgtEl>
+                                      </p:cBhvr>
+                                    </p:animEffect>
+                                  </p:childTnLst>
+                                </p:cTn>
+                              </p:par>
+                            </p:childTnLst>
+                          </p:cTn>
+                        </p:par>
+                      </p:childTnLst>
+                    </p:cTn>
+                  </p:par>
+                  <p:par>
+                    <p:cTn id="12" fill="hold">
+                      <p:stCondLst>
+                        <p:cond delay="indefinite"/>
+                      </p:stCondLst>
+                      <p:childTnLst>
+                        <p:par>
+                          <p:cTn id="13" fill="hold">
+                            <p:stCondLst>
+                              <p:cond delay="0"/>
+                            </p:stCondLst>
+                            <p:childTnLst>
+                              <p:par>
+                                <p:cTn id="14" presetID="42" presetClass="entr" presetSubtype="0" fill="hold" grpId="0" nodeType="clickEffect">
+                                  <p:stCondLst>
+                                    <p:cond delay="0"/>
+                                  </p:stCondLst>
+                                  <p:childTnLst>
+                                    <p:set>
+                                      <p:cBhvr>
+                                        <p:cTn id="15" dur="1" fill="hold">
+                                          <p:stCondLst>
+                                            <p:cond delay="0"/>
+                                          </p:stCondLst>
+                                        </p:cTn>
+                                        <p:tgtEl>
+                                          <p:spTgt spid="5"/>
+                                        </p:tgtEl>
+                                        <p:attrNameLst>
+                                          <p:attrName>style.visibility</p:attrName>
+                                        </p:attrNameLst>
+                                      </p:cBhvr>
+                                      <p:to>
+                                        <p:strVal val="visible"/>
+                                      </p:to>
+                                    </p:set>
+                                    <p:animEffect transition="in" filter="fade">
+                                      <p:cBhvr>
+                                        <p:cTn id="16" dur="1000"/>
+                                        <p:tgtEl>
+                                          <p:spTgt spid="5"/>
+                                        </p:tgtEl>
+                                      </p:cBhvr>
+                                    </p:animEffect>
+                                    <p:anim calcmode="lin" valueType="num">
+                                      <p:cBhvr>
+                                        <p:cTn id="17" dur="1000" fill="hold"/>
+                                        <p:tgtEl>
+                                          <p:spTgt spid="5"/>
+                                        </p:tgtEl>
+                                        <p:attrNameLst>
+                                          <p:attrName>ppt_x</p:attrName>
+                                        </p:attrNameLst>
+                                      </p:cBhvr>
+                                      <p:tavLst>
+                                        <p:tav tm="0">
+                                          <p:val>
+                                            <p:strVal val="#ppt_x"/>
+                                          </p:val>
+                                        </p:tav>
+                                        <p:tav tm="100000">
+                                          <p:val>
+                                            <p:strVal val="#ppt_x"/>
+                                          </p:val>
+                                        </p:tav>
+                                      </p:tavLst>
+                                    </p:anim>
+                                    <p:anim calcmode="lin" valueType="num">
+                                      <p:cBhvr>
+                                        <p:cTn id="18" dur="1000" fill="hold"/>
+                                        <p:tgtEl>
+                                          <p:spTgt spid="5"/>
+                                        </p:tgtEl>
+                                        <p:attrNameLst>
+                                          <p:attrName>ppt_y</p:attrName>
+                                        </p:attrNameLst>
+                                      </p:cBhvr>
+                                      <p:tavLst>
+                                        <p:tav tm="0">
+                                          <p:val>
+                                            <p:strVal val="#ppt_y+.1"/>
+                                          </p:val>
+                                        </p:tav>
+                                        <p:tav tm="100000">
+                                          <p:val>
+                                            <p:strVal val="#ppt_y"/>
+                                          </p:val>
+                                        </p:tav>
+                                      </p:tavLst>
+                                    </p:anim>
+                                  </p:childTnLst>
+                                </p:cTn>
+                              </p:par>
+                            </p:childTnLst>
+                          </p:cTn>
+                        </p:par>
+                      </p:childTnLst>
+                    </p:cTn>
+                  </p:par>
+                  <p:par>
+                    <p:cTn id="19" fill="hold">
+                      <p:stCondLst>
+                        <p:cond delay="indefinite"/>
+                      </p:stCondLst>
+                      <p:childTnLst>
+                        <p:par>
+                          <p:cTn id="20" fill="hold">
+                            <p:stCondLst>
+                              <p:cond delay="0"/>
+                            </p:stCondLst>
+                            <p:childTnLst>
+                              <p:par>
+                                <p:cTn id="21" presetID="10" presetClass="entr" presetSubtype="0" fill="hold" grpId="0" nodeType="clickEffect">
+                                  <p:stCondLst>
+                                    <p:cond delay="0"/>
+                                  </p:stCondLst>
+                                  <p:childTnLst>
+                                    <p:set>
+                                      <p:cBhvr>
+                                        <p:cTn id="22" dur="1" fill="hold">
+                                          <p:stCondLst>
+                                            <p:cond delay="0"/>
+                                          </p:stCondLst>
+                                        </p:cTn>
+                                        <p:tgtEl>
+                                          <p:spTgt spid="6"/>
+                                        </p:tgtEl>
+                                        <p:attrNameLst>
+                                          <p:attrName>style.visibility</p:attrName>
+                                        </p:attrNameLst>
+                                      </p:cBhvr>
+                                      <p:to>
+                                        <p:strVal val="visible"/>
+                                      </p:to>
+                                    </p:set>
+                                    <p:animEffect transition="in" filter="fade">
+                                      <p:cBhvr>
+                                        <p:cTn id="23" dur="500"/>
+                                        <p:tgtEl>
+                                          <p:spTgt spid="6"/>
+                                        </p:tgtEl>
+                                      </p:cBhvr>
+                                    </p:animEffect>
+                                  </p:childTnLst>
+                                </p:cTn>
+                              </p:par>
+                              <p:par>
+                                <p:cTn id="24" presetID="10" presetClass="entr" presetSubtype="0" fill="hold" grpId="0" nodeType="withEffect">
+                                  <p:stCondLst>
+                                    <p:cond delay="0"/>
+                                  </p:stCondLst>
+                                  <p:childTnLst>
+                                    <p:set>
+                                      <p:cBhvr>
+                                        <p:cTn id="25" dur="1" fill="hold">
+                                          <p:stCondLst>
+                                            <p:cond delay="0"/>
+                                          </p:stCondLst>
+                                        </p:cTn>
+                                        <p:tgtEl>
+                                          <p:spTgt spid="7"/>
+                                        </p:tgtEl>
+                                        <p:attrNameLst>
+                                          <p:attrName>style.visibility</p:attrName>
+                                        </p:attrNameLst>
+                                      </p:cBhvr>
+                                      <p:to>
+                                        <p:strVal val="visible"/>
+                                      </p:to>
+                                    </p:set>
+                                    <p:animEffect transition="in" filter="fade">
+                                      <p:cBhvr>
+                                        <p:cTn id="26" dur="500"/>
+                                        <p:tgtEl>
+                                          <p:spTgt spid="7"/>
+                                        </p:tgtEl>
+                                      </p:cBhvr>
+                                    </p:animEffect>
+                                  </p:childTnLst>
+                                </p:cTn>
+                              </p:par>
+                              <p:par>
+                                <p:cTn id="27" presetID="10" presetClass="entr" presetSubtype="0" fill="hold" grpId="0" nodeType="withEffect">
+                                  <p:stCondLst>
+                                    <p:cond delay="0"/>
+                                  </p:stCondLst>
+                                  <p:childTnLst>
+                                    <p:set>
+                                      <p:cBhvr>
+                                        <p:cTn id="28" dur="1" fill="hold">
+                                          <p:stCondLst>
+                                            <p:cond delay="0"/>
+                                          </p:stCondLst>
+                                        </p:cTn>
+                                        <p:tgtEl>
+                                          <p:spTgt spid="8"/>
+                                        </p:tgtEl>
+                                        <p:attrNameLst>
+                                          <p:attrName>style.visibility</p:attrName>
+                                        </p:attrNameLst>
+                                      </p:cBhvr>
+                                      <p:to>
+                                        <p:strVal val="visible"/>
+                                      </p:to>
+                                    </p:set>
+                                    <p:animEffect transition="in" filter="fade">
+                                      <p:cBhvr>
+                                        <p:cTn id="29" dur="500"/>
+                                        <p:tgtEl>
+                                          <p:spTgt spid="8"/>
+                                        </p:tgtEl>
+                                      </p:cBhvr>
+                                    </p:animEffect>
+                                  </p:childTnLst>
+                                </p:cTn>
+                              </p:par>
+                            </p:childTnLst>
+                          </p:cTn>
+                        </p:par>
+                      </p:childTnLst>
+                    </p:cTn>
+                  </p:par>
+                </p:childTnLst>
+              </p:cTn>
+              <p:prevCondLst>
+                <p:cond evt="onPrev" delay="0">
+                  <p:tgtEl>
+                    <p:sldTgt/>
+                  </p:tgtEl>
+                </p:cond>
+              </p:prevCondLst>
+              <p:nextCondLst>
+                <p:cond evt="onNext" delay="0">
+                  <p:tgtEl>
+                    <p:sldTgt/>
+                  </p:tgtEl>
+                </p:cond>
+              </p:nextCondLst>
+            </p:seq>
+          </p:childTnLst>
+        </p:cTn>
+      </p:par>
+    </p:tnLst>
+    <p:bldLst>
+      <p:bldP spid="5" grpId="0"/>
+      <p:bldP spid="6" grpId="0"/>
+      <p:bldP spid="7" grpId="0"/>
+      <p:bldP spid="8" grpId="0"/>
+    </p:bldLst>
+  </p:timing>
+</p:sld>
+</file>
+
+<file path=ppt/slides/slide28.xml><?xml version="1.0" encoding="utf-8"?>
+<p:sld xmlns:a="http://schemas.openxmlformats.org/drawingml/2006/main" xmlns:r="http://schemas.openxmlformats.org/officeDocument/2006/relationships" xmlns:p="http://schemas.openxmlformats.org/presentationml/2006/main">
+  <p:cSld>
+    <p:bg>
+      <p:bgPr>
+        <a:solidFill>
+          <a:schemeClr val="bg2">
+            <a:lumMod val="10000"/>
+          </a:schemeClr>
+        </a:solidFill>
+        <a:effectLst/>
+      </p:bgPr>
+    </p:bg>
+    <p:spTree>
+      <p:nvGrpSpPr>
+        <p:cNvPr id="1" name=""/>
+        <p:cNvGrpSpPr/>
+        <p:nvPr/>
+      </p:nvGrpSpPr>
+      <p:grpSpPr>
+        <a:xfrm>
+          <a:off x="0" y="0"/>
+          <a:ext cx="0" cy="0"/>
+          <a:chOff x="0" y="0"/>
+          <a:chExt cx="0" cy="0"/>
+        </a:xfrm>
+      </p:grpSpPr>
+      <p:cxnSp>
+        <p:nvCxnSpPr>
+          <p:cNvPr id="5" name="Connecteur droit 4">
+            <a:extLst>
+              <a:ext uri="{FF2B5EF4-FFF2-40B4-BE49-F238E27FC236}">
+                <a16:creationId xmlns:a16="http://schemas.microsoft.com/office/drawing/2014/main" id="{6BA1C083-D248-97D5-CA5F-79457E13BFE4}"/>
+              </a:ext>
+            </a:extLst>
+          </p:cNvPr>
+          <p:cNvCxnSpPr/>
+          <p:nvPr/>
+        </p:nvCxnSpPr>
+        <p:spPr>
+          <a:xfrm>
+            <a:off x="1130709" y="0"/>
+            <a:ext cx="0" cy="6858000"/>
+          </a:xfrm>
+          <a:prstGeom prst="line">
+            <a:avLst/>
+          </a:prstGeom>
+          <a:ln w="76200">
+            <a:solidFill>
+              <a:srgbClr val="FF0000"/>
+            </a:solidFill>
+          </a:ln>
+        </p:spPr>
+        <p:style>
+          <a:lnRef idx="1">
+            <a:schemeClr val="accent1"/>
+          </a:lnRef>
+          <a:fillRef idx="0">
+            <a:schemeClr val="accent1"/>
+          </a:fillRef>
+          <a:effectRef idx="0">
+            <a:schemeClr val="accent1"/>
+          </a:effectRef>
+          <a:fontRef idx="minor">
+            <a:schemeClr val="tx1"/>
+          </a:fontRef>
+        </p:style>
+      </p:cxnSp>
+      <p:cxnSp>
+        <p:nvCxnSpPr>
+          <p:cNvPr id="6" name="Connecteur droit 5">
+            <a:extLst>
+              <a:ext uri="{FF2B5EF4-FFF2-40B4-BE49-F238E27FC236}">
+                <a16:creationId xmlns:a16="http://schemas.microsoft.com/office/drawing/2014/main" id="{9F0D35F7-1689-EEA0-201D-6967F0AEB18E}"/>
+              </a:ext>
+            </a:extLst>
+          </p:cNvPr>
+          <p:cNvCxnSpPr/>
+          <p:nvPr/>
+        </p:nvCxnSpPr>
+        <p:spPr>
+          <a:xfrm>
+            <a:off x="1440426" y="0"/>
+            <a:ext cx="0" cy="6858000"/>
+          </a:xfrm>
+          <a:prstGeom prst="line">
+            <a:avLst/>
+          </a:prstGeom>
+          <a:ln w="76200">
+            <a:solidFill>
+              <a:srgbClr val="FF0000"/>
+            </a:solidFill>
+          </a:ln>
+        </p:spPr>
+        <p:style>
+          <a:lnRef idx="1">
+            <a:schemeClr val="accent1"/>
+          </a:lnRef>
+          <a:fillRef idx="0">
+            <a:schemeClr val="accent1"/>
+          </a:fillRef>
+          <a:effectRef idx="0">
+            <a:schemeClr val="accent1"/>
+          </a:effectRef>
+          <a:fontRef idx="minor">
+            <a:schemeClr val="tx1"/>
+          </a:fontRef>
+        </p:style>
+      </p:cxnSp>
+      <p:sp>
+        <p:nvSpPr>
+          <p:cNvPr id="7" name="ZoneTexte 6">
+            <a:extLst>
+              <a:ext uri="{FF2B5EF4-FFF2-40B4-BE49-F238E27FC236}">
+                <a16:creationId xmlns:a16="http://schemas.microsoft.com/office/drawing/2014/main" id="{2694AFFC-CFCE-2755-82D8-A81ECB0ECB73}"/>
+              </a:ext>
+            </a:extLst>
+          </p:cNvPr>
+          <p:cNvSpPr txBox="1"/>
+          <p:nvPr/>
+        </p:nvSpPr>
+        <p:spPr>
+          <a:xfrm>
+            <a:off x="1848754" y="475130"/>
+            <a:ext cx="7888940" cy="646331"/>
+          </a:xfrm>
+          <a:prstGeom prst="rect">
+            <a:avLst/>
+          </a:prstGeom>
+          <a:noFill/>
+        </p:spPr>
+        <p:txBody>
+          <a:bodyPr wrap="square" rtlCol="0">
+            <a:spAutoFit/>
+          </a:bodyPr>
+          <a:lstStyle/>
+          <a:p>
+            <a:r>
+              <a:rPr lang="fr-FR" sz="3600" b="1" dirty="0">
+                <a:solidFill>
+                  <a:schemeClr val="bg1"/>
+                </a:solidFill>
+                <a:latin typeface="Microsoft JhengHei Light" panose="020B0304030504040204" pitchFamily="34" charset="-120"/>
+                <a:ea typeface="Microsoft JhengHei Light" panose="020B0304030504040204" pitchFamily="34" charset="-120"/>
+              </a:rPr>
+              <a:t>2.17) </a:t>
+            </a:r>
+            <a:r>
+              <a:rPr lang="fr-FR" sz="3600" b="1" u="sng" dirty="0">
+                <a:solidFill>
+                  <a:schemeClr val="bg1"/>
+                </a:solidFill>
+                <a:latin typeface="Microsoft JhengHei Light" panose="020B0304030504040204" pitchFamily="34" charset="-120"/>
+                <a:ea typeface="Microsoft JhengHei Light" panose="020B0304030504040204" pitchFamily="34" charset="-120"/>
+              </a:rPr>
+              <a:t>Les tests de récupération</a:t>
+            </a:r>
+            <a:r>
+              <a:rPr lang="fr-FR" sz="3600" b="1" dirty="0">
+                <a:solidFill>
+                  <a:schemeClr val="bg1"/>
+                </a:solidFill>
+                <a:latin typeface="Microsoft JhengHei Light" panose="020B0304030504040204" pitchFamily="34" charset="-120"/>
+                <a:ea typeface="Microsoft JhengHei Light" panose="020B0304030504040204" pitchFamily="34" charset="-120"/>
+              </a:rPr>
+              <a:t> :</a:t>
+            </a:r>
+          </a:p>
+        </p:txBody>
+      </p:sp>
+      <p:sp>
+        <p:nvSpPr>
+          <p:cNvPr id="2" name="ZoneTexte 1">
+            <a:extLst>
+              <a:ext uri="{FF2B5EF4-FFF2-40B4-BE49-F238E27FC236}">
+                <a16:creationId xmlns:a16="http://schemas.microsoft.com/office/drawing/2014/main" id="{E16249ED-64CF-F03A-1AF8-182CB261A0AC}"/>
+              </a:ext>
+            </a:extLst>
+          </p:cNvPr>
+          <p:cNvSpPr txBox="1"/>
+          <p:nvPr/>
+        </p:nvSpPr>
+        <p:spPr>
+          <a:xfrm>
+            <a:off x="1848754" y="1775012"/>
+            <a:ext cx="2662516" cy="369332"/>
+          </a:xfrm>
+          <a:prstGeom prst="rect">
+            <a:avLst/>
+          </a:prstGeom>
+          <a:noFill/>
+        </p:spPr>
+        <p:txBody>
+          <a:bodyPr wrap="square" rtlCol="0">
+            <a:spAutoFit/>
+          </a:bodyPr>
+          <a:lstStyle/>
+          <a:p>
+            <a:r>
+              <a:rPr lang="fr-FR" b="1" dirty="0">
+                <a:solidFill>
+                  <a:schemeClr val="bg1"/>
+                </a:solidFill>
+                <a:latin typeface="Microsoft JhengHei Light" panose="020B0304030504040204" pitchFamily="34" charset="-120"/>
+                <a:ea typeface="Microsoft JhengHei Light" panose="020B0304030504040204" pitchFamily="34" charset="-120"/>
+              </a:rPr>
+              <a:t>* </a:t>
+            </a:r>
+            <a:r>
+              <a:rPr lang="fr-FR" b="1" u="sng" dirty="0">
+                <a:solidFill>
+                  <a:schemeClr val="bg1"/>
+                </a:solidFill>
+                <a:latin typeface="Microsoft JhengHei Light" panose="020B0304030504040204" pitchFamily="34" charset="-120"/>
+                <a:ea typeface="Microsoft JhengHei Light" panose="020B0304030504040204" pitchFamily="34" charset="-120"/>
+              </a:rPr>
+              <a:t>Définition</a:t>
+            </a:r>
+            <a:r>
+              <a:rPr lang="fr-FR" b="1" dirty="0">
+                <a:solidFill>
+                  <a:schemeClr val="bg1"/>
+                </a:solidFill>
+                <a:latin typeface="Microsoft JhengHei Light" panose="020B0304030504040204" pitchFamily="34" charset="-120"/>
+                <a:ea typeface="Microsoft JhengHei Light" panose="020B0304030504040204" pitchFamily="34" charset="-120"/>
+              </a:rPr>
+              <a:t> :</a:t>
+            </a:r>
+          </a:p>
+        </p:txBody>
+      </p:sp>
+      <p:sp>
+        <p:nvSpPr>
+          <p:cNvPr id="3" name="ZoneTexte 2">
+            <a:extLst>
+              <a:ext uri="{FF2B5EF4-FFF2-40B4-BE49-F238E27FC236}">
+                <a16:creationId xmlns:a16="http://schemas.microsoft.com/office/drawing/2014/main" id="{E9E0C286-F2C7-2F6A-EF2E-378F014366A0}"/>
+              </a:ext>
+            </a:extLst>
+          </p:cNvPr>
+          <p:cNvSpPr txBox="1"/>
+          <p:nvPr/>
+        </p:nvSpPr>
+        <p:spPr>
+          <a:xfrm>
+            <a:off x="1936377" y="3021106"/>
+            <a:ext cx="10031506" cy="369332"/>
+          </a:xfrm>
+          <a:prstGeom prst="rect">
+            <a:avLst/>
+          </a:prstGeom>
+          <a:noFill/>
+        </p:spPr>
+        <p:txBody>
+          <a:bodyPr wrap="square" rtlCol="0">
+            <a:spAutoFit/>
+          </a:bodyPr>
+          <a:lstStyle/>
+          <a:p>
+            <a:r>
+              <a:rPr lang="fr-FR" dirty="0">
+                <a:solidFill>
+                  <a:schemeClr val="bg1"/>
+                </a:solidFill>
+                <a:latin typeface="Microsoft JhengHei Light" panose="020B0304030504040204" pitchFamily="34" charset="-120"/>
+                <a:ea typeface="Microsoft JhengHei Light" panose="020B0304030504040204" pitchFamily="34" charset="-120"/>
+              </a:rPr>
+              <a:t> </a:t>
+            </a:r>
+          </a:p>
+        </p:txBody>
+      </p:sp>
+      <p:sp>
+        <p:nvSpPr>
+          <p:cNvPr id="4" name="ZoneTexte 3">
+            <a:extLst>
+              <a:ext uri="{FF2B5EF4-FFF2-40B4-BE49-F238E27FC236}">
+                <a16:creationId xmlns:a16="http://schemas.microsoft.com/office/drawing/2014/main" id="{E2E054AE-84CC-514A-F197-84D726E54F52}"/>
+              </a:ext>
+            </a:extLst>
+          </p:cNvPr>
+          <p:cNvSpPr txBox="1"/>
+          <p:nvPr/>
+        </p:nvSpPr>
+        <p:spPr>
+          <a:xfrm>
+            <a:off x="1848754" y="2797895"/>
+            <a:ext cx="10031504" cy="923330"/>
+          </a:xfrm>
+          <a:prstGeom prst="rect">
+            <a:avLst/>
+          </a:prstGeom>
+          <a:noFill/>
+        </p:spPr>
+        <p:txBody>
+          <a:bodyPr wrap="square" rtlCol="0">
+            <a:spAutoFit/>
+          </a:bodyPr>
+          <a:lstStyle/>
+          <a:p>
+            <a:pPr algn="just"/>
+            <a:r>
+              <a:rPr lang="fr-FR" dirty="0">
+                <a:solidFill>
+                  <a:schemeClr val="bg1"/>
+                </a:solidFill>
+                <a:latin typeface="Microsoft JhengHei Light" panose="020B0304030504040204" pitchFamily="34" charset="-120"/>
+                <a:ea typeface="Microsoft JhengHei Light" panose="020B0304030504040204" pitchFamily="34" charset="-120"/>
+              </a:rPr>
+              <a:t>Le test de récupération selon l’ISTQB est un type de test qui consiste à tester un programme préalablement testé suite à une modification, pour s’assurer que aucun défaut ne se sont pas introduits ou a été découverts dans les parties non modifiées du logiciel (ou application).</a:t>
+            </a:r>
+          </a:p>
+        </p:txBody>
+      </p:sp>
+    </p:spTree>
+    <p:extLst>
+      <p:ext uri="{BB962C8B-B14F-4D97-AF65-F5344CB8AC3E}">
+        <p14:creationId xmlns:p14="http://schemas.microsoft.com/office/powerpoint/2010/main" val="3000832097"/>
+      </p:ext>
+    </p:extLst>
+  </p:cSld>
+  <p:clrMapOvr>
+    <a:masterClrMapping/>
+  </p:clrMapOvr>
+  <p:timing>
+    <p:tnLst>
+      <p:par>
+        <p:cTn id="1" dur="indefinite" restart="never" nodeType="tmRoot">
+          <p:childTnLst>
+            <p:seq concurrent="1" nextAc="seek">
+              <p:cTn id="2" dur="indefinite" nodeType="mainSeq">
+                <p:childTnLst>
+                  <p:par>
+                    <p:cTn id="3" fill="hold">
+                      <p:stCondLst>
+                        <p:cond delay="indefinite"/>
+                        <p:cond evt="onBegin" delay="0">
+                          <p:tn val="2"/>
+                        </p:cond>
+                      </p:stCondLst>
+                      <p:childTnLst>
+                        <p:par>
+                          <p:cTn id="4" fill="hold">
+                            <p:stCondLst>
+                              <p:cond delay="0"/>
+                            </p:stCondLst>
+                            <p:childTnLst>
+                              <p:par>
+                                <p:cTn id="5" presetID="10" presetClass="entr" presetSubtype="0" fill="hold" nodeType="withEffect">
+                                  <p:stCondLst>
+                                    <p:cond delay="0"/>
+                                  </p:stCondLst>
+                                  <p:childTnLst>
+                                    <p:set>
+                                      <p:cBhvr>
+                                        <p:cTn id="6" dur="1" fill="hold">
+                                          <p:stCondLst>
+                                            <p:cond delay="0"/>
+                                          </p:stCondLst>
+                                        </p:cTn>
+                                        <p:tgtEl>
+                                          <p:spTgt spid="5"/>
+                                        </p:tgtEl>
+                                        <p:attrNameLst>
+                                          <p:attrName>style.visibility</p:attrName>
+                                        </p:attrNameLst>
+                                      </p:cBhvr>
+                                      <p:to>
+                                        <p:strVal val="visible"/>
+                                      </p:to>
+                                    </p:set>
+                                    <p:animEffect transition="in" filter="fade">
+                                      <p:cBhvr>
+                                        <p:cTn id="7" dur="300"/>
+                                        <p:tgtEl>
+                                          <p:spTgt spid="5"/>
+                                        </p:tgtEl>
+                                      </p:cBhvr>
+                                    </p:animEffect>
+                                  </p:childTnLst>
+                                </p:cTn>
+                              </p:par>
+                            </p:childTnLst>
+                          </p:cTn>
+                        </p:par>
+                        <p:par>
+                          <p:cTn id="8" fill="hold">
+                            <p:stCondLst>
+                              <p:cond delay="300"/>
+                            </p:stCondLst>
+                            <p:childTnLst>
+                              <p:par>
+                                <p:cTn id="9" presetID="10" presetClass="entr" presetSubtype="0" fill="hold" nodeType="afterEffect">
+                                  <p:stCondLst>
+                                    <p:cond delay="0"/>
+                                  </p:stCondLst>
+                                  <p:childTnLst>
+                                    <p:set>
+                                      <p:cBhvr>
+                                        <p:cTn id="10" dur="1" fill="hold">
+                                          <p:stCondLst>
+                                            <p:cond delay="0"/>
+                                          </p:stCondLst>
+                                        </p:cTn>
+                                        <p:tgtEl>
+                                          <p:spTgt spid="6"/>
+                                        </p:tgtEl>
+                                        <p:attrNameLst>
+                                          <p:attrName>style.visibility</p:attrName>
+                                        </p:attrNameLst>
+                                      </p:cBhvr>
+                                      <p:to>
+                                        <p:strVal val="visible"/>
+                                      </p:to>
+                                    </p:set>
+                                    <p:animEffect transition="in" filter="fade">
+                                      <p:cBhvr>
+                                        <p:cTn id="11" dur="500"/>
+                                        <p:tgtEl>
+                                          <p:spTgt spid="6"/>
+                                        </p:tgtEl>
+                                      </p:cBhvr>
+                                    </p:animEffect>
+                                  </p:childTnLst>
+                                </p:cTn>
+                              </p:par>
+                            </p:childTnLst>
+                          </p:cTn>
+                        </p:par>
+                      </p:childTnLst>
+                    </p:cTn>
+                  </p:par>
+                  <p:par>
+                    <p:cTn id="12" fill="hold">
+                      <p:stCondLst>
+                        <p:cond delay="indefinite"/>
+                      </p:stCondLst>
+                      <p:childTnLst>
+                        <p:par>
+                          <p:cTn id="13" fill="hold">
+                            <p:stCondLst>
+                              <p:cond delay="0"/>
+                            </p:stCondLst>
+                            <p:childTnLst>
+                              <p:par>
+                                <p:cTn id="14" presetID="42" presetClass="entr" presetSubtype="0" fill="hold" grpId="0" nodeType="clickEffect">
+                                  <p:stCondLst>
+                                    <p:cond delay="0"/>
+                                  </p:stCondLst>
+                                  <p:childTnLst>
+                                    <p:set>
+                                      <p:cBhvr>
+                                        <p:cTn id="15" dur="1" fill="hold">
+                                          <p:stCondLst>
+                                            <p:cond delay="0"/>
+                                          </p:stCondLst>
+                                        </p:cTn>
+                                        <p:tgtEl>
+                                          <p:spTgt spid="7"/>
+                                        </p:tgtEl>
+                                        <p:attrNameLst>
+                                          <p:attrName>style.visibility</p:attrName>
+                                        </p:attrNameLst>
+                                      </p:cBhvr>
+                                      <p:to>
+                                        <p:strVal val="visible"/>
+                                      </p:to>
+                                    </p:set>
+                                    <p:animEffect transition="in" filter="fade">
+                                      <p:cBhvr>
+                                        <p:cTn id="16" dur="1000"/>
+                                        <p:tgtEl>
+                                          <p:spTgt spid="7"/>
+                                        </p:tgtEl>
+                                      </p:cBhvr>
+                                    </p:animEffect>
+                                    <p:anim calcmode="lin" valueType="num">
+                                      <p:cBhvr>
+                                        <p:cTn id="17" dur="1000" fill="hold"/>
+                                        <p:tgtEl>
+                                          <p:spTgt spid="7"/>
+                                        </p:tgtEl>
+                                        <p:attrNameLst>
+                                          <p:attrName>ppt_x</p:attrName>
+                                        </p:attrNameLst>
+                                      </p:cBhvr>
+                                      <p:tavLst>
+                                        <p:tav tm="0">
+                                          <p:val>
+                                            <p:strVal val="#ppt_x"/>
+                                          </p:val>
+                                        </p:tav>
+                                        <p:tav tm="100000">
+                                          <p:val>
+                                            <p:strVal val="#ppt_x"/>
+                                          </p:val>
+                                        </p:tav>
+                                      </p:tavLst>
+                                    </p:anim>
+                                    <p:anim calcmode="lin" valueType="num">
+                                      <p:cBhvr>
+                                        <p:cTn id="18" dur="1000" fill="hold"/>
+                                        <p:tgtEl>
+                                          <p:spTgt spid="7"/>
+                                        </p:tgtEl>
+                                        <p:attrNameLst>
+                                          <p:attrName>ppt_y</p:attrName>
+                                        </p:attrNameLst>
+                                      </p:cBhvr>
+                                      <p:tavLst>
+                                        <p:tav tm="0">
+                                          <p:val>
+                                            <p:strVal val="#ppt_y+.1"/>
+                                          </p:val>
+                                        </p:tav>
+                                        <p:tav tm="100000">
+                                          <p:val>
+                                            <p:strVal val="#ppt_y"/>
+                                          </p:val>
+                                        </p:tav>
+                                      </p:tavLst>
+                                    </p:anim>
+                                  </p:childTnLst>
+                                </p:cTn>
+                              </p:par>
+                            </p:childTnLst>
+                          </p:cTn>
+                        </p:par>
+                      </p:childTnLst>
+                    </p:cTn>
+                  </p:par>
+                  <p:par>
+                    <p:cTn id="19" fill="hold">
+                      <p:stCondLst>
+                        <p:cond delay="indefinite"/>
+                      </p:stCondLst>
+                      <p:childTnLst>
+                        <p:par>
+                          <p:cTn id="20" fill="hold">
+                            <p:stCondLst>
+                              <p:cond delay="0"/>
+                            </p:stCondLst>
+                            <p:childTnLst>
+                              <p:par>
+                                <p:cTn id="21" presetID="10" presetClass="entr" presetSubtype="0" fill="hold" grpId="0" nodeType="clickEffect">
+                                  <p:stCondLst>
+                                    <p:cond delay="0"/>
+                                  </p:stCondLst>
+                                  <p:childTnLst>
+                                    <p:set>
+                                      <p:cBhvr>
+                                        <p:cTn id="22" dur="1" fill="hold">
+                                          <p:stCondLst>
+                                            <p:cond delay="0"/>
+                                          </p:stCondLst>
+                                        </p:cTn>
+                                        <p:tgtEl>
+                                          <p:spTgt spid="2"/>
+                                        </p:tgtEl>
+                                        <p:attrNameLst>
+                                          <p:attrName>style.visibility</p:attrName>
+                                        </p:attrNameLst>
+                                      </p:cBhvr>
+                                      <p:to>
+                                        <p:strVal val="visible"/>
+                                      </p:to>
+                                    </p:set>
+                                    <p:animEffect transition="in" filter="fade">
+                                      <p:cBhvr>
+                                        <p:cTn id="23" dur="500"/>
+                                        <p:tgtEl>
+                                          <p:spTgt spid="2"/>
+                                        </p:tgtEl>
+                                      </p:cBhvr>
+                                    </p:animEffect>
+                                  </p:childTnLst>
+                                </p:cTn>
+                              </p:par>
+                              <p:par>
+                                <p:cTn id="24" presetID="10" presetClass="entr" presetSubtype="0" fill="hold" grpId="0" nodeType="withEffect">
+                                  <p:stCondLst>
+                                    <p:cond delay="0"/>
+                                  </p:stCondLst>
+                                  <p:childTnLst>
+                                    <p:set>
+                                      <p:cBhvr>
+                                        <p:cTn id="25" dur="1" fill="hold">
+                                          <p:stCondLst>
+                                            <p:cond delay="0"/>
+                                          </p:stCondLst>
+                                        </p:cTn>
+                                        <p:tgtEl>
+                                          <p:spTgt spid="4"/>
+                                        </p:tgtEl>
+                                        <p:attrNameLst>
+                                          <p:attrName>style.visibility</p:attrName>
+                                        </p:attrNameLst>
+                                      </p:cBhvr>
+                                      <p:to>
+                                        <p:strVal val="visible"/>
+                                      </p:to>
+                                    </p:set>
+                                    <p:animEffect transition="in" filter="fade">
+                                      <p:cBhvr>
+                                        <p:cTn id="26" dur="500"/>
+                                        <p:tgtEl>
+                                          <p:spTgt spid="4"/>
+                                        </p:tgtEl>
+                                      </p:cBhvr>
+                                    </p:animEffect>
+                                  </p:childTnLst>
+                                </p:cTn>
+                              </p:par>
+                            </p:childTnLst>
+                          </p:cTn>
+                        </p:par>
+                      </p:childTnLst>
+                    </p:cTn>
+                  </p:par>
+                </p:childTnLst>
+              </p:cTn>
+              <p:prevCondLst>
+                <p:cond evt="onPrev" delay="0">
+                  <p:tgtEl>
+                    <p:sldTgt/>
+                  </p:tgtEl>
+                </p:cond>
+              </p:prevCondLst>
+              <p:nextCondLst>
+                <p:cond evt="onNext" delay="0">
+                  <p:tgtEl>
+                    <p:sldTgt/>
+                  </p:tgtEl>
+                </p:cond>
+              </p:nextCondLst>
+            </p:seq>
+          </p:childTnLst>
+        </p:cTn>
+      </p:par>
+    </p:tnLst>
+    <p:bldLst>
+      <p:bldP spid="7" grpId="0"/>
+      <p:bldP spid="2" grpId="0"/>
+      <p:bldP spid="4" grpId="0"/>
+    </p:bldLst>
   </p:timing>
 </p:sld>
 </file>
@@ -12198,6 +17557,884 @@
           <a:chExt cx="0" cy="0"/>
         </a:xfrm>
       </p:grpSpPr>
+      <p:cxnSp>
+        <p:nvCxnSpPr>
+          <p:cNvPr id="3" name="Connecteur droit 2">
+            <a:extLst>
+              <a:ext uri="{FF2B5EF4-FFF2-40B4-BE49-F238E27FC236}">
+                <a16:creationId xmlns:a16="http://schemas.microsoft.com/office/drawing/2014/main" id="{F445ECC1-8171-556F-3E80-633C548265B1}"/>
+              </a:ext>
+            </a:extLst>
+          </p:cNvPr>
+          <p:cNvCxnSpPr/>
+          <p:nvPr/>
+        </p:nvCxnSpPr>
+        <p:spPr>
+          <a:xfrm>
+            <a:off x="726141" y="0"/>
+            <a:ext cx="0" cy="6858000"/>
+          </a:xfrm>
+          <a:prstGeom prst="line">
+            <a:avLst/>
+          </a:prstGeom>
+          <a:ln w="76200">
+            <a:solidFill>
+              <a:srgbClr val="FF0000"/>
+            </a:solidFill>
+          </a:ln>
+        </p:spPr>
+        <p:style>
+          <a:lnRef idx="1">
+            <a:schemeClr val="accent1"/>
+          </a:lnRef>
+          <a:fillRef idx="0">
+            <a:schemeClr val="accent1"/>
+          </a:fillRef>
+          <a:effectRef idx="0">
+            <a:schemeClr val="accent1"/>
+          </a:effectRef>
+          <a:fontRef idx="minor">
+            <a:schemeClr val="tx1"/>
+          </a:fontRef>
+        </p:style>
+      </p:cxnSp>
+      <p:cxnSp>
+        <p:nvCxnSpPr>
+          <p:cNvPr id="4" name="Connecteur droit 3">
+            <a:extLst>
+              <a:ext uri="{FF2B5EF4-FFF2-40B4-BE49-F238E27FC236}">
+                <a16:creationId xmlns:a16="http://schemas.microsoft.com/office/drawing/2014/main" id="{534422A7-375B-1A72-3F5C-D6ABE5EF0762}"/>
+              </a:ext>
+            </a:extLst>
+          </p:cNvPr>
+          <p:cNvCxnSpPr/>
+          <p:nvPr/>
+        </p:nvCxnSpPr>
+        <p:spPr>
+          <a:xfrm>
+            <a:off x="1021976" y="0"/>
+            <a:ext cx="0" cy="6858000"/>
+          </a:xfrm>
+          <a:prstGeom prst="line">
+            <a:avLst/>
+          </a:prstGeom>
+          <a:ln w="76200">
+            <a:solidFill>
+              <a:srgbClr val="FF0000"/>
+            </a:solidFill>
+          </a:ln>
+        </p:spPr>
+        <p:style>
+          <a:lnRef idx="1">
+            <a:schemeClr val="accent1"/>
+          </a:lnRef>
+          <a:fillRef idx="0">
+            <a:schemeClr val="accent1"/>
+          </a:fillRef>
+          <a:effectRef idx="0">
+            <a:schemeClr val="accent1"/>
+          </a:effectRef>
+          <a:fontRef idx="minor">
+            <a:schemeClr val="tx1"/>
+          </a:fontRef>
+        </p:style>
+      </p:cxnSp>
+      <p:sp>
+        <p:nvSpPr>
+          <p:cNvPr id="5" name="ZoneTexte 4">
+            <a:extLst>
+              <a:ext uri="{FF2B5EF4-FFF2-40B4-BE49-F238E27FC236}">
+                <a16:creationId xmlns:a16="http://schemas.microsoft.com/office/drawing/2014/main" id="{D835D9D8-65B5-C3E3-89FE-310B9EBE63E6}"/>
+              </a:ext>
+            </a:extLst>
+          </p:cNvPr>
+          <p:cNvSpPr txBox="1"/>
+          <p:nvPr/>
+        </p:nvSpPr>
+        <p:spPr>
+          <a:xfrm>
+            <a:off x="1407460" y="600636"/>
+            <a:ext cx="9959788" cy="646331"/>
+          </a:xfrm>
+          <a:prstGeom prst="rect">
+            <a:avLst/>
+          </a:prstGeom>
+          <a:noFill/>
+        </p:spPr>
+        <p:txBody>
+          <a:bodyPr wrap="square" rtlCol="0">
+            <a:spAutoFit/>
+          </a:bodyPr>
+          <a:lstStyle/>
+          <a:p>
+            <a:r>
+              <a:rPr lang="fr-FR" sz="3600" b="1" u="sng" dirty="0">
+                <a:solidFill>
+                  <a:schemeClr val="bg1"/>
+                </a:solidFill>
+                <a:latin typeface="Microsoft JhengHei Light" panose="020B0304030504040204" pitchFamily="34" charset="-120"/>
+                <a:ea typeface="Microsoft JhengHei Light" panose="020B0304030504040204" pitchFamily="34" charset="-120"/>
+              </a:rPr>
+              <a:t>Qu’est ce qu’un processus de test</a:t>
+            </a:r>
+            <a:r>
+              <a:rPr lang="fr-FR" sz="3600" b="1" dirty="0">
+                <a:solidFill>
+                  <a:schemeClr val="bg1"/>
+                </a:solidFill>
+                <a:latin typeface="Microsoft JhengHei Light" panose="020B0304030504040204" pitchFamily="34" charset="-120"/>
+                <a:ea typeface="Microsoft JhengHei Light" panose="020B0304030504040204" pitchFamily="34" charset="-120"/>
+              </a:rPr>
+              <a:t> :</a:t>
+            </a:r>
+            <a:endParaRPr lang="fr-FR" sz="3600" b="1" u="sng" dirty="0">
+              <a:solidFill>
+                <a:schemeClr val="bg1"/>
+              </a:solidFill>
+              <a:latin typeface="Microsoft JhengHei Light" panose="020B0304030504040204" pitchFamily="34" charset="-120"/>
+              <a:ea typeface="Microsoft JhengHei Light" panose="020B0304030504040204" pitchFamily="34" charset="-120"/>
+            </a:endParaRPr>
+          </a:p>
+        </p:txBody>
+      </p:sp>
+      <p:sp>
+        <p:nvSpPr>
+          <p:cNvPr id="6" name="ZoneTexte 5">
+            <a:extLst>
+              <a:ext uri="{FF2B5EF4-FFF2-40B4-BE49-F238E27FC236}">
+                <a16:creationId xmlns:a16="http://schemas.microsoft.com/office/drawing/2014/main" id="{BE2FE53F-42A7-7913-FBF5-47FDAECC102F}"/>
+              </a:ext>
+            </a:extLst>
+          </p:cNvPr>
+          <p:cNvSpPr txBox="1"/>
+          <p:nvPr/>
+        </p:nvSpPr>
+        <p:spPr>
+          <a:xfrm>
+            <a:off x="1407460" y="1864659"/>
+            <a:ext cx="10354232" cy="3416320"/>
+          </a:xfrm>
+          <a:prstGeom prst="rect">
+            <a:avLst/>
+          </a:prstGeom>
+          <a:noFill/>
+        </p:spPr>
+        <p:txBody>
+          <a:bodyPr wrap="square" rtlCol="0">
+            <a:spAutoFit/>
+          </a:bodyPr>
+          <a:lstStyle/>
+          <a:p>
+            <a:pPr algn="just"/>
+            <a:r>
+              <a:rPr lang="fr-FR" dirty="0">
+                <a:solidFill>
+                  <a:schemeClr val="bg1"/>
+                </a:solidFill>
+                <a:latin typeface="Microsoft JhengHei Light" panose="020B0304030504040204" pitchFamily="34" charset="-120"/>
+                <a:ea typeface="Microsoft JhengHei Light" panose="020B0304030504040204" pitchFamily="34" charset="-120"/>
+              </a:rPr>
+              <a:t>Le processus de test en ISTQB, est un ensemble d’activités visant à analyser, vérifier, et valider un élément du logiciel ou de l’application.</a:t>
+            </a:r>
+          </a:p>
+          <a:p>
+            <a:pPr algn="just"/>
+            <a:endParaRPr lang="fr-FR" dirty="0">
+              <a:solidFill>
+                <a:schemeClr val="bg1"/>
+              </a:solidFill>
+              <a:latin typeface="Microsoft JhengHei Light" panose="020B0304030504040204" pitchFamily="34" charset="-120"/>
+              <a:ea typeface="Microsoft JhengHei Light" panose="020B0304030504040204" pitchFamily="34" charset="-120"/>
+            </a:endParaRPr>
+          </a:p>
+          <a:p>
+            <a:pPr algn="just"/>
+            <a:r>
+              <a:rPr lang="fr-FR" dirty="0">
+                <a:solidFill>
+                  <a:schemeClr val="bg1"/>
+                </a:solidFill>
+                <a:latin typeface="Microsoft JhengHei Light" panose="020B0304030504040204" pitchFamily="34" charset="-120"/>
+                <a:ea typeface="Microsoft JhengHei Light" panose="020B0304030504040204" pitchFamily="34" charset="-120"/>
+              </a:rPr>
+              <a:t>Le processus de test comprend néanmoins plusieurs phases comme par exemple :</a:t>
+            </a:r>
+          </a:p>
+          <a:p>
+            <a:pPr algn="just"/>
+            <a:r>
+              <a:rPr lang="fr-FR" dirty="0">
+                <a:solidFill>
+                  <a:schemeClr val="bg1"/>
+                </a:solidFill>
+                <a:latin typeface="Microsoft JhengHei Light" panose="020B0304030504040204" pitchFamily="34" charset="-120"/>
+                <a:ea typeface="Microsoft JhengHei Light" panose="020B0304030504040204" pitchFamily="34" charset="-120"/>
+              </a:rPr>
+              <a:t>		</a:t>
+            </a:r>
+          </a:p>
+          <a:p>
+            <a:pPr algn="just"/>
+            <a:r>
+              <a:rPr lang="fr-FR" dirty="0">
+                <a:solidFill>
+                  <a:schemeClr val="bg1"/>
+                </a:solidFill>
+                <a:latin typeface="Microsoft JhengHei Light" panose="020B0304030504040204" pitchFamily="34" charset="-120"/>
+                <a:ea typeface="Microsoft JhengHei Light" panose="020B0304030504040204" pitchFamily="34" charset="-120"/>
+              </a:rPr>
+              <a:t>	* Planification des tests (définition des objectifs, les ressources et les stratégies des tests)</a:t>
+            </a:r>
+          </a:p>
+          <a:p>
+            <a:pPr algn="just"/>
+            <a:r>
+              <a:rPr lang="fr-FR" dirty="0">
+                <a:solidFill>
+                  <a:schemeClr val="bg1"/>
+                </a:solidFill>
+                <a:latin typeface="Microsoft JhengHei Light" panose="020B0304030504040204" pitchFamily="34" charset="-120"/>
+                <a:ea typeface="Microsoft JhengHei Light" panose="020B0304030504040204" pitchFamily="34" charset="-120"/>
+              </a:rPr>
+              <a:t>	* Suivi et contrôle des tests (métrique de l’avancement, la qualité des risques…)</a:t>
+            </a:r>
+          </a:p>
+          <a:p>
+            <a:pPr algn="just"/>
+            <a:r>
+              <a:rPr lang="fr-FR" dirty="0">
+                <a:solidFill>
+                  <a:schemeClr val="bg1"/>
+                </a:solidFill>
+                <a:latin typeface="Microsoft JhengHei Light" panose="020B0304030504040204" pitchFamily="34" charset="-120"/>
+                <a:ea typeface="Microsoft JhengHei Light" panose="020B0304030504040204" pitchFamily="34" charset="-120"/>
+              </a:rPr>
+              <a:t>	* Analyse des tests (identification des exigences et des critères de tests)</a:t>
+            </a:r>
+          </a:p>
+          <a:p>
+            <a:pPr algn="just"/>
+            <a:r>
+              <a:rPr lang="fr-FR" dirty="0">
+                <a:solidFill>
+                  <a:schemeClr val="bg1"/>
+                </a:solidFill>
+                <a:latin typeface="Microsoft JhengHei Light" panose="020B0304030504040204" pitchFamily="34" charset="-120"/>
+                <a:ea typeface="Microsoft JhengHei Light" panose="020B0304030504040204" pitchFamily="34" charset="-120"/>
+              </a:rPr>
+              <a:t>	* Conception des tests (élaborer des cas de test et leurs procédures)</a:t>
+            </a:r>
+          </a:p>
+          <a:p>
+            <a:pPr algn="just"/>
+            <a:r>
+              <a:rPr lang="fr-FR" dirty="0">
+                <a:solidFill>
+                  <a:schemeClr val="bg1"/>
+                </a:solidFill>
+                <a:latin typeface="Microsoft JhengHei Light" panose="020B0304030504040204" pitchFamily="34" charset="-120"/>
+                <a:ea typeface="Microsoft JhengHei Light" panose="020B0304030504040204" pitchFamily="34" charset="-120"/>
+              </a:rPr>
+              <a:t>	* Implémentation des tests (préparation de l’environnement les données et les outils)</a:t>
+            </a:r>
+          </a:p>
+          <a:p>
+            <a:pPr algn="just"/>
+            <a:r>
+              <a:rPr lang="fr-FR" dirty="0">
+                <a:solidFill>
+                  <a:schemeClr val="bg1"/>
+                </a:solidFill>
+                <a:latin typeface="Microsoft JhengHei Light" panose="020B0304030504040204" pitchFamily="34" charset="-120"/>
+                <a:ea typeface="Microsoft JhengHei Light" panose="020B0304030504040204" pitchFamily="34" charset="-120"/>
+              </a:rPr>
+              <a:t>	* Exécution des tests (réalisation des tests et consigner les résultats)</a:t>
+            </a:r>
+          </a:p>
+          <a:p>
+            <a:pPr algn="just"/>
+            <a:r>
+              <a:rPr lang="fr-FR" dirty="0">
+                <a:solidFill>
+                  <a:schemeClr val="bg1"/>
+                </a:solidFill>
+                <a:latin typeface="Microsoft JhengHei Light" panose="020B0304030504040204" pitchFamily="34" charset="-120"/>
+                <a:ea typeface="Microsoft JhengHei Light" panose="020B0304030504040204" pitchFamily="34" charset="-120"/>
+              </a:rPr>
+              <a:t>	* Clôture des tests (évaluer les tests, livrer le produit et clôture du projet du produit)</a:t>
+            </a:r>
+          </a:p>
+        </p:txBody>
+      </p:sp>
+    </p:spTree>
+    <p:extLst>
+      <p:ext uri="{BB962C8B-B14F-4D97-AF65-F5344CB8AC3E}">
+        <p14:creationId xmlns:p14="http://schemas.microsoft.com/office/powerpoint/2010/main" val="1937146991"/>
+      </p:ext>
+    </p:extLst>
+  </p:cSld>
+  <p:clrMapOvr>
+    <a:masterClrMapping/>
+  </p:clrMapOvr>
+  <p:timing>
+    <p:tnLst>
+      <p:par>
+        <p:cTn id="1" dur="indefinite" restart="never" nodeType="tmRoot">
+          <p:childTnLst>
+            <p:seq concurrent="1" nextAc="seek">
+              <p:cTn id="2" dur="indefinite" nodeType="mainSeq">
+                <p:childTnLst>
+                  <p:par>
+                    <p:cTn id="3" fill="hold">
+                      <p:stCondLst>
+                        <p:cond delay="indefinite"/>
+                        <p:cond evt="onBegin" delay="0">
+                          <p:tn val="2"/>
+                        </p:cond>
+                      </p:stCondLst>
+                      <p:childTnLst>
+                        <p:par>
+                          <p:cTn id="4" fill="hold">
+                            <p:stCondLst>
+                              <p:cond delay="0"/>
+                            </p:stCondLst>
+                            <p:childTnLst>
+                              <p:par>
+                                <p:cTn id="5" presetID="10" presetClass="entr" presetSubtype="0" fill="hold" nodeType="withEffect">
+                                  <p:stCondLst>
+                                    <p:cond delay="0"/>
+                                  </p:stCondLst>
+                                  <p:childTnLst>
+                                    <p:set>
+                                      <p:cBhvr>
+                                        <p:cTn id="6" dur="1" fill="hold">
+                                          <p:stCondLst>
+                                            <p:cond delay="0"/>
+                                          </p:stCondLst>
+                                        </p:cTn>
+                                        <p:tgtEl>
+                                          <p:spTgt spid="3"/>
+                                        </p:tgtEl>
+                                        <p:attrNameLst>
+                                          <p:attrName>style.visibility</p:attrName>
+                                        </p:attrNameLst>
+                                      </p:cBhvr>
+                                      <p:to>
+                                        <p:strVal val="visible"/>
+                                      </p:to>
+                                    </p:set>
+                                    <p:animEffect transition="in" filter="fade">
+                                      <p:cBhvr>
+                                        <p:cTn id="7" dur="300"/>
+                                        <p:tgtEl>
+                                          <p:spTgt spid="3"/>
+                                        </p:tgtEl>
+                                      </p:cBhvr>
+                                    </p:animEffect>
+                                  </p:childTnLst>
+                                </p:cTn>
+                              </p:par>
+                            </p:childTnLst>
+                          </p:cTn>
+                        </p:par>
+                        <p:par>
+                          <p:cTn id="8" fill="hold">
+                            <p:stCondLst>
+                              <p:cond delay="300"/>
+                            </p:stCondLst>
+                            <p:childTnLst>
+                              <p:par>
+                                <p:cTn id="9" presetID="10" presetClass="entr" presetSubtype="0" fill="hold" nodeType="afterEffect">
+                                  <p:stCondLst>
+                                    <p:cond delay="0"/>
+                                  </p:stCondLst>
+                                  <p:childTnLst>
+                                    <p:set>
+                                      <p:cBhvr>
+                                        <p:cTn id="10" dur="1" fill="hold">
+                                          <p:stCondLst>
+                                            <p:cond delay="0"/>
+                                          </p:stCondLst>
+                                        </p:cTn>
+                                        <p:tgtEl>
+                                          <p:spTgt spid="4"/>
+                                        </p:tgtEl>
+                                        <p:attrNameLst>
+                                          <p:attrName>style.visibility</p:attrName>
+                                        </p:attrNameLst>
+                                      </p:cBhvr>
+                                      <p:to>
+                                        <p:strVal val="visible"/>
+                                      </p:to>
+                                    </p:set>
+                                    <p:animEffect transition="in" filter="fade">
+                                      <p:cBhvr>
+                                        <p:cTn id="11" dur="300"/>
+                                        <p:tgtEl>
+                                          <p:spTgt spid="4"/>
+                                        </p:tgtEl>
+                                      </p:cBhvr>
+                                    </p:animEffect>
+                                  </p:childTnLst>
+                                </p:cTn>
+                              </p:par>
+                            </p:childTnLst>
+                          </p:cTn>
+                        </p:par>
+                      </p:childTnLst>
+                    </p:cTn>
+                  </p:par>
+                  <p:par>
+                    <p:cTn id="12" fill="hold">
+                      <p:stCondLst>
+                        <p:cond delay="indefinite"/>
+                      </p:stCondLst>
+                      <p:childTnLst>
+                        <p:par>
+                          <p:cTn id="13" fill="hold">
+                            <p:stCondLst>
+                              <p:cond delay="0"/>
+                            </p:stCondLst>
+                            <p:childTnLst>
+                              <p:par>
+                                <p:cTn id="14" presetID="42" presetClass="entr" presetSubtype="0" fill="hold" grpId="0" nodeType="clickEffect">
+                                  <p:stCondLst>
+                                    <p:cond delay="0"/>
+                                  </p:stCondLst>
+                                  <p:childTnLst>
+                                    <p:set>
+                                      <p:cBhvr>
+                                        <p:cTn id="15" dur="1" fill="hold">
+                                          <p:stCondLst>
+                                            <p:cond delay="0"/>
+                                          </p:stCondLst>
+                                        </p:cTn>
+                                        <p:tgtEl>
+                                          <p:spTgt spid="5"/>
+                                        </p:tgtEl>
+                                        <p:attrNameLst>
+                                          <p:attrName>style.visibility</p:attrName>
+                                        </p:attrNameLst>
+                                      </p:cBhvr>
+                                      <p:to>
+                                        <p:strVal val="visible"/>
+                                      </p:to>
+                                    </p:set>
+                                    <p:animEffect transition="in" filter="fade">
+                                      <p:cBhvr>
+                                        <p:cTn id="16" dur="1000"/>
+                                        <p:tgtEl>
+                                          <p:spTgt spid="5"/>
+                                        </p:tgtEl>
+                                      </p:cBhvr>
+                                    </p:animEffect>
+                                    <p:anim calcmode="lin" valueType="num">
+                                      <p:cBhvr>
+                                        <p:cTn id="17" dur="1000" fill="hold"/>
+                                        <p:tgtEl>
+                                          <p:spTgt spid="5"/>
+                                        </p:tgtEl>
+                                        <p:attrNameLst>
+                                          <p:attrName>ppt_x</p:attrName>
+                                        </p:attrNameLst>
+                                      </p:cBhvr>
+                                      <p:tavLst>
+                                        <p:tav tm="0">
+                                          <p:val>
+                                            <p:strVal val="#ppt_x"/>
+                                          </p:val>
+                                        </p:tav>
+                                        <p:tav tm="100000">
+                                          <p:val>
+                                            <p:strVal val="#ppt_x"/>
+                                          </p:val>
+                                        </p:tav>
+                                      </p:tavLst>
+                                    </p:anim>
+                                    <p:anim calcmode="lin" valueType="num">
+                                      <p:cBhvr>
+                                        <p:cTn id="18" dur="1000" fill="hold"/>
+                                        <p:tgtEl>
+                                          <p:spTgt spid="5"/>
+                                        </p:tgtEl>
+                                        <p:attrNameLst>
+                                          <p:attrName>ppt_y</p:attrName>
+                                        </p:attrNameLst>
+                                      </p:cBhvr>
+                                      <p:tavLst>
+                                        <p:tav tm="0">
+                                          <p:val>
+                                            <p:strVal val="#ppt_y+.1"/>
+                                          </p:val>
+                                        </p:tav>
+                                        <p:tav tm="100000">
+                                          <p:val>
+                                            <p:strVal val="#ppt_y"/>
+                                          </p:val>
+                                        </p:tav>
+                                      </p:tavLst>
+                                    </p:anim>
+                                  </p:childTnLst>
+                                </p:cTn>
+                              </p:par>
+                            </p:childTnLst>
+                          </p:cTn>
+                        </p:par>
+                      </p:childTnLst>
+                    </p:cTn>
+                  </p:par>
+                  <p:par>
+                    <p:cTn id="19" fill="hold">
+                      <p:stCondLst>
+                        <p:cond delay="indefinite"/>
+                      </p:stCondLst>
+                      <p:childTnLst>
+                        <p:par>
+                          <p:cTn id="20" fill="hold">
+                            <p:stCondLst>
+                              <p:cond delay="0"/>
+                            </p:stCondLst>
+                            <p:childTnLst>
+                              <p:par>
+                                <p:cTn id="21" presetID="10" presetClass="entr" presetSubtype="0" fill="hold" grpId="0" nodeType="clickEffect">
+                                  <p:stCondLst>
+                                    <p:cond delay="0"/>
+                                  </p:stCondLst>
+                                  <p:childTnLst>
+                                    <p:set>
+                                      <p:cBhvr>
+                                        <p:cTn id="22" dur="1" fill="hold">
+                                          <p:stCondLst>
+                                            <p:cond delay="0"/>
+                                          </p:stCondLst>
+                                        </p:cTn>
+                                        <p:tgtEl>
+                                          <p:spTgt spid="6"/>
+                                        </p:tgtEl>
+                                        <p:attrNameLst>
+                                          <p:attrName>style.visibility</p:attrName>
+                                        </p:attrNameLst>
+                                      </p:cBhvr>
+                                      <p:to>
+                                        <p:strVal val="visible"/>
+                                      </p:to>
+                                    </p:set>
+                                    <p:animEffect transition="in" filter="fade">
+                                      <p:cBhvr>
+                                        <p:cTn id="23" dur="500"/>
+                                        <p:tgtEl>
+                                          <p:spTgt spid="6"/>
+                                        </p:tgtEl>
+                                      </p:cBhvr>
+                                    </p:animEffect>
+                                  </p:childTnLst>
+                                </p:cTn>
+                              </p:par>
+                            </p:childTnLst>
+                          </p:cTn>
+                        </p:par>
+                      </p:childTnLst>
+                    </p:cTn>
+                  </p:par>
+                </p:childTnLst>
+              </p:cTn>
+              <p:prevCondLst>
+                <p:cond evt="onPrev" delay="0">
+                  <p:tgtEl>
+                    <p:sldTgt/>
+                  </p:tgtEl>
+                </p:cond>
+              </p:prevCondLst>
+              <p:nextCondLst>
+                <p:cond evt="onNext" delay="0">
+                  <p:tgtEl>
+                    <p:sldTgt/>
+                  </p:tgtEl>
+                </p:cond>
+              </p:nextCondLst>
+            </p:seq>
+          </p:childTnLst>
+        </p:cTn>
+      </p:par>
+    </p:tnLst>
+    <p:bldLst>
+      <p:bldP spid="5" grpId="0"/>
+      <p:bldP spid="6" grpId="0"/>
+    </p:bldLst>
+  </p:timing>
+</p:sld>
+</file>
+
+<file path=ppt/slides/slide5.xml><?xml version="1.0" encoding="utf-8"?>
+<p:sld xmlns:a="http://schemas.openxmlformats.org/drawingml/2006/main" xmlns:r="http://schemas.openxmlformats.org/officeDocument/2006/relationships" xmlns:p="http://schemas.openxmlformats.org/presentationml/2006/main">
+  <p:cSld>
+    <p:bg>
+      <p:bgPr>
+        <a:solidFill>
+          <a:schemeClr val="bg2">
+            <a:lumMod val="10000"/>
+          </a:schemeClr>
+        </a:solidFill>
+        <a:effectLst/>
+      </p:bgPr>
+    </p:bg>
+    <p:spTree>
+      <p:nvGrpSpPr>
+        <p:cNvPr id="1" name=""/>
+        <p:cNvGrpSpPr/>
+        <p:nvPr/>
+      </p:nvGrpSpPr>
+      <p:grpSpPr>
+        <a:xfrm>
+          <a:off x="0" y="0"/>
+          <a:ext cx="0" cy="0"/>
+          <a:chOff x="0" y="0"/>
+          <a:chExt cx="0" cy="0"/>
+        </a:xfrm>
+      </p:grpSpPr>
+      <p:cxnSp>
+        <p:nvCxnSpPr>
+          <p:cNvPr id="3" name="Connecteur droit 2">
+            <a:extLst>
+              <a:ext uri="{FF2B5EF4-FFF2-40B4-BE49-F238E27FC236}">
+                <a16:creationId xmlns:a16="http://schemas.microsoft.com/office/drawing/2014/main" id="{585D94FE-EF70-B9ED-F842-47DE4D40A1EE}"/>
+              </a:ext>
+            </a:extLst>
+          </p:cNvPr>
+          <p:cNvCxnSpPr/>
+          <p:nvPr/>
+        </p:nvCxnSpPr>
+        <p:spPr>
+          <a:xfrm>
+            <a:off x="770965" y="0"/>
+            <a:ext cx="0" cy="6858000"/>
+          </a:xfrm>
+          <a:prstGeom prst="line">
+            <a:avLst/>
+          </a:prstGeom>
+          <a:ln w="76200">
+            <a:solidFill>
+              <a:srgbClr val="FF0000"/>
+            </a:solidFill>
+          </a:ln>
+        </p:spPr>
+        <p:style>
+          <a:lnRef idx="1">
+            <a:schemeClr val="accent1"/>
+          </a:lnRef>
+          <a:fillRef idx="0">
+            <a:schemeClr val="accent1"/>
+          </a:fillRef>
+          <a:effectRef idx="0">
+            <a:schemeClr val="accent1"/>
+          </a:effectRef>
+          <a:fontRef idx="minor">
+            <a:schemeClr val="tx1"/>
+          </a:fontRef>
+        </p:style>
+      </p:cxnSp>
+      <p:cxnSp>
+        <p:nvCxnSpPr>
+          <p:cNvPr id="4" name="Connecteur droit 3">
+            <a:extLst>
+              <a:ext uri="{FF2B5EF4-FFF2-40B4-BE49-F238E27FC236}">
+                <a16:creationId xmlns:a16="http://schemas.microsoft.com/office/drawing/2014/main" id="{D2D0D707-F4C9-7859-86A3-81F4EB577AF6}"/>
+              </a:ext>
+            </a:extLst>
+          </p:cNvPr>
+          <p:cNvCxnSpPr/>
+          <p:nvPr/>
+        </p:nvCxnSpPr>
+        <p:spPr>
+          <a:xfrm>
+            <a:off x="1066800" y="0"/>
+            <a:ext cx="0" cy="6858000"/>
+          </a:xfrm>
+          <a:prstGeom prst="line">
+            <a:avLst/>
+          </a:prstGeom>
+          <a:ln w="76200">
+            <a:solidFill>
+              <a:srgbClr val="FF0000"/>
+            </a:solidFill>
+          </a:ln>
+        </p:spPr>
+        <p:style>
+          <a:lnRef idx="1">
+            <a:schemeClr val="accent1"/>
+          </a:lnRef>
+          <a:fillRef idx="0">
+            <a:schemeClr val="accent1"/>
+          </a:fillRef>
+          <a:effectRef idx="0">
+            <a:schemeClr val="accent1"/>
+          </a:effectRef>
+          <a:fontRef idx="minor">
+            <a:schemeClr val="tx1"/>
+          </a:fontRef>
+        </p:style>
+      </p:cxnSp>
+    </p:spTree>
+    <p:extLst>
+      <p:ext uri="{BB962C8B-B14F-4D97-AF65-F5344CB8AC3E}">
+        <p14:creationId xmlns:p14="http://schemas.microsoft.com/office/powerpoint/2010/main" val="3941342549"/>
+      </p:ext>
+    </p:extLst>
+  </p:cSld>
+  <p:clrMapOvr>
+    <a:masterClrMapping/>
+  </p:clrMapOvr>
+  <p:timing>
+    <p:tnLst>
+      <p:par>
+        <p:cTn id="1" dur="indefinite" restart="never" nodeType="tmRoot">
+          <p:childTnLst>
+            <p:seq concurrent="1" nextAc="seek">
+              <p:cTn id="2" dur="indefinite" nodeType="mainSeq">
+                <p:childTnLst>
+                  <p:par>
+                    <p:cTn id="3" fill="hold">
+                      <p:stCondLst>
+                        <p:cond delay="indefinite"/>
+                        <p:cond evt="onBegin" delay="0">
+                          <p:tn val="2"/>
+                        </p:cond>
+                      </p:stCondLst>
+                      <p:childTnLst>
+                        <p:par>
+                          <p:cTn id="4" fill="hold">
+                            <p:stCondLst>
+                              <p:cond delay="0"/>
+                            </p:stCondLst>
+                            <p:childTnLst>
+                              <p:par>
+                                <p:cTn id="5" presetID="10" presetClass="entr" presetSubtype="0" fill="hold" nodeType="withEffect">
+                                  <p:stCondLst>
+                                    <p:cond delay="0"/>
+                                  </p:stCondLst>
+                                  <p:childTnLst>
+                                    <p:set>
+                                      <p:cBhvr>
+                                        <p:cTn id="6" dur="1" fill="hold">
+                                          <p:stCondLst>
+                                            <p:cond delay="0"/>
+                                          </p:stCondLst>
+                                        </p:cTn>
+                                        <p:tgtEl>
+                                          <p:spTgt spid="3"/>
+                                        </p:tgtEl>
+                                        <p:attrNameLst>
+                                          <p:attrName>style.visibility</p:attrName>
+                                        </p:attrNameLst>
+                                      </p:cBhvr>
+                                      <p:to>
+                                        <p:strVal val="visible"/>
+                                      </p:to>
+                                    </p:set>
+                                    <p:animEffect transition="in" filter="fade">
+                                      <p:cBhvr>
+                                        <p:cTn id="7" dur="300"/>
+                                        <p:tgtEl>
+                                          <p:spTgt spid="3"/>
+                                        </p:tgtEl>
+                                      </p:cBhvr>
+                                    </p:animEffect>
+                                  </p:childTnLst>
+                                </p:cTn>
+                              </p:par>
+                              <p:par>
+                                <p:cTn id="8" presetID="10" presetClass="entr" presetSubtype="0" fill="hold" nodeType="withEffect">
+                                  <p:stCondLst>
+                                    <p:cond delay="0"/>
+                                  </p:stCondLst>
+                                  <p:childTnLst>
+                                    <p:set>
+                                      <p:cBhvr>
+                                        <p:cTn id="9" dur="1" fill="hold">
+                                          <p:stCondLst>
+                                            <p:cond delay="0"/>
+                                          </p:stCondLst>
+                                        </p:cTn>
+                                        <p:tgtEl>
+                                          <p:spTgt spid="4"/>
+                                        </p:tgtEl>
+                                        <p:attrNameLst>
+                                          <p:attrName>style.visibility</p:attrName>
+                                        </p:attrNameLst>
+                                      </p:cBhvr>
+                                      <p:to>
+                                        <p:strVal val="visible"/>
+                                      </p:to>
+                                    </p:set>
+                                    <p:animEffect transition="in" filter="fade">
+                                      <p:cBhvr>
+                                        <p:cTn id="10" dur="300"/>
+                                        <p:tgtEl>
+                                          <p:spTgt spid="4"/>
+                                        </p:tgtEl>
+                                      </p:cBhvr>
+                                    </p:animEffect>
+                                  </p:childTnLst>
+                                </p:cTn>
+                              </p:par>
+                            </p:childTnLst>
+                          </p:cTn>
+                        </p:par>
+                      </p:childTnLst>
+                    </p:cTn>
+                  </p:par>
+                </p:childTnLst>
+              </p:cTn>
+              <p:prevCondLst>
+                <p:cond evt="onPrev" delay="0">
+                  <p:tgtEl>
+                    <p:sldTgt/>
+                  </p:tgtEl>
+                </p:cond>
+              </p:prevCondLst>
+              <p:nextCondLst>
+                <p:cond evt="onNext" delay="0">
+                  <p:tgtEl>
+                    <p:sldTgt/>
+                  </p:tgtEl>
+                </p:cond>
+              </p:nextCondLst>
+            </p:seq>
+          </p:childTnLst>
+        </p:cTn>
+      </p:par>
+    </p:tnLst>
+  </p:timing>
+</p:sld>
+</file>
+
+<file path=ppt/slides/slide6.xml><?xml version="1.0" encoding="utf-8"?>
+<p:sld xmlns:a="http://schemas.openxmlformats.org/drawingml/2006/main" xmlns:r="http://schemas.openxmlformats.org/officeDocument/2006/relationships" xmlns:p="http://schemas.openxmlformats.org/presentationml/2006/main">
+  <p:cSld>
+    <p:bg>
+      <p:bgPr>
+        <a:solidFill>
+          <a:schemeClr val="bg2">
+            <a:lumMod val="10000"/>
+          </a:schemeClr>
+        </a:solidFill>
+        <a:effectLst/>
+      </p:bgPr>
+    </p:bg>
+    <p:spTree>
+      <p:nvGrpSpPr>
+        <p:cNvPr id="1" name=""/>
+        <p:cNvGrpSpPr/>
+        <p:nvPr/>
+      </p:nvGrpSpPr>
+      <p:grpSpPr>
+        <a:xfrm>
+          <a:off x="0" y="0"/>
+          <a:ext cx="0" cy="0"/>
+          <a:chOff x="0" y="0"/>
+          <a:chExt cx="0" cy="0"/>
+        </a:xfrm>
+      </p:grpSpPr>
       <p:sp>
         <p:nvSpPr>
           <p:cNvPr id="2" name="ZoneTexte 1">
@@ -12479,7 +18716,7 @@
 </p:sld>
 </file>
 
-<file path=ppt/slides/slide5.xml><?xml version="1.0" encoding="utf-8"?>
+<file path=ppt/slides/slide7.xml><?xml version="1.0" encoding="utf-8"?>
 <p:sld xmlns:a="http://schemas.openxmlformats.org/drawingml/2006/main" xmlns:r="http://schemas.openxmlformats.org/officeDocument/2006/relationships" xmlns:p="http://schemas.openxmlformats.org/presentationml/2006/main">
   <p:cSld>
     <p:bg>
@@ -13089,7 +19326,7 @@
 </p:sld>
 </file>
 
-<file path=ppt/slides/slide6.xml><?xml version="1.0" encoding="utf-8"?>
+<file path=ppt/slides/slide8.xml><?xml version="1.0" encoding="utf-8"?>
 <p:sld xmlns:a="http://schemas.openxmlformats.org/drawingml/2006/main" xmlns:r="http://schemas.openxmlformats.org/officeDocument/2006/relationships" xmlns:p="http://schemas.openxmlformats.org/presentationml/2006/main">
   <p:cSld>
     <p:bg>
@@ -13575,7 +19812,7 @@
 </p:sld>
 </file>
 
-<file path=ppt/slides/slide7.xml><?xml version="1.0" encoding="utf-8"?>
+<file path=ppt/slides/slide9.xml><?xml version="1.0" encoding="utf-8"?>
 <p:sld xmlns:a="http://schemas.openxmlformats.org/drawingml/2006/main" xmlns:r="http://schemas.openxmlformats.org/officeDocument/2006/relationships" xmlns:p="http://schemas.openxmlformats.org/presentationml/2006/main">
   <p:cSld>
     <p:bg>
@@ -13885,815 +20122,6 @@
     </p:tnLst>
     <p:bldLst>
       <p:bldP spid="7" grpId="0"/>
-    </p:bldLst>
-  </p:timing>
-</p:sld>
-</file>
-
-<file path=ppt/slides/slide8.xml><?xml version="1.0" encoding="utf-8"?>
-<p:sld xmlns:a="http://schemas.openxmlformats.org/drawingml/2006/main" xmlns:r="http://schemas.openxmlformats.org/officeDocument/2006/relationships" xmlns:p="http://schemas.openxmlformats.org/presentationml/2006/main">
-  <p:cSld>
-    <p:bg>
-      <p:bgPr>
-        <a:solidFill>
-          <a:schemeClr val="bg2">
-            <a:lumMod val="10000"/>
-          </a:schemeClr>
-        </a:solidFill>
-        <a:effectLst/>
-      </p:bgPr>
-    </p:bg>
-    <p:spTree>
-      <p:nvGrpSpPr>
-        <p:cNvPr id="1" name=""/>
-        <p:cNvGrpSpPr/>
-        <p:nvPr/>
-      </p:nvGrpSpPr>
-      <p:grpSpPr>
-        <a:xfrm>
-          <a:off x="0" y="0"/>
-          <a:ext cx="0" cy="0"/>
-          <a:chOff x="0" y="0"/>
-          <a:chExt cx="0" cy="0"/>
-        </a:xfrm>
-      </p:grpSpPr>
-      <p:cxnSp>
-        <p:nvCxnSpPr>
-          <p:cNvPr id="3" name="Connecteur droit 2">
-            <a:extLst>
-              <a:ext uri="{FF2B5EF4-FFF2-40B4-BE49-F238E27FC236}">
-                <a16:creationId xmlns:a16="http://schemas.microsoft.com/office/drawing/2014/main" id="{1E7E39D6-26F3-E0B0-7C85-C711D06D6782}"/>
-              </a:ext>
-            </a:extLst>
-          </p:cNvPr>
-          <p:cNvCxnSpPr/>
-          <p:nvPr/>
-        </p:nvCxnSpPr>
-        <p:spPr>
-          <a:xfrm>
-            <a:off x="806245" y="0"/>
-            <a:ext cx="0" cy="6858000"/>
-          </a:xfrm>
-          <a:prstGeom prst="line">
-            <a:avLst/>
-          </a:prstGeom>
-          <a:ln w="76200">
-            <a:solidFill>
-              <a:srgbClr val="FF0000"/>
-            </a:solidFill>
-          </a:ln>
-        </p:spPr>
-        <p:style>
-          <a:lnRef idx="1">
-            <a:schemeClr val="accent1"/>
-          </a:lnRef>
-          <a:fillRef idx="0">
-            <a:schemeClr val="accent1"/>
-          </a:fillRef>
-          <a:effectRef idx="0">
-            <a:schemeClr val="accent1"/>
-          </a:effectRef>
-          <a:fontRef idx="minor">
-            <a:schemeClr val="tx1"/>
-          </a:fontRef>
-        </p:style>
-      </p:cxnSp>
-      <p:cxnSp>
-        <p:nvCxnSpPr>
-          <p:cNvPr id="4" name="Connecteur droit 3">
-            <a:extLst>
-              <a:ext uri="{FF2B5EF4-FFF2-40B4-BE49-F238E27FC236}">
-                <a16:creationId xmlns:a16="http://schemas.microsoft.com/office/drawing/2014/main" id="{32A0EF0B-79CD-4C29-25A1-B7AA2260EBFB}"/>
-              </a:ext>
-            </a:extLst>
-          </p:cNvPr>
-          <p:cNvCxnSpPr/>
-          <p:nvPr/>
-        </p:nvCxnSpPr>
-        <p:spPr>
-          <a:xfrm>
-            <a:off x="997973" y="0"/>
-            <a:ext cx="0" cy="6858000"/>
-          </a:xfrm>
-          <a:prstGeom prst="line">
-            <a:avLst/>
-          </a:prstGeom>
-          <a:ln w="76200">
-            <a:solidFill>
-              <a:srgbClr val="FF0000"/>
-            </a:solidFill>
-          </a:ln>
-        </p:spPr>
-        <p:style>
-          <a:lnRef idx="1">
-            <a:schemeClr val="accent1"/>
-          </a:lnRef>
-          <a:fillRef idx="0">
-            <a:schemeClr val="accent1"/>
-          </a:fillRef>
-          <a:effectRef idx="0">
-            <a:schemeClr val="accent1"/>
-          </a:effectRef>
-          <a:fontRef idx="minor">
-            <a:schemeClr val="tx1"/>
-          </a:fontRef>
-        </p:style>
-      </p:cxnSp>
-      <p:sp>
-        <p:nvSpPr>
-          <p:cNvPr id="6" name="ZoneTexte 5">
-            <a:extLst>
-              <a:ext uri="{FF2B5EF4-FFF2-40B4-BE49-F238E27FC236}">
-                <a16:creationId xmlns:a16="http://schemas.microsoft.com/office/drawing/2014/main" id="{5C21A721-4808-E8BE-9456-EE3DE455EB30}"/>
-              </a:ext>
-            </a:extLst>
-          </p:cNvPr>
-          <p:cNvSpPr txBox="1"/>
-          <p:nvPr/>
-        </p:nvSpPr>
-        <p:spPr>
-          <a:xfrm>
-            <a:off x="1199533" y="530942"/>
-            <a:ext cx="8367252" cy="646331"/>
-          </a:xfrm>
-          <a:prstGeom prst="rect">
-            <a:avLst/>
-          </a:prstGeom>
-          <a:noFill/>
-        </p:spPr>
-        <p:txBody>
-          <a:bodyPr wrap="square" rtlCol="0">
-            <a:spAutoFit/>
-          </a:bodyPr>
-          <a:lstStyle/>
-          <a:p>
-            <a:r>
-              <a:rPr lang="fr-FR" sz="3600" b="1" dirty="0">
-                <a:solidFill>
-                  <a:schemeClr val="bg1"/>
-                </a:solidFill>
-                <a:latin typeface="Microsoft JhengHei Light" panose="020B0304030504040204" pitchFamily="34" charset="-120"/>
-                <a:ea typeface="Microsoft JhengHei Light" panose="020B0304030504040204" pitchFamily="34" charset="-120"/>
-              </a:rPr>
-              <a:t>2.1) </a:t>
-            </a:r>
-            <a:r>
-              <a:rPr lang="fr-FR" sz="3600" b="1" u="sng" dirty="0">
-                <a:solidFill>
-                  <a:schemeClr val="bg1"/>
-                </a:solidFill>
-                <a:latin typeface="Microsoft JhengHei Light" panose="020B0304030504040204" pitchFamily="34" charset="-120"/>
-                <a:ea typeface="Microsoft JhengHei Light" panose="020B0304030504040204" pitchFamily="34" charset="-120"/>
-              </a:rPr>
-              <a:t>Les différents types de tests</a:t>
-            </a:r>
-            <a:r>
-              <a:rPr lang="fr-FR" sz="3600" b="1" dirty="0">
-                <a:solidFill>
-                  <a:schemeClr val="bg1"/>
-                </a:solidFill>
-                <a:latin typeface="Microsoft JhengHei Light" panose="020B0304030504040204" pitchFamily="34" charset="-120"/>
-                <a:ea typeface="Microsoft JhengHei Light" panose="020B0304030504040204" pitchFamily="34" charset="-120"/>
-              </a:rPr>
-              <a:t> :</a:t>
-            </a:r>
-            <a:endParaRPr lang="fr-FR" sz="3600" b="1" u="sng" dirty="0">
-              <a:solidFill>
-                <a:schemeClr val="bg1"/>
-              </a:solidFill>
-              <a:latin typeface="Microsoft JhengHei Light" panose="020B0304030504040204" pitchFamily="34" charset="-120"/>
-              <a:ea typeface="Microsoft JhengHei Light" panose="020B0304030504040204" pitchFamily="34" charset="-120"/>
-            </a:endParaRPr>
-          </a:p>
-        </p:txBody>
-      </p:sp>
-      <p:pic>
-        <p:nvPicPr>
-          <p:cNvPr id="8" name="Image 7" descr="Une image contenant texte, capture d’écran, Police, logiciel&#10;&#10;Description générée automatiquement">
-            <a:extLst>
-              <a:ext uri="{FF2B5EF4-FFF2-40B4-BE49-F238E27FC236}">
-                <a16:creationId xmlns:a16="http://schemas.microsoft.com/office/drawing/2014/main" id="{9F326AEE-30B3-81FA-B4C1-AFDE6C783409}"/>
-              </a:ext>
-            </a:extLst>
-          </p:cNvPr>
-          <p:cNvPicPr>
-            <a:picLocks noChangeAspect="1"/>
-          </p:cNvPicPr>
-          <p:nvPr/>
-        </p:nvPicPr>
-        <p:blipFill>
-          <a:blip r:embed="rId2">
-            <a:extLst>
-              <a:ext uri="{28A0092B-C50C-407E-A947-70E740481C1C}">
-                <a14:useLocalDpi xmlns:a14="http://schemas.microsoft.com/office/drawing/2010/main" val="0"/>
-              </a:ext>
-            </a:extLst>
-          </a:blip>
-          <a:stretch>
-            <a:fillRect/>
-          </a:stretch>
-        </p:blipFill>
-        <p:spPr>
-          <a:xfrm>
-            <a:off x="1327354" y="2192049"/>
-            <a:ext cx="10363201" cy="2985180"/>
-          </a:xfrm>
-          <a:prstGeom prst="rect">
-            <a:avLst/>
-          </a:prstGeom>
-        </p:spPr>
-      </p:pic>
-    </p:spTree>
-    <p:extLst>
-      <p:ext uri="{BB962C8B-B14F-4D97-AF65-F5344CB8AC3E}">
-        <p14:creationId xmlns:p14="http://schemas.microsoft.com/office/powerpoint/2010/main" val="3283985364"/>
-      </p:ext>
-    </p:extLst>
-  </p:cSld>
-  <p:clrMapOvr>
-    <a:masterClrMapping/>
-  </p:clrMapOvr>
-  <p:timing>
-    <p:tnLst>
-      <p:par>
-        <p:cTn id="1" dur="indefinite" restart="never" nodeType="tmRoot">
-          <p:childTnLst>
-            <p:seq concurrent="1" nextAc="seek">
-              <p:cTn id="2" dur="indefinite" nodeType="mainSeq">
-                <p:childTnLst>
-                  <p:par>
-                    <p:cTn id="3" fill="hold">
-                      <p:stCondLst>
-                        <p:cond delay="indefinite"/>
-                        <p:cond evt="onBegin" delay="0">
-                          <p:tn val="2"/>
-                        </p:cond>
-                      </p:stCondLst>
-                      <p:childTnLst>
-                        <p:par>
-                          <p:cTn id="4" fill="hold">
-                            <p:stCondLst>
-                              <p:cond delay="0"/>
-                            </p:stCondLst>
-                            <p:childTnLst>
-                              <p:par>
-                                <p:cTn id="5" presetID="10" presetClass="entr" presetSubtype="0" fill="hold" nodeType="withEffect">
-                                  <p:stCondLst>
-                                    <p:cond delay="0"/>
-                                  </p:stCondLst>
-                                  <p:childTnLst>
-                                    <p:set>
-                                      <p:cBhvr>
-                                        <p:cTn id="6" dur="1" fill="hold">
-                                          <p:stCondLst>
-                                            <p:cond delay="0"/>
-                                          </p:stCondLst>
-                                        </p:cTn>
-                                        <p:tgtEl>
-                                          <p:spTgt spid="3"/>
-                                        </p:tgtEl>
-                                        <p:attrNameLst>
-                                          <p:attrName>style.visibility</p:attrName>
-                                        </p:attrNameLst>
-                                      </p:cBhvr>
-                                      <p:to>
-                                        <p:strVal val="visible"/>
-                                      </p:to>
-                                    </p:set>
-                                    <p:animEffect transition="in" filter="fade">
-                                      <p:cBhvr>
-                                        <p:cTn id="7" dur="300"/>
-                                        <p:tgtEl>
-                                          <p:spTgt spid="3"/>
-                                        </p:tgtEl>
-                                      </p:cBhvr>
-                                    </p:animEffect>
-                                  </p:childTnLst>
-                                </p:cTn>
-                              </p:par>
-                            </p:childTnLst>
-                          </p:cTn>
-                        </p:par>
-                        <p:par>
-                          <p:cTn id="8" fill="hold">
-                            <p:stCondLst>
-                              <p:cond delay="300"/>
-                            </p:stCondLst>
-                            <p:childTnLst>
-                              <p:par>
-                                <p:cTn id="9" presetID="10" presetClass="entr" presetSubtype="0" fill="hold" nodeType="afterEffect">
-                                  <p:stCondLst>
-                                    <p:cond delay="0"/>
-                                  </p:stCondLst>
-                                  <p:childTnLst>
-                                    <p:set>
-                                      <p:cBhvr>
-                                        <p:cTn id="10" dur="1" fill="hold">
-                                          <p:stCondLst>
-                                            <p:cond delay="0"/>
-                                          </p:stCondLst>
-                                        </p:cTn>
-                                        <p:tgtEl>
-                                          <p:spTgt spid="4"/>
-                                        </p:tgtEl>
-                                        <p:attrNameLst>
-                                          <p:attrName>style.visibility</p:attrName>
-                                        </p:attrNameLst>
-                                      </p:cBhvr>
-                                      <p:to>
-                                        <p:strVal val="visible"/>
-                                      </p:to>
-                                    </p:set>
-                                    <p:animEffect transition="in" filter="fade">
-                                      <p:cBhvr>
-                                        <p:cTn id="11" dur="300"/>
-                                        <p:tgtEl>
-                                          <p:spTgt spid="4"/>
-                                        </p:tgtEl>
-                                      </p:cBhvr>
-                                    </p:animEffect>
-                                  </p:childTnLst>
-                                </p:cTn>
-                              </p:par>
-                            </p:childTnLst>
-                          </p:cTn>
-                        </p:par>
-                      </p:childTnLst>
-                    </p:cTn>
-                  </p:par>
-                  <p:par>
-                    <p:cTn id="12" fill="hold">
-                      <p:stCondLst>
-                        <p:cond delay="indefinite"/>
-                      </p:stCondLst>
-                      <p:childTnLst>
-                        <p:par>
-                          <p:cTn id="13" fill="hold">
-                            <p:stCondLst>
-                              <p:cond delay="0"/>
-                            </p:stCondLst>
-                            <p:childTnLst>
-                              <p:par>
-                                <p:cTn id="14" presetID="42" presetClass="entr" presetSubtype="0" fill="hold" grpId="0" nodeType="clickEffect">
-                                  <p:stCondLst>
-                                    <p:cond delay="0"/>
-                                  </p:stCondLst>
-                                  <p:childTnLst>
-                                    <p:set>
-                                      <p:cBhvr>
-                                        <p:cTn id="15" dur="1" fill="hold">
-                                          <p:stCondLst>
-                                            <p:cond delay="0"/>
-                                          </p:stCondLst>
-                                        </p:cTn>
-                                        <p:tgtEl>
-                                          <p:spTgt spid="6"/>
-                                        </p:tgtEl>
-                                        <p:attrNameLst>
-                                          <p:attrName>style.visibility</p:attrName>
-                                        </p:attrNameLst>
-                                      </p:cBhvr>
-                                      <p:to>
-                                        <p:strVal val="visible"/>
-                                      </p:to>
-                                    </p:set>
-                                    <p:animEffect transition="in" filter="fade">
-                                      <p:cBhvr>
-                                        <p:cTn id="16" dur="1000"/>
-                                        <p:tgtEl>
-                                          <p:spTgt spid="6"/>
-                                        </p:tgtEl>
-                                      </p:cBhvr>
-                                    </p:animEffect>
-                                    <p:anim calcmode="lin" valueType="num">
-                                      <p:cBhvr>
-                                        <p:cTn id="17" dur="1000" fill="hold"/>
-                                        <p:tgtEl>
-                                          <p:spTgt spid="6"/>
-                                        </p:tgtEl>
-                                        <p:attrNameLst>
-                                          <p:attrName>ppt_x</p:attrName>
-                                        </p:attrNameLst>
-                                      </p:cBhvr>
-                                      <p:tavLst>
-                                        <p:tav tm="0">
-                                          <p:val>
-                                            <p:strVal val="#ppt_x"/>
-                                          </p:val>
-                                        </p:tav>
-                                        <p:tav tm="100000">
-                                          <p:val>
-                                            <p:strVal val="#ppt_x"/>
-                                          </p:val>
-                                        </p:tav>
-                                      </p:tavLst>
-                                    </p:anim>
-                                    <p:anim calcmode="lin" valueType="num">
-                                      <p:cBhvr>
-                                        <p:cTn id="18" dur="1000" fill="hold"/>
-                                        <p:tgtEl>
-                                          <p:spTgt spid="6"/>
-                                        </p:tgtEl>
-                                        <p:attrNameLst>
-                                          <p:attrName>ppt_y</p:attrName>
-                                        </p:attrNameLst>
-                                      </p:cBhvr>
-                                      <p:tavLst>
-                                        <p:tav tm="0">
-                                          <p:val>
-                                            <p:strVal val="#ppt_y+.1"/>
-                                          </p:val>
-                                        </p:tav>
-                                        <p:tav tm="100000">
-                                          <p:val>
-                                            <p:strVal val="#ppt_y"/>
-                                          </p:val>
-                                        </p:tav>
-                                      </p:tavLst>
-                                    </p:anim>
-                                  </p:childTnLst>
-                                </p:cTn>
-                              </p:par>
-                            </p:childTnLst>
-                          </p:cTn>
-                        </p:par>
-                      </p:childTnLst>
-                    </p:cTn>
-                  </p:par>
-                  <p:par>
-                    <p:cTn id="19" fill="hold">
-                      <p:stCondLst>
-                        <p:cond delay="indefinite"/>
-                      </p:stCondLst>
-                      <p:childTnLst>
-                        <p:par>
-                          <p:cTn id="20" fill="hold">
-                            <p:stCondLst>
-                              <p:cond delay="0"/>
-                            </p:stCondLst>
-                            <p:childTnLst>
-                              <p:par>
-                                <p:cTn id="21" presetID="10" presetClass="entr" presetSubtype="0" fill="hold" nodeType="clickEffect">
-                                  <p:stCondLst>
-                                    <p:cond delay="0"/>
-                                  </p:stCondLst>
-                                  <p:childTnLst>
-                                    <p:set>
-                                      <p:cBhvr>
-                                        <p:cTn id="22" dur="1" fill="hold">
-                                          <p:stCondLst>
-                                            <p:cond delay="0"/>
-                                          </p:stCondLst>
-                                        </p:cTn>
-                                        <p:tgtEl>
-                                          <p:spTgt spid="8"/>
-                                        </p:tgtEl>
-                                        <p:attrNameLst>
-                                          <p:attrName>style.visibility</p:attrName>
-                                        </p:attrNameLst>
-                                      </p:cBhvr>
-                                      <p:to>
-                                        <p:strVal val="visible"/>
-                                      </p:to>
-                                    </p:set>
-                                    <p:animEffect transition="in" filter="fade">
-                                      <p:cBhvr>
-                                        <p:cTn id="23" dur="500"/>
-                                        <p:tgtEl>
-                                          <p:spTgt spid="8"/>
-                                        </p:tgtEl>
-                                      </p:cBhvr>
-                                    </p:animEffect>
-                                  </p:childTnLst>
-                                </p:cTn>
-                              </p:par>
-                            </p:childTnLst>
-                          </p:cTn>
-                        </p:par>
-                      </p:childTnLst>
-                    </p:cTn>
-                  </p:par>
-                </p:childTnLst>
-              </p:cTn>
-              <p:prevCondLst>
-                <p:cond evt="onPrev" delay="0">
-                  <p:tgtEl>
-                    <p:sldTgt/>
-                  </p:tgtEl>
-                </p:cond>
-              </p:prevCondLst>
-              <p:nextCondLst>
-                <p:cond evt="onNext" delay="0">
-                  <p:tgtEl>
-                    <p:sldTgt/>
-                  </p:tgtEl>
-                </p:cond>
-              </p:nextCondLst>
-            </p:seq>
-          </p:childTnLst>
-        </p:cTn>
-      </p:par>
-    </p:tnLst>
-    <p:bldLst>
-      <p:bldP spid="6" grpId="0"/>
-    </p:bldLst>
-  </p:timing>
-</p:sld>
-</file>
-
-<file path=ppt/slides/slide9.xml><?xml version="1.0" encoding="utf-8"?>
-<p:sld xmlns:a="http://schemas.openxmlformats.org/drawingml/2006/main" xmlns:r="http://schemas.openxmlformats.org/officeDocument/2006/relationships" xmlns:p="http://schemas.openxmlformats.org/presentationml/2006/main">
-  <p:cSld>
-    <p:bg>
-      <p:bgPr>
-        <a:solidFill>
-          <a:schemeClr val="bg2">
-            <a:lumMod val="10000"/>
-          </a:schemeClr>
-        </a:solidFill>
-        <a:effectLst/>
-      </p:bgPr>
-    </p:bg>
-    <p:spTree>
-      <p:nvGrpSpPr>
-        <p:cNvPr id="1" name=""/>
-        <p:cNvGrpSpPr/>
-        <p:nvPr/>
-      </p:nvGrpSpPr>
-      <p:grpSpPr>
-        <a:xfrm>
-          <a:off x="0" y="0"/>
-          <a:ext cx="0" cy="0"/>
-          <a:chOff x="0" y="0"/>
-          <a:chExt cx="0" cy="0"/>
-        </a:xfrm>
-      </p:grpSpPr>
-      <p:sp>
-        <p:nvSpPr>
-          <p:cNvPr id="2" name="ZoneTexte 1">
-            <a:extLst>
-              <a:ext uri="{FF2B5EF4-FFF2-40B4-BE49-F238E27FC236}">
-                <a16:creationId xmlns:a16="http://schemas.microsoft.com/office/drawing/2014/main" id="{DE26522D-B965-4CE4-3208-56BC51C89DD9}"/>
-              </a:ext>
-            </a:extLst>
-          </p:cNvPr>
-          <p:cNvSpPr txBox="1"/>
-          <p:nvPr/>
-        </p:nvSpPr>
-        <p:spPr>
-          <a:xfrm>
-            <a:off x="3519948" y="2861186"/>
-            <a:ext cx="5152103" cy="707886"/>
-          </a:xfrm>
-          <a:prstGeom prst="rect">
-            <a:avLst/>
-          </a:prstGeom>
-          <a:noFill/>
-        </p:spPr>
-        <p:txBody>
-          <a:bodyPr wrap="square" rtlCol="0">
-            <a:spAutoFit/>
-          </a:bodyPr>
-          <a:lstStyle/>
-          <a:p>
-            <a:r>
-              <a:rPr lang="fr-FR" sz="4000" b="1" dirty="0">
-                <a:solidFill>
-                  <a:schemeClr val="bg1"/>
-                </a:solidFill>
-                <a:latin typeface="Microsoft JhengHei Light" panose="020B0304030504040204" pitchFamily="34" charset="-120"/>
-                <a:ea typeface="Microsoft JhengHei Light" panose="020B0304030504040204" pitchFamily="34" charset="-120"/>
-              </a:rPr>
-              <a:t>Les tests fonctionnels</a:t>
-            </a:r>
-          </a:p>
-        </p:txBody>
-      </p:sp>
-      <p:cxnSp>
-        <p:nvCxnSpPr>
-          <p:cNvPr id="4" name="Connecteur droit 3">
-            <a:extLst>
-              <a:ext uri="{FF2B5EF4-FFF2-40B4-BE49-F238E27FC236}">
-                <a16:creationId xmlns:a16="http://schemas.microsoft.com/office/drawing/2014/main" id="{21E30D3E-18C2-2506-F095-92FEC4A67FB0}"/>
-              </a:ext>
-            </a:extLst>
-          </p:cNvPr>
-          <p:cNvCxnSpPr/>
-          <p:nvPr/>
-        </p:nvCxnSpPr>
-        <p:spPr>
-          <a:xfrm>
-            <a:off x="3647768" y="3569072"/>
-            <a:ext cx="4817806" cy="0"/>
-          </a:xfrm>
-          <a:prstGeom prst="line">
-            <a:avLst/>
-          </a:prstGeom>
-          <a:ln w="76200">
-            <a:solidFill>
-              <a:srgbClr val="FF0000"/>
-            </a:solidFill>
-          </a:ln>
-        </p:spPr>
-        <p:style>
-          <a:lnRef idx="1">
-            <a:schemeClr val="accent1"/>
-          </a:lnRef>
-          <a:fillRef idx="0">
-            <a:schemeClr val="accent1"/>
-          </a:fillRef>
-          <a:effectRef idx="0">
-            <a:schemeClr val="accent1"/>
-          </a:effectRef>
-          <a:fontRef idx="minor">
-            <a:schemeClr val="tx1"/>
-          </a:fontRef>
-        </p:style>
-      </p:cxnSp>
-    </p:spTree>
-    <p:extLst>
-      <p:ext uri="{BB962C8B-B14F-4D97-AF65-F5344CB8AC3E}">
-        <p14:creationId xmlns:p14="http://schemas.microsoft.com/office/powerpoint/2010/main" val="637637071"/>
-      </p:ext>
-    </p:extLst>
-  </p:cSld>
-  <p:clrMapOvr>
-    <a:masterClrMapping/>
-  </p:clrMapOvr>
-  <p:timing>
-    <p:tnLst>
-      <p:par>
-        <p:cTn id="1" dur="indefinite" restart="never" nodeType="tmRoot">
-          <p:childTnLst>
-            <p:seq concurrent="1" nextAc="seek">
-              <p:cTn id="2" dur="indefinite" nodeType="mainSeq">
-                <p:childTnLst>
-                  <p:par>
-                    <p:cTn id="3" fill="hold">
-                      <p:stCondLst>
-                        <p:cond delay="indefinite"/>
-                      </p:stCondLst>
-                      <p:childTnLst>
-                        <p:par>
-                          <p:cTn id="4" fill="hold">
-                            <p:stCondLst>
-                              <p:cond delay="0"/>
-                            </p:stCondLst>
-                            <p:childTnLst>
-                              <p:par>
-                                <p:cTn id="5" presetID="42" presetClass="entr" presetSubtype="0" fill="hold" grpId="0" nodeType="clickEffect">
-                                  <p:stCondLst>
-                                    <p:cond delay="0"/>
-                                  </p:stCondLst>
-                                  <p:childTnLst>
-                                    <p:set>
-                                      <p:cBhvr>
-                                        <p:cTn id="6" dur="1" fill="hold">
-                                          <p:stCondLst>
-                                            <p:cond delay="0"/>
-                                          </p:stCondLst>
-                                        </p:cTn>
-                                        <p:tgtEl>
-                                          <p:spTgt spid="2"/>
-                                        </p:tgtEl>
-                                        <p:attrNameLst>
-                                          <p:attrName>style.visibility</p:attrName>
-                                        </p:attrNameLst>
-                                      </p:cBhvr>
-                                      <p:to>
-                                        <p:strVal val="visible"/>
-                                      </p:to>
-                                    </p:set>
-                                    <p:animEffect transition="in" filter="fade">
-                                      <p:cBhvr>
-                                        <p:cTn id="7" dur="1000"/>
-                                        <p:tgtEl>
-                                          <p:spTgt spid="2"/>
-                                        </p:tgtEl>
-                                      </p:cBhvr>
-                                    </p:animEffect>
-                                    <p:anim calcmode="lin" valueType="num">
-                                      <p:cBhvr>
-                                        <p:cTn id="8" dur="1000" fill="hold"/>
-                                        <p:tgtEl>
-                                          <p:spTgt spid="2"/>
-                                        </p:tgtEl>
-                                        <p:attrNameLst>
-                                          <p:attrName>ppt_x</p:attrName>
-                                        </p:attrNameLst>
-                                      </p:cBhvr>
-                                      <p:tavLst>
-                                        <p:tav tm="0">
-                                          <p:val>
-                                            <p:strVal val="#ppt_x"/>
-                                          </p:val>
-                                        </p:tav>
-                                        <p:tav tm="100000">
-                                          <p:val>
-                                            <p:strVal val="#ppt_x"/>
-                                          </p:val>
-                                        </p:tav>
-                                      </p:tavLst>
-                                    </p:anim>
-                                    <p:anim calcmode="lin" valueType="num">
-                                      <p:cBhvr>
-                                        <p:cTn id="9" dur="1000" fill="hold"/>
-                                        <p:tgtEl>
-                                          <p:spTgt spid="2"/>
-                                        </p:tgtEl>
-                                        <p:attrNameLst>
-                                          <p:attrName>ppt_y</p:attrName>
-                                        </p:attrNameLst>
-                                      </p:cBhvr>
-                                      <p:tavLst>
-                                        <p:tav tm="0">
-                                          <p:val>
-                                            <p:strVal val="#ppt_y+.1"/>
-                                          </p:val>
-                                        </p:tav>
-                                        <p:tav tm="100000">
-                                          <p:val>
-                                            <p:strVal val="#ppt_y"/>
-                                          </p:val>
-                                        </p:tav>
-                                      </p:tavLst>
-                                    </p:anim>
-                                  </p:childTnLst>
-                                </p:cTn>
-                              </p:par>
-                            </p:childTnLst>
-                          </p:cTn>
-                        </p:par>
-                        <p:par>
-                          <p:cTn id="10" fill="hold">
-                            <p:stCondLst>
-                              <p:cond delay="1000"/>
-                            </p:stCondLst>
-                            <p:childTnLst>
-                              <p:par>
-                                <p:cTn id="11" presetID="22" presetClass="entr" presetSubtype="8" fill="hold" nodeType="afterEffect">
-                                  <p:stCondLst>
-                                    <p:cond delay="0"/>
-                                  </p:stCondLst>
-                                  <p:childTnLst>
-                                    <p:set>
-                                      <p:cBhvr>
-                                        <p:cTn id="12" dur="1" fill="hold">
-                                          <p:stCondLst>
-                                            <p:cond delay="0"/>
-                                          </p:stCondLst>
-                                        </p:cTn>
-                                        <p:tgtEl>
-                                          <p:spTgt spid="4"/>
-                                        </p:tgtEl>
-                                        <p:attrNameLst>
-                                          <p:attrName>style.visibility</p:attrName>
-                                        </p:attrNameLst>
-                                      </p:cBhvr>
-                                      <p:to>
-                                        <p:strVal val="visible"/>
-                                      </p:to>
-                                    </p:set>
-                                    <p:animEffect transition="in" filter="wipe(left)">
-                                      <p:cBhvr>
-                                        <p:cTn id="13" dur="500"/>
-                                        <p:tgtEl>
-                                          <p:spTgt spid="4"/>
-                                        </p:tgtEl>
-                                      </p:cBhvr>
-                                    </p:animEffect>
-                                  </p:childTnLst>
-                                </p:cTn>
-                              </p:par>
-                            </p:childTnLst>
-                          </p:cTn>
-                        </p:par>
-                      </p:childTnLst>
-                    </p:cTn>
-                  </p:par>
-                </p:childTnLst>
-              </p:cTn>
-              <p:prevCondLst>
-                <p:cond evt="onPrev" delay="0">
-                  <p:tgtEl>
-                    <p:sldTgt/>
-                  </p:tgtEl>
-                </p:cond>
-              </p:prevCondLst>
-              <p:nextCondLst>
-                <p:cond evt="onNext" delay="0">
-                  <p:tgtEl>
-                    <p:sldTgt/>
-                  </p:tgtEl>
-                </p:cond>
-              </p:nextCondLst>
-            </p:seq>
-          </p:childTnLst>
-        </p:cTn>
-      </p:par>
-    </p:tnLst>
-    <p:bldLst>
-      <p:bldP spid="2" grpId="0"/>
     </p:bldLst>
   </p:timing>
 </p:sld>

--- a/TRAVAUX/powerpointRevisionISTQB.pptx
+++ b/TRAVAUX/powerpointRevisionISTQB.pptx
@@ -33,6 +33,8 @@
     <p:sldId id="287" r:id="rId27"/>
     <p:sldId id="288" r:id="rId28"/>
     <p:sldId id="291" r:id="rId29"/>
+    <p:sldId id="294" r:id="rId30"/>
+    <p:sldId id="295" r:id="rId31"/>
   </p:sldIdLst>
   <p:sldSz cx="12192000" cy="6858000"/>
   <p:notesSz cx="6858000" cy="9144000"/>
@@ -12268,7 +12270,7 @@
         </p:nvSpPr>
         <p:spPr>
           <a:xfrm>
-            <a:off x="2281087" y="2261419"/>
+            <a:off x="2254193" y="2279349"/>
             <a:ext cx="9694599" cy="1754326"/>
           </a:xfrm>
           <a:prstGeom prst="rect">
@@ -12374,7 +12376,7 @@
                 <a:latin typeface="Microsoft JhengHei Light" panose="020B0304030504040204" pitchFamily="34" charset="-120"/>
                 <a:ea typeface="Microsoft JhengHei Light" panose="020B0304030504040204" pitchFamily="34" charset="-120"/>
               </a:rPr>
-              <a:t>Tests de récupération</a:t>
+              <a:t>Tests de récupération…</a:t>
             </a:r>
           </a:p>
         </p:txBody>
@@ -16891,6 +16893,332 @@
 </p:sld>
 </file>
 
+<file path=ppt/slides/slide29.xml><?xml version="1.0" encoding="utf-8"?>
+<p:sld xmlns:a="http://schemas.openxmlformats.org/drawingml/2006/main" xmlns:r="http://schemas.openxmlformats.org/officeDocument/2006/relationships" xmlns:p="http://schemas.openxmlformats.org/presentationml/2006/main">
+  <p:cSld>
+    <p:bg>
+      <p:bgPr>
+        <a:solidFill>
+          <a:schemeClr val="bg2">
+            <a:lumMod val="10000"/>
+          </a:schemeClr>
+        </a:solidFill>
+        <a:effectLst/>
+      </p:bgPr>
+    </p:bg>
+    <p:spTree>
+      <p:nvGrpSpPr>
+        <p:cNvPr id="1" name=""/>
+        <p:cNvGrpSpPr/>
+        <p:nvPr/>
+      </p:nvGrpSpPr>
+      <p:grpSpPr>
+        <a:xfrm>
+          <a:off x="0" y="0"/>
+          <a:ext cx="0" cy="0"/>
+          <a:chOff x="0" y="0"/>
+          <a:chExt cx="0" cy="0"/>
+        </a:xfrm>
+      </p:grpSpPr>
+      <p:sp>
+        <p:nvSpPr>
+          <p:cNvPr id="5" name="ZoneTexte 4">
+            <a:extLst>
+              <a:ext uri="{FF2B5EF4-FFF2-40B4-BE49-F238E27FC236}">
+                <a16:creationId xmlns:a16="http://schemas.microsoft.com/office/drawing/2014/main" id="{7A8E3FEB-80E1-B027-5070-642DDB721044}"/>
+              </a:ext>
+            </a:extLst>
+          </p:cNvPr>
+          <p:cNvSpPr txBox="1"/>
+          <p:nvPr/>
+        </p:nvSpPr>
+        <p:spPr>
+          <a:xfrm>
+            <a:off x="2496671" y="2721114"/>
+            <a:ext cx="7198658" cy="707886"/>
+          </a:xfrm>
+          <a:prstGeom prst="rect">
+            <a:avLst/>
+          </a:prstGeom>
+          <a:noFill/>
+        </p:spPr>
+        <p:txBody>
+          <a:bodyPr wrap="square" rtlCol="0">
+            <a:spAutoFit/>
+          </a:bodyPr>
+          <a:lstStyle/>
+          <a:p>
+            <a:r>
+              <a:rPr lang="fr-FR" sz="4000" b="1" dirty="0">
+                <a:solidFill>
+                  <a:schemeClr val="bg1"/>
+                </a:solidFill>
+                <a:latin typeface="Microsoft JhengHei Light" panose="020B0304030504040204" pitchFamily="34" charset="-120"/>
+                <a:ea typeface="Microsoft JhengHei Light" panose="020B0304030504040204" pitchFamily="34" charset="-120"/>
+              </a:rPr>
+              <a:t>Chapitre 3 :</a:t>
+            </a:r>
+            <a:r>
+              <a:rPr lang="fr-FR" sz="4000" dirty="0">
+                <a:solidFill>
+                  <a:schemeClr val="bg1"/>
+                </a:solidFill>
+                <a:latin typeface="Microsoft JhengHei Light" panose="020B0304030504040204" pitchFamily="34" charset="-120"/>
+                <a:ea typeface="Microsoft JhengHei Light" panose="020B0304030504040204" pitchFamily="34" charset="-120"/>
+              </a:rPr>
+              <a:t> Les tests statiques</a:t>
+            </a:r>
+            <a:endParaRPr lang="fr-FR" sz="4000" b="1" dirty="0">
+              <a:solidFill>
+                <a:schemeClr val="bg1"/>
+              </a:solidFill>
+              <a:latin typeface="Microsoft JhengHei Light" panose="020B0304030504040204" pitchFamily="34" charset="-120"/>
+              <a:ea typeface="Microsoft JhengHei Light" panose="020B0304030504040204" pitchFamily="34" charset="-120"/>
+            </a:endParaRPr>
+          </a:p>
+        </p:txBody>
+      </p:sp>
+      <p:cxnSp>
+        <p:nvCxnSpPr>
+          <p:cNvPr id="7" name="Connecteur droit 6">
+            <a:extLst>
+              <a:ext uri="{FF2B5EF4-FFF2-40B4-BE49-F238E27FC236}">
+                <a16:creationId xmlns:a16="http://schemas.microsoft.com/office/drawing/2014/main" id="{4FC2010E-25BB-F09B-1F00-835A51E62074}"/>
+              </a:ext>
+            </a:extLst>
+          </p:cNvPr>
+          <p:cNvCxnSpPr>
+            <a:cxnSpLocks/>
+          </p:cNvCxnSpPr>
+          <p:nvPr/>
+        </p:nvCxnSpPr>
+        <p:spPr>
+          <a:xfrm>
+            <a:off x="2575112" y="3567953"/>
+            <a:ext cx="6945406" cy="0"/>
+          </a:xfrm>
+          <a:prstGeom prst="line">
+            <a:avLst/>
+          </a:prstGeom>
+          <a:ln w="76200">
+            <a:solidFill>
+              <a:srgbClr val="FF0000"/>
+            </a:solidFill>
+          </a:ln>
+        </p:spPr>
+        <p:style>
+          <a:lnRef idx="1">
+            <a:schemeClr val="accent1"/>
+          </a:lnRef>
+          <a:fillRef idx="0">
+            <a:schemeClr val="accent1"/>
+          </a:fillRef>
+          <a:effectRef idx="0">
+            <a:schemeClr val="accent1"/>
+          </a:effectRef>
+          <a:fontRef idx="minor">
+            <a:schemeClr val="tx1"/>
+          </a:fontRef>
+        </p:style>
+      </p:cxnSp>
+    </p:spTree>
+    <p:extLst>
+      <p:ext uri="{BB962C8B-B14F-4D97-AF65-F5344CB8AC3E}">
+        <p14:creationId xmlns:p14="http://schemas.microsoft.com/office/powerpoint/2010/main" val="4197764338"/>
+      </p:ext>
+    </p:extLst>
+  </p:cSld>
+  <p:clrMapOvr>
+    <a:masterClrMapping/>
+  </p:clrMapOvr>
+  <p:timing>
+    <p:tnLst>
+      <p:par>
+        <p:cTn id="1" dur="indefinite" restart="never" nodeType="tmRoot">
+          <p:childTnLst>
+            <p:seq concurrent="1" nextAc="seek">
+              <p:cTn id="2" dur="indefinite" nodeType="mainSeq">
+                <p:childTnLst>
+                  <p:par>
+                    <p:cTn id="3" fill="hold">
+                      <p:stCondLst>
+                        <p:cond delay="indefinite"/>
+                      </p:stCondLst>
+                      <p:childTnLst>
+                        <p:par>
+                          <p:cTn id="4" fill="hold">
+                            <p:stCondLst>
+                              <p:cond delay="0"/>
+                            </p:stCondLst>
+                            <p:childTnLst>
+                              <p:par>
+                                <p:cTn id="5" presetID="42" presetClass="entr" presetSubtype="0" fill="hold" grpId="0" nodeType="clickEffect">
+                                  <p:stCondLst>
+                                    <p:cond delay="0"/>
+                                  </p:stCondLst>
+                                  <p:childTnLst>
+                                    <p:set>
+                                      <p:cBhvr>
+                                        <p:cTn id="6" dur="1" fill="hold">
+                                          <p:stCondLst>
+                                            <p:cond delay="0"/>
+                                          </p:stCondLst>
+                                        </p:cTn>
+                                        <p:tgtEl>
+                                          <p:spTgt spid="5"/>
+                                        </p:tgtEl>
+                                        <p:attrNameLst>
+                                          <p:attrName>style.visibility</p:attrName>
+                                        </p:attrNameLst>
+                                      </p:cBhvr>
+                                      <p:to>
+                                        <p:strVal val="visible"/>
+                                      </p:to>
+                                    </p:set>
+                                    <p:animEffect transition="in" filter="fade">
+                                      <p:cBhvr>
+                                        <p:cTn id="7" dur="1000"/>
+                                        <p:tgtEl>
+                                          <p:spTgt spid="5"/>
+                                        </p:tgtEl>
+                                      </p:cBhvr>
+                                    </p:animEffect>
+                                    <p:anim calcmode="lin" valueType="num">
+                                      <p:cBhvr>
+                                        <p:cTn id="8" dur="1000" fill="hold"/>
+                                        <p:tgtEl>
+                                          <p:spTgt spid="5"/>
+                                        </p:tgtEl>
+                                        <p:attrNameLst>
+                                          <p:attrName>ppt_x</p:attrName>
+                                        </p:attrNameLst>
+                                      </p:cBhvr>
+                                      <p:tavLst>
+                                        <p:tav tm="0">
+                                          <p:val>
+                                            <p:strVal val="#ppt_x"/>
+                                          </p:val>
+                                        </p:tav>
+                                        <p:tav tm="100000">
+                                          <p:val>
+                                            <p:strVal val="#ppt_x"/>
+                                          </p:val>
+                                        </p:tav>
+                                      </p:tavLst>
+                                    </p:anim>
+                                    <p:anim calcmode="lin" valueType="num">
+                                      <p:cBhvr>
+                                        <p:cTn id="9" dur="1000" fill="hold"/>
+                                        <p:tgtEl>
+                                          <p:spTgt spid="5"/>
+                                        </p:tgtEl>
+                                        <p:attrNameLst>
+                                          <p:attrName>ppt_y</p:attrName>
+                                        </p:attrNameLst>
+                                      </p:cBhvr>
+                                      <p:tavLst>
+                                        <p:tav tm="0">
+                                          <p:val>
+                                            <p:strVal val="#ppt_y+.1"/>
+                                          </p:val>
+                                        </p:tav>
+                                        <p:tav tm="100000">
+                                          <p:val>
+                                            <p:strVal val="#ppt_y"/>
+                                          </p:val>
+                                        </p:tav>
+                                      </p:tavLst>
+                                    </p:anim>
+                                  </p:childTnLst>
+                                </p:cTn>
+                              </p:par>
+                            </p:childTnLst>
+                          </p:cTn>
+                        </p:par>
+                      </p:childTnLst>
+                    </p:cTn>
+                  </p:par>
+                  <p:par>
+                    <p:cTn id="10" fill="hold">
+                      <p:stCondLst>
+                        <p:cond delay="indefinite"/>
+                      </p:stCondLst>
+                      <p:childTnLst>
+                        <p:par>
+                          <p:cTn id="11" fill="hold">
+                            <p:stCondLst>
+                              <p:cond delay="0"/>
+                            </p:stCondLst>
+                            <p:childTnLst>
+                              <p:par>
+                                <p:cTn id="12" presetID="22" presetClass="entr" presetSubtype="8" fill="hold" nodeType="clickEffect">
+                                  <p:stCondLst>
+                                    <p:cond delay="0"/>
+                                  </p:stCondLst>
+                                  <p:childTnLst>
+                                    <p:set>
+                                      <p:cBhvr>
+                                        <p:cTn id="13" dur="1" fill="hold">
+                                          <p:stCondLst>
+                                            <p:cond delay="0"/>
+                                          </p:stCondLst>
+                                        </p:cTn>
+                                        <p:tgtEl>
+                                          <p:spTgt spid="7"/>
+                                        </p:tgtEl>
+                                        <p:attrNameLst>
+                                          <p:attrName>style.visibility</p:attrName>
+                                        </p:attrNameLst>
+                                      </p:cBhvr>
+                                      <p:to>
+                                        <p:strVal val="visible"/>
+                                      </p:to>
+                                    </p:set>
+                                    <p:animEffect transition="in" filter="wipe(left)">
+                                      <p:cBhvr>
+                                        <p:cTn id="14" dur="500"/>
+                                        <p:tgtEl>
+                                          <p:spTgt spid="7"/>
+                                        </p:tgtEl>
+                                      </p:cBhvr>
+                                    </p:animEffect>
+                                  </p:childTnLst>
+                                </p:cTn>
+                              </p:par>
+                            </p:childTnLst>
+                          </p:cTn>
+                        </p:par>
+                      </p:childTnLst>
+                    </p:cTn>
+                  </p:par>
+                </p:childTnLst>
+              </p:cTn>
+              <p:prevCondLst>
+                <p:cond evt="onPrev" delay="0">
+                  <p:tgtEl>
+                    <p:sldTgt/>
+                  </p:tgtEl>
+                </p:cond>
+              </p:prevCondLst>
+              <p:nextCondLst>
+                <p:cond evt="onNext" delay="0">
+                  <p:tgtEl>
+                    <p:sldTgt/>
+                  </p:tgtEl>
+                </p:cond>
+              </p:nextCondLst>
+            </p:seq>
+          </p:childTnLst>
+        </p:cTn>
+      </p:par>
+    </p:tnLst>
+    <p:bldLst>
+      <p:bldP spid="5" grpId="0"/>
+    </p:bldLst>
+  </p:timing>
+</p:sld>
+</file>
+
 <file path=ppt/slides/slide3.xml><?xml version="1.0" encoding="utf-8"?>
 <p:sld xmlns:a="http://schemas.openxmlformats.org/drawingml/2006/main" xmlns:r="http://schemas.openxmlformats.org/officeDocument/2006/relationships" xmlns:p="http://schemas.openxmlformats.org/presentationml/2006/main">
   <p:cSld>
@@ -17527,6 +17855,128 @@
       <p:bldP spid="14" grpId="0"/>
     </p:bldLst>
   </p:timing>
+</p:sld>
+</file>
+
+<file path=ppt/slides/slide30.xml><?xml version="1.0" encoding="utf-8"?>
+<p:sld xmlns:a="http://schemas.openxmlformats.org/drawingml/2006/main" xmlns:r="http://schemas.openxmlformats.org/officeDocument/2006/relationships" xmlns:p="http://schemas.openxmlformats.org/presentationml/2006/main">
+  <p:cSld>
+    <p:bg>
+      <p:bgPr>
+        <a:solidFill>
+          <a:schemeClr val="bg2">
+            <a:lumMod val="10000"/>
+          </a:schemeClr>
+        </a:solidFill>
+        <a:effectLst/>
+      </p:bgPr>
+    </p:bg>
+    <p:spTree>
+      <p:nvGrpSpPr>
+        <p:cNvPr id="1" name=""/>
+        <p:cNvGrpSpPr/>
+        <p:nvPr/>
+      </p:nvGrpSpPr>
+      <p:grpSpPr>
+        <a:xfrm>
+          <a:off x="0" y="0"/>
+          <a:ext cx="0" cy="0"/>
+          <a:chOff x="0" y="0"/>
+          <a:chExt cx="0" cy="0"/>
+        </a:xfrm>
+      </p:grpSpPr>
+      <p:cxnSp>
+        <p:nvCxnSpPr>
+          <p:cNvPr id="3" name="Connecteur droit 2">
+            <a:extLst>
+              <a:ext uri="{FF2B5EF4-FFF2-40B4-BE49-F238E27FC236}">
+                <a16:creationId xmlns:a16="http://schemas.microsoft.com/office/drawing/2014/main" id="{E6AEDF2A-6A7C-04E3-34DC-64A23032B346}"/>
+              </a:ext>
+            </a:extLst>
+          </p:cNvPr>
+          <p:cNvCxnSpPr/>
+          <p:nvPr/>
+        </p:nvCxnSpPr>
+        <p:spPr>
+          <a:xfrm>
+            <a:off x="995082" y="0"/>
+            <a:ext cx="0" cy="6858000"/>
+          </a:xfrm>
+          <a:prstGeom prst="line">
+            <a:avLst/>
+          </a:prstGeom>
+          <a:ln w="76200">
+            <a:solidFill>
+              <a:srgbClr val="FF0000"/>
+            </a:solidFill>
+          </a:ln>
+        </p:spPr>
+        <p:style>
+          <a:lnRef idx="1">
+            <a:schemeClr val="accent1"/>
+          </a:lnRef>
+          <a:fillRef idx="0">
+            <a:schemeClr val="accent1"/>
+          </a:fillRef>
+          <a:effectRef idx="0">
+            <a:schemeClr val="accent1"/>
+          </a:effectRef>
+          <a:fontRef idx="minor">
+            <a:schemeClr val="tx1"/>
+          </a:fontRef>
+        </p:style>
+      </p:cxnSp>
+      <p:cxnSp>
+        <p:nvCxnSpPr>
+          <p:cNvPr id="4" name="Connecteur droit 3">
+            <a:extLst>
+              <a:ext uri="{FF2B5EF4-FFF2-40B4-BE49-F238E27FC236}">
+                <a16:creationId xmlns:a16="http://schemas.microsoft.com/office/drawing/2014/main" id="{85B04947-ECCE-5EF6-7E9D-CF930C151049}"/>
+              </a:ext>
+            </a:extLst>
+          </p:cNvPr>
+          <p:cNvCxnSpPr/>
+          <p:nvPr/>
+        </p:nvCxnSpPr>
+        <p:spPr>
+          <a:xfrm>
+            <a:off x="1272988" y="0"/>
+            <a:ext cx="0" cy="6858000"/>
+          </a:xfrm>
+          <a:prstGeom prst="line">
+            <a:avLst/>
+          </a:prstGeom>
+          <a:ln w="76200">
+            <a:solidFill>
+              <a:srgbClr val="FF0000"/>
+            </a:solidFill>
+          </a:ln>
+        </p:spPr>
+        <p:style>
+          <a:lnRef idx="1">
+            <a:schemeClr val="accent1"/>
+          </a:lnRef>
+          <a:fillRef idx="0">
+            <a:schemeClr val="accent1"/>
+          </a:fillRef>
+          <a:effectRef idx="0">
+            <a:schemeClr val="accent1"/>
+          </a:effectRef>
+          <a:fontRef idx="minor">
+            <a:schemeClr val="tx1"/>
+          </a:fontRef>
+        </p:style>
+      </p:cxnSp>
+    </p:spTree>
+    <p:extLst>
+      <p:ext uri="{BB962C8B-B14F-4D97-AF65-F5344CB8AC3E}">
+        <p14:creationId xmlns:p14="http://schemas.microsoft.com/office/powerpoint/2010/main" val="3983828780"/>
+      </p:ext>
+    </p:extLst>
+  </p:cSld>
+  <p:clrMapOvr>
+    <a:masterClrMapping/>
+  </p:clrMapOvr>
 </p:sld>
 </file>
 
@@ -18274,6 +18724,152 @@
           </a:fontRef>
         </p:style>
       </p:cxnSp>
+      <p:sp>
+        <p:nvSpPr>
+          <p:cNvPr id="5" name="ZoneTexte 4">
+            <a:extLst>
+              <a:ext uri="{FF2B5EF4-FFF2-40B4-BE49-F238E27FC236}">
+                <a16:creationId xmlns:a16="http://schemas.microsoft.com/office/drawing/2014/main" id="{3D870387-A1C8-AE82-959D-EAF5C0D9F2F4}"/>
+              </a:ext>
+            </a:extLst>
+          </p:cNvPr>
+          <p:cNvSpPr txBox="1"/>
+          <p:nvPr/>
+        </p:nvSpPr>
+        <p:spPr>
+          <a:xfrm>
+            <a:off x="1685365" y="528917"/>
+            <a:ext cx="7790329" cy="646331"/>
+          </a:xfrm>
+          <a:prstGeom prst="rect">
+            <a:avLst/>
+          </a:prstGeom>
+          <a:noFill/>
+        </p:spPr>
+        <p:txBody>
+          <a:bodyPr wrap="square" rtlCol="0">
+            <a:spAutoFit/>
+          </a:bodyPr>
+          <a:lstStyle/>
+          <a:p>
+            <a:r>
+              <a:rPr lang="fr-FR" sz="3600" b="1" u="sng" dirty="0">
+                <a:solidFill>
+                  <a:schemeClr val="bg1"/>
+                </a:solidFill>
+                <a:latin typeface="Microsoft JhengHei Light" panose="020B0304030504040204" pitchFamily="34" charset="-120"/>
+                <a:ea typeface="Microsoft JhengHei Light" panose="020B0304030504040204" pitchFamily="34" charset="-120"/>
+              </a:rPr>
+              <a:t>La stratégie des tests</a:t>
+            </a:r>
+            <a:r>
+              <a:rPr lang="fr-FR" sz="3600" b="1" dirty="0">
+                <a:solidFill>
+                  <a:schemeClr val="bg1"/>
+                </a:solidFill>
+                <a:latin typeface="Microsoft JhengHei Light" panose="020B0304030504040204" pitchFamily="34" charset="-120"/>
+                <a:ea typeface="Microsoft JhengHei Light" panose="020B0304030504040204" pitchFamily="34" charset="-120"/>
+              </a:rPr>
+              <a:t> :</a:t>
+            </a:r>
+            <a:endParaRPr lang="fr-FR" sz="3600" b="1" u="sng" dirty="0">
+              <a:solidFill>
+                <a:schemeClr val="bg1"/>
+              </a:solidFill>
+              <a:latin typeface="Microsoft JhengHei Light" panose="020B0304030504040204" pitchFamily="34" charset="-120"/>
+              <a:ea typeface="Microsoft JhengHei Light" panose="020B0304030504040204" pitchFamily="34" charset="-120"/>
+            </a:endParaRPr>
+          </a:p>
+        </p:txBody>
+      </p:sp>
+      <p:sp>
+        <p:nvSpPr>
+          <p:cNvPr id="6" name="ZoneTexte 5">
+            <a:extLst>
+              <a:ext uri="{FF2B5EF4-FFF2-40B4-BE49-F238E27FC236}">
+                <a16:creationId xmlns:a16="http://schemas.microsoft.com/office/drawing/2014/main" id="{258EF893-E3DA-5B16-74AA-212E9278C034}"/>
+              </a:ext>
+            </a:extLst>
+          </p:cNvPr>
+          <p:cNvSpPr txBox="1"/>
+          <p:nvPr/>
+        </p:nvSpPr>
+        <p:spPr>
+          <a:xfrm>
+            <a:off x="1685365" y="1721223"/>
+            <a:ext cx="10022540" cy="2308324"/>
+          </a:xfrm>
+          <a:prstGeom prst="rect">
+            <a:avLst/>
+          </a:prstGeom>
+          <a:noFill/>
+        </p:spPr>
+        <p:txBody>
+          <a:bodyPr wrap="square" rtlCol="0">
+            <a:spAutoFit/>
+          </a:bodyPr>
+          <a:lstStyle/>
+          <a:p>
+            <a:pPr algn="just"/>
+            <a:r>
+              <a:rPr lang="fr-FR" dirty="0">
+                <a:solidFill>
+                  <a:schemeClr val="bg1"/>
+                </a:solidFill>
+                <a:latin typeface="Microsoft JhengHei Light" panose="020B0304030504040204" pitchFamily="34" charset="-120"/>
+                <a:ea typeface="Microsoft JhengHei Light" panose="020B0304030504040204" pitchFamily="34" charset="-120"/>
+              </a:rPr>
+              <a:t>La stratégie des tests sont définis selon l’ISTQB, comme étant un document du haut niveau qui permet de définir, pour un programme, les niveaux de tests à exécutés et également les différents tests dans chacun de ces niveaux que ce soit pour un ou plusieurs projet(s).</a:t>
+            </a:r>
+          </a:p>
+          <a:p>
+            <a:pPr algn="just"/>
+            <a:endParaRPr lang="fr-FR" dirty="0">
+              <a:solidFill>
+                <a:schemeClr val="bg1"/>
+              </a:solidFill>
+              <a:latin typeface="Microsoft JhengHei Light" panose="020B0304030504040204" pitchFamily="34" charset="-120"/>
+              <a:ea typeface="Microsoft JhengHei Light" panose="020B0304030504040204" pitchFamily="34" charset="-120"/>
+            </a:endParaRPr>
+          </a:p>
+          <a:p>
+            <a:pPr algn="just"/>
+            <a:r>
+              <a:rPr lang="fr-FR" dirty="0">
+                <a:solidFill>
+                  <a:schemeClr val="bg1"/>
+                </a:solidFill>
+                <a:latin typeface="Microsoft JhengHei Light" panose="020B0304030504040204" pitchFamily="34" charset="-120"/>
+                <a:ea typeface="Microsoft JhengHei Light" panose="020B0304030504040204" pitchFamily="34" charset="-120"/>
+              </a:rPr>
+              <a:t>L’ISTQB définit également la stratégie des tests comme un description générale d’un processus de test et qui s’applique à tous les niveaux du produit ou de l’organisation. </a:t>
+            </a:r>
+          </a:p>
+          <a:p>
+            <a:pPr algn="just"/>
+            <a:endParaRPr lang="fr-FR" dirty="0">
+              <a:solidFill>
+                <a:schemeClr val="bg1"/>
+              </a:solidFill>
+              <a:latin typeface="Microsoft JhengHei Light" panose="020B0304030504040204" pitchFamily="34" charset="-120"/>
+              <a:ea typeface="Microsoft JhengHei Light" panose="020B0304030504040204" pitchFamily="34" charset="-120"/>
+            </a:endParaRPr>
+          </a:p>
+          <a:p>
+            <a:pPr algn="just"/>
+            <a:r>
+              <a:rPr lang="fr-FR" dirty="0">
+                <a:solidFill>
+                  <a:schemeClr val="bg1"/>
+                </a:solidFill>
+                <a:latin typeface="Microsoft JhengHei Light" panose="020B0304030504040204" pitchFamily="34" charset="-120"/>
+                <a:ea typeface="Microsoft JhengHei Light" panose="020B0304030504040204" pitchFamily="34" charset="-120"/>
+              </a:rPr>
+              <a:t>Dans cette notion, nous retrouvons plusieurs stratégies.</a:t>
+            </a:r>
+          </a:p>
+        </p:txBody>
+      </p:sp>
     </p:spTree>
     <p:extLst>
       <p:ext uri="{BB962C8B-B14F-4D97-AF65-F5344CB8AC3E}">
@@ -18342,15 +18938,24 @@
                                   </p:childTnLst>
                                 </p:cTn>
                               </p:par>
+                            </p:childTnLst>
+                          </p:cTn>
+                        </p:par>
+                        <p:par>
+                          <p:cTn id="8" fill="hold">
+                            <p:stCondLst>
+                              <p:cond delay="300"/>
+                            </p:stCondLst>
+                            <p:childTnLst>
                               <p:par>
-                                <p:cTn id="8" presetID="10" presetClass="entr" presetSubtype="0" fill="hold" nodeType="withEffect">
+                                <p:cTn id="9" presetID="10" presetClass="entr" presetSubtype="0" fill="hold" nodeType="afterEffect">
                                   <p:stCondLst>
                                     <p:cond delay="0"/>
                                   </p:stCondLst>
                                   <p:childTnLst>
                                     <p:set>
                                       <p:cBhvr>
-                                        <p:cTn id="9" dur="1" fill="hold">
+                                        <p:cTn id="10" dur="1" fill="hold">
                                           <p:stCondLst>
                                             <p:cond delay="0"/>
                                           </p:stCondLst>
@@ -18368,9 +18973,161 @@
                                     </p:set>
                                     <p:animEffect transition="in" filter="fade">
                                       <p:cBhvr>
-                                        <p:cTn id="10" dur="300"/>
+                                        <p:cTn id="11" dur="300"/>
                                         <p:tgtEl>
                                           <p:spTgt spid="4"/>
+                                        </p:tgtEl>
+                                      </p:cBhvr>
+                                    </p:animEffect>
+                                  </p:childTnLst>
+                                </p:cTn>
+                              </p:par>
+                            </p:childTnLst>
+                          </p:cTn>
+                        </p:par>
+                      </p:childTnLst>
+                    </p:cTn>
+                  </p:par>
+                  <p:par>
+                    <p:cTn id="12" fill="hold">
+                      <p:stCondLst>
+                        <p:cond delay="indefinite"/>
+                      </p:stCondLst>
+                      <p:childTnLst>
+                        <p:par>
+                          <p:cTn id="13" fill="hold">
+                            <p:stCondLst>
+                              <p:cond delay="0"/>
+                            </p:stCondLst>
+                            <p:childTnLst>
+                              <p:par>
+                                <p:cTn id="14" presetID="42" presetClass="entr" presetSubtype="0" fill="hold" grpId="0" nodeType="clickEffect">
+                                  <p:stCondLst>
+                                    <p:cond delay="0"/>
+                                  </p:stCondLst>
+                                  <p:childTnLst>
+                                    <p:set>
+                                      <p:cBhvr>
+                                        <p:cTn id="15" dur="1" fill="hold">
+                                          <p:stCondLst>
+                                            <p:cond delay="0"/>
+                                          </p:stCondLst>
+                                        </p:cTn>
+                                        <p:tgtEl>
+                                          <p:spTgt spid="5"/>
+                                        </p:tgtEl>
+                                        <p:attrNameLst>
+                                          <p:attrName>style.visibility</p:attrName>
+                                        </p:attrNameLst>
+                                      </p:cBhvr>
+                                      <p:to>
+                                        <p:strVal val="visible"/>
+                                      </p:to>
+                                    </p:set>
+                                    <p:animEffect transition="in" filter="fade">
+                                      <p:cBhvr>
+                                        <p:cTn id="16" dur="1000"/>
+                                        <p:tgtEl>
+                                          <p:spTgt spid="5"/>
+                                        </p:tgtEl>
+                                      </p:cBhvr>
+                                    </p:animEffect>
+                                    <p:anim calcmode="lin" valueType="num">
+                                      <p:cBhvr>
+                                        <p:cTn id="17" dur="1000" fill="hold"/>
+                                        <p:tgtEl>
+                                          <p:spTgt spid="5"/>
+                                        </p:tgtEl>
+                                        <p:attrNameLst>
+                                          <p:attrName>ppt_x</p:attrName>
+                                        </p:attrNameLst>
+                                      </p:cBhvr>
+                                      <p:tavLst>
+                                        <p:tav tm="0">
+                                          <p:val>
+                                            <p:strVal val="#ppt_x"/>
+                                          </p:val>
+                                        </p:tav>
+                                        <p:tav tm="100000">
+                                          <p:val>
+                                            <p:strVal val="#ppt_x"/>
+                                          </p:val>
+                                        </p:tav>
+                                      </p:tavLst>
+                                    </p:anim>
+                                    <p:anim calcmode="lin" valueType="num">
+                                      <p:cBhvr>
+                                        <p:cTn id="18" dur="1000" fill="hold"/>
+                                        <p:tgtEl>
+                                          <p:spTgt spid="5"/>
+                                        </p:tgtEl>
+                                        <p:attrNameLst>
+                                          <p:attrName>ppt_y</p:attrName>
+                                        </p:attrNameLst>
+                                      </p:cBhvr>
+                                      <p:tavLst>
+                                        <p:tav tm="0">
+                                          <p:val>
+                                            <p:strVal val="#ppt_y+.1"/>
+                                          </p:val>
+                                        </p:tav>
+                                        <p:tav tm="100000">
+                                          <p:val>
+                                            <p:strVal val="#ppt_y"/>
+                                          </p:val>
+                                        </p:tav>
+                                      </p:tavLst>
+                                    </p:anim>
+                                  </p:childTnLst>
+                                </p:cTn>
+                              </p:par>
+                            </p:childTnLst>
+                          </p:cTn>
+                        </p:par>
+                      </p:childTnLst>
+                    </p:cTn>
+                  </p:par>
+                  <p:par>
+                    <p:cTn id="19" fill="hold">
+                      <p:stCondLst>
+                        <p:cond delay="indefinite"/>
+                      </p:stCondLst>
+                      <p:childTnLst>
+                        <p:par>
+                          <p:cTn id="20" fill="hold">
+                            <p:stCondLst>
+                              <p:cond delay="0"/>
+                            </p:stCondLst>
+                            <p:childTnLst>
+                              <p:par>
+                                <p:cTn id="21" presetID="10" presetClass="entr" presetSubtype="0" fill="hold" grpId="0" nodeType="clickEffect">
+                                  <p:stCondLst>
+                                    <p:cond delay="0"/>
+                                  </p:stCondLst>
+                                  <p:childTnLst>
+                                    <p:set>
+                                      <p:cBhvr>
+                                        <p:cTn id="22" dur="1" fill="hold">
+                                          <p:stCondLst>
+                                            <p:cond delay="0"/>
+                                          </p:stCondLst>
+                                        </p:cTn>
+                                        <p:tgtEl>
+                                          <p:spTgt spid="6"/>
+                                        </p:tgtEl>
+                                        <p:attrNameLst>
+                                          <p:attrName>style.visibility</p:attrName>
+                                        </p:attrNameLst>
+                                      </p:cBhvr>
+                                      <p:to>
+                                        <p:strVal val="visible"/>
+                                      </p:to>
+                                    </p:set>
+                                    <p:animEffect transition="in" filter="fade">
+                                      <p:cBhvr>
+                                        <p:cTn id="23" dur="500"/>
+                                        <p:tgtEl>
+                                          <p:spTgt spid="6"/>
                                         </p:tgtEl>
                                       </p:cBhvr>
                                     </p:animEffect>
@@ -18404,6 +19161,10 @@
         </p:cTn>
       </p:par>
     </p:tnLst>
+    <p:bldLst>
+      <p:bldP spid="5" grpId="0"/>
+      <p:bldP spid="6" grpId="0"/>
+    </p:bldLst>
   </p:timing>
 </p:sld>
 </file>
@@ -19911,7 +20672,7 @@
         </p:nvCxnSpPr>
         <p:spPr>
           <a:xfrm>
-            <a:off x="2762864" y="3527322"/>
+            <a:off x="2735969" y="3527322"/>
             <a:ext cx="6862916" cy="0"/>
           </a:xfrm>
           <a:prstGeom prst="line">

--- a/TRAVAUX/powerpointRevisionISTQB.pptx
+++ b/TRAVAUX/powerpointRevisionISTQB.pptx
@@ -35,6 +35,11 @@
     <p:sldId id="291" r:id="rId29"/>
     <p:sldId id="294" r:id="rId30"/>
     <p:sldId id="295" r:id="rId31"/>
+    <p:sldId id="296" r:id="rId32"/>
+    <p:sldId id="297" r:id="rId33"/>
+    <p:sldId id="298" r:id="rId34"/>
+    <p:sldId id="299" r:id="rId35"/>
+    <p:sldId id="300" r:id="rId36"/>
   </p:sldIdLst>
   <p:sldSz cx="12192000" cy="6858000"/>
   <p:notesSz cx="6858000" cy="9144000"/>
@@ -6439,67 +6444,6 @@
       </p:sp>
       <p:sp>
         <p:nvSpPr>
-          <p:cNvPr id="6" name="ZoneTexte 5">
-            <a:extLst>
-              <a:ext uri="{FF2B5EF4-FFF2-40B4-BE49-F238E27FC236}">
-                <a16:creationId xmlns:a16="http://schemas.microsoft.com/office/drawing/2014/main" id="{B6D6C9C5-C951-3DEF-6AED-A9A9F1EC3F28}"/>
-              </a:ext>
-            </a:extLst>
-          </p:cNvPr>
-          <p:cNvSpPr txBox="1"/>
-          <p:nvPr/>
-        </p:nvSpPr>
-        <p:spPr>
-          <a:xfrm>
-            <a:off x="1399592" y="1654724"/>
-            <a:ext cx="3554964" cy="369332"/>
-          </a:xfrm>
-          <a:prstGeom prst="rect">
-            <a:avLst/>
-          </a:prstGeom>
-          <a:noFill/>
-        </p:spPr>
-        <p:txBody>
-          <a:bodyPr wrap="square" rtlCol="0">
-            <a:spAutoFit/>
-          </a:bodyPr>
-          <a:lstStyle/>
-          <a:p>
-            <a:r>
-              <a:rPr lang="fr-FR" b="1" dirty="0">
-                <a:solidFill>
-                  <a:schemeClr val="bg1"/>
-                </a:solidFill>
-                <a:latin typeface="Microsoft JhengHei Light" panose="020B0304030504040204" pitchFamily="34" charset="-120"/>
-                <a:ea typeface="Microsoft JhengHei Light" panose="020B0304030504040204" pitchFamily="34" charset="-120"/>
-              </a:rPr>
-              <a:t>* </a:t>
-            </a:r>
-            <a:r>
-              <a:rPr lang="fr-FR" b="1" u="sng" dirty="0">
-                <a:solidFill>
-                  <a:schemeClr val="bg1"/>
-                </a:solidFill>
-                <a:latin typeface="Microsoft JhengHei Light" panose="020B0304030504040204" pitchFamily="34" charset="-120"/>
-                <a:ea typeface="Microsoft JhengHei Light" panose="020B0304030504040204" pitchFamily="34" charset="-120"/>
-              </a:rPr>
-              <a:t>Définition</a:t>
-            </a:r>
-            <a:r>
-              <a:rPr lang="fr-FR" b="1" dirty="0">
-                <a:solidFill>
-                  <a:schemeClr val="bg1"/>
-                </a:solidFill>
-                <a:latin typeface="Microsoft JhengHei Light" panose="020B0304030504040204" pitchFamily="34" charset="-120"/>
-                <a:ea typeface="Microsoft JhengHei Light" panose="020B0304030504040204" pitchFamily="34" charset="-120"/>
-              </a:rPr>
-              <a:t> :</a:t>
-            </a:r>
-          </a:p>
-        </p:txBody>
-      </p:sp>
-      <p:sp>
-        <p:nvSpPr>
           <p:cNvPr id="7" name="ZoneTexte 6">
             <a:extLst>
               <a:ext uri="{FF2B5EF4-FFF2-40B4-BE49-F238E27FC236}">
@@ -6512,7 +6456,7 @@
         </p:nvSpPr>
         <p:spPr>
           <a:xfrm>
-            <a:off x="1399592" y="2603241"/>
+            <a:off x="1399592" y="1626088"/>
             <a:ext cx="10077057" cy="2308324"/>
           </a:xfrm>
           <a:prstGeom prst="rect">
@@ -6809,39 +6753,21 @@
                                   </p:childTnLst>
                                 </p:cTn>
                               </p:par>
-                            </p:childTnLst>
-                          </p:cTn>
-                        </p:par>
-                      </p:childTnLst>
-                    </p:cTn>
-                  </p:par>
-                  <p:par>
-                    <p:cTn id="19" fill="hold">
-                      <p:stCondLst>
-                        <p:cond delay="indefinite"/>
-                      </p:stCondLst>
-                      <p:childTnLst>
-                        <p:par>
-                          <p:cTn id="20" fill="hold">
-                            <p:stCondLst>
-                              <p:cond delay="0"/>
-                            </p:stCondLst>
-                            <p:childTnLst>
                               <p:par>
-                                <p:cTn id="21" presetID="10" presetClass="entr" presetSubtype="0" fill="hold" grpId="0" nodeType="clickEffect">
+                                <p:cTn id="19" presetID="10" presetClass="entr" presetSubtype="0" fill="hold" grpId="0" nodeType="withEffect">
                                   <p:stCondLst>
                                     <p:cond delay="0"/>
                                   </p:stCondLst>
                                   <p:childTnLst>
                                     <p:set>
                                       <p:cBhvr>
-                                        <p:cTn id="22" dur="1" fill="hold">
+                                        <p:cTn id="20" dur="1" fill="hold">
                                           <p:stCondLst>
                                             <p:cond delay="0"/>
                                           </p:stCondLst>
                                         </p:cTn>
                                         <p:tgtEl>
-                                          <p:spTgt spid="6"/>
+                                          <p:spTgt spid="7"/>
                                         </p:tgtEl>
                                         <p:attrNameLst>
                                           <p:attrName>style.visibility</p:attrName>
@@ -6853,42 +6779,7 @@
                                     </p:set>
                                     <p:animEffect transition="in" filter="fade">
                                       <p:cBhvr>
-                                        <p:cTn id="23" dur="500"/>
-                                        <p:tgtEl>
-                                          <p:spTgt spid="6"/>
-                                        </p:tgtEl>
-                                      </p:cBhvr>
-                                    </p:animEffect>
-                                  </p:childTnLst>
-                                </p:cTn>
-                              </p:par>
-                              <p:par>
-                                <p:cTn id="24" presetID="10" presetClass="entr" presetSubtype="0" fill="hold" grpId="0" nodeType="withEffect">
-                                  <p:stCondLst>
-                                    <p:cond delay="0"/>
-                                  </p:stCondLst>
-                                  <p:childTnLst>
-                                    <p:set>
-                                      <p:cBhvr>
-                                        <p:cTn id="25" dur="1" fill="hold">
-                                          <p:stCondLst>
-                                            <p:cond delay="0"/>
-                                          </p:stCondLst>
-                                        </p:cTn>
-                                        <p:tgtEl>
-                                          <p:spTgt spid="7"/>
-                                        </p:tgtEl>
-                                        <p:attrNameLst>
-                                          <p:attrName>style.visibility</p:attrName>
-                                        </p:attrNameLst>
-                                      </p:cBhvr>
-                                      <p:to>
-                                        <p:strVal val="visible"/>
-                                      </p:to>
-                                    </p:set>
-                                    <p:animEffect transition="in" filter="fade">
-                                      <p:cBhvr>
-                                        <p:cTn id="26" dur="500"/>
+                                        <p:cTn id="21" dur="500"/>
                                         <p:tgtEl>
                                           <p:spTgt spid="7"/>
                                         </p:tgtEl>
@@ -6926,7 +6817,6 @@
     </p:tnLst>
     <p:bldLst>
       <p:bldP spid="5" grpId="0"/>
-      <p:bldP spid="6" grpId="0"/>
       <p:bldP spid="7" grpId="0"/>
     </p:bldLst>
   </p:timing>
@@ -7105,67 +6995,6 @@
       </p:sp>
       <p:sp>
         <p:nvSpPr>
-          <p:cNvPr id="6" name="ZoneTexte 5">
-            <a:extLst>
-              <a:ext uri="{FF2B5EF4-FFF2-40B4-BE49-F238E27FC236}">
-                <a16:creationId xmlns:a16="http://schemas.microsoft.com/office/drawing/2014/main" id="{03E16490-4C89-64B9-CB31-C89EB16E0DD1}"/>
-              </a:ext>
-            </a:extLst>
-          </p:cNvPr>
-          <p:cNvSpPr txBox="1"/>
-          <p:nvPr/>
-        </p:nvSpPr>
-        <p:spPr>
-          <a:xfrm>
-            <a:off x="1419726" y="1530219"/>
-            <a:ext cx="2873829" cy="369332"/>
-          </a:xfrm>
-          <a:prstGeom prst="rect">
-            <a:avLst/>
-          </a:prstGeom>
-          <a:noFill/>
-        </p:spPr>
-        <p:txBody>
-          <a:bodyPr wrap="square" rtlCol="0">
-            <a:spAutoFit/>
-          </a:bodyPr>
-          <a:lstStyle/>
-          <a:p>
-            <a:r>
-              <a:rPr lang="fr-FR" b="1" dirty="0">
-                <a:solidFill>
-                  <a:schemeClr val="bg1"/>
-                </a:solidFill>
-                <a:latin typeface="Microsoft JhengHei Light" panose="020B0304030504040204" pitchFamily="34" charset="-120"/>
-                <a:ea typeface="Microsoft JhengHei Light" panose="020B0304030504040204" pitchFamily="34" charset="-120"/>
-              </a:rPr>
-              <a:t>* </a:t>
-            </a:r>
-            <a:r>
-              <a:rPr lang="fr-FR" b="1" u="sng" dirty="0">
-                <a:solidFill>
-                  <a:schemeClr val="bg1"/>
-                </a:solidFill>
-                <a:latin typeface="Microsoft JhengHei Light" panose="020B0304030504040204" pitchFamily="34" charset="-120"/>
-                <a:ea typeface="Microsoft JhengHei Light" panose="020B0304030504040204" pitchFamily="34" charset="-120"/>
-              </a:rPr>
-              <a:t>Définition</a:t>
-            </a:r>
-            <a:r>
-              <a:rPr lang="fr-FR" b="1" dirty="0">
-                <a:solidFill>
-                  <a:schemeClr val="bg1"/>
-                </a:solidFill>
-                <a:latin typeface="Microsoft JhengHei Light" panose="020B0304030504040204" pitchFamily="34" charset="-120"/>
-                <a:ea typeface="Microsoft JhengHei Light" panose="020B0304030504040204" pitchFamily="34" charset="-120"/>
-              </a:rPr>
-              <a:t> :</a:t>
-            </a:r>
-          </a:p>
-        </p:txBody>
-      </p:sp>
-      <p:sp>
-        <p:nvSpPr>
           <p:cNvPr id="7" name="ZoneTexte 6">
             <a:extLst>
               <a:ext uri="{FF2B5EF4-FFF2-40B4-BE49-F238E27FC236}">
@@ -7178,7 +7007,7 @@
         </p:nvSpPr>
         <p:spPr>
           <a:xfrm>
-            <a:off x="1419726" y="2428875"/>
+            <a:off x="1419726" y="1622051"/>
             <a:ext cx="10467471" cy="2862322"/>
           </a:xfrm>
           <a:prstGeom prst="rect">
@@ -7483,39 +7312,21 @@
                                   </p:childTnLst>
                                 </p:cTn>
                               </p:par>
-                            </p:childTnLst>
-                          </p:cTn>
-                        </p:par>
-                      </p:childTnLst>
-                    </p:cTn>
-                  </p:par>
-                  <p:par>
-                    <p:cTn id="19" fill="hold">
-                      <p:stCondLst>
-                        <p:cond delay="indefinite"/>
-                      </p:stCondLst>
-                      <p:childTnLst>
-                        <p:par>
-                          <p:cTn id="20" fill="hold">
-                            <p:stCondLst>
-                              <p:cond delay="0"/>
-                            </p:stCondLst>
-                            <p:childTnLst>
                               <p:par>
-                                <p:cTn id="21" presetID="10" presetClass="entr" presetSubtype="0" fill="hold" grpId="0" nodeType="clickEffect">
+                                <p:cTn id="19" presetID="10" presetClass="entr" presetSubtype="0" fill="hold" grpId="0" nodeType="withEffect">
                                   <p:stCondLst>
                                     <p:cond delay="0"/>
                                   </p:stCondLst>
                                   <p:childTnLst>
                                     <p:set>
                                       <p:cBhvr>
-                                        <p:cTn id="22" dur="1" fill="hold">
+                                        <p:cTn id="20" dur="1" fill="hold">
                                           <p:stCondLst>
                                             <p:cond delay="0"/>
                                           </p:stCondLst>
                                         </p:cTn>
                                         <p:tgtEl>
-                                          <p:spTgt spid="6"/>
+                                          <p:spTgt spid="7"/>
                                         </p:tgtEl>
                                         <p:attrNameLst>
                                           <p:attrName>style.visibility</p:attrName>
@@ -7527,42 +7338,7 @@
                                     </p:set>
                                     <p:animEffect transition="in" filter="fade">
                                       <p:cBhvr>
-                                        <p:cTn id="23" dur="500"/>
-                                        <p:tgtEl>
-                                          <p:spTgt spid="6"/>
-                                        </p:tgtEl>
-                                      </p:cBhvr>
-                                    </p:animEffect>
-                                  </p:childTnLst>
-                                </p:cTn>
-                              </p:par>
-                              <p:par>
-                                <p:cTn id="24" presetID="10" presetClass="entr" presetSubtype="0" fill="hold" grpId="0" nodeType="withEffect">
-                                  <p:stCondLst>
-                                    <p:cond delay="0"/>
-                                  </p:stCondLst>
-                                  <p:childTnLst>
-                                    <p:set>
-                                      <p:cBhvr>
-                                        <p:cTn id="25" dur="1" fill="hold">
-                                          <p:stCondLst>
-                                            <p:cond delay="0"/>
-                                          </p:stCondLst>
-                                        </p:cTn>
-                                        <p:tgtEl>
-                                          <p:spTgt spid="7"/>
-                                        </p:tgtEl>
-                                        <p:attrNameLst>
-                                          <p:attrName>style.visibility</p:attrName>
-                                        </p:attrNameLst>
-                                      </p:cBhvr>
-                                      <p:to>
-                                        <p:strVal val="visible"/>
-                                      </p:to>
-                                    </p:set>
-                                    <p:animEffect transition="in" filter="fade">
-                                      <p:cBhvr>
-                                        <p:cTn id="26" dur="500"/>
+                                        <p:cTn id="21" dur="500"/>
                                         <p:tgtEl>
                                           <p:spTgt spid="7"/>
                                         </p:tgtEl>
@@ -7600,7 +7376,6 @@
     </p:tnLst>
     <p:bldLst>
       <p:bldP spid="5" grpId="0"/>
-      <p:bldP spid="6" grpId="0"/>
       <p:bldP spid="7" grpId="0"/>
     </p:bldLst>
   </p:timing>
@@ -7779,67 +7554,6 @@
       </p:sp>
       <p:sp>
         <p:nvSpPr>
-          <p:cNvPr id="6" name="ZoneTexte 5">
-            <a:extLst>
-              <a:ext uri="{FF2B5EF4-FFF2-40B4-BE49-F238E27FC236}">
-                <a16:creationId xmlns:a16="http://schemas.microsoft.com/office/drawing/2014/main" id="{AFEC6E66-EAC4-C39B-B9AB-7F4416BF81F7}"/>
-              </a:ext>
-            </a:extLst>
-          </p:cNvPr>
-          <p:cNvSpPr txBox="1"/>
-          <p:nvPr/>
-        </p:nvSpPr>
-        <p:spPr>
-          <a:xfrm>
-            <a:off x="1523998" y="1759974"/>
-            <a:ext cx="10274709" cy="369332"/>
-          </a:xfrm>
-          <a:prstGeom prst="rect">
-            <a:avLst/>
-          </a:prstGeom>
-          <a:noFill/>
-        </p:spPr>
-        <p:txBody>
-          <a:bodyPr wrap="square" rtlCol="0">
-            <a:spAutoFit/>
-          </a:bodyPr>
-          <a:lstStyle/>
-          <a:p>
-            <a:r>
-              <a:rPr lang="fr-FR" b="1" dirty="0">
-                <a:solidFill>
-                  <a:schemeClr val="bg1"/>
-                </a:solidFill>
-                <a:latin typeface="Microsoft JhengHei Light" panose="020B0304030504040204" pitchFamily="34" charset="-120"/>
-                <a:ea typeface="Microsoft JhengHei Light" panose="020B0304030504040204" pitchFamily="34" charset="-120"/>
-              </a:rPr>
-              <a:t>* </a:t>
-            </a:r>
-            <a:r>
-              <a:rPr lang="fr-FR" b="1" u="sng" dirty="0">
-                <a:solidFill>
-                  <a:schemeClr val="bg1"/>
-                </a:solidFill>
-                <a:latin typeface="Microsoft JhengHei Light" panose="020B0304030504040204" pitchFamily="34" charset="-120"/>
-                <a:ea typeface="Microsoft JhengHei Light" panose="020B0304030504040204" pitchFamily="34" charset="-120"/>
-              </a:rPr>
-              <a:t>Définition</a:t>
-            </a:r>
-            <a:r>
-              <a:rPr lang="fr-FR" b="1" dirty="0">
-                <a:solidFill>
-                  <a:schemeClr val="bg1"/>
-                </a:solidFill>
-                <a:latin typeface="Microsoft JhengHei Light" panose="020B0304030504040204" pitchFamily="34" charset="-120"/>
-                <a:ea typeface="Microsoft JhengHei Light" panose="020B0304030504040204" pitchFamily="34" charset="-120"/>
-              </a:rPr>
-              <a:t> :</a:t>
-            </a:r>
-          </a:p>
-        </p:txBody>
-      </p:sp>
-      <p:sp>
-        <p:nvSpPr>
           <p:cNvPr id="7" name="ZoneTexte 6">
             <a:extLst>
               <a:ext uri="{FF2B5EF4-FFF2-40B4-BE49-F238E27FC236}">
@@ -7852,7 +7566,7 @@
         </p:nvSpPr>
         <p:spPr>
           <a:xfrm>
-            <a:off x="1523998" y="2761168"/>
+            <a:off x="1523998" y="1810909"/>
             <a:ext cx="10225548" cy="1754326"/>
           </a:xfrm>
           <a:prstGeom prst="rect">
@@ -8134,39 +7848,21 @@
                                   </p:childTnLst>
                                 </p:cTn>
                               </p:par>
-                            </p:childTnLst>
-                          </p:cTn>
-                        </p:par>
-                      </p:childTnLst>
-                    </p:cTn>
-                  </p:par>
-                  <p:par>
-                    <p:cTn id="19" fill="hold">
-                      <p:stCondLst>
-                        <p:cond delay="indefinite"/>
-                      </p:stCondLst>
-                      <p:childTnLst>
-                        <p:par>
-                          <p:cTn id="20" fill="hold">
-                            <p:stCondLst>
-                              <p:cond delay="0"/>
-                            </p:stCondLst>
-                            <p:childTnLst>
                               <p:par>
-                                <p:cTn id="21" presetID="10" presetClass="entr" presetSubtype="0" fill="hold" grpId="0" nodeType="clickEffect">
+                                <p:cTn id="19" presetID="10" presetClass="entr" presetSubtype="0" fill="hold" grpId="0" nodeType="withEffect">
                                   <p:stCondLst>
                                     <p:cond delay="0"/>
                                   </p:stCondLst>
                                   <p:childTnLst>
                                     <p:set>
                                       <p:cBhvr>
-                                        <p:cTn id="22" dur="1" fill="hold">
+                                        <p:cTn id="20" dur="1" fill="hold">
                                           <p:stCondLst>
                                             <p:cond delay="0"/>
                                           </p:stCondLst>
                                         </p:cTn>
                                         <p:tgtEl>
-                                          <p:spTgt spid="6"/>
+                                          <p:spTgt spid="7"/>
                                         </p:tgtEl>
                                         <p:attrNameLst>
                                           <p:attrName>style.visibility</p:attrName>
@@ -8178,42 +7874,7 @@
                                     </p:set>
                                     <p:animEffect transition="in" filter="fade">
                                       <p:cBhvr>
-                                        <p:cTn id="23" dur="500"/>
-                                        <p:tgtEl>
-                                          <p:spTgt spid="6"/>
-                                        </p:tgtEl>
-                                      </p:cBhvr>
-                                    </p:animEffect>
-                                  </p:childTnLst>
-                                </p:cTn>
-                              </p:par>
-                              <p:par>
-                                <p:cTn id="24" presetID="10" presetClass="entr" presetSubtype="0" fill="hold" grpId="0" nodeType="withEffect">
-                                  <p:stCondLst>
-                                    <p:cond delay="0"/>
-                                  </p:stCondLst>
-                                  <p:childTnLst>
-                                    <p:set>
-                                      <p:cBhvr>
-                                        <p:cTn id="25" dur="1" fill="hold">
-                                          <p:stCondLst>
-                                            <p:cond delay="0"/>
-                                          </p:stCondLst>
-                                        </p:cTn>
-                                        <p:tgtEl>
-                                          <p:spTgt spid="7"/>
-                                        </p:tgtEl>
-                                        <p:attrNameLst>
-                                          <p:attrName>style.visibility</p:attrName>
-                                        </p:attrNameLst>
-                                      </p:cBhvr>
-                                      <p:to>
-                                        <p:strVal val="visible"/>
-                                      </p:to>
-                                    </p:set>
-                                    <p:animEffect transition="in" filter="fade">
-                                      <p:cBhvr>
-                                        <p:cTn id="26" dur="500"/>
+                                        <p:cTn id="21" dur="500"/>
                                         <p:tgtEl>
                                           <p:spTgt spid="7"/>
                                         </p:tgtEl>
@@ -8251,7 +7912,6 @@
     </p:tnLst>
     <p:bldLst>
       <p:bldP spid="5" grpId="0"/>
-      <p:bldP spid="6" grpId="0"/>
       <p:bldP spid="7" grpId="0"/>
     </p:bldLst>
   </p:timing>
@@ -8430,67 +8090,6 @@
       </p:sp>
       <p:sp>
         <p:nvSpPr>
-          <p:cNvPr id="6" name="ZoneTexte 5">
-            <a:extLst>
-              <a:ext uri="{FF2B5EF4-FFF2-40B4-BE49-F238E27FC236}">
-                <a16:creationId xmlns:a16="http://schemas.microsoft.com/office/drawing/2014/main" id="{724E86BE-77DC-FD36-B90D-F53157E779DC}"/>
-              </a:ext>
-            </a:extLst>
-          </p:cNvPr>
-          <p:cNvSpPr txBox="1"/>
-          <p:nvPr/>
-        </p:nvSpPr>
-        <p:spPr>
-          <a:xfrm>
-            <a:off x="1497106" y="1819834"/>
-            <a:ext cx="3451410" cy="369332"/>
-          </a:xfrm>
-          <a:prstGeom prst="rect">
-            <a:avLst/>
-          </a:prstGeom>
-          <a:noFill/>
-        </p:spPr>
-        <p:txBody>
-          <a:bodyPr wrap="square" rtlCol="0">
-            <a:spAutoFit/>
-          </a:bodyPr>
-          <a:lstStyle/>
-          <a:p>
-            <a:r>
-              <a:rPr lang="fr-FR" b="1" dirty="0">
-                <a:solidFill>
-                  <a:schemeClr val="bg1"/>
-                </a:solidFill>
-                <a:latin typeface="Microsoft JhengHei Light" panose="020B0304030504040204" pitchFamily="34" charset="-120"/>
-                <a:ea typeface="Microsoft JhengHei Light" panose="020B0304030504040204" pitchFamily="34" charset="-120"/>
-              </a:rPr>
-              <a:t>* </a:t>
-            </a:r>
-            <a:r>
-              <a:rPr lang="fr-FR" b="1" u="sng" dirty="0">
-                <a:solidFill>
-                  <a:schemeClr val="bg1"/>
-                </a:solidFill>
-                <a:latin typeface="Microsoft JhengHei Light" panose="020B0304030504040204" pitchFamily="34" charset="-120"/>
-                <a:ea typeface="Microsoft JhengHei Light" panose="020B0304030504040204" pitchFamily="34" charset="-120"/>
-              </a:rPr>
-              <a:t>Définition</a:t>
-            </a:r>
-            <a:r>
-              <a:rPr lang="fr-FR" b="1" dirty="0">
-                <a:solidFill>
-                  <a:schemeClr val="bg1"/>
-                </a:solidFill>
-                <a:latin typeface="Microsoft JhengHei Light" panose="020B0304030504040204" pitchFamily="34" charset="-120"/>
-                <a:ea typeface="Microsoft JhengHei Light" panose="020B0304030504040204" pitchFamily="34" charset="-120"/>
-              </a:rPr>
-              <a:t> :</a:t>
-            </a:r>
-          </a:p>
-        </p:txBody>
-      </p:sp>
-      <p:sp>
-        <p:nvSpPr>
           <p:cNvPr id="7" name="ZoneTexte 6">
             <a:extLst>
               <a:ext uri="{FF2B5EF4-FFF2-40B4-BE49-F238E27FC236}">
@@ -8503,7 +8102,7 @@
         </p:nvSpPr>
         <p:spPr>
           <a:xfrm>
-            <a:off x="1497106" y="2658036"/>
+            <a:off x="1497106" y="2043501"/>
             <a:ext cx="9690845" cy="923330"/>
           </a:xfrm>
           <a:prstGeom prst="rect">
@@ -8545,7 +8144,7 @@
         </p:nvSpPr>
         <p:spPr>
           <a:xfrm>
-            <a:off x="1497106" y="3853013"/>
+            <a:off x="1497106" y="3391348"/>
             <a:ext cx="10067363" cy="923330"/>
           </a:xfrm>
           <a:prstGeom prst="rect">
@@ -8804,39 +8403,21 @@
                                   </p:childTnLst>
                                 </p:cTn>
                               </p:par>
-                            </p:childTnLst>
-                          </p:cTn>
-                        </p:par>
-                      </p:childTnLst>
-                    </p:cTn>
-                  </p:par>
-                  <p:par>
-                    <p:cTn id="19" fill="hold">
-                      <p:stCondLst>
-                        <p:cond delay="indefinite"/>
-                      </p:stCondLst>
-                      <p:childTnLst>
-                        <p:par>
-                          <p:cTn id="20" fill="hold">
-                            <p:stCondLst>
-                              <p:cond delay="0"/>
-                            </p:stCondLst>
-                            <p:childTnLst>
                               <p:par>
-                                <p:cTn id="21" presetID="10" presetClass="entr" presetSubtype="0" fill="hold" grpId="0" nodeType="clickEffect">
+                                <p:cTn id="19" presetID="10" presetClass="entr" presetSubtype="0" fill="hold" grpId="0" nodeType="withEffect">
                                   <p:stCondLst>
                                     <p:cond delay="0"/>
                                   </p:stCondLst>
                                   <p:childTnLst>
                                     <p:set>
                                       <p:cBhvr>
-                                        <p:cTn id="22" dur="1" fill="hold">
+                                        <p:cTn id="20" dur="1" fill="hold">
                                           <p:stCondLst>
                                             <p:cond delay="0"/>
                                           </p:stCondLst>
                                         </p:cTn>
                                         <p:tgtEl>
-                                          <p:spTgt spid="6"/>
+                                          <p:spTgt spid="7"/>
                                         </p:tgtEl>
                                         <p:attrNameLst>
                                           <p:attrName>style.visibility</p:attrName>
@@ -8848,9 +8429,9 @@
                                     </p:set>
                                     <p:animEffect transition="in" filter="fade">
                                       <p:cBhvr>
-                                        <p:cTn id="23" dur="500"/>
-                                        <p:tgtEl>
-                                          <p:spTgt spid="6"/>
+                                        <p:cTn id="21" dur="500"/>
+                                        <p:tgtEl>
+                                          <p:spTgt spid="7"/>
                                         </p:tgtEl>
                                       </p:cBhvr>
                                     </p:animEffect>
@@ -8858,20 +8439,20 @@
                                 </p:cTn>
                               </p:par>
                               <p:par>
-                                <p:cTn id="24" presetID="10" presetClass="entr" presetSubtype="0" fill="hold" grpId="0" nodeType="withEffect">
+                                <p:cTn id="22" presetID="10" presetClass="entr" presetSubtype="0" fill="hold" grpId="0" nodeType="withEffect">
                                   <p:stCondLst>
                                     <p:cond delay="0"/>
                                   </p:stCondLst>
                                   <p:childTnLst>
                                     <p:set>
                                       <p:cBhvr>
-                                        <p:cTn id="25" dur="1" fill="hold">
+                                        <p:cTn id="23" dur="1" fill="hold">
                                           <p:stCondLst>
                                             <p:cond delay="0"/>
                                           </p:stCondLst>
                                         </p:cTn>
                                         <p:tgtEl>
-                                          <p:spTgt spid="7"/>
+                                          <p:spTgt spid="8"/>
                                         </p:tgtEl>
                                         <p:attrNameLst>
                                           <p:attrName>style.visibility</p:attrName>
@@ -8883,42 +8464,7 @@
                                     </p:set>
                                     <p:animEffect transition="in" filter="fade">
                                       <p:cBhvr>
-                                        <p:cTn id="26" dur="500"/>
-                                        <p:tgtEl>
-                                          <p:spTgt spid="7"/>
-                                        </p:tgtEl>
-                                      </p:cBhvr>
-                                    </p:animEffect>
-                                  </p:childTnLst>
-                                </p:cTn>
-                              </p:par>
-                              <p:par>
-                                <p:cTn id="27" presetID="10" presetClass="entr" presetSubtype="0" fill="hold" grpId="0" nodeType="withEffect">
-                                  <p:stCondLst>
-                                    <p:cond delay="0"/>
-                                  </p:stCondLst>
-                                  <p:childTnLst>
-                                    <p:set>
-                                      <p:cBhvr>
-                                        <p:cTn id="28" dur="1" fill="hold">
-                                          <p:stCondLst>
-                                            <p:cond delay="0"/>
-                                          </p:stCondLst>
-                                        </p:cTn>
-                                        <p:tgtEl>
-                                          <p:spTgt spid="8"/>
-                                        </p:tgtEl>
-                                        <p:attrNameLst>
-                                          <p:attrName>style.visibility</p:attrName>
-                                        </p:attrNameLst>
-                                      </p:cBhvr>
-                                      <p:to>
-                                        <p:strVal val="visible"/>
-                                      </p:to>
-                                    </p:set>
-                                    <p:animEffect transition="in" filter="fade">
-                                      <p:cBhvr>
-                                        <p:cTn id="29" dur="500"/>
+                                        <p:cTn id="24" dur="500"/>
                                         <p:tgtEl>
                                           <p:spTgt spid="8"/>
                                         </p:tgtEl>
@@ -8956,7 +8502,6 @@
     </p:tnLst>
     <p:bldLst>
       <p:bldP spid="5" grpId="0"/>
-      <p:bldP spid="6" grpId="0"/>
       <p:bldP spid="7" grpId="0"/>
       <p:bldP spid="8" grpId="0"/>
     </p:bldLst>
@@ -9136,67 +8681,6 @@
       </p:sp>
       <p:sp>
         <p:nvSpPr>
-          <p:cNvPr id="6" name="ZoneTexte 5">
-            <a:extLst>
-              <a:ext uri="{FF2B5EF4-FFF2-40B4-BE49-F238E27FC236}">
-                <a16:creationId xmlns:a16="http://schemas.microsoft.com/office/drawing/2014/main" id="{56386F95-C17A-53E8-9445-555091278094}"/>
-              </a:ext>
-            </a:extLst>
-          </p:cNvPr>
-          <p:cNvSpPr txBox="1"/>
-          <p:nvPr/>
-        </p:nvSpPr>
-        <p:spPr>
-          <a:xfrm>
-            <a:off x="1582996" y="1651819"/>
-            <a:ext cx="2428568" cy="369332"/>
-          </a:xfrm>
-          <a:prstGeom prst="rect">
-            <a:avLst/>
-          </a:prstGeom>
-          <a:noFill/>
-        </p:spPr>
-        <p:txBody>
-          <a:bodyPr wrap="square" rtlCol="0">
-            <a:spAutoFit/>
-          </a:bodyPr>
-          <a:lstStyle/>
-          <a:p>
-            <a:r>
-              <a:rPr lang="fr-FR" b="1" dirty="0">
-                <a:solidFill>
-                  <a:schemeClr val="bg1"/>
-                </a:solidFill>
-                <a:latin typeface="Microsoft JhengHei Light" panose="020B0304030504040204" pitchFamily="34" charset="-120"/>
-                <a:ea typeface="Microsoft JhengHei Light" panose="020B0304030504040204" pitchFamily="34" charset="-120"/>
-              </a:rPr>
-              <a:t>* </a:t>
-            </a:r>
-            <a:r>
-              <a:rPr lang="fr-FR" b="1" u="sng" dirty="0">
-                <a:solidFill>
-                  <a:schemeClr val="bg1"/>
-                </a:solidFill>
-                <a:latin typeface="Microsoft JhengHei Light" panose="020B0304030504040204" pitchFamily="34" charset="-120"/>
-                <a:ea typeface="Microsoft JhengHei Light" panose="020B0304030504040204" pitchFamily="34" charset="-120"/>
-              </a:rPr>
-              <a:t>Définition</a:t>
-            </a:r>
-            <a:r>
-              <a:rPr lang="fr-FR" b="1" dirty="0">
-                <a:solidFill>
-                  <a:schemeClr val="bg1"/>
-                </a:solidFill>
-                <a:latin typeface="Microsoft JhengHei Light" panose="020B0304030504040204" pitchFamily="34" charset="-120"/>
-                <a:ea typeface="Microsoft JhengHei Light" panose="020B0304030504040204" pitchFamily="34" charset="-120"/>
-              </a:rPr>
-              <a:t> :</a:t>
-            </a:r>
-          </a:p>
-        </p:txBody>
-      </p:sp>
-      <p:sp>
-        <p:nvSpPr>
           <p:cNvPr id="7" name="ZoneTexte 6">
             <a:extLst>
               <a:ext uri="{FF2B5EF4-FFF2-40B4-BE49-F238E27FC236}">
@@ -9209,7 +8693,7 @@
         </p:nvSpPr>
         <p:spPr>
           <a:xfrm>
-            <a:off x="1582996" y="2574354"/>
+            <a:off x="1582996" y="1965169"/>
             <a:ext cx="10343532" cy="923330"/>
           </a:xfrm>
           <a:prstGeom prst="rect">
@@ -9250,7 +8734,7 @@
         </p:nvSpPr>
         <p:spPr>
           <a:xfrm>
-            <a:off x="1582996" y="3755052"/>
+            <a:off x="1582996" y="3293387"/>
             <a:ext cx="9945616" cy="923330"/>
           </a:xfrm>
           <a:prstGeom prst="rect">
@@ -9488,39 +8972,21 @@
                                   </p:childTnLst>
                                 </p:cTn>
                               </p:par>
-                            </p:childTnLst>
-                          </p:cTn>
-                        </p:par>
-                      </p:childTnLst>
-                    </p:cTn>
-                  </p:par>
-                  <p:par>
-                    <p:cTn id="19" fill="hold">
-                      <p:stCondLst>
-                        <p:cond delay="indefinite"/>
-                      </p:stCondLst>
-                      <p:childTnLst>
-                        <p:par>
-                          <p:cTn id="20" fill="hold">
-                            <p:stCondLst>
-                              <p:cond delay="0"/>
-                            </p:stCondLst>
-                            <p:childTnLst>
                               <p:par>
-                                <p:cTn id="21" presetID="10" presetClass="entr" presetSubtype="0" fill="hold" grpId="0" nodeType="clickEffect">
+                                <p:cTn id="19" presetID="10" presetClass="entr" presetSubtype="0" fill="hold" grpId="0" nodeType="withEffect">
                                   <p:stCondLst>
                                     <p:cond delay="0"/>
                                   </p:stCondLst>
                                   <p:childTnLst>
                                     <p:set>
                                       <p:cBhvr>
-                                        <p:cTn id="22" dur="1" fill="hold">
+                                        <p:cTn id="20" dur="1" fill="hold">
                                           <p:stCondLst>
                                             <p:cond delay="0"/>
                                           </p:stCondLst>
                                         </p:cTn>
                                         <p:tgtEl>
-                                          <p:spTgt spid="6"/>
+                                          <p:spTgt spid="7"/>
                                         </p:tgtEl>
                                         <p:attrNameLst>
                                           <p:attrName>style.visibility</p:attrName>
@@ -9532,9 +8998,9 @@
                                     </p:set>
                                     <p:animEffect transition="in" filter="fade">
                                       <p:cBhvr>
-                                        <p:cTn id="23" dur="500"/>
-                                        <p:tgtEl>
-                                          <p:spTgt spid="6"/>
+                                        <p:cTn id="21" dur="500"/>
+                                        <p:tgtEl>
+                                          <p:spTgt spid="7"/>
                                         </p:tgtEl>
                                       </p:cBhvr>
                                     </p:animEffect>
@@ -9542,20 +9008,20 @@
                                 </p:cTn>
                               </p:par>
                               <p:par>
-                                <p:cTn id="24" presetID="10" presetClass="entr" presetSubtype="0" fill="hold" grpId="0" nodeType="withEffect">
+                                <p:cTn id="22" presetID="10" presetClass="entr" presetSubtype="0" fill="hold" grpId="0" nodeType="withEffect">
                                   <p:stCondLst>
                                     <p:cond delay="0"/>
                                   </p:stCondLst>
                                   <p:childTnLst>
                                     <p:set>
                                       <p:cBhvr>
-                                        <p:cTn id="25" dur="1" fill="hold">
+                                        <p:cTn id="23" dur="1" fill="hold">
                                           <p:stCondLst>
                                             <p:cond delay="0"/>
                                           </p:stCondLst>
                                         </p:cTn>
                                         <p:tgtEl>
-                                          <p:spTgt spid="7"/>
+                                          <p:spTgt spid="8"/>
                                         </p:tgtEl>
                                         <p:attrNameLst>
                                           <p:attrName>style.visibility</p:attrName>
@@ -9567,42 +9033,7 @@
                                     </p:set>
                                     <p:animEffect transition="in" filter="fade">
                                       <p:cBhvr>
-                                        <p:cTn id="26" dur="500"/>
-                                        <p:tgtEl>
-                                          <p:spTgt spid="7"/>
-                                        </p:tgtEl>
-                                      </p:cBhvr>
-                                    </p:animEffect>
-                                  </p:childTnLst>
-                                </p:cTn>
-                              </p:par>
-                              <p:par>
-                                <p:cTn id="27" presetID="10" presetClass="entr" presetSubtype="0" fill="hold" grpId="0" nodeType="withEffect">
-                                  <p:stCondLst>
-                                    <p:cond delay="0"/>
-                                  </p:stCondLst>
-                                  <p:childTnLst>
-                                    <p:set>
-                                      <p:cBhvr>
-                                        <p:cTn id="28" dur="1" fill="hold">
-                                          <p:stCondLst>
-                                            <p:cond delay="0"/>
-                                          </p:stCondLst>
-                                        </p:cTn>
-                                        <p:tgtEl>
-                                          <p:spTgt spid="8"/>
-                                        </p:tgtEl>
-                                        <p:attrNameLst>
-                                          <p:attrName>style.visibility</p:attrName>
-                                        </p:attrNameLst>
-                                      </p:cBhvr>
-                                      <p:to>
-                                        <p:strVal val="visible"/>
-                                      </p:to>
-                                    </p:set>
-                                    <p:animEffect transition="in" filter="fade">
-                                      <p:cBhvr>
-                                        <p:cTn id="29" dur="500"/>
+                                        <p:cTn id="24" dur="500"/>
                                         <p:tgtEl>
                                           <p:spTgt spid="8"/>
                                         </p:tgtEl>
@@ -9640,7 +9071,6 @@
     </p:tnLst>
     <p:bldLst>
       <p:bldP spid="5" grpId="0"/>
-      <p:bldP spid="6" grpId="0"/>
       <p:bldP spid="7" grpId="0"/>
       <p:bldP spid="8" grpId="0"/>
     </p:bldLst>
@@ -9820,67 +9250,6 @@
       </p:sp>
       <p:sp>
         <p:nvSpPr>
-          <p:cNvPr id="6" name="ZoneTexte 5">
-            <a:extLst>
-              <a:ext uri="{FF2B5EF4-FFF2-40B4-BE49-F238E27FC236}">
-                <a16:creationId xmlns:a16="http://schemas.microsoft.com/office/drawing/2014/main" id="{CB819F75-ED5D-9DD2-3DAF-84E35EA3A66C}"/>
-              </a:ext>
-            </a:extLst>
-          </p:cNvPr>
-          <p:cNvSpPr txBox="1"/>
-          <p:nvPr/>
-        </p:nvSpPr>
-        <p:spPr>
-          <a:xfrm>
-            <a:off x="1553495" y="1660784"/>
-            <a:ext cx="2172926" cy="369332"/>
-          </a:xfrm>
-          <a:prstGeom prst="rect">
-            <a:avLst/>
-          </a:prstGeom>
-          <a:noFill/>
-        </p:spPr>
-        <p:txBody>
-          <a:bodyPr wrap="square" rtlCol="0">
-            <a:spAutoFit/>
-          </a:bodyPr>
-          <a:lstStyle/>
-          <a:p>
-            <a:r>
-              <a:rPr lang="fr-FR" b="1" dirty="0">
-                <a:solidFill>
-                  <a:schemeClr val="bg1"/>
-                </a:solidFill>
-                <a:latin typeface="Microsoft JhengHei Light" panose="020B0304030504040204" pitchFamily="34" charset="-120"/>
-                <a:ea typeface="Microsoft JhengHei Light" panose="020B0304030504040204" pitchFamily="34" charset="-120"/>
-              </a:rPr>
-              <a:t>* </a:t>
-            </a:r>
-            <a:r>
-              <a:rPr lang="fr-FR" b="1" u="sng" dirty="0">
-                <a:solidFill>
-                  <a:schemeClr val="bg1"/>
-                </a:solidFill>
-                <a:latin typeface="Microsoft JhengHei Light" panose="020B0304030504040204" pitchFamily="34" charset="-120"/>
-                <a:ea typeface="Microsoft JhengHei Light" panose="020B0304030504040204" pitchFamily="34" charset="-120"/>
-              </a:rPr>
-              <a:t>Définition</a:t>
-            </a:r>
-            <a:r>
-              <a:rPr lang="fr-FR" b="1" dirty="0">
-                <a:solidFill>
-                  <a:schemeClr val="bg1"/>
-                </a:solidFill>
-                <a:latin typeface="Microsoft JhengHei Light" panose="020B0304030504040204" pitchFamily="34" charset="-120"/>
-                <a:ea typeface="Microsoft JhengHei Light" panose="020B0304030504040204" pitchFamily="34" charset="-120"/>
-              </a:rPr>
-              <a:t> :</a:t>
-            </a:r>
-          </a:p>
-        </p:txBody>
-      </p:sp>
-      <p:sp>
-        <p:nvSpPr>
           <p:cNvPr id="7" name="ZoneTexte 6">
             <a:extLst>
               <a:ext uri="{FF2B5EF4-FFF2-40B4-BE49-F238E27FC236}">
@@ -9893,7 +9262,7 @@
         </p:nvSpPr>
         <p:spPr>
           <a:xfrm>
-            <a:off x="1553495" y="2641447"/>
+            <a:off x="1553495" y="1958411"/>
             <a:ext cx="9663952" cy="923330"/>
           </a:xfrm>
           <a:prstGeom prst="rect">
@@ -9935,7 +9304,7 @@
         </p:nvSpPr>
         <p:spPr>
           <a:xfrm>
-            <a:off x="1553495" y="3790699"/>
+            <a:off x="1553495" y="3190534"/>
             <a:ext cx="9457763" cy="1200329"/>
           </a:xfrm>
           <a:prstGeom prst="rect">
@@ -10194,39 +9563,21 @@
                                   </p:childTnLst>
                                 </p:cTn>
                               </p:par>
-                            </p:childTnLst>
-                          </p:cTn>
-                        </p:par>
-                      </p:childTnLst>
-                    </p:cTn>
-                  </p:par>
-                  <p:par>
-                    <p:cTn id="19" fill="hold">
-                      <p:stCondLst>
-                        <p:cond delay="indefinite"/>
-                      </p:stCondLst>
-                      <p:childTnLst>
-                        <p:par>
-                          <p:cTn id="20" fill="hold">
-                            <p:stCondLst>
-                              <p:cond delay="0"/>
-                            </p:stCondLst>
-                            <p:childTnLst>
                               <p:par>
-                                <p:cTn id="21" presetID="10" presetClass="entr" presetSubtype="0" fill="hold" grpId="0" nodeType="clickEffect">
+                                <p:cTn id="19" presetID="10" presetClass="entr" presetSubtype="0" fill="hold" grpId="0" nodeType="withEffect">
                                   <p:stCondLst>
                                     <p:cond delay="0"/>
                                   </p:stCondLst>
                                   <p:childTnLst>
                                     <p:set>
                                       <p:cBhvr>
-                                        <p:cTn id="22" dur="1" fill="hold">
+                                        <p:cTn id="20" dur="1" fill="hold">
                                           <p:stCondLst>
                                             <p:cond delay="0"/>
                                           </p:stCondLst>
                                         </p:cTn>
                                         <p:tgtEl>
-                                          <p:spTgt spid="6"/>
+                                          <p:spTgt spid="7"/>
                                         </p:tgtEl>
                                         <p:attrNameLst>
                                           <p:attrName>style.visibility</p:attrName>
@@ -10238,9 +9589,9 @@
                                     </p:set>
                                     <p:animEffect transition="in" filter="fade">
                                       <p:cBhvr>
-                                        <p:cTn id="23" dur="500"/>
-                                        <p:tgtEl>
-                                          <p:spTgt spid="6"/>
+                                        <p:cTn id="21" dur="500"/>
+                                        <p:tgtEl>
+                                          <p:spTgt spid="7"/>
                                         </p:tgtEl>
                                       </p:cBhvr>
                                     </p:animEffect>
@@ -10248,20 +9599,20 @@
                                 </p:cTn>
                               </p:par>
                               <p:par>
-                                <p:cTn id="24" presetID="10" presetClass="entr" presetSubtype="0" fill="hold" grpId="0" nodeType="withEffect">
+                                <p:cTn id="22" presetID="10" presetClass="entr" presetSubtype="0" fill="hold" grpId="0" nodeType="withEffect">
                                   <p:stCondLst>
                                     <p:cond delay="0"/>
                                   </p:stCondLst>
                                   <p:childTnLst>
                                     <p:set>
                                       <p:cBhvr>
-                                        <p:cTn id="25" dur="1" fill="hold">
+                                        <p:cTn id="23" dur="1" fill="hold">
                                           <p:stCondLst>
                                             <p:cond delay="0"/>
                                           </p:stCondLst>
                                         </p:cTn>
                                         <p:tgtEl>
-                                          <p:spTgt spid="7"/>
+                                          <p:spTgt spid="8"/>
                                         </p:tgtEl>
                                         <p:attrNameLst>
                                           <p:attrName>style.visibility</p:attrName>
@@ -10273,42 +9624,7 @@
                                     </p:set>
                                     <p:animEffect transition="in" filter="fade">
                                       <p:cBhvr>
-                                        <p:cTn id="26" dur="500"/>
-                                        <p:tgtEl>
-                                          <p:spTgt spid="7"/>
-                                        </p:tgtEl>
-                                      </p:cBhvr>
-                                    </p:animEffect>
-                                  </p:childTnLst>
-                                </p:cTn>
-                              </p:par>
-                              <p:par>
-                                <p:cTn id="27" presetID="10" presetClass="entr" presetSubtype="0" fill="hold" grpId="0" nodeType="withEffect">
-                                  <p:stCondLst>
-                                    <p:cond delay="0"/>
-                                  </p:stCondLst>
-                                  <p:childTnLst>
-                                    <p:set>
-                                      <p:cBhvr>
-                                        <p:cTn id="28" dur="1" fill="hold">
-                                          <p:stCondLst>
-                                            <p:cond delay="0"/>
-                                          </p:stCondLst>
-                                        </p:cTn>
-                                        <p:tgtEl>
-                                          <p:spTgt spid="8"/>
-                                        </p:tgtEl>
-                                        <p:attrNameLst>
-                                          <p:attrName>style.visibility</p:attrName>
-                                        </p:attrNameLst>
-                                      </p:cBhvr>
-                                      <p:to>
-                                        <p:strVal val="visible"/>
-                                      </p:to>
-                                    </p:set>
-                                    <p:animEffect transition="in" filter="fade">
-                                      <p:cBhvr>
-                                        <p:cTn id="29" dur="500"/>
+                                        <p:cTn id="24" dur="500"/>
                                         <p:tgtEl>
                                           <p:spTgt spid="8"/>
                                         </p:tgtEl>
@@ -10346,7 +9662,6 @@
     </p:tnLst>
     <p:bldLst>
       <p:bldP spid="5" grpId="0"/>
-      <p:bldP spid="6" grpId="0"/>
       <p:bldP spid="7" grpId="0"/>
       <p:bldP spid="8" grpId="0"/>
     </p:bldLst>
@@ -12888,67 +12203,6 @@
       </p:sp>
       <p:sp>
         <p:nvSpPr>
-          <p:cNvPr id="6" name="ZoneTexte 5">
-            <a:extLst>
-              <a:ext uri="{FF2B5EF4-FFF2-40B4-BE49-F238E27FC236}">
-                <a16:creationId xmlns:a16="http://schemas.microsoft.com/office/drawing/2014/main" id="{0D071E89-7525-9471-2E45-1F64A7C82839}"/>
-              </a:ext>
-            </a:extLst>
-          </p:cNvPr>
-          <p:cNvSpPr txBox="1"/>
-          <p:nvPr/>
-        </p:nvSpPr>
-        <p:spPr>
-          <a:xfrm>
-            <a:off x="1519087" y="1515035"/>
-            <a:ext cx="3003176" cy="369332"/>
-          </a:xfrm>
-          <a:prstGeom prst="rect">
-            <a:avLst/>
-          </a:prstGeom>
-          <a:noFill/>
-        </p:spPr>
-        <p:txBody>
-          <a:bodyPr wrap="square" rtlCol="0">
-            <a:spAutoFit/>
-          </a:bodyPr>
-          <a:lstStyle/>
-          <a:p>
-            <a:r>
-              <a:rPr lang="fr-FR" b="1" dirty="0">
-                <a:solidFill>
-                  <a:schemeClr val="bg1"/>
-                </a:solidFill>
-                <a:latin typeface="Microsoft JhengHei Light" panose="020B0304030504040204" pitchFamily="34" charset="-120"/>
-                <a:ea typeface="Microsoft JhengHei Light" panose="020B0304030504040204" pitchFamily="34" charset="-120"/>
-              </a:rPr>
-              <a:t>* </a:t>
-            </a:r>
-            <a:r>
-              <a:rPr lang="fr-FR" b="1" u="sng" dirty="0">
-                <a:solidFill>
-                  <a:schemeClr val="bg1"/>
-                </a:solidFill>
-                <a:latin typeface="Microsoft JhengHei Light" panose="020B0304030504040204" pitchFamily="34" charset="-120"/>
-                <a:ea typeface="Microsoft JhengHei Light" panose="020B0304030504040204" pitchFamily="34" charset="-120"/>
-              </a:rPr>
-              <a:t>Définition</a:t>
-            </a:r>
-            <a:r>
-              <a:rPr lang="fr-FR" b="1" dirty="0">
-                <a:solidFill>
-                  <a:schemeClr val="bg1"/>
-                </a:solidFill>
-                <a:latin typeface="Microsoft JhengHei Light" panose="020B0304030504040204" pitchFamily="34" charset="-120"/>
-                <a:ea typeface="Microsoft JhengHei Light" panose="020B0304030504040204" pitchFamily="34" charset="-120"/>
-              </a:rPr>
-              <a:t> :</a:t>
-            </a:r>
-          </a:p>
-        </p:txBody>
-      </p:sp>
-      <p:sp>
-        <p:nvSpPr>
           <p:cNvPr id="7" name="ZoneTexte 6">
             <a:extLst>
               <a:ext uri="{FF2B5EF4-FFF2-40B4-BE49-F238E27FC236}">
@@ -12961,7 +12215,7 @@
         </p:nvSpPr>
         <p:spPr>
           <a:xfrm>
-            <a:off x="1519087" y="2223246"/>
+            <a:off x="1519087" y="1815621"/>
             <a:ext cx="9646020" cy="646331"/>
           </a:xfrm>
           <a:prstGeom prst="rect">
@@ -13003,7 +12257,7 @@
         </p:nvSpPr>
         <p:spPr>
           <a:xfrm>
-            <a:off x="1519087" y="3208456"/>
+            <a:off x="1519087" y="2746791"/>
             <a:ext cx="9762560" cy="923330"/>
           </a:xfrm>
           <a:prstGeom prst="rect">
@@ -13242,39 +12496,21 @@
                                   </p:childTnLst>
                                 </p:cTn>
                               </p:par>
-                            </p:childTnLst>
-                          </p:cTn>
-                        </p:par>
-                      </p:childTnLst>
-                    </p:cTn>
-                  </p:par>
-                  <p:par>
-                    <p:cTn id="19" fill="hold">
-                      <p:stCondLst>
-                        <p:cond delay="indefinite"/>
-                      </p:stCondLst>
-                      <p:childTnLst>
-                        <p:par>
-                          <p:cTn id="20" fill="hold">
-                            <p:stCondLst>
-                              <p:cond delay="0"/>
-                            </p:stCondLst>
-                            <p:childTnLst>
                               <p:par>
-                                <p:cTn id="21" presetID="10" presetClass="entr" presetSubtype="0" fill="hold" grpId="0" nodeType="clickEffect">
+                                <p:cTn id="19" presetID="10" presetClass="entr" presetSubtype="0" fill="hold" grpId="0" nodeType="withEffect">
                                   <p:stCondLst>
                                     <p:cond delay="0"/>
                                   </p:stCondLst>
                                   <p:childTnLst>
                                     <p:set>
                                       <p:cBhvr>
-                                        <p:cTn id="22" dur="1" fill="hold">
+                                        <p:cTn id="20" dur="1" fill="hold">
                                           <p:stCondLst>
                                             <p:cond delay="0"/>
                                           </p:stCondLst>
                                         </p:cTn>
                                         <p:tgtEl>
-                                          <p:spTgt spid="6"/>
+                                          <p:spTgt spid="7"/>
                                         </p:tgtEl>
                                         <p:attrNameLst>
                                           <p:attrName>style.visibility</p:attrName>
@@ -13286,9 +12522,9 @@
                                     </p:set>
                                     <p:animEffect transition="in" filter="fade">
                                       <p:cBhvr>
-                                        <p:cTn id="23" dur="500"/>
-                                        <p:tgtEl>
-                                          <p:spTgt spid="6"/>
+                                        <p:cTn id="21" dur="500"/>
+                                        <p:tgtEl>
+                                          <p:spTgt spid="7"/>
                                         </p:tgtEl>
                                       </p:cBhvr>
                                     </p:animEffect>
@@ -13296,20 +12532,20 @@
                                 </p:cTn>
                               </p:par>
                               <p:par>
-                                <p:cTn id="24" presetID="10" presetClass="entr" presetSubtype="0" fill="hold" grpId="0" nodeType="withEffect">
+                                <p:cTn id="22" presetID="10" presetClass="entr" presetSubtype="0" fill="hold" grpId="0" nodeType="withEffect">
                                   <p:stCondLst>
                                     <p:cond delay="0"/>
                                   </p:stCondLst>
                                   <p:childTnLst>
                                     <p:set>
                                       <p:cBhvr>
-                                        <p:cTn id="25" dur="1" fill="hold">
+                                        <p:cTn id="23" dur="1" fill="hold">
                                           <p:stCondLst>
                                             <p:cond delay="0"/>
                                           </p:stCondLst>
                                         </p:cTn>
                                         <p:tgtEl>
-                                          <p:spTgt spid="7"/>
+                                          <p:spTgt spid="8"/>
                                         </p:tgtEl>
                                         <p:attrNameLst>
                                           <p:attrName>style.visibility</p:attrName>
@@ -13321,42 +12557,7 @@
                                     </p:set>
                                     <p:animEffect transition="in" filter="fade">
                                       <p:cBhvr>
-                                        <p:cTn id="26" dur="500"/>
-                                        <p:tgtEl>
-                                          <p:spTgt spid="7"/>
-                                        </p:tgtEl>
-                                      </p:cBhvr>
-                                    </p:animEffect>
-                                  </p:childTnLst>
-                                </p:cTn>
-                              </p:par>
-                              <p:par>
-                                <p:cTn id="27" presetID="10" presetClass="entr" presetSubtype="0" fill="hold" grpId="0" nodeType="withEffect">
-                                  <p:stCondLst>
-                                    <p:cond delay="0"/>
-                                  </p:stCondLst>
-                                  <p:childTnLst>
-                                    <p:set>
-                                      <p:cBhvr>
-                                        <p:cTn id="28" dur="1" fill="hold">
-                                          <p:stCondLst>
-                                            <p:cond delay="0"/>
-                                          </p:stCondLst>
-                                        </p:cTn>
-                                        <p:tgtEl>
-                                          <p:spTgt spid="8"/>
-                                        </p:tgtEl>
-                                        <p:attrNameLst>
-                                          <p:attrName>style.visibility</p:attrName>
-                                        </p:attrNameLst>
-                                      </p:cBhvr>
-                                      <p:to>
-                                        <p:strVal val="visible"/>
-                                      </p:to>
-                                    </p:set>
-                                    <p:animEffect transition="in" filter="fade">
-                                      <p:cBhvr>
-                                        <p:cTn id="29" dur="500"/>
+                                        <p:cTn id="24" dur="500"/>
                                         <p:tgtEl>
                                           <p:spTgt spid="8"/>
                                         </p:tgtEl>
@@ -13394,7 +12595,6 @@
     </p:tnLst>
     <p:bldLst>
       <p:bldP spid="5" grpId="0"/>
-      <p:bldP spid="6" grpId="0"/>
       <p:bldP spid="7" grpId="0"/>
       <p:bldP spid="8" grpId="0"/>
     </p:bldLst>
@@ -13578,67 +12778,6 @@
       </p:sp>
       <p:sp>
         <p:nvSpPr>
-          <p:cNvPr id="6" name="ZoneTexte 5">
-            <a:extLst>
-              <a:ext uri="{FF2B5EF4-FFF2-40B4-BE49-F238E27FC236}">
-                <a16:creationId xmlns:a16="http://schemas.microsoft.com/office/drawing/2014/main" id="{278DA16F-1DC7-C800-B185-F940CA81BD2D}"/>
-              </a:ext>
-            </a:extLst>
-          </p:cNvPr>
-          <p:cNvSpPr txBox="1"/>
-          <p:nvPr/>
-        </p:nvSpPr>
-        <p:spPr>
-          <a:xfrm>
-            <a:off x="1667435" y="1631577"/>
-            <a:ext cx="1999130" cy="369332"/>
-          </a:xfrm>
-          <a:prstGeom prst="rect">
-            <a:avLst/>
-          </a:prstGeom>
-          <a:noFill/>
-        </p:spPr>
-        <p:txBody>
-          <a:bodyPr wrap="square" rtlCol="0">
-            <a:spAutoFit/>
-          </a:bodyPr>
-          <a:lstStyle/>
-          <a:p>
-            <a:r>
-              <a:rPr lang="fr-FR" b="1" dirty="0">
-                <a:solidFill>
-                  <a:schemeClr val="bg1"/>
-                </a:solidFill>
-                <a:latin typeface="Microsoft JhengHei Light" panose="020B0304030504040204" pitchFamily="34" charset="-120"/>
-                <a:ea typeface="Microsoft JhengHei Light" panose="020B0304030504040204" pitchFamily="34" charset="-120"/>
-              </a:rPr>
-              <a:t>* </a:t>
-            </a:r>
-            <a:r>
-              <a:rPr lang="fr-FR" b="1" u="sng" dirty="0">
-                <a:solidFill>
-                  <a:schemeClr val="bg1"/>
-                </a:solidFill>
-                <a:latin typeface="Microsoft JhengHei Light" panose="020B0304030504040204" pitchFamily="34" charset="-120"/>
-                <a:ea typeface="Microsoft JhengHei Light" panose="020B0304030504040204" pitchFamily="34" charset="-120"/>
-              </a:rPr>
-              <a:t>Définition</a:t>
-            </a:r>
-            <a:r>
-              <a:rPr lang="fr-FR" b="1" dirty="0">
-                <a:solidFill>
-                  <a:schemeClr val="bg1"/>
-                </a:solidFill>
-                <a:latin typeface="Microsoft JhengHei Light" panose="020B0304030504040204" pitchFamily="34" charset="-120"/>
-                <a:ea typeface="Microsoft JhengHei Light" panose="020B0304030504040204" pitchFamily="34" charset="-120"/>
-              </a:rPr>
-              <a:t> :</a:t>
-            </a:r>
-          </a:p>
-        </p:txBody>
-      </p:sp>
-      <p:sp>
-        <p:nvSpPr>
           <p:cNvPr id="7" name="ZoneTexte 6">
             <a:extLst>
               <a:ext uri="{FF2B5EF4-FFF2-40B4-BE49-F238E27FC236}">
@@ -13651,7 +12790,7 @@
         </p:nvSpPr>
         <p:spPr>
           <a:xfrm>
-            <a:off x="1667435" y="2373831"/>
+            <a:off x="1667435" y="1701478"/>
             <a:ext cx="9448797" cy="646331"/>
           </a:xfrm>
           <a:prstGeom prst="rect">
@@ -13693,7 +12832,7 @@
         </p:nvSpPr>
         <p:spPr>
           <a:xfrm>
-            <a:off x="1667435" y="3349203"/>
+            <a:off x="1667435" y="2927827"/>
             <a:ext cx="9932890" cy="923330"/>
           </a:xfrm>
           <a:prstGeom prst="rect">
@@ -13932,39 +13071,21 @@
                                   </p:childTnLst>
                                 </p:cTn>
                               </p:par>
-                            </p:childTnLst>
-                          </p:cTn>
-                        </p:par>
-                      </p:childTnLst>
-                    </p:cTn>
-                  </p:par>
-                  <p:par>
-                    <p:cTn id="19" fill="hold">
-                      <p:stCondLst>
-                        <p:cond delay="indefinite"/>
-                      </p:stCondLst>
-                      <p:childTnLst>
-                        <p:par>
-                          <p:cTn id="20" fill="hold">
-                            <p:stCondLst>
-                              <p:cond delay="0"/>
-                            </p:stCondLst>
-                            <p:childTnLst>
                               <p:par>
-                                <p:cTn id="21" presetID="10" presetClass="entr" presetSubtype="0" fill="hold" grpId="0" nodeType="clickEffect">
+                                <p:cTn id="19" presetID="10" presetClass="entr" presetSubtype="0" fill="hold" grpId="0" nodeType="withEffect">
                                   <p:stCondLst>
                                     <p:cond delay="0"/>
                                   </p:stCondLst>
                                   <p:childTnLst>
                                     <p:set>
                                       <p:cBhvr>
-                                        <p:cTn id="22" dur="1" fill="hold">
+                                        <p:cTn id="20" dur="1" fill="hold">
                                           <p:stCondLst>
                                             <p:cond delay="0"/>
                                           </p:stCondLst>
                                         </p:cTn>
                                         <p:tgtEl>
-                                          <p:spTgt spid="6"/>
+                                          <p:spTgt spid="7"/>
                                         </p:tgtEl>
                                         <p:attrNameLst>
                                           <p:attrName>style.visibility</p:attrName>
@@ -13976,9 +13097,9 @@
                                     </p:set>
                                     <p:animEffect transition="in" filter="fade">
                                       <p:cBhvr>
-                                        <p:cTn id="23" dur="500"/>
-                                        <p:tgtEl>
-                                          <p:spTgt spid="6"/>
+                                        <p:cTn id="21" dur="500"/>
+                                        <p:tgtEl>
+                                          <p:spTgt spid="7"/>
                                         </p:tgtEl>
                                       </p:cBhvr>
                                     </p:animEffect>
@@ -13986,20 +13107,20 @@
                                 </p:cTn>
                               </p:par>
                               <p:par>
-                                <p:cTn id="24" presetID="10" presetClass="entr" presetSubtype="0" fill="hold" grpId="0" nodeType="withEffect">
+                                <p:cTn id="22" presetID="10" presetClass="entr" presetSubtype="0" fill="hold" grpId="0" nodeType="withEffect">
                                   <p:stCondLst>
                                     <p:cond delay="0"/>
                                   </p:stCondLst>
                                   <p:childTnLst>
                                     <p:set>
                                       <p:cBhvr>
-                                        <p:cTn id="25" dur="1" fill="hold">
+                                        <p:cTn id="23" dur="1" fill="hold">
                                           <p:stCondLst>
                                             <p:cond delay="0"/>
                                           </p:stCondLst>
                                         </p:cTn>
                                         <p:tgtEl>
-                                          <p:spTgt spid="7"/>
+                                          <p:spTgt spid="8"/>
                                         </p:tgtEl>
                                         <p:attrNameLst>
                                           <p:attrName>style.visibility</p:attrName>
@@ -14011,42 +13132,7 @@
                                     </p:set>
                                     <p:animEffect transition="in" filter="fade">
                                       <p:cBhvr>
-                                        <p:cTn id="26" dur="500"/>
-                                        <p:tgtEl>
-                                          <p:spTgt spid="7"/>
-                                        </p:tgtEl>
-                                      </p:cBhvr>
-                                    </p:animEffect>
-                                  </p:childTnLst>
-                                </p:cTn>
-                              </p:par>
-                              <p:par>
-                                <p:cTn id="27" presetID="10" presetClass="entr" presetSubtype="0" fill="hold" grpId="0" nodeType="withEffect">
-                                  <p:stCondLst>
-                                    <p:cond delay="0"/>
-                                  </p:stCondLst>
-                                  <p:childTnLst>
-                                    <p:set>
-                                      <p:cBhvr>
-                                        <p:cTn id="28" dur="1" fill="hold">
-                                          <p:stCondLst>
-                                            <p:cond delay="0"/>
-                                          </p:stCondLst>
-                                        </p:cTn>
-                                        <p:tgtEl>
-                                          <p:spTgt spid="8"/>
-                                        </p:tgtEl>
-                                        <p:attrNameLst>
-                                          <p:attrName>style.visibility</p:attrName>
-                                        </p:attrNameLst>
-                                      </p:cBhvr>
-                                      <p:to>
-                                        <p:strVal val="visible"/>
-                                      </p:to>
-                                    </p:set>
-                                    <p:animEffect transition="in" filter="fade">
-                                      <p:cBhvr>
-                                        <p:cTn id="29" dur="500"/>
+                                        <p:cTn id="24" dur="500"/>
                                         <p:tgtEl>
                                           <p:spTgt spid="8"/>
                                         </p:tgtEl>
@@ -14084,7 +13170,6 @@
     </p:tnLst>
     <p:bldLst>
       <p:bldP spid="2" grpId="0"/>
-      <p:bldP spid="6" grpId="0"/>
       <p:bldP spid="7" grpId="0"/>
       <p:bldP spid="8" grpId="0"/>
     </p:bldLst>
@@ -14264,67 +13349,6 @@
       </p:sp>
       <p:sp>
         <p:nvSpPr>
-          <p:cNvPr id="6" name="ZoneTexte 5">
-            <a:extLst>
-              <a:ext uri="{FF2B5EF4-FFF2-40B4-BE49-F238E27FC236}">
-                <a16:creationId xmlns:a16="http://schemas.microsoft.com/office/drawing/2014/main" id="{56DCCBFC-BB09-24CB-6D52-0AB7F4619C77}"/>
-              </a:ext>
-            </a:extLst>
-          </p:cNvPr>
-          <p:cNvSpPr txBox="1"/>
-          <p:nvPr/>
-        </p:nvSpPr>
-        <p:spPr>
-          <a:xfrm>
-            <a:off x="1730478" y="1602370"/>
-            <a:ext cx="2290916" cy="369332"/>
-          </a:xfrm>
-          <a:prstGeom prst="rect">
-            <a:avLst/>
-          </a:prstGeom>
-          <a:noFill/>
-        </p:spPr>
-        <p:txBody>
-          <a:bodyPr wrap="square" rtlCol="0">
-            <a:spAutoFit/>
-          </a:bodyPr>
-          <a:lstStyle/>
-          <a:p>
-            <a:r>
-              <a:rPr lang="fr-FR" b="1" dirty="0">
-                <a:solidFill>
-                  <a:schemeClr val="bg1"/>
-                </a:solidFill>
-                <a:latin typeface="Microsoft JhengHei Light" panose="020B0304030504040204" pitchFamily="34" charset="-120"/>
-                <a:ea typeface="Microsoft JhengHei Light" panose="020B0304030504040204" pitchFamily="34" charset="-120"/>
-              </a:rPr>
-              <a:t>* </a:t>
-            </a:r>
-            <a:r>
-              <a:rPr lang="fr-FR" b="1" u="sng" dirty="0">
-                <a:solidFill>
-                  <a:schemeClr val="bg1"/>
-                </a:solidFill>
-                <a:latin typeface="Microsoft JhengHei Light" panose="020B0304030504040204" pitchFamily="34" charset="-120"/>
-                <a:ea typeface="Microsoft JhengHei Light" panose="020B0304030504040204" pitchFamily="34" charset="-120"/>
-              </a:rPr>
-              <a:t>Définition</a:t>
-            </a:r>
-            <a:r>
-              <a:rPr lang="fr-FR" b="1" dirty="0">
-                <a:solidFill>
-                  <a:schemeClr val="bg1"/>
-                </a:solidFill>
-                <a:latin typeface="Microsoft JhengHei Light" panose="020B0304030504040204" pitchFamily="34" charset="-120"/>
-                <a:ea typeface="Microsoft JhengHei Light" panose="020B0304030504040204" pitchFamily="34" charset="-120"/>
-              </a:rPr>
-              <a:t> :</a:t>
-            </a:r>
-          </a:p>
-        </p:txBody>
-      </p:sp>
-      <p:sp>
-        <p:nvSpPr>
           <p:cNvPr id="7" name="ZoneTexte 6">
             <a:extLst>
               <a:ext uri="{FF2B5EF4-FFF2-40B4-BE49-F238E27FC236}">
@@ -14337,7 +13361,7 @@
         </p:nvSpPr>
         <p:spPr>
           <a:xfrm>
-            <a:off x="1730478" y="2445961"/>
+            <a:off x="1730478" y="2024165"/>
             <a:ext cx="9565340" cy="646331"/>
           </a:xfrm>
           <a:prstGeom prst="rect">
@@ -14379,7 +13403,7 @@
         </p:nvSpPr>
         <p:spPr>
           <a:xfrm>
-            <a:off x="1730478" y="3566551"/>
+            <a:off x="1730478" y="2974880"/>
             <a:ext cx="9959497" cy="369332"/>
           </a:xfrm>
           <a:prstGeom prst="rect">
@@ -14617,39 +13641,21 @@
                                   </p:childTnLst>
                                 </p:cTn>
                               </p:par>
-                            </p:childTnLst>
-                          </p:cTn>
-                        </p:par>
-                      </p:childTnLst>
-                    </p:cTn>
-                  </p:par>
-                  <p:par>
-                    <p:cTn id="19" fill="hold">
-                      <p:stCondLst>
-                        <p:cond delay="indefinite"/>
-                      </p:stCondLst>
-                      <p:childTnLst>
-                        <p:par>
-                          <p:cTn id="20" fill="hold">
-                            <p:stCondLst>
-                              <p:cond delay="0"/>
-                            </p:stCondLst>
-                            <p:childTnLst>
                               <p:par>
-                                <p:cTn id="21" presetID="10" presetClass="entr" presetSubtype="0" fill="hold" grpId="0" nodeType="clickEffect">
+                                <p:cTn id="19" presetID="10" presetClass="entr" presetSubtype="0" fill="hold" grpId="0" nodeType="withEffect">
                                   <p:stCondLst>
                                     <p:cond delay="0"/>
                                   </p:stCondLst>
                                   <p:childTnLst>
                                     <p:set>
                                       <p:cBhvr>
-                                        <p:cTn id="22" dur="1" fill="hold">
+                                        <p:cTn id="20" dur="1" fill="hold">
                                           <p:stCondLst>
                                             <p:cond delay="0"/>
                                           </p:stCondLst>
                                         </p:cTn>
                                         <p:tgtEl>
-                                          <p:spTgt spid="6"/>
+                                          <p:spTgt spid="7"/>
                                         </p:tgtEl>
                                         <p:attrNameLst>
                                           <p:attrName>style.visibility</p:attrName>
@@ -14661,9 +13667,9 @@
                                     </p:set>
                                     <p:animEffect transition="in" filter="fade">
                                       <p:cBhvr>
-                                        <p:cTn id="23" dur="500"/>
-                                        <p:tgtEl>
-                                          <p:spTgt spid="6"/>
+                                        <p:cTn id="21" dur="500"/>
+                                        <p:tgtEl>
+                                          <p:spTgt spid="7"/>
                                         </p:tgtEl>
                                       </p:cBhvr>
                                     </p:animEffect>
@@ -14671,20 +13677,20 @@
                                 </p:cTn>
                               </p:par>
                               <p:par>
-                                <p:cTn id="24" presetID="10" presetClass="entr" presetSubtype="0" fill="hold" grpId="0" nodeType="withEffect">
+                                <p:cTn id="22" presetID="10" presetClass="entr" presetSubtype="0" fill="hold" grpId="0" nodeType="withEffect">
                                   <p:stCondLst>
                                     <p:cond delay="0"/>
                                   </p:stCondLst>
                                   <p:childTnLst>
                                     <p:set>
                                       <p:cBhvr>
-                                        <p:cTn id="25" dur="1" fill="hold">
+                                        <p:cTn id="23" dur="1" fill="hold">
                                           <p:stCondLst>
                                             <p:cond delay="0"/>
                                           </p:stCondLst>
                                         </p:cTn>
                                         <p:tgtEl>
-                                          <p:spTgt spid="7"/>
+                                          <p:spTgt spid="8"/>
                                         </p:tgtEl>
                                         <p:attrNameLst>
                                           <p:attrName>style.visibility</p:attrName>
@@ -14696,42 +13702,7 @@
                                     </p:set>
                                     <p:animEffect transition="in" filter="fade">
                                       <p:cBhvr>
-                                        <p:cTn id="26" dur="500"/>
-                                        <p:tgtEl>
-                                          <p:spTgt spid="7"/>
-                                        </p:tgtEl>
-                                      </p:cBhvr>
-                                    </p:animEffect>
-                                  </p:childTnLst>
-                                </p:cTn>
-                              </p:par>
-                              <p:par>
-                                <p:cTn id="27" presetID="10" presetClass="entr" presetSubtype="0" fill="hold" grpId="0" nodeType="withEffect">
-                                  <p:stCondLst>
-                                    <p:cond delay="0"/>
-                                  </p:stCondLst>
-                                  <p:childTnLst>
-                                    <p:set>
-                                      <p:cBhvr>
-                                        <p:cTn id="28" dur="1" fill="hold">
-                                          <p:stCondLst>
-                                            <p:cond delay="0"/>
-                                          </p:stCondLst>
-                                        </p:cTn>
-                                        <p:tgtEl>
-                                          <p:spTgt spid="8"/>
-                                        </p:tgtEl>
-                                        <p:attrNameLst>
-                                          <p:attrName>style.visibility</p:attrName>
-                                        </p:attrNameLst>
-                                      </p:cBhvr>
-                                      <p:to>
-                                        <p:strVal val="visible"/>
-                                      </p:to>
-                                    </p:set>
-                                    <p:animEffect transition="in" filter="fade">
-                                      <p:cBhvr>
-                                        <p:cTn id="29" dur="500"/>
+                                        <p:cTn id="24" dur="500"/>
                                         <p:tgtEl>
                                           <p:spTgt spid="8"/>
                                         </p:tgtEl>
@@ -14769,7 +13740,6 @@
     </p:tnLst>
     <p:bldLst>
       <p:bldP spid="5" grpId="0"/>
-      <p:bldP spid="6" grpId="0"/>
       <p:bldP spid="7" grpId="0"/>
       <p:bldP spid="8" grpId="0"/>
     </p:bldLst>
@@ -14949,67 +13919,6 @@
       </p:sp>
       <p:sp>
         <p:nvSpPr>
-          <p:cNvPr id="6" name="ZoneTexte 5">
-            <a:extLst>
-              <a:ext uri="{FF2B5EF4-FFF2-40B4-BE49-F238E27FC236}">
-                <a16:creationId xmlns:a16="http://schemas.microsoft.com/office/drawing/2014/main" id="{72A6E572-9B97-3B47-EEF1-1E7ECE70317C}"/>
-              </a:ext>
-            </a:extLst>
-          </p:cNvPr>
-          <p:cNvSpPr txBox="1"/>
-          <p:nvPr/>
-        </p:nvSpPr>
-        <p:spPr>
-          <a:xfrm>
-            <a:off x="1769806" y="1691149"/>
-            <a:ext cx="2556386" cy="369332"/>
-          </a:xfrm>
-          <a:prstGeom prst="rect">
-            <a:avLst/>
-          </a:prstGeom>
-          <a:noFill/>
-        </p:spPr>
-        <p:txBody>
-          <a:bodyPr wrap="square" rtlCol="0">
-            <a:spAutoFit/>
-          </a:bodyPr>
-          <a:lstStyle/>
-          <a:p>
-            <a:r>
-              <a:rPr lang="fr-FR" b="1" dirty="0">
-                <a:solidFill>
-                  <a:schemeClr val="bg1"/>
-                </a:solidFill>
-                <a:latin typeface="Microsoft JhengHei Light" panose="020B0304030504040204" pitchFamily="34" charset="-120"/>
-                <a:ea typeface="Microsoft JhengHei Light" panose="020B0304030504040204" pitchFamily="34" charset="-120"/>
-              </a:rPr>
-              <a:t>* </a:t>
-            </a:r>
-            <a:r>
-              <a:rPr lang="fr-FR" b="1" u="sng" dirty="0">
-                <a:solidFill>
-                  <a:schemeClr val="bg1"/>
-                </a:solidFill>
-                <a:latin typeface="Microsoft JhengHei Light" panose="020B0304030504040204" pitchFamily="34" charset="-120"/>
-                <a:ea typeface="Microsoft JhengHei Light" panose="020B0304030504040204" pitchFamily="34" charset="-120"/>
-              </a:rPr>
-              <a:t>Définition</a:t>
-            </a:r>
-            <a:r>
-              <a:rPr lang="fr-FR" b="1" dirty="0">
-                <a:solidFill>
-                  <a:schemeClr val="bg1"/>
-                </a:solidFill>
-                <a:latin typeface="Microsoft JhengHei Light" panose="020B0304030504040204" pitchFamily="34" charset="-120"/>
-                <a:ea typeface="Microsoft JhengHei Light" panose="020B0304030504040204" pitchFamily="34" charset="-120"/>
-              </a:rPr>
-              <a:t> :</a:t>
-            </a:r>
-          </a:p>
-        </p:txBody>
-      </p:sp>
-      <p:sp>
-        <p:nvSpPr>
           <p:cNvPr id="9" name="ZoneTexte 8">
             <a:extLst>
               <a:ext uri="{FF2B5EF4-FFF2-40B4-BE49-F238E27FC236}">
@@ -15022,7 +13931,7 @@
         </p:nvSpPr>
         <p:spPr>
           <a:xfrm>
-            <a:off x="1661651" y="2613686"/>
+            <a:off x="1661651" y="1699286"/>
             <a:ext cx="9969910" cy="923330"/>
           </a:xfrm>
           <a:prstGeom prst="rect">
@@ -15064,7 +13973,7 @@
         </p:nvSpPr>
         <p:spPr>
           <a:xfrm>
-            <a:off x="1661651" y="3843622"/>
+            <a:off x="1661651" y="3183958"/>
             <a:ext cx="9861755" cy="1200329"/>
           </a:xfrm>
           <a:prstGeom prst="rect">
@@ -15303,39 +14212,21 @@
                                   </p:childTnLst>
                                 </p:cTn>
                               </p:par>
-                            </p:childTnLst>
-                          </p:cTn>
-                        </p:par>
-                      </p:childTnLst>
-                    </p:cTn>
-                  </p:par>
-                  <p:par>
-                    <p:cTn id="19" fill="hold">
-                      <p:stCondLst>
-                        <p:cond delay="indefinite"/>
-                      </p:stCondLst>
-                      <p:childTnLst>
-                        <p:par>
-                          <p:cTn id="20" fill="hold">
-                            <p:stCondLst>
-                              <p:cond delay="0"/>
-                            </p:stCondLst>
-                            <p:childTnLst>
                               <p:par>
-                                <p:cTn id="21" presetID="10" presetClass="entr" presetSubtype="0" fill="hold" grpId="0" nodeType="clickEffect">
+                                <p:cTn id="19" presetID="10" presetClass="entr" presetSubtype="0" fill="hold" grpId="0" nodeType="withEffect">
                                   <p:stCondLst>
                                     <p:cond delay="0"/>
                                   </p:stCondLst>
                                   <p:childTnLst>
                                     <p:set>
                                       <p:cBhvr>
-                                        <p:cTn id="22" dur="1" fill="hold">
+                                        <p:cTn id="20" dur="1" fill="hold">
                                           <p:stCondLst>
                                             <p:cond delay="0"/>
                                           </p:stCondLst>
                                         </p:cTn>
                                         <p:tgtEl>
-                                          <p:spTgt spid="6"/>
+                                          <p:spTgt spid="9"/>
                                         </p:tgtEl>
                                         <p:attrNameLst>
                                           <p:attrName>style.visibility</p:attrName>
@@ -15347,9 +14238,9 @@
                                     </p:set>
                                     <p:animEffect transition="in" filter="fade">
                                       <p:cBhvr>
-                                        <p:cTn id="23" dur="500"/>
-                                        <p:tgtEl>
-                                          <p:spTgt spid="6"/>
+                                        <p:cTn id="21" dur="500"/>
+                                        <p:tgtEl>
+                                          <p:spTgt spid="9"/>
                                         </p:tgtEl>
                                       </p:cBhvr>
                                     </p:animEffect>
@@ -15357,20 +14248,20 @@
                                 </p:cTn>
                               </p:par>
                               <p:par>
-                                <p:cTn id="24" presetID="10" presetClass="entr" presetSubtype="0" fill="hold" grpId="0" nodeType="withEffect">
+                                <p:cTn id="22" presetID="10" presetClass="entr" presetSubtype="0" fill="hold" grpId="0" nodeType="withEffect">
                                   <p:stCondLst>
                                     <p:cond delay="0"/>
                                   </p:stCondLst>
                                   <p:childTnLst>
                                     <p:set>
                                       <p:cBhvr>
-                                        <p:cTn id="25" dur="1" fill="hold">
+                                        <p:cTn id="23" dur="1" fill="hold">
                                           <p:stCondLst>
                                             <p:cond delay="0"/>
                                           </p:stCondLst>
                                         </p:cTn>
                                         <p:tgtEl>
-                                          <p:spTgt spid="9"/>
+                                          <p:spTgt spid="11"/>
                                         </p:tgtEl>
                                         <p:attrNameLst>
                                           <p:attrName>style.visibility</p:attrName>
@@ -15382,42 +14273,7 @@
                                     </p:set>
                                     <p:animEffect transition="in" filter="fade">
                                       <p:cBhvr>
-                                        <p:cTn id="26" dur="500"/>
-                                        <p:tgtEl>
-                                          <p:spTgt spid="9"/>
-                                        </p:tgtEl>
-                                      </p:cBhvr>
-                                    </p:animEffect>
-                                  </p:childTnLst>
-                                </p:cTn>
-                              </p:par>
-                              <p:par>
-                                <p:cTn id="27" presetID="10" presetClass="entr" presetSubtype="0" fill="hold" grpId="0" nodeType="withEffect">
-                                  <p:stCondLst>
-                                    <p:cond delay="0"/>
-                                  </p:stCondLst>
-                                  <p:childTnLst>
-                                    <p:set>
-                                      <p:cBhvr>
-                                        <p:cTn id="28" dur="1" fill="hold">
-                                          <p:stCondLst>
-                                            <p:cond delay="0"/>
-                                          </p:stCondLst>
-                                        </p:cTn>
-                                        <p:tgtEl>
-                                          <p:spTgt spid="11"/>
-                                        </p:tgtEl>
-                                        <p:attrNameLst>
-                                          <p:attrName>style.visibility</p:attrName>
-                                        </p:attrNameLst>
-                                      </p:cBhvr>
-                                      <p:to>
-                                        <p:strVal val="visible"/>
-                                      </p:to>
-                                    </p:set>
-                                    <p:animEffect transition="in" filter="fade">
-                                      <p:cBhvr>
-                                        <p:cTn id="29" dur="500"/>
+                                        <p:cTn id="24" dur="500"/>
                                         <p:tgtEl>
                                           <p:spTgt spid="11"/>
                                         </p:tgtEl>
@@ -15455,7 +14311,6 @@
     </p:tnLst>
     <p:bldLst>
       <p:bldP spid="5" grpId="0"/>
-      <p:bldP spid="6" grpId="0"/>
       <p:bldP spid="9" grpId="0"/>
       <p:bldP spid="11" grpId="0"/>
     </p:bldLst>
@@ -15635,67 +14490,6 @@
       </p:sp>
       <p:sp>
         <p:nvSpPr>
-          <p:cNvPr id="6" name="ZoneTexte 5">
-            <a:extLst>
-              <a:ext uri="{FF2B5EF4-FFF2-40B4-BE49-F238E27FC236}">
-                <a16:creationId xmlns:a16="http://schemas.microsoft.com/office/drawing/2014/main" id="{E27A7206-B56A-2CD8-9BB2-C31E2DFAC066}"/>
-              </a:ext>
-            </a:extLst>
-          </p:cNvPr>
-          <p:cNvSpPr txBox="1"/>
-          <p:nvPr/>
-        </p:nvSpPr>
-        <p:spPr>
-          <a:xfrm>
-            <a:off x="1740310" y="1777036"/>
-            <a:ext cx="3519946" cy="369332"/>
-          </a:xfrm>
-          <a:prstGeom prst="rect">
-            <a:avLst/>
-          </a:prstGeom>
-          <a:noFill/>
-        </p:spPr>
-        <p:txBody>
-          <a:bodyPr wrap="square" rtlCol="0">
-            <a:spAutoFit/>
-          </a:bodyPr>
-          <a:lstStyle/>
-          <a:p>
-            <a:r>
-              <a:rPr lang="fr-FR" b="1" dirty="0">
-                <a:solidFill>
-                  <a:schemeClr val="bg1"/>
-                </a:solidFill>
-                <a:latin typeface="Microsoft JhengHei Light" panose="020B0304030504040204" pitchFamily="34" charset="-120"/>
-                <a:ea typeface="Microsoft JhengHei Light" panose="020B0304030504040204" pitchFamily="34" charset="-120"/>
-              </a:rPr>
-              <a:t>* </a:t>
-            </a:r>
-            <a:r>
-              <a:rPr lang="fr-FR" b="1" u="sng" dirty="0">
-                <a:solidFill>
-                  <a:schemeClr val="bg1"/>
-                </a:solidFill>
-                <a:latin typeface="Microsoft JhengHei Light" panose="020B0304030504040204" pitchFamily="34" charset="-120"/>
-                <a:ea typeface="Microsoft JhengHei Light" panose="020B0304030504040204" pitchFamily="34" charset="-120"/>
-              </a:rPr>
-              <a:t>Définition</a:t>
-            </a:r>
-            <a:r>
-              <a:rPr lang="fr-FR" b="1" dirty="0">
-                <a:solidFill>
-                  <a:schemeClr val="bg1"/>
-                </a:solidFill>
-                <a:latin typeface="Microsoft JhengHei Light" panose="020B0304030504040204" pitchFamily="34" charset="-120"/>
-                <a:ea typeface="Microsoft JhengHei Light" panose="020B0304030504040204" pitchFamily="34" charset="-120"/>
-              </a:rPr>
-              <a:t> :</a:t>
-            </a:r>
-          </a:p>
-        </p:txBody>
-      </p:sp>
-      <p:sp>
-        <p:nvSpPr>
           <p:cNvPr id="7" name="ZoneTexte 6">
             <a:extLst>
               <a:ext uri="{FF2B5EF4-FFF2-40B4-BE49-F238E27FC236}">
@@ -15708,7 +14502,7 @@
         </p:nvSpPr>
         <p:spPr>
           <a:xfrm>
-            <a:off x="1740310" y="2566400"/>
+            <a:off x="1740310" y="1678895"/>
             <a:ext cx="9914965" cy="646331"/>
           </a:xfrm>
           <a:prstGeom prst="rect">
@@ -15750,7 +14544,7 @@
         </p:nvSpPr>
         <p:spPr>
           <a:xfrm>
-            <a:off x="1740310" y="3632763"/>
+            <a:off x="1740310" y="2826847"/>
             <a:ext cx="9799577" cy="2308324"/>
           </a:xfrm>
           <a:prstGeom prst="rect">
@@ -16084,39 +14878,21 @@
                                   </p:childTnLst>
                                 </p:cTn>
                               </p:par>
-                            </p:childTnLst>
-                          </p:cTn>
-                        </p:par>
-                      </p:childTnLst>
-                    </p:cTn>
-                  </p:par>
-                  <p:par>
-                    <p:cTn id="19" fill="hold">
-                      <p:stCondLst>
-                        <p:cond delay="indefinite"/>
-                      </p:stCondLst>
-                      <p:childTnLst>
-                        <p:par>
-                          <p:cTn id="20" fill="hold">
-                            <p:stCondLst>
-                              <p:cond delay="0"/>
-                            </p:stCondLst>
-                            <p:childTnLst>
                               <p:par>
-                                <p:cTn id="21" presetID="10" presetClass="entr" presetSubtype="0" fill="hold" grpId="0" nodeType="clickEffect">
+                                <p:cTn id="19" presetID="10" presetClass="entr" presetSubtype="0" fill="hold" grpId="0" nodeType="withEffect">
                                   <p:stCondLst>
                                     <p:cond delay="0"/>
                                   </p:stCondLst>
                                   <p:childTnLst>
                                     <p:set>
                                       <p:cBhvr>
-                                        <p:cTn id="22" dur="1" fill="hold">
+                                        <p:cTn id="20" dur="1" fill="hold">
                                           <p:stCondLst>
                                             <p:cond delay="0"/>
                                           </p:stCondLst>
                                         </p:cTn>
                                         <p:tgtEl>
-                                          <p:spTgt spid="6"/>
+                                          <p:spTgt spid="7"/>
                                         </p:tgtEl>
                                         <p:attrNameLst>
                                           <p:attrName>style.visibility</p:attrName>
@@ -16128,9 +14904,9 @@
                                     </p:set>
                                     <p:animEffect transition="in" filter="fade">
                                       <p:cBhvr>
-                                        <p:cTn id="23" dur="500"/>
-                                        <p:tgtEl>
-                                          <p:spTgt spid="6"/>
+                                        <p:cTn id="21" dur="500"/>
+                                        <p:tgtEl>
+                                          <p:spTgt spid="7"/>
                                         </p:tgtEl>
                                       </p:cBhvr>
                                     </p:animEffect>
@@ -16138,20 +14914,20 @@
                                 </p:cTn>
                               </p:par>
                               <p:par>
-                                <p:cTn id="24" presetID="10" presetClass="entr" presetSubtype="0" fill="hold" grpId="0" nodeType="withEffect">
+                                <p:cTn id="22" presetID="10" presetClass="entr" presetSubtype="0" fill="hold" grpId="0" nodeType="withEffect">
                                   <p:stCondLst>
                                     <p:cond delay="0"/>
                                   </p:stCondLst>
                                   <p:childTnLst>
                                     <p:set>
                                       <p:cBhvr>
-                                        <p:cTn id="25" dur="1" fill="hold">
+                                        <p:cTn id="23" dur="1" fill="hold">
                                           <p:stCondLst>
                                             <p:cond delay="0"/>
                                           </p:stCondLst>
                                         </p:cTn>
                                         <p:tgtEl>
-                                          <p:spTgt spid="7"/>
+                                          <p:spTgt spid="8"/>
                                         </p:tgtEl>
                                         <p:attrNameLst>
                                           <p:attrName>style.visibility</p:attrName>
@@ -16163,42 +14939,7 @@
                                     </p:set>
                                     <p:animEffect transition="in" filter="fade">
                                       <p:cBhvr>
-                                        <p:cTn id="26" dur="500"/>
-                                        <p:tgtEl>
-                                          <p:spTgt spid="7"/>
-                                        </p:tgtEl>
-                                      </p:cBhvr>
-                                    </p:animEffect>
-                                  </p:childTnLst>
-                                </p:cTn>
-                              </p:par>
-                              <p:par>
-                                <p:cTn id="27" presetID="10" presetClass="entr" presetSubtype="0" fill="hold" grpId="0" nodeType="withEffect">
-                                  <p:stCondLst>
-                                    <p:cond delay="0"/>
-                                  </p:stCondLst>
-                                  <p:childTnLst>
-                                    <p:set>
-                                      <p:cBhvr>
-                                        <p:cTn id="28" dur="1" fill="hold">
-                                          <p:stCondLst>
-                                            <p:cond delay="0"/>
-                                          </p:stCondLst>
-                                        </p:cTn>
-                                        <p:tgtEl>
-                                          <p:spTgt spid="8"/>
-                                        </p:tgtEl>
-                                        <p:attrNameLst>
-                                          <p:attrName>style.visibility</p:attrName>
-                                        </p:attrNameLst>
-                                      </p:cBhvr>
-                                      <p:to>
-                                        <p:strVal val="visible"/>
-                                      </p:to>
-                                    </p:set>
-                                    <p:animEffect transition="in" filter="fade">
-                                      <p:cBhvr>
-                                        <p:cTn id="29" dur="500"/>
+                                        <p:cTn id="24" dur="500"/>
                                         <p:tgtEl>
                                           <p:spTgt spid="8"/>
                                         </p:tgtEl>
@@ -16236,7 +14977,6 @@
     </p:tnLst>
     <p:bldLst>
       <p:bldP spid="5" grpId="0"/>
-      <p:bldP spid="6" grpId="0"/>
       <p:bldP spid="7" grpId="0"/>
       <p:bldP spid="8" grpId="0"/>
     </p:bldLst>
@@ -16416,67 +15156,6 @@
       </p:sp>
       <p:sp>
         <p:nvSpPr>
-          <p:cNvPr id="2" name="ZoneTexte 1">
-            <a:extLst>
-              <a:ext uri="{FF2B5EF4-FFF2-40B4-BE49-F238E27FC236}">
-                <a16:creationId xmlns:a16="http://schemas.microsoft.com/office/drawing/2014/main" id="{E16249ED-64CF-F03A-1AF8-182CB261A0AC}"/>
-              </a:ext>
-            </a:extLst>
-          </p:cNvPr>
-          <p:cNvSpPr txBox="1"/>
-          <p:nvPr/>
-        </p:nvSpPr>
-        <p:spPr>
-          <a:xfrm>
-            <a:off x="1848754" y="1775012"/>
-            <a:ext cx="2662516" cy="369332"/>
-          </a:xfrm>
-          <a:prstGeom prst="rect">
-            <a:avLst/>
-          </a:prstGeom>
-          <a:noFill/>
-        </p:spPr>
-        <p:txBody>
-          <a:bodyPr wrap="square" rtlCol="0">
-            <a:spAutoFit/>
-          </a:bodyPr>
-          <a:lstStyle/>
-          <a:p>
-            <a:r>
-              <a:rPr lang="fr-FR" b="1" dirty="0">
-                <a:solidFill>
-                  <a:schemeClr val="bg1"/>
-                </a:solidFill>
-                <a:latin typeface="Microsoft JhengHei Light" panose="020B0304030504040204" pitchFamily="34" charset="-120"/>
-                <a:ea typeface="Microsoft JhengHei Light" panose="020B0304030504040204" pitchFamily="34" charset="-120"/>
-              </a:rPr>
-              <a:t>* </a:t>
-            </a:r>
-            <a:r>
-              <a:rPr lang="fr-FR" b="1" u="sng" dirty="0">
-                <a:solidFill>
-                  <a:schemeClr val="bg1"/>
-                </a:solidFill>
-                <a:latin typeface="Microsoft JhengHei Light" panose="020B0304030504040204" pitchFamily="34" charset="-120"/>
-                <a:ea typeface="Microsoft JhengHei Light" panose="020B0304030504040204" pitchFamily="34" charset="-120"/>
-              </a:rPr>
-              <a:t>Définition</a:t>
-            </a:r>
-            <a:r>
-              <a:rPr lang="fr-FR" b="1" dirty="0">
-                <a:solidFill>
-                  <a:schemeClr val="bg1"/>
-                </a:solidFill>
-                <a:latin typeface="Microsoft JhengHei Light" panose="020B0304030504040204" pitchFamily="34" charset="-120"/>
-                <a:ea typeface="Microsoft JhengHei Light" panose="020B0304030504040204" pitchFamily="34" charset="-120"/>
-              </a:rPr>
-              <a:t> :</a:t>
-            </a:r>
-          </a:p>
-        </p:txBody>
-      </p:sp>
-      <p:sp>
-        <p:nvSpPr>
           <p:cNvPr id="3" name="ZoneTexte 2">
             <a:extLst>
               <a:ext uri="{FF2B5EF4-FFF2-40B4-BE49-F238E27FC236}">
@@ -16530,7 +15209,7 @@
         </p:nvSpPr>
         <p:spPr>
           <a:xfrm>
-            <a:off x="1848754" y="2797895"/>
+            <a:off x="1848754" y="1865565"/>
             <a:ext cx="10031504" cy="923330"/>
           </a:xfrm>
           <a:prstGeom prst="rect">
@@ -16769,39 +15448,21 @@
                                   </p:childTnLst>
                                 </p:cTn>
                               </p:par>
-                            </p:childTnLst>
-                          </p:cTn>
-                        </p:par>
-                      </p:childTnLst>
-                    </p:cTn>
-                  </p:par>
-                  <p:par>
-                    <p:cTn id="19" fill="hold">
-                      <p:stCondLst>
-                        <p:cond delay="indefinite"/>
-                      </p:stCondLst>
-                      <p:childTnLst>
-                        <p:par>
-                          <p:cTn id="20" fill="hold">
-                            <p:stCondLst>
-                              <p:cond delay="0"/>
-                            </p:stCondLst>
-                            <p:childTnLst>
                               <p:par>
-                                <p:cTn id="21" presetID="10" presetClass="entr" presetSubtype="0" fill="hold" grpId="0" nodeType="clickEffect">
+                                <p:cTn id="19" presetID="10" presetClass="entr" presetSubtype="0" fill="hold" grpId="0" nodeType="withEffect">
                                   <p:stCondLst>
                                     <p:cond delay="0"/>
                                   </p:stCondLst>
                                   <p:childTnLst>
                                     <p:set>
                                       <p:cBhvr>
-                                        <p:cTn id="22" dur="1" fill="hold">
+                                        <p:cTn id="20" dur="1" fill="hold">
                                           <p:stCondLst>
                                             <p:cond delay="0"/>
                                           </p:stCondLst>
                                         </p:cTn>
                                         <p:tgtEl>
-                                          <p:spTgt spid="2"/>
+                                          <p:spTgt spid="4"/>
                                         </p:tgtEl>
                                         <p:attrNameLst>
                                           <p:attrName>style.visibility</p:attrName>
@@ -16813,42 +15474,7 @@
                                     </p:set>
                                     <p:animEffect transition="in" filter="fade">
                                       <p:cBhvr>
-                                        <p:cTn id="23" dur="500"/>
-                                        <p:tgtEl>
-                                          <p:spTgt spid="2"/>
-                                        </p:tgtEl>
-                                      </p:cBhvr>
-                                    </p:animEffect>
-                                  </p:childTnLst>
-                                </p:cTn>
-                              </p:par>
-                              <p:par>
-                                <p:cTn id="24" presetID="10" presetClass="entr" presetSubtype="0" fill="hold" grpId="0" nodeType="withEffect">
-                                  <p:stCondLst>
-                                    <p:cond delay="0"/>
-                                  </p:stCondLst>
-                                  <p:childTnLst>
-                                    <p:set>
-                                      <p:cBhvr>
-                                        <p:cTn id="25" dur="1" fill="hold">
-                                          <p:stCondLst>
-                                            <p:cond delay="0"/>
-                                          </p:stCondLst>
-                                        </p:cTn>
-                                        <p:tgtEl>
-                                          <p:spTgt spid="4"/>
-                                        </p:tgtEl>
-                                        <p:attrNameLst>
-                                          <p:attrName>style.visibility</p:attrName>
-                                        </p:attrNameLst>
-                                      </p:cBhvr>
-                                      <p:to>
-                                        <p:strVal val="visible"/>
-                                      </p:to>
-                                    </p:set>
-                                    <p:animEffect transition="in" filter="fade">
-                                      <p:cBhvr>
-                                        <p:cTn id="26" dur="500"/>
+                                        <p:cTn id="21" dur="500"/>
                                         <p:tgtEl>
                                           <p:spTgt spid="4"/>
                                         </p:tgtEl>
@@ -16886,7 +15512,6 @@
     </p:tnLst>
     <p:bldLst>
       <p:bldP spid="7" grpId="0"/>
-      <p:bldP spid="2" grpId="0"/>
       <p:bldP spid="4" grpId="0"/>
     </p:bldLst>
   </p:timing>
@@ -17967,6 +16592,132 @@
           </a:fontRef>
         </p:style>
       </p:cxnSp>
+      <p:sp>
+        <p:nvSpPr>
+          <p:cNvPr id="5" name="ZoneTexte 4">
+            <a:extLst>
+              <a:ext uri="{FF2B5EF4-FFF2-40B4-BE49-F238E27FC236}">
+                <a16:creationId xmlns:a16="http://schemas.microsoft.com/office/drawing/2014/main" id="{7932FED0-7D42-89E3-6672-F607B6E9CD84}"/>
+              </a:ext>
+            </a:extLst>
+          </p:cNvPr>
+          <p:cNvSpPr txBox="1"/>
+          <p:nvPr/>
+        </p:nvSpPr>
+        <p:spPr>
+          <a:xfrm>
+            <a:off x="1649506" y="555812"/>
+            <a:ext cx="8337175" cy="646331"/>
+          </a:xfrm>
+          <a:prstGeom prst="rect">
+            <a:avLst/>
+          </a:prstGeom>
+          <a:noFill/>
+        </p:spPr>
+        <p:txBody>
+          <a:bodyPr wrap="square" rtlCol="0">
+            <a:spAutoFit/>
+          </a:bodyPr>
+          <a:lstStyle/>
+          <a:p>
+            <a:r>
+              <a:rPr lang="fr-FR" sz="3600" b="1" dirty="0">
+                <a:solidFill>
+                  <a:schemeClr val="bg1"/>
+                </a:solidFill>
+                <a:latin typeface="Microsoft JhengHei Light" panose="020B0304030504040204" pitchFamily="34" charset="-120"/>
+                <a:ea typeface="Microsoft JhengHei Light" panose="020B0304030504040204" pitchFamily="34" charset="-120"/>
+              </a:rPr>
+              <a:t>3.1) </a:t>
+            </a:r>
+            <a:r>
+              <a:rPr lang="fr-FR" sz="3600" b="1" u="sng" dirty="0">
+                <a:solidFill>
+                  <a:schemeClr val="bg1"/>
+                </a:solidFill>
+                <a:latin typeface="Microsoft JhengHei Light" panose="020B0304030504040204" pitchFamily="34" charset="-120"/>
+                <a:ea typeface="Microsoft JhengHei Light" panose="020B0304030504040204" pitchFamily="34" charset="-120"/>
+              </a:rPr>
+              <a:t>Définition de tests statiques</a:t>
+            </a:r>
+            <a:r>
+              <a:rPr lang="fr-FR" sz="3600" b="1" dirty="0">
+                <a:solidFill>
+                  <a:schemeClr val="bg1"/>
+                </a:solidFill>
+                <a:latin typeface="Microsoft JhengHei Light" panose="020B0304030504040204" pitchFamily="34" charset="-120"/>
+                <a:ea typeface="Microsoft JhengHei Light" panose="020B0304030504040204" pitchFamily="34" charset="-120"/>
+              </a:rPr>
+              <a:t> :</a:t>
+            </a:r>
+          </a:p>
+        </p:txBody>
+      </p:sp>
+      <p:sp>
+        <p:nvSpPr>
+          <p:cNvPr id="6" name="ZoneTexte 5">
+            <a:extLst>
+              <a:ext uri="{FF2B5EF4-FFF2-40B4-BE49-F238E27FC236}">
+                <a16:creationId xmlns:a16="http://schemas.microsoft.com/office/drawing/2014/main" id="{54CDF281-7A64-F039-5203-CA0ACDB2087E}"/>
+              </a:ext>
+            </a:extLst>
+          </p:cNvPr>
+          <p:cNvSpPr txBox="1"/>
+          <p:nvPr/>
+        </p:nvSpPr>
+        <p:spPr>
+          <a:xfrm>
+            <a:off x="1649506" y="1927412"/>
+            <a:ext cx="9699808" cy="1754326"/>
+          </a:xfrm>
+          <a:prstGeom prst="rect">
+            <a:avLst/>
+          </a:prstGeom>
+          <a:noFill/>
+        </p:spPr>
+        <p:txBody>
+          <a:bodyPr wrap="square" rtlCol="0">
+            <a:spAutoFit/>
+          </a:bodyPr>
+          <a:lstStyle/>
+          <a:p>
+            <a:pPr algn="just"/>
+            <a:r>
+              <a:rPr lang="fr-FR" dirty="0">
+                <a:solidFill>
+                  <a:schemeClr val="bg1"/>
+                </a:solidFill>
+                <a:latin typeface="Microsoft JhengHei Light" panose="020B0304030504040204" pitchFamily="34" charset="-120"/>
+                <a:ea typeface="Microsoft JhengHei Light" panose="020B0304030504040204" pitchFamily="34" charset="-120"/>
+              </a:rPr>
+              <a:t>Les tests statiques sont définis comme correspondant à l’intégralité qui ne nécessite pas l’utilisation ou l’exécution du logiciel.</a:t>
+            </a:r>
+          </a:p>
+          <a:p>
+            <a:pPr algn="just"/>
+            <a:endParaRPr lang="fr-FR" dirty="0">
+              <a:solidFill>
+                <a:schemeClr val="bg1"/>
+              </a:solidFill>
+              <a:latin typeface="Microsoft JhengHei Light" panose="020B0304030504040204" pitchFamily="34" charset="-120"/>
+              <a:ea typeface="Microsoft JhengHei Light" panose="020B0304030504040204" pitchFamily="34" charset="-120"/>
+            </a:endParaRPr>
+          </a:p>
+          <a:p>
+            <a:pPr algn="just"/>
+            <a:r>
+              <a:rPr lang="fr-FR" dirty="0">
+                <a:solidFill>
+                  <a:schemeClr val="bg1"/>
+                </a:solidFill>
+                <a:latin typeface="Microsoft JhengHei Light" panose="020B0304030504040204" pitchFamily="34" charset="-120"/>
+                <a:ea typeface="Microsoft JhengHei Light" panose="020B0304030504040204" pitchFamily="34" charset="-120"/>
+              </a:rPr>
+              <a:t>L’ISTQB les définis comme étant les tests d’un composant ou d’un système au niveau des spécifications ou implémentations sans exécution du logiciel, comme par exemple (les revues ou analyse statique du code).</a:t>
+            </a:r>
+          </a:p>
+        </p:txBody>
+      </p:sp>
     </p:spTree>
     <p:extLst>
       <p:ext uri="{BB962C8B-B14F-4D97-AF65-F5344CB8AC3E}">
@@ -17977,6 +16728,3474 @@
   <p:clrMapOvr>
     <a:masterClrMapping/>
   </p:clrMapOvr>
+  <p:timing>
+    <p:tnLst>
+      <p:par>
+        <p:cTn id="1" dur="indefinite" restart="never" nodeType="tmRoot">
+          <p:childTnLst>
+            <p:seq concurrent="1" nextAc="seek">
+              <p:cTn id="2" dur="indefinite" nodeType="mainSeq">
+                <p:childTnLst>
+                  <p:par>
+                    <p:cTn id="3" fill="hold">
+                      <p:stCondLst>
+                        <p:cond delay="indefinite"/>
+                        <p:cond evt="onBegin" delay="0">
+                          <p:tn val="2"/>
+                        </p:cond>
+                      </p:stCondLst>
+                      <p:childTnLst>
+                        <p:par>
+                          <p:cTn id="4" fill="hold">
+                            <p:stCondLst>
+                              <p:cond delay="0"/>
+                            </p:stCondLst>
+                            <p:childTnLst>
+                              <p:par>
+                                <p:cTn id="5" presetID="10" presetClass="entr" presetSubtype="0" fill="hold" nodeType="withEffect">
+                                  <p:stCondLst>
+                                    <p:cond delay="0"/>
+                                  </p:stCondLst>
+                                  <p:childTnLst>
+                                    <p:set>
+                                      <p:cBhvr>
+                                        <p:cTn id="6" dur="1" fill="hold">
+                                          <p:stCondLst>
+                                            <p:cond delay="0"/>
+                                          </p:stCondLst>
+                                        </p:cTn>
+                                        <p:tgtEl>
+                                          <p:spTgt spid="3"/>
+                                        </p:tgtEl>
+                                        <p:attrNameLst>
+                                          <p:attrName>style.visibility</p:attrName>
+                                        </p:attrNameLst>
+                                      </p:cBhvr>
+                                      <p:to>
+                                        <p:strVal val="visible"/>
+                                      </p:to>
+                                    </p:set>
+                                    <p:animEffect transition="in" filter="fade">
+                                      <p:cBhvr>
+                                        <p:cTn id="7" dur="300"/>
+                                        <p:tgtEl>
+                                          <p:spTgt spid="3"/>
+                                        </p:tgtEl>
+                                      </p:cBhvr>
+                                    </p:animEffect>
+                                  </p:childTnLst>
+                                </p:cTn>
+                              </p:par>
+                            </p:childTnLst>
+                          </p:cTn>
+                        </p:par>
+                        <p:par>
+                          <p:cTn id="8" fill="hold">
+                            <p:stCondLst>
+                              <p:cond delay="300"/>
+                            </p:stCondLst>
+                            <p:childTnLst>
+                              <p:par>
+                                <p:cTn id="9" presetID="10" presetClass="entr" presetSubtype="0" fill="hold" nodeType="afterEffect">
+                                  <p:stCondLst>
+                                    <p:cond delay="0"/>
+                                  </p:stCondLst>
+                                  <p:childTnLst>
+                                    <p:set>
+                                      <p:cBhvr>
+                                        <p:cTn id="10" dur="1" fill="hold">
+                                          <p:stCondLst>
+                                            <p:cond delay="0"/>
+                                          </p:stCondLst>
+                                        </p:cTn>
+                                        <p:tgtEl>
+                                          <p:spTgt spid="4"/>
+                                        </p:tgtEl>
+                                        <p:attrNameLst>
+                                          <p:attrName>style.visibility</p:attrName>
+                                        </p:attrNameLst>
+                                      </p:cBhvr>
+                                      <p:to>
+                                        <p:strVal val="visible"/>
+                                      </p:to>
+                                    </p:set>
+                                    <p:animEffect transition="in" filter="fade">
+                                      <p:cBhvr>
+                                        <p:cTn id="11" dur="300"/>
+                                        <p:tgtEl>
+                                          <p:spTgt spid="4"/>
+                                        </p:tgtEl>
+                                      </p:cBhvr>
+                                    </p:animEffect>
+                                  </p:childTnLst>
+                                </p:cTn>
+                              </p:par>
+                            </p:childTnLst>
+                          </p:cTn>
+                        </p:par>
+                      </p:childTnLst>
+                    </p:cTn>
+                  </p:par>
+                  <p:par>
+                    <p:cTn id="12" fill="hold">
+                      <p:stCondLst>
+                        <p:cond delay="indefinite"/>
+                      </p:stCondLst>
+                      <p:childTnLst>
+                        <p:par>
+                          <p:cTn id="13" fill="hold">
+                            <p:stCondLst>
+                              <p:cond delay="0"/>
+                            </p:stCondLst>
+                            <p:childTnLst>
+                              <p:par>
+                                <p:cTn id="14" presetID="42" presetClass="entr" presetSubtype="0" fill="hold" grpId="0" nodeType="clickEffect">
+                                  <p:stCondLst>
+                                    <p:cond delay="0"/>
+                                  </p:stCondLst>
+                                  <p:childTnLst>
+                                    <p:set>
+                                      <p:cBhvr>
+                                        <p:cTn id="15" dur="1" fill="hold">
+                                          <p:stCondLst>
+                                            <p:cond delay="0"/>
+                                          </p:stCondLst>
+                                        </p:cTn>
+                                        <p:tgtEl>
+                                          <p:spTgt spid="5"/>
+                                        </p:tgtEl>
+                                        <p:attrNameLst>
+                                          <p:attrName>style.visibility</p:attrName>
+                                        </p:attrNameLst>
+                                      </p:cBhvr>
+                                      <p:to>
+                                        <p:strVal val="visible"/>
+                                      </p:to>
+                                    </p:set>
+                                    <p:animEffect transition="in" filter="fade">
+                                      <p:cBhvr>
+                                        <p:cTn id="16" dur="1000"/>
+                                        <p:tgtEl>
+                                          <p:spTgt spid="5"/>
+                                        </p:tgtEl>
+                                      </p:cBhvr>
+                                    </p:animEffect>
+                                    <p:anim calcmode="lin" valueType="num">
+                                      <p:cBhvr>
+                                        <p:cTn id="17" dur="1000" fill="hold"/>
+                                        <p:tgtEl>
+                                          <p:spTgt spid="5"/>
+                                        </p:tgtEl>
+                                        <p:attrNameLst>
+                                          <p:attrName>ppt_x</p:attrName>
+                                        </p:attrNameLst>
+                                      </p:cBhvr>
+                                      <p:tavLst>
+                                        <p:tav tm="0">
+                                          <p:val>
+                                            <p:strVal val="#ppt_x"/>
+                                          </p:val>
+                                        </p:tav>
+                                        <p:tav tm="100000">
+                                          <p:val>
+                                            <p:strVal val="#ppt_x"/>
+                                          </p:val>
+                                        </p:tav>
+                                      </p:tavLst>
+                                    </p:anim>
+                                    <p:anim calcmode="lin" valueType="num">
+                                      <p:cBhvr>
+                                        <p:cTn id="18" dur="1000" fill="hold"/>
+                                        <p:tgtEl>
+                                          <p:spTgt spid="5"/>
+                                        </p:tgtEl>
+                                        <p:attrNameLst>
+                                          <p:attrName>ppt_y</p:attrName>
+                                        </p:attrNameLst>
+                                      </p:cBhvr>
+                                      <p:tavLst>
+                                        <p:tav tm="0">
+                                          <p:val>
+                                            <p:strVal val="#ppt_y+.1"/>
+                                          </p:val>
+                                        </p:tav>
+                                        <p:tav tm="100000">
+                                          <p:val>
+                                            <p:strVal val="#ppt_y"/>
+                                          </p:val>
+                                        </p:tav>
+                                      </p:tavLst>
+                                    </p:anim>
+                                  </p:childTnLst>
+                                </p:cTn>
+                              </p:par>
+                            </p:childTnLst>
+                          </p:cTn>
+                        </p:par>
+                      </p:childTnLst>
+                    </p:cTn>
+                  </p:par>
+                  <p:par>
+                    <p:cTn id="19" fill="hold">
+                      <p:stCondLst>
+                        <p:cond delay="indefinite"/>
+                      </p:stCondLst>
+                      <p:childTnLst>
+                        <p:par>
+                          <p:cTn id="20" fill="hold">
+                            <p:stCondLst>
+                              <p:cond delay="0"/>
+                            </p:stCondLst>
+                            <p:childTnLst>
+                              <p:par>
+                                <p:cTn id="21" presetID="10" presetClass="entr" presetSubtype="0" fill="hold" grpId="0" nodeType="clickEffect">
+                                  <p:stCondLst>
+                                    <p:cond delay="0"/>
+                                  </p:stCondLst>
+                                  <p:childTnLst>
+                                    <p:set>
+                                      <p:cBhvr>
+                                        <p:cTn id="22" dur="1" fill="hold">
+                                          <p:stCondLst>
+                                            <p:cond delay="0"/>
+                                          </p:stCondLst>
+                                        </p:cTn>
+                                        <p:tgtEl>
+                                          <p:spTgt spid="6"/>
+                                        </p:tgtEl>
+                                        <p:attrNameLst>
+                                          <p:attrName>style.visibility</p:attrName>
+                                        </p:attrNameLst>
+                                      </p:cBhvr>
+                                      <p:to>
+                                        <p:strVal val="visible"/>
+                                      </p:to>
+                                    </p:set>
+                                    <p:animEffect transition="in" filter="fade">
+                                      <p:cBhvr>
+                                        <p:cTn id="23" dur="500"/>
+                                        <p:tgtEl>
+                                          <p:spTgt spid="6"/>
+                                        </p:tgtEl>
+                                      </p:cBhvr>
+                                    </p:animEffect>
+                                  </p:childTnLst>
+                                </p:cTn>
+                              </p:par>
+                            </p:childTnLst>
+                          </p:cTn>
+                        </p:par>
+                      </p:childTnLst>
+                    </p:cTn>
+                  </p:par>
+                </p:childTnLst>
+              </p:cTn>
+              <p:prevCondLst>
+                <p:cond evt="onPrev" delay="0">
+                  <p:tgtEl>
+                    <p:sldTgt/>
+                  </p:tgtEl>
+                </p:cond>
+              </p:prevCondLst>
+              <p:nextCondLst>
+                <p:cond evt="onNext" delay="0">
+                  <p:tgtEl>
+                    <p:sldTgt/>
+                  </p:tgtEl>
+                </p:cond>
+              </p:nextCondLst>
+            </p:seq>
+          </p:childTnLst>
+        </p:cTn>
+      </p:par>
+    </p:tnLst>
+    <p:bldLst>
+      <p:bldP spid="5" grpId="0"/>
+      <p:bldP spid="6" grpId="0"/>
+    </p:bldLst>
+  </p:timing>
+</p:sld>
+</file>
+
+<file path=ppt/slides/slide31.xml><?xml version="1.0" encoding="utf-8"?>
+<p:sld xmlns:a="http://schemas.openxmlformats.org/drawingml/2006/main" xmlns:r="http://schemas.openxmlformats.org/officeDocument/2006/relationships" xmlns:p="http://schemas.openxmlformats.org/presentationml/2006/main">
+  <p:cSld>
+    <p:bg>
+      <p:bgPr>
+        <a:solidFill>
+          <a:schemeClr val="bg2">
+            <a:lumMod val="10000"/>
+          </a:schemeClr>
+        </a:solidFill>
+        <a:effectLst/>
+      </p:bgPr>
+    </p:bg>
+    <p:spTree>
+      <p:nvGrpSpPr>
+        <p:cNvPr id="1" name=""/>
+        <p:cNvGrpSpPr/>
+        <p:nvPr/>
+      </p:nvGrpSpPr>
+      <p:grpSpPr>
+        <a:xfrm>
+          <a:off x="0" y="0"/>
+          <a:ext cx="0" cy="0"/>
+          <a:chOff x="0" y="0"/>
+          <a:chExt cx="0" cy="0"/>
+        </a:xfrm>
+      </p:grpSpPr>
+      <p:cxnSp>
+        <p:nvCxnSpPr>
+          <p:cNvPr id="3" name="Connecteur droit 2">
+            <a:extLst>
+              <a:ext uri="{FF2B5EF4-FFF2-40B4-BE49-F238E27FC236}">
+                <a16:creationId xmlns:a16="http://schemas.microsoft.com/office/drawing/2014/main" id="{2ED350D0-FBD9-1498-84B7-F28DBA4A5CCE}"/>
+              </a:ext>
+            </a:extLst>
+          </p:cNvPr>
+          <p:cNvCxnSpPr/>
+          <p:nvPr/>
+        </p:nvCxnSpPr>
+        <p:spPr>
+          <a:xfrm>
+            <a:off x="1317812" y="0"/>
+            <a:ext cx="0" cy="6858000"/>
+          </a:xfrm>
+          <a:prstGeom prst="line">
+            <a:avLst/>
+          </a:prstGeom>
+          <a:ln w="76200">
+            <a:solidFill>
+              <a:srgbClr val="FF0000"/>
+            </a:solidFill>
+          </a:ln>
+        </p:spPr>
+        <p:style>
+          <a:lnRef idx="1">
+            <a:schemeClr val="accent1"/>
+          </a:lnRef>
+          <a:fillRef idx="0">
+            <a:schemeClr val="accent1"/>
+          </a:fillRef>
+          <a:effectRef idx="0">
+            <a:schemeClr val="accent1"/>
+          </a:effectRef>
+          <a:fontRef idx="minor">
+            <a:schemeClr val="tx1"/>
+          </a:fontRef>
+        </p:style>
+      </p:cxnSp>
+      <p:cxnSp>
+        <p:nvCxnSpPr>
+          <p:cNvPr id="4" name="Connecteur droit 3">
+            <a:extLst>
+              <a:ext uri="{FF2B5EF4-FFF2-40B4-BE49-F238E27FC236}">
+                <a16:creationId xmlns:a16="http://schemas.microsoft.com/office/drawing/2014/main" id="{1F2BC6DA-1E8F-6A75-0455-616A64009766}"/>
+              </a:ext>
+            </a:extLst>
+          </p:cNvPr>
+          <p:cNvCxnSpPr/>
+          <p:nvPr/>
+        </p:nvCxnSpPr>
+        <p:spPr>
+          <a:xfrm>
+            <a:off x="1057835" y="0"/>
+            <a:ext cx="0" cy="6858000"/>
+          </a:xfrm>
+          <a:prstGeom prst="line">
+            <a:avLst/>
+          </a:prstGeom>
+          <a:ln w="76200">
+            <a:solidFill>
+              <a:srgbClr val="FF0000"/>
+            </a:solidFill>
+          </a:ln>
+        </p:spPr>
+        <p:style>
+          <a:lnRef idx="1">
+            <a:schemeClr val="accent1"/>
+          </a:lnRef>
+          <a:fillRef idx="0">
+            <a:schemeClr val="accent1"/>
+          </a:fillRef>
+          <a:effectRef idx="0">
+            <a:schemeClr val="accent1"/>
+          </a:effectRef>
+          <a:fontRef idx="minor">
+            <a:schemeClr val="tx1"/>
+          </a:fontRef>
+        </p:style>
+      </p:cxnSp>
+      <p:sp>
+        <p:nvSpPr>
+          <p:cNvPr id="5" name="ZoneTexte 4">
+            <a:extLst>
+              <a:ext uri="{FF2B5EF4-FFF2-40B4-BE49-F238E27FC236}">
+                <a16:creationId xmlns:a16="http://schemas.microsoft.com/office/drawing/2014/main" id="{AA898856-FA94-C104-F97C-AAF7AB29A372}"/>
+              </a:ext>
+            </a:extLst>
+          </p:cNvPr>
+          <p:cNvSpPr txBox="1"/>
+          <p:nvPr/>
+        </p:nvSpPr>
+        <p:spPr>
+          <a:xfrm>
+            <a:off x="1694329" y="555812"/>
+            <a:ext cx="8023411" cy="646331"/>
+          </a:xfrm>
+          <a:prstGeom prst="rect">
+            <a:avLst/>
+          </a:prstGeom>
+          <a:noFill/>
+        </p:spPr>
+        <p:txBody>
+          <a:bodyPr wrap="square" rtlCol="0">
+            <a:spAutoFit/>
+          </a:bodyPr>
+          <a:lstStyle/>
+          <a:p>
+            <a:r>
+              <a:rPr lang="fr-FR" sz="3600" b="1" dirty="0">
+                <a:solidFill>
+                  <a:schemeClr val="bg1"/>
+                </a:solidFill>
+                <a:latin typeface="Microsoft JhengHei Light" panose="020B0304030504040204" pitchFamily="34" charset="-120"/>
+                <a:ea typeface="Microsoft JhengHei Light" panose="020B0304030504040204" pitchFamily="34" charset="-120"/>
+              </a:rPr>
+              <a:t>3.2) </a:t>
+            </a:r>
+            <a:r>
+              <a:rPr lang="fr-FR" sz="3600" b="1" u="sng" dirty="0">
+                <a:solidFill>
+                  <a:schemeClr val="bg1"/>
+                </a:solidFill>
+                <a:latin typeface="Microsoft JhengHei Light" panose="020B0304030504040204" pitchFamily="34" charset="-120"/>
+                <a:ea typeface="Microsoft JhengHei Light" panose="020B0304030504040204" pitchFamily="34" charset="-120"/>
+              </a:rPr>
+              <a:t>Exemples de tests statiques</a:t>
+            </a:r>
+            <a:r>
+              <a:rPr lang="fr-FR" sz="3600" b="1" dirty="0">
+                <a:solidFill>
+                  <a:schemeClr val="bg1"/>
+                </a:solidFill>
+                <a:latin typeface="Microsoft JhengHei Light" panose="020B0304030504040204" pitchFamily="34" charset="-120"/>
+                <a:ea typeface="Microsoft JhengHei Light" panose="020B0304030504040204" pitchFamily="34" charset="-120"/>
+              </a:rPr>
+              <a:t> :</a:t>
+            </a:r>
+          </a:p>
+        </p:txBody>
+      </p:sp>
+      <p:sp>
+        <p:nvSpPr>
+          <p:cNvPr id="6" name="ZoneTexte 5">
+            <a:extLst>
+              <a:ext uri="{FF2B5EF4-FFF2-40B4-BE49-F238E27FC236}">
+                <a16:creationId xmlns:a16="http://schemas.microsoft.com/office/drawing/2014/main" id="{4C1046CE-9AC1-7EC4-2673-23F5FB04A3B1}"/>
+              </a:ext>
+            </a:extLst>
+          </p:cNvPr>
+          <p:cNvSpPr txBox="1"/>
+          <p:nvPr/>
+        </p:nvSpPr>
+        <p:spPr>
+          <a:xfrm>
+            <a:off x="1694329" y="1633861"/>
+            <a:ext cx="8633011" cy="1477328"/>
+          </a:xfrm>
+          <a:prstGeom prst="rect">
+            <a:avLst/>
+          </a:prstGeom>
+          <a:noFill/>
+        </p:spPr>
+        <p:txBody>
+          <a:bodyPr wrap="square" rtlCol="0">
+            <a:spAutoFit/>
+          </a:bodyPr>
+          <a:lstStyle/>
+          <a:p>
+            <a:pPr algn="just"/>
+            <a:r>
+              <a:rPr lang="fr-FR" dirty="0">
+                <a:solidFill>
+                  <a:schemeClr val="bg1"/>
+                </a:solidFill>
+                <a:latin typeface="Microsoft JhengHei Light" panose="020B0304030504040204" pitchFamily="34" charset="-120"/>
+                <a:ea typeface="Microsoft JhengHei Light" panose="020B0304030504040204" pitchFamily="34" charset="-120"/>
+              </a:rPr>
+              <a:t>Voici quelques exemples de tests statiques :</a:t>
+            </a:r>
+          </a:p>
+          <a:p>
+            <a:pPr algn="just"/>
+            <a:endParaRPr lang="fr-FR" dirty="0">
+              <a:solidFill>
+                <a:schemeClr val="bg1"/>
+              </a:solidFill>
+              <a:latin typeface="Microsoft JhengHei Light" panose="020B0304030504040204" pitchFamily="34" charset="-120"/>
+              <a:ea typeface="Microsoft JhengHei Light" panose="020B0304030504040204" pitchFamily="34" charset="-120"/>
+            </a:endParaRPr>
+          </a:p>
+          <a:p>
+            <a:pPr algn="just"/>
+            <a:r>
+              <a:rPr lang="fr-FR" dirty="0">
+                <a:solidFill>
+                  <a:schemeClr val="bg1"/>
+                </a:solidFill>
+                <a:latin typeface="Microsoft JhengHei Light" panose="020B0304030504040204" pitchFamily="34" charset="-120"/>
+                <a:ea typeface="Microsoft JhengHei Light" panose="020B0304030504040204" pitchFamily="34" charset="-120"/>
+              </a:rPr>
+              <a:t>	* Revues de code</a:t>
+            </a:r>
+          </a:p>
+          <a:p>
+            <a:pPr algn="just"/>
+            <a:r>
+              <a:rPr lang="fr-FR" dirty="0">
+                <a:solidFill>
+                  <a:schemeClr val="bg1"/>
+                </a:solidFill>
+                <a:latin typeface="Microsoft JhengHei Light" panose="020B0304030504040204" pitchFamily="34" charset="-120"/>
+                <a:ea typeface="Microsoft JhengHei Light" panose="020B0304030504040204" pitchFamily="34" charset="-120"/>
+              </a:rPr>
+              <a:t>	* Analyse statique outillée du code</a:t>
+            </a:r>
+          </a:p>
+          <a:p>
+            <a:pPr algn="just"/>
+            <a:r>
+              <a:rPr lang="fr-FR" dirty="0">
+                <a:solidFill>
+                  <a:schemeClr val="bg1"/>
+                </a:solidFill>
+                <a:latin typeface="Microsoft JhengHei Light" panose="020B0304030504040204" pitchFamily="34" charset="-120"/>
+                <a:ea typeface="Microsoft JhengHei Light" panose="020B0304030504040204" pitchFamily="34" charset="-120"/>
+              </a:rPr>
+              <a:t>	* Inspection</a:t>
+            </a:r>
+          </a:p>
+        </p:txBody>
+      </p:sp>
+      <p:pic>
+        <p:nvPicPr>
+          <p:cNvPr id="8" name="Image 7">
+            <a:extLst>
+              <a:ext uri="{FF2B5EF4-FFF2-40B4-BE49-F238E27FC236}">
+                <a16:creationId xmlns:a16="http://schemas.microsoft.com/office/drawing/2014/main" id="{63B06BF7-E31A-4481-488F-0C82C70E1A3B}"/>
+              </a:ext>
+            </a:extLst>
+          </p:cNvPr>
+          <p:cNvPicPr>
+            <a:picLocks noChangeAspect="1"/>
+          </p:cNvPicPr>
+          <p:nvPr/>
+        </p:nvPicPr>
+        <p:blipFill>
+          <a:blip r:embed="rId2">
+            <a:extLst>
+              <a:ext uri="{28A0092B-C50C-407E-A947-70E740481C1C}">
+                <a14:useLocalDpi xmlns:a14="http://schemas.microsoft.com/office/drawing/2010/main" val="0"/>
+              </a:ext>
+            </a:extLst>
+          </a:blip>
+          <a:stretch>
+            <a:fillRect/>
+          </a:stretch>
+        </p:blipFill>
+        <p:spPr>
+          <a:xfrm>
+            <a:off x="4024312" y="3542907"/>
+            <a:ext cx="4143375" cy="2867025"/>
+          </a:xfrm>
+          <a:prstGeom prst="rect">
+            <a:avLst/>
+          </a:prstGeom>
+        </p:spPr>
+      </p:pic>
+    </p:spTree>
+    <p:extLst>
+      <p:ext uri="{BB962C8B-B14F-4D97-AF65-F5344CB8AC3E}">
+        <p14:creationId xmlns:p14="http://schemas.microsoft.com/office/powerpoint/2010/main" val="3619901605"/>
+      </p:ext>
+    </p:extLst>
+  </p:cSld>
+  <p:clrMapOvr>
+    <a:masterClrMapping/>
+  </p:clrMapOvr>
+  <p:timing>
+    <p:tnLst>
+      <p:par>
+        <p:cTn id="1" dur="indefinite" restart="never" nodeType="tmRoot">
+          <p:childTnLst>
+            <p:seq concurrent="1" nextAc="seek">
+              <p:cTn id="2" dur="indefinite" nodeType="mainSeq">
+                <p:childTnLst>
+                  <p:par>
+                    <p:cTn id="3" fill="hold">
+                      <p:stCondLst>
+                        <p:cond delay="indefinite"/>
+                        <p:cond evt="onBegin" delay="0">
+                          <p:tn val="2"/>
+                        </p:cond>
+                      </p:stCondLst>
+                      <p:childTnLst>
+                        <p:par>
+                          <p:cTn id="4" fill="hold">
+                            <p:stCondLst>
+                              <p:cond delay="0"/>
+                            </p:stCondLst>
+                            <p:childTnLst>
+                              <p:par>
+                                <p:cTn id="5" presetID="10" presetClass="entr" presetSubtype="0" fill="hold" nodeType="withEffect">
+                                  <p:stCondLst>
+                                    <p:cond delay="0"/>
+                                  </p:stCondLst>
+                                  <p:childTnLst>
+                                    <p:set>
+                                      <p:cBhvr>
+                                        <p:cTn id="6" dur="1" fill="hold">
+                                          <p:stCondLst>
+                                            <p:cond delay="0"/>
+                                          </p:stCondLst>
+                                        </p:cTn>
+                                        <p:tgtEl>
+                                          <p:spTgt spid="4"/>
+                                        </p:tgtEl>
+                                        <p:attrNameLst>
+                                          <p:attrName>style.visibility</p:attrName>
+                                        </p:attrNameLst>
+                                      </p:cBhvr>
+                                      <p:to>
+                                        <p:strVal val="visible"/>
+                                      </p:to>
+                                    </p:set>
+                                    <p:animEffect transition="in" filter="fade">
+                                      <p:cBhvr>
+                                        <p:cTn id="7" dur="300"/>
+                                        <p:tgtEl>
+                                          <p:spTgt spid="4"/>
+                                        </p:tgtEl>
+                                      </p:cBhvr>
+                                    </p:animEffect>
+                                  </p:childTnLst>
+                                </p:cTn>
+                              </p:par>
+                            </p:childTnLst>
+                          </p:cTn>
+                        </p:par>
+                        <p:par>
+                          <p:cTn id="8" fill="hold">
+                            <p:stCondLst>
+                              <p:cond delay="300"/>
+                            </p:stCondLst>
+                            <p:childTnLst>
+                              <p:par>
+                                <p:cTn id="9" presetID="10" presetClass="entr" presetSubtype="0" fill="hold" nodeType="afterEffect">
+                                  <p:stCondLst>
+                                    <p:cond delay="0"/>
+                                  </p:stCondLst>
+                                  <p:childTnLst>
+                                    <p:set>
+                                      <p:cBhvr>
+                                        <p:cTn id="10" dur="1" fill="hold">
+                                          <p:stCondLst>
+                                            <p:cond delay="0"/>
+                                          </p:stCondLst>
+                                        </p:cTn>
+                                        <p:tgtEl>
+                                          <p:spTgt spid="3"/>
+                                        </p:tgtEl>
+                                        <p:attrNameLst>
+                                          <p:attrName>style.visibility</p:attrName>
+                                        </p:attrNameLst>
+                                      </p:cBhvr>
+                                      <p:to>
+                                        <p:strVal val="visible"/>
+                                      </p:to>
+                                    </p:set>
+                                    <p:animEffect transition="in" filter="fade">
+                                      <p:cBhvr>
+                                        <p:cTn id="11" dur="300"/>
+                                        <p:tgtEl>
+                                          <p:spTgt spid="3"/>
+                                        </p:tgtEl>
+                                      </p:cBhvr>
+                                    </p:animEffect>
+                                  </p:childTnLst>
+                                </p:cTn>
+                              </p:par>
+                            </p:childTnLst>
+                          </p:cTn>
+                        </p:par>
+                      </p:childTnLst>
+                    </p:cTn>
+                  </p:par>
+                  <p:par>
+                    <p:cTn id="12" fill="hold">
+                      <p:stCondLst>
+                        <p:cond delay="indefinite"/>
+                      </p:stCondLst>
+                      <p:childTnLst>
+                        <p:par>
+                          <p:cTn id="13" fill="hold">
+                            <p:stCondLst>
+                              <p:cond delay="0"/>
+                            </p:stCondLst>
+                            <p:childTnLst>
+                              <p:par>
+                                <p:cTn id="14" presetID="42" presetClass="entr" presetSubtype="0" fill="hold" grpId="0" nodeType="clickEffect">
+                                  <p:stCondLst>
+                                    <p:cond delay="0"/>
+                                  </p:stCondLst>
+                                  <p:childTnLst>
+                                    <p:set>
+                                      <p:cBhvr>
+                                        <p:cTn id="15" dur="1" fill="hold">
+                                          <p:stCondLst>
+                                            <p:cond delay="0"/>
+                                          </p:stCondLst>
+                                        </p:cTn>
+                                        <p:tgtEl>
+                                          <p:spTgt spid="5"/>
+                                        </p:tgtEl>
+                                        <p:attrNameLst>
+                                          <p:attrName>style.visibility</p:attrName>
+                                        </p:attrNameLst>
+                                      </p:cBhvr>
+                                      <p:to>
+                                        <p:strVal val="visible"/>
+                                      </p:to>
+                                    </p:set>
+                                    <p:animEffect transition="in" filter="fade">
+                                      <p:cBhvr>
+                                        <p:cTn id="16" dur="1000"/>
+                                        <p:tgtEl>
+                                          <p:spTgt spid="5"/>
+                                        </p:tgtEl>
+                                      </p:cBhvr>
+                                    </p:animEffect>
+                                    <p:anim calcmode="lin" valueType="num">
+                                      <p:cBhvr>
+                                        <p:cTn id="17" dur="1000" fill="hold"/>
+                                        <p:tgtEl>
+                                          <p:spTgt spid="5"/>
+                                        </p:tgtEl>
+                                        <p:attrNameLst>
+                                          <p:attrName>ppt_x</p:attrName>
+                                        </p:attrNameLst>
+                                      </p:cBhvr>
+                                      <p:tavLst>
+                                        <p:tav tm="0">
+                                          <p:val>
+                                            <p:strVal val="#ppt_x"/>
+                                          </p:val>
+                                        </p:tav>
+                                        <p:tav tm="100000">
+                                          <p:val>
+                                            <p:strVal val="#ppt_x"/>
+                                          </p:val>
+                                        </p:tav>
+                                      </p:tavLst>
+                                    </p:anim>
+                                    <p:anim calcmode="lin" valueType="num">
+                                      <p:cBhvr>
+                                        <p:cTn id="18" dur="1000" fill="hold"/>
+                                        <p:tgtEl>
+                                          <p:spTgt spid="5"/>
+                                        </p:tgtEl>
+                                        <p:attrNameLst>
+                                          <p:attrName>ppt_y</p:attrName>
+                                        </p:attrNameLst>
+                                      </p:cBhvr>
+                                      <p:tavLst>
+                                        <p:tav tm="0">
+                                          <p:val>
+                                            <p:strVal val="#ppt_y+.1"/>
+                                          </p:val>
+                                        </p:tav>
+                                        <p:tav tm="100000">
+                                          <p:val>
+                                            <p:strVal val="#ppt_y"/>
+                                          </p:val>
+                                        </p:tav>
+                                      </p:tavLst>
+                                    </p:anim>
+                                  </p:childTnLst>
+                                </p:cTn>
+                              </p:par>
+                            </p:childTnLst>
+                          </p:cTn>
+                        </p:par>
+                      </p:childTnLst>
+                    </p:cTn>
+                  </p:par>
+                  <p:par>
+                    <p:cTn id="19" fill="hold">
+                      <p:stCondLst>
+                        <p:cond delay="indefinite"/>
+                      </p:stCondLst>
+                      <p:childTnLst>
+                        <p:par>
+                          <p:cTn id="20" fill="hold">
+                            <p:stCondLst>
+                              <p:cond delay="0"/>
+                            </p:stCondLst>
+                            <p:childTnLst>
+                              <p:par>
+                                <p:cTn id="21" presetID="10" presetClass="entr" presetSubtype="0" fill="hold" grpId="0" nodeType="clickEffect">
+                                  <p:stCondLst>
+                                    <p:cond delay="0"/>
+                                  </p:stCondLst>
+                                  <p:childTnLst>
+                                    <p:set>
+                                      <p:cBhvr>
+                                        <p:cTn id="22" dur="1" fill="hold">
+                                          <p:stCondLst>
+                                            <p:cond delay="0"/>
+                                          </p:stCondLst>
+                                        </p:cTn>
+                                        <p:tgtEl>
+                                          <p:spTgt spid="6"/>
+                                        </p:tgtEl>
+                                        <p:attrNameLst>
+                                          <p:attrName>style.visibility</p:attrName>
+                                        </p:attrNameLst>
+                                      </p:cBhvr>
+                                      <p:to>
+                                        <p:strVal val="visible"/>
+                                      </p:to>
+                                    </p:set>
+                                    <p:animEffect transition="in" filter="fade">
+                                      <p:cBhvr>
+                                        <p:cTn id="23" dur="500"/>
+                                        <p:tgtEl>
+                                          <p:spTgt spid="6"/>
+                                        </p:tgtEl>
+                                      </p:cBhvr>
+                                    </p:animEffect>
+                                  </p:childTnLst>
+                                </p:cTn>
+                              </p:par>
+                            </p:childTnLst>
+                          </p:cTn>
+                        </p:par>
+                        <p:par>
+                          <p:cTn id="24" fill="hold">
+                            <p:stCondLst>
+                              <p:cond delay="500"/>
+                            </p:stCondLst>
+                            <p:childTnLst>
+                              <p:par>
+                                <p:cTn id="25" presetID="10" presetClass="entr" presetSubtype="0" fill="hold" nodeType="afterEffect">
+                                  <p:stCondLst>
+                                    <p:cond delay="0"/>
+                                  </p:stCondLst>
+                                  <p:childTnLst>
+                                    <p:set>
+                                      <p:cBhvr>
+                                        <p:cTn id="26" dur="1" fill="hold">
+                                          <p:stCondLst>
+                                            <p:cond delay="0"/>
+                                          </p:stCondLst>
+                                        </p:cTn>
+                                        <p:tgtEl>
+                                          <p:spTgt spid="8"/>
+                                        </p:tgtEl>
+                                        <p:attrNameLst>
+                                          <p:attrName>style.visibility</p:attrName>
+                                        </p:attrNameLst>
+                                      </p:cBhvr>
+                                      <p:to>
+                                        <p:strVal val="visible"/>
+                                      </p:to>
+                                    </p:set>
+                                    <p:animEffect transition="in" filter="fade">
+                                      <p:cBhvr>
+                                        <p:cTn id="27" dur="600"/>
+                                        <p:tgtEl>
+                                          <p:spTgt spid="8"/>
+                                        </p:tgtEl>
+                                      </p:cBhvr>
+                                    </p:animEffect>
+                                  </p:childTnLst>
+                                </p:cTn>
+                              </p:par>
+                            </p:childTnLst>
+                          </p:cTn>
+                        </p:par>
+                      </p:childTnLst>
+                    </p:cTn>
+                  </p:par>
+                </p:childTnLst>
+              </p:cTn>
+              <p:prevCondLst>
+                <p:cond evt="onPrev" delay="0">
+                  <p:tgtEl>
+                    <p:sldTgt/>
+                  </p:tgtEl>
+                </p:cond>
+              </p:prevCondLst>
+              <p:nextCondLst>
+                <p:cond evt="onNext" delay="0">
+                  <p:tgtEl>
+                    <p:sldTgt/>
+                  </p:tgtEl>
+                </p:cond>
+              </p:nextCondLst>
+            </p:seq>
+          </p:childTnLst>
+        </p:cTn>
+      </p:par>
+    </p:tnLst>
+    <p:bldLst>
+      <p:bldP spid="5" grpId="0"/>
+      <p:bldP spid="6" grpId="0"/>
+    </p:bldLst>
+  </p:timing>
+</p:sld>
+</file>
+
+<file path=ppt/slides/slide32.xml><?xml version="1.0" encoding="utf-8"?>
+<p:sld xmlns:a="http://schemas.openxmlformats.org/drawingml/2006/main" xmlns:r="http://schemas.openxmlformats.org/officeDocument/2006/relationships" xmlns:p="http://schemas.openxmlformats.org/presentationml/2006/main">
+  <p:cSld>
+    <p:bg>
+      <p:bgPr>
+        <a:solidFill>
+          <a:schemeClr val="bg2">
+            <a:lumMod val="10000"/>
+          </a:schemeClr>
+        </a:solidFill>
+        <a:effectLst/>
+      </p:bgPr>
+    </p:bg>
+    <p:spTree>
+      <p:nvGrpSpPr>
+        <p:cNvPr id="1" name=""/>
+        <p:cNvGrpSpPr/>
+        <p:nvPr/>
+      </p:nvGrpSpPr>
+      <p:grpSpPr>
+        <a:xfrm>
+          <a:off x="0" y="0"/>
+          <a:ext cx="0" cy="0"/>
+          <a:chOff x="0" y="0"/>
+          <a:chExt cx="0" cy="0"/>
+        </a:xfrm>
+      </p:grpSpPr>
+      <p:cxnSp>
+        <p:nvCxnSpPr>
+          <p:cNvPr id="3" name="Connecteur droit 2">
+            <a:extLst>
+              <a:ext uri="{FF2B5EF4-FFF2-40B4-BE49-F238E27FC236}">
+                <a16:creationId xmlns:a16="http://schemas.microsoft.com/office/drawing/2014/main" id="{CD7C0204-B673-1EA0-395D-514409DB70F6}"/>
+              </a:ext>
+            </a:extLst>
+          </p:cNvPr>
+          <p:cNvCxnSpPr/>
+          <p:nvPr/>
+        </p:nvCxnSpPr>
+        <p:spPr>
+          <a:xfrm>
+            <a:off x="1084730" y="0"/>
+            <a:ext cx="0" cy="6858000"/>
+          </a:xfrm>
+          <a:prstGeom prst="line">
+            <a:avLst/>
+          </a:prstGeom>
+          <a:ln w="76200">
+            <a:solidFill>
+              <a:srgbClr val="FF0000"/>
+            </a:solidFill>
+          </a:ln>
+        </p:spPr>
+        <p:style>
+          <a:lnRef idx="1">
+            <a:schemeClr val="accent1"/>
+          </a:lnRef>
+          <a:fillRef idx="0">
+            <a:schemeClr val="accent1"/>
+          </a:fillRef>
+          <a:effectRef idx="0">
+            <a:schemeClr val="accent1"/>
+          </a:effectRef>
+          <a:fontRef idx="minor">
+            <a:schemeClr val="tx1"/>
+          </a:fontRef>
+        </p:style>
+      </p:cxnSp>
+      <p:cxnSp>
+        <p:nvCxnSpPr>
+          <p:cNvPr id="4" name="Connecteur droit 3">
+            <a:extLst>
+              <a:ext uri="{FF2B5EF4-FFF2-40B4-BE49-F238E27FC236}">
+                <a16:creationId xmlns:a16="http://schemas.microsoft.com/office/drawing/2014/main" id="{783CB6BE-DA0F-CD6A-A0A8-9A763542BBCD}"/>
+              </a:ext>
+            </a:extLst>
+          </p:cNvPr>
+          <p:cNvCxnSpPr/>
+          <p:nvPr/>
+        </p:nvCxnSpPr>
+        <p:spPr>
+          <a:xfrm>
+            <a:off x="1353671" y="0"/>
+            <a:ext cx="0" cy="6858000"/>
+          </a:xfrm>
+          <a:prstGeom prst="line">
+            <a:avLst/>
+          </a:prstGeom>
+          <a:ln w="76200">
+            <a:solidFill>
+              <a:srgbClr val="FF0000"/>
+            </a:solidFill>
+          </a:ln>
+        </p:spPr>
+        <p:style>
+          <a:lnRef idx="1">
+            <a:schemeClr val="accent1"/>
+          </a:lnRef>
+          <a:fillRef idx="0">
+            <a:schemeClr val="accent1"/>
+          </a:fillRef>
+          <a:effectRef idx="0">
+            <a:schemeClr val="accent1"/>
+          </a:effectRef>
+          <a:fontRef idx="minor">
+            <a:schemeClr val="tx1"/>
+          </a:fontRef>
+        </p:style>
+      </p:cxnSp>
+      <p:sp>
+        <p:nvSpPr>
+          <p:cNvPr id="6" name="ZoneTexte 5">
+            <a:extLst>
+              <a:ext uri="{FF2B5EF4-FFF2-40B4-BE49-F238E27FC236}">
+                <a16:creationId xmlns:a16="http://schemas.microsoft.com/office/drawing/2014/main" id="{0B61D139-319E-84E0-CA6A-1627DD1907A0}"/>
+              </a:ext>
+            </a:extLst>
+          </p:cNvPr>
+          <p:cNvSpPr txBox="1"/>
+          <p:nvPr/>
+        </p:nvSpPr>
+        <p:spPr>
+          <a:xfrm>
+            <a:off x="1739153" y="555812"/>
+            <a:ext cx="7216586" cy="646331"/>
+          </a:xfrm>
+          <a:prstGeom prst="rect">
+            <a:avLst/>
+          </a:prstGeom>
+          <a:noFill/>
+        </p:spPr>
+        <p:txBody>
+          <a:bodyPr wrap="square" rtlCol="0">
+            <a:spAutoFit/>
+          </a:bodyPr>
+          <a:lstStyle/>
+          <a:p>
+            <a:r>
+              <a:rPr lang="fr-FR" sz="3600" b="1" dirty="0">
+                <a:solidFill>
+                  <a:schemeClr val="bg1"/>
+                </a:solidFill>
+                <a:latin typeface="Microsoft JhengHei Light" panose="020B0304030504040204" pitchFamily="34" charset="-120"/>
+                <a:ea typeface="Microsoft JhengHei Light" panose="020B0304030504040204" pitchFamily="34" charset="-120"/>
+              </a:rPr>
+              <a:t>3.3) </a:t>
+            </a:r>
+            <a:r>
+              <a:rPr lang="fr-FR" sz="3600" b="1" u="sng" dirty="0">
+                <a:solidFill>
+                  <a:schemeClr val="bg1"/>
+                </a:solidFill>
+                <a:latin typeface="Microsoft JhengHei Light" panose="020B0304030504040204" pitchFamily="34" charset="-120"/>
+                <a:ea typeface="Microsoft JhengHei Light" panose="020B0304030504040204" pitchFamily="34" charset="-120"/>
+              </a:rPr>
+              <a:t>Revues de code</a:t>
+            </a:r>
+            <a:r>
+              <a:rPr lang="fr-FR" sz="3600" b="1" dirty="0">
+                <a:solidFill>
+                  <a:schemeClr val="bg1"/>
+                </a:solidFill>
+                <a:latin typeface="Microsoft JhengHei Light" panose="020B0304030504040204" pitchFamily="34" charset="-120"/>
+                <a:ea typeface="Microsoft JhengHei Light" panose="020B0304030504040204" pitchFamily="34" charset="-120"/>
+              </a:rPr>
+              <a:t> :</a:t>
+            </a:r>
+          </a:p>
+        </p:txBody>
+      </p:sp>
+      <p:sp>
+        <p:nvSpPr>
+          <p:cNvPr id="7" name="ZoneTexte 6">
+            <a:extLst>
+              <a:ext uri="{FF2B5EF4-FFF2-40B4-BE49-F238E27FC236}">
+                <a16:creationId xmlns:a16="http://schemas.microsoft.com/office/drawing/2014/main" id="{F62199C8-DB61-6CA4-029F-A517AC2277F1}"/>
+              </a:ext>
+            </a:extLst>
+          </p:cNvPr>
+          <p:cNvSpPr txBox="1"/>
+          <p:nvPr/>
+        </p:nvSpPr>
+        <p:spPr>
+          <a:xfrm>
+            <a:off x="1739153" y="1573306"/>
+            <a:ext cx="9834278" cy="646331"/>
+          </a:xfrm>
+          <a:prstGeom prst="rect">
+            <a:avLst/>
+          </a:prstGeom>
+          <a:noFill/>
+        </p:spPr>
+        <p:txBody>
+          <a:bodyPr wrap="square" rtlCol="0">
+            <a:spAutoFit/>
+          </a:bodyPr>
+          <a:lstStyle/>
+          <a:p>
+            <a:r>
+              <a:rPr lang="fr-FR" dirty="0">
+                <a:solidFill>
+                  <a:schemeClr val="bg1"/>
+                </a:solidFill>
+                <a:latin typeface="Microsoft JhengHei Light" panose="020B0304030504040204" pitchFamily="34" charset="-120"/>
+                <a:ea typeface="Microsoft JhengHei Light" panose="020B0304030504040204" pitchFamily="34" charset="-120"/>
+              </a:rPr>
+              <a:t>Les revues de code sont définis comme étant une technique de test et qui consiste à examiner l’intégralité des codes sources informatique dans le but de détecter des erreurs.</a:t>
+            </a:r>
+          </a:p>
+        </p:txBody>
+      </p:sp>
+      <p:sp>
+        <p:nvSpPr>
+          <p:cNvPr id="8" name="ZoneTexte 7">
+            <a:extLst>
+              <a:ext uri="{FF2B5EF4-FFF2-40B4-BE49-F238E27FC236}">
+                <a16:creationId xmlns:a16="http://schemas.microsoft.com/office/drawing/2014/main" id="{8D717392-2F3B-B935-7BBE-0B58900D0E0B}"/>
+              </a:ext>
+            </a:extLst>
+          </p:cNvPr>
+          <p:cNvSpPr txBox="1"/>
+          <p:nvPr/>
+        </p:nvSpPr>
+        <p:spPr>
+          <a:xfrm>
+            <a:off x="1739153" y="2505200"/>
+            <a:ext cx="9986682" cy="646331"/>
+          </a:xfrm>
+          <a:prstGeom prst="rect">
+            <a:avLst/>
+          </a:prstGeom>
+          <a:noFill/>
+        </p:spPr>
+        <p:txBody>
+          <a:bodyPr wrap="square" rtlCol="0">
+            <a:spAutoFit/>
+          </a:bodyPr>
+          <a:lstStyle/>
+          <a:p>
+            <a:r>
+              <a:rPr lang="fr-FR" dirty="0">
+                <a:solidFill>
+                  <a:schemeClr val="bg1"/>
+                </a:solidFill>
+                <a:latin typeface="Microsoft JhengHei Light" panose="020B0304030504040204" pitchFamily="34" charset="-120"/>
+                <a:ea typeface="Microsoft JhengHei Light" panose="020B0304030504040204" pitchFamily="34" charset="-120"/>
+              </a:rPr>
+              <a:t>Elles sont utilisables sur toutes les étapes du projet et cela dès la première ébauche de l’expression des besoins spécifiques.</a:t>
+            </a:r>
+          </a:p>
+        </p:txBody>
+      </p:sp>
+      <p:sp>
+        <p:nvSpPr>
+          <p:cNvPr id="9" name="ZoneTexte 8">
+            <a:extLst>
+              <a:ext uri="{FF2B5EF4-FFF2-40B4-BE49-F238E27FC236}">
+                <a16:creationId xmlns:a16="http://schemas.microsoft.com/office/drawing/2014/main" id="{DABB68B3-1AF4-D915-3004-E62C1B2E6533}"/>
+              </a:ext>
+            </a:extLst>
+          </p:cNvPr>
+          <p:cNvSpPr txBox="1"/>
+          <p:nvPr/>
+        </p:nvSpPr>
+        <p:spPr>
+          <a:xfrm>
+            <a:off x="1739153" y="3365376"/>
+            <a:ext cx="9897030" cy="3139321"/>
+          </a:xfrm>
+          <a:prstGeom prst="rect">
+            <a:avLst/>
+          </a:prstGeom>
+          <a:noFill/>
+        </p:spPr>
+        <p:txBody>
+          <a:bodyPr wrap="square" rtlCol="0">
+            <a:spAutoFit/>
+          </a:bodyPr>
+          <a:lstStyle/>
+          <a:p>
+            <a:r>
+              <a:rPr lang="fr-FR" dirty="0">
+                <a:solidFill>
+                  <a:schemeClr val="bg1"/>
+                </a:solidFill>
+                <a:latin typeface="Microsoft JhengHei Light" panose="020B0304030504040204" pitchFamily="34" charset="-120"/>
+                <a:ea typeface="Microsoft JhengHei Light" panose="020B0304030504040204" pitchFamily="34" charset="-120"/>
+              </a:rPr>
+              <a:t>Elles peuvent également avoir un très bon retour sur investissement comme par exemple :</a:t>
+            </a:r>
+          </a:p>
+          <a:p>
+            <a:endParaRPr lang="fr-FR" dirty="0">
+              <a:solidFill>
+                <a:schemeClr val="bg1"/>
+              </a:solidFill>
+              <a:latin typeface="Microsoft JhengHei Light" panose="020B0304030504040204" pitchFamily="34" charset="-120"/>
+              <a:ea typeface="Microsoft JhengHei Light" panose="020B0304030504040204" pitchFamily="34" charset="-120"/>
+            </a:endParaRPr>
+          </a:p>
+          <a:p>
+            <a:r>
+              <a:rPr lang="fr-FR" dirty="0">
+                <a:solidFill>
+                  <a:schemeClr val="bg1"/>
+                </a:solidFill>
+                <a:latin typeface="Microsoft JhengHei Light" panose="020B0304030504040204" pitchFamily="34" charset="-120"/>
+                <a:ea typeface="Microsoft JhengHei Light" panose="020B0304030504040204" pitchFamily="34" charset="-120"/>
+              </a:rPr>
+              <a:t>	* De tester plus tôt ou très tôt</a:t>
+            </a:r>
+          </a:p>
+          <a:p>
+            <a:endParaRPr lang="fr-FR" dirty="0">
+              <a:solidFill>
+                <a:schemeClr val="bg1"/>
+              </a:solidFill>
+              <a:latin typeface="Microsoft JhengHei Light" panose="020B0304030504040204" pitchFamily="34" charset="-120"/>
+              <a:ea typeface="Microsoft JhengHei Light" panose="020B0304030504040204" pitchFamily="34" charset="-120"/>
+            </a:endParaRPr>
+          </a:p>
+          <a:p>
+            <a:r>
+              <a:rPr lang="fr-FR" dirty="0">
+                <a:solidFill>
+                  <a:schemeClr val="bg1"/>
+                </a:solidFill>
+                <a:latin typeface="Microsoft JhengHei Light" panose="020B0304030504040204" pitchFamily="34" charset="-120"/>
+                <a:ea typeface="Microsoft JhengHei Light" panose="020B0304030504040204" pitchFamily="34" charset="-120"/>
+              </a:rPr>
+              <a:t>	* D’être applicables à de nombreux documents (l’expression des besoins, les </a:t>
+            </a:r>
+          </a:p>
+          <a:p>
+            <a:r>
+              <a:rPr lang="fr-FR" dirty="0">
+                <a:solidFill>
+                  <a:schemeClr val="bg1"/>
+                </a:solidFill>
+                <a:latin typeface="Microsoft JhengHei Light" panose="020B0304030504040204" pitchFamily="34" charset="-120"/>
+                <a:ea typeface="Microsoft JhengHei Light" panose="020B0304030504040204" pitchFamily="34" charset="-120"/>
+              </a:rPr>
+              <a:t>	  spécifications, les tests et le code source)</a:t>
+            </a:r>
+          </a:p>
+          <a:p>
+            <a:endParaRPr lang="fr-FR" dirty="0">
+              <a:solidFill>
+                <a:schemeClr val="bg1"/>
+              </a:solidFill>
+              <a:latin typeface="Microsoft JhengHei Light" panose="020B0304030504040204" pitchFamily="34" charset="-120"/>
+              <a:ea typeface="Microsoft JhengHei Light" panose="020B0304030504040204" pitchFamily="34" charset="-120"/>
+            </a:endParaRPr>
+          </a:p>
+          <a:p>
+            <a:r>
+              <a:rPr lang="fr-FR" dirty="0">
+                <a:solidFill>
+                  <a:schemeClr val="bg1"/>
+                </a:solidFill>
+                <a:latin typeface="Microsoft JhengHei Light" panose="020B0304030504040204" pitchFamily="34" charset="-120"/>
+                <a:ea typeface="Microsoft JhengHei Light" panose="020B0304030504040204" pitchFamily="34" charset="-120"/>
+              </a:rPr>
+              <a:t>	* Elles peuvent être moins coûteuses financièrement en fonction du type de revue</a:t>
+            </a:r>
+          </a:p>
+          <a:p>
+            <a:r>
+              <a:rPr lang="fr-FR" dirty="0">
+                <a:solidFill>
+                  <a:schemeClr val="bg1"/>
+                </a:solidFill>
+                <a:latin typeface="Microsoft JhengHei Light" panose="020B0304030504040204" pitchFamily="34" charset="-120"/>
+                <a:ea typeface="Microsoft JhengHei Light" panose="020B0304030504040204" pitchFamily="34" charset="-120"/>
+              </a:rPr>
+              <a:t>	  utilisée.</a:t>
+            </a:r>
+          </a:p>
+          <a:p>
+            <a:endParaRPr lang="fr-FR" dirty="0">
+              <a:solidFill>
+                <a:schemeClr val="bg1"/>
+              </a:solidFill>
+              <a:latin typeface="Microsoft JhengHei Light" panose="020B0304030504040204" pitchFamily="34" charset="-120"/>
+              <a:ea typeface="Microsoft JhengHei Light" panose="020B0304030504040204" pitchFamily="34" charset="-120"/>
+            </a:endParaRPr>
+          </a:p>
+          <a:p>
+            <a:r>
+              <a:rPr lang="fr-FR" dirty="0">
+                <a:solidFill>
+                  <a:schemeClr val="bg1"/>
+                </a:solidFill>
+                <a:latin typeface="Microsoft JhengHei Light" panose="020B0304030504040204" pitchFamily="34" charset="-120"/>
+                <a:ea typeface="Microsoft JhengHei Light" panose="020B0304030504040204" pitchFamily="34" charset="-120"/>
+              </a:rPr>
+              <a:t>	* Elles apportent un regard positif ou négatif selon le travail fourni</a:t>
+            </a:r>
+          </a:p>
+        </p:txBody>
+      </p:sp>
+    </p:spTree>
+    <p:extLst>
+      <p:ext uri="{BB962C8B-B14F-4D97-AF65-F5344CB8AC3E}">
+        <p14:creationId xmlns:p14="http://schemas.microsoft.com/office/powerpoint/2010/main" val="785004414"/>
+      </p:ext>
+    </p:extLst>
+  </p:cSld>
+  <p:clrMapOvr>
+    <a:masterClrMapping/>
+  </p:clrMapOvr>
+  <p:timing>
+    <p:tnLst>
+      <p:par>
+        <p:cTn id="1" dur="indefinite" restart="never" nodeType="tmRoot">
+          <p:childTnLst>
+            <p:seq concurrent="1" nextAc="seek">
+              <p:cTn id="2" dur="indefinite" nodeType="mainSeq">
+                <p:childTnLst>
+                  <p:par>
+                    <p:cTn id="3" fill="hold">
+                      <p:stCondLst>
+                        <p:cond delay="indefinite"/>
+                        <p:cond evt="onBegin" delay="0">
+                          <p:tn val="2"/>
+                        </p:cond>
+                      </p:stCondLst>
+                      <p:childTnLst>
+                        <p:par>
+                          <p:cTn id="4" fill="hold">
+                            <p:stCondLst>
+                              <p:cond delay="0"/>
+                            </p:stCondLst>
+                            <p:childTnLst>
+                              <p:par>
+                                <p:cTn id="5" presetID="10" presetClass="entr" presetSubtype="0" fill="hold" nodeType="withEffect">
+                                  <p:stCondLst>
+                                    <p:cond delay="0"/>
+                                  </p:stCondLst>
+                                  <p:childTnLst>
+                                    <p:set>
+                                      <p:cBhvr>
+                                        <p:cTn id="6" dur="1" fill="hold">
+                                          <p:stCondLst>
+                                            <p:cond delay="0"/>
+                                          </p:stCondLst>
+                                        </p:cTn>
+                                        <p:tgtEl>
+                                          <p:spTgt spid="3"/>
+                                        </p:tgtEl>
+                                        <p:attrNameLst>
+                                          <p:attrName>style.visibility</p:attrName>
+                                        </p:attrNameLst>
+                                      </p:cBhvr>
+                                      <p:to>
+                                        <p:strVal val="visible"/>
+                                      </p:to>
+                                    </p:set>
+                                    <p:animEffect transition="in" filter="fade">
+                                      <p:cBhvr>
+                                        <p:cTn id="7" dur="300"/>
+                                        <p:tgtEl>
+                                          <p:spTgt spid="3"/>
+                                        </p:tgtEl>
+                                      </p:cBhvr>
+                                    </p:animEffect>
+                                  </p:childTnLst>
+                                </p:cTn>
+                              </p:par>
+                            </p:childTnLst>
+                          </p:cTn>
+                        </p:par>
+                        <p:par>
+                          <p:cTn id="8" fill="hold">
+                            <p:stCondLst>
+                              <p:cond delay="300"/>
+                            </p:stCondLst>
+                            <p:childTnLst>
+                              <p:par>
+                                <p:cTn id="9" presetID="10" presetClass="entr" presetSubtype="0" fill="hold" nodeType="afterEffect">
+                                  <p:stCondLst>
+                                    <p:cond delay="0"/>
+                                  </p:stCondLst>
+                                  <p:childTnLst>
+                                    <p:set>
+                                      <p:cBhvr>
+                                        <p:cTn id="10" dur="1" fill="hold">
+                                          <p:stCondLst>
+                                            <p:cond delay="0"/>
+                                          </p:stCondLst>
+                                        </p:cTn>
+                                        <p:tgtEl>
+                                          <p:spTgt spid="4"/>
+                                        </p:tgtEl>
+                                        <p:attrNameLst>
+                                          <p:attrName>style.visibility</p:attrName>
+                                        </p:attrNameLst>
+                                      </p:cBhvr>
+                                      <p:to>
+                                        <p:strVal val="visible"/>
+                                      </p:to>
+                                    </p:set>
+                                    <p:animEffect transition="in" filter="fade">
+                                      <p:cBhvr>
+                                        <p:cTn id="11" dur="300"/>
+                                        <p:tgtEl>
+                                          <p:spTgt spid="4"/>
+                                        </p:tgtEl>
+                                      </p:cBhvr>
+                                    </p:animEffect>
+                                  </p:childTnLst>
+                                </p:cTn>
+                              </p:par>
+                            </p:childTnLst>
+                          </p:cTn>
+                        </p:par>
+                      </p:childTnLst>
+                    </p:cTn>
+                  </p:par>
+                  <p:par>
+                    <p:cTn id="12" fill="hold">
+                      <p:stCondLst>
+                        <p:cond delay="indefinite"/>
+                      </p:stCondLst>
+                      <p:childTnLst>
+                        <p:par>
+                          <p:cTn id="13" fill="hold">
+                            <p:stCondLst>
+                              <p:cond delay="0"/>
+                            </p:stCondLst>
+                            <p:childTnLst>
+                              <p:par>
+                                <p:cTn id="14" presetID="42" presetClass="entr" presetSubtype="0" fill="hold" grpId="0" nodeType="clickEffect">
+                                  <p:stCondLst>
+                                    <p:cond delay="0"/>
+                                  </p:stCondLst>
+                                  <p:childTnLst>
+                                    <p:set>
+                                      <p:cBhvr>
+                                        <p:cTn id="15" dur="1" fill="hold">
+                                          <p:stCondLst>
+                                            <p:cond delay="0"/>
+                                          </p:stCondLst>
+                                        </p:cTn>
+                                        <p:tgtEl>
+                                          <p:spTgt spid="6"/>
+                                        </p:tgtEl>
+                                        <p:attrNameLst>
+                                          <p:attrName>style.visibility</p:attrName>
+                                        </p:attrNameLst>
+                                      </p:cBhvr>
+                                      <p:to>
+                                        <p:strVal val="visible"/>
+                                      </p:to>
+                                    </p:set>
+                                    <p:animEffect transition="in" filter="fade">
+                                      <p:cBhvr>
+                                        <p:cTn id="16" dur="1000"/>
+                                        <p:tgtEl>
+                                          <p:spTgt spid="6"/>
+                                        </p:tgtEl>
+                                      </p:cBhvr>
+                                    </p:animEffect>
+                                    <p:anim calcmode="lin" valueType="num">
+                                      <p:cBhvr>
+                                        <p:cTn id="17" dur="1000" fill="hold"/>
+                                        <p:tgtEl>
+                                          <p:spTgt spid="6"/>
+                                        </p:tgtEl>
+                                        <p:attrNameLst>
+                                          <p:attrName>ppt_x</p:attrName>
+                                        </p:attrNameLst>
+                                      </p:cBhvr>
+                                      <p:tavLst>
+                                        <p:tav tm="0">
+                                          <p:val>
+                                            <p:strVal val="#ppt_x"/>
+                                          </p:val>
+                                        </p:tav>
+                                        <p:tav tm="100000">
+                                          <p:val>
+                                            <p:strVal val="#ppt_x"/>
+                                          </p:val>
+                                        </p:tav>
+                                      </p:tavLst>
+                                    </p:anim>
+                                    <p:anim calcmode="lin" valueType="num">
+                                      <p:cBhvr>
+                                        <p:cTn id="18" dur="1000" fill="hold"/>
+                                        <p:tgtEl>
+                                          <p:spTgt spid="6"/>
+                                        </p:tgtEl>
+                                        <p:attrNameLst>
+                                          <p:attrName>ppt_y</p:attrName>
+                                        </p:attrNameLst>
+                                      </p:cBhvr>
+                                      <p:tavLst>
+                                        <p:tav tm="0">
+                                          <p:val>
+                                            <p:strVal val="#ppt_y+.1"/>
+                                          </p:val>
+                                        </p:tav>
+                                        <p:tav tm="100000">
+                                          <p:val>
+                                            <p:strVal val="#ppt_y"/>
+                                          </p:val>
+                                        </p:tav>
+                                      </p:tavLst>
+                                    </p:anim>
+                                  </p:childTnLst>
+                                </p:cTn>
+                              </p:par>
+                            </p:childTnLst>
+                          </p:cTn>
+                        </p:par>
+                      </p:childTnLst>
+                    </p:cTn>
+                  </p:par>
+                  <p:par>
+                    <p:cTn id="19" fill="hold">
+                      <p:stCondLst>
+                        <p:cond delay="indefinite"/>
+                      </p:stCondLst>
+                      <p:childTnLst>
+                        <p:par>
+                          <p:cTn id="20" fill="hold">
+                            <p:stCondLst>
+                              <p:cond delay="0"/>
+                            </p:stCondLst>
+                            <p:childTnLst>
+                              <p:par>
+                                <p:cTn id="21" presetID="10" presetClass="entr" presetSubtype="0" fill="hold" grpId="0" nodeType="clickEffect">
+                                  <p:stCondLst>
+                                    <p:cond delay="0"/>
+                                  </p:stCondLst>
+                                  <p:childTnLst>
+                                    <p:set>
+                                      <p:cBhvr>
+                                        <p:cTn id="22" dur="1" fill="hold">
+                                          <p:stCondLst>
+                                            <p:cond delay="0"/>
+                                          </p:stCondLst>
+                                        </p:cTn>
+                                        <p:tgtEl>
+                                          <p:spTgt spid="7"/>
+                                        </p:tgtEl>
+                                        <p:attrNameLst>
+                                          <p:attrName>style.visibility</p:attrName>
+                                        </p:attrNameLst>
+                                      </p:cBhvr>
+                                      <p:to>
+                                        <p:strVal val="visible"/>
+                                      </p:to>
+                                    </p:set>
+                                    <p:animEffect transition="in" filter="fade">
+                                      <p:cBhvr>
+                                        <p:cTn id="23" dur="500"/>
+                                        <p:tgtEl>
+                                          <p:spTgt spid="7"/>
+                                        </p:tgtEl>
+                                      </p:cBhvr>
+                                    </p:animEffect>
+                                  </p:childTnLst>
+                                </p:cTn>
+                              </p:par>
+                              <p:par>
+                                <p:cTn id="24" presetID="10" presetClass="entr" presetSubtype="0" fill="hold" grpId="0" nodeType="withEffect">
+                                  <p:stCondLst>
+                                    <p:cond delay="0"/>
+                                  </p:stCondLst>
+                                  <p:childTnLst>
+                                    <p:set>
+                                      <p:cBhvr>
+                                        <p:cTn id="25" dur="1" fill="hold">
+                                          <p:stCondLst>
+                                            <p:cond delay="0"/>
+                                          </p:stCondLst>
+                                        </p:cTn>
+                                        <p:tgtEl>
+                                          <p:spTgt spid="8"/>
+                                        </p:tgtEl>
+                                        <p:attrNameLst>
+                                          <p:attrName>style.visibility</p:attrName>
+                                        </p:attrNameLst>
+                                      </p:cBhvr>
+                                      <p:to>
+                                        <p:strVal val="visible"/>
+                                      </p:to>
+                                    </p:set>
+                                    <p:animEffect transition="in" filter="fade">
+                                      <p:cBhvr>
+                                        <p:cTn id="26" dur="500"/>
+                                        <p:tgtEl>
+                                          <p:spTgt spid="8"/>
+                                        </p:tgtEl>
+                                      </p:cBhvr>
+                                    </p:animEffect>
+                                  </p:childTnLst>
+                                </p:cTn>
+                              </p:par>
+                              <p:par>
+                                <p:cTn id="27" presetID="10" presetClass="entr" presetSubtype="0" fill="hold" grpId="0" nodeType="withEffect">
+                                  <p:stCondLst>
+                                    <p:cond delay="0"/>
+                                  </p:stCondLst>
+                                  <p:childTnLst>
+                                    <p:set>
+                                      <p:cBhvr>
+                                        <p:cTn id="28" dur="1" fill="hold">
+                                          <p:stCondLst>
+                                            <p:cond delay="0"/>
+                                          </p:stCondLst>
+                                        </p:cTn>
+                                        <p:tgtEl>
+                                          <p:spTgt spid="9"/>
+                                        </p:tgtEl>
+                                        <p:attrNameLst>
+                                          <p:attrName>style.visibility</p:attrName>
+                                        </p:attrNameLst>
+                                      </p:cBhvr>
+                                      <p:to>
+                                        <p:strVal val="visible"/>
+                                      </p:to>
+                                    </p:set>
+                                    <p:animEffect transition="in" filter="fade">
+                                      <p:cBhvr>
+                                        <p:cTn id="29" dur="500"/>
+                                        <p:tgtEl>
+                                          <p:spTgt spid="9"/>
+                                        </p:tgtEl>
+                                      </p:cBhvr>
+                                    </p:animEffect>
+                                  </p:childTnLst>
+                                </p:cTn>
+                              </p:par>
+                            </p:childTnLst>
+                          </p:cTn>
+                        </p:par>
+                      </p:childTnLst>
+                    </p:cTn>
+                  </p:par>
+                </p:childTnLst>
+              </p:cTn>
+              <p:prevCondLst>
+                <p:cond evt="onPrev" delay="0">
+                  <p:tgtEl>
+                    <p:sldTgt/>
+                  </p:tgtEl>
+                </p:cond>
+              </p:prevCondLst>
+              <p:nextCondLst>
+                <p:cond evt="onNext" delay="0">
+                  <p:tgtEl>
+                    <p:sldTgt/>
+                  </p:tgtEl>
+                </p:cond>
+              </p:nextCondLst>
+            </p:seq>
+          </p:childTnLst>
+        </p:cTn>
+      </p:par>
+    </p:tnLst>
+    <p:bldLst>
+      <p:bldP spid="6" grpId="0"/>
+      <p:bldP spid="7" grpId="0"/>
+      <p:bldP spid="8" grpId="0"/>
+      <p:bldP spid="9" grpId="0"/>
+    </p:bldLst>
+  </p:timing>
+</p:sld>
+</file>
+
+<file path=ppt/slides/slide33.xml><?xml version="1.0" encoding="utf-8"?>
+<p:sld xmlns:a="http://schemas.openxmlformats.org/drawingml/2006/main" xmlns:r="http://schemas.openxmlformats.org/officeDocument/2006/relationships" xmlns:p="http://schemas.openxmlformats.org/presentationml/2006/main">
+  <p:cSld>
+    <p:bg>
+      <p:bgPr>
+        <a:solidFill>
+          <a:schemeClr val="bg2">
+            <a:lumMod val="10000"/>
+          </a:schemeClr>
+        </a:solidFill>
+        <a:effectLst/>
+      </p:bgPr>
+    </p:bg>
+    <p:spTree>
+      <p:nvGrpSpPr>
+        <p:cNvPr id="1" name=""/>
+        <p:cNvGrpSpPr/>
+        <p:nvPr/>
+      </p:nvGrpSpPr>
+      <p:grpSpPr>
+        <a:xfrm>
+          <a:off x="0" y="0"/>
+          <a:ext cx="0" cy="0"/>
+          <a:chOff x="0" y="0"/>
+          <a:chExt cx="0" cy="0"/>
+        </a:xfrm>
+      </p:grpSpPr>
+      <p:cxnSp>
+        <p:nvCxnSpPr>
+          <p:cNvPr id="5" name="Connecteur droit 4">
+            <a:extLst>
+              <a:ext uri="{FF2B5EF4-FFF2-40B4-BE49-F238E27FC236}">
+                <a16:creationId xmlns:a16="http://schemas.microsoft.com/office/drawing/2014/main" id="{3C484898-14BF-CE9E-80BD-0AF9A46B291D}"/>
+              </a:ext>
+            </a:extLst>
+          </p:cNvPr>
+          <p:cNvCxnSpPr/>
+          <p:nvPr/>
+        </p:nvCxnSpPr>
+        <p:spPr>
+          <a:xfrm>
+            <a:off x="1425388" y="0"/>
+            <a:ext cx="0" cy="6858000"/>
+          </a:xfrm>
+          <a:prstGeom prst="line">
+            <a:avLst/>
+          </a:prstGeom>
+          <a:ln w="76200">
+            <a:solidFill>
+              <a:srgbClr val="FF0000"/>
+            </a:solidFill>
+          </a:ln>
+        </p:spPr>
+        <p:style>
+          <a:lnRef idx="1">
+            <a:schemeClr val="accent1"/>
+          </a:lnRef>
+          <a:fillRef idx="0">
+            <a:schemeClr val="accent1"/>
+          </a:fillRef>
+          <a:effectRef idx="0">
+            <a:schemeClr val="accent1"/>
+          </a:effectRef>
+          <a:fontRef idx="minor">
+            <a:schemeClr val="tx1"/>
+          </a:fontRef>
+        </p:style>
+      </p:cxnSp>
+      <p:cxnSp>
+        <p:nvCxnSpPr>
+          <p:cNvPr id="6" name="Connecteur droit 5">
+            <a:extLst>
+              <a:ext uri="{FF2B5EF4-FFF2-40B4-BE49-F238E27FC236}">
+                <a16:creationId xmlns:a16="http://schemas.microsoft.com/office/drawing/2014/main" id="{2CCD0AB9-416A-E407-EEE4-F3668DCDA75C}"/>
+              </a:ext>
+            </a:extLst>
+          </p:cNvPr>
+          <p:cNvCxnSpPr/>
+          <p:nvPr/>
+        </p:nvCxnSpPr>
+        <p:spPr>
+          <a:xfrm>
+            <a:off x="1093694" y="0"/>
+            <a:ext cx="0" cy="6858000"/>
+          </a:xfrm>
+          <a:prstGeom prst="line">
+            <a:avLst/>
+          </a:prstGeom>
+          <a:ln w="76200">
+            <a:solidFill>
+              <a:srgbClr val="FF0000"/>
+            </a:solidFill>
+          </a:ln>
+        </p:spPr>
+        <p:style>
+          <a:lnRef idx="1">
+            <a:schemeClr val="accent1"/>
+          </a:lnRef>
+          <a:fillRef idx="0">
+            <a:schemeClr val="accent1"/>
+          </a:fillRef>
+          <a:effectRef idx="0">
+            <a:schemeClr val="accent1"/>
+          </a:effectRef>
+          <a:fontRef idx="minor">
+            <a:schemeClr val="tx1"/>
+          </a:fontRef>
+        </p:style>
+      </p:cxnSp>
+      <p:sp>
+        <p:nvSpPr>
+          <p:cNvPr id="7" name="ZoneTexte 6">
+            <a:extLst>
+              <a:ext uri="{FF2B5EF4-FFF2-40B4-BE49-F238E27FC236}">
+                <a16:creationId xmlns:a16="http://schemas.microsoft.com/office/drawing/2014/main" id="{25B8D35D-75A6-BB06-9258-B32D6A89F7B2}"/>
+              </a:ext>
+            </a:extLst>
+          </p:cNvPr>
+          <p:cNvSpPr txBox="1"/>
+          <p:nvPr/>
+        </p:nvSpPr>
+        <p:spPr>
+          <a:xfrm>
+            <a:off x="1757082" y="510989"/>
+            <a:ext cx="7512423" cy="646331"/>
+          </a:xfrm>
+          <a:prstGeom prst="rect">
+            <a:avLst/>
+          </a:prstGeom>
+          <a:noFill/>
+        </p:spPr>
+        <p:txBody>
+          <a:bodyPr wrap="square" rtlCol="0">
+            <a:spAutoFit/>
+          </a:bodyPr>
+          <a:lstStyle/>
+          <a:p>
+            <a:r>
+              <a:rPr lang="fr-FR" sz="3600" b="1" dirty="0">
+                <a:solidFill>
+                  <a:schemeClr val="bg1"/>
+                </a:solidFill>
+                <a:latin typeface="Microsoft JhengHei Light" panose="020B0304030504040204" pitchFamily="34" charset="-120"/>
+                <a:ea typeface="Microsoft JhengHei Light" panose="020B0304030504040204" pitchFamily="34" charset="-120"/>
+              </a:rPr>
+              <a:t>3.4) </a:t>
+            </a:r>
+            <a:r>
+              <a:rPr lang="fr-FR" sz="3600" b="1" u="sng" dirty="0">
+                <a:solidFill>
+                  <a:schemeClr val="bg1"/>
+                </a:solidFill>
+                <a:latin typeface="Microsoft JhengHei Light" panose="020B0304030504040204" pitchFamily="34" charset="-120"/>
+                <a:ea typeface="Microsoft JhengHei Light" panose="020B0304030504040204" pitchFamily="34" charset="-120"/>
+              </a:rPr>
+              <a:t>Analyse statique outillée</a:t>
+            </a:r>
+            <a:r>
+              <a:rPr lang="fr-FR" sz="3600" b="1" dirty="0">
+                <a:solidFill>
+                  <a:schemeClr val="bg1"/>
+                </a:solidFill>
+                <a:latin typeface="Microsoft JhengHei Light" panose="020B0304030504040204" pitchFamily="34" charset="-120"/>
+                <a:ea typeface="Microsoft JhengHei Light" panose="020B0304030504040204" pitchFamily="34" charset="-120"/>
+              </a:rPr>
+              <a:t> :</a:t>
+            </a:r>
+          </a:p>
+        </p:txBody>
+      </p:sp>
+      <p:sp>
+        <p:nvSpPr>
+          <p:cNvPr id="8" name="ZoneTexte 7">
+            <a:extLst>
+              <a:ext uri="{FF2B5EF4-FFF2-40B4-BE49-F238E27FC236}">
+                <a16:creationId xmlns:a16="http://schemas.microsoft.com/office/drawing/2014/main" id="{F7F7F1CC-FD81-1471-D6E2-2F000D5685D6}"/>
+              </a:ext>
+            </a:extLst>
+          </p:cNvPr>
+          <p:cNvSpPr txBox="1"/>
+          <p:nvPr/>
+        </p:nvSpPr>
+        <p:spPr>
+          <a:xfrm>
+            <a:off x="1757082" y="1641481"/>
+            <a:ext cx="10094255" cy="646331"/>
+          </a:xfrm>
+          <a:prstGeom prst="rect">
+            <a:avLst/>
+          </a:prstGeom>
+          <a:noFill/>
+        </p:spPr>
+        <p:txBody>
+          <a:bodyPr wrap="square" rtlCol="0">
+            <a:spAutoFit/>
+          </a:bodyPr>
+          <a:lstStyle/>
+          <a:p>
+            <a:pPr algn="just"/>
+            <a:r>
+              <a:rPr lang="fr-FR" dirty="0">
+                <a:solidFill>
+                  <a:schemeClr val="bg1"/>
+                </a:solidFill>
+                <a:latin typeface="Microsoft JhengHei Light" panose="020B0304030504040204" pitchFamily="34" charset="-120"/>
+                <a:ea typeface="Microsoft JhengHei Light" panose="020B0304030504040204" pitchFamily="34" charset="-120"/>
+              </a:rPr>
+              <a:t>Comme l’indique son nom, l’analyse statique outillée se base sur l’analyse des codes afin de détecter des erreurs ou des suivis de la bonne pratique.</a:t>
+            </a:r>
+          </a:p>
+        </p:txBody>
+      </p:sp>
+      <p:sp>
+        <p:nvSpPr>
+          <p:cNvPr id="9" name="ZoneTexte 8">
+            <a:extLst>
+              <a:ext uri="{FF2B5EF4-FFF2-40B4-BE49-F238E27FC236}">
+                <a16:creationId xmlns:a16="http://schemas.microsoft.com/office/drawing/2014/main" id="{F2514055-3FED-5FE5-727F-177774249100}"/>
+              </a:ext>
+            </a:extLst>
+          </p:cNvPr>
+          <p:cNvSpPr txBox="1"/>
+          <p:nvPr/>
+        </p:nvSpPr>
+        <p:spPr>
+          <a:xfrm>
+            <a:off x="1757083" y="2591741"/>
+            <a:ext cx="10094254" cy="1200329"/>
+          </a:xfrm>
+          <a:prstGeom prst="rect">
+            <a:avLst/>
+          </a:prstGeom>
+          <a:noFill/>
+        </p:spPr>
+        <p:txBody>
+          <a:bodyPr wrap="square" rtlCol="0">
+            <a:spAutoFit/>
+          </a:bodyPr>
+          <a:lstStyle/>
+          <a:p>
+            <a:pPr algn="just"/>
+            <a:r>
+              <a:rPr lang="fr-FR" dirty="0">
+                <a:solidFill>
+                  <a:schemeClr val="bg1"/>
+                </a:solidFill>
+                <a:latin typeface="Microsoft JhengHei Light" panose="020B0304030504040204" pitchFamily="34" charset="-120"/>
+                <a:ea typeface="Microsoft JhengHei Light" panose="020B0304030504040204" pitchFamily="34" charset="-120"/>
+              </a:rPr>
+              <a:t>Cependant, de nombreux logiciels de développement disposent directement des vérificateurs qui ont pour but de s’assurer que le code peut être exécuter. Il existe également des outils comme par exemple « </a:t>
+            </a:r>
+            <a:r>
+              <a:rPr lang="fr-FR" dirty="0">
+                <a:highlight>
+                  <a:srgbClr val="FFFF00"/>
+                </a:highlight>
+                <a:latin typeface="Microsoft JhengHei Light" panose="020B0304030504040204" pitchFamily="34" charset="-120"/>
+                <a:ea typeface="Microsoft JhengHei Light" panose="020B0304030504040204" pitchFamily="34" charset="-120"/>
+              </a:rPr>
+              <a:t>Sonar</a:t>
+            </a:r>
+            <a:r>
+              <a:rPr lang="fr-FR" dirty="0">
+                <a:solidFill>
+                  <a:schemeClr val="bg1"/>
+                </a:solidFill>
+                <a:latin typeface="Microsoft JhengHei Light" panose="020B0304030504040204" pitchFamily="34" charset="-120"/>
+                <a:ea typeface="Microsoft JhengHei Light" panose="020B0304030504040204" pitchFamily="34" charset="-120"/>
+              </a:rPr>
+              <a:t> », qui vérifie que les bonnes pratiques communes au projet sont bien suivi.</a:t>
+            </a:r>
+          </a:p>
+        </p:txBody>
+      </p:sp>
+      <p:sp>
+        <p:nvSpPr>
+          <p:cNvPr id="10" name="ZoneTexte 9">
+            <a:extLst>
+              <a:ext uri="{FF2B5EF4-FFF2-40B4-BE49-F238E27FC236}">
+                <a16:creationId xmlns:a16="http://schemas.microsoft.com/office/drawing/2014/main" id="{86D0A528-5497-6561-7C09-50A7690D7769}"/>
+              </a:ext>
+            </a:extLst>
+          </p:cNvPr>
+          <p:cNvSpPr txBox="1"/>
+          <p:nvPr/>
+        </p:nvSpPr>
+        <p:spPr>
+          <a:xfrm>
+            <a:off x="1757082" y="4095999"/>
+            <a:ext cx="10013564" cy="1200329"/>
+          </a:xfrm>
+          <a:prstGeom prst="rect">
+            <a:avLst/>
+          </a:prstGeom>
+          <a:noFill/>
+        </p:spPr>
+        <p:txBody>
+          <a:bodyPr wrap="square" rtlCol="0">
+            <a:spAutoFit/>
+          </a:bodyPr>
+          <a:lstStyle/>
+          <a:p>
+            <a:pPr algn="just"/>
+            <a:r>
+              <a:rPr lang="fr-FR" dirty="0">
+                <a:solidFill>
+                  <a:schemeClr val="bg1"/>
+                </a:solidFill>
+                <a:latin typeface="Microsoft JhengHei Light" panose="020B0304030504040204" pitchFamily="34" charset="-120"/>
+                <a:ea typeface="Microsoft JhengHei Light" panose="020B0304030504040204" pitchFamily="34" charset="-120"/>
+              </a:rPr>
+              <a:t>Les analyses statiques outillées ne se basent pas uniquement sur le code source de l’application. Il existe des outils réservés pour la vérification des documents comme par exemple les spécifications car cela peut aller d’une simple vérification orthographique, jusqu’à la vérification de la cohérence des spécifications.</a:t>
+            </a:r>
+          </a:p>
+        </p:txBody>
+      </p:sp>
+    </p:spTree>
+    <p:extLst>
+      <p:ext uri="{BB962C8B-B14F-4D97-AF65-F5344CB8AC3E}">
+        <p14:creationId xmlns:p14="http://schemas.microsoft.com/office/powerpoint/2010/main" val="1103068474"/>
+      </p:ext>
+    </p:extLst>
+  </p:cSld>
+  <p:clrMapOvr>
+    <a:masterClrMapping/>
+  </p:clrMapOvr>
+  <p:timing>
+    <p:tnLst>
+      <p:par>
+        <p:cTn id="1" dur="indefinite" restart="never" nodeType="tmRoot">
+          <p:childTnLst>
+            <p:seq concurrent="1" nextAc="seek">
+              <p:cTn id="2" dur="indefinite" nodeType="mainSeq">
+                <p:childTnLst>
+                  <p:par>
+                    <p:cTn id="3" fill="hold">
+                      <p:stCondLst>
+                        <p:cond delay="indefinite"/>
+                        <p:cond evt="onBegin" delay="0">
+                          <p:tn val="2"/>
+                        </p:cond>
+                      </p:stCondLst>
+                      <p:childTnLst>
+                        <p:par>
+                          <p:cTn id="4" fill="hold">
+                            <p:stCondLst>
+                              <p:cond delay="0"/>
+                            </p:stCondLst>
+                            <p:childTnLst>
+                              <p:par>
+                                <p:cTn id="5" presetID="10" presetClass="entr" presetSubtype="0" fill="hold" nodeType="withEffect">
+                                  <p:stCondLst>
+                                    <p:cond delay="0"/>
+                                  </p:stCondLst>
+                                  <p:childTnLst>
+                                    <p:set>
+                                      <p:cBhvr>
+                                        <p:cTn id="6" dur="1" fill="hold">
+                                          <p:stCondLst>
+                                            <p:cond delay="0"/>
+                                          </p:stCondLst>
+                                        </p:cTn>
+                                        <p:tgtEl>
+                                          <p:spTgt spid="6"/>
+                                        </p:tgtEl>
+                                        <p:attrNameLst>
+                                          <p:attrName>style.visibility</p:attrName>
+                                        </p:attrNameLst>
+                                      </p:cBhvr>
+                                      <p:to>
+                                        <p:strVal val="visible"/>
+                                      </p:to>
+                                    </p:set>
+                                    <p:animEffect transition="in" filter="fade">
+                                      <p:cBhvr>
+                                        <p:cTn id="7" dur="500"/>
+                                        <p:tgtEl>
+                                          <p:spTgt spid="6"/>
+                                        </p:tgtEl>
+                                      </p:cBhvr>
+                                    </p:animEffect>
+                                  </p:childTnLst>
+                                </p:cTn>
+                              </p:par>
+                            </p:childTnLst>
+                          </p:cTn>
+                        </p:par>
+                        <p:par>
+                          <p:cTn id="8" fill="hold">
+                            <p:stCondLst>
+                              <p:cond delay="500"/>
+                            </p:stCondLst>
+                            <p:childTnLst>
+                              <p:par>
+                                <p:cTn id="9" presetID="10" presetClass="entr" presetSubtype="0" fill="hold" nodeType="afterEffect">
+                                  <p:stCondLst>
+                                    <p:cond delay="0"/>
+                                  </p:stCondLst>
+                                  <p:childTnLst>
+                                    <p:set>
+                                      <p:cBhvr>
+                                        <p:cTn id="10" dur="1" fill="hold">
+                                          <p:stCondLst>
+                                            <p:cond delay="0"/>
+                                          </p:stCondLst>
+                                        </p:cTn>
+                                        <p:tgtEl>
+                                          <p:spTgt spid="5"/>
+                                        </p:tgtEl>
+                                        <p:attrNameLst>
+                                          <p:attrName>style.visibility</p:attrName>
+                                        </p:attrNameLst>
+                                      </p:cBhvr>
+                                      <p:to>
+                                        <p:strVal val="visible"/>
+                                      </p:to>
+                                    </p:set>
+                                    <p:animEffect transition="in" filter="fade">
+                                      <p:cBhvr>
+                                        <p:cTn id="11" dur="500"/>
+                                        <p:tgtEl>
+                                          <p:spTgt spid="5"/>
+                                        </p:tgtEl>
+                                      </p:cBhvr>
+                                    </p:animEffect>
+                                  </p:childTnLst>
+                                </p:cTn>
+                              </p:par>
+                            </p:childTnLst>
+                          </p:cTn>
+                        </p:par>
+                      </p:childTnLst>
+                    </p:cTn>
+                  </p:par>
+                  <p:par>
+                    <p:cTn id="12" fill="hold">
+                      <p:stCondLst>
+                        <p:cond delay="indefinite"/>
+                      </p:stCondLst>
+                      <p:childTnLst>
+                        <p:par>
+                          <p:cTn id="13" fill="hold">
+                            <p:stCondLst>
+                              <p:cond delay="0"/>
+                            </p:stCondLst>
+                            <p:childTnLst>
+                              <p:par>
+                                <p:cTn id="14" presetID="42" presetClass="entr" presetSubtype="0" fill="hold" grpId="0" nodeType="clickEffect">
+                                  <p:stCondLst>
+                                    <p:cond delay="0"/>
+                                  </p:stCondLst>
+                                  <p:childTnLst>
+                                    <p:set>
+                                      <p:cBhvr>
+                                        <p:cTn id="15" dur="1" fill="hold">
+                                          <p:stCondLst>
+                                            <p:cond delay="0"/>
+                                          </p:stCondLst>
+                                        </p:cTn>
+                                        <p:tgtEl>
+                                          <p:spTgt spid="7"/>
+                                        </p:tgtEl>
+                                        <p:attrNameLst>
+                                          <p:attrName>style.visibility</p:attrName>
+                                        </p:attrNameLst>
+                                      </p:cBhvr>
+                                      <p:to>
+                                        <p:strVal val="visible"/>
+                                      </p:to>
+                                    </p:set>
+                                    <p:animEffect transition="in" filter="fade">
+                                      <p:cBhvr>
+                                        <p:cTn id="16" dur="1000"/>
+                                        <p:tgtEl>
+                                          <p:spTgt spid="7"/>
+                                        </p:tgtEl>
+                                      </p:cBhvr>
+                                    </p:animEffect>
+                                    <p:anim calcmode="lin" valueType="num">
+                                      <p:cBhvr>
+                                        <p:cTn id="17" dur="1000" fill="hold"/>
+                                        <p:tgtEl>
+                                          <p:spTgt spid="7"/>
+                                        </p:tgtEl>
+                                        <p:attrNameLst>
+                                          <p:attrName>ppt_x</p:attrName>
+                                        </p:attrNameLst>
+                                      </p:cBhvr>
+                                      <p:tavLst>
+                                        <p:tav tm="0">
+                                          <p:val>
+                                            <p:strVal val="#ppt_x"/>
+                                          </p:val>
+                                        </p:tav>
+                                        <p:tav tm="100000">
+                                          <p:val>
+                                            <p:strVal val="#ppt_x"/>
+                                          </p:val>
+                                        </p:tav>
+                                      </p:tavLst>
+                                    </p:anim>
+                                    <p:anim calcmode="lin" valueType="num">
+                                      <p:cBhvr>
+                                        <p:cTn id="18" dur="1000" fill="hold"/>
+                                        <p:tgtEl>
+                                          <p:spTgt spid="7"/>
+                                        </p:tgtEl>
+                                        <p:attrNameLst>
+                                          <p:attrName>ppt_y</p:attrName>
+                                        </p:attrNameLst>
+                                      </p:cBhvr>
+                                      <p:tavLst>
+                                        <p:tav tm="0">
+                                          <p:val>
+                                            <p:strVal val="#ppt_y+.1"/>
+                                          </p:val>
+                                        </p:tav>
+                                        <p:tav tm="100000">
+                                          <p:val>
+                                            <p:strVal val="#ppt_y"/>
+                                          </p:val>
+                                        </p:tav>
+                                      </p:tavLst>
+                                    </p:anim>
+                                  </p:childTnLst>
+                                </p:cTn>
+                              </p:par>
+                            </p:childTnLst>
+                          </p:cTn>
+                        </p:par>
+                      </p:childTnLst>
+                    </p:cTn>
+                  </p:par>
+                  <p:par>
+                    <p:cTn id="19" fill="hold">
+                      <p:stCondLst>
+                        <p:cond delay="indefinite"/>
+                      </p:stCondLst>
+                      <p:childTnLst>
+                        <p:par>
+                          <p:cTn id="20" fill="hold">
+                            <p:stCondLst>
+                              <p:cond delay="0"/>
+                            </p:stCondLst>
+                            <p:childTnLst>
+                              <p:par>
+                                <p:cTn id="21" presetID="10" presetClass="entr" presetSubtype="0" fill="hold" grpId="0" nodeType="clickEffect">
+                                  <p:stCondLst>
+                                    <p:cond delay="0"/>
+                                  </p:stCondLst>
+                                  <p:childTnLst>
+                                    <p:set>
+                                      <p:cBhvr>
+                                        <p:cTn id="22" dur="1" fill="hold">
+                                          <p:stCondLst>
+                                            <p:cond delay="0"/>
+                                          </p:stCondLst>
+                                        </p:cTn>
+                                        <p:tgtEl>
+                                          <p:spTgt spid="8"/>
+                                        </p:tgtEl>
+                                        <p:attrNameLst>
+                                          <p:attrName>style.visibility</p:attrName>
+                                        </p:attrNameLst>
+                                      </p:cBhvr>
+                                      <p:to>
+                                        <p:strVal val="visible"/>
+                                      </p:to>
+                                    </p:set>
+                                    <p:animEffect transition="in" filter="fade">
+                                      <p:cBhvr>
+                                        <p:cTn id="23" dur="500"/>
+                                        <p:tgtEl>
+                                          <p:spTgt spid="8"/>
+                                        </p:tgtEl>
+                                      </p:cBhvr>
+                                    </p:animEffect>
+                                  </p:childTnLst>
+                                </p:cTn>
+                              </p:par>
+                              <p:par>
+                                <p:cTn id="24" presetID="10" presetClass="entr" presetSubtype="0" fill="hold" grpId="0" nodeType="withEffect">
+                                  <p:stCondLst>
+                                    <p:cond delay="0"/>
+                                  </p:stCondLst>
+                                  <p:childTnLst>
+                                    <p:set>
+                                      <p:cBhvr>
+                                        <p:cTn id="25" dur="1" fill="hold">
+                                          <p:stCondLst>
+                                            <p:cond delay="0"/>
+                                          </p:stCondLst>
+                                        </p:cTn>
+                                        <p:tgtEl>
+                                          <p:spTgt spid="9"/>
+                                        </p:tgtEl>
+                                        <p:attrNameLst>
+                                          <p:attrName>style.visibility</p:attrName>
+                                        </p:attrNameLst>
+                                      </p:cBhvr>
+                                      <p:to>
+                                        <p:strVal val="visible"/>
+                                      </p:to>
+                                    </p:set>
+                                    <p:animEffect transition="in" filter="fade">
+                                      <p:cBhvr>
+                                        <p:cTn id="26" dur="500"/>
+                                        <p:tgtEl>
+                                          <p:spTgt spid="9"/>
+                                        </p:tgtEl>
+                                      </p:cBhvr>
+                                    </p:animEffect>
+                                  </p:childTnLst>
+                                </p:cTn>
+                              </p:par>
+                              <p:par>
+                                <p:cTn id="27" presetID="10" presetClass="entr" presetSubtype="0" fill="hold" grpId="0" nodeType="withEffect">
+                                  <p:stCondLst>
+                                    <p:cond delay="0"/>
+                                  </p:stCondLst>
+                                  <p:childTnLst>
+                                    <p:set>
+                                      <p:cBhvr>
+                                        <p:cTn id="28" dur="1" fill="hold">
+                                          <p:stCondLst>
+                                            <p:cond delay="0"/>
+                                          </p:stCondLst>
+                                        </p:cTn>
+                                        <p:tgtEl>
+                                          <p:spTgt spid="10"/>
+                                        </p:tgtEl>
+                                        <p:attrNameLst>
+                                          <p:attrName>style.visibility</p:attrName>
+                                        </p:attrNameLst>
+                                      </p:cBhvr>
+                                      <p:to>
+                                        <p:strVal val="visible"/>
+                                      </p:to>
+                                    </p:set>
+                                    <p:animEffect transition="in" filter="fade">
+                                      <p:cBhvr>
+                                        <p:cTn id="29" dur="500"/>
+                                        <p:tgtEl>
+                                          <p:spTgt spid="10"/>
+                                        </p:tgtEl>
+                                      </p:cBhvr>
+                                    </p:animEffect>
+                                  </p:childTnLst>
+                                </p:cTn>
+                              </p:par>
+                            </p:childTnLst>
+                          </p:cTn>
+                        </p:par>
+                      </p:childTnLst>
+                    </p:cTn>
+                  </p:par>
+                </p:childTnLst>
+              </p:cTn>
+              <p:prevCondLst>
+                <p:cond evt="onPrev" delay="0">
+                  <p:tgtEl>
+                    <p:sldTgt/>
+                  </p:tgtEl>
+                </p:cond>
+              </p:prevCondLst>
+              <p:nextCondLst>
+                <p:cond evt="onNext" delay="0">
+                  <p:tgtEl>
+                    <p:sldTgt/>
+                  </p:tgtEl>
+                </p:cond>
+              </p:nextCondLst>
+            </p:seq>
+          </p:childTnLst>
+        </p:cTn>
+      </p:par>
+    </p:tnLst>
+    <p:bldLst>
+      <p:bldP spid="7" grpId="0"/>
+      <p:bldP spid="8" grpId="0"/>
+      <p:bldP spid="9" grpId="0"/>
+      <p:bldP spid="10" grpId="0"/>
+    </p:bldLst>
+  </p:timing>
+</p:sld>
+</file>
+
+<file path=ppt/slides/slide34.xml><?xml version="1.0" encoding="utf-8"?>
+<p:sld xmlns:a="http://schemas.openxmlformats.org/drawingml/2006/main" xmlns:r="http://schemas.openxmlformats.org/officeDocument/2006/relationships" xmlns:p="http://schemas.openxmlformats.org/presentationml/2006/main">
+  <p:cSld>
+    <p:bg>
+      <p:bgPr>
+        <a:solidFill>
+          <a:schemeClr val="bg2">
+            <a:lumMod val="10000"/>
+          </a:schemeClr>
+        </a:solidFill>
+        <a:effectLst/>
+      </p:bgPr>
+    </p:bg>
+    <p:spTree>
+      <p:nvGrpSpPr>
+        <p:cNvPr id="1" name=""/>
+        <p:cNvGrpSpPr/>
+        <p:nvPr/>
+      </p:nvGrpSpPr>
+      <p:grpSpPr>
+        <a:xfrm>
+          <a:off x="0" y="0"/>
+          <a:ext cx="0" cy="0"/>
+          <a:chOff x="0" y="0"/>
+          <a:chExt cx="0" cy="0"/>
+        </a:xfrm>
+      </p:grpSpPr>
+      <p:cxnSp>
+        <p:nvCxnSpPr>
+          <p:cNvPr id="3" name="Connecteur droit 2">
+            <a:extLst>
+              <a:ext uri="{FF2B5EF4-FFF2-40B4-BE49-F238E27FC236}">
+                <a16:creationId xmlns:a16="http://schemas.microsoft.com/office/drawing/2014/main" id="{9B44F133-588E-7AA9-646B-EB61503205E7}"/>
+              </a:ext>
+            </a:extLst>
+          </p:cNvPr>
+          <p:cNvCxnSpPr/>
+          <p:nvPr/>
+        </p:nvCxnSpPr>
+        <p:spPr>
+          <a:xfrm>
+            <a:off x="1084730" y="0"/>
+            <a:ext cx="0" cy="6858000"/>
+          </a:xfrm>
+          <a:prstGeom prst="line">
+            <a:avLst/>
+          </a:prstGeom>
+          <a:ln w="76200">
+            <a:solidFill>
+              <a:srgbClr val="FF0000"/>
+            </a:solidFill>
+          </a:ln>
+        </p:spPr>
+        <p:style>
+          <a:lnRef idx="1">
+            <a:schemeClr val="accent1"/>
+          </a:lnRef>
+          <a:fillRef idx="0">
+            <a:schemeClr val="accent1"/>
+          </a:fillRef>
+          <a:effectRef idx="0">
+            <a:schemeClr val="accent1"/>
+          </a:effectRef>
+          <a:fontRef idx="minor">
+            <a:schemeClr val="tx1"/>
+          </a:fontRef>
+        </p:style>
+      </p:cxnSp>
+      <p:cxnSp>
+        <p:nvCxnSpPr>
+          <p:cNvPr id="4" name="Connecteur droit 3">
+            <a:extLst>
+              <a:ext uri="{FF2B5EF4-FFF2-40B4-BE49-F238E27FC236}">
+                <a16:creationId xmlns:a16="http://schemas.microsoft.com/office/drawing/2014/main" id="{B0C86397-1025-BC4C-517B-B5E22F97F6EE}"/>
+              </a:ext>
+            </a:extLst>
+          </p:cNvPr>
+          <p:cNvCxnSpPr/>
+          <p:nvPr/>
+        </p:nvCxnSpPr>
+        <p:spPr>
+          <a:xfrm>
+            <a:off x="1380565" y="0"/>
+            <a:ext cx="0" cy="6858000"/>
+          </a:xfrm>
+          <a:prstGeom prst="line">
+            <a:avLst/>
+          </a:prstGeom>
+          <a:ln w="76200">
+            <a:solidFill>
+              <a:srgbClr val="FF0000"/>
+            </a:solidFill>
+          </a:ln>
+        </p:spPr>
+        <p:style>
+          <a:lnRef idx="1">
+            <a:schemeClr val="accent1"/>
+          </a:lnRef>
+          <a:fillRef idx="0">
+            <a:schemeClr val="accent1"/>
+          </a:fillRef>
+          <a:effectRef idx="0">
+            <a:schemeClr val="accent1"/>
+          </a:effectRef>
+          <a:fontRef idx="minor">
+            <a:schemeClr val="tx1"/>
+          </a:fontRef>
+        </p:style>
+      </p:cxnSp>
+      <p:sp>
+        <p:nvSpPr>
+          <p:cNvPr id="5" name="ZoneTexte 4">
+            <a:extLst>
+              <a:ext uri="{FF2B5EF4-FFF2-40B4-BE49-F238E27FC236}">
+                <a16:creationId xmlns:a16="http://schemas.microsoft.com/office/drawing/2014/main" id="{21A81ECA-100F-7950-FD8E-E66609A4F84F}"/>
+              </a:ext>
+            </a:extLst>
+          </p:cNvPr>
+          <p:cNvSpPr txBox="1"/>
+          <p:nvPr/>
+        </p:nvSpPr>
+        <p:spPr>
+          <a:xfrm>
+            <a:off x="1810871" y="510988"/>
+            <a:ext cx="6804212" cy="646331"/>
+          </a:xfrm>
+          <a:prstGeom prst="rect">
+            <a:avLst/>
+          </a:prstGeom>
+          <a:noFill/>
+        </p:spPr>
+        <p:txBody>
+          <a:bodyPr wrap="square" rtlCol="0">
+            <a:spAutoFit/>
+          </a:bodyPr>
+          <a:lstStyle/>
+          <a:p>
+            <a:r>
+              <a:rPr lang="fr-FR" sz="3600" b="1" dirty="0">
+                <a:solidFill>
+                  <a:schemeClr val="bg1"/>
+                </a:solidFill>
+                <a:latin typeface="Microsoft JhengHei Light" panose="020B0304030504040204" pitchFamily="34" charset="-120"/>
+                <a:ea typeface="Microsoft JhengHei Light" panose="020B0304030504040204" pitchFamily="34" charset="-120"/>
+              </a:rPr>
+              <a:t>3.5) </a:t>
+            </a:r>
+            <a:r>
+              <a:rPr lang="fr-FR" sz="3600" b="1" u="sng" dirty="0">
+                <a:solidFill>
+                  <a:schemeClr val="bg1"/>
+                </a:solidFill>
+                <a:latin typeface="Microsoft JhengHei Light" panose="020B0304030504040204" pitchFamily="34" charset="-120"/>
+                <a:ea typeface="Microsoft JhengHei Light" panose="020B0304030504040204" pitchFamily="34" charset="-120"/>
+              </a:rPr>
+              <a:t>L’inspection</a:t>
+            </a:r>
+            <a:r>
+              <a:rPr lang="fr-FR" sz="3600" b="1" dirty="0">
+                <a:solidFill>
+                  <a:schemeClr val="bg1"/>
+                </a:solidFill>
+                <a:latin typeface="Microsoft JhengHei Light" panose="020B0304030504040204" pitchFamily="34" charset="-120"/>
+                <a:ea typeface="Microsoft JhengHei Light" panose="020B0304030504040204" pitchFamily="34" charset="-120"/>
+              </a:rPr>
+              <a:t> :</a:t>
+            </a:r>
+          </a:p>
+        </p:txBody>
+      </p:sp>
+      <p:sp>
+        <p:nvSpPr>
+          <p:cNvPr id="6" name="ZoneTexte 5">
+            <a:extLst>
+              <a:ext uri="{FF2B5EF4-FFF2-40B4-BE49-F238E27FC236}">
+                <a16:creationId xmlns:a16="http://schemas.microsoft.com/office/drawing/2014/main" id="{075311AD-594A-4DEC-3CA8-7C9C3FEE2358}"/>
+              </a:ext>
+            </a:extLst>
+          </p:cNvPr>
+          <p:cNvSpPr txBox="1"/>
+          <p:nvPr/>
+        </p:nvSpPr>
+        <p:spPr>
+          <a:xfrm>
+            <a:off x="1810871" y="1506071"/>
+            <a:ext cx="9941858" cy="646331"/>
+          </a:xfrm>
+          <a:prstGeom prst="rect">
+            <a:avLst/>
+          </a:prstGeom>
+          <a:noFill/>
+        </p:spPr>
+        <p:txBody>
+          <a:bodyPr wrap="square" rtlCol="0">
+            <a:spAutoFit/>
+          </a:bodyPr>
+          <a:lstStyle/>
+          <a:p>
+            <a:pPr algn="just"/>
+            <a:r>
+              <a:rPr lang="fr-FR" dirty="0">
+                <a:solidFill>
+                  <a:schemeClr val="bg1"/>
+                </a:solidFill>
+                <a:latin typeface="Microsoft JhengHei Light" panose="020B0304030504040204" pitchFamily="34" charset="-120"/>
+                <a:ea typeface="Microsoft JhengHei Light" panose="020B0304030504040204" pitchFamily="34" charset="-120"/>
+              </a:rPr>
+              <a:t>L’inspection est l’une des techniques de revue de code et qui consiste de détecter les erreurs et les défauts du code source. </a:t>
+            </a:r>
+          </a:p>
+        </p:txBody>
+      </p:sp>
+      <p:sp>
+        <p:nvSpPr>
+          <p:cNvPr id="7" name="ZoneTexte 6">
+            <a:extLst>
+              <a:ext uri="{FF2B5EF4-FFF2-40B4-BE49-F238E27FC236}">
+                <a16:creationId xmlns:a16="http://schemas.microsoft.com/office/drawing/2014/main" id="{4BF7AE97-92D5-543D-1046-BD37CB772147}"/>
+              </a:ext>
+            </a:extLst>
+          </p:cNvPr>
+          <p:cNvSpPr txBox="1"/>
+          <p:nvPr/>
+        </p:nvSpPr>
+        <p:spPr>
+          <a:xfrm>
+            <a:off x="1810871" y="2505670"/>
+            <a:ext cx="9771527" cy="923330"/>
+          </a:xfrm>
+          <a:prstGeom prst="rect">
+            <a:avLst/>
+          </a:prstGeom>
+          <a:noFill/>
+        </p:spPr>
+        <p:txBody>
+          <a:bodyPr wrap="square" rtlCol="0">
+            <a:spAutoFit/>
+          </a:bodyPr>
+          <a:lstStyle/>
+          <a:p>
+            <a:pPr algn="just"/>
+            <a:r>
+              <a:rPr lang="fr-FR" dirty="0">
+                <a:solidFill>
+                  <a:schemeClr val="bg1"/>
+                </a:solidFill>
+                <a:latin typeface="Microsoft JhengHei Light" panose="020B0304030504040204" pitchFamily="34" charset="-120"/>
+                <a:ea typeface="Microsoft JhengHei Light" panose="020B0304030504040204" pitchFamily="34" charset="-120"/>
+              </a:rPr>
+              <a:t>Elle est une technique de test statique, qui peut être utilisée pour améliorer la qualité du logiciel ou de l’application. Néanmoins, elle est souvent utilisée dans le cadre des tests logiciels et est fortement recommandée par l’ISTQB.</a:t>
+            </a:r>
+          </a:p>
+        </p:txBody>
+      </p:sp>
+      <p:sp>
+        <p:nvSpPr>
+          <p:cNvPr id="8" name="ZoneTexte 7">
+            <a:extLst>
+              <a:ext uri="{FF2B5EF4-FFF2-40B4-BE49-F238E27FC236}">
+                <a16:creationId xmlns:a16="http://schemas.microsoft.com/office/drawing/2014/main" id="{D6C4859F-F3CE-F7BD-4AB4-DF1C2B232A5B}"/>
+              </a:ext>
+            </a:extLst>
+          </p:cNvPr>
+          <p:cNvSpPr txBox="1"/>
+          <p:nvPr/>
+        </p:nvSpPr>
+        <p:spPr>
+          <a:xfrm>
+            <a:off x="1810870" y="3782268"/>
+            <a:ext cx="9771527" cy="2308324"/>
+          </a:xfrm>
+          <a:prstGeom prst="rect">
+            <a:avLst/>
+          </a:prstGeom>
+          <a:noFill/>
+        </p:spPr>
+        <p:txBody>
+          <a:bodyPr wrap="square" rtlCol="0">
+            <a:spAutoFit/>
+          </a:bodyPr>
+          <a:lstStyle/>
+          <a:p>
+            <a:r>
+              <a:rPr lang="fr-FR" dirty="0">
+                <a:highlight>
+                  <a:srgbClr val="FFFF00"/>
+                </a:highlight>
+                <a:latin typeface="Microsoft JhengHei Light" panose="020B0304030504040204" pitchFamily="34" charset="-120"/>
+                <a:ea typeface="Microsoft JhengHei Light" panose="020B0304030504040204" pitchFamily="34" charset="-120"/>
+              </a:rPr>
+              <a:t>Il y a 6 acteurs qui participent à l’inspection selon l’ISTQB</a:t>
+            </a:r>
+            <a:r>
+              <a:rPr lang="fr-FR" dirty="0">
+                <a:solidFill>
+                  <a:schemeClr val="bg1"/>
+                </a:solidFill>
+                <a:latin typeface="Microsoft JhengHei Light" panose="020B0304030504040204" pitchFamily="34" charset="-120"/>
+                <a:ea typeface="Microsoft JhengHei Light" panose="020B0304030504040204" pitchFamily="34" charset="-120"/>
+              </a:rPr>
+              <a:t>, comme par exemple :</a:t>
+            </a:r>
+          </a:p>
+          <a:p>
+            <a:endParaRPr lang="fr-FR" dirty="0">
+              <a:solidFill>
+                <a:schemeClr val="bg1"/>
+              </a:solidFill>
+              <a:latin typeface="Microsoft JhengHei Light" panose="020B0304030504040204" pitchFamily="34" charset="-120"/>
+              <a:ea typeface="Microsoft JhengHei Light" panose="020B0304030504040204" pitchFamily="34" charset="-120"/>
+            </a:endParaRPr>
+          </a:p>
+          <a:p>
+            <a:r>
+              <a:rPr lang="fr-FR" dirty="0">
+                <a:solidFill>
+                  <a:schemeClr val="bg1"/>
+                </a:solidFill>
+                <a:latin typeface="Microsoft JhengHei Light" panose="020B0304030504040204" pitchFamily="34" charset="-120"/>
+                <a:ea typeface="Microsoft JhengHei Light" panose="020B0304030504040204" pitchFamily="34" charset="-120"/>
+              </a:rPr>
+              <a:t>		* L’auteur</a:t>
+            </a:r>
+          </a:p>
+          <a:p>
+            <a:r>
+              <a:rPr lang="fr-FR" dirty="0">
+                <a:solidFill>
+                  <a:schemeClr val="bg1"/>
+                </a:solidFill>
+                <a:latin typeface="Microsoft JhengHei Light" panose="020B0304030504040204" pitchFamily="34" charset="-120"/>
+                <a:ea typeface="Microsoft JhengHei Light" panose="020B0304030504040204" pitchFamily="34" charset="-120"/>
+              </a:rPr>
+              <a:t>		* Le modérateur</a:t>
+            </a:r>
+          </a:p>
+          <a:p>
+            <a:r>
+              <a:rPr lang="fr-FR" dirty="0">
+                <a:solidFill>
+                  <a:schemeClr val="bg1"/>
+                </a:solidFill>
+                <a:latin typeface="Microsoft JhengHei Light" panose="020B0304030504040204" pitchFamily="34" charset="-120"/>
+                <a:ea typeface="Microsoft JhengHei Light" panose="020B0304030504040204" pitchFamily="34" charset="-120"/>
+              </a:rPr>
+              <a:t>		* Le vérificateur</a:t>
+            </a:r>
+          </a:p>
+          <a:p>
+            <a:r>
+              <a:rPr lang="fr-FR" dirty="0">
+                <a:solidFill>
+                  <a:schemeClr val="bg1"/>
+                </a:solidFill>
+                <a:latin typeface="Microsoft JhengHei Light" panose="020B0304030504040204" pitchFamily="34" charset="-120"/>
+                <a:ea typeface="Microsoft JhengHei Light" panose="020B0304030504040204" pitchFamily="34" charset="-120"/>
+              </a:rPr>
+              <a:t>		* Le lecteur</a:t>
+            </a:r>
+          </a:p>
+          <a:p>
+            <a:r>
+              <a:rPr lang="fr-FR" dirty="0">
+                <a:solidFill>
+                  <a:schemeClr val="bg1"/>
+                </a:solidFill>
+                <a:latin typeface="Microsoft JhengHei Light" panose="020B0304030504040204" pitchFamily="34" charset="-120"/>
+                <a:ea typeface="Microsoft JhengHei Light" panose="020B0304030504040204" pitchFamily="34" charset="-120"/>
+              </a:rPr>
+              <a:t>		* L’observateur</a:t>
+            </a:r>
+          </a:p>
+          <a:p>
+            <a:r>
+              <a:rPr lang="fr-FR" dirty="0">
+                <a:solidFill>
+                  <a:schemeClr val="bg1"/>
+                </a:solidFill>
+                <a:latin typeface="Microsoft JhengHei Light" panose="020B0304030504040204" pitchFamily="34" charset="-120"/>
+                <a:ea typeface="Microsoft JhengHei Light" panose="020B0304030504040204" pitchFamily="34" charset="-120"/>
+              </a:rPr>
+              <a:t>		* Le secrétaire</a:t>
+            </a:r>
+          </a:p>
+        </p:txBody>
+      </p:sp>
+    </p:spTree>
+    <p:extLst>
+      <p:ext uri="{BB962C8B-B14F-4D97-AF65-F5344CB8AC3E}">
+        <p14:creationId xmlns:p14="http://schemas.microsoft.com/office/powerpoint/2010/main" val="4228606803"/>
+      </p:ext>
+    </p:extLst>
+  </p:cSld>
+  <p:clrMapOvr>
+    <a:masterClrMapping/>
+  </p:clrMapOvr>
+  <p:timing>
+    <p:tnLst>
+      <p:par>
+        <p:cTn id="1" dur="indefinite" restart="never" nodeType="tmRoot">
+          <p:childTnLst>
+            <p:seq concurrent="1" nextAc="seek">
+              <p:cTn id="2" dur="indefinite" nodeType="mainSeq">
+                <p:childTnLst>
+                  <p:par>
+                    <p:cTn id="3" fill="hold">
+                      <p:stCondLst>
+                        <p:cond delay="indefinite"/>
+                        <p:cond evt="onBegin" delay="0">
+                          <p:tn val="2"/>
+                        </p:cond>
+                      </p:stCondLst>
+                      <p:childTnLst>
+                        <p:par>
+                          <p:cTn id="4" fill="hold">
+                            <p:stCondLst>
+                              <p:cond delay="0"/>
+                            </p:stCondLst>
+                            <p:childTnLst>
+                              <p:par>
+                                <p:cTn id="5" presetID="10" presetClass="entr" presetSubtype="0" fill="hold" nodeType="withEffect">
+                                  <p:stCondLst>
+                                    <p:cond delay="0"/>
+                                  </p:stCondLst>
+                                  <p:childTnLst>
+                                    <p:set>
+                                      <p:cBhvr>
+                                        <p:cTn id="6" dur="1" fill="hold">
+                                          <p:stCondLst>
+                                            <p:cond delay="0"/>
+                                          </p:stCondLst>
+                                        </p:cTn>
+                                        <p:tgtEl>
+                                          <p:spTgt spid="3"/>
+                                        </p:tgtEl>
+                                        <p:attrNameLst>
+                                          <p:attrName>style.visibility</p:attrName>
+                                        </p:attrNameLst>
+                                      </p:cBhvr>
+                                      <p:to>
+                                        <p:strVal val="visible"/>
+                                      </p:to>
+                                    </p:set>
+                                    <p:animEffect transition="in" filter="fade">
+                                      <p:cBhvr>
+                                        <p:cTn id="7" dur="300"/>
+                                        <p:tgtEl>
+                                          <p:spTgt spid="3"/>
+                                        </p:tgtEl>
+                                      </p:cBhvr>
+                                    </p:animEffect>
+                                  </p:childTnLst>
+                                </p:cTn>
+                              </p:par>
+                            </p:childTnLst>
+                          </p:cTn>
+                        </p:par>
+                        <p:par>
+                          <p:cTn id="8" fill="hold">
+                            <p:stCondLst>
+                              <p:cond delay="300"/>
+                            </p:stCondLst>
+                            <p:childTnLst>
+                              <p:par>
+                                <p:cTn id="9" presetID="10" presetClass="entr" presetSubtype="0" fill="hold" nodeType="afterEffect">
+                                  <p:stCondLst>
+                                    <p:cond delay="0"/>
+                                  </p:stCondLst>
+                                  <p:childTnLst>
+                                    <p:set>
+                                      <p:cBhvr>
+                                        <p:cTn id="10" dur="1" fill="hold">
+                                          <p:stCondLst>
+                                            <p:cond delay="0"/>
+                                          </p:stCondLst>
+                                        </p:cTn>
+                                        <p:tgtEl>
+                                          <p:spTgt spid="4"/>
+                                        </p:tgtEl>
+                                        <p:attrNameLst>
+                                          <p:attrName>style.visibility</p:attrName>
+                                        </p:attrNameLst>
+                                      </p:cBhvr>
+                                      <p:to>
+                                        <p:strVal val="visible"/>
+                                      </p:to>
+                                    </p:set>
+                                    <p:animEffect transition="in" filter="fade">
+                                      <p:cBhvr>
+                                        <p:cTn id="11" dur="300"/>
+                                        <p:tgtEl>
+                                          <p:spTgt spid="4"/>
+                                        </p:tgtEl>
+                                      </p:cBhvr>
+                                    </p:animEffect>
+                                  </p:childTnLst>
+                                </p:cTn>
+                              </p:par>
+                            </p:childTnLst>
+                          </p:cTn>
+                        </p:par>
+                      </p:childTnLst>
+                    </p:cTn>
+                  </p:par>
+                  <p:par>
+                    <p:cTn id="12" fill="hold">
+                      <p:stCondLst>
+                        <p:cond delay="indefinite"/>
+                      </p:stCondLst>
+                      <p:childTnLst>
+                        <p:par>
+                          <p:cTn id="13" fill="hold">
+                            <p:stCondLst>
+                              <p:cond delay="0"/>
+                            </p:stCondLst>
+                            <p:childTnLst>
+                              <p:par>
+                                <p:cTn id="14" presetID="42" presetClass="entr" presetSubtype="0" fill="hold" grpId="0" nodeType="clickEffect">
+                                  <p:stCondLst>
+                                    <p:cond delay="0"/>
+                                  </p:stCondLst>
+                                  <p:childTnLst>
+                                    <p:set>
+                                      <p:cBhvr>
+                                        <p:cTn id="15" dur="1" fill="hold">
+                                          <p:stCondLst>
+                                            <p:cond delay="0"/>
+                                          </p:stCondLst>
+                                        </p:cTn>
+                                        <p:tgtEl>
+                                          <p:spTgt spid="5"/>
+                                        </p:tgtEl>
+                                        <p:attrNameLst>
+                                          <p:attrName>style.visibility</p:attrName>
+                                        </p:attrNameLst>
+                                      </p:cBhvr>
+                                      <p:to>
+                                        <p:strVal val="visible"/>
+                                      </p:to>
+                                    </p:set>
+                                    <p:animEffect transition="in" filter="fade">
+                                      <p:cBhvr>
+                                        <p:cTn id="16" dur="1000"/>
+                                        <p:tgtEl>
+                                          <p:spTgt spid="5"/>
+                                        </p:tgtEl>
+                                      </p:cBhvr>
+                                    </p:animEffect>
+                                    <p:anim calcmode="lin" valueType="num">
+                                      <p:cBhvr>
+                                        <p:cTn id="17" dur="1000" fill="hold"/>
+                                        <p:tgtEl>
+                                          <p:spTgt spid="5"/>
+                                        </p:tgtEl>
+                                        <p:attrNameLst>
+                                          <p:attrName>ppt_x</p:attrName>
+                                        </p:attrNameLst>
+                                      </p:cBhvr>
+                                      <p:tavLst>
+                                        <p:tav tm="0">
+                                          <p:val>
+                                            <p:strVal val="#ppt_x"/>
+                                          </p:val>
+                                        </p:tav>
+                                        <p:tav tm="100000">
+                                          <p:val>
+                                            <p:strVal val="#ppt_x"/>
+                                          </p:val>
+                                        </p:tav>
+                                      </p:tavLst>
+                                    </p:anim>
+                                    <p:anim calcmode="lin" valueType="num">
+                                      <p:cBhvr>
+                                        <p:cTn id="18" dur="1000" fill="hold"/>
+                                        <p:tgtEl>
+                                          <p:spTgt spid="5"/>
+                                        </p:tgtEl>
+                                        <p:attrNameLst>
+                                          <p:attrName>ppt_y</p:attrName>
+                                        </p:attrNameLst>
+                                      </p:cBhvr>
+                                      <p:tavLst>
+                                        <p:tav tm="0">
+                                          <p:val>
+                                            <p:strVal val="#ppt_y+.1"/>
+                                          </p:val>
+                                        </p:tav>
+                                        <p:tav tm="100000">
+                                          <p:val>
+                                            <p:strVal val="#ppt_y"/>
+                                          </p:val>
+                                        </p:tav>
+                                      </p:tavLst>
+                                    </p:anim>
+                                  </p:childTnLst>
+                                </p:cTn>
+                              </p:par>
+                            </p:childTnLst>
+                          </p:cTn>
+                        </p:par>
+                      </p:childTnLst>
+                    </p:cTn>
+                  </p:par>
+                  <p:par>
+                    <p:cTn id="19" fill="hold">
+                      <p:stCondLst>
+                        <p:cond delay="indefinite"/>
+                      </p:stCondLst>
+                      <p:childTnLst>
+                        <p:par>
+                          <p:cTn id="20" fill="hold">
+                            <p:stCondLst>
+                              <p:cond delay="0"/>
+                            </p:stCondLst>
+                            <p:childTnLst>
+                              <p:par>
+                                <p:cTn id="21" presetID="10" presetClass="entr" presetSubtype="0" fill="hold" grpId="0" nodeType="clickEffect">
+                                  <p:stCondLst>
+                                    <p:cond delay="0"/>
+                                  </p:stCondLst>
+                                  <p:childTnLst>
+                                    <p:set>
+                                      <p:cBhvr>
+                                        <p:cTn id="22" dur="1" fill="hold">
+                                          <p:stCondLst>
+                                            <p:cond delay="0"/>
+                                          </p:stCondLst>
+                                        </p:cTn>
+                                        <p:tgtEl>
+                                          <p:spTgt spid="6"/>
+                                        </p:tgtEl>
+                                        <p:attrNameLst>
+                                          <p:attrName>style.visibility</p:attrName>
+                                        </p:attrNameLst>
+                                      </p:cBhvr>
+                                      <p:to>
+                                        <p:strVal val="visible"/>
+                                      </p:to>
+                                    </p:set>
+                                    <p:animEffect transition="in" filter="fade">
+                                      <p:cBhvr>
+                                        <p:cTn id="23" dur="500"/>
+                                        <p:tgtEl>
+                                          <p:spTgt spid="6"/>
+                                        </p:tgtEl>
+                                      </p:cBhvr>
+                                    </p:animEffect>
+                                  </p:childTnLst>
+                                </p:cTn>
+                              </p:par>
+                              <p:par>
+                                <p:cTn id="24" presetID="10" presetClass="entr" presetSubtype="0" fill="hold" grpId="0" nodeType="withEffect">
+                                  <p:stCondLst>
+                                    <p:cond delay="0"/>
+                                  </p:stCondLst>
+                                  <p:childTnLst>
+                                    <p:set>
+                                      <p:cBhvr>
+                                        <p:cTn id="25" dur="1" fill="hold">
+                                          <p:stCondLst>
+                                            <p:cond delay="0"/>
+                                          </p:stCondLst>
+                                        </p:cTn>
+                                        <p:tgtEl>
+                                          <p:spTgt spid="7"/>
+                                        </p:tgtEl>
+                                        <p:attrNameLst>
+                                          <p:attrName>style.visibility</p:attrName>
+                                        </p:attrNameLst>
+                                      </p:cBhvr>
+                                      <p:to>
+                                        <p:strVal val="visible"/>
+                                      </p:to>
+                                    </p:set>
+                                    <p:animEffect transition="in" filter="fade">
+                                      <p:cBhvr>
+                                        <p:cTn id="26" dur="500"/>
+                                        <p:tgtEl>
+                                          <p:spTgt spid="7"/>
+                                        </p:tgtEl>
+                                      </p:cBhvr>
+                                    </p:animEffect>
+                                  </p:childTnLst>
+                                </p:cTn>
+                              </p:par>
+                              <p:par>
+                                <p:cTn id="27" presetID="10" presetClass="entr" presetSubtype="0" fill="hold" grpId="0" nodeType="withEffect">
+                                  <p:stCondLst>
+                                    <p:cond delay="0"/>
+                                  </p:stCondLst>
+                                  <p:childTnLst>
+                                    <p:set>
+                                      <p:cBhvr>
+                                        <p:cTn id="28" dur="1" fill="hold">
+                                          <p:stCondLst>
+                                            <p:cond delay="0"/>
+                                          </p:stCondLst>
+                                        </p:cTn>
+                                        <p:tgtEl>
+                                          <p:spTgt spid="8"/>
+                                        </p:tgtEl>
+                                        <p:attrNameLst>
+                                          <p:attrName>style.visibility</p:attrName>
+                                        </p:attrNameLst>
+                                      </p:cBhvr>
+                                      <p:to>
+                                        <p:strVal val="visible"/>
+                                      </p:to>
+                                    </p:set>
+                                    <p:animEffect transition="in" filter="fade">
+                                      <p:cBhvr>
+                                        <p:cTn id="29" dur="500"/>
+                                        <p:tgtEl>
+                                          <p:spTgt spid="8"/>
+                                        </p:tgtEl>
+                                      </p:cBhvr>
+                                    </p:animEffect>
+                                  </p:childTnLst>
+                                </p:cTn>
+                              </p:par>
+                            </p:childTnLst>
+                          </p:cTn>
+                        </p:par>
+                      </p:childTnLst>
+                    </p:cTn>
+                  </p:par>
+                </p:childTnLst>
+              </p:cTn>
+              <p:prevCondLst>
+                <p:cond evt="onPrev" delay="0">
+                  <p:tgtEl>
+                    <p:sldTgt/>
+                  </p:tgtEl>
+                </p:cond>
+              </p:prevCondLst>
+              <p:nextCondLst>
+                <p:cond evt="onNext" delay="0">
+                  <p:tgtEl>
+                    <p:sldTgt/>
+                  </p:tgtEl>
+                </p:cond>
+              </p:nextCondLst>
+            </p:seq>
+          </p:childTnLst>
+        </p:cTn>
+      </p:par>
+    </p:tnLst>
+    <p:bldLst>
+      <p:bldP spid="5" grpId="0"/>
+      <p:bldP spid="6" grpId="0"/>
+      <p:bldP spid="7" grpId="0"/>
+      <p:bldP spid="8" grpId="0"/>
+    </p:bldLst>
+  </p:timing>
+</p:sld>
+</file>
+
+<file path=ppt/slides/slide35.xml><?xml version="1.0" encoding="utf-8"?>
+<p:sld xmlns:a="http://schemas.openxmlformats.org/drawingml/2006/main" xmlns:r="http://schemas.openxmlformats.org/officeDocument/2006/relationships" xmlns:p="http://schemas.openxmlformats.org/presentationml/2006/main">
+  <p:cSld>
+    <p:bg>
+      <p:bgPr>
+        <a:solidFill>
+          <a:schemeClr val="bg2">
+            <a:lumMod val="10000"/>
+          </a:schemeClr>
+        </a:solidFill>
+        <a:effectLst/>
+      </p:bgPr>
+    </p:bg>
+    <p:spTree>
+      <p:nvGrpSpPr>
+        <p:cNvPr id="1" name=""/>
+        <p:cNvGrpSpPr/>
+        <p:nvPr/>
+      </p:nvGrpSpPr>
+      <p:grpSpPr>
+        <a:xfrm>
+          <a:off x="0" y="0"/>
+          <a:ext cx="0" cy="0"/>
+          <a:chOff x="0" y="0"/>
+          <a:chExt cx="0" cy="0"/>
+        </a:xfrm>
+      </p:grpSpPr>
+      <p:sp>
+        <p:nvSpPr>
+          <p:cNvPr id="2" name="ZoneTexte 1">
+            <a:extLst>
+              <a:ext uri="{FF2B5EF4-FFF2-40B4-BE49-F238E27FC236}">
+                <a16:creationId xmlns:a16="http://schemas.microsoft.com/office/drawing/2014/main" id="{7DBF5EA0-385E-217E-3DAF-86D4DE21AAF3}"/>
+              </a:ext>
+            </a:extLst>
+          </p:cNvPr>
+          <p:cNvSpPr txBox="1"/>
+          <p:nvPr/>
+        </p:nvSpPr>
+        <p:spPr>
+          <a:xfrm>
+            <a:off x="2526891" y="2721114"/>
+            <a:ext cx="7865806" cy="707886"/>
+          </a:xfrm>
+          <a:prstGeom prst="rect">
+            <a:avLst/>
+          </a:prstGeom>
+          <a:noFill/>
+        </p:spPr>
+        <p:txBody>
+          <a:bodyPr wrap="square" rtlCol="0">
+            <a:spAutoFit/>
+          </a:bodyPr>
+          <a:lstStyle/>
+          <a:p>
+            <a:r>
+              <a:rPr lang="fr-FR" sz="4000" b="1" dirty="0">
+                <a:solidFill>
+                  <a:schemeClr val="bg1"/>
+                </a:solidFill>
+                <a:latin typeface="Microsoft JhengHei Light" panose="020B0304030504040204" pitchFamily="34" charset="-120"/>
+                <a:ea typeface="Microsoft JhengHei Light" panose="020B0304030504040204" pitchFamily="34" charset="-120"/>
+              </a:rPr>
+              <a:t>Chapitre 4 : </a:t>
+            </a:r>
+            <a:r>
+              <a:rPr lang="fr-FR" sz="4000" dirty="0">
+                <a:solidFill>
+                  <a:schemeClr val="bg1"/>
+                </a:solidFill>
+                <a:latin typeface="Microsoft JhengHei Light" panose="020B0304030504040204" pitchFamily="34" charset="-120"/>
+                <a:ea typeface="Microsoft JhengHei Light" panose="020B0304030504040204" pitchFamily="34" charset="-120"/>
+              </a:rPr>
+              <a:t>Les tests dynamiques</a:t>
+            </a:r>
+            <a:endParaRPr lang="fr-FR" sz="4000" b="1" dirty="0">
+              <a:solidFill>
+                <a:schemeClr val="bg1"/>
+              </a:solidFill>
+              <a:latin typeface="Microsoft JhengHei Light" panose="020B0304030504040204" pitchFamily="34" charset="-120"/>
+              <a:ea typeface="Microsoft JhengHei Light" panose="020B0304030504040204" pitchFamily="34" charset="-120"/>
+            </a:endParaRPr>
+          </a:p>
+        </p:txBody>
+      </p:sp>
+      <p:cxnSp>
+        <p:nvCxnSpPr>
+          <p:cNvPr id="4" name="Connecteur droit 3">
+            <a:extLst>
+              <a:ext uri="{FF2B5EF4-FFF2-40B4-BE49-F238E27FC236}">
+                <a16:creationId xmlns:a16="http://schemas.microsoft.com/office/drawing/2014/main" id="{A9450B05-A9BF-29AD-1B27-ADDBC86A14C2}"/>
+              </a:ext>
+            </a:extLst>
+          </p:cNvPr>
+          <p:cNvCxnSpPr>
+            <a:cxnSpLocks/>
+          </p:cNvCxnSpPr>
+          <p:nvPr/>
+        </p:nvCxnSpPr>
+        <p:spPr>
+          <a:xfrm>
+            <a:off x="2644878" y="3529781"/>
+            <a:ext cx="7678993" cy="0"/>
+          </a:xfrm>
+          <a:prstGeom prst="line">
+            <a:avLst/>
+          </a:prstGeom>
+          <a:ln w="76200">
+            <a:solidFill>
+              <a:srgbClr val="FF0000"/>
+            </a:solidFill>
+          </a:ln>
+        </p:spPr>
+        <p:style>
+          <a:lnRef idx="1">
+            <a:schemeClr val="accent1"/>
+          </a:lnRef>
+          <a:fillRef idx="0">
+            <a:schemeClr val="accent1"/>
+          </a:fillRef>
+          <a:effectRef idx="0">
+            <a:schemeClr val="accent1"/>
+          </a:effectRef>
+          <a:fontRef idx="minor">
+            <a:schemeClr val="tx1"/>
+          </a:fontRef>
+        </p:style>
+      </p:cxnSp>
+    </p:spTree>
+    <p:extLst>
+      <p:ext uri="{BB962C8B-B14F-4D97-AF65-F5344CB8AC3E}">
+        <p14:creationId xmlns:p14="http://schemas.microsoft.com/office/powerpoint/2010/main" val="3424060357"/>
+      </p:ext>
+    </p:extLst>
+  </p:cSld>
+  <p:clrMapOvr>
+    <a:masterClrMapping/>
+  </p:clrMapOvr>
+  <p:timing>
+    <p:tnLst>
+      <p:par>
+        <p:cTn id="1" dur="indefinite" restart="never" nodeType="tmRoot">
+          <p:childTnLst>
+            <p:seq concurrent="1" nextAc="seek">
+              <p:cTn id="2" dur="indefinite" nodeType="mainSeq">
+                <p:childTnLst>
+                  <p:par>
+                    <p:cTn id="3" fill="hold">
+                      <p:stCondLst>
+                        <p:cond delay="indefinite"/>
+                      </p:stCondLst>
+                      <p:childTnLst>
+                        <p:par>
+                          <p:cTn id="4" fill="hold">
+                            <p:stCondLst>
+                              <p:cond delay="0"/>
+                            </p:stCondLst>
+                            <p:childTnLst>
+                              <p:par>
+                                <p:cTn id="5" presetID="42" presetClass="entr" presetSubtype="0" fill="hold" grpId="0" nodeType="clickEffect">
+                                  <p:stCondLst>
+                                    <p:cond delay="0"/>
+                                  </p:stCondLst>
+                                  <p:childTnLst>
+                                    <p:set>
+                                      <p:cBhvr>
+                                        <p:cTn id="6" dur="1" fill="hold">
+                                          <p:stCondLst>
+                                            <p:cond delay="0"/>
+                                          </p:stCondLst>
+                                        </p:cTn>
+                                        <p:tgtEl>
+                                          <p:spTgt spid="2"/>
+                                        </p:tgtEl>
+                                        <p:attrNameLst>
+                                          <p:attrName>style.visibility</p:attrName>
+                                        </p:attrNameLst>
+                                      </p:cBhvr>
+                                      <p:to>
+                                        <p:strVal val="visible"/>
+                                      </p:to>
+                                    </p:set>
+                                    <p:animEffect transition="in" filter="fade">
+                                      <p:cBhvr>
+                                        <p:cTn id="7" dur="1000"/>
+                                        <p:tgtEl>
+                                          <p:spTgt spid="2"/>
+                                        </p:tgtEl>
+                                      </p:cBhvr>
+                                    </p:animEffect>
+                                    <p:anim calcmode="lin" valueType="num">
+                                      <p:cBhvr>
+                                        <p:cTn id="8" dur="1000" fill="hold"/>
+                                        <p:tgtEl>
+                                          <p:spTgt spid="2"/>
+                                        </p:tgtEl>
+                                        <p:attrNameLst>
+                                          <p:attrName>ppt_x</p:attrName>
+                                        </p:attrNameLst>
+                                      </p:cBhvr>
+                                      <p:tavLst>
+                                        <p:tav tm="0">
+                                          <p:val>
+                                            <p:strVal val="#ppt_x"/>
+                                          </p:val>
+                                        </p:tav>
+                                        <p:tav tm="100000">
+                                          <p:val>
+                                            <p:strVal val="#ppt_x"/>
+                                          </p:val>
+                                        </p:tav>
+                                      </p:tavLst>
+                                    </p:anim>
+                                    <p:anim calcmode="lin" valueType="num">
+                                      <p:cBhvr>
+                                        <p:cTn id="9" dur="1000" fill="hold"/>
+                                        <p:tgtEl>
+                                          <p:spTgt spid="2"/>
+                                        </p:tgtEl>
+                                        <p:attrNameLst>
+                                          <p:attrName>ppt_y</p:attrName>
+                                        </p:attrNameLst>
+                                      </p:cBhvr>
+                                      <p:tavLst>
+                                        <p:tav tm="0">
+                                          <p:val>
+                                            <p:strVal val="#ppt_y+.1"/>
+                                          </p:val>
+                                        </p:tav>
+                                        <p:tav tm="100000">
+                                          <p:val>
+                                            <p:strVal val="#ppt_y"/>
+                                          </p:val>
+                                        </p:tav>
+                                      </p:tavLst>
+                                    </p:anim>
+                                  </p:childTnLst>
+                                </p:cTn>
+                              </p:par>
+                            </p:childTnLst>
+                          </p:cTn>
+                        </p:par>
+                      </p:childTnLst>
+                    </p:cTn>
+                  </p:par>
+                  <p:par>
+                    <p:cTn id="10" fill="hold">
+                      <p:stCondLst>
+                        <p:cond delay="indefinite"/>
+                      </p:stCondLst>
+                      <p:childTnLst>
+                        <p:par>
+                          <p:cTn id="11" fill="hold">
+                            <p:stCondLst>
+                              <p:cond delay="0"/>
+                            </p:stCondLst>
+                            <p:childTnLst>
+                              <p:par>
+                                <p:cTn id="12" presetID="22" presetClass="entr" presetSubtype="8" fill="hold" nodeType="clickEffect">
+                                  <p:stCondLst>
+                                    <p:cond delay="0"/>
+                                  </p:stCondLst>
+                                  <p:childTnLst>
+                                    <p:set>
+                                      <p:cBhvr>
+                                        <p:cTn id="13" dur="1" fill="hold">
+                                          <p:stCondLst>
+                                            <p:cond delay="0"/>
+                                          </p:stCondLst>
+                                        </p:cTn>
+                                        <p:tgtEl>
+                                          <p:spTgt spid="4"/>
+                                        </p:tgtEl>
+                                        <p:attrNameLst>
+                                          <p:attrName>style.visibility</p:attrName>
+                                        </p:attrNameLst>
+                                      </p:cBhvr>
+                                      <p:to>
+                                        <p:strVal val="visible"/>
+                                      </p:to>
+                                    </p:set>
+                                    <p:animEffect transition="in" filter="wipe(left)">
+                                      <p:cBhvr>
+                                        <p:cTn id="14" dur="500"/>
+                                        <p:tgtEl>
+                                          <p:spTgt spid="4"/>
+                                        </p:tgtEl>
+                                      </p:cBhvr>
+                                    </p:animEffect>
+                                  </p:childTnLst>
+                                </p:cTn>
+                              </p:par>
+                            </p:childTnLst>
+                          </p:cTn>
+                        </p:par>
+                      </p:childTnLst>
+                    </p:cTn>
+                  </p:par>
+                </p:childTnLst>
+              </p:cTn>
+              <p:prevCondLst>
+                <p:cond evt="onPrev" delay="0">
+                  <p:tgtEl>
+                    <p:sldTgt/>
+                  </p:tgtEl>
+                </p:cond>
+              </p:prevCondLst>
+              <p:nextCondLst>
+                <p:cond evt="onNext" delay="0">
+                  <p:tgtEl>
+                    <p:sldTgt/>
+                  </p:tgtEl>
+                </p:cond>
+              </p:nextCondLst>
+            </p:seq>
+          </p:childTnLst>
+        </p:cTn>
+      </p:par>
+    </p:tnLst>
+    <p:bldLst>
+      <p:bldP spid="2" grpId="0"/>
+    </p:bldLst>
+  </p:timing>
 </p:sld>
 </file>
 

--- a/TRAVAUX/powerpointRevisionISTQB.pptx
+++ b/TRAVAUX/powerpointRevisionISTQB.pptx
@@ -39,7 +39,9 @@
     <p:sldId id="297" r:id="rId33"/>
     <p:sldId id="298" r:id="rId34"/>
     <p:sldId id="299" r:id="rId35"/>
-    <p:sldId id="300" r:id="rId36"/>
+    <p:sldId id="302" r:id="rId36"/>
+    <p:sldId id="300" r:id="rId37"/>
+    <p:sldId id="301" r:id="rId38"/>
   </p:sldIdLst>
   <p:sldSz cx="12192000" cy="6858000"/>
   <p:notesSz cx="6858000" cy="9144000"/>
@@ -304,7 +306,7 @@
           <a:p>
             <a:fld id="{95064FEC-2A3E-4BEE-8A13-D371E2A14C5E}" type="datetimeFigureOut">
               <a:rPr lang="fr-FR" smtClean="0"/>
-              <a:t>28/06/2023</a:t>
+              <a:t>29/06/2023</a:t>
             </a:fld>
             <a:endParaRPr lang="fr-FR"/>
           </a:p>
@@ -502,7 +504,7 @@
           <a:p>
             <a:fld id="{95064FEC-2A3E-4BEE-8A13-D371E2A14C5E}" type="datetimeFigureOut">
               <a:rPr lang="fr-FR" smtClean="0"/>
-              <a:t>28/06/2023</a:t>
+              <a:t>29/06/2023</a:t>
             </a:fld>
             <a:endParaRPr lang="fr-FR"/>
           </a:p>
@@ -710,7 +712,7 @@
           <a:p>
             <a:fld id="{95064FEC-2A3E-4BEE-8A13-D371E2A14C5E}" type="datetimeFigureOut">
               <a:rPr lang="fr-FR" smtClean="0"/>
-              <a:t>28/06/2023</a:t>
+              <a:t>29/06/2023</a:t>
             </a:fld>
             <a:endParaRPr lang="fr-FR"/>
           </a:p>
@@ -908,7 +910,7 @@
           <a:p>
             <a:fld id="{95064FEC-2A3E-4BEE-8A13-D371E2A14C5E}" type="datetimeFigureOut">
               <a:rPr lang="fr-FR" smtClean="0"/>
-              <a:t>28/06/2023</a:t>
+              <a:t>29/06/2023</a:t>
             </a:fld>
             <a:endParaRPr lang="fr-FR"/>
           </a:p>
@@ -1183,7 +1185,7 @@
           <a:p>
             <a:fld id="{95064FEC-2A3E-4BEE-8A13-D371E2A14C5E}" type="datetimeFigureOut">
               <a:rPr lang="fr-FR" smtClean="0"/>
-              <a:t>28/06/2023</a:t>
+              <a:t>29/06/2023</a:t>
             </a:fld>
             <a:endParaRPr lang="fr-FR"/>
           </a:p>
@@ -1448,7 +1450,7 @@
           <a:p>
             <a:fld id="{95064FEC-2A3E-4BEE-8A13-D371E2A14C5E}" type="datetimeFigureOut">
               <a:rPr lang="fr-FR" smtClean="0"/>
-              <a:t>28/06/2023</a:t>
+              <a:t>29/06/2023</a:t>
             </a:fld>
             <a:endParaRPr lang="fr-FR"/>
           </a:p>
@@ -1860,7 +1862,7 @@
           <a:p>
             <a:fld id="{95064FEC-2A3E-4BEE-8A13-D371E2A14C5E}" type="datetimeFigureOut">
               <a:rPr lang="fr-FR" smtClean="0"/>
-              <a:t>28/06/2023</a:t>
+              <a:t>29/06/2023</a:t>
             </a:fld>
             <a:endParaRPr lang="fr-FR"/>
           </a:p>
@@ -2001,7 +2003,7 @@
           <a:p>
             <a:fld id="{95064FEC-2A3E-4BEE-8A13-D371E2A14C5E}" type="datetimeFigureOut">
               <a:rPr lang="fr-FR" smtClean="0"/>
-              <a:t>28/06/2023</a:t>
+              <a:t>29/06/2023</a:t>
             </a:fld>
             <a:endParaRPr lang="fr-FR"/>
           </a:p>
@@ -2114,7 +2116,7 @@
           <a:p>
             <a:fld id="{95064FEC-2A3E-4BEE-8A13-D371E2A14C5E}" type="datetimeFigureOut">
               <a:rPr lang="fr-FR" smtClean="0"/>
-              <a:t>28/06/2023</a:t>
+              <a:t>29/06/2023</a:t>
             </a:fld>
             <a:endParaRPr lang="fr-FR"/>
           </a:p>
@@ -2425,7 +2427,7 @@
           <a:p>
             <a:fld id="{95064FEC-2A3E-4BEE-8A13-D371E2A14C5E}" type="datetimeFigureOut">
               <a:rPr lang="fr-FR" smtClean="0"/>
-              <a:t>28/06/2023</a:t>
+              <a:t>29/06/2023</a:t>
             </a:fld>
             <a:endParaRPr lang="fr-FR"/>
           </a:p>
@@ -2713,7 +2715,7 @@
           <a:p>
             <a:fld id="{95064FEC-2A3E-4BEE-8A13-D371E2A14C5E}" type="datetimeFigureOut">
               <a:rPr lang="fr-FR" smtClean="0"/>
-              <a:t>28/06/2023</a:t>
+              <a:t>29/06/2023</a:t>
             </a:fld>
             <a:endParaRPr lang="fr-FR"/>
           </a:p>
@@ -2954,7 +2956,7 @@
           <a:p>
             <a:fld id="{95064FEC-2A3E-4BEE-8A13-D371E2A14C5E}" type="datetimeFigureOut">
               <a:rPr lang="fr-FR" smtClean="0"/>
-              <a:t>28/06/2023</a:t>
+              <a:t>29/06/2023</a:t>
             </a:fld>
             <a:endParaRPr lang="fr-FR"/>
           </a:p>
@@ -6753,15 +6755,33 @@
                                   </p:childTnLst>
                                 </p:cTn>
                               </p:par>
+                            </p:childTnLst>
+                          </p:cTn>
+                        </p:par>
+                      </p:childTnLst>
+                    </p:cTn>
+                  </p:par>
+                  <p:par>
+                    <p:cTn id="19" fill="hold">
+                      <p:stCondLst>
+                        <p:cond delay="indefinite"/>
+                      </p:stCondLst>
+                      <p:childTnLst>
+                        <p:par>
+                          <p:cTn id="20" fill="hold">
+                            <p:stCondLst>
+                              <p:cond delay="0"/>
+                            </p:stCondLst>
+                            <p:childTnLst>
                               <p:par>
-                                <p:cTn id="19" presetID="10" presetClass="entr" presetSubtype="0" fill="hold" grpId="0" nodeType="withEffect">
+                                <p:cTn id="21" presetID="10" presetClass="entr" presetSubtype="0" fill="hold" grpId="0" nodeType="clickEffect">
                                   <p:stCondLst>
                                     <p:cond delay="0"/>
                                   </p:stCondLst>
                                   <p:childTnLst>
                                     <p:set>
                                       <p:cBhvr>
-                                        <p:cTn id="20" dur="1" fill="hold">
+                                        <p:cTn id="22" dur="1" fill="hold">
                                           <p:stCondLst>
                                             <p:cond delay="0"/>
                                           </p:stCondLst>
@@ -6779,7 +6799,7 @@
                                     </p:set>
                                     <p:animEffect transition="in" filter="fade">
                                       <p:cBhvr>
-                                        <p:cTn id="21" dur="500"/>
+                                        <p:cTn id="23" dur="500"/>
                                         <p:tgtEl>
                                           <p:spTgt spid="7"/>
                                         </p:tgtEl>
@@ -7312,15 +7332,33 @@
                                   </p:childTnLst>
                                 </p:cTn>
                               </p:par>
+                            </p:childTnLst>
+                          </p:cTn>
+                        </p:par>
+                      </p:childTnLst>
+                    </p:cTn>
+                  </p:par>
+                  <p:par>
+                    <p:cTn id="19" fill="hold">
+                      <p:stCondLst>
+                        <p:cond delay="indefinite"/>
+                      </p:stCondLst>
+                      <p:childTnLst>
+                        <p:par>
+                          <p:cTn id="20" fill="hold">
+                            <p:stCondLst>
+                              <p:cond delay="0"/>
+                            </p:stCondLst>
+                            <p:childTnLst>
                               <p:par>
-                                <p:cTn id="19" presetID="10" presetClass="entr" presetSubtype="0" fill="hold" grpId="0" nodeType="withEffect">
+                                <p:cTn id="21" presetID="10" presetClass="entr" presetSubtype="0" fill="hold" grpId="0" nodeType="clickEffect">
                                   <p:stCondLst>
                                     <p:cond delay="0"/>
                                   </p:stCondLst>
                                   <p:childTnLst>
                                     <p:set>
                                       <p:cBhvr>
-                                        <p:cTn id="20" dur="1" fill="hold">
+                                        <p:cTn id="22" dur="1" fill="hold">
                                           <p:stCondLst>
                                             <p:cond delay="0"/>
                                           </p:stCondLst>
@@ -7338,7 +7376,7 @@
                                     </p:set>
                                     <p:animEffect transition="in" filter="fade">
                                       <p:cBhvr>
-                                        <p:cTn id="21" dur="500"/>
+                                        <p:cTn id="23" dur="500"/>
                                         <p:tgtEl>
                                           <p:spTgt spid="7"/>
                                         </p:tgtEl>
@@ -7848,15 +7886,33 @@
                                   </p:childTnLst>
                                 </p:cTn>
                               </p:par>
+                            </p:childTnLst>
+                          </p:cTn>
+                        </p:par>
+                      </p:childTnLst>
+                    </p:cTn>
+                  </p:par>
+                  <p:par>
+                    <p:cTn id="19" fill="hold">
+                      <p:stCondLst>
+                        <p:cond delay="indefinite"/>
+                      </p:stCondLst>
+                      <p:childTnLst>
+                        <p:par>
+                          <p:cTn id="20" fill="hold">
+                            <p:stCondLst>
+                              <p:cond delay="0"/>
+                            </p:stCondLst>
+                            <p:childTnLst>
                               <p:par>
-                                <p:cTn id="19" presetID="10" presetClass="entr" presetSubtype="0" fill="hold" grpId="0" nodeType="withEffect">
+                                <p:cTn id="21" presetID="10" presetClass="entr" presetSubtype="0" fill="hold" grpId="0" nodeType="clickEffect">
                                   <p:stCondLst>
                                     <p:cond delay="0"/>
                                   </p:stCondLst>
                                   <p:childTnLst>
                                     <p:set>
                                       <p:cBhvr>
-                                        <p:cTn id="20" dur="1" fill="hold">
+                                        <p:cTn id="22" dur="1" fill="hold">
                                           <p:stCondLst>
                                             <p:cond delay="0"/>
                                           </p:stCondLst>
@@ -7874,7 +7930,7 @@
                                     </p:set>
                                     <p:animEffect transition="in" filter="fade">
                                       <p:cBhvr>
-                                        <p:cTn id="21" dur="500"/>
+                                        <p:cTn id="23" dur="500"/>
                                         <p:tgtEl>
                                           <p:spTgt spid="7"/>
                                         </p:tgtEl>
@@ -8403,15 +8459,33 @@
                                   </p:childTnLst>
                                 </p:cTn>
                               </p:par>
+                            </p:childTnLst>
+                          </p:cTn>
+                        </p:par>
+                      </p:childTnLst>
+                    </p:cTn>
+                  </p:par>
+                  <p:par>
+                    <p:cTn id="19" fill="hold">
+                      <p:stCondLst>
+                        <p:cond delay="indefinite"/>
+                      </p:stCondLst>
+                      <p:childTnLst>
+                        <p:par>
+                          <p:cTn id="20" fill="hold">
+                            <p:stCondLst>
+                              <p:cond delay="0"/>
+                            </p:stCondLst>
+                            <p:childTnLst>
                               <p:par>
-                                <p:cTn id="19" presetID="10" presetClass="entr" presetSubtype="0" fill="hold" grpId="0" nodeType="withEffect">
+                                <p:cTn id="21" presetID="10" presetClass="entr" presetSubtype="0" fill="hold" grpId="0" nodeType="clickEffect">
                                   <p:stCondLst>
                                     <p:cond delay="0"/>
                                   </p:stCondLst>
                                   <p:childTnLst>
                                     <p:set>
                                       <p:cBhvr>
-                                        <p:cTn id="20" dur="1" fill="hold">
+                                        <p:cTn id="22" dur="1" fill="hold">
                                           <p:stCondLst>
                                             <p:cond delay="0"/>
                                           </p:stCondLst>
@@ -8429,7 +8503,7 @@
                                     </p:set>
                                     <p:animEffect transition="in" filter="fade">
                                       <p:cBhvr>
-                                        <p:cTn id="21" dur="500"/>
+                                        <p:cTn id="23" dur="500"/>
                                         <p:tgtEl>
                                           <p:spTgt spid="7"/>
                                         </p:tgtEl>
@@ -8439,14 +8513,14 @@
                                 </p:cTn>
                               </p:par>
                               <p:par>
-                                <p:cTn id="22" presetID="10" presetClass="entr" presetSubtype="0" fill="hold" grpId="0" nodeType="withEffect">
+                                <p:cTn id="24" presetID="10" presetClass="entr" presetSubtype="0" fill="hold" grpId="0" nodeType="withEffect">
                                   <p:stCondLst>
                                     <p:cond delay="0"/>
                                   </p:stCondLst>
                                   <p:childTnLst>
                                     <p:set>
                                       <p:cBhvr>
-                                        <p:cTn id="23" dur="1" fill="hold">
+                                        <p:cTn id="25" dur="1" fill="hold">
                                           <p:stCondLst>
                                             <p:cond delay="0"/>
                                           </p:stCondLst>
@@ -8464,7 +8538,7 @@
                                     </p:set>
                                     <p:animEffect transition="in" filter="fade">
                                       <p:cBhvr>
-                                        <p:cTn id="24" dur="500"/>
+                                        <p:cTn id="26" dur="500"/>
                                         <p:tgtEl>
                                           <p:spTgt spid="8"/>
                                         </p:tgtEl>
@@ -8972,15 +9046,33 @@
                                   </p:childTnLst>
                                 </p:cTn>
                               </p:par>
+                            </p:childTnLst>
+                          </p:cTn>
+                        </p:par>
+                      </p:childTnLst>
+                    </p:cTn>
+                  </p:par>
+                  <p:par>
+                    <p:cTn id="19" fill="hold">
+                      <p:stCondLst>
+                        <p:cond delay="indefinite"/>
+                      </p:stCondLst>
+                      <p:childTnLst>
+                        <p:par>
+                          <p:cTn id="20" fill="hold">
+                            <p:stCondLst>
+                              <p:cond delay="0"/>
+                            </p:stCondLst>
+                            <p:childTnLst>
                               <p:par>
-                                <p:cTn id="19" presetID="10" presetClass="entr" presetSubtype="0" fill="hold" grpId="0" nodeType="withEffect">
+                                <p:cTn id="21" presetID="10" presetClass="entr" presetSubtype="0" fill="hold" grpId="0" nodeType="clickEffect">
                                   <p:stCondLst>
                                     <p:cond delay="0"/>
                                   </p:stCondLst>
                                   <p:childTnLst>
                                     <p:set>
                                       <p:cBhvr>
-                                        <p:cTn id="20" dur="1" fill="hold">
+                                        <p:cTn id="22" dur="1" fill="hold">
                                           <p:stCondLst>
                                             <p:cond delay="0"/>
                                           </p:stCondLst>
@@ -8998,7 +9090,7 @@
                                     </p:set>
                                     <p:animEffect transition="in" filter="fade">
                                       <p:cBhvr>
-                                        <p:cTn id="21" dur="500"/>
+                                        <p:cTn id="23" dur="500"/>
                                         <p:tgtEl>
                                           <p:spTgt spid="7"/>
                                         </p:tgtEl>
@@ -9008,14 +9100,14 @@
                                 </p:cTn>
                               </p:par>
                               <p:par>
-                                <p:cTn id="22" presetID="10" presetClass="entr" presetSubtype="0" fill="hold" grpId="0" nodeType="withEffect">
+                                <p:cTn id="24" presetID="10" presetClass="entr" presetSubtype="0" fill="hold" grpId="0" nodeType="withEffect">
                                   <p:stCondLst>
                                     <p:cond delay="0"/>
                                   </p:stCondLst>
                                   <p:childTnLst>
                                     <p:set>
                                       <p:cBhvr>
-                                        <p:cTn id="23" dur="1" fill="hold">
+                                        <p:cTn id="25" dur="1" fill="hold">
                                           <p:stCondLst>
                                             <p:cond delay="0"/>
                                           </p:stCondLst>
@@ -9033,7 +9125,7 @@
                                     </p:set>
                                     <p:animEffect transition="in" filter="fade">
                                       <p:cBhvr>
-                                        <p:cTn id="24" dur="500"/>
+                                        <p:cTn id="26" dur="500"/>
                                         <p:tgtEl>
                                           <p:spTgt spid="8"/>
                                         </p:tgtEl>
@@ -9563,15 +9655,33 @@
                                   </p:childTnLst>
                                 </p:cTn>
                               </p:par>
+                            </p:childTnLst>
+                          </p:cTn>
+                        </p:par>
+                      </p:childTnLst>
+                    </p:cTn>
+                  </p:par>
+                  <p:par>
+                    <p:cTn id="19" fill="hold">
+                      <p:stCondLst>
+                        <p:cond delay="indefinite"/>
+                      </p:stCondLst>
+                      <p:childTnLst>
+                        <p:par>
+                          <p:cTn id="20" fill="hold">
+                            <p:stCondLst>
+                              <p:cond delay="0"/>
+                            </p:stCondLst>
+                            <p:childTnLst>
                               <p:par>
-                                <p:cTn id="19" presetID="10" presetClass="entr" presetSubtype="0" fill="hold" grpId="0" nodeType="withEffect">
+                                <p:cTn id="21" presetID="10" presetClass="entr" presetSubtype="0" fill="hold" grpId="0" nodeType="clickEffect">
                                   <p:stCondLst>
                                     <p:cond delay="0"/>
                                   </p:stCondLst>
                                   <p:childTnLst>
                                     <p:set>
                                       <p:cBhvr>
-                                        <p:cTn id="20" dur="1" fill="hold">
+                                        <p:cTn id="22" dur="1" fill="hold">
                                           <p:stCondLst>
                                             <p:cond delay="0"/>
                                           </p:stCondLst>
@@ -9589,7 +9699,7 @@
                                     </p:set>
                                     <p:animEffect transition="in" filter="fade">
                                       <p:cBhvr>
-                                        <p:cTn id="21" dur="500"/>
+                                        <p:cTn id="23" dur="500"/>
                                         <p:tgtEl>
                                           <p:spTgt spid="7"/>
                                         </p:tgtEl>
@@ -9599,14 +9709,14 @@
                                 </p:cTn>
                               </p:par>
                               <p:par>
-                                <p:cTn id="22" presetID="10" presetClass="entr" presetSubtype="0" fill="hold" grpId="0" nodeType="withEffect">
+                                <p:cTn id="24" presetID="10" presetClass="entr" presetSubtype="0" fill="hold" grpId="0" nodeType="withEffect">
                                   <p:stCondLst>
                                     <p:cond delay="0"/>
                                   </p:stCondLst>
                                   <p:childTnLst>
                                     <p:set>
                                       <p:cBhvr>
-                                        <p:cTn id="23" dur="1" fill="hold">
+                                        <p:cTn id="25" dur="1" fill="hold">
                                           <p:stCondLst>
                                             <p:cond delay="0"/>
                                           </p:stCondLst>
@@ -9624,7 +9734,7 @@
                                     </p:set>
                                     <p:animEffect transition="in" filter="fade">
                                       <p:cBhvr>
-                                        <p:cTn id="24" dur="500"/>
+                                        <p:cTn id="26" dur="500"/>
                                         <p:tgtEl>
                                           <p:spTgt spid="8"/>
                                         </p:tgtEl>
@@ -19900,6 +20010,772 @@
           <a:chExt cx="0" cy="0"/>
         </a:xfrm>
       </p:grpSpPr>
+      <p:cxnSp>
+        <p:nvCxnSpPr>
+          <p:cNvPr id="3" name="Connecteur droit 2">
+            <a:extLst>
+              <a:ext uri="{FF2B5EF4-FFF2-40B4-BE49-F238E27FC236}">
+                <a16:creationId xmlns:a16="http://schemas.microsoft.com/office/drawing/2014/main" id="{B104DD6C-B3AD-6473-7166-70EB83BF8F39}"/>
+              </a:ext>
+            </a:extLst>
+          </p:cNvPr>
+          <p:cNvCxnSpPr/>
+          <p:nvPr/>
+        </p:nvCxnSpPr>
+        <p:spPr>
+          <a:xfrm>
+            <a:off x="1057836" y="0"/>
+            <a:ext cx="0" cy="6858000"/>
+          </a:xfrm>
+          <a:prstGeom prst="line">
+            <a:avLst/>
+          </a:prstGeom>
+          <a:ln w="76200">
+            <a:solidFill>
+              <a:srgbClr val="FF0000"/>
+            </a:solidFill>
+          </a:ln>
+        </p:spPr>
+        <p:style>
+          <a:lnRef idx="1">
+            <a:schemeClr val="accent1"/>
+          </a:lnRef>
+          <a:fillRef idx="0">
+            <a:schemeClr val="accent1"/>
+          </a:fillRef>
+          <a:effectRef idx="0">
+            <a:schemeClr val="accent1"/>
+          </a:effectRef>
+          <a:fontRef idx="minor">
+            <a:schemeClr val="tx1"/>
+          </a:fontRef>
+        </p:style>
+      </p:cxnSp>
+      <p:cxnSp>
+        <p:nvCxnSpPr>
+          <p:cNvPr id="4" name="Connecteur droit 3">
+            <a:extLst>
+              <a:ext uri="{FF2B5EF4-FFF2-40B4-BE49-F238E27FC236}">
+                <a16:creationId xmlns:a16="http://schemas.microsoft.com/office/drawing/2014/main" id="{0E290187-5080-80DE-2156-88CB41F50DD2}"/>
+              </a:ext>
+            </a:extLst>
+          </p:cNvPr>
+          <p:cNvCxnSpPr/>
+          <p:nvPr/>
+        </p:nvCxnSpPr>
+        <p:spPr>
+          <a:xfrm>
+            <a:off x="1317813" y="0"/>
+            <a:ext cx="0" cy="6858000"/>
+          </a:xfrm>
+          <a:prstGeom prst="line">
+            <a:avLst/>
+          </a:prstGeom>
+          <a:ln w="76200">
+            <a:solidFill>
+              <a:srgbClr val="FF0000"/>
+            </a:solidFill>
+          </a:ln>
+        </p:spPr>
+        <p:style>
+          <a:lnRef idx="1">
+            <a:schemeClr val="accent1"/>
+          </a:lnRef>
+          <a:fillRef idx="0">
+            <a:schemeClr val="accent1"/>
+          </a:fillRef>
+          <a:effectRef idx="0">
+            <a:schemeClr val="accent1"/>
+          </a:effectRef>
+          <a:fontRef idx="minor">
+            <a:schemeClr val="tx1"/>
+          </a:fontRef>
+        </p:style>
+      </p:cxnSp>
+      <p:sp>
+        <p:nvSpPr>
+          <p:cNvPr id="5" name="ZoneTexte 4">
+            <a:extLst>
+              <a:ext uri="{FF2B5EF4-FFF2-40B4-BE49-F238E27FC236}">
+                <a16:creationId xmlns:a16="http://schemas.microsoft.com/office/drawing/2014/main" id="{4CAEE1AC-3826-0257-02C3-995B16BAA8C4}"/>
+              </a:ext>
+            </a:extLst>
+          </p:cNvPr>
+          <p:cNvSpPr txBox="1"/>
+          <p:nvPr/>
+        </p:nvSpPr>
+        <p:spPr>
+          <a:xfrm>
+            <a:off x="1685365" y="600635"/>
+            <a:ext cx="9511552" cy="646331"/>
+          </a:xfrm>
+          <a:prstGeom prst="rect">
+            <a:avLst/>
+          </a:prstGeom>
+          <a:noFill/>
+        </p:spPr>
+        <p:txBody>
+          <a:bodyPr wrap="square" rtlCol="0">
+            <a:spAutoFit/>
+          </a:bodyPr>
+          <a:lstStyle/>
+          <a:p>
+            <a:r>
+              <a:rPr lang="fr-FR" sz="3600" b="1" dirty="0">
+                <a:solidFill>
+                  <a:schemeClr val="bg1"/>
+                </a:solidFill>
+                <a:latin typeface="Microsoft JhengHei Light" panose="020B0304030504040204" pitchFamily="34" charset="-120"/>
+                <a:ea typeface="Microsoft JhengHei Light" panose="020B0304030504040204" pitchFamily="34" charset="-120"/>
+              </a:rPr>
+              <a:t>3.6) </a:t>
+            </a:r>
+            <a:r>
+              <a:rPr lang="fr-FR" sz="3600" b="1" u="sng" dirty="0">
+                <a:solidFill>
+                  <a:schemeClr val="bg1"/>
+                </a:solidFill>
+                <a:latin typeface="Microsoft JhengHei Light" panose="020B0304030504040204" pitchFamily="34" charset="-120"/>
+                <a:ea typeface="Microsoft JhengHei Light" panose="020B0304030504040204" pitchFamily="34" charset="-120"/>
+              </a:rPr>
+              <a:t>Les différents produits d’activités</a:t>
+            </a:r>
+            <a:r>
+              <a:rPr lang="fr-FR" sz="3600" b="1" dirty="0">
+                <a:solidFill>
+                  <a:schemeClr val="bg1"/>
+                </a:solidFill>
+                <a:latin typeface="Microsoft JhengHei Light" panose="020B0304030504040204" pitchFamily="34" charset="-120"/>
+                <a:ea typeface="Microsoft JhengHei Light" panose="020B0304030504040204" pitchFamily="34" charset="-120"/>
+              </a:rPr>
+              <a:t> :</a:t>
+            </a:r>
+          </a:p>
+        </p:txBody>
+      </p:sp>
+      <p:sp>
+        <p:nvSpPr>
+          <p:cNvPr id="6" name="ZoneTexte 5">
+            <a:extLst>
+              <a:ext uri="{FF2B5EF4-FFF2-40B4-BE49-F238E27FC236}">
+                <a16:creationId xmlns:a16="http://schemas.microsoft.com/office/drawing/2014/main" id="{08CF38ED-D44C-1343-BC1C-B071F1271A3F}"/>
+              </a:ext>
+            </a:extLst>
+          </p:cNvPr>
+          <p:cNvSpPr txBox="1"/>
+          <p:nvPr/>
+        </p:nvSpPr>
+        <p:spPr>
+          <a:xfrm>
+            <a:off x="1685365" y="1766048"/>
+            <a:ext cx="9699812" cy="646331"/>
+          </a:xfrm>
+          <a:prstGeom prst="rect">
+            <a:avLst/>
+          </a:prstGeom>
+          <a:noFill/>
+        </p:spPr>
+        <p:txBody>
+          <a:bodyPr wrap="square" rtlCol="0">
+            <a:spAutoFit/>
+          </a:bodyPr>
+          <a:lstStyle/>
+          <a:p>
+            <a:pPr algn="just"/>
+            <a:r>
+              <a:rPr lang="fr-FR" dirty="0">
+                <a:solidFill>
+                  <a:schemeClr val="bg1"/>
+                </a:solidFill>
+                <a:latin typeface="Microsoft JhengHei Light" panose="020B0304030504040204" pitchFamily="34" charset="-120"/>
+                <a:ea typeface="Microsoft JhengHei Light" panose="020B0304030504040204" pitchFamily="34" charset="-120"/>
+              </a:rPr>
+              <a:t>Les tests statiques disposent de plusieurs produits d’activités, voici des exemples des différents produits d’activités des tests statiques :</a:t>
+            </a:r>
+          </a:p>
+        </p:txBody>
+      </p:sp>
+      <p:sp>
+        <p:nvSpPr>
+          <p:cNvPr id="7" name="ZoneTexte 6">
+            <a:extLst>
+              <a:ext uri="{FF2B5EF4-FFF2-40B4-BE49-F238E27FC236}">
+                <a16:creationId xmlns:a16="http://schemas.microsoft.com/office/drawing/2014/main" id="{A8748245-A9EA-CCA3-18B2-D9B6EA762704}"/>
+              </a:ext>
+            </a:extLst>
+          </p:cNvPr>
+          <p:cNvSpPr txBox="1"/>
+          <p:nvPr/>
+        </p:nvSpPr>
+        <p:spPr>
+          <a:xfrm>
+            <a:off x="2043954" y="2716306"/>
+            <a:ext cx="9511552" cy="3693319"/>
+          </a:xfrm>
+          <a:prstGeom prst="rect">
+            <a:avLst/>
+          </a:prstGeom>
+          <a:noFill/>
+        </p:spPr>
+        <p:txBody>
+          <a:bodyPr wrap="square" rtlCol="0">
+            <a:spAutoFit/>
+          </a:bodyPr>
+          <a:lstStyle/>
+          <a:p>
+            <a:pPr marL="742950" lvl="1" indent="-285750">
+              <a:buFont typeface="Arial" panose="020B0604020202020204" pitchFamily="34" charset="0"/>
+              <a:buChar char="•"/>
+            </a:pPr>
+            <a:r>
+              <a:rPr lang="fr-FR" dirty="0">
+                <a:solidFill>
+                  <a:schemeClr val="bg1"/>
+                </a:solidFill>
+                <a:latin typeface="Microsoft JhengHei Light" panose="020B0304030504040204" pitchFamily="34" charset="-120"/>
+                <a:ea typeface="Microsoft JhengHei Light" panose="020B0304030504040204" pitchFamily="34" charset="-120"/>
+              </a:rPr>
+              <a:t>Les spécifications, les exigences métiers, les exigences fonctionnelles et les exigences de sécurité</a:t>
+            </a:r>
+          </a:p>
+          <a:p>
+            <a:pPr marL="742950" lvl="1" indent="-285750">
+              <a:buFont typeface="Arial" panose="020B0604020202020204" pitchFamily="34" charset="0"/>
+              <a:buChar char="•"/>
+            </a:pPr>
+            <a:r>
+              <a:rPr lang="fr-FR" dirty="0">
+                <a:solidFill>
+                  <a:schemeClr val="bg1"/>
+                </a:solidFill>
+                <a:latin typeface="Microsoft JhengHei Light" panose="020B0304030504040204" pitchFamily="34" charset="-120"/>
+                <a:ea typeface="Microsoft JhengHei Light" panose="020B0304030504040204" pitchFamily="34" charset="-120"/>
+              </a:rPr>
+              <a:t>Les épics, les Users Stories et les critères d’acceptation</a:t>
+            </a:r>
+          </a:p>
+          <a:p>
+            <a:pPr marL="742950" lvl="1" indent="-285750">
+              <a:buFont typeface="Arial" panose="020B0604020202020204" pitchFamily="34" charset="0"/>
+              <a:buChar char="•"/>
+            </a:pPr>
+            <a:r>
+              <a:rPr lang="fr-FR" dirty="0">
+                <a:solidFill>
+                  <a:schemeClr val="bg1"/>
+                </a:solidFill>
+                <a:latin typeface="Microsoft JhengHei Light" panose="020B0304030504040204" pitchFamily="34" charset="-120"/>
+                <a:ea typeface="Microsoft JhengHei Light" panose="020B0304030504040204" pitchFamily="34" charset="-120"/>
+              </a:rPr>
+              <a:t>Les spécifications d’architecture et de conception</a:t>
+            </a:r>
+          </a:p>
+          <a:p>
+            <a:pPr marL="742950" lvl="1" indent="-285750">
+              <a:buFont typeface="Arial" panose="020B0604020202020204" pitchFamily="34" charset="0"/>
+              <a:buChar char="•"/>
+            </a:pPr>
+            <a:r>
+              <a:rPr lang="fr-FR" dirty="0">
+                <a:solidFill>
+                  <a:schemeClr val="bg1"/>
+                </a:solidFill>
+                <a:latin typeface="Microsoft JhengHei Light" panose="020B0304030504040204" pitchFamily="34" charset="-120"/>
+                <a:ea typeface="Microsoft JhengHei Light" panose="020B0304030504040204" pitchFamily="34" charset="-120"/>
+              </a:rPr>
+              <a:t>Les codes</a:t>
+            </a:r>
+          </a:p>
+          <a:p>
+            <a:pPr marL="742950" lvl="1" indent="-285750">
+              <a:buFont typeface="Arial" panose="020B0604020202020204" pitchFamily="34" charset="0"/>
+              <a:buChar char="•"/>
+            </a:pPr>
+            <a:r>
+              <a:rPr lang="fr-FR" dirty="0">
+                <a:solidFill>
+                  <a:schemeClr val="bg1"/>
+                </a:solidFill>
+                <a:latin typeface="Microsoft JhengHei Light" panose="020B0304030504040204" pitchFamily="34" charset="-120"/>
+                <a:ea typeface="Microsoft JhengHei Light" panose="020B0304030504040204" pitchFamily="34" charset="-120"/>
+              </a:rPr>
+              <a:t>Les testwares, les plans de test, les cas de test, les procédures de test et les scripts de tests automatisés</a:t>
+            </a:r>
+          </a:p>
+          <a:p>
+            <a:pPr marL="742950" lvl="1" indent="-285750">
+              <a:buFont typeface="Arial" panose="020B0604020202020204" pitchFamily="34" charset="0"/>
+              <a:buChar char="•"/>
+            </a:pPr>
+            <a:r>
+              <a:rPr lang="fr-FR" dirty="0">
+                <a:solidFill>
+                  <a:schemeClr val="bg1"/>
+                </a:solidFill>
+                <a:latin typeface="Microsoft JhengHei Light" panose="020B0304030504040204" pitchFamily="34" charset="-120"/>
+                <a:ea typeface="Microsoft JhengHei Light" panose="020B0304030504040204" pitchFamily="34" charset="-120"/>
+              </a:rPr>
+              <a:t>Les guides utilisateurs </a:t>
+            </a:r>
+          </a:p>
+          <a:p>
+            <a:pPr marL="742950" lvl="1" indent="-285750">
+              <a:buFont typeface="Arial" panose="020B0604020202020204" pitchFamily="34" charset="0"/>
+              <a:buChar char="•"/>
+            </a:pPr>
+            <a:r>
+              <a:rPr lang="fr-FR" dirty="0">
+                <a:solidFill>
+                  <a:schemeClr val="bg1"/>
+                </a:solidFill>
+                <a:latin typeface="Microsoft JhengHei Light" panose="020B0304030504040204" pitchFamily="34" charset="-120"/>
+                <a:ea typeface="Microsoft JhengHei Light" panose="020B0304030504040204" pitchFamily="34" charset="-120"/>
+              </a:rPr>
+              <a:t>Les pages Web</a:t>
+            </a:r>
+          </a:p>
+          <a:p>
+            <a:pPr marL="742950" lvl="1" indent="-285750">
+              <a:buFont typeface="Arial" panose="020B0604020202020204" pitchFamily="34" charset="0"/>
+              <a:buChar char="•"/>
+            </a:pPr>
+            <a:r>
+              <a:rPr lang="fr-FR" dirty="0">
+                <a:solidFill>
+                  <a:schemeClr val="bg1"/>
+                </a:solidFill>
+                <a:latin typeface="Microsoft JhengHei Light" panose="020B0304030504040204" pitchFamily="34" charset="-120"/>
+                <a:ea typeface="Microsoft JhengHei Light" panose="020B0304030504040204" pitchFamily="34" charset="-120"/>
+              </a:rPr>
+              <a:t>Les contrats, les plans du projet, les calendriers et les budgets</a:t>
+            </a:r>
+          </a:p>
+          <a:p>
+            <a:pPr marL="742950" lvl="1" indent="-285750">
+              <a:buFont typeface="Arial" panose="020B0604020202020204" pitchFamily="34" charset="0"/>
+              <a:buChar char="•"/>
+            </a:pPr>
+            <a:r>
+              <a:rPr lang="fr-FR" dirty="0">
+                <a:solidFill>
+                  <a:schemeClr val="bg1"/>
+                </a:solidFill>
+                <a:latin typeface="Microsoft JhengHei Light" panose="020B0304030504040204" pitchFamily="34" charset="-120"/>
+                <a:ea typeface="Microsoft JhengHei Light" panose="020B0304030504040204" pitchFamily="34" charset="-120"/>
+              </a:rPr>
+              <a:t>Les modèles (ex : </a:t>
+            </a:r>
+            <a:r>
+              <a:rPr lang="fr-FR" dirty="0">
+                <a:highlight>
+                  <a:srgbClr val="FFFF00"/>
+                </a:highlight>
+                <a:latin typeface="Microsoft JhengHei Light" panose="020B0304030504040204" pitchFamily="34" charset="-120"/>
+                <a:ea typeface="Microsoft JhengHei Light" panose="020B0304030504040204" pitchFamily="34" charset="-120"/>
+              </a:rPr>
+              <a:t>les diagrammes d’activités</a:t>
+            </a:r>
+            <a:r>
+              <a:rPr lang="fr-FR" dirty="0">
+                <a:solidFill>
+                  <a:schemeClr val="bg1"/>
+                </a:solidFill>
+                <a:latin typeface="Microsoft JhengHei Light" panose="020B0304030504040204" pitchFamily="34" charset="-120"/>
+                <a:ea typeface="Microsoft JhengHei Light" panose="020B0304030504040204" pitchFamily="34" charset="-120"/>
+              </a:rPr>
+              <a:t>)</a:t>
+            </a:r>
+          </a:p>
+          <a:p>
+            <a:pPr marL="742950" lvl="1" indent="-285750">
+              <a:buFont typeface="Arial" panose="020B0604020202020204" pitchFamily="34" charset="0"/>
+              <a:buChar char="•"/>
+            </a:pPr>
+            <a:endParaRPr lang="fr-FR" dirty="0">
+              <a:solidFill>
+                <a:schemeClr val="bg1"/>
+              </a:solidFill>
+              <a:latin typeface="Microsoft JhengHei Light" panose="020B0304030504040204" pitchFamily="34" charset="-120"/>
+              <a:ea typeface="Microsoft JhengHei Light" panose="020B0304030504040204" pitchFamily="34" charset="-120"/>
+            </a:endParaRPr>
+          </a:p>
+          <a:p>
+            <a:pPr marL="285750" indent="-285750">
+              <a:buFont typeface="Arial" panose="020B0604020202020204" pitchFamily="34" charset="0"/>
+              <a:buChar char="•"/>
+            </a:pPr>
+            <a:endParaRPr lang="fr-FR" dirty="0">
+              <a:solidFill>
+                <a:schemeClr val="bg1"/>
+              </a:solidFill>
+              <a:latin typeface="Microsoft JhengHei Light" panose="020B0304030504040204" pitchFamily="34" charset="-120"/>
+              <a:ea typeface="Microsoft JhengHei Light" panose="020B0304030504040204" pitchFamily="34" charset="-120"/>
+            </a:endParaRPr>
+          </a:p>
+        </p:txBody>
+      </p:sp>
+    </p:spTree>
+    <p:extLst>
+      <p:ext uri="{BB962C8B-B14F-4D97-AF65-F5344CB8AC3E}">
+        <p14:creationId xmlns:p14="http://schemas.microsoft.com/office/powerpoint/2010/main" val="804405662"/>
+      </p:ext>
+    </p:extLst>
+  </p:cSld>
+  <p:clrMapOvr>
+    <a:masterClrMapping/>
+  </p:clrMapOvr>
+  <p:timing>
+    <p:tnLst>
+      <p:par>
+        <p:cTn id="1" dur="indefinite" restart="never" nodeType="tmRoot">
+          <p:childTnLst>
+            <p:seq concurrent="1" nextAc="seek">
+              <p:cTn id="2" dur="indefinite" nodeType="mainSeq">
+                <p:childTnLst>
+                  <p:par>
+                    <p:cTn id="3" fill="hold">
+                      <p:stCondLst>
+                        <p:cond delay="indefinite"/>
+                        <p:cond evt="onBegin" delay="0">
+                          <p:tn val="2"/>
+                        </p:cond>
+                      </p:stCondLst>
+                      <p:childTnLst>
+                        <p:par>
+                          <p:cTn id="4" fill="hold">
+                            <p:stCondLst>
+                              <p:cond delay="0"/>
+                            </p:stCondLst>
+                            <p:childTnLst>
+                              <p:par>
+                                <p:cTn id="5" presetID="10" presetClass="entr" presetSubtype="0" fill="hold" nodeType="withEffect">
+                                  <p:stCondLst>
+                                    <p:cond delay="0"/>
+                                  </p:stCondLst>
+                                  <p:childTnLst>
+                                    <p:set>
+                                      <p:cBhvr>
+                                        <p:cTn id="6" dur="1" fill="hold">
+                                          <p:stCondLst>
+                                            <p:cond delay="0"/>
+                                          </p:stCondLst>
+                                        </p:cTn>
+                                        <p:tgtEl>
+                                          <p:spTgt spid="3"/>
+                                        </p:tgtEl>
+                                        <p:attrNameLst>
+                                          <p:attrName>style.visibility</p:attrName>
+                                        </p:attrNameLst>
+                                      </p:cBhvr>
+                                      <p:to>
+                                        <p:strVal val="visible"/>
+                                      </p:to>
+                                    </p:set>
+                                    <p:animEffect transition="in" filter="fade">
+                                      <p:cBhvr>
+                                        <p:cTn id="7" dur="500"/>
+                                        <p:tgtEl>
+                                          <p:spTgt spid="3"/>
+                                        </p:tgtEl>
+                                      </p:cBhvr>
+                                    </p:animEffect>
+                                  </p:childTnLst>
+                                </p:cTn>
+                              </p:par>
+                            </p:childTnLst>
+                          </p:cTn>
+                        </p:par>
+                        <p:par>
+                          <p:cTn id="8" fill="hold">
+                            <p:stCondLst>
+                              <p:cond delay="500"/>
+                            </p:stCondLst>
+                            <p:childTnLst>
+                              <p:par>
+                                <p:cTn id="9" presetID="10" presetClass="entr" presetSubtype="0" fill="hold" nodeType="afterEffect">
+                                  <p:stCondLst>
+                                    <p:cond delay="0"/>
+                                  </p:stCondLst>
+                                  <p:childTnLst>
+                                    <p:set>
+                                      <p:cBhvr>
+                                        <p:cTn id="10" dur="1" fill="hold">
+                                          <p:stCondLst>
+                                            <p:cond delay="0"/>
+                                          </p:stCondLst>
+                                        </p:cTn>
+                                        <p:tgtEl>
+                                          <p:spTgt spid="4"/>
+                                        </p:tgtEl>
+                                        <p:attrNameLst>
+                                          <p:attrName>style.visibility</p:attrName>
+                                        </p:attrNameLst>
+                                      </p:cBhvr>
+                                      <p:to>
+                                        <p:strVal val="visible"/>
+                                      </p:to>
+                                    </p:set>
+                                    <p:animEffect transition="in" filter="fade">
+                                      <p:cBhvr>
+                                        <p:cTn id="11" dur="500"/>
+                                        <p:tgtEl>
+                                          <p:spTgt spid="4"/>
+                                        </p:tgtEl>
+                                      </p:cBhvr>
+                                    </p:animEffect>
+                                  </p:childTnLst>
+                                </p:cTn>
+                              </p:par>
+                            </p:childTnLst>
+                          </p:cTn>
+                        </p:par>
+                      </p:childTnLst>
+                    </p:cTn>
+                  </p:par>
+                  <p:par>
+                    <p:cTn id="12" fill="hold">
+                      <p:stCondLst>
+                        <p:cond delay="indefinite"/>
+                      </p:stCondLst>
+                      <p:childTnLst>
+                        <p:par>
+                          <p:cTn id="13" fill="hold">
+                            <p:stCondLst>
+                              <p:cond delay="0"/>
+                            </p:stCondLst>
+                            <p:childTnLst>
+                              <p:par>
+                                <p:cTn id="14" presetID="42" presetClass="entr" presetSubtype="0" fill="hold" grpId="0" nodeType="clickEffect">
+                                  <p:stCondLst>
+                                    <p:cond delay="0"/>
+                                  </p:stCondLst>
+                                  <p:childTnLst>
+                                    <p:set>
+                                      <p:cBhvr>
+                                        <p:cTn id="15" dur="1" fill="hold">
+                                          <p:stCondLst>
+                                            <p:cond delay="0"/>
+                                          </p:stCondLst>
+                                        </p:cTn>
+                                        <p:tgtEl>
+                                          <p:spTgt spid="5"/>
+                                        </p:tgtEl>
+                                        <p:attrNameLst>
+                                          <p:attrName>style.visibility</p:attrName>
+                                        </p:attrNameLst>
+                                      </p:cBhvr>
+                                      <p:to>
+                                        <p:strVal val="visible"/>
+                                      </p:to>
+                                    </p:set>
+                                    <p:animEffect transition="in" filter="fade">
+                                      <p:cBhvr>
+                                        <p:cTn id="16" dur="1000"/>
+                                        <p:tgtEl>
+                                          <p:spTgt spid="5"/>
+                                        </p:tgtEl>
+                                      </p:cBhvr>
+                                    </p:animEffect>
+                                    <p:anim calcmode="lin" valueType="num">
+                                      <p:cBhvr>
+                                        <p:cTn id="17" dur="1000" fill="hold"/>
+                                        <p:tgtEl>
+                                          <p:spTgt spid="5"/>
+                                        </p:tgtEl>
+                                        <p:attrNameLst>
+                                          <p:attrName>ppt_x</p:attrName>
+                                        </p:attrNameLst>
+                                      </p:cBhvr>
+                                      <p:tavLst>
+                                        <p:tav tm="0">
+                                          <p:val>
+                                            <p:strVal val="#ppt_x"/>
+                                          </p:val>
+                                        </p:tav>
+                                        <p:tav tm="100000">
+                                          <p:val>
+                                            <p:strVal val="#ppt_x"/>
+                                          </p:val>
+                                        </p:tav>
+                                      </p:tavLst>
+                                    </p:anim>
+                                    <p:anim calcmode="lin" valueType="num">
+                                      <p:cBhvr>
+                                        <p:cTn id="18" dur="1000" fill="hold"/>
+                                        <p:tgtEl>
+                                          <p:spTgt spid="5"/>
+                                        </p:tgtEl>
+                                        <p:attrNameLst>
+                                          <p:attrName>ppt_y</p:attrName>
+                                        </p:attrNameLst>
+                                      </p:cBhvr>
+                                      <p:tavLst>
+                                        <p:tav tm="0">
+                                          <p:val>
+                                            <p:strVal val="#ppt_y+.1"/>
+                                          </p:val>
+                                        </p:tav>
+                                        <p:tav tm="100000">
+                                          <p:val>
+                                            <p:strVal val="#ppt_y"/>
+                                          </p:val>
+                                        </p:tav>
+                                      </p:tavLst>
+                                    </p:anim>
+                                  </p:childTnLst>
+                                </p:cTn>
+                              </p:par>
+                            </p:childTnLst>
+                          </p:cTn>
+                        </p:par>
+                      </p:childTnLst>
+                    </p:cTn>
+                  </p:par>
+                  <p:par>
+                    <p:cTn id="19" fill="hold">
+                      <p:stCondLst>
+                        <p:cond delay="indefinite"/>
+                      </p:stCondLst>
+                      <p:childTnLst>
+                        <p:par>
+                          <p:cTn id="20" fill="hold">
+                            <p:stCondLst>
+                              <p:cond delay="0"/>
+                            </p:stCondLst>
+                            <p:childTnLst>
+                              <p:par>
+                                <p:cTn id="21" presetID="10" presetClass="entr" presetSubtype="0" fill="hold" grpId="0" nodeType="clickEffect">
+                                  <p:stCondLst>
+                                    <p:cond delay="0"/>
+                                  </p:stCondLst>
+                                  <p:childTnLst>
+                                    <p:set>
+                                      <p:cBhvr>
+                                        <p:cTn id="22" dur="1" fill="hold">
+                                          <p:stCondLst>
+                                            <p:cond delay="0"/>
+                                          </p:stCondLst>
+                                        </p:cTn>
+                                        <p:tgtEl>
+                                          <p:spTgt spid="6"/>
+                                        </p:tgtEl>
+                                        <p:attrNameLst>
+                                          <p:attrName>style.visibility</p:attrName>
+                                        </p:attrNameLst>
+                                      </p:cBhvr>
+                                      <p:to>
+                                        <p:strVal val="visible"/>
+                                      </p:to>
+                                    </p:set>
+                                    <p:animEffect transition="in" filter="fade">
+                                      <p:cBhvr>
+                                        <p:cTn id="23" dur="500"/>
+                                        <p:tgtEl>
+                                          <p:spTgt spid="6"/>
+                                        </p:tgtEl>
+                                      </p:cBhvr>
+                                    </p:animEffect>
+                                  </p:childTnLst>
+                                </p:cTn>
+                              </p:par>
+                              <p:par>
+                                <p:cTn id="24" presetID="10" presetClass="entr" presetSubtype="0" fill="hold" grpId="0" nodeType="withEffect">
+                                  <p:stCondLst>
+                                    <p:cond delay="0"/>
+                                  </p:stCondLst>
+                                  <p:childTnLst>
+                                    <p:set>
+                                      <p:cBhvr>
+                                        <p:cTn id="25" dur="1" fill="hold">
+                                          <p:stCondLst>
+                                            <p:cond delay="0"/>
+                                          </p:stCondLst>
+                                        </p:cTn>
+                                        <p:tgtEl>
+                                          <p:spTgt spid="7"/>
+                                        </p:tgtEl>
+                                        <p:attrNameLst>
+                                          <p:attrName>style.visibility</p:attrName>
+                                        </p:attrNameLst>
+                                      </p:cBhvr>
+                                      <p:to>
+                                        <p:strVal val="visible"/>
+                                      </p:to>
+                                    </p:set>
+                                    <p:animEffect transition="in" filter="fade">
+                                      <p:cBhvr>
+                                        <p:cTn id="26" dur="500"/>
+                                        <p:tgtEl>
+                                          <p:spTgt spid="7"/>
+                                        </p:tgtEl>
+                                      </p:cBhvr>
+                                    </p:animEffect>
+                                  </p:childTnLst>
+                                </p:cTn>
+                              </p:par>
+                            </p:childTnLst>
+                          </p:cTn>
+                        </p:par>
+                      </p:childTnLst>
+                    </p:cTn>
+                  </p:par>
+                </p:childTnLst>
+              </p:cTn>
+              <p:prevCondLst>
+                <p:cond evt="onPrev" delay="0">
+                  <p:tgtEl>
+                    <p:sldTgt/>
+                  </p:tgtEl>
+                </p:cond>
+              </p:prevCondLst>
+              <p:nextCondLst>
+                <p:cond evt="onNext" delay="0">
+                  <p:tgtEl>
+                    <p:sldTgt/>
+                  </p:tgtEl>
+                </p:cond>
+              </p:nextCondLst>
+            </p:seq>
+          </p:childTnLst>
+        </p:cTn>
+      </p:par>
+    </p:tnLst>
+    <p:bldLst>
+      <p:bldP spid="5" grpId="0"/>
+      <p:bldP spid="6" grpId="0"/>
+      <p:bldP spid="7" grpId="0"/>
+    </p:bldLst>
+  </p:timing>
+</p:sld>
+</file>
+
+<file path=ppt/slides/slide36.xml><?xml version="1.0" encoding="utf-8"?>
+<p:sld xmlns:a="http://schemas.openxmlformats.org/drawingml/2006/main" xmlns:r="http://schemas.openxmlformats.org/officeDocument/2006/relationships" xmlns:p="http://schemas.openxmlformats.org/presentationml/2006/main">
+  <p:cSld>
+    <p:bg>
+      <p:bgPr>
+        <a:solidFill>
+          <a:schemeClr val="bg2">
+            <a:lumMod val="10000"/>
+          </a:schemeClr>
+        </a:solidFill>
+        <a:effectLst/>
+      </p:bgPr>
+    </p:bg>
+    <p:spTree>
+      <p:nvGrpSpPr>
+        <p:cNvPr id="1" name=""/>
+        <p:cNvGrpSpPr/>
+        <p:nvPr/>
+      </p:nvGrpSpPr>
+      <p:grpSpPr>
+        <a:xfrm>
+          <a:off x="0" y="0"/>
+          <a:ext cx="0" cy="0"/>
+          <a:chOff x="0" y="0"/>
+          <a:chExt cx="0" cy="0"/>
+        </a:xfrm>
+      </p:grpSpPr>
       <p:sp>
         <p:nvSpPr>
           <p:cNvPr id="2" name="ZoneTexte 1">
@@ -19914,8 +20790,8 @@
         </p:nvSpPr>
         <p:spPr>
           <a:xfrm>
-            <a:off x="2526891" y="2721114"/>
-            <a:ext cx="7865806" cy="707886"/>
+            <a:off x="2222090" y="2821895"/>
+            <a:ext cx="8026303" cy="707886"/>
           </a:xfrm>
           <a:prstGeom prst="rect">
             <a:avLst/>
@@ -19974,8 +20850,8 @@
         </p:nvCxnSpPr>
         <p:spPr>
           <a:xfrm>
-            <a:off x="2644878" y="3529781"/>
-            <a:ext cx="7678993" cy="0"/>
+            <a:off x="2371597" y="3598607"/>
+            <a:ext cx="7727288" cy="0"/>
           </a:xfrm>
           <a:prstGeom prst="line">
             <a:avLst/>
@@ -20115,30 +20991,21 @@
                             </p:childTnLst>
                           </p:cTn>
                         </p:par>
-                      </p:childTnLst>
-                    </p:cTn>
-                  </p:par>
-                  <p:par>
-                    <p:cTn id="10" fill="hold">
-                      <p:stCondLst>
-                        <p:cond delay="indefinite"/>
-                      </p:stCondLst>
-                      <p:childTnLst>
                         <p:par>
-                          <p:cTn id="11" fill="hold">
+                          <p:cTn id="10" fill="hold">
                             <p:stCondLst>
-                              <p:cond delay="0"/>
+                              <p:cond delay="1000"/>
                             </p:stCondLst>
                             <p:childTnLst>
                               <p:par>
-                                <p:cTn id="12" presetID="22" presetClass="entr" presetSubtype="8" fill="hold" nodeType="clickEffect">
+                                <p:cTn id="11" presetID="22" presetClass="entr" presetSubtype="8" fill="hold" nodeType="afterEffect">
                                   <p:stCondLst>
                                     <p:cond delay="0"/>
                                   </p:stCondLst>
                                   <p:childTnLst>
                                     <p:set>
                                       <p:cBhvr>
-                                        <p:cTn id="13" dur="1" fill="hold">
+                                        <p:cTn id="12" dur="1" fill="hold">
                                           <p:stCondLst>
                                             <p:cond delay="0"/>
                                           </p:stCondLst>
@@ -20156,7 +21023,7 @@
                                     </p:set>
                                     <p:animEffect transition="in" filter="wipe(left)">
                                       <p:cBhvr>
-                                        <p:cTn id="14" dur="500"/>
+                                        <p:cTn id="13" dur="500"/>
                                         <p:tgtEl>
                                           <p:spTgt spid="4"/>
                                         </p:tgtEl>
@@ -20194,6 +21061,540 @@
     </p:tnLst>
     <p:bldLst>
       <p:bldP spid="2" grpId="0"/>
+    </p:bldLst>
+  </p:timing>
+</p:sld>
+</file>
+
+<file path=ppt/slides/slide37.xml><?xml version="1.0" encoding="utf-8"?>
+<p:sld xmlns:a="http://schemas.openxmlformats.org/drawingml/2006/main" xmlns:r="http://schemas.openxmlformats.org/officeDocument/2006/relationships" xmlns:p="http://schemas.openxmlformats.org/presentationml/2006/main">
+  <p:cSld>
+    <p:bg>
+      <p:bgPr>
+        <a:solidFill>
+          <a:schemeClr val="bg2">
+            <a:lumMod val="10000"/>
+          </a:schemeClr>
+        </a:solidFill>
+        <a:effectLst/>
+      </p:bgPr>
+    </p:bg>
+    <p:spTree>
+      <p:nvGrpSpPr>
+        <p:cNvPr id="1" name=""/>
+        <p:cNvGrpSpPr/>
+        <p:nvPr/>
+      </p:nvGrpSpPr>
+      <p:grpSpPr>
+        <a:xfrm>
+          <a:off x="0" y="0"/>
+          <a:ext cx="0" cy="0"/>
+          <a:chOff x="0" y="0"/>
+          <a:chExt cx="0" cy="0"/>
+        </a:xfrm>
+      </p:grpSpPr>
+      <p:cxnSp>
+        <p:nvCxnSpPr>
+          <p:cNvPr id="3" name="Connecteur droit 2">
+            <a:extLst>
+              <a:ext uri="{FF2B5EF4-FFF2-40B4-BE49-F238E27FC236}">
+                <a16:creationId xmlns:a16="http://schemas.microsoft.com/office/drawing/2014/main" id="{D8DB8D8F-3579-99D8-5BD5-7BD4D6ADFEAF}"/>
+              </a:ext>
+            </a:extLst>
+          </p:cNvPr>
+          <p:cNvCxnSpPr/>
+          <p:nvPr/>
+        </p:nvCxnSpPr>
+        <p:spPr>
+          <a:xfrm>
+            <a:off x="1102660" y="0"/>
+            <a:ext cx="0" cy="6858000"/>
+          </a:xfrm>
+          <a:prstGeom prst="line">
+            <a:avLst/>
+          </a:prstGeom>
+          <a:ln w="76200">
+            <a:solidFill>
+              <a:srgbClr val="FF0000"/>
+            </a:solidFill>
+          </a:ln>
+        </p:spPr>
+        <p:style>
+          <a:lnRef idx="1">
+            <a:schemeClr val="accent1"/>
+          </a:lnRef>
+          <a:fillRef idx="0">
+            <a:schemeClr val="accent1"/>
+          </a:fillRef>
+          <a:effectRef idx="0">
+            <a:schemeClr val="accent1"/>
+          </a:effectRef>
+          <a:fontRef idx="minor">
+            <a:schemeClr val="tx1"/>
+          </a:fontRef>
+        </p:style>
+      </p:cxnSp>
+      <p:cxnSp>
+        <p:nvCxnSpPr>
+          <p:cNvPr id="4" name="Connecteur droit 3">
+            <a:extLst>
+              <a:ext uri="{FF2B5EF4-FFF2-40B4-BE49-F238E27FC236}">
+                <a16:creationId xmlns:a16="http://schemas.microsoft.com/office/drawing/2014/main" id="{9360AB03-430F-B912-030A-907013EFE8FE}"/>
+              </a:ext>
+            </a:extLst>
+          </p:cNvPr>
+          <p:cNvCxnSpPr/>
+          <p:nvPr/>
+        </p:nvCxnSpPr>
+        <p:spPr>
+          <a:xfrm>
+            <a:off x="1371600" y="0"/>
+            <a:ext cx="0" cy="6858000"/>
+          </a:xfrm>
+          <a:prstGeom prst="line">
+            <a:avLst/>
+          </a:prstGeom>
+          <a:ln w="76200">
+            <a:solidFill>
+              <a:srgbClr val="FF0000"/>
+            </a:solidFill>
+          </a:ln>
+        </p:spPr>
+        <p:style>
+          <a:lnRef idx="1">
+            <a:schemeClr val="accent1"/>
+          </a:lnRef>
+          <a:fillRef idx="0">
+            <a:schemeClr val="accent1"/>
+          </a:fillRef>
+          <a:effectRef idx="0">
+            <a:schemeClr val="accent1"/>
+          </a:effectRef>
+          <a:fontRef idx="minor">
+            <a:schemeClr val="tx1"/>
+          </a:fontRef>
+        </p:style>
+      </p:cxnSp>
+      <p:sp>
+        <p:nvSpPr>
+          <p:cNvPr id="6" name="ZoneTexte 5">
+            <a:extLst>
+              <a:ext uri="{FF2B5EF4-FFF2-40B4-BE49-F238E27FC236}">
+                <a16:creationId xmlns:a16="http://schemas.microsoft.com/office/drawing/2014/main" id="{845076FD-6CB7-2805-723C-78A3D6B96F5E}"/>
+              </a:ext>
+            </a:extLst>
+          </p:cNvPr>
+          <p:cNvSpPr txBox="1"/>
+          <p:nvPr/>
+        </p:nvSpPr>
+        <p:spPr>
+          <a:xfrm>
+            <a:off x="1748116" y="609600"/>
+            <a:ext cx="8077202" cy="646331"/>
+          </a:xfrm>
+          <a:prstGeom prst="rect">
+            <a:avLst/>
+          </a:prstGeom>
+          <a:noFill/>
+        </p:spPr>
+        <p:txBody>
+          <a:bodyPr wrap="square" rtlCol="0">
+            <a:spAutoFit/>
+          </a:bodyPr>
+          <a:lstStyle/>
+          <a:p>
+            <a:r>
+              <a:rPr lang="fr-FR" sz="3600" b="1" dirty="0">
+                <a:solidFill>
+                  <a:schemeClr val="bg1"/>
+                </a:solidFill>
+                <a:latin typeface="Microsoft JhengHei Light" panose="020B0304030504040204" pitchFamily="34" charset="-120"/>
+                <a:ea typeface="Microsoft JhengHei Light" panose="020B0304030504040204" pitchFamily="34" charset="-120"/>
+              </a:rPr>
+              <a:t>4.1) </a:t>
+            </a:r>
+            <a:r>
+              <a:rPr lang="fr-FR" sz="3600" b="1" u="sng" dirty="0">
+                <a:solidFill>
+                  <a:schemeClr val="bg1"/>
+                </a:solidFill>
+                <a:latin typeface="Microsoft JhengHei Light" panose="020B0304030504040204" pitchFamily="34" charset="-120"/>
+                <a:ea typeface="Microsoft JhengHei Light" panose="020B0304030504040204" pitchFamily="34" charset="-120"/>
+              </a:rPr>
+              <a:t>Définition des tests dynamiques</a:t>
+            </a:r>
+            <a:r>
+              <a:rPr lang="fr-FR" sz="3600" b="1" dirty="0">
+                <a:solidFill>
+                  <a:schemeClr val="bg1"/>
+                </a:solidFill>
+                <a:latin typeface="Microsoft JhengHei Light" panose="020B0304030504040204" pitchFamily="34" charset="-120"/>
+                <a:ea typeface="Microsoft JhengHei Light" panose="020B0304030504040204" pitchFamily="34" charset="-120"/>
+              </a:rPr>
+              <a:t> :</a:t>
+            </a:r>
+          </a:p>
+        </p:txBody>
+      </p:sp>
+      <p:sp>
+        <p:nvSpPr>
+          <p:cNvPr id="7" name="ZoneTexte 6">
+            <a:extLst>
+              <a:ext uri="{FF2B5EF4-FFF2-40B4-BE49-F238E27FC236}">
+                <a16:creationId xmlns:a16="http://schemas.microsoft.com/office/drawing/2014/main" id="{B1439202-A1EC-612B-052D-32B896886417}"/>
+              </a:ext>
+            </a:extLst>
+          </p:cNvPr>
+          <p:cNvSpPr txBox="1"/>
+          <p:nvPr/>
+        </p:nvSpPr>
+        <p:spPr>
+          <a:xfrm>
+            <a:off x="1748116" y="1873623"/>
+            <a:ext cx="9619128" cy="1754326"/>
+          </a:xfrm>
+          <a:prstGeom prst="rect">
+            <a:avLst/>
+          </a:prstGeom>
+          <a:noFill/>
+        </p:spPr>
+        <p:txBody>
+          <a:bodyPr wrap="square" rtlCol="0">
+            <a:spAutoFit/>
+          </a:bodyPr>
+          <a:lstStyle/>
+          <a:p>
+            <a:pPr algn="just"/>
+            <a:r>
+              <a:rPr lang="fr-FR" dirty="0">
+                <a:solidFill>
+                  <a:schemeClr val="bg1"/>
+                </a:solidFill>
+                <a:latin typeface="Microsoft JhengHei Light" panose="020B0304030504040204" pitchFamily="34" charset="-120"/>
+                <a:ea typeface="Microsoft JhengHei Light" panose="020B0304030504040204" pitchFamily="34" charset="-120"/>
+              </a:rPr>
+              <a:t>Les tests dynamiques sont entre autre, des tests qui sont effectués sur un logiciel. La seule différence avec les tests statiques, est que les tests dynamiques sont effectués sur du code source et sur des données réelles.</a:t>
+            </a:r>
+          </a:p>
+          <a:p>
+            <a:pPr algn="just"/>
+            <a:endParaRPr lang="fr-FR" dirty="0">
+              <a:solidFill>
+                <a:schemeClr val="bg1"/>
+              </a:solidFill>
+              <a:latin typeface="Microsoft JhengHei Light" panose="020B0304030504040204" pitchFamily="34" charset="-120"/>
+              <a:ea typeface="Microsoft JhengHei Light" panose="020B0304030504040204" pitchFamily="34" charset="-120"/>
+            </a:endParaRPr>
+          </a:p>
+          <a:p>
+            <a:pPr algn="just"/>
+            <a:r>
+              <a:rPr lang="fr-FR" dirty="0">
+                <a:solidFill>
+                  <a:schemeClr val="bg1"/>
+                </a:solidFill>
+                <a:latin typeface="Microsoft JhengHei Light" panose="020B0304030504040204" pitchFamily="34" charset="-120"/>
+                <a:ea typeface="Microsoft JhengHei Light" panose="020B0304030504040204" pitchFamily="34" charset="-120"/>
+              </a:rPr>
+              <a:t>De ce fait, les tests dynamiques comprennent les tests de performance, les tests de charges et les tests de stress.</a:t>
+            </a:r>
+          </a:p>
+        </p:txBody>
+      </p:sp>
+    </p:spTree>
+    <p:extLst>
+      <p:ext uri="{BB962C8B-B14F-4D97-AF65-F5344CB8AC3E}">
+        <p14:creationId xmlns:p14="http://schemas.microsoft.com/office/powerpoint/2010/main" val="1891961627"/>
+      </p:ext>
+    </p:extLst>
+  </p:cSld>
+  <p:clrMapOvr>
+    <a:masterClrMapping/>
+  </p:clrMapOvr>
+  <p:timing>
+    <p:tnLst>
+      <p:par>
+        <p:cTn id="1" dur="indefinite" restart="never" nodeType="tmRoot">
+          <p:childTnLst>
+            <p:seq concurrent="1" nextAc="seek">
+              <p:cTn id="2" dur="indefinite" nodeType="mainSeq">
+                <p:childTnLst>
+                  <p:par>
+                    <p:cTn id="3" fill="hold">
+                      <p:stCondLst>
+                        <p:cond delay="indefinite"/>
+                        <p:cond evt="onBegin" delay="0">
+                          <p:tn val="2"/>
+                        </p:cond>
+                      </p:stCondLst>
+                      <p:childTnLst>
+                        <p:par>
+                          <p:cTn id="4" fill="hold">
+                            <p:stCondLst>
+                              <p:cond delay="0"/>
+                            </p:stCondLst>
+                            <p:childTnLst>
+                              <p:par>
+                                <p:cTn id="5" presetID="10" presetClass="entr" presetSubtype="0" fill="hold" nodeType="withEffect">
+                                  <p:stCondLst>
+                                    <p:cond delay="0"/>
+                                  </p:stCondLst>
+                                  <p:childTnLst>
+                                    <p:set>
+                                      <p:cBhvr>
+                                        <p:cTn id="6" dur="1" fill="hold">
+                                          <p:stCondLst>
+                                            <p:cond delay="0"/>
+                                          </p:stCondLst>
+                                        </p:cTn>
+                                        <p:tgtEl>
+                                          <p:spTgt spid="3"/>
+                                        </p:tgtEl>
+                                        <p:attrNameLst>
+                                          <p:attrName>style.visibility</p:attrName>
+                                        </p:attrNameLst>
+                                      </p:cBhvr>
+                                      <p:to>
+                                        <p:strVal val="visible"/>
+                                      </p:to>
+                                    </p:set>
+                                    <p:animEffect transition="in" filter="fade">
+                                      <p:cBhvr>
+                                        <p:cTn id="7" dur="300"/>
+                                        <p:tgtEl>
+                                          <p:spTgt spid="3"/>
+                                        </p:tgtEl>
+                                      </p:cBhvr>
+                                    </p:animEffect>
+                                  </p:childTnLst>
+                                </p:cTn>
+                              </p:par>
+                            </p:childTnLst>
+                          </p:cTn>
+                        </p:par>
+                        <p:par>
+                          <p:cTn id="8" fill="hold">
+                            <p:stCondLst>
+                              <p:cond delay="300"/>
+                            </p:stCondLst>
+                            <p:childTnLst>
+                              <p:par>
+                                <p:cTn id="9" presetID="10" presetClass="entr" presetSubtype="0" fill="hold" nodeType="afterEffect">
+                                  <p:stCondLst>
+                                    <p:cond delay="0"/>
+                                  </p:stCondLst>
+                                  <p:childTnLst>
+                                    <p:set>
+                                      <p:cBhvr>
+                                        <p:cTn id="10" dur="1" fill="hold">
+                                          <p:stCondLst>
+                                            <p:cond delay="0"/>
+                                          </p:stCondLst>
+                                        </p:cTn>
+                                        <p:tgtEl>
+                                          <p:spTgt spid="4"/>
+                                        </p:tgtEl>
+                                        <p:attrNameLst>
+                                          <p:attrName>style.visibility</p:attrName>
+                                        </p:attrNameLst>
+                                      </p:cBhvr>
+                                      <p:to>
+                                        <p:strVal val="visible"/>
+                                      </p:to>
+                                    </p:set>
+                                    <p:animEffect transition="in" filter="fade">
+                                      <p:cBhvr>
+                                        <p:cTn id="11" dur="300"/>
+                                        <p:tgtEl>
+                                          <p:spTgt spid="4"/>
+                                        </p:tgtEl>
+                                      </p:cBhvr>
+                                    </p:animEffect>
+                                  </p:childTnLst>
+                                </p:cTn>
+                              </p:par>
+                            </p:childTnLst>
+                          </p:cTn>
+                        </p:par>
+                      </p:childTnLst>
+                    </p:cTn>
+                  </p:par>
+                  <p:par>
+                    <p:cTn id="12" fill="hold">
+                      <p:stCondLst>
+                        <p:cond delay="indefinite"/>
+                      </p:stCondLst>
+                      <p:childTnLst>
+                        <p:par>
+                          <p:cTn id="13" fill="hold">
+                            <p:stCondLst>
+                              <p:cond delay="0"/>
+                            </p:stCondLst>
+                            <p:childTnLst>
+                              <p:par>
+                                <p:cTn id="14" presetID="42" presetClass="entr" presetSubtype="0" fill="hold" grpId="0" nodeType="clickEffect">
+                                  <p:stCondLst>
+                                    <p:cond delay="0"/>
+                                  </p:stCondLst>
+                                  <p:childTnLst>
+                                    <p:set>
+                                      <p:cBhvr>
+                                        <p:cTn id="15" dur="1" fill="hold">
+                                          <p:stCondLst>
+                                            <p:cond delay="0"/>
+                                          </p:stCondLst>
+                                        </p:cTn>
+                                        <p:tgtEl>
+                                          <p:spTgt spid="6"/>
+                                        </p:tgtEl>
+                                        <p:attrNameLst>
+                                          <p:attrName>style.visibility</p:attrName>
+                                        </p:attrNameLst>
+                                      </p:cBhvr>
+                                      <p:to>
+                                        <p:strVal val="visible"/>
+                                      </p:to>
+                                    </p:set>
+                                    <p:animEffect transition="in" filter="fade">
+                                      <p:cBhvr>
+                                        <p:cTn id="16" dur="1000"/>
+                                        <p:tgtEl>
+                                          <p:spTgt spid="6"/>
+                                        </p:tgtEl>
+                                      </p:cBhvr>
+                                    </p:animEffect>
+                                    <p:anim calcmode="lin" valueType="num">
+                                      <p:cBhvr>
+                                        <p:cTn id="17" dur="1000" fill="hold"/>
+                                        <p:tgtEl>
+                                          <p:spTgt spid="6"/>
+                                        </p:tgtEl>
+                                        <p:attrNameLst>
+                                          <p:attrName>ppt_x</p:attrName>
+                                        </p:attrNameLst>
+                                      </p:cBhvr>
+                                      <p:tavLst>
+                                        <p:tav tm="0">
+                                          <p:val>
+                                            <p:strVal val="#ppt_x"/>
+                                          </p:val>
+                                        </p:tav>
+                                        <p:tav tm="100000">
+                                          <p:val>
+                                            <p:strVal val="#ppt_x"/>
+                                          </p:val>
+                                        </p:tav>
+                                      </p:tavLst>
+                                    </p:anim>
+                                    <p:anim calcmode="lin" valueType="num">
+                                      <p:cBhvr>
+                                        <p:cTn id="18" dur="1000" fill="hold"/>
+                                        <p:tgtEl>
+                                          <p:spTgt spid="6"/>
+                                        </p:tgtEl>
+                                        <p:attrNameLst>
+                                          <p:attrName>ppt_y</p:attrName>
+                                        </p:attrNameLst>
+                                      </p:cBhvr>
+                                      <p:tavLst>
+                                        <p:tav tm="0">
+                                          <p:val>
+                                            <p:strVal val="#ppt_y+.1"/>
+                                          </p:val>
+                                        </p:tav>
+                                        <p:tav tm="100000">
+                                          <p:val>
+                                            <p:strVal val="#ppt_y"/>
+                                          </p:val>
+                                        </p:tav>
+                                      </p:tavLst>
+                                    </p:anim>
+                                  </p:childTnLst>
+                                </p:cTn>
+                              </p:par>
+                            </p:childTnLst>
+                          </p:cTn>
+                        </p:par>
+                      </p:childTnLst>
+                    </p:cTn>
+                  </p:par>
+                  <p:par>
+                    <p:cTn id="19" fill="hold">
+                      <p:stCondLst>
+                        <p:cond delay="indefinite"/>
+                      </p:stCondLst>
+                      <p:childTnLst>
+                        <p:par>
+                          <p:cTn id="20" fill="hold">
+                            <p:stCondLst>
+                              <p:cond delay="0"/>
+                            </p:stCondLst>
+                            <p:childTnLst>
+                              <p:par>
+                                <p:cTn id="21" presetID="10" presetClass="entr" presetSubtype="0" fill="hold" grpId="0" nodeType="clickEffect">
+                                  <p:stCondLst>
+                                    <p:cond delay="0"/>
+                                  </p:stCondLst>
+                                  <p:childTnLst>
+                                    <p:set>
+                                      <p:cBhvr>
+                                        <p:cTn id="22" dur="1" fill="hold">
+                                          <p:stCondLst>
+                                            <p:cond delay="0"/>
+                                          </p:stCondLst>
+                                        </p:cTn>
+                                        <p:tgtEl>
+                                          <p:spTgt spid="7"/>
+                                        </p:tgtEl>
+                                        <p:attrNameLst>
+                                          <p:attrName>style.visibility</p:attrName>
+                                        </p:attrNameLst>
+                                      </p:cBhvr>
+                                      <p:to>
+                                        <p:strVal val="visible"/>
+                                      </p:to>
+                                    </p:set>
+                                    <p:animEffect transition="in" filter="fade">
+                                      <p:cBhvr>
+                                        <p:cTn id="23" dur="500"/>
+                                        <p:tgtEl>
+                                          <p:spTgt spid="7"/>
+                                        </p:tgtEl>
+                                      </p:cBhvr>
+                                    </p:animEffect>
+                                  </p:childTnLst>
+                                </p:cTn>
+                              </p:par>
+                            </p:childTnLst>
+                          </p:cTn>
+                        </p:par>
+                      </p:childTnLst>
+                    </p:cTn>
+                  </p:par>
+                </p:childTnLst>
+              </p:cTn>
+              <p:prevCondLst>
+                <p:cond evt="onPrev" delay="0">
+                  <p:tgtEl>
+                    <p:sldTgt/>
+                  </p:tgtEl>
+                </p:cond>
+              </p:prevCondLst>
+              <p:nextCondLst>
+                <p:cond evt="onNext" delay="0">
+                  <p:tgtEl>
+                    <p:sldTgt/>
+                  </p:tgtEl>
+                </p:cond>
+              </p:nextCondLst>
+            </p:seq>
+          </p:childTnLst>
+        </p:cTn>
+      </p:par>
+    </p:tnLst>
+    <p:bldLst>
+      <p:bldP spid="6" grpId="0"/>
+      <p:bldP spid="7" grpId="0"/>
     </p:bldLst>
   </p:timing>
 </p:sld>

--- a/TRAVAUX/powerpointRevisionISTQB.pptx
+++ b/TRAVAUX/powerpointRevisionISTQB.pptx
@@ -42,6 +42,10 @@
     <p:sldId id="302" r:id="rId36"/>
     <p:sldId id="300" r:id="rId37"/>
     <p:sldId id="301" r:id="rId38"/>
+    <p:sldId id="303" r:id="rId39"/>
+    <p:sldId id="304" r:id="rId40"/>
+    <p:sldId id="305" r:id="rId41"/>
+    <p:sldId id="306" r:id="rId42"/>
   </p:sldIdLst>
   <p:sldSz cx="12192000" cy="6858000"/>
   <p:notesSz cx="6858000" cy="9144000"/>
@@ -306,7 +310,7 @@
           <a:p>
             <a:fld id="{95064FEC-2A3E-4BEE-8A13-D371E2A14C5E}" type="datetimeFigureOut">
               <a:rPr lang="fr-FR" smtClean="0"/>
-              <a:t>29/06/2023</a:t>
+              <a:t>30/06/2023</a:t>
             </a:fld>
             <a:endParaRPr lang="fr-FR"/>
           </a:p>
@@ -504,7 +508,7 @@
           <a:p>
             <a:fld id="{95064FEC-2A3E-4BEE-8A13-D371E2A14C5E}" type="datetimeFigureOut">
               <a:rPr lang="fr-FR" smtClean="0"/>
-              <a:t>29/06/2023</a:t>
+              <a:t>30/06/2023</a:t>
             </a:fld>
             <a:endParaRPr lang="fr-FR"/>
           </a:p>
@@ -712,7 +716,7 @@
           <a:p>
             <a:fld id="{95064FEC-2A3E-4BEE-8A13-D371E2A14C5E}" type="datetimeFigureOut">
               <a:rPr lang="fr-FR" smtClean="0"/>
-              <a:t>29/06/2023</a:t>
+              <a:t>30/06/2023</a:t>
             </a:fld>
             <a:endParaRPr lang="fr-FR"/>
           </a:p>
@@ -910,7 +914,7 @@
           <a:p>
             <a:fld id="{95064FEC-2A3E-4BEE-8A13-D371E2A14C5E}" type="datetimeFigureOut">
               <a:rPr lang="fr-FR" smtClean="0"/>
-              <a:t>29/06/2023</a:t>
+              <a:t>30/06/2023</a:t>
             </a:fld>
             <a:endParaRPr lang="fr-FR"/>
           </a:p>
@@ -1185,7 +1189,7 @@
           <a:p>
             <a:fld id="{95064FEC-2A3E-4BEE-8A13-D371E2A14C5E}" type="datetimeFigureOut">
               <a:rPr lang="fr-FR" smtClean="0"/>
-              <a:t>29/06/2023</a:t>
+              <a:t>30/06/2023</a:t>
             </a:fld>
             <a:endParaRPr lang="fr-FR"/>
           </a:p>
@@ -1450,7 +1454,7 @@
           <a:p>
             <a:fld id="{95064FEC-2A3E-4BEE-8A13-D371E2A14C5E}" type="datetimeFigureOut">
               <a:rPr lang="fr-FR" smtClean="0"/>
-              <a:t>29/06/2023</a:t>
+              <a:t>30/06/2023</a:t>
             </a:fld>
             <a:endParaRPr lang="fr-FR"/>
           </a:p>
@@ -1862,7 +1866,7 @@
           <a:p>
             <a:fld id="{95064FEC-2A3E-4BEE-8A13-D371E2A14C5E}" type="datetimeFigureOut">
               <a:rPr lang="fr-FR" smtClean="0"/>
-              <a:t>29/06/2023</a:t>
+              <a:t>30/06/2023</a:t>
             </a:fld>
             <a:endParaRPr lang="fr-FR"/>
           </a:p>
@@ -2003,7 +2007,7 @@
           <a:p>
             <a:fld id="{95064FEC-2A3E-4BEE-8A13-D371E2A14C5E}" type="datetimeFigureOut">
               <a:rPr lang="fr-FR" smtClean="0"/>
-              <a:t>29/06/2023</a:t>
+              <a:t>30/06/2023</a:t>
             </a:fld>
             <a:endParaRPr lang="fr-FR"/>
           </a:p>
@@ -2116,7 +2120,7 @@
           <a:p>
             <a:fld id="{95064FEC-2A3E-4BEE-8A13-D371E2A14C5E}" type="datetimeFigureOut">
               <a:rPr lang="fr-FR" smtClean="0"/>
-              <a:t>29/06/2023</a:t>
+              <a:t>30/06/2023</a:t>
             </a:fld>
             <a:endParaRPr lang="fr-FR"/>
           </a:p>
@@ -2427,7 +2431,7 @@
           <a:p>
             <a:fld id="{95064FEC-2A3E-4BEE-8A13-D371E2A14C5E}" type="datetimeFigureOut">
               <a:rPr lang="fr-FR" smtClean="0"/>
-              <a:t>29/06/2023</a:t>
+              <a:t>30/06/2023</a:t>
             </a:fld>
             <a:endParaRPr lang="fr-FR"/>
           </a:p>
@@ -2715,7 +2719,7 @@
           <a:p>
             <a:fld id="{95064FEC-2A3E-4BEE-8A13-D371E2A14C5E}" type="datetimeFigureOut">
               <a:rPr lang="fr-FR" smtClean="0"/>
-              <a:t>29/06/2023</a:t>
+              <a:t>30/06/2023</a:t>
             </a:fld>
             <a:endParaRPr lang="fr-FR"/>
           </a:p>
@@ -2956,7 +2960,7 @@
           <a:p>
             <a:fld id="{95064FEC-2A3E-4BEE-8A13-D371E2A14C5E}" type="datetimeFigureOut">
               <a:rPr lang="fr-FR" smtClean="0"/>
-              <a:t>29/06/2023</a:t>
+              <a:t>30/06/2023</a:t>
             </a:fld>
             <a:endParaRPr lang="fr-FR"/>
           </a:p>
@@ -21600,6 +21604,1314 @@
 </p:sld>
 </file>
 
+<file path=ppt/slides/slide38.xml><?xml version="1.0" encoding="utf-8"?>
+<p:sld xmlns:a="http://schemas.openxmlformats.org/drawingml/2006/main" xmlns:r="http://schemas.openxmlformats.org/officeDocument/2006/relationships" xmlns:p="http://schemas.openxmlformats.org/presentationml/2006/main">
+  <p:cSld>
+    <p:bg>
+      <p:bgPr>
+        <a:solidFill>
+          <a:schemeClr val="bg2">
+            <a:lumMod val="10000"/>
+          </a:schemeClr>
+        </a:solidFill>
+        <a:effectLst/>
+      </p:bgPr>
+    </p:bg>
+    <p:spTree>
+      <p:nvGrpSpPr>
+        <p:cNvPr id="1" name=""/>
+        <p:cNvGrpSpPr/>
+        <p:nvPr/>
+      </p:nvGrpSpPr>
+      <p:grpSpPr>
+        <a:xfrm>
+          <a:off x="0" y="0"/>
+          <a:ext cx="0" cy="0"/>
+          <a:chOff x="0" y="0"/>
+          <a:chExt cx="0" cy="0"/>
+        </a:xfrm>
+      </p:grpSpPr>
+      <p:cxnSp>
+        <p:nvCxnSpPr>
+          <p:cNvPr id="3" name="Connecteur droit 2">
+            <a:extLst>
+              <a:ext uri="{FF2B5EF4-FFF2-40B4-BE49-F238E27FC236}">
+                <a16:creationId xmlns:a16="http://schemas.microsoft.com/office/drawing/2014/main" id="{119DFDFE-B82E-CB71-5C10-E9188927B5A3}"/>
+              </a:ext>
+            </a:extLst>
+          </p:cNvPr>
+          <p:cNvCxnSpPr/>
+          <p:nvPr/>
+        </p:nvCxnSpPr>
+        <p:spPr>
+          <a:xfrm>
+            <a:off x="1376516" y="0"/>
+            <a:ext cx="0" cy="6858000"/>
+          </a:xfrm>
+          <a:prstGeom prst="line">
+            <a:avLst/>
+          </a:prstGeom>
+          <a:ln w="76200">
+            <a:solidFill>
+              <a:srgbClr val="FF0000"/>
+            </a:solidFill>
+          </a:ln>
+        </p:spPr>
+        <p:style>
+          <a:lnRef idx="1">
+            <a:schemeClr val="accent1"/>
+          </a:lnRef>
+          <a:fillRef idx="0">
+            <a:schemeClr val="accent1"/>
+          </a:fillRef>
+          <a:effectRef idx="0">
+            <a:schemeClr val="accent1"/>
+          </a:effectRef>
+          <a:fontRef idx="minor">
+            <a:schemeClr val="tx1"/>
+          </a:fontRef>
+        </p:style>
+      </p:cxnSp>
+      <p:cxnSp>
+        <p:nvCxnSpPr>
+          <p:cNvPr id="4" name="Connecteur droit 3">
+            <a:extLst>
+              <a:ext uri="{FF2B5EF4-FFF2-40B4-BE49-F238E27FC236}">
+                <a16:creationId xmlns:a16="http://schemas.microsoft.com/office/drawing/2014/main" id="{58D6C317-AF4E-758A-CDC6-4FCA6AA911F1}"/>
+              </a:ext>
+            </a:extLst>
+          </p:cNvPr>
+          <p:cNvCxnSpPr/>
+          <p:nvPr/>
+        </p:nvCxnSpPr>
+        <p:spPr>
+          <a:xfrm>
+            <a:off x="1106130" y="0"/>
+            <a:ext cx="0" cy="6858000"/>
+          </a:xfrm>
+          <a:prstGeom prst="line">
+            <a:avLst/>
+          </a:prstGeom>
+          <a:ln w="76200">
+            <a:solidFill>
+              <a:srgbClr val="FF0000"/>
+            </a:solidFill>
+          </a:ln>
+        </p:spPr>
+        <p:style>
+          <a:lnRef idx="1">
+            <a:schemeClr val="accent1"/>
+          </a:lnRef>
+          <a:fillRef idx="0">
+            <a:schemeClr val="accent1"/>
+          </a:fillRef>
+          <a:effectRef idx="0">
+            <a:schemeClr val="accent1"/>
+          </a:effectRef>
+          <a:fontRef idx="minor">
+            <a:schemeClr val="tx1"/>
+          </a:fontRef>
+        </p:style>
+      </p:cxnSp>
+      <p:sp>
+        <p:nvSpPr>
+          <p:cNvPr id="5" name="ZoneTexte 4">
+            <a:extLst>
+              <a:ext uri="{FF2B5EF4-FFF2-40B4-BE49-F238E27FC236}">
+                <a16:creationId xmlns:a16="http://schemas.microsoft.com/office/drawing/2014/main" id="{9D03B65B-0D62-94B4-C3E2-61E78B758ED2}"/>
+              </a:ext>
+            </a:extLst>
+          </p:cNvPr>
+          <p:cNvSpPr txBox="1"/>
+          <p:nvPr/>
+        </p:nvSpPr>
+        <p:spPr>
+          <a:xfrm>
+            <a:off x="1890107" y="637361"/>
+            <a:ext cx="7993626" cy="646331"/>
+          </a:xfrm>
+          <a:prstGeom prst="rect">
+            <a:avLst/>
+          </a:prstGeom>
+          <a:noFill/>
+        </p:spPr>
+        <p:txBody>
+          <a:bodyPr wrap="square" rtlCol="0">
+            <a:spAutoFit/>
+          </a:bodyPr>
+          <a:lstStyle/>
+          <a:p>
+            <a:r>
+              <a:rPr lang="fr-FR" sz="3600" b="1" dirty="0">
+                <a:solidFill>
+                  <a:schemeClr val="bg1"/>
+                </a:solidFill>
+                <a:latin typeface="Microsoft JhengHei Light" panose="020B0304030504040204" pitchFamily="34" charset="-120"/>
+                <a:ea typeface="Microsoft JhengHei Light" panose="020B0304030504040204" pitchFamily="34" charset="-120"/>
+              </a:rPr>
+              <a:t>4.2) </a:t>
+            </a:r>
+            <a:r>
+              <a:rPr lang="fr-FR" sz="3600" b="1" u="sng" dirty="0">
+                <a:solidFill>
+                  <a:schemeClr val="bg1"/>
+                </a:solidFill>
+                <a:latin typeface="Microsoft JhengHei Light" panose="020B0304030504040204" pitchFamily="34" charset="-120"/>
+                <a:ea typeface="Microsoft JhengHei Light" panose="020B0304030504040204" pitchFamily="34" charset="-120"/>
+              </a:rPr>
+              <a:t>Exemples de tests dynamiques</a:t>
+            </a:r>
+            <a:r>
+              <a:rPr lang="fr-FR" sz="3600" b="1" dirty="0">
+                <a:solidFill>
+                  <a:schemeClr val="bg1"/>
+                </a:solidFill>
+                <a:latin typeface="Microsoft JhengHei Light" panose="020B0304030504040204" pitchFamily="34" charset="-120"/>
+                <a:ea typeface="Microsoft JhengHei Light" panose="020B0304030504040204" pitchFamily="34" charset="-120"/>
+              </a:rPr>
+              <a:t> :</a:t>
+            </a:r>
+          </a:p>
+        </p:txBody>
+      </p:sp>
+      <p:sp>
+        <p:nvSpPr>
+          <p:cNvPr id="6" name="ZoneTexte 5">
+            <a:extLst>
+              <a:ext uri="{FF2B5EF4-FFF2-40B4-BE49-F238E27FC236}">
+                <a16:creationId xmlns:a16="http://schemas.microsoft.com/office/drawing/2014/main" id="{E07209FA-5CC7-C596-2A8D-8B3CC527E4E0}"/>
+              </a:ext>
+            </a:extLst>
+          </p:cNvPr>
+          <p:cNvSpPr txBox="1"/>
+          <p:nvPr/>
+        </p:nvSpPr>
+        <p:spPr>
+          <a:xfrm>
+            <a:off x="1890107" y="1864657"/>
+            <a:ext cx="8659904" cy="2585323"/>
+          </a:xfrm>
+          <a:prstGeom prst="rect">
+            <a:avLst/>
+          </a:prstGeom>
+          <a:noFill/>
+        </p:spPr>
+        <p:txBody>
+          <a:bodyPr wrap="square" rtlCol="0">
+            <a:spAutoFit/>
+          </a:bodyPr>
+          <a:lstStyle/>
+          <a:p>
+            <a:r>
+              <a:rPr lang="fr-FR" dirty="0">
+                <a:solidFill>
+                  <a:schemeClr val="bg1"/>
+                </a:solidFill>
+                <a:latin typeface="Microsoft JhengHei Light" panose="020B0304030504040204" pitchFamily="34" charset="-120"/>
+                <a:ea typeface="Microsoft JhengHei Light" panose="020B0304030504040204" pitchFamily="34" charset="-120"/>
+              </a:rPr>
+              <a:t>Les tests dynamiques sont composés des exemples suivants :</a:t>
+            </a:r>
+          </a:p>
+          <a:p>
+            <a:endParaRPr lang="fr-FR" dirty="0">
+              <a:solidFill>
+                <a:schemeClr val="bg1"/>
+              </a:solidFill>
+              <a:latin typeface="Microsoft JhengHei Light" panose="020B0304030504040204" pitchFamily="34" charset="-120"/>
+              <a:ea typeface="Microsoft JhengHei Light" panose="020B0304030504040204" pitchFamily="34" charset="-120"/>
+            </a:endParaRPr>
+          </a:p>
+          <a:p>
+            <a:r>
+              <a:rPr lang="fr-FR" dirty="0">
+                <a:solidFill>
+                  <a:schemeClr val="bg1"/>
+                </a:solidFill>
+                <a:latin typeface="Microsoft JhengHei Light" panose="020B0304030504040204" pitchFamily="34" charset="-120"/>
+                <a:ea typeface="Microsoft JhengHei Light" panose="020B0304030504040204" pitchFamily="34" charset="-120"/>
+              </a:rPr>
+              <a:t>		* Tests de charge (voir chapitre 2 sur les tests non </a:t>
+            </a:r>
+          </a:p>
+          <a:p>
+            <a:r>
+              <a:rPr lang="fr-FR" dirty="0">
+                <a:solidFill>
+                  <a:schemeClr val="bg1"/>
+                </a:solidFill>
+                <a:latin typeface="Microsoft JhengHei Light" panose="020B0304030504040204" pitchFamily="34" charset="-120"/>
+                <a:ea typeface="Microsoft JhengHei Light" panose="020B0304030504040204" pitchFamily="34" charset="-120"/>
+              </a:rPr>
+              <a:t>		   fonctionnels)</a:t>
+            </a:r>
+          </a:p>
+          <a:p>
+            <a:endParaRPr lang="fr-FR" dirty="0">
+              <a:solidFill>
+                <a:schemeClr val="bg1"/>
+              </a:solidFill>
+              <a:latin typeface="Microsoft JhengHei Light" panose="020B0304030504040204" pitchFamily="34" charset="-120"/>
+              <a:ea typeface="Microsoft JhengHei Light" panose="020B0304030504040204" pitchFamily="34" charset="-120"/>
+            </a:endParaRPr>
+          </a:p>
+          <a:p>
+            <a:r>
+              <a:rPr lang="fr-FR" dirty="0">
+                <a:solidFill>
+                  <a:schemeClr val="bg1"/>
+                </a:solidFill>
+                <a:latin typeface="Microsoft JhengHei Light" panose="020B0304030504040204" pitchFamily="34" charset="-120"/>
+                <a:ea typeface="Microsoft JhengHei Light" panose="020B0304030504040204" pitchFamily="34" charset="-120"/>
+              </a:rPr>
+              <a:t>		* Tests de stress </a:t>
+            </a:r>
+          </a:p>
+          <a:p>
+            <a:endParaRPr lang="fr-FR" dirty="0">
+              <a:solidFill>
+                <a:schemeClr val="bg1"/>
+              </a:solidFill>
+              <a:latin typeface="Microsoft JhengHei Light" panose="020B0304030504040204" pitchFamily="34" charset="-120"/>
+              <a:ea typeface="Microsoft JhengHei Light" panose="020B0304030504040204" pitchFamily="34" charset="-120"/>
+            </a:endParaRPr>
+          </a:p>
+          <a:p>
+            <a:r>
+              <a:rPr lang="fr-FR" dirty="0">
+                <a:solidFill>
+                  <a:schemeClr val="bg1"/>
+                </a:solidFill>
+                <a:latin typeface="Microsoft JhengHei Light" panose="020B0304030504040204" pitchFamily="34" charset="-120"/>
+                <a:ea typeface="Microsoft JhengHei Light" panose="020B0304030504040204" pitchFamily="34" charset="-120"/>
+              </a:rPr>
+              <a:t>		* Tests de performances (voir chapitre 2 sur les tests non </a:t>
+            </a:r>
+          </a:p>
+          <a:p>
+            <a:r>
+              <a:rPr lang="fr-FR" dirty="0">
+                <a:solidFill>
+                  <a:schemeClr val="bg1"/>
+                </a:solidFill>
+                <a:latin typeface="Microsoft JhengHei Light" panose="020B0304030504040204" pitchFamily="34" charset="-120"/>
+                <a:ea typeface="Microsoft JhengHei Light" panose="020B0304030504040204" pitchFamily="34" charset="-120"/>
+              </a:rPr>
+              <a:t>		   fonctionnels)</a:t>
+            </a:r>
+          </a:p>
+        </p:txBody>
+      </p:sp>
+    </p:spTree>
+    <p:extLst>
+      <p:ext uri="{BB962C8B-B14F-4D97-AF65-F5344CB8AC3E}">
+        <p14:creationId xmlns:p14="http://schemas.microsoft.com/office/powerpoint/2010/main" val="461955468"/>
+      </p:ext>
+    </p:extLst>
+  </p:cSld>
+  <p:clrMapOvr>
+    <a:masterClrMapping/>
+  </p:clrMapOvr>
+  <p:timing>
+    <p:tnLst>
+      <p:par>
+        <p:cTn id="1" dur="indefinite" restart="never" nodeType="tmRoot">
+          <p:childTnLst>
+            <p:seq concurrent="1" nextAc="seek">
+              <p:cTn id="2" dur="indefinite" nodeType="mainSeq">
+                <p:childTnLst>
+                  <p:par>
+                    <p:cTn id="3" fill="hold">
+                      <p:stCondLst>
+                        <p:cond delay="indefinite"/>
+                        <p:cond evt="onBegin" delay="0">
+                          <p:tn val="2"/>
+                        </p:cond>
+                      </p:stCondLst>
+                      <p:childTnLst>
+                        <p:par>
+                          <p:cTn id="4" fill="hold">
+                            <p:stCondLst>
+                              <p:cond delay="0"/>
+                            </p:stCondLst>
+                            <p:childTnLst>
+                              <p:par>
+                                <p:cTn id="5" presetID="10" presetClass="entr" presetSubtype="0" fill="hold" nodeType="withEffect">
+                                  <p:stCondLst>
+                                    <p:cond delay="0"/>
+                                  </p:stCondLst>
+                                  <p:childTnLst>
+                                    <p:set>
+                                      <p:cBhvr>
+                                        <p:cTn id="6" dur="1" fill="hold">
+                                          <p:stCondLst>
+                                            <p:cond delay="0"/>
+                                          </p:stCondLst>
+                                        </p:cTn>
+                                        <p:tgtEl>
+                                          <p:spTgt spid="4"/>
+                                        </p:tgtEl>
+                                        <p:attrNameLst>
+                                          <p:attrName>style.visibility</p:attrName>
+                                        </p:attrNameLst>
+                                      </p:cBhvr>
+                                      <p:to>
+                                        <p:strVal val="visible"/>
+                                      </p:to>
+                                    </p:set>
+                                    <p:animEffect transition="in" filter="fade">
+                                      <p:cBhvr>
+                                        <p:cTn id="7" dur="300"/>
+                                        <p:tgtEl>
+                                          <p:spTgt spid="4"/>
+                                        </p:tgtEl>
+                                      </p:cBhvr>
+                                    </p:animEffect>
+                                  </p:childTnLst>
+                                </p:cTn>
+                              </p:par>
+                            </p:childTnLst>
+                          </p:cTn>
+                        </p:par>
+                        <p:par>
+                          <p:cTn id="8" fill="hold">
+                            <p:stCondLst>
+                              <p:cond delay="300"/>
+                            </p:stCondLst>
+                            <p:childTnLst>
+                              <p:par>
+                                <p:cTn id="9" presetID="10" presetClass="entr" presetSubtype="0" fill="hold" nodeType="afterEffect">
+                                  <p:stCondLst>
+                                    <p:cond delay="0"/>
+                                  </p:stCondLst>
+                                  <p:childTnLst>
+                                    <p:set>
+                                      <p:cBhvr>
+                                        <p:cTn id="10" dur="1" fill="hold">
+                                          <p:stCondLst>
+                                            <p:cond delay="0"/>
+                                          </p:stCondLst>
+                                        </p:cTn>
+                                        <p:tgtEl>
+                                          <p:spTgt spid="3"/>
+                                        </p:tgtEl>
+                                        <p:attrNameLst>
+                                          <p:attrName>style.visibility</p:attrName>
+                                        </p:attrNameLst>
+                                      </p:cBhvr>
+                                      <p:to>
+                                        <p:strVal val="visible"/>
+                                      </p:to>
+                                    </p:set>
+                                    <p:animEffect transition="in" filter="fade">
+                                      <p:cBhvr>
+                                        <p:cTn id="11" dur="500"/>
+                                        <p:tgtEl>
+                                          <p:spTgt spid="3"/>
+                                        </p:tgtEl>
+                                      </p:cBhvr>
+                                    </p:animEffect>
+                                  </p:childTnLst>
+                                </p:cTn>
+                              </p:par>
+                            </p:childTnLst>
+                          </p:cTn>
+                        </p:par>
+                      </p:childTnLst>
+                    </p:cTn>
+                  </p:par>
+                  <p:par>
+                    <p:cTn id="12" fill="hold">
+                      <p:stCondLst>
+                        <p:cond delay="indefinite"/>
+                      </p:stCondLst>
+                      <p:childTnLst>
+                        <p:par>
+                          <p:cTn id="13" fill="hold">
+                            <p:stCondLst>
+                              <p:cond delay="0"/>
+                            </p:stCondLst>
+                            <p:childTnLst>
+                              <p:par>
+                                <p:cTn id="14" presetID="42" presetClass="entr" presetSubtype="0" fill="hold" grpId="0" nodeType="clickEffect">
+                                  <p:stCondLst>
+                                    <p:cond delay="0"/>
+                                  </p:stCondLst>
+                                  <p:childTnLst>
+                                    <p:set>
+                                      <p:cBhvr>
+                                        <p:cTn id="15" dur="1" fill="hold">
+                                          <p:stCondLst>
+                                            <p:cond delay="0"/>
+                                          </p:stCondLst>
+                                        </p:cTn>
+                                        <p:tgtEl>
+                                          <p:spTgt spid="5"/>
+                                        </p:tgtEl>
+                                        <p:attrNameLst>
+                                          <p:attrName>style.visibility</p:attrName>
+                                        </p:attrNameLst>
+                                      </p:cBhvr>
+                                      <p:to>
+                                        <p:strVal val="visible"/>
+                                      </p:to>
+                                    </p:set>
+                                    <p:animEffect transition="in" filter="fade">
+                                      <p:cBhvr>
+                                        <p:cTn id="16" dur="1000"/>
+                                        <p:tgtEl>
+                                          <p:spTgt spid="5"/>
+                                        </p:tgtEl>
+                                      </p:cBhvr>
+                                    </p:animEffect>
+                                    <p:anim calcmode="lin" valueType="num">
+                                      <p:cBhvr>
+                                        <p:cTn id="17" dur="1000" fill="hold"/>
+                                        <p:tgtEl>
+                                          <p:spTgt spid="5"/>
+                                        </p:tgtEl>
+                                        <p:attrNameLst>
+                                          <p:attrName>ppt_x</p:attrName>
+                                        </p:attrNameLst>
+                                      </p:cBhvr>
+                                      <p:tavLst>
+                                        <p:tav tm="0">
+                                          <p:val>
+                                            <p:strVal val="#ppt_x"/>
+                                          </p:val>
+                                        </p:tav>
+                                        <p:tav tm="100000">
+                                          <p:val>
+                                            <p:strVal val="#ppt_x"/>
+                                          </p:val>
+                                        </p:tav>
+                                      </p:tavLst>
+                                    </p:anim>
+                                    <p:anim calcmode="lin" valueType="num">
+                                      <p:cBhvr>
+                                        <p:cTn id="18" dur="1000" fill="hold"/>
+                                        <p:tgtEl>
+                                          <p:spTgt spid="5"/>
+                                        </p:tgtEl>
+                                        <p:attrNameLst>
+                                          <p:attrName>ppt_y</p:attrName>
+                                        </p:attrNameLst>
+                                      </p:cBhvr>
+                                      <p:tavLst>
+                                        <p:tav tm="0">
+                                          <p:val>
+                                            <p:strVal val="#ppt_y+.1"/>
+                                          </p:val>
+                                        </p:tav>
+                                        <p:tav tm="100000">
+                                          <p:val>
+                                            <p:strVal val="#ppt_y"/>
+                                          </p:val>
+                                        </p:tav>
+                                      </p:tavLst>
+                                    </p:anim>
+                                  </p:childTnLst>
+                                </p:cTn>
+                              </p:par>
+                            </p:childTnLst>
+                          </p:cTn>
+                        </p:par>
+                      </p:childTnLst>
+                    </p:cTn>
+                  </p:par>
+                  <p:par>
+                    <p:cTn id="19" fill="hold">
+                      <p:stCondLst>
+                        <p:cond delay="indefinite"/>
+                      </p:stCondLst>
+                      <p:childTnLst>
+                        <p:par>
+                          <p:cTn id="20" fill="hold">
+                            <p:stCondLst>
+                              <p:cond delay="0"/>
+                            </p:stCondLst>
+                            <p:childTnLst>
+                              <p:par>
+                                <p:cTn id="21" presetID="10" presetClass="entr" presetSubtype="0" fill="hold" grpId="0" nodeType="clickEffect">
+                                  <p:stCondLst>
+                                    <p:cond delay="0"/>
+                                  </p:stCondLst>
+                                  <p:childTnLst>
+                                    <p:set>
+                                      <p:cBhvr>
+                                        <p:cTn id="22" dur="1" fill="hold">
+                                          <p:stCondLst>
+                                            <p:cond delay="0"/>
+                                          </p:stCondLst>
+                                        </p:cTn>
+                                        <p:tgtEl>
+                                          <p:spTgt spid="6"/>
+                                        </p:tgtEl>
+                                        <p:attrNameLst>
+                                          <p:attrName>style.visibility</p:attrName>
+                                        </p:attrNameLst>
+                                      </p:cBhvr>
+                                      <p:to>
+                                        <p:strVal val="visible"/>
+                                      </p:to>
+                                    </p:set>
+                                    <p:animEffect transition="in" filter="fade">
+                                      <p:cBhvr>
+                                        <p:cTn id="23" dur="500"/>
+                                        <p:tgtEl>
+                                          <p:spTgt spid="6"/>
+                                        </p:tgtEl>
+                                      </p:cBhvr>
+                                    </p:animEffect>
+                                  </p:childTnLst>
+                                </p:cTn>
+                              </p:par>
+                            </p:childTnLst>
+                          </p:cTn>
+                        </p:par>
+                      </p:childTnLst>
+                    </p:cTn>
+                  </p:par>
+                </p:childTnLst>
+              </p:cTn>
+              <p:prevCondLst>
+                <p:cond evt="onPrev" delay="0">
+                  <p:tgtEl>
+                    <p:sldTgt/>
+                  </p:tgtEl>
+                </p:cond>
+              </p:prevCondLst>
+              <p:nextCondLst>
+                <p:cond evt="onNext" delay="0">
+                  <p:tgtEl>
+                    <p:sldTgt/>
+                  </p:tgtEl>
+                </p:cond>
+              </p:nextCondLst>
+            </p:seq>
+          </p:childTnLst>
+        </p:cTn>
+      </p:par>
+    </p:tnLst>
+    <p:bldLst>
+      <p:bldP spid="5" grpId="0"/>
+      <p:bldP spid="6" grpId="0"/>
+    </p:bldLst>
+  </p:timing>
+</p:sld>
+</file>
+
+<file path=ppt/slides/slide39.xml><?xml version="1.0" encoding="utf-8"?>
+<p:sld xmlns:a="http://schemas.openxmlformats.org/drawingml/2006/main" xmlns:r="http://schemas.openxmlformats.org/officeDocument/2006/relationships" xmlns:p="http://schemas.openxmlformats.org/presentationml/2006/main">
+  <p:cSld>
+    <p:bg>
+      <p:bgPr>
+        <a:solidFill>
+          <a:schemeClr val="bg2">
+            <a:lumMod val="10000"/>
+          </a:schemeClr>
+        </a:solidFill>
+        <a:effectLst/>
+      </p:bgPr>
+    </p:bg>
+    <p:spTree>
+      <p:nvGrpSpPr>
+        <p:cNvPr id="1" name=""/>
+        <p:cNvGrpSpPr/>
+        <p:nvPr/>
+      </p:nvGrpSpPr>
+      <p:grpSpPr>
+        <a:xfrm>
+          <a:off x="0" y="0"/>
+          <a:ext cx="0" cy="0"/>
+          <a:chOff x="0" y="0"/>
+          <a:chExt cx="0" cy="0"/>
+        </a:xfrm>
+      </p:grpSpPr>
+      <p:cxnSp>
+        <p:nvCxnSpPr>
+          <p:cNvPr id="3" name="Connecteur droit 2">
+            <a:extLst>
+              <a:ext uri="{FF2B5EF4-FFF2-40B4-BE49-F238E27FC236}">
+                <a16:creationId xmlns:a16="http://schemas.microsoft.com/office/drawing/2014/main" id="{9A9B4110-7B93-3A09-03AA-A457C8455CF2}"/>
+              </a:ext>
+            </a:extLst>
+          </p:cNvPr>
+          <p:cNvCxnSpPr/>
+          <p:nvPr/>
+        </p:nvCxnSpPr>
+        <p:spPr>
+          <a:xfrm>
+            <a:off x="1165411" y="0"/>
+            <a:ext cx="0" cy="6858000"/>
+          </a:xfrm>
+          <a:prstGeom prst="line">
+            <a:avLst/>
+          </a:prstGeom>
+          <a:ln w="76200">
+            <a:solidFill>
+              <a:srgbClr val="FF0000"/>
+            </a:solidFill>
+          </a:ln>
+        </p:spPr>
+        <p:style>
+          <a:lnRef idx="1">
+            <a:schemeClr val="accent1"/>
+          </a:lnRef>
+          <a:fillRef idx="0">
+            <a:schemeClr val="accent1"/>
+          </a:fillRef>
+          <a:effectRef idx="0">
+            <a:schemeClr val="accent1"/>
+          </a:effectRef>
+          <a:fontRef idx="minor">
+            <a:schemeClr val="tx1"/>
+          </a:fontRef>
+        </p:style>
+      </p:cxnSp>
+      <p:cxnSp>
+        <p:nvCxnSpPr>
+          <p:cNvPr id="4" name="Connecteur droit 3">
+            <a:extLst>
+              <a:ext uri="{FF2B5EF4-FFF2-40B4-BE49-F238E27FC236}">
+                <a16:creationId xmlns:a16="http://schemas.microsoft.com/office/drawing/2014/main" id="{9EC52F33-DE76-2717-7C97-3D6211FEA761}"/>
+              </a:ext>
+            </a:extLst>
+          </p:cNvPr>
+          <p:cNvCxnSpPr/>
+          <p:nvPr/>
+        </p:nvCxnSpPr>
+        <p:spPr>
+          <a:xfrm>
+            <a:off x="1488141" y="0"/>
+            <a:ext cx="0" cy="6858000"/>
+          </a:xfrm>
+          <a:prstGeom prst="line">
+            <a:avLst/>
+          </a:prstGeom>
+          <a:ln w="76200">
+            <a:solidFill>
+              <a:srgbClr val="FF0000"/>
+            </a:solidFill>
+          </a:ln>
+        </p:spPr>
+        <p:style>
+          <a:lnRef idx="1">
+            <a:schemeClr val="accent1"/>
+          </a:lnRef>
+          <a:fillRef idx="0">
+            <a:schemeClr val="accent1"/>
+          </a:fillRef>
+          <a:effectRef idx="0">
+            <a:schemeClr val="accent1"/>
+          </a:effectRef>
+          <a:fontRef idx="minor">
+            <a:schemeClr val="tx1"/>
+          </a:fontRef>
+        </p:style>
+      </p:cxnSp>
+      <p:sp>
+        <p:nvSpPr>
+          <p:cNvPr id="5" name="ZoneTexte 4">
+            <a:extLst>
+              <a:ext uri="{FF2B5EF4-FFF2-40B4-BE49-F238E27FC236}">
+                <a16:creationId xmlns:a16="http://schemas.microsoft.com/office/drawing/2014/main" id="{5C8CCE63-0BF3-C0C6-70A3-650CA0C851A6}"/>
+              </a:ext>
+            </a:extLst>
+          </p:cNvPr>
+          <p:cNvSpPr txBox="1"/>
+          <p:nvPr/>
+        </p:nvSpPr>
+        <p:spPr>
+          <a:xfrm>
+            <a:off x="1936376" y="559422"/>
+            <a:ext cx="9547412" cy="1200329"/>
+          </a:xfrm>
+          <a:prstGeom prst="rect">
+            <a:avLst/>
+          </a:prstGeom>
+          <a:noFill/>
+        </p:spPr>
+        <p:txBody>
+          <a:bodyPr wrap="square" rtlCol="0">
+            <a:spAutoFit/>
+          </a:bodyPr>
+          <a:lstStyle/>
+          <a:p>
+            <a:r>
+              <a:rPr lang="fr-FR" sz="3600" b="1" dirty="0">
+                <a:solidFill>
+                  <a:schemeClr val="bg1"/>
+                </a:solidFill>
+                <a:latin typeface="Microsoft JhengHei Light" panose="020B0304030504040204" pitchFamily="34" charset="-120"/>
+                <a:ea typeface="Microsoft JhengHei Light" panose="020B0304030504040204" pitchFamily="34" charset="-120"/>
+              </a:rPr>
+              <a:t>4.3) </a:t>
+            </a:r>
+            <a:r>
+              <a:rPr lang="fr-FR" sz="3600" b="1" u="sng" dirty="0">
+                <a:solidFill>
+                  <a:schemeClr val="bg1"/>
+                </a:solidFill>
+                <a:latin typeface="Microsoft JhengHei Light" panose="020B0304030504040204" pitchFamily="34" charset="-120"/>
+                <a:ea typeface="Microsoft JhengHei Light" panose="020B0304030504040204" pitchFamily="34" charset="-120"/>
+              </a:rPr>
+              <a:t>La différence entre les tests statiques et dynamiques </a:t>
+            </a:r>
+            <a:r>
+              <a:rPr lang="fr-FR" sz="3600" b="1" dirty="0">
+                <a:solidFill>
+                  <a:schemeClr val="bg1"/>
+                </a:solidFill>
+                <a:latin typeface="Microsoft JhengHei Light" panose="020B0304030504040204" pitchFamily="34" charset="-120"/>
+                <a:ea typeface="Microsoft JhengHei Light" panose="020B0304030504040204" pitchFamily="34" charset="-120"/>
+              </a:rPr>
+              <a:t>:</a:t>
+            </a:r>
+          </a:p>
+        </p:txBody>
+      </p:sp>
+      <p:sp>
+        <p:nvSpPr>
+          <p:cNvPr id="6" name="ZoneTexte 5">
+            <a:extLst>
+              <a:ext uri="{FF2B5EF4-FFF2-40B4-BE49-F238E27FC236}">
+                <a16:creationId xmlns:a16="http://schemas.microsoft.com/office/drawing/2014/main" id="{0F788721-BDF4-8250-7686-146256FB2FF9}"/>
+              </a:ext>
+            </a:extLst>
+          </p:cNvPr>
+          <p:cNvSpPr txBox="1"/>
+          <p:nvPr/>
+        </p:nvSpPr>
+        <p:spPr>
+          <a:xfrm>
+            <a:off x="1936376" y="2232212"/>
+            <a:ext cx="9941856" cy="1754326"/>
+          </a:xfrm>
+          <a:prstGeom prst="rect">
+            <a:avLst/>
+          </a:prstGeom>
+          <a:noFill/>
+        </p:spPr>
+        <p:txBody>
+          <a:bodyPr wrap="square" rtlCol="0">
+            <a:spAutoFit/>
+          </a:bodyPr>
+          <a:lstStyle/>
+          <a:p>
+            <a:r>
+              <a:rPr lang="fr-FR" b="1" u="sng" dirty="0">
+                <a:solidFill>
+                  <a:schemeClr val="bg1"/>
+                </a:solidFill>
+                <a:latin typeface="Microsoft JhengHei Light" panose="020B0304030504040204" pitchFamily="34" charset="-120"/>
+                <a:ea typeface="Microsoft JhengHei Light" panose="020B0304030504040204" pitchFamily="34" charset="-120"/>
+              </a:rPr>
+              <a:t>Tests statiques</a:t>
+            </a:r>
+            <a:r>
+              <a:rPr lang="fr-FR" dirty="0">
+                <a:solidFill>
+                  <a:schemeClr val="bg1"/>
+                </a:solidFill>
+                <a:latin typeface="Microsoft JhengHei Light" panose="020B0304030504040204" pitchFamily="34" charset="-120"/>
+                <a:ea typeface="Microsoft JhengHei Light" panose="020B0304030504040204" pitchFamily="34" charset="-120"/>
+              </a:rPr>
+              <a:t> :</a:t>
+            </a:r>
+          </a:p>
+          <a:p>
+            <a:endParaRPr lang="fr-FR" dirty="0">
+              <a:solidFill>
+                <a:schemeClr val="bg1"/>
+              </a:solidFill>
+              <a:latin typeface="Microsoft JhengHei Light" panose="020B0304030504040204" pitchFamily="34" charset="-120"/>
+              <a:ea typeface="Microsoft JhengHei Light" panose="020B0304030504040204" pitchFamily="34" charset="-120"/>
+            </a:endParaRPr>
+          </a:p>
+          <a:p>
+            <a:pPr algn="just"/>
+            <a:r>
+              <a:rPr lang="fr-FR" dirty="0">
+                <a:solidFill>
+                  <a:schemeClr val="bg1"/>
+                </a:solidFill>
+                <a:latin typeface="Microsoft JhengHei Light" panose="020B0304030504040204" pitchFamily="34" charset="-120"/>
+                <a:ea typeface="Microsoft JhengHei Light" panose="020B0304030504040204" pitchFamily="34" charset="-120"/>
+              </a:rPr>
+              <a:t>Les tests statiques sont des tests qui sont effectués avant son exécution lors du cycle de vie du développement. Cependant, ils sont exécutés sur des </a:t>
+            </a:r>
+            <a:r>
+              <a:rPr lang="fr-FR" dirty="0">
+                <a:highlight>
+                  <a:srgbClr val="FFFF00"/>
+                </a:highlight>
+                <a:latin typeface="Microsoft JhengHei Light" panose="020B0304030504040204" pitchFamily="34" charset="-120"/>
+                <a:ea typeface="Microsoft JhengHei Light" panose="020B0304030504040204" pitchFamily="34" charset="-120"/>
+              </a:rPr>
+              <a:t>codes sources</a:t>
+            </a:r>
+            <a:r>
+              <a:rPr lang="fr-FR" dirty="0">
+                <a:solidFill>
+                  <a:schemeClr val="bg1"/>
+                </a:solidFill>
+                <a:latin typeface="Microsoft JhengHei Light" panose="020B0304030504040204" pitchFamily="34" charset="-120"/>
+                <a:ea typeface="Microsoft JhengHei Light" panose="020B0304030504040204" pitchFamily="34" charset="-120"/>
+              </a:rPr>
+              <a:t> et les </a:t>
+            </a:r>
+            <a:r>
+              <a:rPr lang="fr-FR" dirty="0">
+                <a:highlight>
+                  <a:srgbClr val="FFFF00"/>
+                </a:highlight>
+                <a:latin typeface="Microsoft JhengHei Light" panose="020B0304030504040204" pitchFamily="34" charset="-120"/>
+                <a:ea typeface="Microsoft JhengHei Light" panose="020B0304030504040204" pitchFamily="34" charset="-120"/>
+              </a:rPr>
+              <a:t>ressources</a:t>
+            </a:r>
+            <a:r>
+              <a:rPr lang="fr-FR" dirty="0">
+                <a:solidFill>
+                  <a:schemeClr val="bg1"/>
+                </a:solidFill>
+                <a:latin typeface="Microsoft JhengHei Light" panose="020B0304030504040204" pitchFamily="34" charset="-120"/>
+                <a:ea typeface="Microsoft JhengHei Light" panose="020B0304030504040204" pitchFamily="34" charset="-120"/>
+              </a:rPr>
+              <a:t> (ex : la documentation) nécessaires et est recommandé selon l’ISTQB de les exécutés très tôt car cela reviendrait moins cher et permettrait de cibler les défauts tôt.</a:t>
+            </a:r>
+          </a:p>
+        </p:txBody>
+      </p:sp>
+      <p:sp>
+        <p:nvSpPr>
+          <p:cNvPr id="7" name="ZoneTexte 6">
+            <a:extLst>
+              <a:ext uri="{FF2B5EF4-FFF2-40B4-BE49-F238E27FC236}">
+                <a16:creationId xmlns:a16="http://schemas.microsoft.com/office/drawing/2014/main" id="{8476FDF8-C292-A923-3FB2-611E708C91AE}"/>
+              </a:ext>
+            </a:extLst>
+          </p:cNvPr>
+          <p:cNvSpPr txBox="1"/>
+          <p:nvPr/>
+        </p:nvSpPr>
+        <p:spPr>
+          <a:xfrm>
+            <a:off x="1936380" y="4363980"/>
+            <a:ext cx="9941852" cy="2031325"/>
+          </a:xfrm>
+          <a:prstGeom prst="rect">
+            <a:avLst/>
+          </a:prstGeom>
+          <a:noFill/>
+        </p:spPr>
+        <p:txBody>
+          <a:bodyPr wrap="square" rtlCol="0">
+            <a:spAutoFit/>
+          </a:bodyPr>
+          <a:lstStyle/>
+          <a:p>
+            <a:r>
+              <a:rPr lang="fr-FR" b="1" u="sng" dirty="0">
+                <a:solidFill>
+                  <a:schemeClr val="bg1"/>
+                </a:solidFill>
+                <a:latin typeface="Microsoft JhengHei Light" panose="020B0304030504040204" pitchFamily="34" charset="-120"/>
+                <a:ea typeface="Microsoft JhengHei Light" panose="020B0304030504040204" pitchFamily="34" charset="-120"/>
+              </a:rPr>
+              <a:t>Tests dynamiques</a:t>
+            </a:r>
+            <a:r>
+              <a:rPr lang="fr-FR" b="1" dirty="0">
+                <a:solidFill>
+                  <a:schemeClr val="bg1"/>
+                </a:solidFill>
+                <a:latin typeface="Microsoft JhengHei Light" panose="020B0304030504040204" pitchFamily="34" charset="-120"/>
+                <a:ea typeface="Microsoft JhengHei Light" panose="020B0304030504040204" pitchFamily="34" charset="-120"/>
+              </a:rPr>
+              <a:t> :</a:t>
+            </a:r>
+          </a:p>
+          <a:p>
+            <a:endParaRPr lang="fr-FR" b="1" u="sng" dirty="0">
+              <a:solidFill>
+                <a:schemeClr val="bg1"/>
+              </a:solidFill>
+              <a:latin typeface="Microsoft JhengHei Light" panose="020B0304030504040204" pitchFamily="34" charset="-120"/>
+              <a:ea typeface="Microsoft JhengHei Light" panose="020B0304030504040204" pitchFamily="34" charset="-120"/>
+            </a:endParaRPr>
+          </a:p>
+          <a:p>
+            <a:pPr algn="just"/>
+            <a:r>
+              <a:rPr lang="fr-FR" dirty="0">
+                <a:solidFill>
+                  <a:schemeClr val="bg1"/>
+                </a:solidFill>
+                <a:latin typeface="Microsoft JhengHei Light" panose="020B0304030504040204" pitchFamily="34" charset="-120"/>
+                <a:ea typeface="Microsoft JhengHei Light" panose="020B0304030504040204" pitchFamily="34" charset="-120"/>
+              </a:rPr>
+              <a:t>Les tests dynamiques quant à eux, ils se concentrent sur </a:t>
+            </a:r>
+            <a:r>
+              <a:rPr lang="fr-FR" dirty="0">
+                <a:highlight>
+                  <a:srgbClr val="FFFF00"/>
+                </a:highlight>
+                <a:latin typeface="Microsoft JhengHei Light" panose="020B0304030504040204" pitchFamily="34" charset="-120"/>
+                <a:ea typeface="Microsoft JhengHei Light" panose="020B0304030504040204" pitchFamily="34" charset="-120"/>
+              </a:rPr>
+              <a:t>l’environnement d’exécution</a:t>
+            </a:r>
+            <a:r>
+              <a:rPr lang="fr-FR" dirty="0">
+                <a:solidFill>
+                  <a:schemeClr val="bg1"/>
+                </a:solidFill>
+                <a:latin typeface="Microsoft JhengHei Light" panose="020B0304030504040204" pitchFamily="34" charset="-120"/>
+                <a:ea typeface="Microsoft JhengHei Light" panose="020B0304030504040204" pitchFamily="34" charset="-120"/>
+              </a:rPr>
+              <a:t> des tests. Ce qui veut dire ? Que le code est déjà exécuté avec en plus une analyse de sécurité qui est très importante. Néanmoins, les tests statiques et dynamiques peuvent avoir le même objectif excepté le fait, que les tests statiques soient plus efficaces et plus rapide scientifiquement, que les tests dynamiques.</a:t>
+            </a:r>
+          </a:p>
+        </p:txBody>
+      </p:sp>
+    </p:spTree>
+    <p:extLst>
+      <p:ext uri="{BB962C8B-B14F-4D97-AF65-F5344CB8AC3E}">
+        <p14:creationId xmlns:p14="http://schemas.microsoft.com/office/powerpoint/2010/main" val="1809218403"/>
+      </p:ext>
+    </p:extLst>
+  </p:cSld>
+  <p:clrMapOvr>
+    <a:masterClrMapping/>
+  </p:clrMapOvr>
+  <p:timing>
+    <p:tnLst>
+      <p:par>
+        <p:cTn id="1" dur="indefinite" restart="never" nodeType="tmRoot">
+          <p:childTnLst>
+            <p:seq concurrent="1" nextAc="seek">
+              <p:cTn id="2" dur="indefinite" nodeType="mainSeq">
+                <p:childTnLst>
+                  <p:par>
+                    <p:cTn id="3" fill="hold">
+                      <p:stCondLst>
+                        <p:cond delay="indefinite"/>
+                        <p:cond evt="onBegin" delay="0">
+                          <p:tn val="2"/>
+                        </p:cond>
+                      </p:stCondLst>
+                      <p:childTnLst>
+                        <p:par>
+                          <p:cTn id="4" fill="hold">
+                            <p:stCondLst>
+                              <p:cond delay="0"/>
+                            </p:stCondLst>
+                            <p:childTnLst>
+                              <p:par>
+                                <p:cTn id="5" presetID="10" presetClass="entr" presetSubtype="0" fill="hold" nodeType="withEffect">
+                                  <p:stCondLst>
+                                    <p:cond delay="0"/>
+                                  </p:stCondLst>
+                                  <p:childTnLst>
+                                    <p:set>
+                                      <p:cBhvr>
+                                        <p:cTn id="6" dur="1" fill="hold">
+                                          <p:stCondLst>
+                                            <p:cond delay="0"/>
+                                          </p:stCondLst>
+                                        </p:cTn>
+                                        <p:tgtEl>
+                                          <p:spTgt spid="3"/>
+                                        </p:tgtEl>
+                                        <p:attrNameLst>
+                                          <p:attrName>style.visibility</p:attrName>
+                                        </p:attrNameLst>
+                                      </p:cBhvr>
+                                      <p:to>
+                                        <p:strVal val="visible"/>
+                                      </p:to>
+                                    </p:set>
+                                    <p:animEffect transition="in" filter="fade">
+                                      <p:cBhvr>
+                                        <p:cTn id="7" dur="500"/>
+                                        <p:tgtEl>
+                                          <p:spTgt spid="3"/>
+                                        </p:tgtEl>
+                                      </p:cBhvr>
+                                    </p:animEffect>
+                                  </p:childTnLst>
+                                </p:cTn>
+                              </p:par>
+                            </p:childTnLst>
+                          </p:cTn>
+                        </p:par>
+                        <p:par>
+                          <p:cTn id="8" fill="hold">
+                            <p:stCondLst>
+                              <p:cond delay="500"/>
+                            </p:stCondLst>
+                            <p:childTnLst>
+                              <p:par>
+                                <p:cTn id="9" presetID="10" presetClass="entr" presetSubtype="0" fill="hold" nodeType="afterEffect">
+                                  <p:stCondLst>
+                                    <p:cond delay="0"/>
+                                  </p:stCondLst>
+                                  <p:childTnLst>
+                                    <p:set>
+                                      <p:cBhvr>
+                                        <p:cTn id="10" dur="1" fill="hold">
+                                          <p:stCondLst>
+                                            <p:cond delay="0"/>
+                                          </p:stCondLst>
+                                        </p:cTn>
+                                        <p:tgtEl>
+                                          <p:spTgt spid="4"/>
+                                        </p:tgtEl>
+                                        <p:attrNameLst>
+                                          <p:attrName>style.visibility</p:attrName>
+                                        </p:attrNameLst>
+                                      </p:cBhvr>
+                                      <p:to>
+                                        <p:strVal val="visible"/>
+                                      </p:to>
+                                    </p:set>
+                                    <p:animEffect transition="in" filter="fade">
+                                      <p:cBhvr>
+                                        <p:cTn id="11" dur="500"/>
+                                        <p:tgtEl>
+                                          <p:spTgt spid="4"/>
+                                        </p:tgtEl>
+                                      </p:cBhvr>
+                                    </p:animEffect>
+                                  </p:childTnLst>
+                                </p:cTn>
+                              </p:par>
+                            </p:childTnLst>
+                          </p:cTn>
+                        </p:par>
+                      </p:childTnLst>
+                    </p:cTn>
+                  </p:par>
+                  <p:par>
+                    <p:cTn id="12" fill="hold">
+                      <p:stCondLst>
+                        <p:cond delay="indefinite"/>
+                      </p:stCondLst>
+                      <p:childTnLst>
+                        <p:par>
+                          <p:cTn id="13" fill="hold">
+                            <p:stCondLst>
+                              <p:cond delay="0"/>
+                            </p:stCondLst>
+                            <p:childTnLst>
+                              <p:par>
+                                <p:cTn id="14" presetID="42" presetClass="entr" presetSubtype="0" fill="hold" grpId="0" nodeType="clickEffect">
+                                  <p:stCondLst>
+                                    <p:cond delay="0"/>
+                                  </p:stCondLst>
+                                  <p:childTnLst>
+                                    <p:set>
+                                      <p:cBhvr>
+                                        <p:cTn id="15" dur="1" fill="hold">
+                                          <p:stCondLst>
+                                            <p:cond delay="0"/>
+                                          </p:stCondLst>
+                                        </p:cTn>
+                                        <p:tgtEl>
+                                          <p:spTgt spid="5"/>
+                                        </p:tgtEl>
+                                        <p:attrNameLst>
+                                          <p:attrName>style.visibility</p:attrName>
+                                        </p:attrNameLst>
+                                      </p:cBhvr>
+                                      <p:to>
+                                        <p:strVal val="visible"/>
+                                      </p:to>
+                                    </p:set>
+                                    <p:animEffect transition="in" filter="fade">
+                                      <p:cBhvr>
+                                        <p:cTn id="16" dur="1000"/>
+                                        <p:tgtEl>
+                                          <p:spTgt spid="5"/>
+                                        </p:tgtEl>
+                                      </p:cBhvr>
+                                    </p:animEffect>
+                                    <p:anim calcmode="lin" valueType="num">
+                                      <p:cBhvr>
+                                        <p:cTn id="17" dur="1000" fill="hold"/>
+                                        <p:tgtEl>
+                                          <p:spTgt spid="5"/>
+                                        </p:tgtEl>
+                                        <p:attrNameLst>
+                                          <p:attrName>ppt_x</p:attrName>
+                                        </p:attrNameLst>
+                                      </p:cBhvr>
+                                      <p:tavLst>
+                                        <p:tav tm="0">
+                                          <p:val>
+                                            <p:strVal val="#ppt_x"/>
+                                          </p:val>
+                                        </p:tav>
+                                        <p:tav tm="100000">
+                                          <p:val>
+                                            <p:strVal val="#ppt_x"/>
+                                          </p:val>
+                                        </p:tav>
+                                      </p:tavLst>
+                                    </p:anim>
+                                    <p:anim calcmode="lin" valueType="num">
+                                      <p:cBhvr>
+                                        <p:cTn id="18" dur="1000" fill="hold"/>
+                                        <p:tgtEl>
+                                          <p:spTgt spid="5"/>
+                                        </p:tgtEl>
+                                        <p:attrNameLst>
+                                          <p:attrName>ppt_y</p:attrName>
+                                        </p:attrNameLst>
+                                      </p:cBhvr>
+                                      <p:tavLst>
+                                        <p:tav tm="0">
+                                          <p:val>
+                                            <p:strVal val="#ppt_y+.1"/>
+                                          </p:val>
+                                        </p:tav>
+                                        <p:tav tm="100000">
+                                          <p:val>
+                                            <p:strVal val="#ppt_y"/>
+                                          </p:val>
+                                        </p:tav>
+                                      </p:tavLst>
+                                    </p:anim>
+                                  </p:childTnLst>
+                                </p:cTn>
+                              </p:par>
+                            </p:childTnLst>
+                          </p:cTn>
+                        </p:par>
+                      </p:childTnLst>
+                    </p:cTn>
+                  </p:par>
+                  <p:par>
+                    <p:cTn id="19" fill="hold">
+                      <p:stCondLst>
+                        <p:cond delay="indefinite"/>
+                      </p:stCondLst>
+                      <p:childTnLst>
+                        <p:par>
+                          <p:cTn id="20" fill="hold">
+                            <p:stCondLst>
+                              <p:cond delay="0"/>
+                            </p:stCondLst>
+                            <p:childTnLst>
+                              <p:par>
+                                <p:cTn id="21" presetID="10" presetClass="entr" presetSubtype="0" fill="hold" grpId="0" nodeType="clickEffect">
+                                  <p:stCondLst>
+                                    <p:cond delay="0"/>
+                                  </p:stCondLst>
+                                  <p:childTnLst>
+                                    <p:set>
+                                      <p:cBhvr>
+                                        <p:cTn id="22" dur="1" fill="hold">
+                                          <p:stCondLst>
+                                            <p:cond delay="0"/>
+                                          </p:stCondLst>
+                                        </p:cTn>
+                                        <p:tgtEl>
+                                          <p:spTgt spid="6"/>
+                                        </p:tgtEl>
+                                        <p:attrNameLst>
+                                          <p:attrName>style.visibility</p:attrName>
+                                        </p:attrNameLst>
+                                      </p:cBhvr>
+                                      <p:to>
+                                        <p:strVal val="visible"/>
+                                      </p:to>
+                                    </p:set>
+                                    <p:animEffect transition="in" filter="fade">
+                                      <p:cBhvr>
+                                        <p:cTn id="23" dur="500"/>
+                                        <p:tgtEl>
+                                          <p:spTgt spid="6"/>
+                                        </p:tgtEl>
+                                      </p:cBhvr>
+                                    </p:animEffect>
+                                  </p:childTnLst>
+                                </p:cTn>
+                              </p:par>
+                              <p:par>
+                                <p:cTn id="24" presetID="10" presetClass="entr" presetSubtype="0" fill="hold" grpId="0" nodeType="withEffect">
+                                  <p:stCondLst>
+                                    <p:cond delay="0"/>
+                                  </p:stCondLst>
+                                  <p:childTnLst>
+                                    <p:set>
+                                      <p:cBhvr>
+                                        <p:cTn id="25" dur="1" fill="hold">
+                                          <p:stCondLst>
+                                            <p:cond delay="0"/>
+                                          </p:stCondLst>
+                                        </p:cTn>
+                                        <p:tgtEl>
+                                          <p:spTgt spid="7"/>
+                                        </p:tgtEl>
+                                        <p:attrNameLst>
+                                          <p:attrName>style.visibility</p:attrName>
+                                        </p:attrNameLst>
+                                      </p:cBhvr>
+                                      <p:to>
+                                        <p:strVal val="visible"/>
+                                      </p:to>
+                                    </p:set>
+                                    <p:animEffect transition="in" filter="fade">
+                                      <p:cBhvr>
+                                        <p:cTn id="26" dur="500"/>
+                                        <p:tgtEl>
+                                          <p:spTgt spid="7"/>
+                                        </p:tgtEl>
+                                      </p:cBhvr>
+                                    </p:animEffect>
+                                  </p:childTnLst>
+                                </p:cTn>
+                              </p:par>
+                            </p:childTnLst>
+                          </p:cTn>
+                        </p:par>
+                      </p:childTnLst>
+                    </p:cTn>
+                  </p:par>
+                </p:childTnLst>
+              </p:cTn>
+              <p:prevCondLst>
+                <p:cond evt="onPrev" delay="0">
+                  <p:tgtEl>
+                    <p:sldTgt/>
+                  </p:tgtEl>
+                </p:cond>
+              </p:prevCondLst>
+              <p:nextCondLst>
+                <p:cond evt="onNext" delay="0">
+                  <p:tgtEl>
+                    <p:sldTgt/>
+                  </p:tgtEl>
+                </p:cond>
+              </p:nextCondLst>
+            </p:seq>
+          </p:childTnLst>
+        </p:cTn>
+      </p:par>
+    </p:tnLst>
+    <p:bldLst>
+      <p:bldP spid="5" grpId="0"/>
+      <p:bldP spid="6" grpId="0"/>
+      <p:bldP spid="7" grpId="0"/>
+    </p:bldLst>
+  </p:timing>
+</p:sld>
+</file>
+
 <file path=ppt/slides/slide4.xml><?xml version="1.0" encoding="utf-8"?>
 <p:sld xmlns:a="http://schemas.openxmlformats.org/drawingml/2006/main" xmlns:r="http://schemas.openxmlformats.org/officeDocument/2006/relationships" xmlns:p="http://schemas.openxmlformats.org/presentationml/2006/main">
   <p:cSld>
@@ -22232,6 +23544,363 @@
       <p:bldP spid="6" grpId="0"/>
     </p:bldLst>
   </p:timing>
+</p:sld>
+</file>
+
+<file path=ppt/slides/slide40.xml><?xml version="1.0" encoding="utf-8"?>
+<p:sld xmlns:a="http://schemas.openxmlformats.org/drawingml/2006/main" xmlns:r="http://schemas.openxmlformats.org/officeDocument/2006/relationships" xmlns:p="http://schemas.openxmlformats.org/presentationml/2006/main">
+  <p:cSld>
+    <p:bg>
+      <p:bgPr>
+        <a:solidFill>
+          <a:schemeClr val="bg2">
+            <a:lumMod val="10000"/>
+          </a:schemeClr>
+        </a:solidFill>
+        <a:effectLst/>
+      </p:bgPr>
+    </p:bg>
+    <p:spTree>
+      <p:nvGrpSpPr>
+        <p:cNvPr id="1" name=""/>
+        <p:cNvGrpSpPr/>
+        <p:nvPr/>
+      </p:nvGrpSpPr>
+      <p:grpSpPr>
+        <a:xfrm>
+          <a:off x="0" y="0"/>
+          <a:ext cx="0" cy="0"/>
+          <a:chOff x="0" y="0"/>
+          <a:chExt cx="0" cy="0"/>
+        </a:xfrm>
+      </p:grpSpPr>
+      <p:sp>
+        <p:nvSpPr>
+          <p:cNvPr id="2" name="ZoneTexte 1">
+            <a:extLst>
+              <a:ext uri="{FF2B5EF4-FFF2-40B4-BE49-F238E27FC236}">
+                <a16:creationId xmlns:a16="http://schemas.microsoft.com/office/drawing/2014/main" id="{D7675A70-793F-40DA-F2DD-841925BFC508}"/>
+              </a:ext>
+            </a:extLst>
+          </p:cNvPr>
+          <p:cNvSpPr txBox="1"/>
+          <p:nvPr/>
+        </p:nvSpPr>
+        <p:spPr>
+          <a:xfrm>
+            <a:off x="2448233" y="3075057"/>
+            <a:ext cx="8131278" cy="707886"/>
+          </a:xfrm>
+          <a:prstGeom prst="rect">
+            <a:avLst/>
+          </a:prstGeom>
+          <a:noFill/>
+        </p:spPr>
+        <p:txBody>
+          <a:bodyPr wrap="square" rtlCol="0">
+            <a:spAutoFit/>
+          </a:bodyPr>
+          <a:lstStyle/>
+          <a:p>
+            <a:r>
+              <a:rPr lang="fr-FR" sz="4000" b="1" dirty="0">
+                <a:solidFill>
+                  <a:schemeClr val="bg1"/>
+                </a:solidFill>
+                <a:latin typeface="Microsoft JhengHei Light" panose="020B0304030504040204" pitchFamily="34" charset="-120"/>
+                <a:ea typeface="Microsoft JhengHei Light" panose="020B0304030504040204" pitchFamily="34" charset="-120"/>
+              </a:rPr>
+              <a:t>Chapitre 5 : </a:t>
+            </a:r>
+            <a:r>
+              <a:rPr lang="fr-FR" sz="4000" dirty="0">
+                <a:solidFill>
+                  <a:schemeClr val="bg1"/>
+                </a:solidFill>
+                <a:latin typeface="Microsoft JhengHei Light" panose="020B0304030504040204" pitchFamily="34" charset="-120"/>
+                <a:ea typeface="Microsoft JhengHei Light" panose="020B0304030504040204" pitchFamily="34" charset="-120"/>
+              </a:rPr>
+              <a:t>Les tests alpha et bêta</a:t>
+            </a:r>
+            <a:endParaRPr lang="fr-FR" sz="4000" b="1" dirty="0">
+              <a:solidFill>
+                <a:schemeClr val="bg1"/>
+              </a:solidFill>
+              <a:latin typeface="Microsoft JhengHei Light" panose="020B0304030504040204" pitchFamily="34" charset="-120"/>
+              <a:ea typeface="Microsoft JhengHei Light" panose="020B0304030504040204" pitchFamily="34" charset="-120"/>
+            </a:endParaRPr>
+          </a:p>
+        </p:txBody>
+      </p:sp>
+      <p:cxnSp>
+        <p:nvCxnSpPr>
+          <p:cNvPr id="4" name="Connecteur droit 3">
+            <a:extLst>
+              <a:ext uri="{FF2B5EF4-FFF2-40B4-BE49-F238E27FC236}">
+                <a16:creationId xmlns:a16="http://schemas.microsoft.com/office/drawing/2014/main" id="{DEADED05-5FCA-8B42-956A-911A3E474E3A}"/>
+              </a:ext>
+            </a:extLst>
+          </p:cNvPr>
+          <p:cNvCxnSpPr>
+            <a:cxnSpLocks/>
+          </p:cNvCxnSpPr>
+          <p:nvPr/>
+        </p:nvCxnSpPr>
+        <p:spPr>
+          <a:xfrm>
+            <a:off x="2566220" y="3883742"/>
+            <a:ext cx="7895304" cy="0"/>
+          </a:xfrm>
+          <a:prstGeom prst="line">
+            <a:avLst/>
+          </a:prstGeom>
+          <a:ln w="76200">
+            <a:solidFill>
+              <a:srgbClr val="FF0000"/>
+            </a:solidFill>
+          </a:ln>
+        </p:spPr>
+        <p:style>
+          <a:lnRef idx="1">
+            <a:schemeClr val="accent1"/>
+          </a:lnRef>
+          <a:fillRef idx="0">
+            <a:schemeClr val="accent1"/>
+          </a:fillRef>
+          <a:effectRef idx="0">
+            <a:schemeClr val="accent1"/>
+          </a:effectRef>
+          <a:fontRef idx="minor">
+            <a:schemeClr val="tx1"/>
+          </a:fontRef>
+        </p:style>
+      </p:cxnSp>
+    </p:spTree>
+    <p:extLst>
+      <p:ext uri="{BB962C8B-B14F-4D97-AF65-F5344CB8AC3E}">
+        <p14:creationId xmlns:p14="http://schemas.microsoft.com/office/powerpoint/2010/main" val="1657511111"/>
+      </p:ext>
+    </p:extLst>
+  </p:cSld>
+  <p:clrMapOvr>
+    <a:masterClrMapping/>
+  </p:clrMapOvr>
+  <p:timing>
+    <p:tnLst>
+      <p:par>
+        <p:cTn id="1" dur="indefinite" restart="never" nodeType="tmRoot">
+          <p:childTnLst>
+            <p:seq concurrent="1" nextAc="seek">
+              <p:cTn id="2" dur="indefinite" nodeType="mainSeq">
+                <p:childTnLst>
+                  <p:par>
+                    <p:cTn id="3" fill="hold">
+                      <p:stCondLst>
+                        <p:cond delay="indefinite"/>
+                      </p:stCondLst>
+                      <p:childTnLst>
+                        <p:par>
+                          <p:cTn id="4" fill="hold">
+                            <p:stCondLst>
+                              <p:cond delay="0"/>
+                            </p:stCondLst>
+                            <p:childTnLst>
+                              <p:par>
+                                <p:cTn id="5" presetID="42" presetClass="entr" presetSubtype="0" fill="hold" grpId="0" nodeType="clickEffect">
+                                  <p:stCondLst>
+                                    <p:cond delay="0"/>
+                                  </p:stCondLst>
+                                  <p:childTnLst>
+                                    <p:set>
+                                      <p:cBhvr>
+                                        <p:cTn id="6" dur="1" fill="hold">
+                                          <p:stCondLst>
+                                            <p:cond delay="0"/>
+                                          </p:stCondLst>
+                                        </p:cTn>
+                                        <p:tgtEl>
+                                          <p:spTgt spid="2"/>
+                                        </p:tgtEl>
+                                        <p:attrNameLst>
+                                          <p:attrName>style.visibility</p:attrName>
+                                        </p:attrNameLst>
+                                      </p:cBhvr>
+                                      <p:to>
+                                        <p:strVal val="visible"/>
+                                      </p:to>
+                                    </p:set>
+                                    <p:animEffect transition="in" filter="fade">
+                                      <p:cBhvr>
+                                        <p:cTn id="7" dur="1000"/>
+                                        <p:tgtEl>
+                                          <p:spTgt spid="2"/>
+                                        </p:tgtEl>
+                                      </p:cBhvr>
+                                    </p:animEffect>
+                                    <p:anim calcmode="lin" valueType="num">
+                                      <p:cBhvr>
+                                        <p:cTn id="8" dur="1000" fill="hold"/>
+                                        <p:tgtEl>
+                                          <p:spTgt spid="2"/>
+                                        </p:tgtEl>
+                                        <p:attrNameLst>
+                                          <p:attrName>ppt_x</p:attrName>
+                                        </p:attrNameLst>
+                                      </p:cBhvr>
+                                      <p:tavLst>
+                                        <p:tav tm="0">
+                                          <p:val>
+                                            <p:strVal val="#ppt_x"/>
+                                          </p:val>
+                                        </p:tav>
+                                        <p:tav tm="100000">
+                                          <p:val>
+                                            <p:strVal val="#ppt_x"/>
+                                          </p:val>
+                                        </p:tav>
+                                      </p:tavLst>
+                                    </p:anim>
+                                    <p:anim calcmode="lin" valueType="num">
+                                      <p:cBhvr>
+                                        <p:cTn id="9" dur="1000" fill="hold"/>
+                                        <p:tgtEl>
+                                          <p:spTgt spid="2"/>
+                                        </p:tgtEl>
+                                        <p:attrNameLst>
+                                          <p:attrName>ppt_y</p:attrName>
+                                        </p:attrNameLst>
+                                      </p:cBhvr>
+                                      <p:tavLst>
+                                        <p:tav tm="0">
+                                          <p:val>
+                                            <p:strVal val="#ppt_y+.1"/>
+                                          </p:val>
+                                        </p:tav>
+                                        <p:tav tm="100000">
+                                          <p:val>
+                                            <p:strVal val="#ppt_y"/>
+                                          </p:val>
+                                        </p:tav>
+                                      </p:tavLst>
+                                    </p:anim>
+                                  </p:childTnLst>
+                                </p:cTn>
+                              </p:par>
+                            </p:childTnLst>
+                          </p:cTn>
+                        </p:par>
+                        <p:par>
+                          <p:cTn id="10" fill="hold">
+                            <p:stCondLst>
+                              <p:cond delay="1000"/>
+                            </p:stCondLst>
+                            <p:childTnLst>
+                              <p:par>
+                                <p:cTn id="11" presetID="22" presetClass="entr" presetSubtype="8" fill="hold" nodeType="afterEffect">
+                                  <p:stCondLst>
+                                    <p:cond delay="0"/>
+                                  </p:stCondLst>
+                                  <p:childTnLst>
+                                    <p:set>
+                                      <p:cBhvr>
+                                        <p:cTn id="12" dur="1" fill="hold">
+                                          <p:stCondLst>
+                                            <p:cond delay="0"/>
+                                          </p:stCondLst>
+                                        </p:cTn>
+                                        <p:tgtEl>
+                                          <p:spTgt spid="4"/>
+                                        </p:tgtEl>
+                                        <p:attrNameLst>
+                                          <p:attrName>style.visibility</p:attrName>
+                                        </p:attrNameLst>
+                                      </p:cBhvr>
+                                      <p:to>
+                                        <p:strVal val="visible"/>
+                                      </p:to>
+                                    </p:set>
+                                    <p:animEffect transition="in" filter="wipe(left)">
+                                      <p:cBhvr>
+                                        <p:cTn id="13" dur="500"/>
+                                        <p:tgtEl>
+                                          <p:spTgt spid="4"/>
+                                        </p:tgtEl>
+                                      </p:cBhvr>
+                                    </p:animEffect>
+                                  </p:childTnLst>
+                                </p:cTn>
+                              </p:par>
+                            </p:childTnLst>
+                          </p:cTn>
+                        </p:par>
+                      </p:childTnLst>
+                    </p:cTn>
+                  </p:par>
+                </p:childTnLst>
+              </p:cTn>
+              <p:prevCondLst>
+                <p:cond evt="onPrev" delay="0">
+                  <p:tgtEl>
+                    <p:sldTgt/>
+                  </p:tgtEl>
+                </p:cond>
+              </p:prevCondLst>
+              <p:nextCondLst>
+                <p:cond evt="onNext" delay="0">
+                  <p:tgtEl>
+                    <p:sldTgt/>
+                  </p:tgtEl>
+                </p:cond>
+              </p:nextCondLst>
+            </p:seq>
+          </p:childTnLst>
+        </p:cTn>
+      </p:par>
+    </p:tnLst>
+    <p:bldLst>
+      <p:bldP spid="2" grpId="0"/>
+    </p:bldLst>
+  </p:timing>
+</p:sld>
+</file>
+
+<file path=ppt/slides/slide41.xml><?xml version="1.0" encoding="utf-8"?>
+<p:sld xmlns:a="http://schemas.openxmlformats.org/drawingml/2006/main" xmlns:r="http://schemas.openxmlformats.org/officeDocument/2006/relationships" xmlns:p="http://schemas.openxmlformats.org/presentationml/2006/main">
+  <p:cSld>
+    <p:bg>
+      <p:bgPr>
+        <a:solidFill>
+          <a:schemeClr val="bg2">
+            <a:lumMod val="10000"/>
+          </a:schemeClr>
+        </a:solidFill>
+        <a:effectLst/>
+      </p:bgPr>
+    </p:bg>
+    <p:spTree>
+      <p:nvGrpSpPr>
+        <p:cNvPr id="1" name=""/>
+        <p:cNvGrpSpPr/>
+        <p:nvPr/>
+      </p:nvGrpSpPr>
+      <p:grpSpPr>
+        <a:xfrm>
+          <a:off x="0" y="0"/>
+          <a:ext cx="0" cy="0"/>
+          <a:chOff x="0" y="0"/>
+          <a:chExt cx="0" cy="0"/>
+        </a:xfrm>
+      </p:grpSpPr>
+    </p:spTree>
+    <p:extLst>
+      <p:ext uri="{BB962C8B-B14F-4D97-AF65-F5344CB8AC3E}">
+        <p14:creationId xmlns:p14="http://schemas.microsoft.com/office/powerpoint/2010/main" val="3138041332"/>
+      </p:ext>
+    </p:extLst>
+  </p:cSld>
+  <p:clrMapOvr>
+    <a:masterClrMapping/>
+  </p:clrMapOvr>
 </p:sld>
 </file>
 

--- a/TRAVAUX/powerpointRevisionISTQB.pptx
+++ b/TRAVAUX/powerpointRevisionISTQB.pptx
@@ -46,6 +46,9 @@
     <p:sldId id="304" r:id="rId40"/>
     <p:sldId id="305" r:id="rId41"/>
     <p:sldId id="306" r:id="rId42"/>
+    <p:sldId id="307" r:id="rId43"/>
+    <p:sldId id="308" r:id="rId44"/>
+    <p:sldId id="309" r:id="rId45"/>
   </p:sldIdLst>
   <p:sldSz cx="12192000" cy="6858000"/>
   <p:notesSz cx="6858000" cy="9144000"/>
@@ -310,7 +313,7 @@
           <a:p>
             <a:fld id="{95064FEC-2A3E-4BEE-8A13-D371E2A14C5E}" type="datetimeFigureOut">
               <a:rPr lang="fr-FR" smtClean="0"/>
-              <a:t>30/06/2023</a:t>
+              <a:t>07/07/2023</a:t>
             </a:fld>
             <a:endParaRPr lang="fr-FR"/>
           </a:p>
@@ -508,7 +511,7 @@
           <a:p>
             <a:fld id="{95064FEC-2A3E-4BEE-8A13-D371E2A14C5E}" type="datetimeFigureOut">
               <a:rPr lang="fr-FR" smtClean="0"/>
-              <a:t>30/06/2023</a:t>
+              <a:t>07/07/2023</a:t>
             </a:fld>
             <a:endParaRPr lang="fr-FR"/>
           </a:p>
@@ -716,7 +719,7 @@
           <a:p>
             <a:fld id="{95064FEC-2A3E-4BEE-8A13-D371E2A14C5E}" type="datetimeFigureOut">
               <a:rPr lang="fr-FR" smtClean="0"/>
-              <a:t>30/06/2023</a:t>
+              <a:t>07/07/2023</a:t>
             </a:fld>
             <a:endParaRPr lang="fr-FR"/>
           </a:p>
@@ -914,7 +917,7 @@
           <a:p>
             <a:fld id="{95064FEC-2A3E-4BEE-8A13-D371E2A14C5E}" type="datetimeFigureOut">
               <a:rPr lang="fr-FR" smtClean="0"/>
-              <a:t>30/06/2023</a:t>
+              <a:t>07/07/2023</a:t>
             </a:fld>
             <a:endParaRPr lang="fr-FR"/>
           </a:p>
@@ -1189,7 +1192,7 @@
           <a:p>
             <a:fld id="{95064FEC-2A3E-4BEE-8A13-D371E2A14C5E}" type="datetimeFigureOut">
               <a:rPr lang="fr-FR" smtClean="0"/>
-              <a:t>30/06/2023</a:t>
+              <a:t>07/07/2023</a:t>
             </a:fld>
             <a:endParaRPr lang="fr-FR"/>
           </a:p>
@@ -1454,7 +1457,7 @@
           <a:p>
             <a:fld id="{95064FEC-2A3E-4BEE-8A13-D371E2A14C5E}" type="datetimeFigureOut">
               <a:rPr lang="fr-FR" smtClean="0"/>
-              <a:t>30/06/2023</a:t>
+              <a:t>07/07/2023</a:t>
             </a:fld>
             <a:endParaRPr lang="fr-FR"/>
           </a:p>
@@ -1866,7 +1869,7 @@
           <a:p>
             <a:fld id="{95064FEC-2A3E-4BEE-8A13-D371E2A14C5E}" type="datetimeFigureOut">
               <a:rPr lang="fr-FR" smtClean="0"/>
-              <a:t>30/06/2023</a:t>
+              <a:t>07/07/2023</a:t>
             </a:fld>
             <a:endParaRPr lang="fr-FR"/>
           </a:p>
@@ -2007,7 +2010,7 @@
           <a:p>
             <a:fld id="{95064FEC-2A3E-4BEE-8A13-D371E2A14C5E}" type="datetimeFigureOut">
               <a:rPr lang="fr-FR" smtClean="0"/>
-              <a:t>30/06/2023</a:t>
+              <a:t>07/07/2023</a:t>
             </a:fld>
             <a:endParaRPr lang="fr-FR"/>
           </a:p>
@@ -2120,7 +2123,7 @@
           <a:p>
             <a:fld id="{95064FEC-2A3E-4BEE-8A13-D371E2A14C5E}" type="datetimeFigureOut">
               <a:rPr lang="fr-FR" smtClean="0"/>
-              <a:t>30/06/2023</a:t>
+              <a:t>07/07/2023</a:t>
             </a:fld>
             <a:endParaRPr lang="fr-FR"/>
           </a:p>
@@ -2431,7 +2434,7 @@
           <a:p>
             <a:fld id="{95064FEC-2A3E-4BEE-8A13-D371E2A14C5E}" type="datetimeFigureOut">
               <a:rPr lang="fr-FR" smtClean="0"/>
-              <a:t>30/06/2023</a:t>
+              <a:t>07/07/2023</a:t>
             </a:fld>
             <a:endParaRPr lang="fr-FR"/>
           </a:p>
@@ -2719,7 +2722,7 @@
           <a:p>
             <a:fld id="{95064FEC-2A3E-4BEE-8A13-D371E2A14C5E}" type="datetimeFigureOut">
               <a:rPr lang="fr-FR" smtClean="0"/>
-              <a:t>30/06/2023</a:t>
+              <a:t>07/07/2023</a:t>
             </a:fld>
             <a:endParaRPr lang="fr-FR"/>
           </a:p>
@@ -2960,7 +2963,7 @@
           <a:p>
             <a:fld id="{95064FEC-2A3E-4BEE-8A13-D371E2A14C5E}" type="datetimeFigureOut">
               <a:rPr lang="fr-FR" smtClean="0"/>
-              <a:t>30/06/2023</a:t>
+              <a:t>07/07/2023</a:t>
             </a:fld>
             <a:endParaRPr lang="fr-FR"/>
           </a:p>
@@ -23891,6 +23894,211 @@
           <a:chExt cx="0" cy="0"/>
         </a:xfrm>
       </p:grpSpPr>
+      <p:cxnSp>
+        <p:nvCxnSpPr>
+          <p:cNvPr id="3" name="Connecteur droit 2">
+            <a:extLst>
+              <a:ext uri="{FF2B5EF4-FFF2-40B4-BE49-F238E27FC236}">
+                <a16:creationId xmlns:a16="http://schemas.microsoft.com/office/drawing/2014/main" id="{9EFDEB2A-CB24-C91C-9A93-D572D09C2F24}"/>
+              </a:ext>
+            </a:extLst>
+          </p:cNvPr>
+          <p:cNvCxnSpPr/>
+          <p:nvPr/>
+        </p:nvCxnSpPr>
+        <p:spPr>
+          <a:xfrm>
+            <a:off x="1084729" y="0"/>
+            <a:ext cx="0" cy="6858000"/>
+          </a:xfrm>
+          <a:prstGeom prst="line">
+            <a:avLst/>
+          </a:prstGeom>
+          <a:ln w="76200">
+            <a:solidFill>
+              <a:srgbClr val="FF0000"/>
+            </a:solidFill>
+          </a:ln>
+        </p:spPr>
+        <p:style>
+          <a:lnRef idx="1">
+            <a:schemeClr val="accent1"/>
+          </a:lnRef>
+          <a:fillRef idx="0">
+            <a:schemeClr val="accent1"/>
+          </a:fillRef>
+          <a:effectRef idx="0">
+            <a:schemeClr val="accent1"/>
+          </a:effectRef>
+          <a:fontRef idx="minor">
+            <a:schemeClr val="tx1"/>
+          </a:fontRef>
+        </p:style>
+      </p:cxnSp>
+      <p:cxnSp>
+        <p:nvCxnSpPr>
+          <p:cNvPr id="4" name="Connecteur droit 3">
+            <a:extLst>
+              <a:ext uri="{FF2B5EF4-FFF2-40B4-BE49-F238E27FC236}">
+                <a16:creationId xmlns:a16="http://schemas.microsoft.com/office/drawing/2014/main" id="{1B1FF5AC-3FBE-897B-314C-0D5A5E981403}"/>
+              </a:ext>
+            </a:extLst>
+          </p:cNvPr>
+          <p:cNvCxnSpPr/>
+          <p:nvPr/>
+        </p:nvCxnSpPr>
+        <p:spPr>
+          <a:xfrm>
+            <a:off x="1434353" y="0"/>
+            <a:ext cx="0" cy="6858000"/>
+          </a:xfrm>
+          <a:prstGeom prst="line">
+            <a:avLst/>
+          </a:prstGeom>
+          <a:ln w="76200">
+            <a:solidFill>
+              <a:srgbClr val="FF0000"/>
+            </a:solidFill>
+          </a:ln>
+        </p:spPr>
+        <p:style>
+          <a:lnRef idx="1">
+            <a:schemeClr val="accent1"/>
+          </a:lnRef>
+          <a:fillRef idx="0">
+            <a:schemeClr val="accent1"/>
+          </a:fillRef>
+          <a:effectRef idx="0">
+            <a:schemeClr val="accent1"/>
+          </a:effectRef>
+          <a:fontRef idx="minor">
+            <a:schemeClr val="tx1"/>
+          </a:fontRef>
+        </p:style>
+      </p:cxnSp>
+      <p:sp>
+        <p:nvSpPr>
+          <p:cNvPr id="5" name="ZoneTexte 4">
+            <a:extLst>
+              <a:ext uri="{FF2B5EF4-FFF2-40B4-BE49-F238E27FC236}">
+                <a16:creationId xmlns:a16="http://schemas.microsoft.com/office/drawing/2014/main" id="{2DD000C4-3F85-8379-3F2B-389828196608}"/>
+              </a:ext>
+            </a:extLst>
+          </p:cNvPr>
+          <p:cNvSpPr txBox="1"/>
+          <p:nvPr/>
+        </p:nvSpPr>
+        <p:spPr>
+          <a:xfrm>
+            <a:off x="1954306" y="493060"/>
+            <a:ext cx="7781365" cy="646331"/>
+          </a:xfrm>
+          <a:prstGeom prst="rect">
+            <a:avLst/>
+          </a:prstGeom>
+          <a:noFill/>
+        </p:spPr>
+        <p:txBody>
+          <a:bodyPr wrap="square" rtlCol="0">
+            <a:spAutoFit/>
+          </a:bodyPr>
+          <a:lstStyle/>
+          <a:p>
+            <a:r>
+              <a:rPr lang="fr-FR" sz="3600" b="1" dirty="0">
+                <a:solidFill>
+                  <a:schemeClr val="bg1"/>
+                </a:solidFill>
+                <a:latin typeface="Microsoft JhengHei Light" panose="020B0304030504040204" pitchFamily="34" charset="-120"/>
+                <a:ea typeface="Microsoft JhengHei Light" panose="020B0304030504040204" pitchFamily="34" charset="-120"/>
+              </a:rPr>
+              <a:t>5.1) </a:t>
+            </a:r>
+            <a:r>
+              <a:rPr lang="fr-FR" sz="3600" b="1" u="sng" dirty="0">
+                <a:solidFill>
+                  <a:schemeClr val="bg1"/>
+                </a:solidFill>
+                <a:latin typeface="Microsoft JhengHei Light" panose="020B0304030504040204" pitchFamily="34" charset="-120"/>
+                <a:ea typeface="Microsoft JhengHei Light" panose="020B0304030504040204" pitchFamily="34" charset="-120"/>
+              </a:rPr>
+              <a:t>Les tests alpha</a:t>
+            </a:r>
+            <a:r>
+              <a:rPr lang="fr-FR" sz="3600" b="1" dirty="0">
+                <a:solidFill>
+                  <a:schemeClr val="bg1"/>
+                </a:solidFill>
+                <a:latin typeface="Microsoft JhengHei Light" panose="020B0304030504040204" pitchFamily="34" charset="-120"/>
+                <a:ea typeface="Microsoft JhengHei Light" panose="020B0304030504040204" pitchFamily="34" charset="-120"/>
+              </a:rPr>
+              <a:t> :</a:t>
+            </a:r>
+          </a:p>
+        </p:txBody>
+      </p:sp>
+      <p:sp>
+        <p:nvSpPr>
+          <p:cNvPr id="6" name="ZoneTexte 5">
+            <a:extLst>
+              <a:ext uri="{FF2B5EF4-FFF2-40B4-BE49-F238E27FC236}">
+                <a16:creationId xmlns:a16="http://schemas.microsoft.com/office/drawing/2014/main" id="{24B80C1D-D34D-0071-9B1F-22F7C0F68494}"/>
+              </a:ext>
+            </a:extLst>
+          </p:cNvPr>
+          <p:cNvSpPr txBox="1"/>
+          <p:nvPr/>
+        </p:nvSpPr>
+        <p:spPr>
+          <a:xfrm>
+            <a:off x="1954306" y="1674674"/>
+            <a:ext cx="9852211" cy="1754326"/>
+          </a:xfrm>
+          <a:prstGeom prst="rect">
+            <a:avLst/>
+          </a:prstGeom>
+          <a:noFill/>
+        </p:spPr>
+        <p:txBody>
+          <a:bodyPr wrap="square" rtlCol="0">
+            <a:spAutoFit/>
+          </a:bodyPr>
+          <a:lstStyle/>
+          <a:p>
+            <a:r>
+              <a:rPr lang="fr-FR" dirty="0">
+                <a:solidFill>
+                  <a:schemeClr val="bg1"/>
+                </a:solidFill>
+                <a:latin typeface="Microsoft JhengHei Light" panose="020B0304030504040204" pitchFamily="34" charset="-120"/>
+                <a:ea typeface="Microsoft JhengHei Light" panose="020B0304030504040204" pitchFamily="34" charset="-120"/>
+              </a:rPr>
+              <a:t>Les tests alpha, selon l’International Software Testing Qualifications Board les tests alpha sont des techniques de test basé sur l’identification des bugs et des défauts potentiels du produit.</a:t>
+            </a:r>
+          </a:p>
+          <a:p>
+            <a:endParaRPr lang="fr-FR" dirty="0">
+              <a:solidFill>
+                <a:schemeClr val="bg1"/>
+              </a:solidFill>
+              <a:latin typeface="Microsoft JhengHei Light" panose="020B0304030504040204" pitchFamily="34" charset="-120"/>
+              <a:ea typeface="Microsoft JhengHei Light" panose="020B0304030504040204" pitchFamily="34" charset="-120"/>
+            </a:endParaRPr>
+          </a:p>
+          <a:p>
+            <a:r>
+              <a:rPr lang="fr-FR" dirty="0">
+                <a:solidFill>
+                  <a:schemeClr val="bg1"/>
+                </a:solidFill>
+                <a:latin typeface="Microsoft JhengHei Light" panose="020B0304030504040204" pitchFamily="34" charset="-120"/>
+                <a:ea typeface="Microsoft JhengHei Light" panose="020B0304030504040204" pitchFamily="34" charset="-120"/>
+              </a:rPr>
+              <a:t>Les tests alpha sont effectués avant la sortie du produit et sont généralement réalisé par les équipes de développement et dans un environnement de développement simulés ou réels.</a:t>
+            </a:r>
+          </a:p>
+        </p:txBody>
+      </p:sp>
     </p:spTree>
     <p:extLst>
       <p:ext uri="{BB962C8B-B14F-4D97-AF65-F5344CB8AC3E}">
@@ -23901,6 +24109,2137 @@
   <p:clrMapOvr>
     <a:masterClrMapping/>
   </p:clrMapOvr>
+  <p:timing>
+    <p:tnLst>
+      <p:par>
+        <p:cTn id="1" dur="indefinite" restart="never" nodeType="tmRoot">
+          <p:childTnLst>
+            <p:seq concurrent="1" nextAc="seek">
+              <p:cTn id="2" dur="indefinite" nodeType="mainSeq">
+                <p:childTnLst>
+                  <p:par>
+                    <p:cTn id="3" fill="hold">
+                      <p:stCondLst>
+                        <p:cond delay="indefinite"/>
+                        <p:cond evt="onBegin" delay="0">
+                          <p:tn val="2"/>
+                        </p:cond>
+                      </p:stCondLst>
+                      <p:childTnLst>
+                        <p:par>
+                          <p:cTn id="4" fill="hold">
+                            <p:stCondLst>
+                              <p:cond delay="0"/>
+                            </p:stCondLst>
+                            <p:childTnLst>
+                              <p:par>
+                                <p:cTn id="5" presetID="10" presetClass="entr" presetSubtype="0" fill="hold" nodeType="withEffect">
+                                  <p:stCondLst>
+                                    <p:cond delay="0"/>
+                                  </p:stCondLst>
+                                  <p:childTnLst>
+                                    <p:set>
+                                      <p:cBhvr>
+                                        <p:cTn id="6" dur="1" fill="hold">
+                                          <p:stCondLst>
+                                            <p:cond delay="0"/>
+                                          </p:stCondLst>
+                                        </p:cTn>
+                                        <p:tgtEl>
+                                          <p:spTgt spid="3"/>
+                                        </p:tgtEl>
+                                        <p:attrNameLst>
+                                          <p:attrName>style.visibility</p:attrName>
+                                        </p:attrNameLst>
+                                      </p:cBhvr>
+                                      <p:to>
+                                        <p:strVal val="visible"/>
+                                      </p:to>
+                                    </p:set>
+                                    <p:animEffect transition="in" filter="fade">
+                                      <p:cBhvr>
+                                        <p:cTn id="7" dur="500"/>
+                                        <p:tgtEl>
+                                          <p:spTgt spid="3"/>
+                                        </p:tgtEl>
+                                      </p:cBhvr>
+                                    </p:animEffect>
+                                  </p:childTnLst>
+                                </p:cTn>
+                              </p:par>
+                            </p:childTnLst>
+                          </p:cTn>
+                        </p:par>
+                        <p:par>
+                          <p:cTn id="8" fill="hold">
+                            <p:stCondLst>
+                              <p:cond delay="500"/>
+                            </p:stCondLst>
+                            <p:childTnLst>
+                              <p:par>
+                                <p:cTn id="9" presetID="10" presetClass="entr" presetSubtype="0" fill="hold" nodeType="afterEffect">
+                                  <p:stCondLst>
+                                    <p:cond delay="0"/>
+                                  </p:stCondLst>
+                                  <p:childTnLst>
+                                    <p:set>
+                                      <p:cBhvr>
+                                        <p:cTn id="10" dur="1" fill="hold">
+                                          <p:stCondLst>
+                                            <p:cond delay="0"/>
+                                          </p:stCondLst>
+                                        </p:cTn>
+                                        <p:tgtEl>
+                                          <p:spTgt spid="4"/>
+                                        </p:tgtEl>
+                                        <p:attrNameLst>
+                                          <p:attrName>style.visibility</p:attrName>
+                                        </p:attrNameLst>
+                                      </p:cBhvr>
+                                      <p:to>
+                                        <p:strVal val="visible"/>
+                                      </p:to>
+                                    </p:set>
+                                    <p:animEffect transition="in" filter="fade">
+                                      <p:cBhvr>
+                                        <p:cTn id="11" dur="500"/>
+                                        <p:tgtEl>
+                                          <p:spTgt spid="4"/>
+                                        </p:tgtEl>
+                                      </p:cBhvr>
+                                    </p:animEffect>
+                                  </p:childTnLst>
+                                </p:cTn>
+                              </p:par>
+                            </p:childTnLst>
+                          </p:cTn>
+                        </p:par>
+                      </p:childTnLst>
+                    </p:cTn>
+                  </p:par>
+                  <p:par>
+                    <p:cTn id="12" fill="hold">
+                      <p:stCondLst>
+                        <p:cond delay="indefinite"/>
+                      </p:stCondLst>
+                      <p:childTnLst>
+                        <p:par>
+                          <p:cTn id="13" fill="hold">
+                            <p:stCondLst>
+                              <p:cond delay="0"/>
+                            </p:stCondLst>
+                            <p:childTnLst>
+                              <p:par>
+                                <p:cTn id="14" presetID="42" presetClass="entr" presetSubtype="0" fill="hold" grpId="0" nodeType="clickEffect">
+                                  <p:stCondLst>
+                                    <p:cond delay="0"/>
+                                  </p:stCondLst>
+                                  <p:childTnLst>
+                                    <p:set>
+                                      <p:cBhvr>
+                                        <p:cTn id="15" dur="1" fill="hold">
+                                          <p:stCondLst>
+                                            <p:cond delay="0"/>
+                                          </p:stCondLst>
+                                        </p:cTn>
+                                        <p:tgtEl>
+                                          <p:spTgt spid="5"/>
+                                        </p:tgtEl>
+                                        <p:attrNameLst>
+                                          <p:attrName>style.visibility</p:attrName>
+                                        </p:attrNameLst>
+                                      </p:cBhvr>
+                                      <p:to>
+                                        <p:strVal val="visible"/>
+                                      </p:to>
+                                    </p:set>
+                                    <p:animEffect transition="in" filter="fade">
+                                      <p:cBhvr>
+                                        <p:cTn id="16" dur="1000"/>
+                                        <p:tgtEl>
+                                          <p:spTgt spid="5"/>
+                                        </p:tgtEl>
+                                      </p:cBhvr>
+                                    </p:animEffect>
+                                    <p:anim calcmode="lin" valueType="num">
+                                      <p:cBhvr>
+                                        <p:cTn id="17" dur="1000" fill="hold"/>
+                                        <p:tgtEl>
+                                          <p:spTgt spid="5"/>
+                                        </p:tgtEl>
+                                        <p:attrNameLst>
+                                          <p:attrName>ppt_x</p:attrName>
+                                        </p:attrNameLst>
+                                      </p:cBhvr>
+                                      <p:tavLst>
+                                        <p:tav tm="0">
+                                          <p:val>
+                                            <p:strVal val="#ppt_x"/>
+                                          </p:val>
+                                        </p:tav>
+                                        <p:tav tm="100000">
+                                          <p:val>
+                                            <p:strVal val="#ppt_x"/>
+                                          </p:val>
+                                        </p:tav>
+                                      </p:tavLst>
+                                    </p:anim>
+                                    <p:anim calcmode="lin" valueType="num">
+                                      <p:cBhvr>
+                                        <p:cTn id="18" dur="1000" fill="hold"/>
+                                        <p:tgtEl>
+                                          <p:spTgt spid="5"/>
+                                        </p:tgtEl>
+                                        <p:attrNameLst>
+                                          <p:attrName>ppt_y</p:attrName>
+                                        </p:attrNameLst>
+                                      </p:cBhvr>
+                                      <p:tavLst>
+                                        <p:tav tm="0">
+                                          <p:val>
+                                            <p:strVal val="#ppt_y+.1"/>
+                                          </p:val>
+                                        </p:tav>
+                                        <p:tav tm="100000">
+                                          <p:val>
+                                            <p:strVal val="#ppt_y"/>
+                                          </p:val>
+                                        </p:tav>
+                                      </p:tavLst>
+                                    </p:anim>
+                                  </p:childTnLst>
+                                </p:cTn>
+                              </p:par>
+                            </p:childTnLst>
+                          </p:cTn>
+                        </p:par>
+                      </p:childTnLst>
+                    </p:cTn>
+                  </p:par>
+                  <p:par>
+                    <p:cTn id="19" fill="hold">
+                      <p:stCondLst>
+                        <p:cond delay="indefinite"/>
+                      </p:stCondLst>
+                      <p:childTnLst>
+                        <p:par>
+                          <p:cTn id="20" fill="hold">
+                            <p:stCondLst>
+                              <p:cond delay="0"/>
+                            </p:stCondLst>
+                            <p:childTnLst>
+                              <p:par>
+                                <p:cTn id="21" presetID="10" presetClass="entr" presetSubtype="0" fill="hold" grpId="0" nodeType="clickEffect">
+                                  <p:stCondLst>
+                                    <p:cond delay="0"/>
+                                  </p:stCondLst>
+                                  <p:childTnLst>
+                                    <p:set>
+                                      <p:cBhvr>
+                                        <p:cTn id="22" dur="1" fill="hold">
+                                          <p:stCondLst>
+                                            <p:cond delay="0"/>
+                                          </p:stCondLst>
+                                        </p:cTn>
+                                        <p:tgtEl>
+                                          <p:spTgt spid="6"/>
+                                        </p:tgtEl>
+                                        <p:attrNameLst>
+                                          <p:attrName>style.visibility</p:attrName>
+                                        </p:attrNameLst>
+                                      </p:cBhvr>
+                                      <p:to>
+                                        <p:strVal val="visible"/>
+                                      </p:to>
+                                    </p:set>
+                                    <p:animEffect transition="in" filter="fade">
+                                      <p:cBhvr>
+                                        <p:cTn id="23" dur="500"/>
+                                        <p:tgtEl>
+                                          <p:spTgt spid="6"/>
+                                        </p:tgtEl>
+                                      </p:cBhvr>
+                                    </p:animEffect>
+                                  </p:childTnLst>
+                                </p:cTn>
+                              </p:par>
+                            </p:childTnLst>
+                          </p:cTn>
+                        </p:par>
+                      </p:childTnLst>
+                    </p:cTn>
+                  </p:par>
+                </p:childTnLst>
+              </p:cTn>
+              <p:prevCondLst>
+                <p:cond evt="onPrev" delay="0">
+                  <p:tgtEl>
+                    <p:sldTgt/>
+                  </p:tgtEl>
+                </p:cond>
+              </p:prevCondLst>
+              <p:nextCondLst>
+                <p:cond evt="onNext" delay="0">
+                  <p:tgtEl>
+                    <p:sldTgt/>
+                  </p:tgtEl>
+                </p:cond>
+              </p:nextCondLst>
+            </p:seq>
+          </p:childTnLst>
+        </p:cTn>
+      </p:par>
+    </p:tnLst>
+    <p:bldLst>
+      <p:bldP spid="5" grpId="0"/>
+      <p:bldP spid="6" grpId="0"/>
+    </p:bldLst>
+  </p:timing>
+</p:sld>
+</file>
+
+<file path=ppt/slides/slide42.xml><?xml version="1.0" encoding="utf-8"?>
+<p:sld xmlns:a="http://schemas.openxmlformats.org/drawingml/2006/main" xmlns:r="http://schemas.openxmlformats.org/officeDocument/2006/relationships" xmlns:p="http://schemas.openxmlformats.org/presentationml/2006/main">
+  <p:cSld>
+    <p:bg>
+      <p:bgPr>
+        <a:solidFill>
+          <a:schemeClr val="bg2">
+            <a:lumMod val="10000"/>
+          </a:schemeClr>
+        </a:solidFill>
+        <a:effectLst/>
+      </p:bgPr>
+    </p:bg>
+    <p:spTree>
+      <p:nvGrpSpPr>
+        <p:cNvPr id="1" name=""/>
+        <p:cNvGrpSpPr/>
+        <p:nvPr/>
+      </p:nvGrpSpPr>
+      <p:grpSpPr>
+        <a:xfrm>
+          <a:off x="0" y="0"/>
+          <a:ext cx="0" cy="0"/>
+          <a:chOff x="0" y="0"/>
+          <a:chExt cx="0" cy="0"/>
+        </a:xfrm>
+      </p:grpSpPr>
+      <p:cxnSp>
+        <p:nvCxnSpPr>
+          <p:cNvPr id="5" name="Connecteur droit 4">
+            <a:extLst>
+              <a:ext uri="{FF2B5EF4-FFF2-40B4-BE49-F238E27FC236}">
+                <a16:creationId xmlns:a16="http://schemas.microsoft.com/office/drawing/2014/main" id="{64B0C64A-B289-E34F-E424-E534603BB6E9}"/>
+              </a:ext>
+            </a:extLst>
+          </p:cNvPr>
+          <p:cNvCxnSpPr/>
+          <p:nvPr/>
+        </p:nvCxnSpPr>
+        <p:spPr>
+          <a:xfrm>
+            <a:off x="1174376" y="0"/>
+            <a:ext cx="0" cy="6858000"/>
+          </a:xfrm>
+          <a:prstGeom prst="line">
+            <a:avLst/>
+          </a:prstGeom>
+          <a:ln w="76200">
+            <a:solidFill>
+              <a:srgbClr val="FF0000"/>
+            </a:solidFill>
+          </a:ln>
+        </p:spPr>
+        <p:style>
+          <a:lnRef idx="1">
+            <a:schemeClr val="accent1"/>
+          </a:lnRef>
+          <a:fillRef idx="0">
+            <a:schemeClr val="accent1"/>
+          </a:fillRef>
+          <a:effectRef idx="0">
+            <a:schemeClr val="accent1"/>
+          </a:effectRef>
+          <a:fontRef idx="minor">
+            <a:schemeClr val="tx1"/>
+          </a:fontRef>
+        </p:style>
+      </p:cxnSp>
+      <p:cxnSp>
+        <p:nvCxnSpPr>
+          <p:cNvPr id="6" name="Connecteur droit 5">
+            <a:extLst>
+              <a:ext uri="{FF2B5EF4-FFF2-40B4-BE49-F238E27FC236}">
+                <a16:creationId xmlns:a16="http://schemas.microsoft.com/office/drawing/2014/main" id="{58A25F1B-D041-66DE-E767-B325CF5A8A63}"/>
+              </a:ext>
+            </a:extLst>
+          </p:cNvPr>
+          <p:cNvCxnSpPr/>
+          <p:nvPr/>
+        </p:nvCxnSpPr>
+        <p:spPr>
+          <a:xfrm>
+            <a:off x="1480042" y="0"/>
+            <a:ext cx="0" cy="6858000"/>
+          </a:xfrm>
+          <a:prstGeom prst="line">
+            <a:avLst/>
+          </a:prstGeom>
+          <a:ln w="76200">
+            <a:solidFill>
+              <a:srgbClr val="FF0000"/>
+            </a:solidFill>
+          </a:ln>
+        </p:spPr>
+        <p:style>
+          <a:lnRef idx="1">
+            <a:schemeClr val="accent1"/>
+          </a:lnRef>
+          <a:fillRef idx="0">
+            <a:schemeClr val="accent1"/>
+          </a:fillRef>
+          <a:effectRef idx="0">
+            <a:schemeClr val="accent1"/>
+          </a:effectRef>
+          <a:fontRef idx="minor">
+            <a:schemeClr val="tx1"/>
+          </a:fontRef>
+        </p:style>
+      </p:cxnSp>
+      <p:sp>
+        <p:nvSpPr>
+          <p:cNvPr id="7" name="ZoneTexte 6">
+            <a:extLst>
+              <a:ext uri="{FF2B5EF4-FFF2-40B4-BE49-F238E27FC236}">
+                <a16:creationId xmlns:a16="http://schemas.microsoft.com/office/drawing/2014/main" id="{EF004ECC-DF2B-983A-8C95-3A9CF2F8A2D4}"/>
+              </a:ext>
+            </a:extLst>
+          </p:cNvPr>
+          <p:cNvSpPr txBox="1"/>
+          <p:nvPr/>
+        </p:nvSpPr>
+        <p:spPr>
+          <a:xfrm>
+            <a:off x="2083860" y="493059"/>
+            <a:ext cx="7781364" cy="646331"/>
+          </a:xfrm>
+          <a:prstGeom prst="rect">
+            <a:avLst/>
+          </a:prstGeom>
+          <a:noFill/>
+        </p:spPr>
+        <p:txBody>
+          <a:bodyPr wrap="square" rtlCol="0">
+            <a:spAutoFit/>
+          </a:bodyPr>
+          <a:lstStyle/>
+          <a:p>
+            <a:r>
+              <a:rPr lang="fr-FR" sz="3600" b="1" dirty="0">
+                <a:solidFill>
+                  <a:schemeClr val="bg1"/>
+                </a:solidFill>
+                <a:latin typeface="Microsoft JhengHei Light" panose="020B0304030504040204" pitchFamily="34" charset="-120"/>
+                <a:ea typeface="Microsoft JhengHei Light" panose="020B0304030504040204" pitchFamily="34" charset="-120"/>
+              </a:rPr>
+              <a:t>5.2) </a:t>
+            </a:r>
+            <a:r>
+              <a:rPr lang="fr-FR" sz="3600" b="1" u="sng" dirty="0">
+                <a:solidFill>
+                  <a:schemeClr val="bg1"/>
+                </a:solidFill>
+                <a:latin typeface="Microsoft JhengHei Light" panose="020B0304030504040204" pitchFamily="34" charset="-120"/>
+                <a:ea typeface="Microsoft JhengHei Light" panose="020B0304030504040204" pitchFamily="34" charset="-120"/>
+              </a:rPr>
+              <a:t>Les objectifs des tests alpha</a:t>
+            </a:r>
+            <a:r>
+              <a:rPr lang="fr-FR" sz="3600" b="1" dirty="0">
+                <a:solidFill>
+                  <a:schemeClr val="bg1"/>
+                </a:solidFill>
+                <a:latin typeface="Microsoft JhengHei Light" panose="020B0304030504040204" pitchFamily="34" charset="-120"/>
+                <a:ea typeface="Microsoft JhengHei Light" panose="020B0304030504040204" pitchFamily="34" charset="-120"/>
+              </a:rPr>
+              <a:t> :</a:t>
+            </a:r>
+          </a:p>
+        </p:txBody>
+      </p:sp>
+      <p:sp>
+        <p:nvSpPr>
+          <p:cNvPr id="8" name="ZoneTexte 7">
+            <a:extLst>
+              <a:ext uri="{FF2B5EF4-FFF2-40B4-BE49-F238E27FC236}">
+                <a16:creationId xmlns:a16="http://schemas.microsoft.com/office/drawing/2014/main" id="{55EB6FE0-419D-6324-E982-C0389D4FE909}"/>
+              </a:ext>
+            </a:extLst>
+          </p:cNvPr>
+          <p:cNvSpPr txBox="1"/>
+          <p:nvPr/>
+        </p:nvSpPr>
+        <p:spPr>
+          <a:xfrm>
+            <a:off x="2083860" y="1575187"/>
+            <a:ext cx="4078940" cy="369332"/>
+          </a:xfrm>
+          <a:prstGeom prst="rect">
+            <a:avLst/>
+          </a:prstGeom>
+          <a:noFill/>
+        </p:spPr>
+        <p:txBody>
+          <a:bodyPr wrap="square" rtlCol="0">
+            <a:spAutoFit/>
+          </a:bodyPr>
+          <a:lstStyle/>
+          <a:p>
+            <a:r>
+              <a:rPr lang="fr-FR" b="1" u="sng" dirty="0">
+                <a:solidFill>
+                  <a:schemeClr val="bg1"/>
+                </a:solidFill>
+                <a:latin typeface="Microsoft JhengHei Light" panose="020B0304030504040204" pitchFamily="34" charset="-120"/>
+                <a:ea typeface="Microsoft JhengHei Light" panose="020B0304030504040204" pitchFamily="34" charset="-120"/>
+              </a:rPr>
+              <a:t>Les tests alpha ont pour objectifs de</a:t>
+            </a:r>
+            <a:r>
+              <a:rPr lang="fr-FR" b="1" dirty="0">
+                <a:solidFill>
+                  <a:schemeClr val="bg1"/>
+                </a:solidFill>
+                <a:latin typeface="Microsoft JhengHei Light" panose="020B0304030504040204" pitchFamily="34" charset="-120"/>
+                <a:ea typeface="Microsoft JhengHei Light" panose="020B0304030504040204" pitchFamily="34" charset="-120"/>
+              </a:rPr>
+              <a:t> : </a:t>
+            </a:r>
+          </a:p>
+        </p:txBody>
+      </p:sp>
+      <p:sp>
+        <p:nvSpPr>
+          <p:cNvPr id="9" name="ZoneTexte 8">
+            <a:extLst>
+              <a:ext uri="{FF2B5EF4-FFF2-40B4-BE49-F238E27FC236}">
+                <a16:creationId xmlns:a16="http://schemas.microsoft.com/office/drawing/2014/main" id="{CE52C4C7-EFFD-A7A1-AB31-F460088B73A7}"/>
+              </a:ext>
+            </a:extLst>
+          </p:cNvPr>
+          <p:cNvSpPr txBox="1"/>
+          <p:nvPr/>
+        </p:nvSpPr>
+        <p:spPr>
+          <a:xfrm>
+            <a:off x="2083860" y="2551837"/>
+            <a:ext cx="9448800" cy="1754326"/>
+          </a:xfrm>
+          <a:prstGeom prst="rect">
+            <a:avLst/>
+          </a:prstGeom>
+          <a:noFill/>
+        </p:spPr>
+        <p:txBody>
+          <a:bodyPr wrap="square" rtlCol="0">
+            <a:spAutoFit/>
+          </a:bodyPr>
+          <a:lstStyle/>
+          <a:p>
+            <a:pPr marL="285750" indent="-285750">
+              <a:buFont typeface="Arial" panose="020B0604020202020204" pitchFamily="34" charset="0"/>
+              <a:buChar char="•"/>
+            </a:pPr>
+            <a:r>
+              <a:rPr lang="fr-FR" dirty="0">
+                <a:solidFill>
+                  <a:schemeClr val="bg1"/>
+                </a:solidFill>
+                <a:latin typeface="Microsoft JhengHei Light" panose="020B0304030504040204" pitchFamily="34" charset="-120"/>
+                <a:ea typeface="Microsoft JhengHei Light" panose="020B0304030504040204" pitchFamily="34" charset="-120"/>
+              </a:rPr>
+              <a:t>De s’assurer que le produit est prêt pour les tests bêta</a:t>
+            </a:r>
+          </a:p>
+          <a:p>
+            <a:endParaRPr lang="fr-FR" dirty="0">
+              <a:solidFill>
+                <a:schemeClr val="bg1"/>
+              </a:solidFill>
+              <a:latin typeface="Microsoft JhengHei Light" panose="020B0304030504040204" pitchFamily="34" charset="-120"/>
+              <a:ea typeface="Microsoft JhengHei Light" panose="020B0304030504040204" pitchFamily="34" charset="-120"/>
+            </a:endParaRPr>
+          </a:p>
+          <a:p>
+            <a:pPr marL="285750" indent="-285750">
+              <a:buFont typeface="Arial" panose="020B0604020202020204" pitchFamily="34" charset="0"/>
+              <a:buChar char="•"/>
+            </a:pPr>
+            <a:r>
+              <a:rPr lang="fr-FR" dirty="0">
+                <a:solidFill>
+                  <a:schemeClr val="bg1"/>
+                </a:solidFill>
+                <a:latin typeface="Microsoft JhengHei Light" panose="020B0304030504040204" pitchFamily="34" charset="-120"/>
+                <a:ea typeface="Microsoft JhengHei Light" panose="020B0304030504040204" pitchFamily="34" charset="-120"/>
+              </a:rPr>
+              <a:t>De vérifier que le produit ne possède pas de bogues majeurs et qui pourrait affectés la qualité du produit</a:t>
+            </a:r>
+          </a:p>
+          <a:p>
+            <a:pPr marL="285750" indent="-285750">
+              <a:buFont typeface="Arial" panose="020B0604020202020204" pitchFamily="34" charset="0"/>
+              <a:buChar char="•"/>
+            </a:pPr>
+            <a:endParaRPr lang="fr-FR" dirty="0">
+              <a:solidFill>
+                <a:schemeClr val="bg1"/>
+              </a:solidFill>
+              <a:latin typeface="Microsoft JhengHei Light" panose="020B0304030504040204" pitchFamily="34" charset="-120"/>
+              <a:ea typeface="Microsoft JhengHei Light" panose="020B0304030504040204" pitchFamily="34" charset="-120"/>
+            </a:endParaRPr>
+          </a:p>
+          <a:p>
+            <a:pPr marL="285750" indent="-285750">
+              <a:buFont typeface="Arial" panose="020B0604020202020204" pitchFamily="34" charset="0"/>
+              <a:buChar char="•"/>
+            </a:pPr>
+            <a:r>
+              <a:rPr lang="fr-FR" dirty="0">
+                <a:solidFill>
+                  <a:schemeClr val="bg1"/>
+                </a:solidFill>
+                <a:latin typeface="Microsoft JhengHei Light" panose="020B0304030504040204" pitchFamily="34" charset="-120"/>
+                <a:ea typeface="Microsoft JhengHei Light" panose="020B0304030504040204" pitchFamily="34" charset="-120"/>
+              </a:rPr>
+              <a:t>De recueillir des commentaires d’un nombre limités de clients</a:t>
+            </a:r>
+          </a:p>
+        </p:txBody>
+      </p:sp>
+    </p:spTree>
+    <p:extLst>
+      <p:ext uri="{BB962C8B-B14F-4D97-AF65-F5344CB8AC3E}">
+        <p14:creationId xmlns:p14="http://schemas.microsoft.com/office/powerpoint/2010/main" val="1565673631"/>
+      </p:ext>
+    </p:extLst>
+  </p:cSld>
+  <p:clrMapOvr>
+    <a:masterClrMapping/>
+  </p:clrMapOvr>
+  <p:timing>
+    <p:tnLst>
+      <p:par>
+        <p:cTn id="1" dur="indefinite" restart="never" nodeType="tmRoot">
+          <p:childTnLst>
+            <p:seq concurrent="1" nextAc="seek">
+              <p:cTn id="2" dur="indefinite" nodeType="mainSeq">
+                <p:childTnLst>
+                  <p:par>
+                    <p:cTn id="3" fill="hold">
+                      <p:stCondLst>
+                        <p:cond delay="indefinite"/>
+                        <p:cond evt="onBegin" delay="0">
+                          <p:tn val="2"/>
+                        </p:cond>
+                      </p:stCondLst>
+                      <p:childTnLst>
+                        <p:par>
+                          <p:cTn id="4" fill="hold">
+                            <p:stCondLst>
+                              <p:cond delay="0"/>
+                            </p:stCondLst>
+                            <p:childTnLst>
+                              <p:par>
+                                <p:cTn id="5" presetID="10" presetClass="entr" presetSubtype="0" fill="hold" nodeType="withEffect">
+                                  <p:stCondLst>
+                                    <p:cond delay="0"/>
+                                  </p:stCondLst>
+                                  <p:childTnLst>
+                                    <p:set>
+                                      <p:cBhvr>
+                                        <p:cTn id="6" dur="1" fill="hold">
+                                          <p:stCondLst>
+                                            <p:cond delay="0"/>
+                                          </p:stCondLst>
+                                        </p:cTn>
+                                        <p:tgtEl>
+                                          <p:spTgt spid="5"/>
+                                        </p:tgtEl>
+                                        <p:attrNameLst>
+                                          <p:attrName>style.visibility</p:attrName>
+                                        </p:attrNameLst>
+                                      </p:cBhvr>
+                                      <p:to>
+                                        <p:strVal val="visible"/>
+                                      </p:to>
+                                    </p:set>
+                                    <p:animEffect transition="in" filter="fade">
+                                      <p:cBhvr>
+                                        <p:cTn id="7" dur="500"/>
+                                        <p:tgtEl>
+                                          <p:spTgt spid="5"/>
+                                        </p:tgtEl>
+                                      </p:cBhvr>
+                                    </p:animEffect>
+                                  </p:childTnLst>
+                                </p:cTn>
+                              </p:par>
+                            </p:childTnLst>
+                          </p:cTn>
+                        </p:par>
+                        <p:par>
+                          <p:cTn id="8" fill="hold">
+                            <p:stCondLst>
+                              <p:cond delay="500"/>
+                            </p:stCondLst>
+                            <p:childTnLst>
+                              <p:par>
+                                <p:cTn id="9" presetID="10" presetClass="entr" presetSubtype="0" fill="hold" nodeType="afterEffect">
+                                  <p:stCondLst>
+                                    <p:cond delay="0"/>
+                                  </p:stCondLst>
+                                  <p:childTnLst>
+                                    <p:set>
+                                      <p:cBhvr>
+                                        <p:cTn id="10" dur="1" fill="hold">
+                                          <p:stCondLst>
+                                            <p:cond delay="0"/>
+                                          </p:stCondLst>
+                                        </p:cTn>
+                                        <p:tgtEl>
+                                          <p:spTgt spid="6"/>
+                                        </p:tgtEl>
+                                        <p:attrNameLst>
+                                          <p:attrName>style.visibility</p:attrName>
+                                        </p:attrNameLst>
+                                      </p:cBhvr>
+                                      <p:to>
+                                        <p:strVal val="visible"/>
+                                      </p:to>
+                                    </p:set>
+                                    <p:animEffect transition="in" filter="fade">
+                                      <p:cBhvr>
+                                        <p:cTn id="11" dur="500"/>
+                                        <p:tgtEl>
+                                          <p:spTgt spid="6"/>
+                                        </p:tgtEl>
+                                      </p:cBhvr>
+                                    </p:animEffect>
+                                  </p:childTnLst>
+                                </p:cTn>
+                              </p:par>
+                            </p:childTnLst>
+                          </p:cTn>
+                        </p:par>
+                      </p:childTnLst>
+                    </p:cTn>
+                  </p:par>
+                  <p:par>
+                    <p:cTn id="12" fill="hold">
+                      <p:stCondLst>
+                        <p:cond delay="indefinite"/>
+                      </p:stCondLst>
+                      <p:childTnLst>
+                        <p:par>
+                          <p:cTn id="13" fill="hold">
+                            <p:stCondLst>
+                              <p:cond delay="0"/>
+                            </p:stCondLst>
+                            <p:childTnLst>
+                              <p:par>
+                                <p:cTn id="14" presetID="42" presetClass="entr" presetSubtype="0" fill="hold" grpId="0" nodeType="clickEffect">
+                                  <p:stCondLst>
+                                    <p:cond delay="0"/>
+                                  </p:stCondLst>
+                                  <p:childTnLst>
+                                    <p:set>
+                                      <p:cBhvr>
+                                        <p:cTn id="15" dur="1" fill="hold">
+                                          <p:stCondLst>
+                                            <p:cond delay="0"/>
+                                          </p:stCondLst>
+                                        </p:cTn>
+                                        <p:tgtEl>
+                                          <p:spTgt spid="7"/>
+                                        </p:tgtEl>
+                                        <p:attrNameLst>
+                                          <p:attrName>style.visibility</p:attrName>
+                                        </p:attrNameLst>
+                                      </p:cBhvr>
+                                      <p:to>
+                                        <p:strVal val="visible"/>
+                                      </p:to>
+                                    </p:set>
+                                    <p:animEffect transition="in" filter="fade">
+                                      <p:cBhvr>
+                                        <p:cTn id="16" dur="1000"/>
+                                        <p:tgtEl>
+                                          <p:spTgt spid="7"/>
+                                        </p:tgtEl>
+                                      </p:cBhvr>
+                                    </p:animEffect>
+                                    <p:anim calcmode="lin" valueType="num">
+                                      <p:cBhvr>
+                                        <p:cTn id="17" dur="1000" fill="hold"/>
+                                        <p:tgtEl>
+                                          <p:spTgt spid="7"/>
+                                        </p:tgtEl>
+                                        <p:attrNameLst>
+                                          <p:attrName>ppt_x</p:attrName>
+                                        </p:attrNameLst>
+                                      </p:cBhvr>
+                                      <p:tavLst>
+                                        <p:tav tm="0">
+                                          <p:val>
+                                            <p:strVal val="#ppt_x"/>
+                                          </p:val>
+                                        </p:tav>
+                                        <p:tav tm="100000">
+                                          <p:val>
+                                            <p:strVal val="#ppt_x"/>
+                                          </p:val>
+                                        </p:tav>
+                                      </p:tavLst>
+                                    </p:anim>
+                                    <p:anim calcmode="lin" valueType="num">
+                                      <p:cBhvr>
+                                        <p:cTn id="18" dur="1000" fill="hold"/>
+                                        <p:tgtEl>
+                                          <p:spTgt spid="7"/>
+                                        </p:tgtEl>
+                                        <p:attrNameLst>
+                                          <p:attrName>ppt_y</p:attrName>
+                                        </p:attrNameLst>
+                                      </p:cBhvr>
+                                      <p:tavLst>
+                                        <p:tav tm="0">
+                                          <p:val>
+                                            <p:strVal val="#ppt_y+.1"/>
+                                          </p:val>
+                                        </p:tav>
+                                        <p:tav tm="100000">
+                                          <p:val>
+                                            <p:strVal val="#ppt_y"/>
+                                          </p:val>
+                                        </p:tav>
+                                      </p:tavLst>
+                                    </p:anim>
+                                  </p:childTnLst>
+                                </p:cTn>
+                              </p:par>
+                            </p:childTnLst>
+                          </p:cTn>
+                        </p:par>
+                      </p:childTnLst>
+                    </p:cTn>
+                  </p:par>
+                  <p:par>
+                    <p:cTn id="19" fill="hold">
+                      <p:stCondLst>
+                        <p:cond delay="indefinite"/>
+                      </p:stCondLst>
+                      <p:childTnLst>
+                        <p:par>
+                          <p:cTn id="20" fill="hold">
+                            <p:stCondLst>
+                              <p:cond delay="0"/>
+                            </p:stCondLst>
+                            <p:childTnLst>
+                              <p:par>
+                                <p:cTn id="21" presetID="10" presetClass="entr" presetSubtype="0" fill="hold" grpId="0" nodeType="clickEffect">
+                                  <p:stCondLst>
+                                    <p:cond delay="0"/>
+                                  </p:stCondLst>
+                                  <p:childTnLst>
+                                    <p:set>
+                                      <p:cBhvr>
+                                        <p:cTn id="22" dur="1" fill="hold">
+                                          <p:stCondLst>
+                                            <p:cond delay="0"/>
+                                          </p:stCondLst>
+                                        </p:cTn>
+                                        <p:tgtEl>
+                                          <p:spTgt spid="8"/>
+                                        </p:tgtEl>
+                                        <p:attrNameLst>
+                                          <p:attrName>style.visibility</p:attrName>
+                                        </p:attrNameLst>
+                                      </p:cBhvr>
+                                      <p:to>
+                                        <p:strVal val="visible"/>
+                                      </p:to>
+                                    </p:set>
+                                    <p:animEffect transition="in" filter="fade">
+                                      <p:cBhvr>
+                                        <p:cTn id="23" dur="500"/>
+                                        <p:tgtEl>
+                                          <p:spTgt spid="8"/>
+                                        </p:tgtEl>
+                                      </p:cBhvr>
+                                    </p:animEffect>
+                                  </p:childTnLst>
+                                </p:cTn>
+                              </p:par>
+                              <p:par>
+                                <p:cTn id="24" presetID="10" presetClass="entr" presetSubtype="0" fill="hold" grpId="0" nodeType="withEffect">
+                                  <p:stCondLst>
+                                    <p:cond delay="0"/>
+                                  </p:stCondLst>
+                                  <p:childTnLst>
+                                    <p:set>
+                                      <p:cBhvr>
+                                        <p:cTn id="25" dur="1" fill="hold">
+                                          <p:stCondLst>
+                                            <p:cond delay="0"/>
+                                          </p:stCondLst>
+                                        </p:cTn>
+                                        <p:tgtEl>
+                                          <p:spTgt spid="9"/>
+                                        </p:tgtEl>
+                                        <p:attrNameLst>
+                                          <p:attrName>style.visibility</p:attrName>
+                                        </p:attrNameLst>
+                                      </p:cBhvr>
+                                      <p:to>
+                                        <p:strVal val="visible"/>
+                                      </p:to>
+                                    </p:set>
+                                    <p:animEffect transition="in" filter="fade">
+                                      <p:cBhvr>
+                                        <p:cTn id="26" dur="500"/>
+                                        <p:tgtEl>
+                                          <p:spTgt spid="9"/>
+                                        </p:tgtEl>
+                                      </p:cBhvr>
+                                    </p:animEffect>
+                                  </p:childTnLst>
+                                </p:cTn>
+                              </p:par>
+                            </p:childTnLst>
+                          </p:cTn>
+                        </p:par>
+                      </p:childTnLst>
+                    </p:cTn>
+                  </p:par>
+                </p:childTnLst>
+              </p:cTn>
+              <p:prevCondLst>
+                <p:cond evt="onPrev" delay="0">
+                  <p:tgtEl>
+                    <p:sldTgt/>
+                  </p:tgtEl>
+                </p:cond>
+              </p:prevCondLst>
+              <p:nextCondLst>
+                <p:cond evt="onNext" delay="0">
+                  <p:tgtEl>
+                    <p:sldTgt/>
+                  </p:tgtEl>
+                </p:cond>
+              </p:nextCondLst>
+            </p:seq>
+          </p:childTnLst>
+        </p:cTn>
+      </p:par>
+    </p:tnLst>
+    <p:bldLst>
+      <p:bldP spid="7" grpId="0"/>
+      <p:bldP spid="8" grpId="0"/>
+      <p:bldP spid="9" grpId="0"/>
+    </p:bldLst>
+  </p:timing>
+</p:sld>
+</file>
+
+<file path=ppt/slides/slide43.xml><?xml version="1.0" encoding="utf-8"?>
+<p:sld xmlns:a="http://schemas.openxmlformats.org/drawingml/2006/main" xmlns:r="http://schemas.openxmlformats.org/officeDocument/2006/relationships" xmlns:p="http://schemas.openxmlformats.org/presentationml/2006/main">
+  <p:cSld>
+    <p:bg>
+      <p:bgPr>
+        <a:solidFill>
+          <a:schemeClr val="bg2">
+            <a:lumMod val="10000"/>
+          </a:schemeClr>
+        </a:solidFill>
+        <a:effectLst/>
+      </p:bgPr>
+    </p:bg>
+    <p:spTree>
+      <p:nvGrpSpPr>
+        <p:cNvPr id="1" name=""/>
+        <p:cNvGrpSpPr/>
+        <p:nvPr/>
+      </p:nvGrpSpPr>
+      <p:grpSpPr>
+        <a:xfrm>
+          <a:off x="0" y="0"/>
+          <a:ext cx="0" cy="0"/>
+          <a:chOff x="0" y="0"/>
+          <a:chExt cx="0" cy="0"/>
+        </a:xfrm>
+      </p:grpSpPr>
+      <p:cxnSp>
+        <p:nvCxnSpPr>
+          <p:cNvPr id="3" name="Connecteur droit 2">
+            <a:extLst>
+              <a:ext uri="{FF2B5EF4-FFF2-40B4-BE49-F238E27FC236}">
+                <a16:creationId xmlns:a16="http://schemas.microsoft.com/office/drawing/2014/main" id="{E663F135-162F-7B6C-71F3-19B2E5F6A42C}"/>
+              </a:ext>
+            </a:extLst>
+          </p:cNvPr>
+          <p:cNvCxnSpPr/>
+          <p:nvPr/>
+        </p:nvCxnSpPr>
+        <p:spPr>
+          <a:xfrm>
+            <a:off x="1101214" y="0"/>
+            <a:ext cx="0" cy="6858000"/>
+          </a:xfrm>
+          <a:prstGeom prst="line">
+            <a:avLst/>
+          </a:prstGeom>
+          <a:ln w="76200">
+            <a:solidFill>
+              <a:srgbClr val="FF0000"/>
+            </a:solidFill>
+          </a:ln>
+        </p:spPr>
+        <p:style>
+          <a:lnRef idx="1">
+            <a:schemeClr val="accent1"/>
+          </a:lnRef>
+          <a:fillRef idx="0">
+            <a:schemeClr val="accent1"/>
+          </a:fillRef>
+          <a:effectRef idx="0">
+            <a:schemeClr val="accent1"/>
+          </a:effectRef>
+          <a:fontRef idx="minor">
+            <a:schemeClr val="tx1"/>
+          </a:fontRef>
+        </p:style>
+      </p:cxnSp>
+      <p:cxnSp>
+        <p:nvCxnSpPr>
+          <p:cNvPr id="4" name="Connecteur droit 3">
+            <a:extLst>
+              <a:ext uri="{FF2B5EF4-FFF2-40B4-BE49-F238E27FC236}">
+                <a16:creationId xmlns:a16="http://schemas.microsoft.com/office/drawing/2014/main" id="{8734AFF8-7F87-E087-716E-873F09C78622}"/>
+              </a:ext>
+            </a:extLst>
+          </p:cNvPr>
+          <p:cNvCxnSpPr/>
+          <p:nvPr/>
+        </p:nvCxnSpPr>
+        <p:spPr>
+          <a:xfrm>
+            <a:off x="1460091" y="0"/>
+            <a:ext cx="0" cy="6858000"/>
+          </a:xfrm>
+          <a:prstGeom prst="line">
+            <a:avLst/>
+          </a:prstGeom>
+          <a:ln w="76200">
+            <a:solidFill>
+              <a:srgbClr val="FF0000"/>
+            </a:solidFill>
+          </a:ln>
+        </p:spPr>
+        <p:style>
+          <a:lnRef idx="1">
+            <a:schemeClr val="accent1"/>
+          </a:lnRef>
+          <a:fillRef idx="0">
+            <a:schemeClr val="accent1"/>
+          </a:fillRef>
+          <a:effectRef idx="0">
+            <a:schemeClr val="accent1"/>
+          </a:effectRef>
+          <a:fontRef idx="minor">
+            <a:schemeClr val="tx1"/>
+          </a:fontRef>
+        </p:style>
+      </p:cxnSp>
+      <p:sp>
+        <p:nvSpPr>
+          <p:cNvPr id="5" name="ZoneTexte 4">
+            <a:extLst>
+              <a:ext uri="{FF2B5EF4-FFF2-40B4-BE49-F238E27FC236}">
+                <a16:creationId xmlns:a16="http://schemas.microsoft.com/office/drawing/2014/main" id="{2A653F61-A93B-08EF-A87D-D2643FB80918}"/>
+              </a:ext>
+            </a:extLst>
+          </p:cNvPr>
+          <p:cNvSpPr txBox="1"/>
+          <p:nvPr/>
+        </p:nvSpPr>
+        <p:spPr>
+          <a:xfrm>
+            <a:off x="2084439" y="521109"/>
+            <a:ext cx="9006347" cy="646331"/>
+          </a:xfrm>
+          <a:prstGeom prst="rect">
+            <a:avLst/>
+          </a:prstGeom>
+          <a:noFill/>
+        </p:spPr>
+        <p:txBody>
+          <a:bodyPr wrap="square" rtlCol="0">
+            <a:spAutoFit/>
+          </a:bodyPr>
+          <a:lstStyle/>
+          <a:p>
+            <a:r>
+              <a:rPr lang="fr-FR" sz="3600" b="1" dirty="0">
+                <a:solidFill>
+                  <a:schemeClr val="bg1"/>
+                </a:solidFill>
+                <a:latin typeface="Microsoft JhengHei Light" panose="020B0304030504040204" pitchFamily="34" charset="-120"/>
+                <a:ea typeface="Microsoft JhengHei Light" panose="020B0304030504040204" pitchFamily="34" charset="-120"/>
+              </a:rPr>
+              <a:t>5.3) </a:t>
+            </a:r>
+            <a:r>
+              <a:rPr lang="fr-FR" sz="3600" b="1" u="sng" dirty="0">
+                <a:solidFill>
+                  <a:schemeClr val="bg1"/>
+                </a:solidFill>
+                <a:latin typeface="Microsoft JhengHei Light" panose="020B0304030504040204" pitchFamily="34" charset="-120"/>
+                <a:ea typeface="Microsoft JhengHei Light" panose="020B0304030504040204" pitchFamily="34" charset="-120"/>
+              </a:rPr>
+              <a:t>Les différents outils des tests alpha</a:t>
+            </a:r>
+            <a:r>
+              <a:rPr lang="fr-FR" sz="3600" b="1" dirty="0">
+                <a:solidFill>
+                  <a:schemeClr val="bg1"/>
+                </a:solidFill>
+                <a:latin typeface="Microsoft JhengHei Light" panose="020B0304030504040204" pitchFamily="34" charset="-120"/>
+                <a:ea typeface="Microsoft JhengHei Light" panose="020B0304030504040204" pitchFamily="34" charset="-120"/>
+              </a:rPr>
+              <a:t> :</a:t>
+            </a:r>
+          </a:p>
+        </p:txBody>
+      </p:sp>
+      <p:sp>
+        <p:nvSpPr>
+          <p:cNvPr id="6" name="ZoneTexte 5">
+            <a:extLst>
+              <a:ext uri="{FF2B5EF4-FFF2-40B4-BE49-F238E27FC236}">
+                <a16:creationId xmlns:a16="http://schemas.microsoft.com/office/drawing/2014/main" id="{E8A2E204-7D0B-272A-9428-90824AEB658C}"/>
+              </a:ext>
+            </a:extLst>
+          </p:cNvPr>
+          <p:cNvSpPr txBox="1"/>
+          <p:nvPr/>
+        </p:nvSpPr>
+        <p:spPr>
+          <a:xfrm>
+            <a:off x="2084439" y="1676400"/>
+            <a:ext cx="9341220" cy="369332"/>
+          </a:xfrm>
+          <a:prstGeom prst="rect">
+            <a:avLst/>
+          </a:prstGeom>
+          <a:noFill/>
+        </p:spPr>
+        <p:txBody>
+          <a:bodyPr wrap="square" rtlCol="0">
+            <a:spAutoFit/>
+          </a:bodyPr>
+          <a:lstStyle/>
+          <a:p>
+            <a:r>
+              <a:rPr lang="fr-FR" b="1" u="sng" dirty="0">
+                <a:solidFill>
+                  <a:schemeClr val="bg1"/>
+                </a:solidFill>
+                <a:latin typeface="Microsoft JhengHei Light" panose="020B0304030504040204" pitchFamily="34" charset="-120"/>
+                <a:ea typeface="Microsoft JhengHei Light" panose="020B0304030504040204" pitchFamily="34" charset="-120"/>
+              </a:rPr>
+              <a:t>Les tests alpha disposent de différents outils selon les produits tels que</a:t>
+            </a:r>
+            <a:r>
+              <a:rPr lang="fr-FR" b="1" dirty="0">
+                <a:solidFill>
+                  <a:schemeClr val="bg1"/>
+                </a:solidFill>
+                <a:latin typeface="Microsoft JhengHei Light" panose="020B0304030504040204" pitchFamily="34" charset="-120"/>
+                <a:ea typeface="Microsoft JhengHei Light" panose="020B0304030504040204" pitchFamily="34" charset="-120"/>
+              </a:rPr>
+              <a:t> :</a:t>
+            </a:r>
+          </a:p>
+        </p:txBody>
+      </p:sp>
+      <p:sp>
+        <p:nvSpPr>
+          <p:cNvPr id="7" name="ZoneTexte 6">
+            <a:extLst>
+              <a:ext uri="{FF2B5EF4-FFF2-40B4-BE49-F238E27FC236}">
+                <a16:creationId xmlns:a16="http://schemas.microsoft.com/office/drawing/2014/main" id="{1780393B-6A4E-FC81-1885-EA0E33217500}"/>
+              </a:ext>
+            </a:extLst>
+          </p:cNvPr>
+          <p:cNvSpPr txBox="1"/>
+          <p:nvPr/>
+        </p:nvSpPr>
+        <p:spPr>
+          <a:xfrm>
+            <a:off x="2084439" y="2554692"/>
+            <a:ext cx="9421906" cy="1477328"/>
+          </a:xfrm>
+          <a:prstGeom prst="rect">
+            <a:avLst/>
+          </a:prstGeom>
+          <a:noFill/>
+        </p:spPr>
+        <p:txBody>
+          <a:bodyPr wrap="square" rtlCol="0">
+            <a:spAutoFit/>
+          </a:bodyPr>
+          <a:lstStyle/>
+          <a:p>
+            <a:pPr marL="285750" indent="-285750">
+              <a:buFont typeface="Arial" panose="020B0604020202020204" pitchFamily="34" charset="0"/>
+              <a:buChar char="•"/>
+            </a:pPr>
+            <a:r>
+              <a:rPr lang="fr-FR" dirty="0">
+                <a:solidFill>
+                  <a:schemeClr val="bg1"/>
+                </a:solidFill>
+                <a:latin typeface="Microsoft JhengHei Light" panose="020B0304030504040204" pitchFamily="34" charset="-120"/>
+                <a:ea typeface="Microsoft JhengHei Light" panose="020B0304030504040204" pitchFamily="34" charset="-120"/>
+              </a:rPr>
+              <a:t>Les outils de tests manuels</a:t>
+            </a:r>
+          </a:p>
+          <a:p>
+            <a:pPr marL="285750" indent="-285750">
+              <a:buFont typeface="Arial" panose="020B0604020202020204" pitchFamily="34" charset="0"/>
+              <a:buChar char="•"/>
+            </a:pPr>
+            <a:endParaRPr lang="fr-FR" dirty="0">
+              <a:solidFill>
+                <a:schemeClr val="bg1"/>
+              </a:solidFill>
+              <a:latin typeface="Microsoft JhengHei Light" panose="020B0304030504040204" pitchFamily="34" charset="-120"/>
+              <a:ea typeface="Microsoft JhengHei Light" panose="020B0304030504040204" pitchFamily="34" charset="-120"/>
+            </a:endParaRPr>
+          </a:p>
+          <a:p>
+            <a:pPr marL="285750" indent="-285750">
+              <a:buFont typeface="Arial" panose="020B0604020202020204" pitchFamily="34" charset="0"/>
+              <a:buChar char="•"/>
+            </a:pPr>
+            <a:r>
+              <a:rPr lang="fr-FR" dirty="0">
+                <a:solidFill>
+                  <a:schemeClr val="bg1"/>
+                </a:solidFill>
+                <a:latin typeface="Microsoft JhengHei Light" panose="020B0304030504040204" pitchFamily="34" charset="-120"/>
+                <a:ea typeface="Microsoft JhengHei Light" panose="020B0304030504040204" pitchFamily="34" charset="-120"/>
+              </a:rPr>
+              <a:t>Les outils de tests automatisés </a:t>
+            </a:r>
+          </a:p>
+          <a:p>
+            <a:pPr marL="285750" indent="-285750">
+              <a:buFont typeface="Arial" panose="020B0604020202020204" pitchFamily="34" charset="0"/>
+              <a:buChar char="•"/>
+            </a:pPr>
+            <a:endParaRPr lang="fr-FR" dirty="0">
+              <a:solidFill>
+                <a:schemeClr val="bg1"/>
+              </a:solidFill>
+              <a:latin typeface="Microsoft JhengHei Light" panose="020B0304030504040204" pitchFamily="34" charset="-120"/>
+              <a:ea typeface="Microsoft JhengHei Light" panose="020B0304030504040204" pitchFamily="34" charset="-120"/>
+            </a:endParaRPr>
+          </a:p>
+          <a:p>
+            <a:pPr marL="285750" indent="-285750">
+              <a:buFont typeface="Arial" panose="020B0604020202020204" pitchFamily="34" charset="0"/>
+              <a:buChar char="•"/>
+            </a:pPr>
+            <a:r>
+              <a:rPr lang="fr-FR" dirty="0">
+                <a:solidFill>
+                  <a:schemeClr val="bg1"/>
+                </a:solidFill>
+                <a:latin typeface="Microsoft JhengHei Light" panose="020B0304030504040204" pitchFamily="34" charset="-120"/>
+                <a:ea typeface="Microsoft JhengHei Light" panose="020B0304030504040204" pitchFamily="34" charset="-120"/>
+              </a:rPr>
+              <a:t>Les outils de gestion des bogues</a:t>
+            </a:r>
+          </a:p>
+        </p:txBody>
+      </p:sp>
+    </p:spTree>
+    <p:extLst>
+      <p:ext uri="{BB962C8B-B14F-4D97-AF65-F5344CB8AC3E}">
+        <p14:creationId xmlns:p14="http://schemas.microsoft.com/office/powerpoint/2010/main" val="4030321412"/>
+      </p:ext>
+    </p:extLst>
+  </p:cSld>
+  <p:clrMapOvr>
+    <a:masterClrMapping/>
+  </p:clrMapOvr>
+  <p:timing>
+    <p:tnLst>
+      <p:par>
+        <p:cTn id="1" dur="indefinite" restart="never" nodeType="tmRoot">
+          <p:childTnLst>
+            <p:seq concurrent="1" nextAc="seek">
+              <p:cTn id="2" dur="indefinite" nodeType="mainSeq">
+                <p:childTnLst>
+                  <p:par>
+                    <p:cTn id="3" fill="hold">
+                      <p:stCondLst>
+                        <p:cond delay="indefinite"/>
+                        <p:cond evt="onBegin" delay="0">
+                          <p:tn val="2"/>
+                        </p:cond>
+                      </p:stCondLst>
+                      <p:childTnLst>
+                        <p:par>
+                          <p:cTn id="4" fill="hold">
+                            <p:stCondLst>
+                              <p:cond delay="0"/>
+                            </p:stCondLst>
+                            <p:childTnLst>
+                              <p:par>
+                                <p:cTn id="5" presetID="10" presetClass="entr" presetSubtype="0" fill="hold" nodeType="withEffect">
+                                  <p:stCondLst>
+                                    <p:cond delay="0"/>
+                                  </p:stCondLst>
+                                  <p:childTnLst>
+                                    <p:set>
+                                      <p:cBhvr>
+                                        <p:cTn id="6" dur="1" fill="hold">
+                                          <p:stCondLst>
+                                            <p:cond delay="0"/>
+                                          </p:stCondLst>
+                                        </p:cTn>
+                                        <p:tgtEl>
+                                          <p:spTgt spid="3"/>
+                                        </p:tgtEl>
+                                        <p:attrNameLst>
+                                          <p:attrName>style.visibility</p:attrName>
+                                        </p:attrNameLst>
+                                      </p:cBhvr>
+                                      <p:to>
+                                        <p:strVal val="visible"/>
+                                      </p:to>
+                                    </p:set>
+                                    <p:animEffect transition="in" filter="fade">
+                                      <p:cBhvr>
+                                        <p:cTn id="7" dur="500"/>
+                                        <p:tgtEl>
+                                          <p:spTgt spid="3"/>
+                                        </p:tgtEl>
+                                      </p:cBhvr>
+                                    </p:animEffect>
+                                  </p:childTnLst>
+                                </p:cTn>
+                              </p:par>
+                            </p:childTnLst>
+                          </p:cTn>
+                        </p:par>
+                        <p:par>
+                          <p:cTn id="8" fill="hold">
+                            <p:stCondLst>
+                              <p:cond delay="500"/>
+                            </p:stCondLst>
+                            <p:childTnLst>
+                              <p:par>
+                                <p:cTn id="9" presetID="10" presetClass="entr" presetSubtype="0" fill="hold" nodeType="afterEffect">
+                                  <p:stCondLst>
+                                    <p:cond delay="0"/>
+                                  </p:stCondLst>
+                                  <p:childTnLst>
+                                    <p:set>
+                                      <p:cBhvr>
+                                        <p:cTn id="10" dur="1" fill="hold">
+                                          <p:stCondLst>
+                                            <p:cond delay="0"/>
+                                          </p:stCondLst>
+                                        </p:cTn>
+                                        <p:tgtEl>
+                                          <p:spTgt spid="4"/>
+                                        </p:tgtEl>
+                                        <p:attrNameLst>
+                                          <p:attrName>style.visibility</p:attrName>
+                                        </p:attrNameLst>
+                                      </p:cBhvr>
+                                      <p:to>
+                                        <p:strVal val="visible"/>
+                                      </p:to>
+                                    </p:set>
+                                    <p:animEffect transition="in" filter="fade">
+                                      <p:cBhvr>
+                                        <p:cTn id="11" dur="500"/>
+                                        <p:tgtEl>
+                                          <p:spTgt spid="4"/>
+                                        </p:tgtEl>
+                                      </p:cBhvr>
+                                    </p:animEffect>
+                                  </p:childTnLst>
+                                </p:cTn>
+                              </p:par>
+                            </p:childTnLst>
+                          </p:cTn>
+                        </p:par>
+                      </p:childTnLst>
+                    </p:cTn>
+                  </p:par>
+                  <p:par>
+                    <p:cTn id="12" fill="hold">
+                      <p:stCondLst>
+                        <p:cond delay="indefinite"/>
+                      </p:stCondLst>
+                      <p:childTnLst>
+                        <p:par>
+                          <p:cTn id="13" fill="hold">
+                            <p:stCondLst>
+                              <p:cond delay="0"/>
+                            </p:stCondLst>
+                            <p:childTnLst>
+                              <p:par>
+                                <p:cTn id="14" presetID="42" presetClass="entr" presetSubtype="0" fill="hold" grpId="0" nodeType="clickEffect">
+                                  <p:stCondLst>
+                                    <p:cond delay="0"/>
+                                  </p:stCondLst>
+                                  <p:childTnLst>
+                                    <p:set>
+                                      <p:cBhvr>
+                                        <p:cTn id="15" dur="1" fill="hold">
+                                          <p:stCondLst>
+                                            <p:cond delay="0"/>
+                                          </p:stCondLst>
+                                        </p:cTn>
+                                        <p:tgtEl>
+                                          <p:spTgt spid="5"/>
+                                        </p:tgtEl>
+                                        <p:attrNameLst>
+                                          <p:attrName>style.visibility</p:attrName>
+                                        </p:attrNameLst>
+                                      </p:cBhvr>
+                                      <p:to>
+                                        <p:strVal val="visible"/>
+                                      </p:to>
+                                    </p:set>
+                                    <p:animEffect transition="in" filter="fade">
+                                      <p:cBhvr>
+                                        <p:cTn id="16" dur="1000"/>
+                                        <p:tgtEl>
+                                          <p:spTgt spid="5"/>
+                                        </p:tgtEl>
+                                      </p:cBhvr>
+                                    </p:animEffect>
+                                    <p:anim calcmode="lin" valueType="num">
+                                      <p:cBhvr>
+                                        <p:cTn id="17" dur="1000" fill="hold"/>
+                                        <p:tgtEl>
+                                          <p:spTgt spid="5"/>
+                                        </p:tgtEl>
+                                        <p:attrNameLst>
+                                          <p:attrName>ppt_x</p:attrName>
+                                        </p:attrNameLst>
+                                      </p:cBhvr>
+                                      <p:tavLst>
+                                        <p:tav tm="0">
+                                          <p:val>
+                                            <p:strVal val="#ppt_x"/>
+                                          </p:val>
+                                        </p:tav>
+                                        <p:tav tm="100000">
+                                          <p:val>
+                                            <p:strVal val="#ppt_x"/>
+                                          </p:val>
+                                        </p:tav>
+                                      </p:tavLst>
+                                    </p:anim>
+                                    <p:anim calcmode="lin" valueType="num">
+                                      <p:cBhvr>
+                                        <p:cTn id="18" dur="1000" fill="hold"/>
+                                        <p:tgtEl>
+                                          <p:spTgt spid="5"/>
+                                        </p:tgtEl>
+                                        <p:attrNameLst>
+                                          <p:attrName>ppt_y</p:attrName>
+                                        </p:attrNameLst>
+                                      </p:cBhvr>
+                                      <p:tavLst>
+                                        <p:tav tm="0">
+                                          <p:val>
+                                            <p:strVal val="#ppt_y+.1"/>
+                                          </p:val>
+                                        </p:tav>
+                                        <p:tav tm="100000">
+                                          <p:val>
+                                            <p:strVal val="#ppt_y"/>
+                                          </p:val>
+                                        </p:tav>
+                                      </p:tavLst>
+                                    </p:anim>
+                                  </p:childTnLst>
+                                </p:cTn>
+                              </p:par>
+                            </p:childTnLst>
+                          </p:cTn>
+                        </p:par>
+                      </p:childTnLst>
+                    </p:cTn>
+                  </p:par>
+                  <p:par>
+                    <p:cTn id="19" fill="hold">
+                      <p:stCondLst>
+                        <p:cond delay="indefinite"/>
+                      </p:stCondLst>
+                      <p:childTnLst>
+                        <p:par>
+                          <p:cTn id="20" fill="hold">
+                            <p:stCondLst>
+                              <p:cond delay="0"/>
+                            </p:stCondLst>
+                            <p:childTnLst>
+                              <p:par>
+                                <p:cTn id="21" presetID="10" presetClass="entr" presetSubtype="0" fill="hold" grpId="0" nodeType="clickEffect">
+                                  <p:stCondLst>
+                                    <p:cond delay="0"/>
+                                  </p:stCondLst>
+                                  <p:childTnLst>
+                                    <p:set>
+                                      <p:cBhvr>
+                                        <p:cTn id="22" dur="1" fill="hold">
+                                          <p:stCondLst>
+                                            <p:cond delay="0"/>
+                                          </p:stCondLst>
+                                        </p:cTn>
+                                        <p:tgtEl>
+                                          <p:spTgt spid="6"/>
+                                        </p:tgtEl>
+                                        <p:attrNameLst>
+                                          <p:attrName>style.visibility</p:attrName>
+                                        </p:attrNameLst>
+                                      </p:cBhvr>
+                                      <p:to>
+                                        <p:strVal val="visible"/>
+                                      </p:to>
+                                    </p:set>
+                                    <p:animEffect transition="in" filter="fade">
+                                      <p:cBhvr>
+                                        <p:cTn id="23" dur="500"/>
+                                        <p:tgtEl>
+                                          <p:spTgt spid="6"/>
+                                        </p:tgtEl>
+                                      </p:cBhvr>
+                                    </p:animEffect>
+                                  </p:childTnLst>
+                                </p:cTn>
+                              </p:par>
+                              <p:par>
+                                <p:cTn id="24" presetID="10" presetClass="entr" presetSubtype="0" fill="hold" grpId="0" nodeType="withEffect">
+                                  <p:stCondLst>
+                                    <p:cond delay="0"/>
+                                  </p:stCondLst>
+                                  <p:childTnLst>
+                                    <p:set>
+                                      <p:cBhvr>
+                                        <p:cTn id="25" dur="1" fill="hold">
+                                          <p:stCondLst>
+                                            <p:cond delay="0"/>
+                                          </p:stCondLst>
+                                        </p:cTn>
+                                        <p:tgtEl>
+                                          <p:spTgt spid="7"/>
+                                        </p:tgtEl>
+                                        <p:attrNameLst>
+                                          <p:attrName>style.visibility</p:attrName>
+                                        </p:attrNameLst>
+                                      </p:cBhvr>
+                                      <p:to>
+                                        <p:strVal val="visible"/>
+                                      </p:to>
+                                    </p:set>
+                                    <p:animEffect transition="in" filter="fade">
+                                      <p:cBhvr>
+                                        <p:cTn id="26" dur="500"/>
+                                        <p:tgtEl>
+                                          <p:spTgt spid="7"/>
+                                        </p:tgtEl>
+                                      </p:cBhvr>
+                                    </p:animEffect>
+                                  </p:childTnLst>
+                                </p:cTn>
+                              </p:par>
+                            </p:childTnLst>
+                          </p:cTn>
+                        </p:par>
+                      </p:childTnLst>
+                    </p:cTn>
+                  </p:par>
+                </p:childTnLst>
+              </p:cTn>
+              <p:prevCondLst>
+                <p:cond evt="onPrev" delay="0">
+                  <p:tgtEl>
+                    <p:sldTgt/>
+                  </p:tgtEl>
+                </p:cond>
+              </p:prevCondLst>
+              <p:nextCondLst>
+                <p:cond evt="onNext" delay="0">
+                  <p:tgtEl>
+                    <p:sldTgt/>
+                  </p:tgtEl>
+                </p:cond>
+              </p:nextCondLst>
+            </p:seq>
+          </p:childTnLst>
+        </p:cTn>
+      </p:par>
+    </p:tnLst>
+    <p:bldLst>
+      <p:bldP spid="5" grpId="0"/>
+      <p:bldP spid="6" grpId="0"/>
+      <p:bldP spid="7" grpId="0"/>
+    </p:bldLst>
+  </p:timing>
+</p:sld>
+</file>
+
+<file path=ppt/slides/slide44.xml><?xml version="1.0" encoding="utf-8"?>
+<p:sld xmlns:a="http://schemas.openxmlformats.org/drawingml/2006/main" xmlns:r="http://schemas.openxmlformats.org/officeDocument/2006/relationships" xmlns:p="http://schemas.openxmlformats.org/presentationml/2006/main">
+  <p:cSld>
+    <p:bg>
+      <p:bgPr>
+        <a:solidFill>
+          <a:schemeClr val="bg2">
+            <a:lumMod val="10000"/>
+          </a:schemeClr>
+        </a:solidFill>
+        <a:effectLst/>
+      </p:bgPr>
+    </p:bg>
+    <p:spTree>
+      <p:nvGrpSpPr>
+        <p:cNvPr id="1" name=""/>
+        <p:cNvGrpSpPr/>
+        <p:nvPr/>
+      </p:nvGrpSpPr>
+      <p:grpSpPr>
+        <a:xfrm>
+          <a:off x="0" y="0"/>
+          <a:ext cx="0" cy="0"/>
+          <a:chOff x="0" y="0"/>
+          <a:chExt cx="0" cy="0"/>
+        </a:xfrm>
+      </p:grpSpPr>
+      <p:cxnSp>
+        <p:nvCxnSpPr>
+          <p:cNvPr id="3" name="Connecteur droit 2">
+            <a:extLst>
+              <a:ext uri="{FF2B5EF4-FFF2-40B4-BE49-F238E27FC236}">
+                <a16:creationId xmlns:a16="http://schemas.microsoft.com/office/drawing/2014/main" id="{BA8D55EF-5E7B-55C7-1B84-D4E59F6D8395}"/>
+              </a:ext>
+            </a:extLst>
+          </p:cNvPr>
+          <p:cNvCxnSpPr/>
+          <p:nvPr/>
+        </p:nvCxnSpPr>
+        <p:spPr>
+          <a:xfrm>
+            <a:off x="1129554" y="0"/>
+            <a:ext cx="0" cy="6858000"/>
+          </a:xfrm>
+          <a:prstGeom prst="line">
+            <a:avLst/>
+          </a:prstGeom>
+          <a:ln w="76200">
+            <a:solidFill>
+              <a:srgbClr val="FF0000"/>
+            </a:solidFill>
+          </a:ln>
+        </p:spPr>
+        <p:style>
+          <a:lnRef idx="1">
+            <a:schemeClr val="accent1"/>
+          </a:lnRef>
+          <a:fillRef idx="0">
+            <a:schemeClr val="accent1"/>
+          </a:fillRef>
+          <a:effectRef idx="0">
+            <a:schemeClr val="accent1"/>
+          </a:effectRef>
+          <a:fontRef idx="minor">
+            <a:schemeClr val="tx1"/>
+          </a:fontRef>
+        </p:style>
+      </p:cxnSp>
+      <p:cxnSp>
+        <p:nvCxnSpPr>
+          <p:cNvPr id="4" name="Connecteur droit 3">
+            <a:extLst>
+              <a:ext uri="{FF2B5EF4-FFF2-40B4-BE49-F238E27FC236}">
+                <a16:creationId xmlns:a16="http://schemas.microsoft.com/office/drawing/2014/main" id="{E21335B2-C381-97AE-D801-6038E215E53F}"/>
+              </a:ext>
+            </a:extLst>
+          </p:cNvPr>
+          <p:cNvCxnSpPr/>
+          <p:nvPr/>
+        </p:nvCxnSpPr>
+        <p:spPr>
+          <a:xfrm>
+            <a:off x="1443317" y="0"/>
+            <a:ext cx="0" cy="6858000"/>
+          </a:xfrm>
+          <a:prstGeom prst="line">
+            <a:avLst/>
+          </a:prstGeom>
+          <a:ln w="76200">
+            <a:solidFill>
+              <a:srgbClr val="FF0000"/>
+            </a:solidFill>
+          </a:ln>
+        </p:spPr>
+        <p:style>
+          <a:lnRef idx="1">
+            <a:schemeClr val="accent1"/>
+          </a:lnRef>
+          <a:fillRef idx="0">
+            <a:schemeClr val="accent1"/>
+          </a:fillRef>
+          <a:effectRef idx="0">
+            <a:schemeClr val="accent1"/>
+          </a:effectRef>
+          <a:fontRef idx="minor">
+            <a:schemeClr val="tx1"/>
+          </a:fontRef>
+        </p:style>
+      </p:cxnSp>
+      <p:sp>
+        <p:nvSpPr>
+          <p:cNvPr id="5" name="ZoneTexte 4">
+            <a:extLst>
+              <a:ext uri="{FF2B5EF4-FFF2-40B4-BE49-F238E27FC236}">
+                <a16:creationId xmlns:a16="http://schemas.microsoft.com/office/drawing/2014/main" id="{1627FA0C-7B40-4B00-2DA2-1574C79A76CF}"/>
+              </a:ext>
+            </a:extLst>
+          </p:cNvPr>
+          <p:cNvSpPr txBox="1"/>
+          <p:nvPr/>
+        </p:nvSpPr>
+        <p:spPr>
+          <a:xfrm>
+            <a:off x="2142566" y="493059"/>
+            <a:ext cx="4446494" cy="646331"/>
+          </a:xfrm>
+          <a:prstGeom prst="rect">
+            <a:avLst/>
+          </a:prstGeom>
+          <a:noFill/>
+        </p:spPr>
+        <p:txBody>
+          <a:bodyPr wrap="square" rtlCol="0">
+            <a:spAutoFit/>
+          </a:bodyPr>
+          <a:lstStyle/>
+          <a:p>
+            <a:r>
+              <a:rPr lang="fr-FR" sz="3600" b="1" dirty="0">
+                <a:solidFill>
+                  <a:schemeClr val="bg1"/>
+                </a:solidFill>
+                <a:latin typeface="Microsoft JhengHei Light" panose="020B0304030504040204" pitchFamily="34" charset="-120"/>
+                <a:ea typeface="Microsoft JhengHei Light" panose="020B0304030504040204" pitchFamily="34" charset="-120"/>
+              </a:rPr>
+              <a:t>5.4) </a:t>
+            </a:r>
+            <a:r>
+              <a:rPr lang="fr-FR" sz="3600" b="1" u="sng" dirty="0">
+                <a:solidFill>
+                  <a:schemeClr val="bg1"/>
+                </a:solidFill>
+                <a:latin typeface="Microsoft JhengHei Light" panose="020B0304030504040204" pitchFamily="34" charset="-120"/>
+                <a:ea typeface="Microsoft JhengHei Light" panose="020B0304030504040204" pitchFamily="34" charset="-120"/>
+              </a:rPr>
+              <a:t>Les tests bêta</a:t>
+            </a:r>
+            <a:r>
+              <a:rPr lang="fr-FR" sz="3600" b="1" dirty="0">
+                <a:solidFill>
+                  <a:schemeClr val="bg1"/>
+                </a:solidFill>
+                <a:latin typeface="Microsoft JhengHei Light" panose="020B0304030504040204" pitchFamily="34" charset="-120"/>
+                <a:ea typeface="Microsoft JhengHei Light" panose="020B0304030504040204" pitchFamily="34" charset="-120"/>
+              </a:rPr>
+              <a:t> :</a:t>
+            </a:r>
+          </a:p>
+        </p:txBody>
+      </p:sp>
+      <p:sp>
+        <p:nvSpPr>
+          <p:cNvPr id="6" name="ZoneTexte 5">
+            <a:extLst>
+              <a:ext uri="{FF2B5EF4-FFF2-40B4-BE49-F238E27FC236}">
+                <a16:creationId xmlns:a16="http://schemas.microsoft.com/office/drawing/2014/main" id="{C6E17595-A24D-0CAE-E9A4-7A0E218A56A3}"/>
+              </a:ext>
+            </a:extLst>
+          </p:cNvPr>
+          <p:cNvSpPr txBox="1"/>
+          <p:nvPr/>
+        </p:nvSpPr>
+        <p:spPr>
+          <a:xfrm>
+            <a:off x="2142566" y="1712259"/>
+            <a:ext cx="9475692" cy="1200329"/>
+          </a:xfrm>
+          <a:prstGeom prst="rect">
+            <a:avLst/>
+          </a:prstGeom>
+          <a:noFill/>
+        </p:spPr>
+        <p:txBody>
+          <a:bodyPr wrap="square" rtlCol="0">
+            <a:spAutoFit/>
+          </a:bodyPr>
+          <a:lstStyle/>
+          <a:p>
+            <a:r>
+              <a:rPr lang="fr-FR" dirty="0">
+                <a:solidFill>
+                  <a:schemeClr val="bg1"/>
+                </a:solidFill>
+                <a:latin typeface="Microsoft JhengHei Light" panose="020B0304030504040204" pitchFamily="34" charset="-120"/>
+                <a:ea typeface="Microsoft JhengHei Light" panose="020B0304030504040204" pitchFamily="34" charset="-120"/>
+              </a:rPr>
+              <a:t>Les tests bêta sont selon l’International Software Testing Qualifications Board, une des techniques de test qui s’effectue après les tests alpha et avant la sortie du produit.</a:t>
+            </a:r>
+          </a:p>
+          <a:p>
+            <a:endParaRPr lang="fr-FR" dirty="0">
+              <a:solidFill>
+                <a:schemeClr val="bg1"/>
+              </a:solidFill>
+              <a:latin typeface="Microsoft JhengHei Light" panose="020B0304030504040204" pitchFamily="34" charset="-120"/>
+              <a:ea typeface="Microsoft JhengHei Light" panose="020B0304030504040204" pitchFamily="34" charset="-120"/>
+            </a:endParaRPr>
+          </a:p>
+          <a:p>
+            <a:r>
+              <a:rPr lang="fr-FR" dirty="0">
+                <a:solidFill>
+                  <a:schemeClr val="bg1"/>
+                </a:solidFill>
+                <a:latin typeface="Microsoft JhengHei Light" panose="020B0304030504040204" pitchFamily="34" charset="-120"/>
+                <a:ea typeface="Microsoft JhengHei Light" panose="020B0304030504040204" pitchFamily="34" charset="-120"/>
+              </a:rPr>
+              <a:t>Les tests bêta sont des tests d’acceptation réalisé par des utilisateurs externes réels. </a:t>
+            </a:r>
+          </a:p>
+        </p:txBody>
+      </p:sp>
+    </p:spTree>
+    <p:extLst>
+      <p:ext uri="{BB962C8B-B14F-4D97-AF65-F5344CB8AC3E}">
+        <p14:creationId xmlns:p14="http://schemas.microsoft.com/office/powerpoint/2010/main" val="261957252"/>
+      </p:ext>
+    </p:extLst>
+  </p:cSld>
+  <p:clrMapOvr>
+    <a:masterClrMapping/>
+  </p:clrMapOvr>
+  <p:timing>
+    <p:tnLst>
+      <p:par>
+        <p:cTn id="1" dur="indefinite" restart="never" nodeType="tmRoot">
+          <p:childTnLst>
+            <p:seq concurrent="1" nextAc="seek">
+              <p:cTn id="2" dur="indefinite" nodeType="mainSeq">
+                <p:childTnLst>
+                  <p:par>
+                    <p:cTn id="3" fill="hold">
+                      <p:stCondLst>
+                        <p:cond delay="indefinite"/>
+                        <p:cond evt="onBegin" delay="0">
+                          <p:tn val="2"/>
+                        </p:cond>
+                      </p:stCondLst>
+                      <p:childTnLst>
+                        <p:par>
+                          <p:cTn id="4" fill="hold">
+                            <p:stCondLst>
+                              <p:cond delay="0"/>
+                            </p:stCondLst>
+                            <p:childTnLst>
+                              <p:par>
+                                <p:cTn id="5" presetID="10" presetClass="entr" presetSubtype="0" fill="hold" nodeType="withEffect">
+                                  <p:stCondLst>
+                                    <p:cond delay="0"/>
+                                  </p:stCondLst>
+                                  <p:childTnLst>
+                                    <p:set>
+                                      <p:cBhvr>
+                                        <p:cTn id="6" dur="1" fill="hold">
+                                          <p:stCondLst>
+                                            <p:cond delay="0"/>
+                                          </p:stCondLst>
+                                        </p:cTn>
+                                        <p:tgtEl>
+                                          <p:spTgt spid="3"/>
+                                        </p:tgtEl>
+                                        <p:attrNameLst>
+                                          <p:attrName>style.visibility</p:attrName>
+                                        </p:attrNameLst>
+                                      </p:cBhvr>
+                                      <p:to>
+                                        <p:strVal val="visible"/>
+                                      </p:to>
+                                    </p:set>
+                                    <p:animEffect transition="in" filter="fade">
+                                      <p:cBhvr>
+                                        <p:cTn id="7" dur="500"/>
+                                        <p:tgtEl>
+                                          <p:spTgt spid="3"/>
+                                        </p:tgtEl>
+                                      </p:cBhvr>
+                                    </p:animEffect>
+                                  </p:childTnLst>
+                                </p:cTn>
+                              </p:par>
+                            </p:childTnLst>
+                          </p:cTn>
+                        </p:par>
+                        <p:par>
+                          <p:cTn id="8" fill="hold">
+                            <p:stCondLst>
+                              <p:cond delay="500"/>
+                            </p:stCondLst>
+                            <p:childTnLst>
+                              <p:par>
+                                <p:cTn id="9" presetID="10" presetClass="entr" presetSubtype="0" fill="hold" nodeType="afterEffect">
+                                  <p:stCondLst>
+                                    <p:cond delay="0"/>
+                                  </p:stCondLst>
+                                  <p:childTnLst>
+                                    <p:set>
+                                      <p:cBhvr>
+                                        <p:cTn id="10" dur="1" fill="hold">
+                                          <p:stCondLst>
+                                            <p:cond delay="0"/>
+                                          </p:stCondLst>
+                                        </p:cTn>
+                                        <p:tgtEl>
+                                          <p:spTgt spid="4"/>
+                                        </p:tgtEl>
+                                        <p:attrNameLst>
+                                          <p:attrName>style.visibility</p:attrName>
+                                        </p:attrNameLst>
+                                      </p:cBhvr>
+                                      <p:to>
+                                        <p:strVal val="visible"/>
+                                      </p:to>
+                                    </p:set>
+                                    <p:animEffect transition="in" filter="fade">
+                                      <p:cBhvr>
+                                        <p:cTn id="11" dur="500"/>
+                                        <p:tgtEl>
+                                          <p:spTgt spid="4"/>
+                                        </p:tgtEl>
+                                      </p:cBhvr>
+                                    </p:animEffect>
+                                  </p:childTnLst>
+                                </p:cTn>
+                              </p:par>
+                            </p:childTnLst>
+                          </p:cTn>
+                        </p:par>
+                      </p:childTnLst>
+                    </p:cTn>
+                  </p:par>
+                  <p:par>
+                    <p:cTn id="12" fill="hold">
+                      <p:stCondLst>
+                        <p:cond delay="indefinite"/>
+                      </p:stCondLst>
+                      <p:childTnLst>
+                        <p:par>
+                          <p:cTn id="13" fill="hold">
+                            <p:stCondLst>
+                              <p:cond delay="0"/>
+                            </p:stCondLst>
+                            <p:childTnLst>
+                              <p:par>
+                                <p:cTn id="14" presetID="42" presetClass="entr" presetSubtype="0" fill="hold" grpId="0" nodeType="clickEffect">
+                                  <p:stCondLst>
+                                    <p:cond delay="0"/>
+                                  </p:stCondLst>
+                                  <p:childTnLst>
+                                    <p:set>
+                                      <p:cBhvr>
+                                        <p:cTn id="15" dur="1" fill="hold">
+                                          <p:stCondLst>
+                                            <p:cond delay="0"/>
+                                          </p:stCondLst>
+                                        </p:cTn>
+                                        <p:tgtEl>
+                                          <p:spTgt spid="5"/>
+                                        </p:tgtEl>
+                                        <p:attrNameLst>
+                                          <p:attrName>style.visibility</p:attrName>
+                                        </p:attrNameLst>
+                                      </p:cBhvr>
+                                      <p:to>
+                                        <p:strVal val="visible"/>
+                                      </p:to>
+                                    </p:set>
+                                    <p:animEffect transition="in" filter="fade">
+                                      <p:cBhvr>
+                                        <p:cTn id="16" dur="1000"/>
+                                        <p:tgtEl>
+                                          <p:spTgt spid="5"/>
+                                        </p:tgtEl>
+                                      </p:cBhvr>
+                                    </p:animEffect>
+                                    <p:anim calcmode="lin" valueType="num">
+                                      <p:cBhvr>
+                                        <p:cTn id="17" dur="1000" fill="hold"/>
+                                        <p:tgtEl>
+                                          <p:spTgt spid="5"/>
+                                        </p:tgtEl>
+                                        <p:attrNameLst>
+                                          <p:attrName>ppt_x</p:attrName>
+                                        </p:attrNameLst>
+                                      </p:cBhvr>
+                                      <p:tavLst>
+                                        <p:tav tm="0">
+                                          <p:val>
+                                            <p:strVal val="#ppt_x"/>
+                                          </p:val>
+                                        </p:tav>
+                                        <p:tav tm="100000">
+                                          <p:val>
+                                            <p:strVal val="#ppt_x"/>
+                                          </p:val>
+                                        </p:tav>
+                                      </p:tavLst>
+                                    </p:anim>
+                                    <p:anim calcmode="lin" valueType="num">
+                                      <p:cBhvr>
+                                        <p:cTn id="18" dur="1000" fill="hold"/>
+                                        <p:tgtEl>
+                                          <p:spTgt spid="5"/>
+                                        </p:tgtEl>
+                                        <p:attrNameLst>
+                                          <p:attrName>ppt_y</p:attrName>
+                                        </p:attrNameLst>
+                                      </p:cBhvr>
+                                      <p:tavLst>
+                                        <p:tav tm="0">
+                                          <p:val>
+                                            <p:strVal val="#ppt_y+.1"/>
+                                          </p:val>
+                                        </p:tav>
+                                        <p:tav tm="100000">
+                                          <p:val>
+                                            <p:strVal val="#ppt_y"/>
+                                          </p:val>
+                                        </p:tav>
+                                      </p:tavLst>
+                                    </p:anim>
+                                  </p:childTnLst>
+                                </p:cTn>
+                              </p:par>
+                            </p:childTnLst>
+                          </p:cTn>
+                        </p:par>
+                      </p:childTnLst>
+                    </p:cTn>
+                  </p:par>
+                  <p:par>
+                    <p:cTn id="19" fill="hold">
+                      <p:stCondLst>
+                        <p:cond delay="indefinite"/>
+                      </p:stCondLst>
+                      <p:childTnLst>
+                        <p:par>
+                          <p:cTn id="20" fill="hold">
+                            <p:stCondLst>
+                              <p:cond delay="0"/>
+                            </p:stCondLst>
+                            <p:childTnLst>
+                              <p:par>
+                                <p:cTn id="21" presetID="10" presetClass="entr" presetSubtype="0" fill="hold" grpId="0" nodeType="clickEffect">
+                                  <p:stCondLst>
+                                    <p:cond delay="0"/>
+                                  </p:stCondLst>
+                                  <p:childTnLst>
+                                    <p:set>
+                                      <p:cBhvr>
+                                        <p:cTn id="22" dur="1" fill="hold">
+                                          <p:stCondLst>
+                                            <p:cond delay="0"/>
+                                          </p:stCondLst>
+                                        </p:cTn>
+                                        <p:tgtEl>
+                                          <p:spTgt spid="6"/>
+                                        </p:tgtEl>
+                                        <p:attrNameLst>
+                                          <p:attrName>style.visibility</p:attrName>
+                                        </p:attrNameLst>
+                                      </p:cBhvr>
+                                      <p:to>
+                                        <p:strVal val="visible"/>
+                                      </p:to>
+                                    </p:set>
+                                    <p:animEffect transition="in" filter="fade">
+                                      <p:cBhvr>
+                                        <p:cTn id="23" dur="500"/>
+                                        <p:tgtEl>
+                                          <p:spTgt spid="6"/>
+                                        </p:tgtEl>
+                                      </p:cBhvr>
+                                    </p:animEffect>
+                                  </p:childTnLst>
+                                </p:cTn>
+                              </p:par>
+                            </p:childTnLst>
+                          </p:cTn>
+                        </p:par>
+                      </p:childTnLst>
+                    </p:cTn>
+                  </p:par>
+                </p:childTnLst>
+              </p:cTn>
+              <p:prevCondLst>
+                <p:cond evt="onPrev" delay="0">
+                  <p:tgtEl>
+                    <p:sldTgt/>
+                  </p:tgtEl>
+                </p:cond>
+              </p:prevCondLst>
+              <p:nextCondLst>
+                <p:cond evt="onNext" delay="0">
+                  <p:tgtEl>
+                    <p:sldTgt/>
+                  </p:tgtEl>
+                </p:cond>
+              </p:nextCondLst>
+            </p:seq>
+          </p:childTnLst>
+        </p:cTn>
+      </p:par>
+    </p:tnLst>
+    <p:bldLst>
+      <p:bldP spid="5" grpId="0"/>
+      <p:bldP spid="6" grpId="0"/>
+    </p:bldLst>
+  </p:timing>
 </p:sld>
 </file>
 
